--- a/static/assets/img/posts/etc/http-version.pptx
+++ b/static/assets/img/posts/etc/http-version.pptx
@@ -106,6 +106,11 @@
       </a:defRPr>
     </a:lvl9pPr>
   </p:defaultTextStyle>
+  <p:extLst>
+    <p:ext uri="{EFAFB233-063F-42B5-8137-9DF3F51BA10A}">
+      <p15:sldGuideLst xmlns:p15="http://schemas.microsoft.com/office/powerpoint/2012/main"/>
+    </p:ext>
+  </p:extLst>
 </p:presentation>
 </file>
 
@@ -256,7 +261,7 @@
           <a:p>
             <a:fld id="{187B024A-58F9-A941-8036-04AB132CF501}" type="datetimeFigureOut">
               <a:rPr kumimoji="1" lang="ko-KR" altLang="en-US" smtClean="0"/>
-              <a:t>2022. 2. 13.</a:t>
+              <a:t>2022. 2. 14.</a:t>
             </a:fld>
             <a:endParaRPr kumimoji="1" lang="ko-KR" altLang="en-US"/>
           </a:p>
@@ -429,7 +434,7 @@
           <a:p>
             <a:fld id="{187B024A-58F9-A941-8036-04AB132CF501}" type="datetimeFigureOut">
               <a:rPr kumimoji="1" lang="ko-KR" altLang="en-US" smtClean="0"/>
-              <a:t>2022. 2. 13.</a:t>
+              <a:t>2022. 2. 14.</a:t>
             </a:fld>
             <a:endParaRPr kumimoji="1" lang="ko-KR" altLang="en-US"/>
           </a:p>
@@ -612,7 +617,7 @@
           <a:p>
             <a:fld id="{187B024A-58F9-A941-8036-04AB132CF501}" type="datetimeFigureOut">
               <a:rPr kumimoji="1" lang="ko-KR" altLang="en-US" smtClean="0"/>
-              <a:t>2022. 2. 13.</a:t>
+              <a:t>2022. 2. 14.</a:t>
             </a:fld>
             <a:endParaRPr kumimoji="1" lang="ko-KR" altLang="en-US"/>
           </a:p>
@@ -785,7 +790,7 @@
           <a:p>
             <a:fld id="{187B024A-58F9-A941-8036-04AB132CF501}" type="datetimeFigureOut">
               <a:rPr kumimoji="1" lang="ko-KR" altLang="en-US" smtClean="0"/>
-              <a:t>2022. 2. 13.</a:t>
+              <a:t>2022. 2. 14.</a:t>
             </a:fld>
             <a:endParaRPr kumimoji="1" lang="ko-KR" altLang="en-US"/>
           </a:p>
@@ -1063,7 +1068,7 @@
           <a:p>
             <a:fld id="{187B024A-58F9-A941-8036-04AB132CF501}" type="datetimeFigureOut">
               <a:rPr kumimoji="1" lang="ko-KR" altLang="en-US" smtClean="0"/>
-              <a:t>2022. 2. 13.</a:t>
+              <a:t>2022. 2. 14.</a:t>
             </a:fld>
             <a:endParaRPr kumimoji="1" lang="ko-KR" altLang="en-US"/>
           </a:p>
@@ -1278,7 +1283,7 @@
           <a:p>
             <a:fld id="{187B024A-58F9-A941-8036-04AB132CF501}" type="datetimeFigureOut">
               <a:rPr kumimoji="1" lang="ko-KR" altLang="en-US" smtClean="0"/>
-              <a:t>2022. 2. 13.</a:t>
+              <a:t>2022. 2. 14.</a:t>
             </a:fld>
             <a:endParaRPr kumimoji="1" lang="ko-KR" altLang="en-US"/>
           </a:p>
@@ -1646,7 +1651,7 @@
           <a:p>
             <a:fld id="{187B024A-58F9-A941-8036-04AB132CF501}" type="datetimeFigureOut">
               <a:rPr kumimoji="1" lang="ko-KR" altLang="en-US" smtClean="0"/>
-              <a:t>2022. 2. 13.</a:t>
+              <a:t>2022. 2. 14.</a:t>
             </a:fld>
             <a:endParaRPr kumimoji="1" lang="ko-KR" altLang="en-US"/>
           </a:p>
@@ -1787,7 +1792,7 @@
           <a:p>
             <a:fld id="{187B024A-58F9-A941-8036-04AB132CF501}" type="datetimeFigureOut">
               <a:rPr kumimoji="1" lang="ko-KR" altLang="en-US" smtClean="0"/>
-              <a:t>2022. 2. 13.</a:t>
+              <a:t>2022. 2. 14.</a:t>
             </a:fld>
             <a:endParaRPr kumimoji="1" lang="ko-KR" altLang="en-US"/>
           </a:p>
@@ -1900,7 +1905,7 @@
           <a:p>
             <a:fld id="{187B024A-58F9-A941-8036-04AB132CF501}" type="datetimeFigureOut">
               <a:rPr kumimoji="1" lang="ko-KR" altLang="en-US" smtClean="0"/>
-              <a:t>2022. 2. 13.</a:t>
+              <a:t>2022. 2. 14.</a:t>
             </a:fld>
             <a:endParaRPr kumimoji="1" lang="ko-KR" altLang="en-US"/>
           </a:p>
@@ -2189,7 +2194,7 @@
           <a:p>
             <a:fld id="{187B024A-58F9-A941-8036-04AB132CF501}" type="datetimeFigureOut">
               <a:rPr kumimoji="1" lang="ko-KR" altLang="en-US" smtClean="0"/>
-              <a:t>2022. 2. 13.</a:t>
+              <a:t>2022. 2. 14.</a:t>
             </a:fld>
             <a:endParaRPr kumimoji="1" lang="ko-KR" altLang="en-US"/>
           </a:p>
@@ -2480,7 +2485,7 @@
           <a:p>
             <a:fld id="{187B024A-58F9-A941-8036-04AB132CF501}" type="datetimeFigureOut">
               <a:rPr kumimoji="1" lang="ko-KR" altLang="en-US" smtClean="0"/>
-              <a:t>2022. 2. 13.</a:t>
+              <a:t>2022. 2. 14.</a:t>
             </a:fld>
             <a:endParaRPr kumimoji="1" lang="ko-KR" altLang="en-US"/>
           </a:p>
@@ -2696,7 +2701,7 @@
           <a:p>
             <a:fld id="{187B024A-58F9-A941-8036-04AB132CF501}" type="datetimeFigureOut">
               <a:rPr kumimoji="1" lang="ko-KR" altLang="en-US" smtClean="0"/>
-              <a:t>2022. 2. 13.</a:t>
+              <a:t>2022. 2. 14.</a:t>
             </a:fld>
             <a:endParaRPr kumimoji="1" lang="ko-KR" altLang="en-US"/>
           </a:p>
@@ -3135,6 +3140,51 @@
         </p:grpSpPr>
         <p:sp>
           <p:nvSpPr>
+            <p:cNvPr id="53" name="TextBox 52">
+              <a:extLst>
+                <a:ext uri="{FF2B5EF4-FFF2-40B4-BE49-F238E27FC236}">
+                  <a16:creationId xmlns:a16="http://schemas.microsoft.com/office/drawing/2014/main" id="{67B88E61-0E6F-FE45-A7C4-21B924CF7300}"/>
+                </a:ext>
+              </a:extLst>
+            </p:cNvPr>
+            <p:cNvSpPr txBox="1"/>
+            <p:nvPr/>
+          </p:nvSpPr>
+          <p:spPr>
+            <a:xfrm>
+              <a:off x="2729572" y="4641422"/>
+              <a:ext cx="1865946" cy="338554"/>
+            </a:xfrm>
+            <a:prstGeom prst="rect">
+              <a:avLst/>
+            </a:prstGeom>
+            <a:solidFill>
+              <a:schemeClr val="accent5">
+                <a:lumMod val="20000"/>
+                <a:lumOff val="80000"/>
+              </a:schemeClr>
+            </a:solidFill>
+          </p:spPr>
+          <p:txBody>
+            <a:bodyPr wrap="square" rtlCol="0">
+              <a:spAutoFit/>
+            </a:bodyPr>
+            <a:lstStyle/>
+            <a:p>
+              <a:pPr algn="ctr"/>
+              <a:r>
+                <a:rPr kumimoji="1" lang="en-US" altLang="ko-KR" sz="1600" dirty="0"/>
+                <a:t>TCP </a:t>
+              </a:r>
+              <a:r>
+                <a:rPr kumimoji="1" lang="ko-KR" altLang="en-US" sz="1600" dirty="0"/>
+                <a:t>연결</a:t>
+              </a:r>
+            </a:p>
+          </p:txBody>
+        </p:sp>
+        <p:sp>
+          <p:nvSpPr>
             <p:cNvPr id="47" name="TextBox 46">
               <a:extLst>
                 <a:ext uri="{FF2B5EF4-FFF2-40B4-BE49-F238E27FC236}">
@@ -3767,51 +3817,6 @@
             </a:fontRef>
           </p:style>
         </p:cxnSp>
-        <p:sp>
-          <p:nvSpPr>
-            <p:cNvPr id="53" name="TextBox 52">
-              <a:extLst>
-                <a:ext uri="{FF2B5EF4-FFF2-40B4-BE49-F238E27FC236}">
-                  <a16:creationId xmlns:a16="http://schemas.microsoft.com/office/drawing/2014/main" id="{67B88E61-0E6F-FE45-A7C4-21B924CF7300}"/>
-                </a:ext>
-              </a:extLst>
-            </p:cNvPr>
-            <p:cNvSpPr txBox="1"/>
-            <p:nvPr/>
-          </p:nvSpPr>
-          <p:spPr>
-            <a:xfrm>
-              <a:off x="2729572" y="4641422"/>
-              <a:ext cx="1865946" cy="338554"/>
-            </a:xfrm>
-            <a:prstGeom prst="rect">
-              <a:avLst/>
-            </a:prstGeom>
-            <a:solidFill>
-              <a:schemeClr val="accent5">
-                <a:lumMod val="20000"/>
-                <a:lumOff val="80000"/>
-              </a:schemeClr>
-            </a:solidFill>
-          </p:spPr>
-          <p:txBody>
-            <a:bodyPr wrap="square" rtlCol="0">
-              <a:spAutoFit/>
-            </a:bodyPr>
-            <a:lstStyle/>
-            <a:p>
-              <a:pPr algn="ctr"/>
-              <a:r>
-                <a:rPr kumimoji="1" lang="en-US" altLang="ko-KR" sz="1600" dirty="0"/>
-                <a:t>TCP </a:t>
-              </a:r>
-              <a:r>
-                <a:rPr kumimoji="1" lang="ko-KR" altLang="en-US" sz="1600" dirty="0"/>
-                <a:t>연결</a:t>
-              </a:r>
-            </a:p>
-          </p:txBody>
-        </p:sp>
         <p:sp>
           <p:nvSpPr>
             <p:cNvPr id="54" name="직사각형 53">

--- a/static/assets/img/posts/etc/http-version.pptx
+++ b/static/assets/img/posts/etc/http-version.pptx
@@ -8,6 +8,9 @@
     <p:sldId id="256" r:id="rId2"/>
     <p:sldId id="259" r:id="rId3"/>
     <p:sldId id="258" r:id="rId4"/>
+    <p:sldId id="260" r:id="rId5"/>
+    <p:sldId id="261" r:id="rId6"/>
+    <p:sldId id="262" r:id="rId7"/>
   </p:sldIdLst>
   <p:sldSz cx="12192000" cy="6858000"/>
   <p:notesSz cx="6858000" cy="9144000"/>
@@ -261,7 +264,7 @@
           <a:p>
             <a:fld id="{187B024A-58F9-A941-8036-04AB132CF501}" type="datetimeFigureOut">
               <a:rPr kumimoji="1" lang="ko-KR" altLang="en-US" smtClean="0"/>
-              <a:t>2022. 2. 14.</a:t>
+              <a:t>2022. 2. 18.</a:t>
             </a:fld>
             <a:endParaRPr kumimoji="1" lang="ko-KR" altLang="en-US"/>
           </a:p>
@@ -434,7 +437,7 @@
           <a:p>
             <a:fld id="{187B024A-58F9-A941-8036-04AB132CF501}" type="datetimeFigureOut">
               <a:rPr kumimoji="1" lang="ko-KR" altLang="en-US" smtClean="0"/>
-              <a:t>2022. 2. 14.</a:t>
+              <a:t>2022. 2. 18.</a:t>
             </a:fld>
             <a:endParaRPr kumimoji="1" lang="ko-KR" altLang="en-US"/>
           </a:p>
@@ -617,7 +620,7 @@
           <a:p>
             <a:fld id="{187B024A-58F9-A941-8036-04AB132CF501}" type="datetimeFigureOut">
               <a:rPr kumimoji="1" lang="ko-KR" altLang="en-US" smtClean="0"/>
-              <a:t>2022. 2. 14.</a:t>
+              <a:t>2022. 2. 18.</a:t>
             </a:fld>
             <a:endParaRPr kumimoji="1" lang="ko-KR" altLang="en-US"/>
           </a:p>
@@ -790,7 +793,7 @@
           <a:p>
             <a:fld id="{187B024A-58F9-A941-8036-04AB132CF501}" type="datetimeFigureOut">
               <a:rPr kumimoji="1" lang="ko-KR" altLang="en-US" smtClean="0"/>
-              <a:t>2022. 2. 14.</a:t>
+              <a:t>2022. 2. 18.</a:t>
             </a:fld>
             <a:endParaRPr kumimoji="1" lang="ko-KR" altLang="en-US"/>
           </a:p>
@@ -1068,7 +1071,7 @@
           <a:p>
             <a:fld id="{187B024A-58F9-A941-8036-04AB132CF501}" type="datetimeFigureOut">
               <a:rPr kumimoji="1" lang="ko-KR" altLang="en-US" smtClean="0"/>
-              <a:t>2022. 2. 14.</a:t>
+              <a:t>2022. 2. 18.</a:t>
             </a:fld>
             <a:endParaRPr kumimoji="1" lang="ko-KR" altLang="en-US"/>
           </a:p>
@@ -1283,7 +1286,7 @@
           <a:p>
             <a:fld id="{187B024A-58F9-A941-8036-04AB132CF501}" type="datetimeFigureOut">
               <a:rPr kumimoji="1" lang="ko-KR" altLang="en-US" smtClean="0"/>
-              <a:t>2022. 2. 14.</a:t>
+              <a:t>2022. 2. 18.</a:t>
             </a:fld>
             <a:endParaRPr kumimoji="1" lang="ko-KR" altLang="en-US"/>
           </a:p>
@@ -1651,7 +1654,7 @@
           <a:p>
             <a:fld id="{187B024A-58F9-A941-8036-04AB132CF501}" type="datetimeFigureOut">
               <a:rPr kumimoji="1" lang="ko-KR" altLang="en-US" smtClean="0"/>
-              <a:t>2022. 2. 14.</a:t>
+              <a:t>2022. 2. 18.</a:t>
             </a:fld>
             <a:endParaRPr kumimoji="1" lang="ko-KR" altLang="en-US"/>
           </a:p>
@@ -1792,7 +1795,7 @@
           <a:p>
             <a:fld id="{187B024A-58F9-A941-8036-04AB132CF501}" type="datetimeFigureOut">
               <a:rPr kumimoji="1" lang="ko-KR" altLang="en-US" smtClean="0"/>
-              <a:t>2022. 2. 14.</a:t>
+              <a:t>2022. 2. 18.</a:t>
             </a:fld>
             <a:endParaRPr kumimoji="1" lang="ko-KR" altLang="en-US"/>
           </a:p>
@@ -1905,7 +1908,7 @@
           <a:p>
             <a:fld id="{187B024A-58F9-A941-8036-04AB132CF501}" type="datetimeFigureOut">
               <a:rPr kumimoji="1" lang="ko-KR" altLang="en-US" smtClean="0"/>
-              <a:t>2022. 2. 14.</a:t>
+              <a:t>2022. 2. 18.</a:t>
             </a:fld>
             <a:endParaRPr kumimoji="1" lang="ko-KR" altLang="en-US"/>
           </a:p>
@@ -2194,7 +2197,7 @@
           <a:p>
             <a:fld id="{187B024A-58F9-A941-8036-04AB132CF501}" type="datetimeFigureOut">
               <a:rPr kumimoji="1" lang="ko-KR" altLang="en-US" smtClean="0"/>
-              <a:t>2022. 2. 14.</a:t>
+              <a:t>2022. 2. 18.</a:t>
             </a:fld>
             <a:endParaRPr kumimoji="1" lang="ko-KR" altLang="en-US"/>
           </a:p>
@@ -2485,7 +2488,7 @@
           <a:p>
             <a:fld id="{187B024A-58F9-A941-8036-04AB132CF501}" type="datetimeFigureOut">
               <a:rPr kumimoji="1" lang="ko-KR" altLang="en-US" smtClean="0"/>
-              <a:t>2022. 2. 14.</a:t>
+              <a:t>2022. 2. 18.</a:t>
             </a:fld>
             <a:endParaRPr kumimoji="1" lang="ko-KR" altLang="en-US"/>
           </a:p>
@@ -2701,7 +2704,7 @@
           <a:p>
             <a:fld id="{187B024A-58F9-A941-8036-04AB132CF501}" type="datetimeFigureOut">
               <a:rPr kumimoji="1" lang="ko-KR" altLang="en-US" smtClean="0"/>
-              <a:t>2022. 2. 14.</a:t>
+              <a:t>2022. 2. 18.</a:t>
             </a:fld>
             <a:endParaRPr kumimoji="1" lang="ko-KR" altLang="en-US"/>
           </a:p>
@@ -3174,12 +3177,9 @@
               <a:pPr algn="ctr"/>
               <a:r>
                 <a:rPr kumimoji="1" lang="en-US" altLang="ko-KR" sz="1600" dirty="0"/>
-                <a:t>TCP </a:t>
+                <a:t>Connection</a:t>
               </a:r>
-              <a:r>
-                <a:rPr kumimoji="1" lang="ko-KR" altLang="en-US" sz="1600" dirty="0"/>
-                <a:t>연결</a:t>
-              </a:r>
+              <a:endParaRPr kumimoji="1" lang="ko-KR" altLang="en-US" sz="1600" dirty="0"/>
             </a:p>
           </p:txBody>
         </p:sp>
@@ -3219,12 +3219,9 @@
               <a:pPr algn="ctr"/>
               <a:r>
                 <a:rPr kumimoji="1" lang="en-US" altLang="ko-KR" sz="1600" dirty="0"/>
-                <a:t>TCP </a:t>
+                <a:t>Connection</a:t>
               </a:r>
-              <a:r>
-                <a:rPr kumimoji="1" lang="ko-KR" altLang="en-US" sz="1600" dirty="0"/>
-                <a:t>연결</a:t>
-              </a:r>
+              <a:endParaRPr kumimoji="1" lang="ko-KR" altLang="en-US" sz="1600" dirty="0"/>
             </a:p>
           </p:txBody>
         </p:sp>
@@ -3264,12 +3261,9 @@
               <a:pPr algn="ctr"/>
               <a:r>
                 <a:rPr kumimoji="1" lang="en-US" altLang="ko-KR" sz="1600" dirty="0"/>
-                <a:t>TCP </a:t>
+                <a:t>Connection</a:t>
               </a:r>
-              <a:r>
-                <a:rPr kumimoji="1" lang="ko-KR" altLang="en-US" sz="1600" dirty="0"/>
-                <a:t>연결</a:t>
-              </a:r>
+              <a:endParaRPr kumimoji="1" lang="ko-KR" altLang="en-US" sz="1600" dirty="0"/>
             </a:p>
           </p:txBody>
         </p:sp>
@@ -3569,12 +3563,9 @@
               <a:pPr algn="ctr"/>
               <a:r>
                 <a:rPr kumimoji="1" lang="en-US" altLang="ko-KR" sz="1600" dirty="0"/>
-                <a:t>TCP</a:t>
+                <a:t>Disconnection</a:t>
               </a:r>
-              <a:r>
-                <a:rPr kumimoji="1" lang="ko-KR" altLang="en-US" sz="1600" dirty="0"/>
-                <a:t> 연결 해제</a:t>
-              </a:r>
+              <a:endParaRPr kumimoji="1" lang="ko-KR" altLang="en-US" sz="1600" dirty="0"/>
             </a:p>
           </p:txBody>
         </p:sp>
@@ -3764,12 +3755,9 @@
               <a:pPr algn="ctr"/>
               <a:r>
                 <a:rPr kumimoji="1" lang="en-US" altLang="ko-KR" sz="1600" dirty="0"/>
-                <a:t>TCP</a:t>
+                <a:t>Disconnection</a:t>
               </a:r>
-              <a:r>
-                <a:rPr kumimoji="1" lang="ko-KR" altLang="en-US" sz="1600" dirty="0"/>
-                <a:t> 연결 해제</a:t>
-              </a:r>
+              <a:endParaRPr kumimoji="1" lang="ko-KR" altLang="en-US" sz="1600" dirty="0"/>
             </a:p>
           </p:txBody>
         </p:sp>
@@ -3959,12 +3947,9 @@
               <a:pPr algn="ctr"/>
               <a:r>
                 <a:rPr kumimoji="1" lang="en-US" altLang="ko-KR" sz="1600" dirty="0"/>
-                <a:t>TCP</a:t>
+                <a:t>Disconnection</a:t>
               </a:r>
-              <a:r>
-                <a:rPr kumimoji="1" lang="ko-KR" altLang="en-US" sz="1600" dirty="0"/>
-                <a:t> 연결 해제</a:t>
-              </a:r>
+              <a:endParaRPr kumimoji="1" lang="ko-KR" altLang="en-US" sz="1600" dirty="0"/>
             </a:p>
           </p:txBody>
         </p:sp>
@@ -4099,12 +4084,9 @@
               <a:pPr algn="ctr"/>
               <a:r>
                 <a:rPr kumimoji="1" lang="en-US" altLang="ko-KR" sz="1600" dirty="0"/>
-                <a:t>TCP </a:t>
+                <a:t>Connection</a:t>
               </a:r>
-              <a:r>
-                <a:rPr kumimoji="1" lang="ko-KR" altLang="en-US" sz="1600" dirty="0"/>
-                <a:t>연결</a:t>
-              </a:r>
+              <a:endParaRPr kumimoji="1" lang="ko-KR" altLang="en-US" sz="1600" dirty="0"/>
             </a:p>
           </p:txBody>
         </p:sp>
@@ -4704,12 +4686,9 @@
               <a:pPr algn="ctr"/>
               <a:r>
                 <a:rPr kumimoji="1" lang="en-US" altLang="ko-KR" sz="1600" dirty="0"/>
-                <a:t>TCP</a:t>
+                <a:t>Disconnection</a:t>
               </a:r>
-              <a:r>
-                <a:rPr kumimoji="1" lang="ko-KR" altLang="en-US" sz="1600" dirty="0"/>
-                <a:t> 연결 해제</a:t>
-              </a:r>
+              <a:endParaRPr kumimoji="1" lang="ko-KR" altLang="en-US" sz="1600" dirty="0"/>
             </a:p>
           </p:txBody>
         </p:sp>
@@ -4844,12 +4823,9 @@
               <a:pPr algn="ctr"/>
               <a:r>
                 <a:rPr kumimoji="1" lang="en-US" altLang="ko-KR" sz="1600" dirty="0"/>
-                <a:t>TCP </a:t>
+                <a:t>Connection</a:t>
               </a:r>
-              <a:r>
-                <a:rPr kumimoji="1" lang="ko-KR" altLang="en-US" sz="1600" dirty="0"/>
-                <a:t>연결</a:t>
-              </a:r>
+              <a:endParaRPr kumimoji="1" lang="ko-KR" altLang="en-US" sz="1600" dirty="0"/>
             </a:p>
           </p:txBody>
         </p:sp>
@@ -5449,6 +5425,2418 @@
               <a:pPr algn="ctr"/>
               <a:r>
                 <a:rPr kumimoji="1" lang="en-US" altLang="ko-KR" sz="1600" dirty="0"/>
+                <a:t>Disconnection</a:t>
+              </a:r>
+              <a:endParaRPr kumimoji="1" lang="ko-KR" altLang="en-US" sz="1600" dirty="0"/>
+            </a:p>
+          </p:txBody>
+        </p:sp>
+        <p:cxnSp>
+          <p:nvCxnSpPr>
+            <p:cNvPr id="47" name="직선 화살표 연결선 46">
+              <a:extLst>
+                <a:ext uri="{FF2B5EF4-FFF2-40B4-BE49-F238E27FC236}">
+                  <a16:creationId xmlns:a16="http://schemas.microsoft.com/office/drawing/2014/main" id="{E606C51B-A2B3-094C-97D3-3F1321FB83A6}"/>
+                </a:ext>
+              </a:extLst>
+            </p:cNvPr>
+            <p:cNvCxnSpPr>
+              <a:cxnSpLocks/>
+            </p:cNvCxnSpPr>
+            <p:nvPr/>
+          </p:nvCxnSpPr>
+          <p:spPr>
+            <a:xfrm flipH="1">
+              <a:off x="2716042" y="3367737"/>
+              <a:ext cx="1887239" cy="266649"/>
+            </a:xfrm>
+            <a:prstGeom prst="straightConnector1">
+              <a:avLst/>
+            </a:prstGeom>
+            <a:ln w="50800">
+              <a:solidFill>
+                <a:schemeClr val="tx1"/>
+              </a:solidFill>
+              <a:tailEnd type="triangle"/>
+            </a:ln>
+          </p:spPr>
+          <p:style>
+            <a:lnRef idx="1">
+              <a:schemeClr val="accent1"/>
+            </a:lnRef>
+            <a:fillRef idx="0">
+              <a:schemeClr val="accent1"/>
+            </a:fillRef>
+            <a:effectRef idx="0">
+              <a:schemeClr val="accent1"/>
+            </a:effectRef>
+            <a:fontRef idx="minor">
+              <a:schemeClr val="tx1"/>
+            </a:fontRef>
+          </p:style>
+        </p:cxnSp>
+      </p:grpSp>
+    </p:spTree>
+    <p:extLst>
+      <p:ext uri="{BB962C8B-B14F-4D97-AF65-F5344CB8AC3E}">
+        <p14:creationId xmlns:p14="http://schemas.microsoft.com/office/powerpoint/2010/main" val="1742687049"/>
+      </p:ext>
+    </p:extLst>
+  </p:cSld>
+  <p:clrMapOvr>
+    <a:masterClrMapping/>
+  </p:clrMapOvr>
+</p:sld>
+</file>
+
+<file path=ppt/slides/slide4.xml><?xml version="1.0" encoding="utf-8"?>
+<p:sld xmlns:a="http://schemas.openxmlformats.org/drawingml/2006/main" xmlns:r="http://schemas.openxmlformats.org/officeDocument/2006/relationships" xmlns:p="http://schemas.openxmlformats.org/presentationml/2006/main" show="0">
+  <p:cSld>
+    <p:spTree>
+      <p:nvGrpSpPr>
+        <p:cNvPr id="1" name=""/>
+        <p:cNvGrpSpPr/>
+        <p:nvPr/>
+      </p:nvGrpSpPr>
+      <p:grpSpPr>
+        <a:xfrm>
+          <a:off x="0" y="0"/>
+          <a:ext cx="0" cy="0"/>
+          <a:chOff x="0" y="0"/>
+          <a:chExt cx="0" cy="0"/>
+        </a:xfrm>
+      </p:grpSpPr>
+      <p:grpSp>
+        <p:nvGrpSpPr>
+          <p:cNvPr id="58" name="그룹 57">
+            <a:extLst>
+              <a:ext uri="{FF2B5EF4-FFF2-40B4-BE49-F238E27FC236}">
+                <a16:creationId xmlns:a16="http://schemas.microsoft.com/office/drawing/2014/main" id="{4F3C10A0-C20D-C548-8EE8-4B990C962AFF}"/>
+              </a:ext>
+            </a:extLst>
+          </p:cNvPr>
+          <p:cNvGrpSpPr/>
+          <p:nvPr/>
+        </p:nvGrpSpPr>
+        <p:grpSpPr>
+          <a:xfrm>
+            <a:off x="2216745" y="471946"/>
+            <a:ext cx="4281626" cy="6148310"/>
+            <a:chOff x="2216745" y="471946"/>
+            <a:chExt cx="4281626" cy="6148310"/>
+          </a:xfrm>
+        </p:grpSpPr>
+        <p:sp>
+          <p:nvSpPr>
+            <p:cNvPr id="53" name="TextBox 52">
+              <a:extLst>
+                <a:ext uri="{FF2B5EF4-FFF2-40B4-BE49-F238E27FC236}">
+                  <a16:creationId xmlns:a16="http://schemas.microsoft.com/office/drawing/2014/main" id="{67B88E61-0E6F-FE45-A7C4-21B924CF7300}"/>
+                </a:ext>
+              </a:extLst>
+            </p:cNvPr>
+            <p:cNvSpPr txBox="1"/>
+            <p:nvPr/>
+          </p:nvSpPr>
+          <p:spPr>
+            <a:xfrm>
+              <a:off x="2729572" y="4641422"/>
+              <a:ext cx="1865946" cy="338554"/>
+            </a:xfrm>
+            <a:prstGeom prst="rect">
+              <a:avLst/>
+            </a:prstGeom>
+            <a:solidFill>
+              <a:schemeClr val="accent5">
+                <a:lumMod val="20000"/>
+                <a:lumOff val="80000"/>
+              </a:schemeClr>
+            </a:solidFill>
+          </p:spPr>
+          <p:txBody>
+            <a:bodyPr wrap="square" rtlCol="0">
+              <a:spAutoFit/>
+            </a:bodyPr>
+            <a:lstStyle/>
+            <a:p>
+              <a:pPr algn="ctr"/>
+              <a:r>
+                <a:rPr kumimoji="1" lang="en-US" altLang="ko-KR" sz="1600" dirty="0"/>
+                <a:t>TCP </a:t>
+              </a:r>
+              <a:r>
+                <a:rPr kumimoji="1" lang="ko-KR" altLang="en-US" sz="1600" dirty="0"/>
+                <a:t>연결</a:t>
+              </a:r>
+            </a:p>
+          </p:txBody>
+        </p:sp>
+        <p:sp>
+          <p:nvSpPr>
+            <p:cNvPr id="47" name="TextBox 46">
+              <a:extLst>
+                <a:ext uri="{FF2B5EF4-FFF2-40B4-BE49-F238E27FC236}">
+                  <a16:creationId xmlns:a16="http://schemas.microsoft.com/office/drawing/2014/main" id="{E3A6F8C9-4D4C-314F-89F0-9D7A3E205AA3}"/>
+                </a:ext>
+              </a:extLst>
+            </p:cNvPr>
+            <p:cNvSpPr txBox="1"/>
+            <p:nvPr/>
+          </p:nvSpPr>
+          <p:spPr>
+            <a:xfrm>
+              <a:off x="2729572" y="2845724"/>
+              <a:ext cx="1865946" cy="338554"/>
+            </a:xfrm>
+            <a:prstGeom prst="rect">
+              <a:avLst/>
+            </a:prstGeom>
+            <a:solidFill>
+              <a:schemeClr val="accent5">
+                <a:lumMod val="20000"/>
+                <a:lumOff val="80000"/>
+              </a:schemeClr>
+            </a:solidFill>
+          </p:spPr>
+          <p:txBody>
+            <a:bodyPr wrap="square" rtlCol="0">
+              <a:spAutoFit/>
+            </a:bodyPr>
+            <a:lstStyle/>
+            <a:p>
+              <a:pPr algn="ctr"/>
+              <a:r>
+                <a:rPr kumimoji="1" lang="en-US" altLang="ko-KR" sz="1600" dirty="0"/>
+                <a:t>TCP </a:t>
+              </a:r>
+              <a:r>
+                <a:rPr kumimoji="1" lang="ko-KR" altLang="en-US" sz="1600" dirty="0"/>
+                <a:t>연결</a:t>
+              </a:r>
+            </a:p>
+          </p:txBody>
+        </p:sp>
+        <p:sp>
+          <p:nvSpPr>
+            <p:cNvPr id="10" name="TextBox 9">
+              <a:extLst>
+                <a:ext uri="{FF2B5EF4-FFF2-40B4-BE49-F238E27FC236}">
+                  <a16:creationId xmlns:a16="http://schemas.microsoft.com/office/drawing/2014/main" id="{5602CD05-5512-EA45-A893-CFB3DFC26675}"/>
+                </a:ext>
+              </a:extLst>
+            </p:cNvPr>
+            <p:cNvSpPr txBox="1"/>
+            <p:nvPr/>
+          </p:nvSpPr>
+          <p:spPr>
+            <a:xfrm>
+              <a:off x="2729572" y="1050026"/>
+              <a:ext cx="1865946" cy="338554"/>
+            </a:xfrm>
+            <a:prstGeom prst="rect">
+              <a:avLst/>
+            </a:prstGeom>
+            <a:solidFill>
+              <a:schemeClr val="accent5">
+                <a:lumMod val="20000"/>
+                <a:lumOff val="80000"/>
+              </a:schemeClr>
+            </a:solidFill>
+          </p:spPr>
+          <p:txBody>
+            <a:bodyPr wrap="square" rtlCol="0">
+              <a:spAutoFit/>
+            </a:bodyPr>
+            <a:lstStyle/>
+            <a:p>
+              <a:pPr algn="ctr"/>
+              <a:r>
+                <a:rPr kumimoji="1" lang="en-US" altLang="ko-KR" sz="1600" dirty="0"/>
+                <a:t>TCP </a:t>
+              </a:r>
+              <a:r>
+                <a:rPr kumimoji="1" lang="ko-KR" altLang="en-US" sz="1600" dirty="0"/>
+                <a:t>연결</a:t>
+              </a:r>
+            </a:p>
+          </p:txBody>
+        </p:sp>
+        <p:cxnSp>
+          <p:nvCxnSpPr>
+            <p:cNvPr id="5" name="직선 연결선[R] 4">
+              <a:extLst>
+                <a:ext uri="{FF2B5EF4-FFF2-40B4-BE49-F238E27FC236}">
+                  <a16:creationId xmlns:a16="http://schemas.microsoft.com/office/drawing/2014/main" id="{C7B8184F-9E09-4A44-B928-5443C553A934}"/>
+                </a:ext>
+              </a:extLst>
+            </p:cNvPr>
+            <p:cNvCxnSpPr/>
+            <p:nvPr/>
+          </p:nvCxnSpPr>
+          <p:spPr>
+            <a:xfrm>
+              <a:off x="2706624" y="933611"/>
+              <a:ext cx="0" cy="5686645"/>
+            </a:xfrm>
+            <a:prstGeom prst="line">
+              <a:avLst/>
+            </a:prstGeom>
+            <a:ln w="50800">
+              <a:solidFill>
+                <a:schemeClr val="tx1"/>
+              </a:solidFill>
+            </a:ln>
+          </p:spPr>
+          <p:style>
+            <a:lnRef idx="1">
+              <a:schemeClr val="accent1"/>
+            </a:lnRef>
+            <a:fillRef idx="0">
+              <a:schemeClr val="accent1"/>
+            </a:fillRef>
+            <a:effectRef idx="0">
+              <a:schemeClr val="accent1"/>
+            </a:effectRef>
+            <a:fontRef idx="minor">
+              <a:schemeClr val="tx1"/>
+            </a:fontRef>
+          </p:style>
+        </p:cxnSp>
+        <p:sp>
+          <p:nvSpPr>
+            <p:cNvPr id="6" name="TextBox 5">
+              <a:extLst>
+                <a:ext uri="{FF2B5EF4-FFF2-40B4-BE49-F238E27FC236}">
+                  <a16:creationId xmlns:a16="http://schemas.microsoft.com/office/drawing/2014/main" id="{DAA0D060-6BBE-C143-9C6D-D1CC3A0981DD}"/>
+                </a:ext>
+              </a:extLst>
+            </p:cNvPr>
+            <p:cNvSpPr txBox="1"/>
+            <p:nvPr/>
+          </p:nvSpPr>
+          <p:spPr>
+            <a:xfrm>
+              <a:off x="2216745" y="471946"/>
+              <a:ext cx="979755" cy="461665"/>
+            </a:xfrm>
+            <a:prstGeom prst="rect">
+              <a:avLst/>
+            </a:prstGeom>
+            <a:noFill/>
+          </p:spPr>
+          <p:txBody>
+            <a:bodyPr wrap="none" rtlCol="0">
+              <a:spAutoFit/>
+            </a:bodyPr>
+            <a:lstStyle/>
+            <a:p>
+              <a:r>
+                <a:rPr kumimoji="1" lang="en-US" altLang="ko-KR" sz="2400" dirty="0"/>
+                <a:t>Client</a:t>
+              </a:r>
+              <a:endParaRPr kumimoji="1" lang="ko-KR" altLang="en-US" sz="2400" dirty="0"/>
+            </a:p>
+          </p:txBody>
+        </p:sp>
+        <p:cxnSp>
+          <p:nvCxnSpPr>
+            <p:cNvPr id="7" name="직선 연결선[R] 6">
+              <a:extLst>
+                <a:ext uri="{FF2B5EF4-FFF2-40B4-BE49-F238E27FC236}">
+                  <a16:creationId xmlns:a16="http://schemas.microsoft.com/office/drawing/2014/main" id="{E5564040-B92A-D84C-A0B5-40A0418BE269}"/>
+                </a:ext>
+              </a:extLst>
+            </p:cNvPr>
+            <p:cNvCxnSpPr/>
+            <p:nvPr/>
+          </p:nvCxnSpPr>
+          <p:spPr>
+            <a:xfrm>
+              <a:off x="4620097" y="933611"/>
+              <a:ext cx="0" cy="5686645"/>
+            </a:xfrm>
+            <a:prstGeom prst="line">
+              <a:avLst/>
+            </a:prstGeom>
+            <a:ln w="50800">
+              <a:solidFill>
+                <a:schemeClr val="tx1"/>
+              </a:solidFill>
+            </a:ln>
+          </p:spPr>
+          <p:style>
+            <a:lnRef idx="1">
+              <a:schemeClr val="accent1"/>
+            </a:lnRef>
+            <a:fillRef idx="0">
+              <a:schemeClr val="accent1"/>
+            </a:fillRef>
+            <a:effectRef idx="0">
+              <a:schemeClr val="accent1"/>
+            </a:effectRef>
+            <a:fontRef idx="minor">
+              <a:schemeClr val="tx1"/>
+            </a:fontRef>
+          </p:style>
+        </p:cxnSp>
+        <p:sp>
+          <p:nvSpPr>
+            <p:cNvPr id="8" name="TextBox 7">
+              <a:extLst>
+                <a:ext uri="{FF2B5EF4-FFF2-40B4-BE49-F238E27FC236}">
+                  <a16:creationId xmlns:a16="http://schemas.microsoft.com/office/drawing/2014/main" id="{A2A7CC31-3BDB-F740-926F-DD00009E5AA5}"/>
+                </a:ext>
+              </a:extLst>
+            </p:cNvPr>
+            <p:cNvSpPr txBox="1"/>
+            <p:nvPr/>
+          </p:nvSpPr>
+          <p:spPr>
+            <a:xfrm>
+              <a:off x="4089213" y="471946"/>
+              <a:ext cx="1061766" cy="461665"/>
+            </a:xfrm>
+            <a:prstGeom prst="rect">
+              <a:avLst/>
+            </a:prstGeom>
+            <a:noFill/>
+          </p:spPr>
+          <p:txBody>
+            <a:bodyPr wrap="none" rtlCol="0">
+              <a:spAutoFit/>
+            </a:bodyPr>
+            <a:lstStyle/>
+            <a:p>
+              <a:r>
+                <a:rPr kumimoji="1" lang="en-US" altLang="ko-KR" sz="2400" dirty="0"/>
+                <a:t>Server</a:t>
+              </a:r>
+              <a:endParaRPr kumimoji="1" lang="ko-KR" altLang="en-US" sz="2400" dirty="0"/>
+            </a:p>
+          </p:txBody>
+        </p:sp>
+        <p:sp>
+          <p:nvSpPr>
+            <p:cNvPr id="39" name="직사각형 38">
+              <a:extLst>
+                <a:ext uri="{FF2B5EF4-FFF2-40B4-BE49-F238E27FC236}">
+                  <a16:creationId xmlns:a16="http://schemas.microsoft.com/office/drawing/2014/main" id="{6E0F2D4F-84E7-574E-A3E8-A2C8F1A20E01}"/>
+                </a:ext>
+              </a:extLst>
+            </p:cNvPr>
+            <p:cNvSpPr/>
+            <p:nvPr/>
+          </p:nvSpPr>
+          <p:spPr>
+            <a:xfrm>
+              <a:off x="4653729" y="1653585"/>
+              <a:ext cx="1844642" cy="571384"/>
+            </a:xfrm>
+            <a:prstGeom prst="rect">
+              <a:avLst/>
+            </a:prstGeom>
+            <a:solidFill>
+              <a:schemeClr val="accent4">
+                <a:lumMod val="20000"/>
+                <a:lumOff val="80000"/>
+              </a:schemeClr>
+            </a:solidFill>
+            <a:ln>
+              <a:noFill/>
+            </a:ln>
+          </p:spPr>
+          <p:style>
+            <a:lnRef idx="2">
+              <a:schemeClr val="accent1">
+                <a:shade val="50000"/>
+              </a:schemeClr>
+            </a:lnRef>
+            <a:fillRef idx="1">
+              <a:schemeClr val="accent1"/>
+            </a:fillRef>
+            <a:effectRef idx="0">
+              <a:schemeClr val="accent1"/>
+            </a:effectRef>
+            <a:fontRef idx="minor">
+              <a:schemeClr val="lt1"/>
+            </a:fontRef>
+          </p:style>
+          <p:txBody>
+            <a:bodyPr rtlCol="0" anchor="ctr"/>
+            <a:lstStyle/>
+            <a:p>
+              <a:pPr algn="ctr"/>
+              <a:r>
+                <a:rPr kumimoji="1" lang="ko-KR" altLang="en-US" dirty="0">
+                  <a:solidFill>
+                    <a:sysClr val="windowText" lastClr="000000"/>
+                  </a:solidFill>
+                </a:rPr>
+                <a:t>응답 결과 생성</a:t>
+              </a:r>
+            </a:p>
+          </p:txBody>
+        </p:sp>
+        <p:cxnSp>
+          <p:nvCxnSpPr>
+            <p:cNvPr id="21" name="직선 화살표 연결선 20">
+              <a:extLst>
+                <a:ext uri="{FF2B5EF4-FFF2-40B4-BE49-F238E27FC236}">
+                  <a16:creationId xmlns:a16="http://schemas.microsoft.com/office/drawing/2014/main" id="{87100696-8372-214D-9EA6-20E2A1C5D67A}"/>
+                </a:ext>
+              </a:extLst>
+            </p:cNvPr>
+            <p:cNvCxnSpPr>
+              <a:cxnSpLocks/>
+            </p:cNvCxnSpPr>
+            <p:nvPr/>
+          </p:nvCxnSpPr>
+          <p:spPr>
+            <a:xfrm>
+              <a:off x="2719741" y="1412173"/>
+              <a:ext cx="1887239" cy="241412"/>
+            </a:xfrm>
+            <a:prstGeom prst="straightConnector1">
+              <a:avLst/>
+            </a:prstGeom>
+            <a:ln w="50800">
+              <a:solidFill>
+                <a:schemeClr val="tx1"/>
+              </a:solidFill>
+              <a:tailEnd type="triangle"/>
+            </a:ln>
+          </p:spPr>
+          <p:style>
+            <a:lnRef idx="1">
+              <a:schemeClr val="accent1"/>
+            </a:lnRef>
+            <a:fillRef idx="0">
+              <a:schemeClr val="accent1"/>
+            </a:fillRef>
+            <a:effectRef idx="0">
+              <a:schemeClr val="accent1"/>
+            </a:effectRef>
+            <a:fontRef idx="minor">
+              <a:schemeClr val="tx1"/>
+            </a:fontRef>
+          </p:style>
+        </p:cxnSp>
+        <p:sp>
+          <p:nvSpPr>
+            <p:cNvPr id="45" name="TextBox 44">
+              <a:extLst>
+                <a:ext uri="{FF2B5EF4-FFF2-40B4-BE49-F238E27FC236}">
+                  <a16:creationId xmlns:a16="http://schemas.microsoft.com/office/drawing/2014/main" id="{9DE764F1-438F-FC45-874A-1A88DB032649}"/>
+                </a:ext>
+              </a:extLst>
+            </p:cNvPr>
+            <p:cNvSpPr txBox="1"/>
+            <p:nvPr/>
+          </p:nvSpPr>
+          <p:spPr>
+            <a:xfrm>
+              <a:off x="2735953" y="2507170"/>
+              <a:ext cx="1859565" cy="338554"/>
+            </a:xfrm>
+            <a:prstGeom prst="rect">
+              <a:avLst/>
+            </a:prstGeom>
+            <a:solidFill>
+              <a:schemeClr val="accent6">
+                <a:lumMod val="20000"/>
+                <a:lumOff val="80000"/>
+              </a:schemeClr>
+            </a:solidFill>
+          </p:spPr>
+          <p:txBody>
+            <a:bodyPr wrap="square" rtlCol="0">
+              <a:spAutoFit/>
+            </a:bodyPr>
+            <a:lstStyle/>
+            <a:p>
+              <a:pPr algn="ctr"/>
+              <a:r>
+                <a:rPr kumimoji="1" lang="en-US" altLang="ko-KR" sz="1600" dirty="0"/>
+                <a:t>TCP</a:t>
+              </a:r>
+              <a:r>
+                <a:rPr kumimoji="1" lang="ko-KR" altLang="en-US" sz="1600" dirty="0"/>
+                <a:t> 연결 해제</a:t>
+              </a:r>
+            </a:p>
+          </p:txBody>
+        </p:sp>
+        <p:cxnSp>
+          <p:nvCxnSpPr>
+            <p:cNvPr id="42" name="직선 화살표 연결선 41">
+              <a:extLst>
+                <a:ext uri="{FF2B5EF4-FFF2-40B4-BE49-F238E27FC236}">
+                  <a16:creationId xmlns:a16="http://schemas.microsoft.com/office/drawing/2014/main" id="{A1043DAE-4102-9342-B405-C576A2C030CE}"/>
+                </a:ext>
+              </a:extLst>
+            </p:cNvPr>
+            <p:cNvCxnSpPr>
+              <a:cxnSpLocks/>
+            </p:cNvCxnSpPr>
+            <p:nvPr/>
+          </p:nvCxnSpPr>
+          <p:spPr>
+            <a:xfrm flipH="1">
+              <a:off x="2729572" y="2224969"/>
+              <a:ext cx="1887239" cy="266649"/>
+            </a:xfrm>
+            <a:prstGeom prst="straightConnector1">
+              <a:avLst/>
+            </a:prstGeom>
+            <a:ln w="50800">
+              <a:solidFill>
+                <a:schemeClr val="tx1"/>
+              </a:solidFill>
+              <a:tailEnd type="triangle"/>
+            </a:ln>
+          </p:spPr>
+          <p:style>
+            <a:lnRef idx="1">
+              <a:schemeClr val="accent1"/>
+            </a:lnRef>
+            <a:fillRef idx="0">
+              <a:schemeClr val="accent1"/>
+            </a:fillRef>
+            <a:effectRef idx="0">
+              <a:schemeClr val="accent1"/>
+            </a:effectRef>
+            <a:fontRef idx="minor">
+              <a:schemeClr val="tx1"/>
+            </a:fontRef>
+          </p:style>
+        </p:cxnSp>
+        <p:sp>
+          <p:nvSpPr>
+            <p:cNvPr id="48" name="직사각형 47">
+              <a:extLst>
+                <a:ext uri="{FF2B5EF4-FFF2-40B4-BE49-F238E27FC236}">
+                  <a16:creationId xmlns:a16="http://schemas.microsoft.com/office/drawing/2014/main" id="{7B570EAA-F242-DF48-B02C-90747A696EE7}"/>
+                </a:ext>
+              </a:extLst>
+            </p:cNvPr>
+            <p:cNvSpPr/>
+            <p:nvPr/>
+          </p:nvSpPr>
+          <p:spPr>
+            <a:xfrm>
+              <a:off x="4653729" y="3449283"/>
+              <a:ext cx="1844642" cy="571384"/>
+            </a:xfrm>
+            <a:prstGeom prst="rect">
+              <a:avLst/>
+            </a:prstGeom>
+            <a:solidFill>
+              <a:schemeClr val="accent3">
+                <a:lumMod val="20000"/>
+                <a:lumOff val="80000"/>
+              </a:schemeClr>
+            </a:solidFill>
+            <a:ln>
+              <a:noFill/>
+            </a:ln>
+          </p:spPr>
+          <p:style>
+            <a:lnRef idx="2">
+              <a:schemeClr val="accent1">
+                <a:shade val="50000"/>
+              </a:schemeClr>
+            </a:lnRef>
+            <a:fillRef idx="1">
+              <a:schemeClr val="accent1"/>
+            </a:fillRef>
+            <a:effectRef idx="0">
+              <a:schemeClr val="accent1"/>
+            </a:effectRef>
+            <a:fontRef idx="minor">
+              <a:schemeClr val="lt1"/>
+            </a:fontRef>
+          </p:style>
+          <p:txBody>
+            <a:bodyPr rtlCol="0" anchor="ctr"/>
+            <a:lstStyle/>
+            <a:p>
+              <a:pPr algn="ctr"/>
+              <a:r>
+                <a:rPr kumimoji="1" lang="ko-KR" altLang="en-US" dirty="0">
+                  <a:solidFill>
+                    <a:sysClr val="windowText" lastClr="000000"/>
+                  </a:solidFill>
+                </a:rPr>
+                <a:t>응답 결과 생성</a:t>
+              </a:r>
+            </a:p>
+          </p:txBody>
+        </p:sp>
+        <p:cxnSp>
+          <p:nvCxnSpPr>
+            <p:cNvPr id="49" name="직선 화살표 연결선 48">
+              <a:extLst>
+                <a:ext uri="{FF2B5EF4-FFF2-40B4-BE49-F238E27FC236}">
+                  <a16:creationId xmlns:a16="http://schemas.microsoft.com/office/drawing/2014/main" id="{3ADBA461-D1A8-4541-BFBF-4DA22F8D8F76}"/>
+                </a:ext>
+              </a:extLst>
+            </p:cNvPr>
+            <p:cNvCxnSpPr>
+              <a:cxnSpLocks/>
+            </p:cNvCxnSpPr>
+            <p:nvPr/>
+          </p:nvCxnSpPr>
+          <p:spPr>
+            <a:xfrm>
+              <a:off x="2719741" y="3207871"/>
+              <a:ext cx="1887239" cy="241412"/>
+            </a:xfrm>
+            <a:prstGeom prst="straightConnector1">
+              <a:avLst/>
+            </a:prstGeom>
+            <a:ln w="50800">
+              <a:solidFill>
+                <a:schemeClr val="tx1"/>
+              </a:solidFill>
+              <a:tailEnd type="triangle"/>
+            </a:ln>
+          </p:spPr>
+          <p:style>
+            <a:lnRef idx="1">
+              <a:schemeClr val="accent1"/>
+            </a:lnRef>
+            <a:fillRef idx="0">
+              <a:schemeClr val="accent1"/>
+            </a:fillRef>
+            <a:effectRef idx="0">
+              <a:schemeClr val="accent1"/>
+            </a:effectRef>
+            <a:fontRef idx="minor">
+              <a:schemeClr val="tx1"/>
+            </a:fontRef>
+          </p:style>
+        </p:cxnSp>
+        <p:sp>
+          <p:nvSpPr>
+            <p:cNvPr id="50" name="TextBox 49">
+              <a:extLst>
+                <a:ext uri="{FF2B5EF4-FFF2-40B4-BE49-F238E27FC236}">
+                  <a16:creationId xmlns:a16="http://schemas.microsoft.com/office/drawing/2014/main" id="{761C798B-E95C-354D-952F-5C3EDEB9EBEC}"/>
+                </a:ext>
+              </a:extLst>
+            </p:cNvPr>
+            <p:cNvSpPr txBox="1"/>
+            <p:nvPr/>
+          </p:nvSpPr>
+          <p:spPr>
+            <a:xfrm>
+              <a:off x="2735953" y="4302868"/>
+              <a:ext cx="1859565" cy="338554"/>
+            </a:xfrm>
+            <a:prstGeom prst="rect">
+              <a:avLst/>
+            </a:prstGeom>
+            <a:solidFill>
+              <a:schemeClr val="accent6">
+                <a:lumMod val="20000"/>
+                <a:lumOff val="80000"/>
+              </a:schemeClr>
+            </a:solidFill>
+          </p:spPr>
+          <p:txBody>
+            <a:bodyPr wrap="square" rtlCol="0">
+              <a:spAutoFit/>
+            </a:bodyPr>
+            <a:lstStyle/>
+            <a:p>
+              <a:pPr algn="ctr"/>
+              <a:r>
+                <a:rPr kumimoji="1" lang="en-US" altLang="ko-KR" sz="1600" dirty="0"/>
+                <a:t>TCP</a:t>
+              </a:r>
+              <a:r>
+                <a:rPr kumimoji="1" lang="ko-KR" altLang="en-US" sz="1600" dirty="0"/>
+                <a:t> 연결 해제</a:t>
+              </a:r>
+            </a:p>
+          </p:txBody>
+        </p:sp>
+        <p:cxnSp>
+          <p:nvCxnSpPr>
+            <p:cNvPr id="51" name="직선 화살표 연결선 50">
+              <a:extLst>
+                <a:ext uri="{FF2B5EF4-FFF2-40B4-BE49-F238E27FC236}">
+                  <a16:creationId xmlns:a16="http://schemas.microsoft.com/office/drawing/2014/main" id="{D83DE204-84F6-9E41-A2CE-D76E60760353}"/>
+                </a:ext>
+              </a:extLst>
+            </p:cNvPr>
+            <p:cNvCxnSpPr>
+              <a:cxnSpLocks/>
+            </p:cNvCxnSpPr>
+            <p:nvPr/>
+          </p:nvCxnSpPr>
+          <p:spPr>
+            <a:xfrm flipH="1">
+              <a:off x="2729572" y="4020667"/>
+              <a:ext cx="1887239" cy="266649"/>
+            </a:xfrm>
+            <a:prstGeom prst="straightConnector1">
+              <a:avLst/>
+            </a:prstGeom>
+            <a:ln w="50800">
+              <a:solidFill>
+                <a:schemeClr val="tx1"/>
+              </a:solidFill>
+              <a:tailEnd type="triangle"/>
+            </a:ln>
+          </p:spPr>
+          <p:style>
+            <a:lnRef idx="1">
+              <a:schemeClr val="accent1"/>
+            </a:lnRef>
+            <a:fillRef idx="0">
+              <a:schemeClr val="accent1"/>
+            </a:fillRef>
+            <a:effectRef idx="0">
+              <a:schemeClr val="accent1"/>
+            </a:effectRef>
+            <a:fontRef idx="minor">
+              <a:schemeClr val="tx1"/>
+            </a:fontRef>
+          </p:style>
+        </p:cxnSp>
+        <p:sp>
+          <p:nvSpPr>
+            <p:cNvPr id="54" name="직사각형 53">
+              <a:extLst>
+                <a:ext uri="{FF2B5EF4-FFF2-40B4-BE49-F238E27FC236}">
+                  <a16:creationId xmlns:a16="http://schemas.microsoft.com/office/drawing/2014/main" id="{F767E88D-7ED9-B448-9A7C-68E42C5C85DA}"/>
+                </a:ext>
+              </a:extLst>
+            </p:cNvPr>
+            <p:cNvSpPr/>
+            <p:nvPr/>
+          </p:nvSpPr>
+          <p:spPr>
+            <a:xfrm>
+              <a:off x="4653729" y="5244981"/>
+              <a:ext cx="1844642" cy="571384"/>
+            </a:xfrm>
+            <a:prstGeom prst="rect">
+              <a:avLst/>
+            </a:prstGeom>
+            <a:solidFill>
+              <a:schemeClr val="accent2">
+                <a:lumMod val="20000"/>
+                <a:lumOff val="80000"/>
+              </a:schemeClr>
+            </a:solidFill>
+            <a:ln>
+              <a:noFill/>
+            </a:ln>
+          </p:spPr>
+          <p:style>
+            <a:lnRef idx="2">
+              <a:schemeClr val="accent1">
+                <a:shade val="50000"/>
+              </a:schemeClr>
+            </a:lnRef>
+            <a:fillRef idx="1">
+              <a:schemeClr val="accent1"/>
+            </a:fillRef>
+            <a:effectRef idx="0">
+              <a:schemeClr val="accent1"/>
+            </a:effectRef>
+            <a:fontRef idx="minor">
+              <a:schemeClr val="lt1"/>
+            </a:fontRef>
+          </p:style>
+          <p:txBody>
+            <a:bodyPr rtlCol="0" anchor="ctr"/>
+            <a:lstStyle/>
+            <a:p>
+              <a:pPr algn="ctr"/>
+              <a:r>
+                <a:rPr kumimoji="1" lang="ko-KR" altLang="en-US" dirty="0">
+                  <a:solidFill>
+                    <a:sysClr val="windowText" lastClr="000000"/>
+                  </a:solidFill>
+                </a:rPr>
+                <a:t>응답 결과 생성</a:t>
+              </a:r>
+            </a:p>
+          </p:txBody>
+        </p:sp>
+        <p:cxnSp>
+          <p:nvCxnSpPr>
+            <p:cNvPr id="55" name="직선 화살표 연결선 54">
+              <a:extLst>
+                <a:ext uri="{FF2B5EF4-FFF2-40B4-BE49-F238E27FC236}">
+                  <a16:creationId xmlns:a16="http://schemas.microsoft.com/office/drawing/2014/main" id="{E0913B90-D62D-B941-9A87-BB103C4DF8F8}"/>
+                </a:ext>
+              </a:extLst>
+            </p:cNvPr>
+            <p:cNvCxnSpPr>
+              <a:cxnSpLocks/>
+            </p:cNvCxnSpPr>
+            <p:nvPr/>
+          </p:nvCxnSpPr>
+          <p:spPr>
+            <a:xfrm>
+              <a:off x="2719741" y="5003569"/>
+              <a:ext cx="1887239" cy="241412"/>
+            </a:xfrm>
+            <a:prstGeom prst="straightConnector1">
+              <a:avLst/>
+            </a:prstGeom>
+            <a:ln w="50800">
+              <a:solidFill>
+                <a:schemeClr val="tx1"/>
+              </a:solidFill>
+              <a:tailEnd type="triangle"/>
+            </a:ln>
+          </p:spPr>
+          <p:style>
+            <a:lnRef idx="1">
+              <a:schemeClr val="accent1"/>
+            </a:lnRef>
+            <a:fillRef idx="0">
+              <a:schemeClr val="accent1"/>
+            </a:fillRef>
+            <a:effectRef idx="0">
+              <a:schemeClr val="accent1"/>
+            </a:effectRef>
+            <a:fontRef idx="minor">
+              <a:schemeClr val="tx1"/>
+            </a:fontRef>
+          </p:style>
+        </p:cxnSp>
+        <p:sp>
+          <p:nvSpPr>
+            <p:cNvPr id="56" name="TextBox 55">
+              <a:extLst>
+                <a:ext uri="{FF2B5EF4-FFF2-40B4-BE49-F238E27FC236}">
+                  <a16:creationId xmlns:a16="http://schemas.microsoft.com/office/drawing/2014/main" id="{EEEEE69C-B682-3641-A515-43D3124F2ECB}"/>
+                </a:ext>
+              </a:extLst>
+            </p:cNvPr>
+            <p:cNvSpPr txBox="1"/>
+            <p:nvPr/>
+          </p:nvSpPr>
+          <p:spPr>
+            <a:xfrm>
+              <a:off x="2735953" y="6098566"/>
+              <a:ext cx="1859565" cy="338554"/>
+            </a:xfrm>
+            <a:prstGeom prst="rect">
+              <a:avLst/>
+            </a:prstGeom>
+            <a:solidFill>
+              <a:schemeClr val="accent6">
+                <a:lumMod val="20000"/>
+                <a:lumOff val="80000"/>
+              </a:schemeClr>
+            </a:solidFill>
+          </p:spPr>
+          <p:txBody>
+            <a:bodyPr wrap="square" rtlCol="0">
+              <a:spAutoFit/>
+            </a:bodyPr>
+            <a:lstStyle/>
+            <a:p>
+              <a:pPr algn="ctr"/>
+              <a:r>
+                <a:rPr kumimoji="1" lang="en-US" altLang="ko-KR" sz="1600" dirty="0"/>
+                <a:t>TCP</a:t>
+              </a:r>
+              <a:r>
+                <a:rPr kumimoji="1" lang="ko-KR" altLang="en-US" sz="1600" dirty="0"/>
+                <a:t> 연결 해제</a:t>
+              </a:r>
+            </a:p>
+          </p:txBody>
+        </p:sp>
+        <p:cxnSp>
+          <p:nvCxnSpPr>
+            <p:cNvPr id="57" name="직선 화살표 연결선 56">
+              <a:extLst>
+                <a:ext uri="{FF2B5EF4-FFF2-40B4-BE49-F238E27FC236}">
+                  <a16:creationId xmlns:a16="http://schemas.microsoft.com/office/drawing/2014/main" id="{FB1BE8D6-3BDC-664B-ABB1-42AA8D8A4141}"/>
+                </a:ext>
+              </a:extLst>
+            </p:cNvPr>
+            <p:cNvCxnSpPr>
+              <a:cxnSpLocks/>
+            </p:cNvCxnSpPr>
+            <p:nvPr/>
+          </p:nvCxnSpPr>
+          <p:spPr>
+            <a:xfrm flipH="1">
+              <a:off x="2729572" y="5816365"/>
+              <a:ext cx="1887239" cy="266649"/>
+            </a:xfrm>
+            <a:prstGeom prst="straightConnector1">
+              <a:avLst/>
+            </a:prstGeom>
+            <a:ln w="50800">
+              <a:solidFill>
+                <a:schemeClr val="tx1"/>
+              </a:solidFill>
+              <a:tailEnd type="triangle"/>
+            </a:ln>
+          </p:spPr>
+          <p:style>
+            <a:lnRef idx="1">
+              <a:schemeClr val="accent1"/>
+            </a:lnRef>
+            <a:fillRef idx="0">
+              <a:schemeClr val="accent1"/>
+            </a:fillRef>
+            <a:effectRef idx="0">
+              <a:schemeClr val="accent1"/>
+            </a:effectRef>
+            <a:fontRef idx="minor">
+              <a:schemeClr val="tx1"/>
+            </a:fontRef>
+          </p:style>
+        </p:cxnSp>
+      </p:grpSp>
+    </p:spTree>
+    <p:extLst>
+      <p:ext uri="{BB962C8B-B14F-4D97-AF65-F5344CB8AC3E}">
+        <p14:creationId xmlns:p14="http://schemas.microsoft.com/office/powerpoint/2010/main" val="2205718143"/>
+      </p:ext>
+    </p:extLst>
+  </p:cSld>
+  <p:clrMapOvr>
+    <a:masterClrMapping/>
+  </p:clrMapOvr>
+</p:sld>
+</file>
+
+<file path=ppt/slides/slide5.xml><?xml version="1.0" encoding="utf-8"?>
+<p:sld xmlns:a="http://schemas.openxmlformats.org/drawingml/2006/main" xmlns:r="http://schemas.openxmlformats.org/officeDocument/2006/relationships" xmlns:p="http://schemas.openxmlformats.org/presentationml/2006/main" show="0">
+  <p:cSld>
+    <p:spTree>
+      <p:nvGrpSpPr>
+        <p:cNvPr id="1" name=""/>
+        <p:cNvGrpSpPr/>
+        <p:nvPr/>
+      </p:nvGrpSpPr>
+      <p:grpSpPr>
+        <a:xfrm>
+          <a:off x="0" y="0"/>
+          <a:ext cx="0" cy="0"/>
+          <a:chOff x="0" y="0"/>
+          <a:chExt cx="0" cy="0"/>
+        </a:xfrm>
+      </p:grpSpPr>
+      <p:grpSp>
+        <p:nvGrpSpPr>
+          <p:cNvPr id="2" name="그룹 1">
+            <a:extLst>
+              <a:ext uri="{FF2B5EF4-FFF2-40B4-BE49-F238E27FC236}">
+                <a16:creationId xmlns:a16="http://schemas.microsoft.com/office/drawing/2014/main" id="{DF73C6A0-8733-374E-A0F9-A12E7FFCC272}"/>
+              </a:ext>
+            </a:extLst>
+          </p:cNvPr>
+          <p:cNvGrpSpPr/>
+          <p:nvPr/>
+        </p:nvGrpSpPr>
+        <p:grpSpPr>
+          <a:xfrm>
+            <a:off x="2216745" y="471946"/>
+            <a:ext cx="4281626" cy="6148310"/>
+            <a:chOff x="2216745" y="471946"/>
+            <a:chExt cx="4281626" cy="6148310"/>
+          </a:xfrm>
+        </p:grpSpPr>
+        <p:sp>
+          <p:nvSpPr>
+            <p:cNvPr id="10" name="TextBox 9">
+              <a:extLst>
+                <a:ext uri="{FF2B5EF4-FFF2-40B4-BE49-F238E27FC236}">
+                  <a16:creationId xmlns:a16="http://schemas.microsoft.com/office/drawing/2014/main" id="{5602CD05-5512-EA45-A893-CFB3DFC26675}"/>
+                </a:ext>
+              </a:extLst>
+            </p:cNvPr>
+            <p:cNvSpPr txBox="1"/>
+            <p:nvPr/>
+          </p:nvSpPr>
+          <p:spPr>
+            <a:xfrm>
+              <a:off x="2729572" y="1050026"/>
+              <a:ext cx="1865946" cy="338554"/>
+            </a:xfrm>
+            <a:prstGeom prst="rect">
+              <a:avLst/>
+            </a:prstGeom>
+            <a:solidFill>
+              <a:schemeClr val="accent5">
+                <a:lumMod val="20000"/>
+                <a:lumOff val="80000"/>
+              </a:schemeClr>
+            </a:solidFill>
+          </p:spPr>
+          <p:txBody>
+            <a:bodyPr wrap="square" rtlCol="0">
+              <a:spAutoFit/>
+            </a:bodyPr>
+            <a:lstStyle/>
+            <a:p>
+              <a:pPr algn="ctr"/>
+              <a:r>
+                <a:rPr kumimoji="1" lang="en-US" altLang="ko-KR" sz="1600" dirty="0"/>
+                <a:t>TCP </a:t>
+              </a:r>
+              <a:r>
+                <a:rPr kumimoji="1" lang="ko-KR" altLang="en-US" sz="1600" dirty="0"/>
+                <a:t>연결</a:t>
+              </a:r>
+            </a:p>
+          </p:txBody>
+        </p:sp>
+        <p:cxnSp>
+          <p:nvCxnSpPr>
+            <p:cNvPr id="5" name="직선 연결선[R] 4">
+              <a:extLst>
+                <a:ext uri="{FF2B5EF4-FFF2-40B4-BE49-F238E27FC236}">
+                  <a16:creationId xmlns:a16="http://schemas.microsoft.com/office/drawing/2014/main" id="{C7B8184F-9E09-4A44-B928-5443C553A934}"/>
+                </a:ext>
+              </a:extLst>
+            </p:cNvPr>
+            <p:cNvCxnSpPr/>
+            <p:nvPr/>
+          </p:nvCxnSpPr>
+          <p:spPr>
+            <a:xfrm>
+              <a:off x="2706624" y="933611"/>
+              <a:ext cx="0" cy="5686645"/>
+            </a:xfrm>
+            <a:prstGeom prst="line">
+              <a:avLst/>
+            </a:prstGeom>
+            <a:ln w="50800">
+              <a:solidFill>
+                <a:schemeClr val="tx1"/>
+              </a:solidFill>
+            </a:ln>
+          </p:spPr>
+          <p:style>
+            <a:lnRef idx="1">
+              <a:schemeClr val="accent1"/>
+            </a:lnRef>
+            <a:fillRef idx="0">
+              <a:schemeClr val="accent1"/>
+            </a:fillRef>
+            <a:effectRef idx="0">
+              <a:schemeClr val="accent1"/>
+            </a:effectRef>
+            <a:fontRef idx="minor">
+              <a:schemeClr val="tx1"/>
+            </a:fontRef>
+          </p:style>
+        </p:cxnSp>
+        <p:sp>
+          <p:nvSpPr>
+            <p:cNvPr id="6" name="TextBox 5">
+              <a:extLst>
+                <a:ext uri="{FF2B5EF4-FFF2-40B4-BE49-F238E27FC236}">
+                  <a16:creationId xmlns:a16="http://schemas.microsoft.com/office/drawing/2014/main" id="{DAA0D060-6BBE-C143-9C6D-D1CC3A0981DD}"/>
+                </a:ext>
+              </a:extLst>
+            </p:cNvPr>
+            <p:cNvSpPr txBox="1"/>
+            <p:nvPr/>
+          </p:nvSpPr>
+          <p:spPr>
+            <a:xfrm>
+              <a:off x="2216745" y="471946"/>
+              <a:ext cx="979755" cy="461665"/>
+            </a:xfrm>
+            <a:prstGeom prst="rect">
+              <a:avLst/>
+            </a:prstGeom>
+            <a:noFill/>
+          </p:spPr>
+          <p:txBody>
+            <a:bodyPr wrap="none" rtlCol="0">
+              <a:spAutoFit/>
+            </a:bodyPr>
+            <a:lstStyle/>
+            <a:p>
+              <a:r>
+                <a:rPr kumimoji="1" lang="en-US" altLang="ko-KR" sz="2400" dirty="0"/>
+                <a:t>Client</a:t>
+              </a:r>
+              <a:endParaRPr kumimoji="1" lang="ko-KR" altLang="en-US" sz="2400" dirty="0"/>
+            </a:p>
+          </p:txBody>
+        </p:sp>
+        <p:cxnSp>
+          <p:nvCxnSpPr>
+            <p:cNvPr id="7" name="직선 연결선[R] 6">
+              <a:extLst>
+                <a:ext uri="{FF2B5EF4-FFF2-40B4-BE49-F238E27FC236}">
+                  <a16:creationId xmlns:a16="http://schemas.microsoft.com/office/drawing/2014/main" id="{E5564040-B92A-D84C-A0B5-40A0418BE269}"/>
+                </a:ext>
+              </a:extLst>
+            </p:cNvPr>
+            <p:cNvCxnSpPr/>
+            <p:nvPr/>
+          </p:nvCxnSpPr>
+          <p:spPr>
+            <a:xfrm>
+              <a:off x="4620097" y="933611"/>
+              <a:ext cx="0" cy="5686645"/>
+            </a:xfrm>
+            <a:prstGeom prst="line">
+              <a:avLst/>
+            </a:prstGeom>
+            <a:ln w="50800">
+              <a:solidFill>
+                <a:schemeClr val="tx1"/>
+              </a:solidFill>
+            </a:ln>
+          </p:spPr>
+          <p:style>
+            <a:lnRef idx="1">
+              <a:schemeClr val="accent1"/>
+            </a:lnRef>
+            <a:fillRef idx="0">
+              <a:schemeClr val="accent1"/>
+            </a:fillRef>
+            <a:effectRef idx="0">
+              <a:schemeClr val="accent1"/>
+            </a:effectRef>
+            <a:fontRef idx="minor">
+              <a:schemeClr val="tx1"/>
+            </a:fontRef>
+          </p:style>
+        </p:cxnSp>
+        <p:sp>
+          <p:nvSpPr>
+            <p:cNvPr id="8" name="TextBox 7">
+              <a:extLst>
+                <a:ext uri="{FF2B5EF4-FFF2-40B4-BE49-F238E27FC236}">
+                  <a16:creationId xmlns:a16="http://schemas.microsoft.com/office/drawing/2014/main" id="{A2A7CC31-3BDB-F740-926F-DD00009E5AA5}"/>
+                </a:ext>
+              </a:extLst>
+            </p:cNvPr>
+            <p:cNvSpPr txBox="1"/>
+            <p:nvPr/>
+          </p:nvSpPr>
+          <p:spPr>
+            <a:xfrm>
+              <a:off x="4089213" y="471946"/>
+              <a:ext cx="1061766" cy="461665"/>
+            </a:xfrm>
+            <a:prstGeom prst="rect">
+              <a:avLst/>
+            </a:prstGeom>
+            <a:noFill/>
+          </p:spPr>
+          <p:txBody>
+            <a:bodyPr wrap="none" rtlCol="0">
+              <a:spAutoFit/>
+            </a:bodyPr>
+            <a:lstStyle/>
+            <a:p>
+              <a:r>
+                <a:rPr kumimoji="1" lang="en-US" altLang="ko-KR" sz="2400" dirty="0"/>
+                <a:t>Server</a:t>
+              </a:r>
+              <a:endParaRPr kumimoji="1" lang="ko-KR" altLang="en-US" sz="2400" dirty="0"/>
+            </a:p>
+          </p:txBody>
+        </p:sp>
+        <p:sp>
+          <p:nvSpPr>
+            <p:cNvPr id="39" name="직사각형 38">
+              <a:extLst>
+                <a:ext uri="{FF2B5EF4-FFF2-40B4-BE49-F238E27FC236}">
+                  <a16:creationId xmlns:a16="http://schemas.microsoft.com/office/drawing/2014/main" id="{6E0F2D4F-84E7-574E-A3E8-A2C8F1A20E01}"/>
+                </a:ext>
+              </a:extLst>
+            </p:cNvPr>
+            <p:cNvSpPr/>
+            <p:nvPr/>
+          </p:nvSpPr>
+          <p:spPr>
+            <a:xfrm>
+              <a:off x="4653729" y="1653585"/>
+              <a:ext cx="1844642" cy="571384"/>
+            </a:xfrm>
+            <a:prstGeom prst="rect">
+              <a:avLst/>
+            </a:prstGeom>
+            <a:solidFill>
+              <a:schemeClr val="accent4">
+                <a:lumMod val="20000"/>
+                <a:lumOff val="80000"/>
+              </a:schemeClr>
+            </a:solidFill>
+            <a:ln>
+              <a:noFill/>
+            </a:ln>
+          </p:spPr>
+          <p:style>
+            <a:lnRef idx="2">
+              <a:schemeClr val="accent1">
+                <a:shade val="50000"/>
+              </a:schemeClr>
+            </a:lnRef>
+            <a:fillRef idx="1">
+              <a:schemeClr val="accent1"/>
+            </a:fillRef>
+            <a:effectRef idx="0">
+              <a:schemeClr val="accent1"/>
+            </a:effectRef>
+            <a:fontRef idx="minor">
+              <a:schemeClr val="lt1"/>
+            </a:fontRef>
+          </p:style>
+          <p:txBody>
+            <a:bodyPr rtlCol="0" anchor="ctr"/>
+            <a:lstStyle/>
+            <a:p>
+              <a:pPr algn="ctr"/>
+              <a:r>
+                <a:rPr kumimoji="1" lang="ko-KR" altLang="en-US" dirty="0">
+                  <a:solidFill>
+                    <a:sysClr val="windowText" lastClr="000000"/>
+                  </a:solidFill>
+                </a:rPr>
+                <a:t>응답 결과 생성</a:t>
+              </a:r>
+            </a:p>
+          </p:txBody>
+        </p:sp>
+        <p:cxnSp>
+          <p:nvCxnSpPr>
+            <p:cNvPr id="21" name="직선 화살표 연결선 20">
+              <a:extLst>
+                <a:ext uri="{FF2B5EF4-FFF2-40B4-BE49-F238E27FC236}">
+                  <a16:creationId xmlns:a16="http://schemas.microsoft.com/office/drawing/2014/main" id="{87100696-8372-214D-9EA6-20E2A1C5D67A}"/>
+                </a:ext>
+              </a:extLst>
+            </p:cNvPr>
+            <p:cNvCxnSpPr>
+              <a:cxnSpLocks/>
+            </p:cNvCxnSpPr>
+            <p:nvPr/>
+          </p:nvCxnSpPr>
+          <p:spPr>
+            <a:xfrm>
+              <a:off x="2719741" y="1412173"/>
+              <a:ext cx="1887239" cy="241412"/>
+            </a:xfrm>
+            <a:prstGeom prst="straightConnector1">
+              <a:avLst/>
+            </a:prstGeom>
+            <a:ln w="50800">
+              <a:solidFill>
+                <a:schemeClr val="tx1"/>
+              </a:solidFill>
+              <a:tailEnd type="triangle"/>
+            </a:ln>
+          </p:spPr>
+          <p:style>
+            <a:lnRef idx="1">
+              <a:schemeClr val="accent1"/>
+            </a:lnRef>
+            <a:fillRef idx="0">
+              <a:schemeClr val="accent1"/>
+            </a:fillRef>
+            <a:effectRef idx="0">
+              <a:schemeClr val="accent1"/>
+            </a:effectRef>
+            <a:fontRef idx="minor">
+              <a:schemeClr val="tx1"/>
+            </a:fontRef>
+          </p:style>
+        </p:cxnSp>
+        <p:cxnSp>
+          <p:nvCxnSpPr>
+            <p:cNvPr id="42" name="직선 화살표 연결선 41">
+              <a:extLst>
+                <a:ext uri="{FF2B5EF4-FFF2-40B4-BE49-F238E27FC236}">
+                  <a16:creationId xmlns:a16="http://schemas.microsoft.com/office/drawing/2014/main" id="{A1043DAE-4102-9342-B405-C576A2C030CE}"/>
+                </a:ext>
+              </a:extLst>
+            </p:cNvPr>
+            <p:cNvCxnSpPr>
+              <a:cxnSpLocks/>
+            </p:cNvCxnSpPr>
+            <p:nvPr/>
+          </p:nvCxnSpPr>
+          <p:spPr>
+            <a:xfrm flipH="1">
+              <a:off x="2729572" y="2224969"/>
+              <a:ext cx="1887239" cy="266649"/>
+            </a:xfrm>
+            <a:prstGeom prst="straightConnector1">
+              <a:avLst/>
+            </a:prstGeom>
+            <a:ln w="50800">
+              <a:solidFill>
+                <a:schemeClr val="tx1"/>
+              </a:solidFill>
+              <a:tailEnd type="triangle"/>
+            </a:ln>
+          </p:spPr>
+          <p:style>
+            <a:lnRef idx="1">
+              <a:schemeClr val="accent1"/>
+            </a:lnRef>
+            <a:fillRef idx="0">
+              <a:schemeClr val="accent1"/>
+            </a:fillRef>
+            <a:effectRef idx="0">
+              <a:schemeClr val="accent1"/>
+            </a:effectRef>
+            <a:fontRef idx="minor">
+              <a:schemeClr val="tx1"/>
+            </a:fontRef>
+          </p:style>
+        </p:cxnSp>
+        <p:sp>
+          <p:nvSpPr>
+            <p:cNvPr id="48" name="직사각형 47">
+              <a:extLst>
+                <a:ext uri="{FF2B5EF4-FFF2-40B4-BE49-F238E27FC236}">
+                  <a16:creationId xmlns:a16="http://schemas.microsoft.com/office/drawing/2014/main" id="{7B570EAA-F242-DF48-B02C-90747A696EE7}"/>
+                </a:ext>
+              </a:extLst>
+            </p:cNvPr>
+            <p:cNvSpPr/>
+            <p:nvPr/>
+          </p:nvSpPr>
+          <p:spPr>
+            <a:xfrm>
+              <a:off x="4651588" y="2733030"/>
+              <a:ext cx="1844642" cy="571384"/>
+            </a:xfrm>
+            <a:prstGeom prst="rect">
+              <a:avLst/>
+            </a:prstGeom>
+            <a:solidFill>
+              <a:schemeClr val="accent3">
+                <a:lumMod val="20000"/>
+                <a:lumOff val="80000"/>
+              </a:schemeClr>
+            </a:solidFill>
+            <a:ln>
+              <a:noFill/>
+            </a:ln>
+          </p:spPr>
+          <p:style>
+            <a:lnRef idx="2">
+              <a:schemeClr val="accent1">
+                <a:shade val="50000"/>
+              </a:schemeClr>
+            </a:lnRef>
+            <a:fillRef idx="1">
+              <a:schemeClr val="accent1"/>
+            </a:fillRef>
+            <a:effectRef idx="0">
+              <a:schemeClr val="accent1"/>
+            </a:effectRef>
+            <a:fontRef idx="minor">
+              <a:schemeClr val="lt1"/>
+            </a:fontRef>
+          </p:style>
+          <p:txBody>
+            <a:bodyPr rtlCol="0" anchor="ctr"/>
+            <a:lstStyle/>
+            <a:p>
+              <a:pPr algn="ctr"/>
+              <a:r>
+                <a:rPr kumimoji="1" lang="ko-KR" altLang="en-US" dirty="0">
+                  <a:solidFill>
+                    <a:sysClr val="windowText" lastClr="000000"/>
+                  </a:solidFill>
+                </a:rPr>
+                <a:t>응답 결과 생성</a:t>
+              </a:r>
+            </a:p>
+          </p:txBody>
+        </p:sp>
+        <p:cxnSp>
+          <p:nvCxnSpPr>
+            <p:cNvPr id="49" name="직선 화살표 연결선 48">
+              <a:extLst>
+                <a:ext uri="{FF2B5EF4-FFF2-40B4-BE49-F238E27FC236}">
+                  <a16:creationId xmlns:a16="http://schemas.microsoft.com/office/drawing/2014/main" id="{3ADBA461-D1A8-4541-BFBF-4DA22F8D8F76}"/>
+                </a:ext>
+              </a:extLst>
+            </p:cNvPr>
+            <p:cNvCxnSpPr>
+              <a:cxnSpLocks/>
+            </p:cNvCxnSpPr>
+            <p:nvPr/>
+          </p:nvCxnSpPr>
+          <p:spPr>
+            <a:xfrm>
+              <a:off x="2717600" y="2491618"/>
+              <a:ext cx="1887239" cy="241412"/>
+            </a:xfrm>
+            <a:prstGeom prst="straightConnector1">
+              <a:avLst/>
+            </a:prstGeom>
+            <a:ln w="50800">
+              <a:solidFill>
+                <a:schemeClr val="tx1"/>
+              </a:solidFill>
+              <a:tailEnd type="triangle"/>
+            </a:ln>
+          </p:spPr>
+          <p:style>
+            <a:lnRef idx="1">
+              <a:schemeClr val="accent1"/>
+            </a:lnRef>
+            <a:fillRef idx="0">
+              <a:schemeClr val="accent1"/>
+            </a:fillRef>
+            <a:effectRef idx="0">
+              <a:schemeClr val="accent1"/>
+            </a:effectRef>
+            <a:fontRef idx="minor">
+              <a:schemeClr val="tx1"/>
+            </a:fontRef>
+          </p:style>
+        </p:cxnSp>
+        <p:cxnSp>
+          <p:nvCxnSpPr>
+            <p:cNvPr id="51" name="직선 화살표 연결선 50">
+              <a:extLst>
+                <a:ext uri="{FF2B5EF4-FFF2-40B4-BE49-F238E27FC236}">
+                  <a16:creationId xmlns:a16="http://schemas.microsoft.com/office/drawing/2014/main" id="{D83DE204-84F6-9E41-A2CE-D76E60760353}"/>
+                </a:ext>
+              </a:extLst>
+            </p:cNvPr>
+            <p:cNvCxnSpPr>
+              <a:cxnSpLocks/>
+            </p:cNvCxnSpPr>
+            <p:nvPr/>
+          </p:nvCxnSpPr>
+          <p:spPr>
+            <a:xfrm flipH="1">
+              <a:off x="2727431" y="3304414"/>
+              <a:ext cx="1887239" cy="266649"/>
+            </a:xfrm>
+            <a:prstGeom prst="straightConnector1">
+              <a:avLst/>
+            </a:prstGeom>
+            <a:ln w="50800">
+              <a:solidFill>
+                <a:schemeClr val="tx1"/>
+              </a:solidFill>
+              <a:tailEnd type="triangle"/>
+            </a:ln>
+          </p:spPr>
+          <p:style>
+            <a:lnRef idx="1">
+              <a:schemeClr val="accent1"/>
+            </a:lnRef>
+            <a:fillRef idx="0">
+              <a:schemeClr val="accent1"/>
+            </a:fillRef>
+            <a:effectRef idx="0">
+              <a:schemeClr val="accent1"/>
+            </a:effectRef>
+            <a:fontRef idx="minor">
+              <a:schemeClr val="tx1"/>
+            </a:fontRef>
+          </p:style>
+        </p:cxnSp>
+        <p:sp>
+          <p:nvSpPr>
+            <p:cNvPr id="54" name="직사각형 53">
+              <a:extLst>
+                <a:ext uri="{FF2B5EF4-FFF2-40B4-BE49-F238E27FC236}">
+                  <a16:creationId xmlns:a16="http://schemas.microsoft.com/office/drawing/2014/main" id="{F767E88D-7ED9-B448-9A7C-68E42C5C85DA}"/>
+                </a:ext>
+              </a:extLst>
+            </p:cNvPr>
+            <p:cNvSpPr/>
+            <p:nvPr/>
+          </p:nvSpPr>
+          <p:spPr>
+            <a:xfrm>
+              <a:off x="4651588" y="3812475"/>
+              <a:ext cx="1844642" cy="571384"/>
+            </a:xfrm>
+            <a:prstGeom prst="rect">
+              <a:avLst/>
+            </a:prstGeom>
+            <a:solidFill>
+              <a:schemeClr val="accent2">
+                <a:lumMod val="20000"/>
+                <a:lumOff val="80000"/>
+              </a:schemeClr>
+            </a:solidFill>
+            <a:ln>
+              <a:noFill/>
+            </a:ln>
+          </p:spPr>
+          <p:style>
+            <a:lnRef idx="2">
+              <a:schemeClr val="accent1">
+                <a:shade val="50000"/>
+              </a:schemeClr>
+            </a:lnRef>
+            <a:fillRef idx="1">
+              <a:schemeClr val="accent1"/>
+            </a:fillRef>
+            <a:effectRef idx="0">
+              <a:schemeClr val="accent1"/>
+            </a:effectRef>
+            <a:fontRef idx="minor">
+              <a:schemeClr val="lt1"/>
+            </a:fontRef>
+          </p:style>
+          <p:txBody>
+            <a:bodyPr rtlCol="0" anchor="ctr"/>
+            <a:lstStyle/>
+            <a:p>
+              <a:pPr algn="ctr"/>
+              <a:r>
+                <a:rPr kumimoji="1" lang="ko-KR" altLang="en-US" dirty="0">
+                  <a:solidFill>
+                    <a:sysClr val="windowText" lastClr="000000"/>
+                  </a:solidFill>
+                </a:rPr>
+                <a:t>응답 결과 생성</a:t>
+              </a:r>
+            </a:p>
+          </p:txBody>
+        </p:sp>
+        <p:cxnSp>
+          <p:nvCxnSpPr>
+            <p:cNvPr id="55" name="직선 화살표 연결선 54">
+              <a:extLst>
+                <a:ext uri="{FF2B5EF4-FFF2-40B4-BE49-F238E27FC236}">
+                  <a16:creationId xmlns:a16="http://schemas.microsoft.com/office/drawing/2014/main" id="{E0913B90-D62D-B941-9A87-BB103C4DF8F8}"/>
+                </a:ext>
+              </a:extLst>
+            </p:cNvPr>
+            <p:cNvCxnSpPr>
+              <a:cxnSpLocks/>
+            </p:cNvCxnSpPr>
+            <p:nvPr/>
+          </p:nvCxnSpPr>
+          <p:spPr>
+            <a:xfrm>
+              <a:off x="2717600" y="3571063"/>
+              <a:ext cx="1887239" cy="241412"/>
+            </a:xfrm>
+            <a:prstGeom prst="straightConnector1">
+              <a:avLst/>
+            </a:prstGeom>
+            <a:ln w="50800">
+              <a:solidFill>
+                <a:schemeClr val="tx1"/>
+              </a:solidFill>
+              <a:tailEnd type="triangle"/>
+            </a:ln>
+          </p:spPr>
+          <p:style>
+            <a:lnRef idx="1">
+              <a:schemeClr val="accent1"/>
+            </a:lnRef>
+            <a:fillRef idx="0">
+              <a:schemeClr val="accent1"/>
+            </a:fillRef>
+            <a:effectRef idx="0">
+              <a:schemeClr val="accent1"/>
+            </a:effectRef>
+            <a:fontRef idx="minor">
+              <a:schemeClr val="tx1"/>
+            </a:fontRef>
+          </p:style>
+        </p:cxnSp>
+        <p:sp>
+          <p:nvSpPr>
+            <p:cNvPr id="56" name="TextBox 55">
+              <a:extLst>
+                <a:ext uri="{FF2B5EF4-FFF2-40B4-BE49-F238E27FC236}">
+                  <a16:creationId xmlns:a16="http://schemas.microsoft.com/office/drawing/2014/main" id="{EEEEE69C-B682-3641-A515-43D3124F2ECB}"/>
+                </a:ext>
+              </a:extLst>
+            </p:cNvPr>
+            <p:cNvSpPr txBox="1"/>
+            <p:nvPr/>
+          </p:nvSpPr>
+          <p:spPr>
+            <a:xfrm>
+              <a:off x="2733812" y="4666060"/>
+              <a:ext cx="1859565" cy="338554"/>
+            </a:xfrm>
+            <a:prstGeom prst="rect">
+              <a:avLst/>
+            </a:prstGeom>
+            <a:solidFill>
+              <a:schemeClr val="accent6">
+                <a:lumMod val="20000"/>
+                <a:lumOff val="80000"/>
+              </a:schemeClr>
+            </a:solidFill>
+          </p:spPr>
+          <p:txBody>
+            <a:bodyPr wrap="square" rtlCol="0">
+              <a:spAutoFit/>
+            </a:bodyPr>
+            <a:lstStyle/>
+            <a:p>
+              <a:pPr algn="ctr"/>
+              <a:r>
+                <a:rPr kumimoji="1" lang="en-US" altLang="ko-KR" sz="1600" dirty="0"/>
+                <a:t>TCP</a:t>
+              </a:r>
+              <a:r>
+                <a:rPr kumimoji="1" lang="ko-KR" altLang="en-US" sz="1600" dirty="0"/>
+                <a:t> 연결 해제</a:t>
+              </a:r>
+            </a:p>
+          </p:txBody>
+        </p:sp>
+        <p:cxnSp>
+          <p:nvCxnSpPr>
+            <p:cNvPr id="57" name="직선 화살표 연결선 56">
+              <a:extLst>
+                <a:ext uri="{FF2B5EF4-FFF2-40B4-BE49-F238E27FC236}">
+                  <a16:creationId xmlns:a16="http://schemas.microsoft.com/office/drawing/2014/main" id="{FB1BE8D6-3BDC-664B-ABB1-42AA8D8A4141}"/>
+                </a:ext>
+              </a:extLst>
+            </p:cNvPr>
+            <p:cNvCxnSpPr>
+              <a:cxnSpLocks/>
+            </p:cNvCxnSpPr>
+            <p:nvPr/>
+          </p:nvCxnSpPr>
+          <p:spPr>
+            <a:xfrm flipH="1">
+              <a:off x="2727431" y="4383859"/>
+              <a:ext cx="1887239" cy="266649"/>
+            </a:xfrm>
+            <a:prstGeom prst="straightConnector1">
+              <a:avLst/>
+            </a:prstGeom>
+            <a:ln w="50800">
+              <a:solidFill>
+                <a:schemeClr val="tx1"/>
+              </a:solidFill>
+              <a:tailEnd type="triangle"/>
+            </a:ln>
+          </p:spPr>
+          <p:style>
+            <a:lnRef idx="1">
+              <a:schemeClr val="accent1"/>
+            </a:lnRef>
+            <a:fillRef idx="0">
+              <a:schemeClr val="accent1"/>
+            </a:fillRef>
+            <a:effectRef idx="0">
+              <a:schemeClr val="accent1"/>
+            </a:effectRef>
+            <a:fontRef idx="minor">
+              <a:schemeClr val="tx1"/>
+            </a:fontRef>
+          </p:style>
+        </p:cxnSp>
+      </p:grpSp>
+    </p:spTree>
+    <p:extLst>
+      <p:ext uri="{BB962C8B-B14F-4D97-AF65-F5344CB8AC3E}">
+        <p14:creationId xmlns:p14="http://schemas.microsoft.com/office/powerpoint/2010/main" val="268608801"/>
+      </p:ext>
+    </p:extLst>
+  </p:cSld>
+  <p:clrMapOvr>
+    <a:masterClrMapping/>
+  </p:clrMapOvr>
+</p:sld>
+</file>
+
+<file path=ppt/slides/slide6.xml><?xml version="1.0" encoding="utf-8"?>
+<p:sld xmlns:a="http://schemas.openxmlformats.org/drawingml/2006/main" xmlns:r="http://schemas.openxmlformats.org/officeDocument/2006/relationships" xmlns:p="http://schemas.openxmlformats.org/presentationml/2006/main" show="0">
+  <p:cSld>
+    <p:spTree>
+      <p:nvGrpSpPr>
+        <p:cNvPr id="1" name=""/>
+        <p:cNvGrpSpPr/>
+        <p:nvPr/>
+      </p:nvGrpSpPr>
+      <p:grpSpPr>
+        <a:xfrm>
+          <a:off x="0" y="0"/>
+          <a:ext cx="0" cy="0"/>
+          <a:chOff x="0" y="0"/>
+          <a:chExt cx="0" cy="0"/>
+        </a:xfrm>
+      </p:grpSpPr>
+      <p:grpSp>
+        <p:nvGrpSpPr>
+          <p:cNvPr id="4" name="그룹 3">
+            <a:extLst>
+              <a:ext uri="{FF2B5EF4-FFF2-40B4-BE49-F238E27FC236}">
+                <a16:creationId xmlns:a16="http://schemas.microsoft.com/office/drawing/2014/main" id="{A5A08FB9-B1CB-9B4A-AC77-0C969C123815}"/>
+              </a:ext>
+            </a:extLst>
+          </p:cNvPr>
+          <p:cNvGrpSpPr/>
+          <p:nvPr/>
+        </p:nvGrpSpPr>
+        <p:grpSpPr>
+          <a:xfrm>
+            <a:off x="2216745" y="471946"/>
+            <a:ext cx="4281626" cy="6148310"/>
+            <a:chOff x="2216745" y="471946"/>
+            <a:chExt cx="4281626" cy="6148310"/>
+          </a:xfrm>
+        </p:grpSpPr>
+        <p:sp>
+          <p:nvSpPr>
+            <p:cNvPr id="20" name="TextBox 19">
+              <a:extLst>
+                <a:ext uri="{FF2B5EF4-FFF2-40B4-BE49-F238E27FC236}">
+                  <a16:creationId xmlns:a16="http://schemas.microsoft.com/office/drawing/2014/main" id="{33F42459-40AD-F64E-B3D3-737C76581326}"/>
+                </a:ext>
+              </a:extLst>
+            </p:cNvPr>
+            <p:cNvSpPr txBox="1"/>
+            <p:nvPr/>
+          </p:nvSpPr>
+          <p:spPr>
+            <a:xfrm>
+              <a:off x="2729572" y="1050026"/>
+              <a:ext cx="1865946" cy="338554"/>
+            </a:xfrm>
+            <a:prstGeom prst="rect">
+              <a:avLst/>
+            </a:prstGeom>
+            <a:solidFill>
+              <a:schemeClr val="accent5">
+                <a:lumMod val="20000"/>
+                <a:lumOff val="80000"/>
+              </a:schemeClr>
+            </a:solidFill>
+          </p:spPr>
+          <p:txBody>
+            <a:bodyPr wrap="square" rtlCol="0">
+              <a:spAutoFit/>
+            </a:bodyPr>
+            <a:lstStyle/>
+            <a:p>
+              <a:pPr algn="ctr"/>
+              <a:r>
+                <a:rPr kumimoji="1" lang="en-US" altLang="ko-KR" sz="1600" dirty="0"/>
+                <a:t>TCP </a:t>
+              </a:r>
+              <a:r>
+                <a:rPr kumimoji="1" lang="ko-KR" altLang="en-US" sz="1600" dirty="0"/>
+                <a:t>연결</a:t>
+              </a:r>
+            </a:p>
+          </p:txBody>
+        </p:sp>
+        <p:cxnSp>
+          <p:nvCxnSpPr>
+            <p:cNvPr id="22" name="직선 연결선[R] 21">
+              <a:extLst>
+                <a:ext uri="{FF2B5EF4-FFF2-40B4-BE49-F238E27FC236}">
+                  <a16:creationId xmlns:a16="http://schemas.microsoft.com/office/drawing/2014/main" id="{6E3A8BC6-0267-F043-9F12-98CEEF308A3E}"/>
+                </a:ext>
+              </a:extLst>
+            </p:cNvPr>
+            <p:cNvCxnSpPr/>
+            <p:nvPr/>
+          </p:nvCxnSpPr>
+          <p:spPr>
+            <a:xfrm>
+              <a:off x="2706624" y="933611"/>
+              <a:ext cx="0" cy="5686645"/>
+            </a:xfrm>
+            <a:prstGeom prst="line">
+              <a:avLst/>
+            </a:prstGeom>
+            <a:ln w="50800">
+              <a:solidFill>
+                <a:schemeClr val="tx1"/>
+              </a:solidFill>
+            </a:ln>
+          </p:spPr>
+          <p:style>
+            <a:lnRef idx="1">
+              <a:schemeClr val="accent1"/>
+            </a:lnRef>
+            <a:fillRef idx="0">
+              <a:schemeClr val="accent1"/>
+            </a:fillRef>
+            <a:effectRef idx="0">
+              <a:schemeClr val="accent1"/>
+            </a:effectRef>
+            <a:fontRef idx="minor">
+              <a:schemeClr val="tx1"/>
+            </a:fontRef>
+          </p:style>
+        </p:cxnSp>
+        <p:sp>
+          <p:nvSpPr>
+            <p:cNvPr id="24" name="TextBox 23">
+              <a:extLst>
+                <a:ext uri="{FF2B5EF4-FFF2-40B4-BE49-F238E27FC236}">
+                  <a16:creationId xmlns:a16="http://schemas.microsoft.com/office/drawing/2014/main" id="{69C53195-4E72-FD4A-8EAA-F7B7A3BE8891}"/>
+                </a:ext>
+              </a:extLst>
+            </p:cNvPr>
+            <p:cNvSpPr txBox="1"/>
+            <p:nvPr/>
+          </p:nvSpPr>
+          <p:spPr>
+            <a:xfrm>
+              <a:off x="2216745" y="471946"/>
+              <a:ext cx="979755" cy="461665"/>
+            </a:xfrm>
+            <a:prstGeom prst="rect">
+              <a:avLst/>
+            </a:prstGeom>
+            <a:noFill/>
+          </p:spPr>
+          <p:txBody>
+            <a:bodyPr wrap="none" rtlCol="0">
+              <a:spAutoFit/>
+            </a:bodyPr>
+            <a:lstStyle/>
+            <a:p>
+              <a:r>
+                <a:rPr kumimoji="1" lang="en-US" altLang="ko-KR" sz="2400" dirty="0"/>
+                <a:t>Client</a:t>
+              </a:r>
+              <a:endParaRPr kumimoji="1" lang="ko-KR" altLang="en-US" sz="2400" dirty="0"/>
+            </a:p>
+          </p:txBody>
+        </p:sp>
+        <p:cxnSp>
+          <p:nvCxnSpPr>
+            <p:cNvPr id="25" name="직선 연결선[R] 24">
+              <a:extLst>
+                <a:ext uri="{FF2B5EF4-FFF2-40B4-BE49-F238E27FC236}">
+                  <a16:creationId xmlns:a16="http://schemas.microsoft.com/office/drawing/2014/main" id="{493040CE-FAD1-9F48-BD31-16D93C17D053}"/>
+                </a:ext>
+              </a:extLst>
+            </p:cNvPr>
+            <p:cNvCxnSpPr/>
+            <p:nvPr/>
+          </p:nvCxnSpPr>
+          <p:spPr>
+            <a:xfrm>
+              <a:off x="4620097" y="933611"/>
+              <a:ext cx="0" cy="5686645"/>
+            </a:xfrm>
+            <a:prstGeom prst="line">
+              <a:avLst/>
+            </a:prstGeom>
+            <a:ln w="50800">
+              <a:solidFill>
+                <a:schemeClr val="tx1"/>
+              </a:solidFill>
+            </a:ln>
+          </p:spPr>
+          <p:style>
+            <a:lnRef idx="1">
+              <a:schemeClr val="accent1"/>
+            </a:lnRef>
+            <a:fillRef idx="0">
+              <a:schemeClr val="accent1"/>
+            </a:fillRef>
+            <a:effectRef idx="0">
+              <a:schemeClr val="accent1"/>
+            </a:effectRef>
+            <a:fontRef idx="minor">
+              <a:schemeClr val="tx1"/>
+            </a:fontRef>
+          </p:style>
+        </p:cxnSp>
+        <p:sp>
+          <p:nvSpPr>
+            <p:cNvPr id="26" name="TextBox 25">
+              <a:extLst>
+                <a:ext uri="{FF2B5EF4-FFF2-40B4-BE49-F238E27FC236}">
+                  <a16:creationId xmlns:a16="http://schemas.microsoft.com/office/drawing/2014/main" id="{1981E1C8-0E2F-5043-9BE6-46728542F971}"/>
+                </a:ext>
+              </a:extLst>
+            </p:cNvPr>
+            <p:cNvSpPr txBox="1"/>
+            <p:nvPr/>
+          </p:nvSpPr>
+          <p:spPr>
+            <a:xfrm>
+              <a:off x="4089213" y="471946"/>
+              <a:ext cx="1061766" cy="461665"/>
+            </a:xfrm>
+            <a:prstGeom prst="rect">
+              <a:avLst/>
+            </a:prstGeom>
+            <a:noFill/>
+          </p:spPr>
+          <p:txBody>
+            <a:bodyPr wrap="none" rtlCol="0">
+              <a:spAutoFit/>
+            </a:bodyPr>
+            <a:lstStyle/>
+            <a:p>
+              <a:r>
+                <a:rPr kumimoji="1" lang="en-US" altLang="ko-KR" sz="2400" dirty="0"/>
+                <a:t>Server</a:t>
+              </a:r>
+              <a:endParaRPr kumimoji="1" lang="ko-KR" altLang="en-US" sz="2400" dirty="0"/>
+            </a:p>
+          </p:txBody>
+        </p:sp>
+        <p:sp>
+          <p:nvSpPr>
+            <p:cNvPr id="27" name="직사각형 26">
+              <a:extLst>
+                <a:ext uri="{FF2B5EF4-FFF2-40B4-BE49-F238E27FC236}">
+                  <a16:creationId xmlns:a16="http://schemas.microsoft.com/office/drawing/2014/main" id="{780A7135-AA50-CE41-9AD9-7636A4389130}"/>
+                </a:ext>
+              </a:extLst>
+            </p:cNvPr>
+            <p:cNvSpPr/>
+            <p:nvPr/>
+          </p:nvSpPr>
+          <p:spPr>
+            <a:xfrm>
+              <a:off x="4653729" y="1653585"/>
+              <a:ext cx="1844642" cy="571384"/>
+            </a:xfrm>
+            <a:prstGeom prst="rect">
+              <a:avLst/>
+            </a:prstGeom>
+            <a:solidFill>
+              <a:schemeClr val="accent4">
+                <a:lumMod val="20000"/>
+                <a:lumOff val="80000"/>
+              </a:schemeClr>
+            </a:solidFill>
+            <a:ln>
+              <a:noFill/>
+            </a:ln>
+          </p:spPr>
+          <p:style>
+            <a:lnRef idx="2">
+              <a:schemeClr val="accent1">
+                <a:shade val="50000"/>
+              </a:schemeClr>
+            </a:lnRef>
+            <a:fillRef idx="1">
+              <a:schemeClr val="accent1"/>
+            </a:fillRef>
+            <a:effectRef idx="0">
+              <a:schemeClr val="accent1"/>
+            </a:effectRef>
+            <a:fontRef idx="minor">
+              <a:schemeClr val="lt1"/>
+            </a:fontRef>
+          </p:style>
+          <p:txBody>
+            <a:bodyPr rtlCol="0" anchor="ctr"/>
+            <a:lstStyle/>
+            <a:p>
+              <a:pPr algn="ctr"/>
+              <a:r>
+                <a:rPr kumimoji="1" lang="ko-KR" altLang="en-US" dirty="0">
+                  <a:solidFill>
+                    <a:sysClr val="windowText" lastClr="000000"/>
+                  </a:solidFill>
+                </a:rPr>
+                <a:t>응답 결과 생성</a:t>
+              </a:r>
+            </a:p>
+          </p:txBody>
+        </p:sp>
+        <p:cxnSp>
+          <p:nvCxnSpPr>
+            <p:cNvPr id="28" name="직선 화살표 연결선 27">
+              <a:extLst>
+                <a:ext uri="{FF2B5EF4-FFF2-40B4-BE49-F238E27FC236}">
+                  <a16:creationId xmlns:a16="http://schemas.microsoft.com/office/drawing/2014/main" id="{4D71E890-152D-514F-8837-8453E1C669B9}"/>
+                </a:ext>
+              </a:extLst>
+            </p:cNvPr>
+            <p:cNvCxnSpPr>
+              <a:cxnSpLocks/>
+            </p:cNvCxnSpPr>
+            <p:nvPr/>
+          </p:nvCxnSpPr>
+          <p:spPr>
+            <a:xfrm>
+              <a:off x="2719741" y="1412173"/>
+              <a:ext cx="1887239" cy="241412"/>
+            </a:xfrm>
+            <a:prstGeom prst="straightConnector1">
+              <a:avLst/>
+            </a:prstGeom>
+            <a:ln w="50800">
+              <a:solidFill>
+                <a:schemeClr val="tx1"/>
+              </a:solidFill>
+              <a:tailEnd type="triangle"/>
+            </a:ln>
+          </p:spPr>
+          <p:style>
+            <a:lnRef idx="1">
+              <a:schemeClr val="accent1"/>
+            </a:lnRef>
+            <a:fillRef idx="0">
+              <a:schemeClr val="accent1"/>
+            </a:fillRef>
+            <a:effectRef idx="0">
+              <a:schemeClr val="accent1"/>
+            </a:effectRef>
+            <a:fontRef idx="minor">
+              <a:schemeClr val="tx1"/>
+            </a:fontRef>
+          </p:style>
+        </p:cxnSp>
+        <p:cxnSp>
+          <p:nvCxnSpPr>
+            <p:cNvPr id="38" name="직선 화살표 연결선 37">
+              <a:extLst>
+                <a:ext uri="{FF2B5EF4-FFF2-40B4-BE49-F238E27FC236}">
+                  <a16:creationId xmlns:a16="http://schemas.microsoft.com/office/drawing/2014/main" id="{9A348FBA-0ED7-A142-8C6D-8B5830C7B7F1}"/>
+                </a:ext>
+              </a:extLst>
+            </p:cNvPr>
+            <p:cNvCxnSpPr>
+              <a:cxnSpLocks/>
+            </p:cNvCxnSpPr>
+            <p:nvPr/>
+          </p:nvCxnSpPr>
+          <p:spPr>
+            <a:xfrm flipH="1">
+              <a:off x="2729572" y="2224969"/>
+              <a:ext cx="1887239" cy="266649"/>
+            </a:xfrm>
+            <a:prstGeom prst="straightConnector1">
+              <a:avLst/>
+            </a:prstGeom>
+            <a:ln w="50800">
+              <a:solidFill>
+                <a:schemeClr val="tx1"/>
+              </a:solidFill>
+              <a:tailEnd type="triangle"/>
+            </a:ln>
+          </p:spPr>
+          <p:style>
+            <a:lnRef idx="1">
+              <a:schemeClr val="accent1"/>
+            </a:lnRef>
+            <a:fillRef idx="0">
+              <a:schemeClr val="accent1"/>
+            </a:fillRef>
+            <a:effectRef idx="0">
+              <a:schemeClr val="accent1"/>
+            </a:effectRef>
+            <a:fontRef idx="minor">
+              <a:schemeClr val="tx1"/>
+            </a:fontRef>
+          </p:style>
+        </p:cxnSp>
+        <p:sp>
+          <p:nvSpPr>
+            <p:cNvPr id="39" name="직사각형 38">
+              <a:extLst>
+                <a:ext uri="{FF2B5EF4-FFF2-40B4-BE49-F238E27FC236}">
+                  <a16:creationId xmlns:a16="http://schemas.microsoft.com/office/drawing/2014/main" id="{78A76B44-D22E-C044-8462-4F45E5A4F3B7}"/>
+                </a:ext>
+              </a:extLst>
+            </p:cNvPr>
+            <p:cNvSpPr/>
+            <p:nvPr/>
+          </p:nvSpPr>
+          <p:spPr>
+            <a:xfrm>
+              <a:off x="4653729" y="2224969"/>
+              <a:ext cx="1844642" cy="571384"/>
+            </a:xfrm>
+            <a:prstGeom prst="rect">
+              <a:avLst/>
+            </a:prstGeom>
+            <a:solidFill>
+              <a:schemeClr val="accent3">
+                <a:lumMod val="20000"/>
+                <a:lumOff val="80000"/>
+              </a:schemeClr>
+            </a:solidFill>
+            <a:ln>
+              <a:noFill/>
+            </a:ln>
+          </p:spPr>
+          <p:style>
+            <a:lnRef idx="2">
+              <a:schemeClr val="accent1">
+                <a:shade val="50000"/>
+              </a:schemeClr>
+            </a:lnRef>
+            <a:fillRef idx="1">
+              <a:schemeClr val="accent1"/>
+            </a:fillRef>
+            <a:effectRef idx="0">
+              <a:schemeClr val="accent1"/>
+            </a:effectRef>
+            <a:fontRef idx="minor">
+              <a:schemeClr val="lt1"/>
+            </a:fontRef>
+          </p:style>
+          <p:txBody>
+            <a:bodyPr rtlCol="0" anchor="ctr"/>
+            <a:lstStyle/>
+            <a:p>
+              <a:pPr algn="ctr"/>
+              <a:r>
+                <a:rPr kumimoji="1" lang="ko-KR" altLang="en-US" dirty="0">
+                  <a:solidFill>
+                    <a:sysClr val="windowText" lastClr="000000"/>
+                  </a:solidFill>
+                </a:rPr>
+                <a:t>응답 결과 생성</a:t>
+              </a:r>
+            </a:p>
+          </p:txBody>
+        </p:sp>
+        <p:cxnSp>
+          <p:nvCxnSpPr>
+            <p:cNvPr id="40" name="직선 화살표 연결선 39">
+              <a:extLst>
+                <a:ext uri="{FF2B5EF4-FFF2-40B4-BE49-F238E27FC236}">
+                  <a16:creationId xmlns:a16="http://schemas.microsoft.com/office/drawing/2014/main" id="{A7137176-BBE2-FE43-9C83-DE2275298839}"/>
+                </a:ext>
+              </a:extLst>
+            </p:cNvPr>
+            <p:cNvCxnSpPr>
+              <a:cxnSpLocks/>
+            </p:cNvCxnSpPr>
+            <p:nvPr/>
+          </p:nvCxnSpPr>
+          <p:spPr>
+            <a:xfrm>
+              <a:off x="2719741" y="1588193"/>
+              <a:ext cx="1887239" cy="241412"/>
+            </a:xfrm>
+            <a:prstGeom prst="straightConnector1">
+              <a:avLst/>
+            </a:prstGeom>
+            <a:ln w="50800">
+              <a:solidFill>
+                <a:schemeClr val="tx1"/>
+              </a:solidFill>
+              <a:tailEnd type="triangle"/>
+            </a:ln>
+          </p:spPr>
+          <p:style>
+            <a:lnRef idx="1">
+              <a:schemeClr val="accent1"/>
+            </a:lnRef>
+            <a:fillRef idx="0">
+              <a:schemeClr val="accent1"/>
+            </a:fillRef>
+            <a:effectRef idx="0">
+              <a:schemeClr val="accent1"/>
+            </a:effectRef>
+            <a:fontRef idx="minor">
+              <a:schemeClr val="tx1"/>
+            </a:fontRef>
+          </p:style>
+        </p:cxnSp>
+        <p:cxnSp>
+          <p:nvCxnSpPr>
+            <p:cNvPr id="42" name="직선 화살표 연결선 41">
+              <a:extLst>
+                <a:ext uri="{FF2B5EF4-FFF2-40B4-BE49-F238E27FC236}">
+                  <a16:creationId xmlns:a16="http://schemas.microsoft.com/office/drawing/2014/main" id="{F92524E2-73DE-E64C-B53B-4D6685F00C0F}"/>
+                </a:ext>
+              </a:extLst>
+            </p:cNvPr>
+            <p:cNvCxnSpPr>
+              <a:cxnSpLocks/>
+            </p:cNvCxnSpPr>
+            <p:nvPr/>
+          </p:nvCxnSpPr>
+          <p:spPr>
+            <a:xfrm flipH="1">
+              <a:off x="2723441" y="2783393"/>
+              <a:ext cx="1887239" cy="266649"/>
+            </a:xfrm>
+            <a:prstGeom prst="straightConnector1">
+              <a:avLst/>
+            </a:prstGeom>
+            <a:ln w="50800">
+              <a:solidFill>
+                <a:schemeClr val="tx1"/>
+              </a:solidFill>
+              <a:tailEnd type="triangle"/>
+            </a:ln>
+          </p:spPr>
+          <p:style>
+            <a:lnRef idx="1">
+              <a:schemeClr val="accent1"/>
+            </a:lnRef>
+            <a:fillRef idx="0">
+              <a:schemeClr val="accent1"/>
+            </a:fillRef>
+            <a:effectRef idx="0">
+              <a:schemeClr val="accent1"/>
+            </a:effectRef>
+            <a:fontRef idx="minor">
+              <a:schemeClr val="tx1"/>
+            </a:fontRef>
+          </p:style>
+        </p:cxnSp>
+        <p:sp>
+          <p:nvSpPr>
+            <p:cNvPr id="44" name="직사각형 43">
+              <a:extLst>
+                <a:ext uri="{FF2B5EF4-FFF2-40B4-BE49-F238E27FC236}">
+                  <a16:creationId xmlns:a16="http://schemas.microsoft.com/office/drawing/2014/main" id="{D551F177-E1F6-5545-8DB2-32FD616C44FB}"/>
+                </a:ext>
+              </a:extLst>
+            </p:cNvPr>
+            <p:cNvSpPr/>
+            <p:nvPr/>
+          </p:nvSpPr>
+          <p:spPr>
+            <a:xfrm>
+              <a:off x="4653729" y="2796353"/>
+              <a:ext cx="1844642" cy="571384"/>
+            </a:xfrm>
+            <a:prstGeom prst="rect">
+              <a:avLst/>
+            </a:prstGeom>
+            <a:solidFill>
+              <a:schemeClr val="accent2">
+                <a:lumMod val="20000"/>
+                <a:lumOff val="80000"/>
+              </a:schemeClr>
+            </a:solidFill>
+            <a:ln>
+              <a:noFill/>
+            </a:ln>
+          </p:spPr>
+          <p:style>
+            <a:lnRef idx="2">
+              <a:schemeClr val="accent1">
+                <a:shade val="50000"/>
+              </a:schemeClr>
+            </a:lnRef>
+            <a:fillRef idx="1">
+              <a:schemeClr val="accent1"/>
+            </a:fillRef>
+            <a:effectRef idx="0">
+              <a:schemeClr val="accent1"/>
+            </a:effectRef>
+            <a:fontRef idx="minor">
+              <a:schemeClr val="lt1"/>
+            </a:fontRef>
+          </p:style>
+          <p:txBody>
+            <a:bodyPr rtlCol="0" anchor="ctr"/>
+            <a:lstStyle/>
+            <a:p>
+              <a:pPr algn="ctr"/>
+              <a:r>
+                <a:rPr kumimoji="1" lang="ko-KR" altLang="en-US" dirty="0">
+                  <a:solidFill>
+                    <a:sysClr val="windowText" lastClr="000000"/>
+                  </a:solidFill>
+                </a:rPr>
+                <a:t>응답 결과 생성</a:t>
+              </a:r>
+            </a:p>
+          </p:txBody>
+        </p:sp>
+        <p:cxnSp>
+          <p:nvCxnSpPr>
+            <p:cNvPr id="45" name="직선 화살표 연결선 44">
+              <a:extLst>
+                <a:ext uri="{FF2B5EF4-FFF2-40B4-BE49-F238E27FC236}">
+                  <a16:creationId xmlns:a16="http://schemas.microsoft.com/office/drawing/2014/main" id="{C39EFA3F-5BD5-8844-A929-CD165C86DA79}"/>
+                </a:ext>
+              </a:extLst>
+            </p:cNvPr>
+            <p:cNvCxnSpPr>
+              <a:cxnSpLocks/>
+            </p:cNvCxnSpPr>
+            <p:nvPr/>
+          </p:nvCxnSpPr>
+          <p:spPr>
+            <a:xfrm>
+              <a:off x="2719741" y="1757365"/>
+              <a:ext cx="1887239" cy="241412"/>
+            </a:xfrm>
+            <a:prstGeom prst="straightConnector1">
+              <a:avLst/>
+            </a:prstGeom>
+            <a:ln w="50800">
+              <a:solidFill>
+                <a:schemeClr val="tx1"/>
+              </a:solidFill>
+              <a:tailEnd type="triangle"/>
+            </a:ln>
+          </p:spPr>
+          <p:style>
+            <a:lnRef idx="1">
+              <a:schemeClr val="accent1"/>
+            </a:lnRef>
+            <a:fillRef idx="0">
+              <a:schemeClr val="accent1"/>
+            </a:fillRef>
+            <a:effectRef idx="0">
+              <a:schemeClr val="accent1"/>
+            </a:effectRef>
+            <a:fontRef idx="minor">
+              <a:schemeClr val="tx1"/>
+            </a:fontRef>
+          </p:style>
+        </p:cxnSp>
+        <p:sp>
+          <p:nvSpPr>
+            <p:cNvPr id="46" name="TextBox 45">
+              <a:extLst>
+                <a:ext uri="{FF2B5EF4-FFF2-40B4-BE49-F238E27FC236}">
+                  <a16:creationId xmlns:a16="http://schemas.microsoft.com/office/drawing/2014/main" id="{101DAC55-7834-2C43-B504-C8CBBF7691F1}"/>
+                </a:ext>
+              </a:extLst>
+            </p:cNvPr>
+            <p:cNvSpPr txBox="1"/>
+            <p:nvPr/>
+          </p:nvSpPr>
+          <p:spPr>
+            <a:xfrm>
+              <a:off x="2729921" y="3634386"/>
+              <a:ext cx="1859565" cy="338554"/>
+            </a:xfrm>
+            <a:prstGeom prst="rect">
+              <a:avLst/>
+            </a:prstGeom>
+            <a:solidFill>
+              <a:schemeClr val="accent6">
+                <a:lumMod val="20000"/>
+                <a:lumOff val="80000"/>
+              </a:schemeClr>
+            </a:solidFill>
+          </p:spPr>
+          <p:txBody>
+            <a:bodyPr wrap="square" rtlCol="0">
+              <a:spAutoFit/>
+            </a:bodyPr>
+            <a:lstStyle/>
+            <a:p>
+              <a:pPr algn="ctr"/>
+              <a:r>
+                <a:rPr kumimoji="1" lang="en-US" altLang="ko-KR" sz="1600" dirty="0"/>
                 <a:t>TCP</a:t>
               </a:r>
               <a:r>
@@ -5506,7 +7894,7 @@
     </p:spTree>
     <p:extLst>
       <p:ext uri="{BB962C8B-B14F-4D97-AF65-F5344CB8AC3E}">
-        <p14:creationId xmlns:p14="http://schemas.microsoft.com/office/powerpoint/2010/main" val="1742687049"/>
+        <p14:creationId xmlns:p14="http://schemas.microsoft.com/office/powerpoint/2010/main" val="2034092813"/>
       </p:ext>
     </p:extLst>
   </p:cSld>

--- a/static/assets/img/posts/etc/http-version.pptx
+++ b/static/assets/img/posts/etc/http-version.pptx
@@ -8,9 +8,11 @@
     <p:sldId id="256" r:id="rId2"/>
     <p:sldId id="259" r:id="rId3"/>
     <p:sldId id="258" r:id="rId4"/>
-    <p:sldId id="260" r:id="rId5"/>
-    <p:sldId id="261" r:id="rId6"/>
-    <p:sldId id="262" r:id="rId7"/>
+    <p:sldId id="263" r:id="rId5"/>
+    <p:sldId id="264" r:id="rId6"/>
+    <p:sldId id="260" r:id="rId7"/>
+    <p:sldId id="261" r:id="rId8"/>
+    <p:sldId id="262" r:id="rId9"/>
   </p:sldIdLst>
   <p:sldSz cx="12192000" cy="6858000"/>
   <p:notesSz cx="6858000" cy="9144000"/>
@@ -264,7 +266,7 @@
           <a:p>
             <a:fld id="{187B024A-58F9-A941-8036-04AB132CF501}" type="datetimeFigureOut">
               <a:rPr kumimoji="1" lang="ko-KR" altLang="en-US" smtClean="0"/>
-              <a:t>2022. 2. 18.</a:t>
+              <a:t>2022. 2. 24.</a:t>
             </a:fld>
             <a:endParaRPr kumimoji="1" lang="ko-KR" altLang="en-US"/>
           </a:p>
@@ -437,7 +439,7 @@
           <a:p>
             <a:fld id="{187B024A-58F9-A941-8036-04AB132CF501}" type="datetimeFigureOut">
               <a:rPr kumimoji="1" lang="ko-KR" altLang="en-US" smtClean="0"/>
-              <a:t>2022. 2. 18.</a:t>
+              <a:t>2022. 2. 24.</a:t>
             </a:fld>
             <a:endParaRPr kumimoji="1" lang="ko-KR" altLang="en-US"/>
           </a:p>
@@ -620,7 +622,7 @@
           <a:p>
             <a:fld id="{187B024A-58F9-A941-8036-04AB132CF501}" type="datetimeFigureOut">
               <a:rPr kumimoji="1" lang="ko-KR" altLang="en-US" smtClean="0"/>
-              <a:t>2022. 2. 18.</a:t>
+              <a:t>2022. 2. 24.</a:t>
             </a:fld>
             <a:endParaRPr kumimoji="1" lang="ko-KR" altLang="en-US"/>
           </a:p>
@@ -793,7 +795,7 @@
           <a:p>
             <a:fld id="{187B024A-58F9-A941-8036-04AB132CF501}" type="datetimeFigureOut">
               <a:rPr kumimoji="1" lang="ko-KR" altLang="en-US" smtClean="0"/>
-              <a:t>2022. 2. 18.</a:t>
+              <a:t>2022. 2. 24.</a:t>
             </a:fld>
             <a:endParaRPr kumimoji="1" lang="ko-KR" altLang="en-US"/>
           </a:p>
@@ -1071,7 +1073,7 @@
           <a:p>
             <a:fld id="{187B024A-58F9-A941-8036-04AB132CF501}" type="datetimeFigureOut">
               <a:rPr kumimoji="1" lang="ko-KR" altLang="en-US" smtClean="0"/>
-              <a:t>2022. 2. 18.</a:t>
+              <a:t>2022. 2. 24.</a:t>
             </a:fld>
             <a:endParaRPr kumimoji="1" lang="ko-KR" altLang="en-US"/>
           </a:p>
@@ -1286,7 +1288,7 @@
           <a:p>
             <a:fld id="{187B024A-58F9-A941-8036-04AB132CF501}" type="datetimeFigureOut">
               <a:rPr kumimoji="1" lang="ko-KR" altLang="en-US" smtClean="0"/>
-              <a:t>2022. 2. 18.</a:t>
+              <a:t>2022. 2. 24.</a:t>
             </a:fld>
             <a:endParaRPr kumimoji="1" lang="ko-KR" altLang="en-US"/>
           </a:p>
@@ -1654,7 +1656,7 @@
           <a:p>
             <a:fld id="{187B024A-58F9-A941-8036-04AB132CF501}" type="datetimeFigureOut">
               <a:rPr kumimoji="1" lang="ko-KR" altLang="en-US" smtClean="0"/>
-              <a:t>2022. 2. 18.</a:t>
+              <a:t>2022. 2. 24.</a:t>
             </a:fld>
             <a:endParaRPr kumimoji="1" lang="ko-KR" altLang="en-US"/>
           </a:p>
@@ -1795,7 +1797,7 @@
           <a:p>
             <a:fld id="{187B024A-58F9-A941-8036-04AB132CF501}" type="datetimeFigureOut">
               <a:rPr kumimoji="1" lang="ko-KR" altLang="en-US" smtClean="0"/>
-              <a:t>2022. 2. 18.</a:t>
+              <a:t>2022. 2. 24.</a:t>
             </a:fld>
             <a:endParaRPr kumimoji="1" lang="ko-KR" altLang="en-US"/>
           </a:p>
@@ -1908,7 +1910,7 @@
           <a:p>
             <a:fld id="{187B024A-58F9-A941-8036-04AB132CF501}" type="datetimeFigureOut">
               <a:rPr kumimoji="1" lang="ko-KR" altLang="en-US" smtClean="0"/>
-              <a:t>2022. 2. 18.</a:t>
+              <a:t>2022. 2. 24.</a:t>
             </a:fld>
             <a:endParaRPr kumimoji="1" lang="ko-KR" altLang="en-US"/>
           </a:p>
@@ -2197,7 +2199,7 @@
           <a:p>
             <a:fld id="{187B024A-58F9-A941-8036-04AB132CF501}" type="datetimeFigureOut">
               <a:rPr kumimoji="1" lang="ko-KR" altLang="en-US" smtClean="0"/>
-              <a:t>2022. 2. 18.</a:t>
+              <a:t>2022. 2. 24.</a:t>
             </a:fld>
             <a:endParaRPr kumimoji="1" lang="ko-KR" altLang="en-US"/>
           </a:p>
@@ -2488,7 +2490,7 @@
           <a:p>
             <a:fld id="{187B024A-58F9-A941-8036-04AB132CF501}" type="datetimeFigureOut">
               <a:rPr kumimoji="1" lang="ko-KR" altLang="en-US" smtClean="0"/>
-              <a:t>2022. 2. 18.</a:t>
+              <a:t>2022. 2. 24.</a:t>
             </a:fld>
             <a:endParaRPr kumimoji="1" lang="ko-KR" altLang="en-US"/>
           </a:p>
@@ -2704,7 +2706,7 @@
           <a:p>
             <a:fld id="{187B024A-58F9-A941-8036-04AB132CF501}" type="datetimeFigureOut">
               <a:rPr kumimoji="1" lang="ko-KR" altLang="en-US" smtClean="0"/>
-              <a:t>2022. 2. 18.</a:t>
+              <a:t>2022. 2. 24.</a:t>
             </a:fld>
             <a:endParaRPr kumimoji="1" lang="ko-KR" altLang="en-US"/>
           </a:p>
@@ -5490,6 +5492,1297 @@
 </file>
 
 <file path=ppt/slides/slide4.xml><?xml version="1.0" encoding="utf-8"?>
+<p:sld xmlns:a="http://schemas.openxmlformats.org/drawingml/2006/main" xmlns:r="http://schemas.openxmlformats.org/officeDocument/2006/relationships" xmlns:p="http://schemas.openxmlformats.org/presentationml/2006/main">
+  <p:cSld>
+    <p:spTree>
+      <p:nvGrpSpPr>
+        <p:cNvPr id="1" name=""/>
+        <p:cNvGrpSpPr/>
+        <p:nvPr/>
+      </p:nvGrpSpPr>
+      <p:grpSpPr>
+        <a:xfrm>
+          <a:off x="0" y="0"/>
+          <a:ext cx="0" cy="0"/>
+          <a:chOff x="0" y="0"/>
+          <a:chExt cx="0" cy="0"/>
+        </a:xfrm>
+      </p:grpSpPr>
+      <p:grpSp>
+        <p:nvGrpSpPr>
+          <p:cNvPr id="18" name="그룹 17">
+            <a:extLst>
+              <a:ext uri="{FF2B5EF4-FFF2-40B4-BE49-F238E27FC236}">
+                <a16:creationId xmlns:a16="http://schemas.microsoft.com/office/drawing/2014/main" id="{7AD2E3F5-9F33-014B-BB09-293E0364C622}"/>
+              </a:ext>
+            </a:extLst>
+          </p:cNvPr>
+          <p:cNvGrpSpPr/>
+          <p:nvPr/>
+        </p:nvGrpSpPr>
+        <p:grpSpPr>
+          <a:xfrm>
+            <a:off x="906185" y="1364573"/>
+            <a:ext cx="10924624" cy="3629321"/>
+            <a:chOff x="906185" y="1364573"/>
+            <a:chExt cx="10924624" cy="3629321"/>
+          </a:xfrm>
+        </p:grpSpPr>
+        <p:sp>
+          <p:nvSpPr>
+            <p:cNvPr id="51" name="모서리가 둥근 직사각형 50">
+              <a:extLst>
+                <a:ext uri="{FF2B5EF4-FFF2-40B4-BE49-F238E27FC236}">
+                  <a16:creationId xmlns:a16="http://schemas.microsoft.com/office/drawing/2014/main" id="{30E4A1BD-EE7C-CB46-B61D-573CEA9B2896}"/>
+                </a:ext>
+              </a:extLst>
+            </p:cNvPr>
+            <p:cNvSpPr/>
+            <p:nvPr/>
+          </p:nvSpPr>
+          <p:spPr>
+            <a:xfrm>
+              <a:off x="7178393" y="1364573"/>
+              <a:ext cx="2650070" cy="3629320"/>
+            </a:xfrm>
+            <a:prstGeom prst="roundRect">
+              <a:avLst/>
+            </a:prstGeom>
+            <a:solidFill>
+              <a:schemeClr val="accent3">
+                <a:alpha val="50000"/>
+              </a:schemeClr>
+            </a:solidFill>
+            <a:ln>
+              <a:noFill/>
+            </a:ln>
+          </p:spPr>
+          <p:style>
+            <a:lnRef idx="2">
+              <a:schemeClr val="accent1">
+                <a:shade val="50000"/>
+              </a:schemeClr>
+            </a:lnRef>
+            <a:fillRef idx="1">
+              <a:schemeClr val="accent1"/>
+            </a:fillRef>
+            <a:effectRef idx="0">
+              <a:schemeClr val="accent1"/>
+            </a:effectRef>
+            <a:fontRef idx="minor">
+              <a:schemeClr val="lt1"/>
+            </a:fontRef>
+          </p:style>
+          <p:txBody>
+            <a:bodyPr rtlCol="0" anchor="ctr"/>
+            <a:lstStyle/>
+            <a:p>
+              <a:pPr algn="ctr"/>
+              <a:r>
+                <a:rPr kumimoji="1" lang="ko-KR" altLang="en-US" sz="3200" dirty="0">
+                  <a:solidFill>
+                    <a:schemeClr val="tx1"/>
+                  </a:solidFill>
+                </a:rPr>
+                <a:t>커넥션</a:t>
+              </a:r>
+            </a:p>
+          </p:txBody>
+        </p:sp>
+        <p:sp>
+          <p:nvSpPr>
+            <p:cNvPr id="17" name="모서리가 둥근 직사각형 16">
+              <a:extLst>
+                <a:ext uri="{FF2B5EF4-FFF2-40B4-BE49-F238E27FC236}">
+                  <a16:creationId xmlns:a16="http://schemas.microsoft.com/office/drawing/2014/main" id="{1A4DF16F-AC27-2943-8BA8-F49E6B99DE1A}"/>
+                </a:ext>
+              </a:extLst>
+            </p:cNvPr>
+            <p:cNvSpPr/>
+            <p:nvPr/>
+          </p:nvSpPr>
+          <p:spPr>
+            <a:xfrm>
+              <a:off x="2969741" y="1364574"/>
+              <a:ext cx="2650070" cy="3629320"/>
+            </a:xfrm>
+            <a:prstGeom prst="roundRect">
+              <a:avLst/>
+            </a:prstGeom>
+            <a:solidFill>
+              <a:schemeClr val="accent3">
+                <a:alpha val="50000"/>
+              </a:schemeClr>
+            </a:solidFill>
+            <a:ln>
+              <a:noFill/>
+            </a:ln>
+          </p:spPr>
+          <p:style>
+            <a:lnRef idx="2">
+              <a:schemeClr val="accent1">
+                <a:shade val="50000"/>
+              </a:schemeClr>
+            </a:lnRef>
+            <a:fillRef idx="1">
+              <a:schemeClr val="accent1"/>
+            </a:fillRef>
+            <a:effectRef idx="0">
+              <a:schemeClr val="accent1"/>
+            </a:effectRef>
+            <a:fontRef idx="minor">
+              <a:schemeClr val="lt1"/>
+            </a:fontRef>
+          </p:style>
+          <p:txBody>
+            <a:bodyPr rtlCol="0" anchor="ctr"/>
+            <a:lstStyle/>
+            <a:p>
+              <a:pPr algn="ctr"/>
+              <a:r>
+                <a:rPr kumimoji="1" lang="ko-KR" altLang="en-US" sz="3200" dirty="0">
+                  <a:solidFill>
+                    <a:schemeClr val="tx1"/>
+                  </a:solidFill>
+                </a:rPr>
+                <a:t>커넥션</a:t>
+              </a:r>
+            </a:p>
+          </p:txBody>
+        </p:sp>
+        <p:pic>
+          <p:nvPicPr>
+            <p:cNvPr id="3" name="그림 2">
+              <a:extLst>
+                <a:ext uri="{FF2B5EF4-FFF2-40B4-BE49-F238E27FC236}">
+                  <a16:creationId xmlns:a16="http://schemas.microsoft.com/office/drawing/2014/main" id="{D39F49DD-AB6F-C444-A483-576E5D66E50F}"/>
+                </a:ext>
+              </a:extLst>
+            </p:cNvPr>
+            <p:cNvPicPr>
+              <a:picLocks noChangeAspect="1"/>
+            </p:cNvPicPr>
+            <p:nvPr/>
+          </p:nvPicPr>
+          <p:blipFill>
+            <a:blip r:embed="rId2"/>
+            <a:stretch>
+              <a:fillRect/>
+            </a:stretch>
+          </p:blipFill>
+          <p:spPr>
+            <a:xfrm>
+              <a:off x="906185" y="2201333"/>
+              <a:ext cx="1955800" cy="1955800"/>
+            </a:xfrm>
+            <a:prstGeom prst="rect">
+              <a:avLst/>
+            </a:prstGeom>
+          </p:spPr>
+        </p:pic>
+        <p:pic>
+          <p:nvPicPr>
+            <p:cNvPr id="6" name="그림 5">
+              <a:extLst>
+                <a:ext uri="{FF2B5EF4-FFF2-40B4-BE49-F238E27FC236}">
+                  <a16:creationId xmlns:a16="http://schemas.microsoft.com/office/drawing/2014/main" id="{A92E312B-F450-194C-ACEC-DF8C130EEF31}"/>
+                </a:ext>
+              </a:extLst>
+            </p:cNvPr>
+            <p:cNvPicPr>
+              <a:picLocks noChangeAspect="1"/>
+            </p:cNvPicPr>
+            <p:nvPr/>
+          </p:nvPicPr>
+          <p:blipFill>
+            <a:blip r:embed="rId3"/>
+            <a:stretch>
+              <a:fillRect/>
+            </a:stretch>
+          </p:blipFill>
+          <p:spPr>
+            <a:xfrm>
+              <a:off x="5658269" y="2438401"/>
+              <a:ext cx="1481665" cy="1481665"/>
+            </a:xfrm>
+            <a:prstGeom prst="rect">
+              <a:avLst/>
+            </a:prstGeom>
+          </p:spPr>
+        </p:pic>
+        <p:pic>
+          <p:nvPicPr>
+            <p:cNvPr id="8" name="그림 7">
+              <a:extLst>
+                <a:ext uri="{FF2B5EF4-FFF2-40B4-BE49-F238E27FC236}">
+                  <a16:creationId xmlns:a16="http://schemas.microsoft.com/office/drawing/2014/main" id="{266AC016-8DF5-A54A-ABD8-FF7A79C2A524}"/>
+                </a:ext>
+              </a:extLst>
+            </p:cNvPr>
+            <p:cNvPicPr>
+              <a:picLocks noChangeAspect="1"/>
+            </p:cNvPicPr>
+            <p:nvPr/>
+          </p:nvPicPr>
+          <p:blipFill>
+            <a:blip r:embed="rId4"/>
+            <a:stretch>
+              <a:fillRect/>
+            </a:stretch>
+          </p:blipFill>
+          <p:spPr>
+            <a:xfrm>
+              <a:off x="9434743" y="2311401"/>
+              <a:ext cx="1735666" cy="1735666"/>
+            </a:xfrm>
+            <a:prstGeom prst="rect">
+              <a:avLst/>
+            </a:prstGeom>
+          </p:spPr>
+        </p:pic>
+        <p:pic>
+          <p:nvPicPr>
+            <p:cNvPr id="29" name="그림 28">
+              <a:extLst>
+                <a:ext uri="{FF2B5EF4-FFF2-40B4-BE49-F238E27FC236}">
+                  <a16:creationId xmlns:a16="http://schemas.microsoft.com/office/drawing/2014/main" id="{49AACB4D-EB3D-614F-8C36-FDB8C102D0A7}"/>
+                </a:ext>
+              </a:extLst>
+            </p:cNvPr>
+            <p:cNvPicPr>
+              <a:picLocks noChangeAspect="1"/>
+            </p:cNvPicPr>
+            <p:nvPr/>
+          </p:nvPicPr>
+          <p:blipFill>
+            <a:blip r:embed="rId4"/>
+            <a:stretch>
+              <a:fillRect/>
+            </a:stretch>
+          </p:blipFill>
+          <p:spPr>
+            <a:xfrm>
+              <a:off x="10095143" y="2311401"/>
+              <a:ext cx="1735666" cy="1735666"/>
+            </a:xfrm>
+            <a:prstGeom prst="rect">
+              <a:avLst/>
+            </a:prstGeom>
+          </p:spPr>
+        </p:pic>
+        <p:sp>
+          <p:nvSpPr>
+            <p:cNvPr id="9" name="오른쪽 화살표[R] 8">
+              <a:extLst>
+                <a:ext uri="{FF2B5EF4-FFF2-40B4-BE49-F238E27FC236}">
+                  <a16:creationId xmlns:a16="http://schemas.microsoft.com/office/drawing/2014/main" id="{8F75F98C-56E1-A248-81CA-A5E376D0F2DD}"/>
+                </a:ext>
+              </a:extLst>
+            </p:cNvPr>
+            <p:cNvSpPr/>
+            <p:nvPr/>
+          </p:nvSpPr>
+          <p:spPr>
+            <a:xfrm>
+              <a:off x="3067109" y="1782233"/>
+              <a:ext cx="2463800" cy="1020232"/>
+            </a:xfrm>
+            <a:prstGeom prst="rightArrow">
+              <a:avLst/>
+            </a:prstGeom>
+            <a:solidFill>
+              <a:schemeClr val="tx1">
+                <a:lumMod val="65000"/>
+                <a:lumOff val="35000"/>
+              </a:schemeClr>
+            </a:solidFill>
+            <a:ln>
+              <a:noFill/>
+            </a:ln>
+          </p:spPr>
+          <p:style>
+            <a:lnRef idx="2">
+              <a:schemeClr val="accent1">
+                <a:shade val="50000"/>
+              </a:schemeClr>
+            </a:lnRef>
+            <a:fillRef idx="1">
+              <a:schemeClr val="accent1"/>
+            </a:fillRef>
+            <a:effectRef idx="0">
+              <a:schemeClr val="accent1"/>
+            </a:effectRef>
+            <a:fontRef idx="minor">
+              <a:schemeClr val="lt1"/>
+            </a:fontRef>
+          </p:style>
+          <p:txBody>
+            <a:bodyPr rtlCol="0" anchor="ctr"/>
+            <a:lstStyle/>
+            <a:p>
+              <a:pPr algn="ctr"/>
+              <a:endParaRPr kumimoji="1" lang="ko-KR" altLang="en-US" dirty="0"/>
+            </a:p>
+          </p:txBody>
+        </p:sp>
+        <p:sp>
+          <p:nvSpPr>
+            <p:cNvPr id="12" name="왼쪽 화살표[L] 11">
+              <a:extLst>
+                <a:ext uri="{FF2B5EF4-FFF2-40B4-BE49-F238E27FC236}">
+                  <a16:creationId xmlns:a16="http://schemas.microsoft.com/office/drawing/2014/main" id="{63E850B4-7106-ED4F-A86B-634B6296B644}"/>
+                </a:ext>
+              </a:extLst>
+            </p:cNvPr>
+            <p:cNvSpPr/>
+            <p:nvPr/>
+          </p:nvSpPr>
+          <p:spPr>
+            <a:xfrm>
+              <a:off x="3067109" y="3372133"/>
+              <a:ext cx="2455333" cy="1041400"/>
+            </a:xfrm>
+            <a:prstGeom prst="leftArrow">
+              <a:avLst/>
+            </a:prstGeom>
+            <a:solidFill>
+              <a:schemeClr val="tx1">
+                <a:lumMod val="65000"/>
+                <a:lumOff val="35000"/>
+              </a:schemeClr>
+            </a:solidFill>
+            <a:ln>
+              <a:noFill/>
+            </a:ln>
+          </p:spPr>
+          <p:style>
+            <a:lnRef idx="2">
+              <a:schemeClr val="accent1">
+                <a:shade val="50000"/>
+              </a:schemeClr>
+            </a:lnRef>
+            <a:fillRef idx="1">
+              <a:schemeClr val="accent1"/>
+            </a:fillRef>
+            <a:effectRef idx="0">
+              <a:schemeClr val="accent1"/>
+            </a:effectRef>
+            <a:fontRef idx="minor">
+              <a:schemeClr val="lt1"/>
+            </a:fontRef>
+          </p:style>
+          <p:txBody>
+            <a:bodyPr rtlCol="0" anchor="ctr"/>
+            <a:lstStyle/>
+            <a:p>
+              <a:pPr algn="ctr"/>
+              <a:endParaRPr kumimoji="1" lang="ko-KR" altLang="en-US"/>
+            </a:p>
+          </p:txBody>
+        </p:sp>
+        <p:sp>
+          <p:nvSpPr>
+            <p:cNvPr id="41" name="오른쪽 화살표[R] 40">
+              <a:extLst>
+                <a:ext uri="{FF2B5EF4-FFF2-40B4-BE49-F238E27FC236}">
+                  <a16:creationId xmlns:a16="http://schemas.microsoft.com/office/drawing/2014/main" id="{92B5517F-E470-5A4C-AF00-AE92FC47A71B}"/>
+                </a:ext>
+              </a:extLst>
+            </p:cNvPr>
+            <p:cNvSpPr/>
+            <p:nvPr/>
+          </p:nvSpPr>
+          <p:spPr>
+            <a:xfrm>
+              <a:off x="7275762" y="1782233"/>
+              <a:ext cx="2463800" cy="1020232"/>
+            </a:xfrm>
+            <a:prstGeom prst="rightArrow">
+              <a:avLst/>
+            </a:prstGeom>
+            <a:solidFill>
+              <a:schemeClr val="tx1">
+                <a:lumMod val="65000"/>
+                <a:lumOff val="35000"/>
+              </a:schemeClr>
+            </a:solidFill>
+            <a:ln>
+              <a:noFill/>
+            </a:ln>
+          </p:spPr>
+          <p:style>
+            <a:lnRef idx="2">
+              <a:schemeClr val="accent1">
+                <a:shade val="50000"/>
+              </a:schemeClr>
+            </a:lnRef>
+            <a:fillRef idx="1">
+              <a:schemeClr val="accent1"/>
+            </a:fillRef>
+            <a:effectRef idx="0">
+              <a:schemeClr val="accent1"/>
+            </a:effectRef>
+            <a:fontRef idx="minor">
+              <a:schemeClr val="lt1"/>
+            </a:fontRef>
+          </p:style>
+          <p:txBody>
+            <a:bodyPr rtlCol="0" anchor="ctr"/>
+            <a:lstStyle/>
+            <a:p>
+              <a:pPr algn="ctr"/>
+              <a:endParaRPr kumimoji="1" lang="ko-KR" altLang="en-US" dirty="0"/>
+            </a:p>
+          </p:txBody>
+        </p:sp>
+        <p:sp>
+          <p:nvSpPr>
+            <p:cNvPr id="43" name="왼쪽 화살표[L] 42">
+              <a:extLst>
+                <a:ext uri="{FF2B5EF4-FFF2-40B4-BE49-F238E27FC236}">
+                  <a16:creationId xmlns:a16="http://schemas.microsoft.com/office/drawing/2014/main" id="{2603EA07-4722-1B41-BBFE-29B9F8072B74}"/>
+                </a:ext>
+              </a:extLst>
+            </p:cNvPr>
+            <p:cNvSpPr/>
+            <p:nvPr/>
+          </p:nvSpPr>
+          <p:spPr>
+            <a:xfrm>
+              <a:off x="7275762" y="3372133"/>
+              <a:ext cx="2455333" cy="1041400"/>
+            </a:xfrm>
+            <a:prstGeom prst="leftArrow">
+              <a:avLst/>
+            </a:prstGeom>
+            <a:solidFill>
+              <a:schemeClr val="tx1">
+                <a:lumMod val="65000"/>
+                <a:lumOff val="35000"/>
+              </a:schemeClr>
+            </a:solidFill>
+            <a:ln>
+              <a:noFill/>
+            </a:ln>
+          </p:spPr>
+          <p:style>
+            <a:lnRef idx="2">
+              <a:schemeClr val="accent1">
+                <a:shade val="50000"/>
+              </a:schemeClr>
+            </a:lnRef>
+            <a:fillRef idx="1">
+              <a:schemeClr val="accent1"/>
+            </a:fillRef>
+            <a:effectRef idx="0">
+              <a:schemeClr val="accent1"/>
+            </a:effectRef>
+            <a:fontRef idx="minor">
+              <a:schemeClr val="lt1"/>
+            </a:fontRef>
+          </p:style>
+          <p:txBody>
+            <a:bodyPr rtlCol="0" anchor="ctr"/>
+            <a:lstStyle/>
+            <a:p>
+              <a:pPr algn="ctr"/>
+              <a:endParaRPr kumimoji="1" lang="ko-KR" altLang="en-US"/>
+            </a:p>
+          </p:txBody>
+        </p:sp>
+      </p:grpSp>
+    </p:spTree>
+    <p:extLst>
+      <p:ext uri="{BB962C8B-B14F-4D97-AF65-F5344CB8AC3E}">
+        <p14:creationId xmlns:p14="http://schemas.microsoft.com/office/powerpoint/2010/main" val="3641047831"/>
+      </p:ext>
+    </p:extLst>
+  </p:cSld>
+  <p:clrMapOvr>
+    <a:masterClrMapping/>
+  </p:clrMapOvr>
+</p:sld>
+</file>
+
+<file path=ppt/slides/slide5.xml><?xml version="1.0" encoding="utf-8"?>
+<p:sld xmlns:a="http://schemas.openxmlformats.org/drawingml/2006/main" xmlns:r="http://schemas.openxmlformats.org/officeDocument/2006/relationships" xmlns:p="http://schemas.openxmlformats.org/presentationml/2006/main">
+  <p:cSld>
+    <p:spTree>
+      <p:nvGrpSpPr>
+        <p:cNvPr id="1" name=""/>
+        <p:cNvGrpSpPr/>
+        <p:nvPr/>
+      </p:nvGrpSpPr>
+      <p:grpSpPr>
+        <a:xfrm>
+          <a:off x="0" y="0"/>
+          <a:ext cx="0" cy="0"/>
+          <a:chOff x="0" y="0"/>
+          <a:chExt cx="0" cy="0"/>
+        </a:xfrm>
+      </p:grpSpPr>
+      <p:grpSp>
+        <p:nvGrpSpPr>
+          <p:cNvPr id="10" name="그룹 9">
+            <a:extLst>
+              <a:ext uri="{FF2B5EF4-FFF2-40B4-BE49-F238E27FC236}">
+                <a16:creationId xmlns:a16="http://schemas.microsoft.com/office/drawing/2014/main" id="{88D800AE-27D2-EF4C-A595-9E641F9568ED}"/>
+              </a:ext>
+            </a:extLst>
+          </p:cNvPr>
+          <p:cNvGrpSpPr/>
+          <p:nvPr/>
+        </p:nvGrpSpPr>
+        <p:grpSpPr>
+          <a:xfrm>
+            <a:off x="906185" y="726457"/>
+            <a:ext cx="10924624" cy="5775578"/>
+            <a:chOff x="906185" y="726457"/>
+            <a:chExt cx="10924624" cy="5775578"/>
+          </a:xfrm>
+        </p:grpSpPr>
+        <p:pic>
+          <p:nvPicPr>
+            <p:cNvPr id="3" name="그림 2">
+              <a:extLst>
+                <a:ext uri="{FF2B5EF4-FFF2-40B4-BE49-F238E27FC236}">
+                  <a16:creationId xmlns:a16="http://schemas.microsoft.com/office/drawing/2014/main" id="{D39F49DD-AB6F-C444-A483-576E5D66E50F}"/>
+                </a:ext>
+              </a:extLst>
+            </p:cNvPr>
+            <p:cNvPicPr>
+              <a:picLocks noChangeAspect="1"/>
+            </p:cNvPicPr>
+            <p:nvPr/>
+          </p:nvPicPr>
+          <p:blipFill>
+            <a:blip r:embed="rId2"/>
+            <a:stretch>
+              <a:fillRect/>
+            </a:stretch>
+          </p:blipFill>
+          <p:spPr>
+            <a:xfrm>
+              <a:off x="906185" y="1484896"/>
+              <a:ext cx="1955800" cy="1955800"/>
+            </a:xfrm>
+            <a:prstGeom prst="rect">
+              <a:avLst/>
+            </a:prstGeom>
+          </p:spPr>
+        </p:pic>
+        <p:pic>
+          <p:nvPicPr>
+            <p:cNvPr id="6" name="그림 5">
+              <a:extLst>
+                <a:ext uri="{FF2B5EF4-FFF2-40B4-BE49-F238E27FC236}">
+                  <a16:creationId xmlns:a16="http://schemas.microsoft.com/office/drawing/2014/main" id="{A92E312B-F450-194C-ACEC-DF8C130EEF31}"/>
+                </a:ext>
+              </a:extLst>
+            </p:cNvPr>
+            <p:cNvPicPr>
+              <a:picLocks noChangeAspect="1"/>
+            </p:cNvPicPr>
+            <p:nvPr/>
+          </p:nvPicPr>
+          <p:blipFill>
+            <a:blip r:embed="rId3"/>
+            <a:stretch>
+              <a:fillRect/>
+            </a:stretch>
+          </p:blipFill>
+          <p:spPr>
+            <a:xfrm>
+              <a:off x="5658269" y="1721964"/>
+              <a:ext cx="1481665" cy="1481665"/>
+            </a:xfrm>
+            <a:prstGeom prst="rect">
+              <a:avLst/>
+            </a:prstGeom>
+          </p:spPr>
+        </p:pic>
+        <p:pic>
+          <p:nvPicPr>
+            <p:cNvPr id="8" name="그림 7">
+              <a:extLst>
+                <a:ext uri="{FF2B5EF4-FFF2-40B4-BE49-F238E27FC236}">
+                  <a16:creationId xmlns:a16="http://schemas.microsoft.com/office/drawing/2014/main" id="{266AC016-8DF5-A54A-ABD8-FF7A79C2A524}"/>
+                </a:ext>
+              </a:extLst>
+            </p:cNvPr>
+            <p:cNvPicPr>
+              <a:picLocks noChangeAspect="1"/>
+            </p:cNvPicPr>
+            <p:nvPr/>
+          </p:nvPicPr>
+          <p:blipFill>
+            <a:blip r:embed="rId4"/>
+            <a:stretch>
+              <a:fillRect/>
+            </a:stretch>
+          </p:blipFill>
+          <p:spPr>
+            <a:xfrm>
+              <a:off x="9434743" y="1594964"/>
+              <a:ext cx="1735666" cy="1735666"/>
+            </a:xfrm>
+            <a:prstGeom prst="rect">
+              <a:avLst/>
+            </a:prstGeom>
+          </p:spPr>
+        </p:pic>
+        <p:pic>
+          <p:nvPicPr>
+            <p:cNvPr id="29" name="그림 28">
+              <a:extLst>
+                <a:ext uri="{FF2B5EF4-FFF2-40B4-BE49-F238E27FC236}">
+                  <a16:creationId xmlns:a16="http://schemas.microsoft.com/office/drawing/2014/main" id="{49AACB4D-EB3D-614F-8C36-FDB8C102D0A7}"/>
+                </a:ext>
+              </a:extLst>
+            </p:cNvPr>
+            <p:cNvPicPr>
+              <a:picLocks noChangeAspect="1"/>
+            </p:cNvPicPr>
+            <p:nvPr/>
+          </p:nvPicPr>
+          <p:blipFill>
+            <a:blip r:embed="rId4"/>
+            <a:stretch>
+              <a:fillRect/>
+            </a:stretch>
+          </p:blipFill>
+          <p:spPr>
+            <a:xfrm>
+              <a:off x="10095143" y="1594964"/>
+              <a:ext cx="1735666" cy="1735666"/>
+            </a:xfrm>
+            <a:prstGeom prst="rect">
+              <a:avLst/>
+            </a:prstGeom>
+          </p:spPr>
+        </p:pic>
+        <p:sp>
+          <p:nvSpPr>
+            <p:cNvPr id="9" name="오른쪽 화살표[R] 8">
+              <a:extLst>
+                <a:ext uri="{FF2B5EF4-FFF2-40B4-BE49-F238E27FC236}">
+                  <a16:creationId xmlns:a16="http://schemas.microsoft.com/office/drawing/2014/main" id="{8F75F98C-56E1-A248-81CA-A5E376D0F2DD}"/>
+                </a:ext>
+              </a:extLst>
+            </p:cNvPr>
+            <p:cNvSpPr/>
+            <p:nvPr/>
+          </p:nvSpPr>
+          <p:spPr>
+            <a:xfrm>
+              <a:off x="3067109" y="1065796"/>
+              <a:ext cx="2463800" cy="1020232"/>
+            </a:xfrm>
+            <a:prstGeom prst="rightArrow">
+              <a:avLst/>
+            </a:prstGeom>
+            <a:solidFill>
+              <a:schemeClr val="tx1">
+                <a:lumMod val="65000"/>
+                <a:lumOff val="35000"/>
+              </a:schemeClr>
+            </a:solidFill>
+            <a:ln>
+              <a:noFill/>
+            </a:ln>
+          </p:spPr>
+          <p:style>
+            <a:lnRef idx="2">
+              <a:schemeClr val="accent1">
+                <a:shade val="50000"/>
+              </a:schemeClr>
+            </a:lnRef>
+            <a:fillRef idx="1">
+              <a:schemeClr val="accent1"/>
+            </a:fillRef>
+            <a:effectRef idx="0">
+              <a:schemeClr val="accent1"/>
+            </a:effectRef>
+            <a:fontRef idx="minor">
+              <a:schemeClr val="lt1"/>
+            </a:fontRef>
+          </p:style>
+          <p:txBody>
+            <a:bodyPr rtlCol="0" anchor="ctr"/>
+            <a:lstStyle/>
+            <a:p>
+              <a:pPr algn="ctr"/>
+              <a:endParaRPr kumimoji="1" lang="ko-KR" altLang="en-US" dirty="0"/>
+            </a:p>
+          </p:txBody>
+        </p:sp>
+        <p:sp>
+          <p:nvSpPr>
+            <p:cNvPr id="12" name="왼쪽 화살표[L] 11">
+              <a:extLst>
+                <a:ext uri="{FF2B5EF4-FFF2-40B4-BE49-F238E27FC236}">
+                  <a16:creationId xmlns:a16="http://schemas.microsoft.com/office/drawing/2014/main" id="{63E850B4-7106-ED4F-A86B-634B6296B644}"/>
+                </a:ext>
+              </a:extLst>
+            </p:cNvPr>
+            <p:cNvSpPr/>
+            <p:nvPr/>
+          </p:nvSpPr>
+          <p:spPr>
+            <a:xfrm>
+              <a:off x="3067109" y="2655696"/>
+              <a:ext cx="2455333" cy="1041400"/>
+            </a:xfrm>
+            <a:prstGeom prst="leftArrow">
+              <a:avLst/>
+            </a:prstGeom>
+            <a:solidFill>
+              <a:schemeClr val="tx1">
+                <a:lumMod val="65000"/>
+                <a:lumOff val="35000"/>
+              </a:schemeClr>
+            </a:solidFill>
+            <a:ln>
+              <a:noFill/>
+            </a:ln>
+          </p:spPr>
+          <p:style>
+            <a:lnRef idx="2">
+              <a:schemeClr val="accent1">
+                <a:shade val="50000"/>
+              </a:schemeClr>
+            </a:lnRef>
+            <a:fillRef idx="1">
+              <a:schemeClr val="accent1"/>
+            </a:fillRef>
+            <a:effectRef idx="0">
+              <a:schemeClr val="accent1"/>
+            </a:effectRef>
+            <a:fontRef idx="minor">
+              <a:schemeClr val="lt1"/>
+            </a:fontRef>
+          </p:style>
+          <p:txBody>
+            <a:bodyPr rtlCol="0" anchor="ctr"/>
+            <a:lstStyle/>
+            <a:p>
+              <a:pPr algn="ctr"/>
+              <a:endParaRPr kumimoji="1" lang="ko-KR" altLang="en-US"/>
+            </a:p>
+          </p:txBody>
+        </p:sp>
+        <p:sp>
+          <p:nvSpPr>
+            <p:cNvPr id="41" name="오른쪽 화살표[R] 40">
+              <a:extLst>
+                <a:ext uri="{FF2B5EF4-FFF2-40B4-BE49-F238E27FC236}">
+                  <a16:creationId xmlns:a16="http://schemas.microsoft.com/office/drawing/2014/main" id="{92B5517F-E470-5A4C-AF00-AE92FC47A71B}"/>
+                </a:ext>
+              </a:extLst>
+            </p:cNvPr>
+            <p:cNvSpPr/>
+            <p:nvPr/>
+          </p:nvSpPr>
+          <p:spPr>
+            <a:xfrm>
+              <a:off x="7275762" y="1065796"/>
+              <a:ext cx="2463800" cy="1020232"/>
+            </a:xfrm>
+            <a:prstGeom prst="rightArrow">
+              <a:avLst/>
+            </a:prstGeom>
+            <a:solidFill>
+              <a:schemeClr val="tx1">
+                <a:lumMod val="65000"/>
+                <a:lumOff val="35000"/>
+              </a:schemeClr>
+            </a:solidFill>
+            <a:ln>
+              <a:noFill/>
+            </a:ln>
+          </p:spPr>
+          <p:style>
+            <a:lnRef idx="2">
+              <a:schemeClr val="accent1">
+                <a:shade val="50000"/>
+              </a:schemeClr>
+            </a:lnRef>
+            <a:fillRef idx="1">
+              <a:schemeClr val="accent1"/>
+            </a:fillRef>
+            <a:effectRef idx="0">
+              <a:schemeClr val="accent1"/>
+            </a:effectRef>
+            <a:fontRef idx="minor">
+              <a:schemeClr val="lt1"/>
+            </a:fontRef>
+          </p:style>
+          <p:txBody>
+            <a:bodyPr rtlCol="0" anchor="ctr"/>
+            <a:lstStyle/>
+            <a:p>
+              <a:pPr algn="ctr"/>
+              <a:endParaRPr kumimoji="1" lang="ko-KR" altLang="en-US" dirty="0"/>
+            </a:p>
+          </p:txBody>
+        </p:sp>
+        <p:sp>
+          <p:nvSpPr>
+            <p:cNvPr id="43" name="왼쪽 화살표[L] 42">
+              <a:extLst>
+                <a:ext uri="{FF2B5EF4-FFF2-40B4-BE49-F238E27FC236}">
+                  <a16:creationId xmlns:a16="http://schemas.microsoft.com/office/drawing/2014/main" id="{2603EA07-4722-1B41-BBFE-29B9F8072B74}"/>
+                </a:ext>
+              </a:extLst>
+            </p:cNvPr>
+            <p:cNvSpPr/>
+            <p:nvPr/>
+          </p:nvSpPr>
+          <p:spPr>
+            <a:xfrm>
+              <a:off x="7275762" y="2655696"/>
+              <a:ext cx="2455333" cy="1041400"/>
+            </a:xfrm>
+            <a:prstGeom prst="leftArrow">
+              <a:avLst/>
+            </a:prstGeom>
+            <a:solidFill>
+              <a:schemeClr val="tx1">
+                <a:lumMod val="65000"/>
+                <a:lumOff val="35000"/>
+              </a:schemeClr>
+            </a:solidFill>
+            <a:ln>
+              <a:noFill/>
+            </a:ln>
+          </p:spPr>
+          <p:style>
+            <a:lnRef idx="2">
+              <a:schemeClr val="accent1">
+                <a:shade val="50000"/>
+              </a:schemeClr>
+            </a:lnRef>
+            <a:fillRef idx="1">
+              <a:schemeClr val="accent1"/>
+            </a:fillRef>
+            <a:effectRef idx="0">
+              <a:schemeClr val="accent1"/>
+            </a:effectRef>
+            <a:fontRef idx="minor">
+              <a:schemeClr val="lt1"/>
+            </a:fontRef>
+          </p:style>
+          <p:txBody>
+            <a:bodyPr rtlCol="0" anchor="ctr"/>
+            <a:lstStyle/>
+            <a:p>
+              <a:pPr algn="ctr"/>
+              <a:endParaRPr kumimoji="1" lang="ko-KR" altLang="en-US"/>
+            </a:p>
+          </p:txBody>
+        </p:sp>
+        <p:sp>
+          <p:nvSpPr>
+            <p:cNvPr id="2" name="TextBox 1">
+              <a:extLst>
+                <a:ext uri="{FF2B5EF4-FFF2-40B4-BE49-F238E27FC236}">
+                  <a16:creationId xmlns:a16="http://schemas.microsoft.com/office/drawing/2014/main" id="{C8182D59-3AB2-914F-8AD1-8DC3F789A089}"/>
+                </a:ext>
+              </a:extLst>
+            </p:cNvPr>
+            <p:cNvSpPr txBox="1"/>
+            <p:nvPr/>
+          </p:nvSpPr>
+          <p:spPr>
+            <a:xfrm>
+              <a:off x="5573395" y="3193099"/>
+              <a:ext cx="1651414" cy="369332"/>
+            </a:xfrm>
+            <a:prstGeom prst="rect">
+              <a:avLst/>
+            </a:prstGeom>
+            <a:noFill/>
+          </p:spPr>
+          <p:txBody>
+            <a:bodyPr wrap="none" rtlCol="0">
+              <a:spAutoFit/>
+            </a:bodyPr>
+            <a:lstStyle/>
+            <a:p>
+              <a:r>
+                <a:rPr kumimoji="1" lang="ko-KR" altLang="en-US" dirty="0"/>
+                <a:t>멍청한 프록시</a:t>
+              </a:r>
+            </a:p>
+          </p:txBody>
+        </p:sp>
+        <p:sp>
+          <p:nvSpPr>
+            <p:cNvPr id="14" name="TextBox 13">
+              <a:extLst>
+                <a:ext uri="{FF2B5EF4-FFF2-40B4-BE49-F238E27FC236}">
+                  <a16:creationId xmlns:a16="http://schemas.microsoft.com/office/drawing/2014/main" id="{AAA19E3E-A085-F84C-A9B0-1AE3D7E2E9BF}"/>
+                </a:ext>
+              </a:extLst>
+            </p:cNvPr>
+            <p:cNvSpPr txBox="1"/>
+            <p:nvPr/>
+          </p:nvSpPr>
+          <p:spPr>
+            <a:xfrm>
+              <a:off x="2950237" y="726457"/>
+              <a:ext cx="2589812" cy="338554"/>
+            </a:xfrm>
+            <a:prstGeom prst="rect">
+              <a:avLst/>
+            </a:prstGeom>
+            <a:noFill/>
+          </p:spPr>
+          <p:txBody>
+            <a:bodyPr wrap="none" rtlCol="0">
+              <a:spAutoFit/>
+            </a:bodyPr>
+            <a:lstStyle/>
+            <a:p>
+              <a:r>
+                <a:rPr kumimoji="1" lang="en-US" altLang="ko-KR" sz="1600" dirty="0"/>
+                <a:t>1.</a:t>
+              </a:r>
+              <a:r>
+                <a:rPr kumimoji="1" lang="ko-KR" altLang="en-US" sz="1600" dirty="0"/>
+                <a:t> </a:t>
+              </a:r>
+              <a:r>
+                <a:rPr kumimoji="1" lang="en-US" altLang="ko-KR" sz="1600" dirty="0"/>
+                <a:t>Connection: Keep-Alive</a:t>
+              </a:r>
+              <a:endParaRPr kumimoji="1" lang="ko-KR" altLang="en-US" sz="1600" dirty="0"/>
+            </a:p>
+          </p:txBody>
+        </p:sp>
+        <p:sp>
+          <p:nvSpPr>
+            <p:cNvPr id="15" name="TextBox 14">
+              <a:extLst>
+                <a:ext uri="{FF2B5EF4-FFF2-40B4-BE49-F238E27FC236}">
+                  <a16:creationId xmlns:a16="http://schemas.microsoft.com/office/drawing/2014/main" id="{42CBD5EE-E765-B446-859F-05974920E70D}"/>
+                </a:ext>
+              </a:extLst>
+            </p:cNvPr>
+            <p:cNvSpPr txBox="1"/>
+            <p:nvPr/>
+          </p:nvSpPr>
+          <p:spPr>
+            <a:xfrm>
+              <a:off x="7208522" y="726457"/>
+              <a:ext cx="2589812" cy="338554"/>
+            </a:xfrm>
+            <a:prstGeom prst="rect">
+              <a:avLst/>
+            </a:prstGeom>
+            <a:noFill/>
+          </p:spPr>
+          <p:txBody>
+            <a:bodyPr wrap="none" rtlCol="0">
+              <a:spAutoFit/>
+            </a:bodyPr>
+            <a:lstStyle/>
+            <a:p>
+              <a:r>
+                <a:rPr kumimoji="1" lang="en-US" altLang="ko-KR" sz="1600" dirty="0"/>
+                <a:t>2.</a:t>
+              </a:r>
+              <a:r>
+                <a:rPr kumimoji="1" lang="ko-KR" altLang="en-US" sz="1600" dirty="0"/>
+                <a:t> </a:t>
+              </a:r>
+              <a:r>
+                <a:rPr kumimoji="1" lang="en-US" altLang="ko-KR" sz="1600" dirty="0"/>
+                <a:t>Connection: Keep-Alive</a:t>
+              </a:r>
+              <a:endParaRPr kumimoji="1" lang="ko-KR" altLang="en-US" sz="1600" dirty="0"/>
+            </a:p>
+          </p:txBody>
+        </p:sp>
+        <p:sp>
+          <p:nvSpPr>
+            <p:cNvPr id="16" name="TextBox 15">
+              <a:extLst>
+                <a:ext uri="{FF2B5EF4-FFF2-40B4-BE49-F238E27FC236}">
+                  <a16:creationId xmlns:a16="http://schemas.microsoft.com/office/drawing/2014/main" id="{546C5FEF-3259-1E44-B28C-8650E4F14FF6}"/>
+                </a:ext>
+              </a:extLst>
+            </p:cNvPr>
+            <p:cNvSpPr txBox="1"/>
+            <p:nvPr/>
+          </p:nvSpPr>
+          <p:spPr>
+            <a:xfrm>
+              <a:off x="7206820" y="3691499"/>
+              <a:ext cx="3756156" cy="1231106"/>
+            </a:xfrm>
+            <a:prstGeom prst="rect">
+              <a:avLst/>
+            </a:prstGeom>
+            <a:noFill/>
+          </p:spPr>
+          <p:txBody>
+            <a:bodyPr wrap="none" rtlCol="0">
+              <a:spAutoFit/>
+            </a:bodyPr>
+            <a:lstStyle/>
+            <a:p>
+              <a:r>
+                <a:rPr kumimoji="1" lang="en-US" altLang="ko-KR" sz="1600" dirty="0"/>
+                <a:t>3.</a:t>
+              </a:r>
+              <a:r>
+                <a:rPr kumimoji="1" lang="ko-KR" altLang="en-US" sz="1600" dirty="0"/>
+                <a:t> </a:t>
+              </a:r>
+              <a:r>
+                <a:rPr kumimoji="1" lang="en-US" altLang="ko-KR" sz="1600" dirty="0"/>
+                <a:t>Connection: Keep-Alive</a:t>
+              </a:r>
+            </a:p>
+            <a:p>
+              <a:endParaRPr kumimoji="1" lang="en-US" altLang="ko-KR" sz="1000" dirty="0"/>
+            </a:p>
+            <a:p>
+              <a:r>
+                <a:rPr kumimoji="1" lang="ko-KR" altLang="en-US" sz="1600" dirty="0"/>
+                <a:t>프록시는 해당 커넥션을 통해 들어오는</a:t>
+              </a:r>
+              <a:endParaRPr kumimoji="1" lang="en-US" altLang="ko-KR" sz="1600" dirty="0"/>
+            </a:p>
+            <a:p>
+              <a:r>
+                <a:rPr kumimoji="1" lang="ko-KR" altLang="en-US" sz="1600" dirty="0"/>
+                <a:t>새 요청을 모두 무시하면서</a:t>
+              </a:r>
+              <a:endParaRPr kumimoji="1" lang="en-US" altLang="ko-KR" sz="1600" dirty="0"/>
+            </a:p>
+            <a:p>
+              <a:r>
+                <a:rPr kumimoji="1" lang="ko-KR" altLang="en-US" sz="1600" dirty="0"/>
+                <a:t>커넥션이 끊어지기를 기다립니다</a:t>
+              </a:r>
+              <a:r>
+                <a:rPr kumimoji="1" lang="en-US" altLang="ko-KR" sz="1600" dirty="0"/>
+                <a:t>.</a:t>
+              </a:r>
+              <a:endParaRPr kumimoji="1" lang="ko-KR" altLang="en-US" dirty="0"/>
+            </a:p>
+          </p:txBody>
+        </p:sp>
+        <p:sp>
+          <p:nvSpPr>
+            <p:cNvPr id="19" name="TextBox 18">
+              <a:extLst>
+                <a:ext uri="{FF2B5EF4-FFF2-40B4-BE49-F238E27FC236}">
+                  <a16:creationId xmlns:a16="http://schemas.microsoft.com/office/drawing/2014/main" id="{E9A86587-9E0D-9E4F-BE70-DA93683040C6}"/>
+                </a:ext>
+              </a:extLst>
+            </p:cNvPr>
+            <p:cNvSpPr txBox="1"/>
+            <p:nvPr/>
+          </p:nvSpPr>
+          <p:spPr>
+            <a:xfrm>
+              <a:off x="2999869" y="3697096"/>
+              <a:ext cx="2589812" cy="338554"/>
+            </a:xfrm>
+            <a:prstGeom prst="rect">
+              <a:avLst/>
+            </a:prstGeom>
+            <a:noFill/>
+          </p:spPr>
+          <p:txBody>
+            <a:bodyPr wrap="none" rtlCol="0">
+              <a:spAutoFit/>
+            </a:bodyPr>
+            <a:lstStyle/>
+            <a:p>
+              <a:r>
+                <a:rPr kumimoji="1" lang="en-US" altLang="ko-KR" sz="1600" dirty="0"/>
+                <a:t>4.</a:t>
+              </a:r>
+              <a:r>
+                <a:rPr kumimoji="1" lang="ko-KR" altLang="en-US" sz="1600" dirty="0"/>
+                <a:t> </a:t>
+              </a:r>
+              <a:r>
+                <a:rPr kumimoji="1" lang="en-US" altLang="ko-KR" sz="1600" dirty="0"/>
+                <a:t>Connection: Keep-Alive</a:t>
+              </a:r>
+              <a:endParaRPr kumimoji="1" lang="ko-KR" altLang="en-US" sz="1600" dirty="0"/>
+            </a:p>
+          </p:txBody>
+        </p:sp>
+        <p:sp>
+          <p:nvSpPr>
+            <p:cNvPr id="5" name="위로 구부러진 화살표[C] 4">
+              <a:extLst>
+                <a:ext uri="{FF2B5EF4-FFF2-40B4-BE49-F238E27FC236}">
+                  <a16:creationId xmlns:a16="http://schemas.microsoft.com/office/drawing/2014/main" id="{83A294D9-CA65-0340-9FAA-6D7BF0224F85}"/>
+                </a:ext>
+              </a:extLst>
+            </p:cNvPr>
+            <p:cNvSpPr/>
+            <p:nvPr/>
+          </p:nvSpPr>
+          <p:spPr>
+            <a:xfrm>
+              <a:off x="1714401" y="3544418"/>
+              <a:ext cx="5061485" cy="1130346"/>
+            </a:xfrm>
+            <a:prstGeom prst="curvedUpArrow">
+              <a:avLst/>
+            </a:prstGeom>
+            <a:solidFill>
+              <a:schemeClr val="tx1">
+                <a:lumMod val="65000"/>
+                <a:lumOff val="35000"/>
+              </a:schemeClr>
+            </a:solidFill>
+          </p:spPr>
+          <p:style>
+            <a:lnRef idx="2">
+              <a:schemeClr val="accent1">
+                <a:shade val="50000"/>
+              </a:schemeClr>
+            </a:lnRef>
+            <a:fillRef idx="1">
+              <a:schemeClr val="accent1"/>
+            </a:fillRef>
+            <a:effectRef idx="0">
+              <a:schemeClr val="accent1"/>
+            </a:effectRef>
+            <a:fontRef idx="minor">
+              <a:schemeClr val="lt1"/>
+            </a:fontRef>
+          </p:style>
+          <p:txBody>
+            <a:bodyPr rtlCol="0" anchor="ctr"/>
+            <a:lstStyle/>
+            <a:p>
+              <a:pPr algn="ctr"/>
+              <a:endParaRPr kumimoji="1" lang="ko-KR" altLang="en-US">
+                <a:solidFill>
+                  <a:schemeClr val="tx1"/>
+                </a:solidFill>
+              </a:endParaRPr>
+            </a:p>
+          </p:txBody>
+        </p:sp>
+        <p:sp>
+          <p:nvSpPr>
+            <p:cNvPr id="21" name="TextBox 20">
+              <a:extLst>
+                <a:ext uri="{FF2B5EF4-FFF2-40B4-BE49-F238E27FC236}">
+                  <a16:creationId xmlns:a16="http://schemas.microsoft.com/office/drawing/2014/main" id="{4658D525-0D1D-2F47-8116-DA0BABA0B029}"/>
+                </a:ext>
+              </a:extLst>
+            </p:cNvPr>
+            <p:cNvSpPr txBox="1"/>
+            <p:nvPr/>
+          </p:nvSpPr>
+          <p:spPr>
+            <a:xfrm>
+              <a:off x="2722379" y="4778486"/>
+              <a:ext cx="3718326" cy="1723549"/>
+            </a:xfrm>
+            <a:prstGeom prst="rect">
+              <a:avLst/>
+            </a:prstGeom>
+            <a:noFill/>
+          </p:spPr>
+          <p:txBody>
+            <a:bodyPr wrap="none" rtlCol="0">
+              <a:spAutoFit/>
+            </a:bodyPr>
+            <a:lstStyle/>
+            <a:p>
+              <a:r>
+                <a:rPr kumimoji="1" lang="en-US" altLang="ko-KR" sz="1600" dirty="0"/>
+                <a:t>5.</a:t>
+              </a:r>
+              <a:r>
+                <a:rPr kumimoji="1" lang="ko-KR" altLang="en-US" sz="1600" dirty="0"/>
+                <a:t> 다음 요청</a:t>
+              </a:r>
+              <a:endParaRPr kumimoji="1" lang="en-US" altLang="ko-KR" sz="1600" dirty="0"/>
+            </a:p>
+            <a:p>
+              <a:endParaRPr kumimoji="1" lang="en-US" altLang="ko-KR" sz="1000" dirty="0"/>
+            </a:p>
+            <a:p>
+              <a:r>
+                <a:rPr kumimoji="1" lang="ko-KR" altLang="en-US" sz="1600" dirty="0"/>
+                <a:t>프록시는 서버와의 커넥션이</a:t>
+              </a:r>
+              <a:endParaRPr kumimoji="1" lang="en-US" altLang="ko-KR" sz="1600" dirty="0"/>
+            </a:p>
+            <a:p>
+              <a:r>
+                <a:rPr kumimoji="1" lang="ko-KR" altLang="en-US" sz="1600" dirty="0"/>
+                <a:t>끊어지는 것을 기다리고 있기 때문에</a:t>
+              </a:r>
+              <a:r>
+                <a:rPr kumimoji="1" lang="en-US" altLang="ko-KR" sz="1600" dirty="0"/>
+                <a:t>,</a:t>
+              </a:r>
+            </a:p>
+            <a:p>
+              <a:r>
+                <a:rPr kumimoji="1" lang="ko-KR" altLang="en-US" sz="1600" dirty="0"/>
+                <a:t>해당 </a:t>
+              </a:r>
+              <a:r>
+                <a:rPr kumimoji="1" lang="en-US" altLang="ko-KR" sz="1600" dirty="0"/>
+                <a:t>Keep-Alive</a:t>
+              </a:r>
+              <a:r>
+                <a:rPr kumimoji="1" lang="ko-KR" altLang="en-US" sz="1600" dirty="0"/>
+                <a:t> 커넥션을 통해서 오는</a:t>
+              </a:r>
+              <a:endParaRPr kumimoji="1" lang="en-US" altLang="ko-KR" sz="1600" dirty="0"/>
+            </a:p>
+            <a:p>
+              <a:r>
+                <a:rPr kumimoji="1" lang="ko-KR" altLang="en-US" sz="1600" dirty="0"/>
+                <a:t>클라이언트의 두번째 요청은</a:t>
+              </a:r>
+              <a:endParaRPr kumimoji="1" lang="en-US" altLang="ko-KR" sz="1600" dirty="0"/>
+            </a:p>
+            <a:p>
+              <a:r>
+                <a:rPr kumimoji="1" lang="ko-KR" altLang="en-US" sz="1600" dirty="0"/>
+                <a:t>처리되지 않고 행에 걸린다</a:t>
+              </a:r>
+              <a:r>
+                <a:rPr kumimoji="1" lang="en-US" altLang="ko-KR" sz="1600" dirty="0"/>
+                <a:t>.</a:t>
+              </a:r>
+              <a:endParaRPr kumimoji="1" lang="ko-KR" altLang="en-US" sz="1600" dirty="0"/>
+            </a:p>
+          </p:txBody>
+        </p:sp>
+      </p:grpSp>
+    </p:spTree>
+    <p:extLst>
+      <p:ext uri="{BB962C8B-B14F-4D97-AF65-F5344CB8AC3E}">
+        <p14:creationId xmlns:p14="http://schemas.microsoft.com/office/powerpoint/2010/main" val="3414827613"/>
+      </p:ext>
+    </p:extLst>
+  </p:cSld>
+  <p:clrMapOvr>
+    <a:masterClrMapping/>
+  </p:clrMapOvr>
+</p:sld>
+</file>
+
+<file path=ppt/slides/slide6.xml><?xml version="1.0" encoding="utf-8"?>
 <p:sld xmlns:a="http://schemas.openxmlformats.org/drawingml/2006/main" xmlns:r="http://schemas.openxmlformats.org/officeDocument/2006/relationships" xmlns:p="http://schemas.openxmlformats.org/presentationml/2006/main" show="0">
   <p:cSld>
     <p:spTree>
@@ -6414,7 +7707,7 @@
 </p:sld>
 </file>
 
-<file path=ppt/slides/slide5.xml><?xml version="1.0" encoding="utf-8"?>
+<file path=ppt/slides/slide7.xml><?xml version="1.0" encoding="utf-8"?>
 <p:sld xmlns:a="http://schemas.openxmlformats.org/drawingml/2006/main" xmlns:r="http://schemas.openxmlformats.org/officeDocument/2006/relationships" xmlns:p="http://schemas.openxmlformats.org/presentationml/2006/main" show="0">
   <p:cSld>
     <p:spTree>
@@ -7159,7 +8452,7 @@
 </p:sld>
 </file>
 
-<file path=ppt/slides/slide6.xml><?xml version="1.0" encoding="utf-8"?>
+<file path=ppt/slides/slide8.xml><?xml version="1.0" encoding="utf-8"?>
 <p:sld xmlns:a="http://schemas.openxmlformats.org/drawingml/2006/main" xmlns:r="http://schemas.openxmlformats.org/officeDocument/2006/relationships" xmlns:p="http://schemas.openxmlformats.org/presentationml/2006/main" show="0">
   <p:cSld>
     <p:spTree>

--- a/static/assets/img/posts/etc/http-version.pptx
+++ b/static/assets/img/posts/etc/http-version.pptx
@@ -4,15 +4,22 @@
   <p:sldMasterIdLst>
     <p:sldMasterId id="2147483648" r:id="rId1"/>
   </p:sldMasterIdLst>
+  <p:notesMasterIdLst>
+    <p:notesMasterId r:id="rId14"/>
+  </p:notesMasterIdLst>
   <p:sldIdLst>
     <p:sldId id="256" r:id="rId2"/>
     <p:sldId id="259" r:id="rId3"/>
     <p:sldId id="258" r:id="rId4"/>
     <p:sldId id="263" r:id="rId5"/>
     <p:sldId id="264" r:id="rId6"/>
-    <p:sldId id="260" r:id="rId7"/>
-    <p:sldId id="261" r:id="rId8"/>
-    <p:sldId id="262" r:id="rId9"/>
+    <p:sldId id="265" r:id="rId7"/>
+    <p:sldId id="266" r:id="rId8"/>
+    <p:sldId id="267" r:id="rId9"/>
+    <p:sldId id="268" r:id="rId10"/>
+    <p:sldId id="260" r:id="rId11"/>
+    <p:sldId id="261" r:id="rId12"/>
+    <p:sldId id="262" r:id="rId13"/>
   </p:sldIdLst>
   <p:sldSz cx="12192000" cy="6858000"/>
   <p:notesSz cx="6858000" cy="9144000"/>
@@ -117,6 +124,414 @@
     </p:ext>
   </p:extLst>
 </p:presentation>
+</file>
+
+<file path=ppt/notesMasters/notesMaster1.xml><?xml version="1.0" encoding="utf-8"?>
+<p:notesMaster xmlns:a="http://schemas.openxmlformats.org/drawingml/2006/main" xmlns:r="http://schemas.openxmlformats.org/officeDocument/2006/relationships" xmlns:p="http://schemas.openxmlformats.org/presentationml/2006/main">
+  <p:cSld>
+    <p:bg>
+      <p:bgRef idx="1001">
+        <a:schemeClr val="bg1"/>
+      </p:bgRef>
+    </p:bg>
+    <p:spTree>
+      <p:nvGrpSpPr>
+        <p:cNvPr id="1" name=""/>
+        <p:cNvGrpSpPr/>
+        <p:nvPr/>
+      </p:nvGrpSpPr>
+      <p:grpSpPr>
+        <a:xfrm>
+          <a:off x="0" y="0"/>
+          <a:ext cx="0" cy="0"/>
+          <a:chOff x="0" y="0"/>
+          <a:chExt cx="0" cy="0"/>
+        </a:xfrm>
+      </p:grpSpPr>
+      <p:sp>
+        <p:nvSpPr>
+          <p:cNvPr id="2" name="머리글 개체 틀 1"/>
+          <p:cNvSpPr>
+            <a:spLocks noGrp="1"/>
+          </p:cNvSpPr>
+          <p:nvPr>
+            <p:ph type="hdr" sz="quarter"/>
+          </p:nvPr>
+        </p:nvSpPr>
+        <p:spPr>
+          <a:xfrm>
+            <a:off x="0" y="0"/>
+            <a:ext cx="2971800" cy="458788"/>
+          </a:xfrm>
+          <a:prstGeom prst="rect">
+            <a:avLst/>
+          </a:prstGeom>
+        </p:spPr>
+        <p:txBody>
+          <a:bodyPr vert="horz" lIns="91440" tIns="45720" rIns="91440" bIns="45720" rtlCol="0"/>
+          <a:lstStyle>
+            <a:lvl1pPr algn="l">
+              <a:defRPr sz="1200"/>
+            </a:lvl1pPr>
+          </a:lstStyle>
+          <a:p>
+            <a:endParaRPr kumimoji="1" lang="ko-KR" altLang="en-US"/>
+          </a:p>
+        </p:txBody>
+      </p:sp>
+      <p:sp>
+        <p:nvSpPr>
+          <p:cNvPr id="3" name="날짜 개체 틀 2"/>
+          <p:cNvSpPr>
+            <a:spLocks noGrp="1"/>
+          </p:cNvSpPr>
+          <p:nvPr>
+            <p:ph type="dt" idx="1"/>
+          </p:nvPr>
+        </p:nvSpPr>
+        <p:spPr>
+          <a:xfrm>
+            <a:off x="3884613" y="0"/>
+            <a:ext cx="2971800" cy="458788"/>
+          </a:xfrm>
+          <a:prstGeom prst="rect">
+            <a:avLst/>
+          </a:prstGeom>
+        </p:spPr>
+        <p:txBody>
+          <a:bodyPr vert="horz" lIns="91440" tIns="45720" rIns="91440" bIns="45720" rtlCol="0"/>
+          <a:lstStyle>
+            <a:lvl1pPr algn="r">
+              <a:defRPr sz="1200"/>
+            </a:lvl1pPr>
+          </a:lstStyle>
+          <a:p>
+            <a:fld id="{4E790157-85E3-D64D-BB31-E2A6B705DD4B}" type="datetimeFigureOut">
+              <a:rPr kumimoji="1" lang="ko-KR" altLang="en-US" smtClean="0"/>
+              <a:t>2022. 2. 25.</a:t>
+            </a:fld>
+            <a:endParaRPr kumimoji="1" lang="ko-KR" altLang="en-US"/>
+          </a:p>
+        </p:txBody>
+      </p:sp>
+      <p:sp>
+        <p:nvSpPr>
+          <p:cNvPr id="4" name="슬라이드 이미지 개체 틀 3"/>
+          <p:cNvSpPr>
+            <a:spLocks noGrp="1" noRot="1" noChangeAspect="1"/>
+          </p:cNvSpPr>
+          <p:nvPr>
+            <p:ph type="sldImg" idx="2"/>
+          </p:nvPr>
+        </p:nvSpPr>
+        <p:spPr>
+          <a:xfrm>
+            <a:off x="685800" y="1143000"/>
+            <a:ext cx="5486400" cy="3086100"/>
+          </a:xfrm>
+          <a:prstGeom prst="rect">
+            <a:avLst/>
+          </a:prstGeom>
+          <a:noFill/>
+          <a:ln w="12700">
+            <a:solidFill>
+              <a:prstClr val="black"/>
+            </a:solidFill>
+          </a:ln>
+        </p:spPr>
+        <p:txBody>
+          <a:bodyPr vert="horz" lIns="91440" tIns="45720" rIns="91440" bIns="45720" rtlCol="0" anchor="ctr"/>
+          <a:lstStyle/>
+          <a:p>
+            <a:endParaRPr lang="ko-KR" altLang="en-US"/>
+          </a:p>
+        </p:txBody>
+      </p:sp>
+      <p:sp>
+        <p:nvSpPr>
+          <p:cNvPr id="5" name="슬라이드 노트 개체 틀 4"/>
+          <p:cNvSpPr>
+            <a:spLocks noGrp="1"/>
+          </p:cNvSpPr>
+          <p:nvPr>
+            <p:ph type="body" sz="quarter" idx="3"/>
+          </p:nvPr>
+        </p:nvSpPr>
+        <p:spPr>
+          <a:xfrm>
+            <a:off x="685800" y="4400550"/>
+            <a:ext cx="5486400" cy="3600450"/>
+          </a:xfrm>
+          <a:prstGeom prst="rect">
+            <a:avLst/>
+          </a:prstGeom>
+        </p:spPr>
+        <p:txBody>
+          <a:bodyPr vert="horz" lIns="91440" tIns="45720" rIns="91440" bIns="45720" rtlCol="0"/>
+          <a:lstStyle/>
+          <a:p>
+            <a:r>
+              <a:rPr kumimoji="1" lang="ko-KR" altLang="en-US"/>
+              <a:t>마스터 텍스트 스타일 편집
+둘째 수준
+셋째 수준
+넷째 수준
+다섯째 수준</a:t>
+            </a:r>
+          </a:p>
+        </p:txBody>
+      </p:sp>
+      <p:sp>
+        <p:nvSpPr>
+          <p:cNvPr id="6" name="바닥글 개체 틀 5"/>
+          <p:cNvSpPr>
+            <a:spLocks noGrp="1"/>
+          </p:cNvSpPr>
+          <p:nvPr>
+            <p:ph type="ftr" sz="quarter" idx="4"/>
+          </p:nvPr>
+        </p:nvSpPr>
+        <p:spPr>
+          <a:xfrm>
+            <a:off x="0" y="8685213"/>
+            <a:ext cx="2971800" cy="458787"/>
+          </a:xfrm>
+          <a:prstGeom prst="rect">
+            <a:avLst/>
+          </a:prstGeom>
+        </p:spPr>
+        <p:txBody>
+          <a:bodyPr vert="horz" lIns="91440" tIns="45720" rIns="91440" bIns="45720" rtlCol="0" anchor="b"/>
+          <a:lstStyle>
+            <a:lvl1pPr algn="l">
+              <a:defRPr sz="1200"/>
+            </a:lvl1pPr>
+          </a:lstStyle>
+          <a:p>
+            <a:endParaRPr kumimoji="1" lang="ko-KR" altLang="en-US"/>
+          </a:p>
+        </p:txBody>
+      </p:sp>
+      <p:sp>
+        <p:nvSpPr>
+          <p:cNvPr id="7" name="슬라이드 번호 개체 틀 6"/>
+          <p:cNvSpPr>
+            <a:spLocks noGrp="1"/>
+          </p:cNvSpPr>
+          <p:nvPr>
+            <p:ph type="sldNum" sz="quarter" idx="5"/>
+          </p:nvPr>
+        </p:nvSpPr>
+        <p:spPr>
+          <a:xfrm>
+            <a:off x="3884613" y="8685213"/>
+            <a:ext cx="2971800" cy="458787"/>
+          </a:xfrm>
+          <a:prstGeom prst="rect">
+            <a:avLst/>
+          </a:prstGeom>
+        </p:spPr>
+        <p:txBody>
+          <a:bodyPr vert="horz" lIns="91440" tIns="45720" rIns="91440" bIns="45720" rtlCol="0" anchor="b"/>
+          <a:lstStyle>
+            <a:lvl1pPr algn="r">
+              <a:defRPr sz="1200"/>
+            </a:lvl1pPr>
+          </a:lstStyle>
+          <a:p>
+            <a:fld id="{D5C8F6F6-4F2C-284F-81C8-8588BBA2EA2B}" type="slidenum">
+              <a:rPr kumimoji="1" lang="ko-KR" altLang="en-US" smtClean="0"/>
+              <a:t>‹#›</a:t>
+            </a:fld>
+            <a:endParaRPr kumimoji="1" lang="ko-KR" altLang="en-US"/>
+          </a:p>
+        </p:txBody>
+      </p:sp>
+    </p:spTree>
+    <p:extLst>
+      <p:ext uri="{BB962C8B-B14F-4D97-AF65-F5344CB8AC3E}">
+        <p14:creationId xmlns:p14="http://schemas.microsoft.com/office/powerpoint/2010/main" val="300141173"/>
+      </p:ext>
+    </p:extLst>
+  </p:cSld>
+  <p:clrMap bg1="lt1" tx1="dk1" bg2="lt2" tx2="dk2" accent1="accent1" accent2="accent2" accent3="accent3" accent4="accent4" accent5="accent5" accent6="accent6" hlink="hlink" folHlink="folHlink"/>
+  <p:notesStyle>
+    <a:lvl1pPr marL="0" algn="l" defTabSz="914400" rtl="0" eaLnBrk="1" latinLnBrk="1" hangingPunct="1">
+      <a:defRPr sz="1200" kern="1200">
+        <a:solidFill>
+          <a:schemeClr val="tx1"/>
+        </a:solidFill>
+        <a:latin typeface="+mn-lt"/>
+        <a:ea typeface="+mn-ea"/>
+        <a:cs typeface="+mn-cs"/>
+      </a:defRPr>
+    </a:lvl1pPr>
+    <a:lvl2pPr marL="457200" algn="l" defTabSz="914400" rtl="0" eaLnBrk="1" latinLnBrk="1" hangingPunct="1">
+      <a:defRPr sz="1200" kern="1200">
+        <a:solidFill>
+          <a:schemeClr val="tx1"/>
+        </a:solidFill>
+        <a:latin typeface="+mn-lt"/>
+        <a:ea typeface="+mn-ea"/>
+        <a:cs typeface="+mn-cs"/>
+      </a:defRPr>
+    </a:lvl2pPr>
+    <a:lvl3pPr marL="914400" algn="l" defTabSz="914400" rtl="0" eaLnBrk="1" latinLnBrk="1" hangingPunct="1">
+      <a:defRPr sz="1200" kern="1200">
+        <a:solidFill>
+          <a:schemeClr val="tx1"/>
+        </a:solidFill>
+        <a:latin typeface="+mn-lt"/>
+        <a:ea typeface="+mn-ea"/>
+        <a:cs typeface="+mn-cs"/>
+      </a:defRPr>
+    </a:lvl3pPr>
+    <a:lvl4pPr marL="1371600" algn="l" defTabSz="914400" rtl="0" eaLnBrk="1" latinLnBrk="1" hangingPunct="1">
+      <a:defRPr sz="1200" kern="1200">
+        <a:solidFill>
+          <a:schemeClr val="tx1"/>
+        </a:solidFill>
+        <a:latin typeface="+mn-lt"/>
+        <a:ea typeface="+mn-ea"/>
+        <a:cs typeface="+mn-cs"/>
+      </a:defRPr>
+    </a:lvl4pPr>
+    <a:lvl5pPr marL="1828800" algn="l" defTabSz="914400" rtl="0" eaLnBrk="1" latinLnBrk="1" hangingPunct="1">
+      <a:defRPr sz="1200" kern="1200">
+        <a:solidFill>
+          <a:schemeClr val="tx1"/>
+        </a:solidFill>
+        <a:latin typeface="+mn-lt"/>
+        <a:ea typeface="+mn-ea"/>
+        <a:cs typeface="+mn-cs"/>
+      </a:defRPr>
+    </a:lvl5pPr>
+    <a:lvl6pPr marL="2286000" algn="l" defTabSz="914400" rtl="0" eaLnBrk="1" latinLnBrk="1" hangingPunct="1">
+      <a:defRPr sz="1200" kern="1200">
+        <a:solidFill>
+          <a:schemeClr val="tx1"/>
+        </a:solidFill>
+        <a:latin typeface="+mn-lt"/>
+        <a:ea typeface="+mn-ea"/>
+        <a:cs typeface="+mn-cs"/>
+      </a:defRPr>
+    </a:lvl6pPr>
+    <a:lvl7pPr marL="2743200" algn="l" defTabSz="914400" rtl="0" eaLnBrk="1" latinLnBrk="1" hangingPunct="1">
+      <a:defRPr sz="1200" kern="1200">
+        <a:solidFill>
+          <a:schemeClr val="tx1"/>
+        </a:solidFill>
+        <a:latin typeface="+mn-lt"/>
+        <a:ea typeface="+mn-ea"/>
+        <a:cs typeface="+mn-cs"/>
+      </a:defRPr>
+    </a:lvl7pPr>
+    <a:lvl8pPr marL="3200400" algn="l" defTabSz="914400" rtl="0" eaLnBrk="1" latinLnBrk="1" hangingPunct="1">
+      <a:defRPr sz="1200" kern="1200">
+        <a:solidFill>
+          <a:schemeClr val="tx1"/>
+        </a:solidFill>
+        <a:latin typeface="+mn-lt"/>
+        <a:ea typeface="+mn-ea"/>
+        <a:cs typeface="+mn-cs"/>
+      </a:defRPr>
+    </a:lvl8pPr>
+    <a:lvl9pPr marL="3657600" algn="l" defTabSz="914400" rtl="0" eaLnBrk="1" latinLnBrk="1" hangingPunct="1">
+      <a:defRPr sz="1200" kern="1200">
+        <a:solidFill>
+          <a:schemeClr val="tx1"/>
+        </a:solidFill>
+        <a:latin typeface="+mn-lt"/>
+        <a:ea typeface="+mn-ea"/>
+        <a:cs typeface="+mn-cs"/>
+      </a:defRPr>
+    </a:lvl9pPr>
+  </p:notesStyle>
+</p:notesMaster>
+</file>
+
+<file path=ppt/notesSlides/notesSlide1.xml><?xml version="1.0" encoding="utf-8"?>
+<p:notes xmlns:a="http://schemas.openxmlformats.org/drawingml/2006/main" xmlns:r="http://schemas.openxmlformats.org/officeDocument/2006/relationships" xmlns:p="http://schemas.openxmlformats.org/presentationml/2006/main">
+  <p:cSld>
+    <p:spTree>
+      <p:nvGrpSpPr>
+        <p:cNvPr id="1" name=""/>
+        <p:cNvGrpSpPr/>
+        <p:nvPr/>
+      </p:nvGrpSpPr>
+      <p:grpSpPr>
+        <a:xfrm>
+          <a:off x="0" y="0"/>
+          <a:ext cx="0" cy="0"/>
+          <a:chOff x="0" y="0"/>
+          <a:chExt cx="0" cy="0"/>
+        </a:xfrm>
+      </p:grpSpPr>
+      <p:sp>
+        <p:nvSpPr>
+          <p:cNvPr id="2" name="슬라이드 이미지 개체 틀 1"/>
+          <p:cNvSpPr>
+            <a:spLocks noGrp="1" noRot="1" noChangeAspect="1"/>
+          </p:cNvSpPr>
+          <p:nvPr>
+            <p:ph type="sldImg"/>
+          </p:nvPr>
+        </p:nvSpPr>
+        <p:spPr/>
+      </p:sp>
+      <p:sp>
+        <p:nvSpPr>
+          <p:cNvPr id="3" name="슬라이드 노트 개체 틀 2"/>
+          <p:cNvSpPr>
+            <a:spLocks noGrp="1"/>
+          </p:cNvSpPr>
+          <p:nvPr>
+            <p:ph type="body" idx="1"/>
+          </p:nvPr>
+        </p:nvSpPr>
+        <p:spPr/>
+        <p:txBody>
+          <a:bodyPr/>
+          <a:lstStyle/>
+          <a:p>
+            <a:endParaRPr kumimoji="1" lang="ko-KR" altLang="en-US" dirty="0"/>
+          </a:p>
+        </p:txBody>
+      </p:sp>
+      <p:sp>
+        <p:nvSpPr>
+          <p:cNvPr id="4" name="슬라이드 번호 개체 틀 3"/>
+          <p:cNvSpPr>
+            <a:spLocks noGrp="1"/>
+          </p:cNvSpPr>
+          <p:nvPr>
+            <p:ph type="sldNum" sz="quarter" idx="5"/>
+          </p:nvPr>
+        </p:nvSpPr>
+        <p:spPr/>
+        <p:txBody>
+          <a:bodyPr/>
+          <a:lstStyle/>
+          <a:p>
+            <a:fld id="{D5C8F6F6-4F2C-284F-81C8-8588BBA2EA2B}" type="slidenum">
+              <a:rPr kumimoji="1" lang="ko-KR" altLang="en-US" smtClean="0"/>
+              <a:t>5</a:t>
+            </a:fld>
+            <a:endParaRPr kumimoji="1" lang="ko-KR" altLang="en-US"/>
+          </a:p>
+        </p:txBody>
+      </p:sp>
+    </p:spTree>
+    <p:extLst>
+      <p:ext uri="{BB962C8B-B14F-4D97-AF65-F5344CB8AC3E}">
+        <p14:creationId xmlns:p14="http://schemas.microsoft.com/office/powerpoint/2010/main" val="788852467"/>
+      </p:ext>
+    </p:extLst>
+  </p:cSld>
+  <p:clrMapOvr>
+    <a:masterClrMapping/>
+  </p:clrMapOvr>
+</p:notes>
 </file>
 
 <file path=ppt/slideLayouts/slideLayout1.xml><?xml version="1.0" encoding="utf-8"?>
@@ -266,7 +681,7 @@
           <a:p>
             <a:fld id="{187B024A-58F9-A941-8036-04AB132CF501}" type="datetimeFigureOut">
               <a:rPr kumimoji="1" lang="ko-KR" altLang="en-US" smtClean="0"/>
-              <a:t>2022. 2. 24.</a:t>
+              <a:t>2022. 2. 25.</a:t>
             </a:fld>
             <a:endParaRPr kumimoji="1" lang="ko-KR" altLang="en-US"/>
           </a:p>
@@ -439,7 +854,7 @@
           <a:p>
             <a:fld id="{187B024A-58F9-A941-8036-04AB132CF501}" type="datetimeFigureOut">
               <a:rPr kumimoji="1" lang="ko-KR" altLang="en-US" smtClean="0"/>
-              <a:t>2022. 2. 24.</a:t>
+              <a:t>2022. 2. 25.</a:t>
             </a:fld>
             <a:endParaRPr kumimoji="1" lang="ko-KR" altLang="en-US"/>
           </a:p>
@@ -622,7 +1037,7 @@
           <a:p>
             <a:fld id="{187B024A-58F9-A941-8036-04AB132CF501}" type="datetimeFigureOut">
               <a:rPr kumimoji="1" lang="ko-KR" altLang="en-US" smtClean="0"/>
-              <a:t>2022. 2. 24.</a:t>
+              <a:t>2022. 2. 25.</a:t>
             </a:fld>
             <a:endParaRPr kumimoji="1" lang="ko-KR" altLang="en-US"/>
           </a:p>
@@ -795,7 +1210,7 @@
           <a:p>
             <a:fld id="{187B024A-58F9-A941-8036-04AB132CF501}" type="datetimeFigureOut">
               <a:rPr kumimoji="1" lang="ko-KR" altLang="en-US" smtClean="0"/>
-              <a:t>2022. 2. 24.</a:t>
+              <a:t>2022. 2. 25.</a:t>
             </a:fld>
             <a:endParaRPr kumimoji="1" lang="ko-KR" altLang="en-US"/>
           </a:p>
@@ -1073,7 +1488,7 @@
           <a:p>
             <a:fld id="{187B024A-58F9-A941-8036-04AB132CF501}" type="datetimeFigureOut">
               <a:rPr kumimoji="1" lang="ko-KR" altLang="en-US" smtClean="0"/>
-              <a:t>2022. 2. 24.</a:t>
+              <a:t>2022. 2. 25.</a:t>
             </a:fld>
             <a:endParaRPr kumimoji="1" lang="ko-KR" altLang="en-US"/>
           </a:p>
@@ -1288,7 +1703,7 @@
           <a:p>
             <a:fld id="{187B024A-58F9-A941-8036-04AB132CF501}" type="datetimeFigureOut">
               <a:rPr kumimoji="1" lang="ko-KR" altLang="en-US" smtClean="0"/>
-              <a:t>2022. 2. 24.</a:t>
+              <a:t>2022. 2. 25.</a:t>
             </a:fld>
             <a:endParaRPr kumimoji="1" lang="ko-KR" altLang="en-US"/>
           </a:p>
@@ -1656,7 +2071,7 @@
           <a:p>
             <a:fld id="{187B024A-58F9-A941-8036-04AB132CF501}" type="datetimeFigureOut">
               <a:rPr kumimoji="1" lang="ko-KR" altLang="en-US" smtClean="0"/>
-              <a:t>2022. 2. 24.</a:t>
+              <a:t>2022. 2. 25.</a:t>
             </a:fld>
             <a:endParaRPr kumimoji="1" lang="ko-KR" altLang="en-US"/>
           </a:p>
@@ -1797,7 +2212,7 @@
           <a:p>
             <a:fld id="{187B024A-58F9-A941-8036-04AB132CF501}" type="datetimeFigureOut">
               <a:rPr kumimoji="1" lang="ko-KR" altLang="en-US" smtClean="0"/>
-              <a:t>2022. 2. 24.</a:t>
+              <a:t>2022. 2. 25.</a:t>
             </a:fld>
             <a:endParaRPr kumimoji="1" lang="ko-KR" altLang="en-US"/>
           </a:p>
@@ -1910,7 +2325,7 @@
           <a:p>
             <a:fld id="{187B024A-58F9-A941-8036-04AB132CF501}" type="datetimeFigureOut">
               <a:rPr kumimoji="1" lang="ko-KR" altLang="en-US" smtClean="0"/>
-              <a:t>2022. 2. 24.</a:t>
+              <a:t>2022. 2. 25.</a:t>
             </a:fld>
             <a:endParaRPr kumimoji="1" lang="ko-KR" altLang="en-US"/>
           </a:p>
@@ -2199,7 +2614,7 @@
           <a:p>
             <a:fld id="{187B024A-58F9-A941-8036-04AB132CF501}" type="datetimeFigureOut">
               <a:rPr kumimoji="1" lang="ko-KR" altLang="en-US" smtClean="0"/>
-              <a:t>2022. 2. 24.</a:t>
+              <a:t>2022. 2. 25.</a:t>
             </a:fld>
             <a:endParaRPr kumimoji="1" lang="ko-KR" altLang="en-US"/>
           </a:p>
@@ -2490,7 +2905,7 @@
           <a:p>
             <a:fld id="{187B024A-58F9-A941-8036-04AB132CF501}" type="datetimeFigureOut">
               <a:rPr kumimoji="1" lang="ko-KR" altLang="en-US" smtClean="0"/>
-              <a:t>2022. 2. 24.</a:t>
+              <a:t>2022. 2. 25.</a:t>
             </a:fld>
             <a:endParaRPr kumimoji="1" lang="ko-KR" altLang="en-US"/>
           </a:p>
@@ -2706,7 +3121,7 @@
           <a:p>
             <a:fld id="{187B024A-58F9-A941-8036-04AB132CF501}" type="datetimeFigureOut">
               <a:rPr kumimoji="1" lang="ko-KR" altLang="en-US" smtClean="0"/>
-              <a:t>2022. 2. 24.</a:t>
+              <a:t>2022. 2. 25.</a:t>
             </a:fld>
             <a:endParaRPr kumimoji="1" lang="ko-KR" altLang="en-US"/>
           </a:p>
@@ -4013,6 +4428,2421 @@
 </p:sld>
 </file>
 
+<file path=ppt/slides/slide10.xml><?xml version="1.0" encoding="utf-8"?>
+<p:sld xmlns:a="http://schemas.openxmlformats.org/drawingml/2006/main" xmlns:r="http://schemas.openxmlformats.org/officeDocument/2006/relationships" xmlns:p="http://schemas.openxmlformats.org/presentationml/2006/main" show="0">
+  <p:cSld>
+    <p:spTree>
+      <p:nvGrpSpPr>
+        <p:cNvPr id="1" name=""/>
+        <p:cNvGrpSpPr/>
+        <p:nvPr/>
+      </p:nvGrpSpPr>
+      <p:grpSpPr>
+        <a:xfrm>
+          <a:off x="0" y="0"/>
+          <a:ext cx="0" cy="0"/>
+          <a:chOff x="0" y="0"/>
+          <a:chExt cx="0" cy="0"/>
+        </a:xfrm>
+      </p:grpSpPr>
+      <p:grpSp>
+        <p:nvGrpSpPr>
+          <p:cNvPr id="58" name="그룹 57">
+            <a:extLst>
+              <a:ext uri="{FF2B5EF4-FFF2-40B4-BE49-F238E27FC236}">
+                <a16:creationId xmlns:a16="http://schemas.microsoft.com/office/drawing/2014/main" id="{4F3C10A0-C20D-C548-8EE8-4B990C962AFF}"/>
+              </a:ext>
+            </a:extLst>
+          </p:cNvPr>
+          <p:cNvGrpSpPr/>
+          <p:nvPr/>
+        </p:nvGrpSpPr>
+        <p:grpSpPr>
+          <a:xfrm>
+            <a:off x="2216745" y="471946"/>
+            <a:ext cx="4281626" cy="6148310"/>
+            <a:chOff x="2216745" y="471946"/>
+            <a:chExt cx="4281626" cy="6148310"/>
+          </a:xfrm>
+        </p:grpSpPr>
+        <p:sp>
+          <p:nvSpPr>
+            <p:cNvPr id="53" name="TextBox 52">
+              <a:extLst>
+                <a:ext uri="{FF2B5EF4-FFF2-40B4-BE49-F238E27FC236}">
+                  <a16:creationId xmlns:a16="http://schemas.microsoft.com/office/drawing/2014/main" id="{67B88E61-0E6F-FE45-A7C4-21B924CF7300}"/>
+                </a:ext>
+              </a:extLst>
+            </p:cNvPr>
+            <p:cNvSpPr txBox="1"/>
+            <p:nvPr/>
+          </p:nvSpPr>
+          <p:spPr>
+            <a:xfrm>
+              <a:off x="2729572" y="4641422"/>
+              <a:ext cx="1865946" cy="338554"/>
+            </a:xfrm>
+            <a:prstGeom prst="rect">
+              <a:avLst/>
+            </a:prstGeom>
+            <a:solidFill>
+              <a:schemeClr val="accent5">
+                <a:lumMod val="20000"/>
+                <a:lumOff val="80000"/>
+              </a:schemeClr>
+            </a:solidFill>
+          </p:spPr>
+          <p:txBody>
+            <a:bodyPr wrap="square" rtlCol="0">
+              <a:spAutoFit/>
+            </a:bodyPr>
+            <a:lstStyle/>
+            <a:p>
+              <a:pPr algn="ctr"/>
+              <a:r>
+                <a:rPr kumimoji="1" lang="en-US" altLang="ko-KR" sz="1600" dirty="0"/>
+                <a:t>TCP </a:t>
+              </a:r>
+              <a:r>
+                <a:rPr kumimoji="1" lang="ko-KR" altLang="en-US" sz="1600" dirty="0"/>
+                <a:t>연결</a:t>
+              </a:r>
+            </a:p>
+          </p:txBody>
+        </p:sp>
+        <p:sp>
+          <p:nvSpPr>
+            <p:cNvPr id="47" name="TextBox 46">
+              <a:extLst>
+                <a:ext uri="{FF2B5EF4-FFF2-40B4-BE49-F238E27FC236}">
+                  <a16:creationId xmlns:a16="http://schemas.microsoft.com/office/drawing/2014/main" id="{E3A6F8C9-4D4C-314F-89F0-9D7A3E205AA3}"/>
+                </a:ext>
+              </a:extLst>
+            </p:cNvPr>
+            <p:cNvSpPr txBox="1"/>
+            <p:nvPr/>
+          </p:nvSpPr>
+          <p:spPr>
+            <a:xfrm>
+              <a:off x="2729572" y="2845724"/>
+              <a:ext cx="1865946" cy="338554"/>
+            </a:xfrm>
+            <a:prstGeom prst="rect">
+              <a:avLst/>
+            </a:prstGeom>
+            <a:solidFill>
+              <a:schemeClr val="accent5">
+                <a:lumMod val="20000"/>
+                <a:lumOff val="80000"/>
+              </a:schemeClr>
+            </a:solidFill>
+          </p:spPr>
+          <p:txBody>
+            <a:bodyPr wrap="square" rtlCol="0">
+              <a:spAutoFit/>
+            </a:bodyPr>
+            <a:lstStyle/>
+            <a:p>
+              <a:pPr algn="ctr"/>
+              <a:r>
+                <a:rPr kumimoji="1" lang="en-US" altLang="ko-KR" sz="1600" dirty="0"/>
+                <a:t>TCP </a:t>
+              </a:r>
+              <a:r>
+                <a:rPr kumimoji="1" lang="ko-KR" altLang="en-US" sz="1600" dirty="0"/>
+                <a:t>연결</a:t>
+              </a:r>
+            </a:p>
+          </p:txBody>
+        </p:sp>
+        <p:sp>
+          <p:nvSpPr>
+            <p:cNvPr id="10" name="TextBox 9">
+              <a:extLst>
+                <a:ext uri="{FF2B5EF4-FFF2-40B4-BE49-F238E27FC236}">
+                  <a16:creationId xmlns:a16="http://schemas.microsoft.com/office/drawing/2014/main" id="{5602CD05-5512-EA45-A893-CFB3DFC26675}"/>
+                </a:ext>
+              </a:extLst>
+            </p:cNvPr>
+            <p:cNvSpPr txBox="1"/>
+            <p:nvPr/>
+          </p:nvSpPr>
+          <p:spPr>
+            <a:xfrm>
+              <a:off x="2729572" y="1050026"/>
+              <a:ext cx="1865946" cy="338554"/>
+            </a:xfrm>
+            <a:prstGeom prst="rect">
+              <a:avLst/>
+            </a:prstGeom>
+            <a:solidFill>
+              <a:schemeClr val="accent5">
+                <a:lumMod val="20000"/>
+                <a:lumOff val="80000"/>
+              </a:schemeClr>
+            </a:solidFill>
+          </p:spPr>
+          <p:txBody>
+            <a:bodyPr wrap="square" rtlCol="0">
+              <a:spAutoFit/>
+            </a:bodyPr>
+            <a:lstStyle/>
+            <a:p>
+              <a:pPr algn="ctr"/>
+              <a:r>
+                <a:rPr kumimoji="1" lang="en-US" altLang="ko-KR" sz="1600" dirty="0"/>
+                <a:t>TCP </a:t>
+              </a:r>
+              <a:r>
+                <a:rPr kumimoji="1" lang="ko-KR" altLang="en-US" sz="1600" dirty="0"/>
+                <a:t>연결</a:t>
+              </a:r>
+            </a:p>
+          </p:txBody>
+        </p:sp>
+        <p:cxnSp>
+          <p:nvCxnSpPr>
+            <p:cNvPr id="5" name="직선 연결선[R] 4">
+              <a:extLst>
+                <a:ext uri="{FF2B5EF4-FFF2-40B4-BE49-F238E27FC236}">
+                  <a16:creationId xmlns:a16="http://schemas.microsoft.com/office/drawing/2014/main" id="{C7B8184F-9E09-4A44-B928-5443C553A934}"/>
+                </a:ext>
+              </a:extLst>
+            </p:cNvPr>
+            <p:cNvCxnSpPr/>
+            <p:nvPr/>
+          </p:nvCxnSpPr>
+          <p:spPr>
+            <a:xfrm>
+              <a:off x="2706624" y="933611"/>
+              <a:ext cx="0" cy="5686645"/>
+            </a:xfrm>
+            <a:prstGeom prst="line">
+              <a:avLst/>
+            </a:prstGeom>
+            <a:ln w="50800">
+              <a:solidFill>
+                <a:schemeClr val="tx1"/>
+              </a:solidFill>
+            </a:ln>
+          </p:spPr>
+          <p:style>
+            <a:lnRef idx="1">
+              <a:schemeClr val="accent1"/>
+            </a:lnRef>
+            <a:fillRef idx="0">
+              <a:schemeClr val="accent1"/>
+            </a:fillRef>
+            <a:effectRef idx="0">
+              <a:schemeClr val="accent1"/>
+            </a:effectRef>
+            <a:fontRef idx="minor">
+              <a:schemeClr val="tx1"/>
+            </a:fontRef>
+          </p:style>
+        </p:cxnSp>
+        <p:sp>
+          <p:nvSpPr>
+            <p:cNvPr id="6" name="TextBox 5">
+              <a:extLst>
+                <a:ext uri="{FF2B5EF4-FFF2-40B4-BE49-F238E27FC236}">
+                  <a16:creationId xmlns:a16="http://schemas.microsoft.com/office/drawing/2014/main" id="{DAA0D060-6BBE-C143-9C6D-D1CC3A0981DD}"/>
+                </a:ext>
+              </a:extLst>
+            </p:cNvPr>
+            <p:cNvSpPr txBox="1"/>
+            <p:nvPr/>
+          </p:nvSpPr>
+          <p:spPr>
+            <a:xfrm>
+              <a:off x="2216745" y="471946"/>
+              <a:ext cx="979755" cy="461665"/>
+            </a:xfrm>
+            <a:prstGeom prst="rect">
+              <a:avLst/>
+            </a:prstGeom>
+            <a:noFill/>
+          </p:spPr>
+          <p:txBody>
+            <a:bodyPr wrap="none" rtlCol="0">
+              <a:spAutoFit/>
+            </a:bodyPr>
+            <a:lstStyle/>
+            <a:p>
+              <a:r>
+                <a:rPr kumimoji="1" lang="en-US" altLang="ko-KR" sz="2400" dirty="0"/>
+                <a:t>Client</a:t>
+              </a:r>
+              <a:endParaRPr kumimoji="1" lang="ko-KR" altLang="en-US" sz="2400" dirty="0"/>
+            </a:p>
+          </p:txBody>
+        </p:sp>
+        <p:cxnSp>
+          <p:nvCxnSpPr>
+            <p:cNvPr id="7" name="직선 연결선[R] 6">
+              <a:extLst>
+                <a:ext uri="{FF2B5EF4-FFF2-40B4-BE49-F238E27FC236}">
+                  <a16:creationId xmlns:a16="http://schemas.microsoft.com/office/drawing/2014/main" id="{E5564040-B92A-D84C-A0B5-40A0418BE269}"/>
+                </a:ext>
+              </a:extLst>
+            </p:cNvPr>
+            <p:cNvCxnSpPr/>
+            <p:nvPr/>
+          </p:nvCxnSpPr>
+          <p:spPr>
+            <a:xfrm>
+              <a:off x="4620097" y="933611"/>
+              <a:ext cx="0" cy="5686645"/>
+            </a:xfrm>
+            <a:prstGeom prst="line">
+              <a:avLst/>
+            </a:prstGeom>
+            <a:ln w="50800">
+              <a:solidFill>
+                <a:schemeClr val="tx1"/>
+              </a:solidFill>
+            </a:ln>
+          </p:spPr>
+          <p:style>
+            <a:lnRef idx="1">
+              <a:schemeClr val="accent1"/>
+            </a:lnRef>
+            <a:fillRef idx="0">
+              <a:schemeClr val="accent1"/>
+            </a:fillRef>
+            <a:effectRef idx="0">
+              <a:schemeClr val="accent1"/>
+            </a:effectRef>
+            <a:fontRef idx="minor">
+              <a:schemeClr val="tx1"/>
+            </a:fontRef>
+          </p:style>
+        </p:cxnSp>
+        <p:sp>
+          <p:nvSpPr>
+            <p:cNvPr id="8" name="TextBox 7">
+              <a:extLst>
+                <a:ext uri="{FF2B5EF4-FFF2-40B4-BE49-F238E27FC236}">
+                  <a16:creationId xmlns:a16="http://schemas.microsoft.com/office/drawing/2014/main" id="{A2A7CC31-3BDB-F740-926F-DD00009E5AA5}"/>
+                </a:ext>
+              </a:extLst>
+            </p:cNvPr>
+            <p:cNvSpPr txBox="1"/>
+            <p:nvPr/>
+          </p:nvSpPr>
+          <p:spPr>
+            <a:xfrm>
+              <a:off x="4089213" y="471946"/>
+              <a:ext cx="1061766" cy="461665"/>
+            </a:xfrm>
+            <a:prstGeom prst="rect">
+              <a:avLst/>
+            </a:prstGeom>
+            <a:noFill/>
+          </p:spPr>
+          <p:txBody>
+            <a:bodyPr wrap="none" rtlCol="0">
+              <a:spAutoFit/>
+            </a:bodyPr>
+            <a:lstStyle/>
+            <a:p>
+              <a:r>
+                <a:rPr kumimoji="1" lang="en-US" altLang="ko-KR" sz="2400" dirty="0"/>
+                <a:t>Server</a:t>
+              </a:r>
+              <a:endParaRPr kumimoji="1" lang="ko-KR" altLang="en-US" sz="2400" dirty="0"/>
+            </a:p>
+          </p:txBody>
+        </p:sp>
+        <p:sp>
+          <p:nvSpPr>
+            <p:cNvPr id="39" name="직사각형 38">
+              <a:extLst>
+                <a:ext uri="{FF2B5EF4-FFF2-40B4-BE49-F238E27FC236}">
+                  <a16:creationId xmlns:a16="http://schemas.microsoft.com/office/drawing/2014/main" id="{6E0F2D4F-84E7-574E-A3E8-A2C8F1A20E01}"/>
+                </a:ext>
+              </a:extLst>
+            </p:cNvPr>
+            <p:cNvSpPr/>
+            <p:nvPr/>
+          </p:nvSpPr>
+          <p:spPr>
+            <a:xfrm>
+              <a:off x="4653729" y="1653585"/>
+              <a:ext cx="1844642" cy="571384"/>
+            </a:xfrm>
+            <a:prstGeom prst="rect">
+              <a:avLst/>
+            </a:prstGeom>
+            <a:solidFill>
+              <a:schemeClr val="accent4">
+                <a:lumMod val="20000"/>
+                <a:lumOff val="80000"/>
+              </a:schemeClr>
+            </a:solidFill>
+            <a:ln>
+              <a:noFill/>
+            </a:ln>
+          </p:spPr>
+          <p:style>
+            <a:lnRef idx="2">
+              <a:schemeClr val="accent1">
+                <a:shade val="50000"/>
+              </a:schemeClr>
+            </a:lnRef>
+            <a:fillRef idx="1">
+              <a:schemeClr val="accent1"/>
+            </a:fillRef>
+            <a:effectRef idx="0">
+              <a:schemeClr val="accent1"/>
+            </a:effectRef>
+            <a:fontRef idx="minor">
+              <a:schemeClr val="lt1"/>
+            </a:fontRef>
+          </p:style>
+          <p:txBody>
+            <a:bodyPr rtlCol="0" anchor="ctr"/>
+            <a:lstStyle/>
+            <a:p>
+              <a:pPr algn="ctr"/>
+              <a:r>
+                <a:rPr kumimoji="1" lang="ko-KR" altLang="en-US" dirty="0">
+                  <a:solidFill>
+                    <a:sysClr val="windowText" lastClr="000000"/>
+                  </a:solidFill>
+                </a:rPr>
+                <a:t>응답 결과 생성</a:t>
+              </a:r>
+            </a:p>
+          </p:txBody>
+        </p:sp>
+        <p:cxnSp>
+          <p:nvCxnSpPr>
+            <p:cNvPr id="21" name="직선 화살표 연결선 20">
+              <a:extLst>
+                <a:ext uri="{FF2B5EF4-FFF2-40B4-BE49-F238E27FC236}">
+                  <a16:creationId xmlns:a16="http://schemas.microsoft.com/office/drawing/2014/main" id="{87100696-8372-214D-9EA6-20E2A1C5D67A}"/>
+                </a:ext>
+              </a:extLst>
+            </p:cNvPr>
+            <p:cNvCxnSpPr>
+              <a:cxnSpLocks/>
+            </p:cNvCxnSpPr>
+            <p:nvPr/>
+          </p:nvCxnSpPr>
+          <p:spPr>
+            <a:xfrm>
+              <a:off x="2719741" y="1412173"/>
+              <a:ext cx="1887239" cy="241412"/>
+            </a:xfrm>
+            <a:prstGeom prst="straightConnector1">
+              <a:avLst/>
+            </a:prstGeom>
+            <a:ln w="50800">
+              <a:solidFill>
+                <a:schemeClr val="tx1"/>
+              </a:solidFill>
+              <a:tailEnd type="triangle"/>
+            </a:ln>
+          </p:spPr>
+          <p:style>
+            <a:lnRef idx="1">
+              <a:schemeClr val="accent1"/>
+            </a:lnRef>
+            <a:fillRef idx="0">
+              <a:schemeClr val="accent1"/>
+            </a:fillRef>
+            <a:effectRef idx="0">
+              <a:schemeClr val="accent1"/>
+            </a:effectRef>
+            <a:fontRef idx="minor">
+              <a:schemeClr val="tx1"/>
+            </a:fontRef>
+          </p:style>
+        </p:cxnSp>
+        <p:sp>
+          <p:nvSpPr>
+            <p:cNvPr id="45" name="TextBox 44">
+              <a:extLst>
+                <a:ext uri="{FF2B5EF4-FFF2-40B4-BE49-F238E27FC236}">
+                  <a16:creationId xmlns:a16="http://schemas.microsoft.com/office/drawing/2014/main" id="{9DE764F1-438F-FC45-874A-1A88DB032649}"/>
+                </a:ext>
+              </a:extLst>
+            </p:cNvPr>
+            <p:cNvSpPr txBox="1"/>
+            <p:nvPr/>
+          </p:nvSpPr>
+          <p:spPr>
+            <a:xfrm>
+              <a:off x="2735953" y="2507170"/>
+              <a:ext cx="1859565" cy="338554"/>
+            </a:xfrm>
+            <a:prstGeom prst="rect">
+              <a:avLst/>
+            </a:prstGeom>
+            <a:solidFill>
+              <a:schemeClr val="accent6">
+                <a:lumMod val="20000"/>
+                <a:lumOff val="80000"/>
+              </a:schemeClr>
+            </a:solidFill>
+          </p:spPr>
+          <p:txBody>
+            <a:bodyPr wrap="square" rtlCol="0">
+              <a:spAutoFit/>
+            </a:bodyPr>
+            <a:lstStyle/>
+            <a:p>
+              <a:pPr algn="ctr"/>
+              <a:r>
+                <a:rPr kumimoji="1" lang="en-US" altLang="ko-KR" sz="1600" dirty="0"/>
+                <a:t>TCP</a:t>
+              </a:r>
+              <a:r>
+                <a:rPr kumimoji="1" lang="ko-KR" altLang="en-US" sz="1600" dirty="0"/>
+                <a:t> 연결 해제</a:t>
+              </a:r>
+            </a:p>
+          </p:txBody>
+        </p:sp>
+        <p:cxnSp>
+          <p:nvCxnSpPr>
+            <p:cNvPr id="42" name="직선 화살표 연결선 41">
+              <a:extLst>
+                <a:ext uri="{FF2B5EF4-FFF2-40B4-BE49-F238E27FC236}">
+                  <a16:creationId xmlns:a16="http://schemas.microsoft.com/office/drawing/2014/main" id="{A1043DAE-4102-9342-B405-C576A2C030CE}"/>
+                </a:ext>
+              </a:extLst>
+            </p:cNvPr>
+            <p:cNvCxnSpPr>
+              <a:cxnSpLocks/>
+            </p:cNvCxnSpPr>
+            <p:nvPr/>
+          </p:nvCxnSpPr>
+          <p:spPr>
+            <a:xfrm flipH="1">
+              <a:off x="2729572" y="2224969"/>
+              <a:ext cx="1887239" cy="266649"/>
+            </a:xfrm>
+            <a:prstGeom prst="straightConnector1">
+              <a:avLst/>
+            </a:prstGeom>
+            <a:ln w="50800">
+              <a:solidFill>
+                <a:schemeClr val="tx1"/>
+              </a:solidFill>
+              <a:tailEnd type="triangle"/>
+            </a:ln>
+          </p:spPr>
+          <p:style>
+            <a:lnRef idx="1">
+              <a:schemeClr val="accent1"/>
+            </a:lnRef>
+            <a:fillRef idx="0">
+              <a:schemeClr val="accent1"/>
+            </a:fillRef>
+            <a:effectRef idx="0">
+              <a:schemeClr val="accent1"/>
+            </a:effectRef>
+            <a:fontRef idx="minor">
+              <a:schemeClr val="tx1"/>
+            </a:fontRef>
+          </p:style>
+        </p:cxnSp>
+        <p:sp>
+          <p:nvSpPr>
+            <p:cNvPr id="48" name="직사각형 47">
+              <a:extLst>
+                <a:ext uri="{FF2B5EF4-FFF2-40B4-BE49-F238E27FC236}">
+                  <a16:creationId xmlns:a16="http://schemas.microsoft.com/office/drawing/2014/main" id="{7B570EAA-F242-DF48-B02C-90747A696EE7}"/>
+                </a:ext>
+              </a:extLst>
+            </p:cNvPr>
+            <p:cNvSpPr/>
+            <p:nvPr/>
+          </p:nvSpPr>
+          <p:spPr>
+            <a:xfrm>
+              <a:off x="4653729" y="3449283"/>
+              <a:ext cx="1844642" cy="571384"/>
+            </a:xfrm>
+            <a:prstGeom prst="rect">
+              <a:avLst/>
+            </a:prstGeom>
+            <a:solidFill>
+              <a:schemeClr val="accent3">
+                <a:lumMod val="20000"/>
+                <a:lumOff val="80000"/>
+              </a:schemeClr>
+            </a:solidFill>
+            <a:ln>
+              <a:noFill/>
+            </a:ln>
+          </p:spPr>
+          <p:style>
+            <a:lnRef idx="2">
+              <a:schemeClr val="accent1">
+                <a:shade val="50000"/>
+              </a:schemeClr>
+            </a:lnRef>
+            <a:fillRef idx="1">
+              <a:schemeClr val="accent1"/>
+            </a:fillRef>
+            <a:effectRef idx="0">
+              <a:schemeClr val="accent1"/>
+            </a:effectRef>
+            <a:fontRef idx="minor">
+              <a:schemeClr val="lt1"/>
+            </a:fontRef>
+          </p:style>
+          <p:txBody>
+            <a:bodyPr rtlCol="0" anchor="ctr"/>
+            <a:lstStyle/>
+            <a:p>
+              <a:pPr algn="ctr"/>
+              <a:r>
+                <a:rPr kumimoji="1" lang="ko-KR" altLang="en-US" dirty="0">
+                  <a:solidFill>
+                    <a:sysClr val="windowText" lastClr="000000"/>
+                  </a:solidFill>
+                </a:rPr>
+                <a:t>응답 결과 생성</a:t>
+              </a:r>
+            </a:p>
+          </p:txBody>
+        </p:sp>
+        <p:cxnSp>
+          <p:nvCxnSpPr>
+            <p:cNvPr id="49" name="직선 화살표 연결선 48">
+              <a:extLst>
+                <a:ext uri="{FF2B5EF4-FFF2-40B4-BE49-F238E27FC236}">
+                  <a16:creationId xmlns:a16="http://schemas.microsoft.com/office/drawing/2014/main" id="{3ADBA461-D1A8-4541-BFBF-4DA22F8D8F76}"/>
+                </a:ext>
+              </a:extLst>
+            </p:cNvPr>
+            <p:cNvCxnSpPr>
+              <a:cxnSpLocks/>
+            </p:cNvCxnSpPr>
+            <p:nvPr/>
+          </p:nvCxnSpPr>
+          <p:spPr>
+            <a:xfrm>
+              <a:off x="2719741" y="3207871"/>
+              <a:ext cx="1887239" cy="241412"/>
+            </a:xfrm>
+            <a:prstGeom prst="straightConnector1">
+              <a:avLst/>
+            </a:prstGeom>
+            <a:ln w="50800">
+              <a:solidFill>
+                <a:schemeClr val="tx1"/>
+              </a:solidFill>
+              <a:tailEnd type="triangle"/>
+            </a:ln>
+          </p:spPr>
+          <p:style>
+            <a:lnRef idx="1">
+              <a:schemeClr val="accent1"/>
+            </a:lnRef>
+            <a:fillRef idx="0">
+              <a:schemeClr val="accent1"/>
+            </a:fillRef>
+            <a:effectRef idx="0">
+              <a:schemeClr val="accent1"/>
+            </a:effectRef>
+            <a:fontRef idx="minor">
+              <a:schemeClr val="tx1"/>
+            </a:fontRef>
+          </p:style>
+        </p:cxnSp>
+        <p:sp>
+          <p:nvSpPr>
+            <p:cNvPr id="50" name="TextBox 49">
+              <a:extLst>
+                <a:ext uri="{FF2B5EF4-FFF2-40B4-BE49-F238E27FC236}">
+                  <a16:creationId xmlns:a16="http://schemas.microsoft.com/office/drawing/2014/main" id="{761C798B-E95C-354D-952F-5C3EDEB9EBEC}"/>
+                </a:ext>
+              </a:extLst>
+            </p:cNvPr>
+            <p:cNvSpPr txBox="1"/>
+            <p:nvPr/>
+          </p:nvSpPr>
+          <p:spPr>
+            <a:xfrm>
+              <a:off x="2735953" y="4302868"/>
+              <a:ext cx="1859565" cy="338554"/>
+            </a:xfrm>
+            <a:prstGeom prst="rect">
+              <a:avLst/>
+            </a:prstGeom>
+            <a:solidFill>
+              <a:schemeClr val="accent6">
+                <a:lumMod val="20000"/>
+                <a:lumOff val="80000"/>
+              </a:schemeClr>
+            </a:solidFill>
+          </p:spPr>
+          <p:txBody>
+            <a:bodyPr wrap="square" rtlCol="0">
+              <a:spAutoFit/>
+            </a:bodyPr>
+            <a:lstStyle/>
+            <a:p>
+              <a:pPr algn="ctr"/>
+              <a:r>
+                <a:rPr kumimoji="1" lang="en-US" altLang="ko-KR" sz="1600" dirty="0"/>
+                <a:t>TCP</a:t>
+              </a:r>
+              <a:r>
+                <a:rPr kumimoji="1" lang="ko-KR" altLang="en-US" sz="1600" dirty="0"/>
+                <a:t> 연결 해제</a:t>
+              </a:r>
+            </a:p>
+          </p:txBody>
+        </p:sp>
+        <p:cxnSp>
+          <p:nvCxnSpPr>
+            <p:cNvPr id="51" name="직선 화살표 연결선 50">
+              <a:extLst>
+                <a:ext uri="{FF2B5EF4-FFF2-40B4-BE49-F238E27FC236}">
+                  <a16:creationId xmlns:a16="http://schemas.microsoft.com/office/drawing/2014/main" id="{D83DE204-84F6-9E41-A2CE-D76E60760353}"/>
+                </a:ext>
+              </a:extLst>
+            </p:cNvPr>
+            <p:cNvCxnSpPr>
+              <a:cxnSpLocks/>
+            </p:cNvCxnSpPr>
+            <p:nvPr/>
+          </p:nvCxnSpPr>
+          <p:spPr>
+            <a:xfrm flipH="1">
+              <a:off x="2729572" y="4020667"/>
+              <a:ext cx="1887239" cy="266649"/>
+            </a:xfrm>
+            <a:prstGeom prst="straightConnector1">
+              <a:avLst/>
+            </a:prstGeom>
+            <a:ln w="50800">
+              <a:solidFill>
+                <a:schemeClr val="tx1"/>
+              </a:solidFill>
+              <a:tailEnd type="triangle"/>
+            </a:ln>
+          </p:spPr>
+          <p:style>
+            <a:lnRef idx="1">
+              <a:schemeClr val="accent1"/>
+            </a:lnRef>
+            <a:fillRef idx="0">
+              <a:schemeClr val="accent1"/>
+            </a:fillRef>
+            <a:effectRef idx="0">
+              <a:schemeClr val="accent1"/>
+            </a:effectRef>
+            <a:fontRef idx="minor">
+              <a:schemeClr val="tx1"/>
+            </a:fontRef>
+          </p:style>
+        </p:cxnSp>
+        <p:sp>
+          <p:nvSpPr>
+            <p:cNvPr id="54" name="직사각형 53">
+              <a:extLst>
+                <a:ext uri="{FF2B5EF4-FFF2-40B4-BE49-F238E27FC236}">
+                  <a16:creationId xmlns:a16="http://schemas.microsoft.com/office/drawing/2014/main" id="{F767E88D-7ED9-B448-9A7C-68E42C5C85DA}"/>
+                </a:ext>
+              </a:extLst>
+            </p:cNvPr>
+            <p:cNvSpPr/>
+            <p:nvPr/>
+          </p:nvSpPr>
+          <p:spPr>
+            <a:xfrm>
+              <a:off x="4653729" y="5244981"/>
+              <a:ext cx="1844642" cy="571384"/>
+            </a:xfrm>
+            <a:prstGeom prst="rect">
+              <a:avLst/>
+            </a:prstGeom>
+            <a:solidFill>
+              <a:schemeClr val="accent2">
+                <a:lumMod val="20000"/>
+                <a:lumOff val="80000"/>
+              </a:schemeClr>
+            </a:solidFill>
+            <a:ln>
+              <a:noFill/>
+            </a:ln>
+          </p:spPr>
+          <p:style>
+            <a:lnRef idx="2">
+              <a:schemeClr val="accent1">
+                <a:shade val="50000"/>
+              </a:schemeClr>
+            </a:lnRef>
+            <a:fillRef idx="1">
+              <a:schemeClr val="accent1"/>
+            </a:fillRef>
+            <a:effectRef idx="0">
+              <a:schemeClr val="accent1"/>
+            </a:effectRef>
+            <a:fontRef idx="minor">
+              <a:schemeClr val="lt1"/>
+            </a:fontRef>
+          </p:style>
+          <p:txBody>
+            <a:bodyPr rtlCol="0" anchor="ctr"/>
+            <a:lstStyle/>
+            <a:p>
+              <a:pPr algn="ctr"/>
+              <a:r>
+                <a:rPr kumimoji="1" lang="ko-KR" altLang="en-US" dirty="0">
+                  <a:solidFill>
+                    <a:sysClr val="windowText" lastClr="000000"/>
+                  </a:solidFill>
+                </a:rPr>
+                <a:t>응답 결과 생성</a:t>
+              </a:r>
+            </a:p>
+          </p:txBody>
+        </p:sp>
+        <p:cxnSp>
+          <p:nvCxnSpPr>
+            <p:cNvPr id="55" name="직선 화살표 연결선 54">
+              <a:extLst>
+                <a:ext uri="{FF2B5EF4-FFF2-40B4-BE49-F238E27FC236}">
+                  <a16:creationId xmlns:a16="http://schemas.microsoft.com/office/drawing/2014/main" id="{E0913B90-D62D-B941-9A87-BB103C4DF8F8}"/>
+                </a:ext>
+              </a:extLst>
+            </p:cNvPr>
+            <p:cNvCxnSpPr>
+              <a:cxnSpLocks/>
+            </p:cNvCxnSpPr>
+            <p:nvPr/>
+          </p:nvCxnSpPr>
+          <p:spPr>
+            <a:xfrm>
+              <a:off x="2719741" y="5003569"/>
+              <a:ext cx="1887239" cy="241412"/>
+            </a:xfrm>
+            <a:prstGeom prst="straightConnector1">
+              <a:avLst/>
+            </a:prstGeom>
+            <a:ln w="50800">
+              <a:solidFill>
+                <a:schemeClr val="tx1"/>
+              </a:solidFill>
+              <a:tailEnd type="triangle"/>
+            </a:ln>
+          </p:spPr>
+          <p:style>
+            <a:lnRef idx="1">
+              <a:schemeClr val="accent1"/>
+            </a:lnRef>
+            <a:fillRef idx="0">
+              <a:schemeClr val="accent1"/>
+            </a:fillRef>
+            <a:effectRef idx="0">
+              <a:schemeClr val="accent1"/>
+            </a:effectRef>
+            <a:fontRef idx="minor">
+              <a:schemeClr val="tx1"/>
+            </a:fontRef>
+          </p:style>
+        </p:cxnSp>
+        <p:sp>
+          <p:nvSpPr>
+            <p:cNvPr id="56" name="TextBox 55">
+              <a:extLst>
+                <a:ext uri="{FF2B5EF4-FFF2-40B4-BE49-F238E27FC236}">
+                  <a16:creationId xmlns:a16="http://schemas.microsoft.com/office/drawing/2014/main" id="{EEEEE69C-B682-3641-A515-43D3124F2ECB}"/>
+                </a:ext>
+              </a:extLst>
+            </p:cNvPr>
+            <p:cNvSpPr txBox="1"/>
+            <p:nvPr/>
+          </p:nvSpPr>
+          <p:spPr>
+            <a:xfrm>
+              <a:off x="2735953" y="6098566"/>
+              <a:ext cx="1859565" cy="338554"/>
+            </a:xfrm>
+            <a:prstGeom prst="rect">
+              <a:avLst/>
+            </a:prstGeom>
+            <a:solidFill>
+              <a:schemeClr val="accent6">
+                <a:lumMod val="20000"/>
+                <a:lumOff val="80000"/>
+              </a:schemeClr>
+            </a:solidFill>
+          </p:spPr>
+          <p:txBody>
+            <a:bodyPr wrap="square" rtlCol="0">
+              <a:spAutoFit/>
+            </a:bodyPr>
+            <a:lstStyle/>
+            <a:p>
+              <a:pPr algn="ctr"/>
+              <a:r>
+                <a:rPr kumimoji="1" lang="en-US" altLang="ko-KR" sz="1600" dirty="0"/>
+                <a:t>TCP</a:t>
+              </a:r>
+              <a:r>
+                <a:rPr kumimoji="1" lang="ko-KR" altLang="en-US" sz="1600" dirty="0"/>
+                <a:t> 연결 해제</a:t>
+              </a:r>
+            </a:p>
+          </p:txBody>
+        </p:sp>
+        <p:cxnSp>
+          <p:nvCxnSpPr>
+            <p:cNvPr id="57" name="직선 화살표 연결선 56">
+              <a:extLst>
+                <a:ext uri="{FF2B5EF4-FFF2-40B4-BE49-F238E27FC236}">
+                  <a16:creationId xmlns:a16="http://schemas.microsoft.com/office/drawing/2014/main" id="{FB1BE8D6-3BDC-664B-ABB1-42AA8D8A4141}"/>
+                </a:ext>
+              </a:extLst>
+            </p:cNvPr>
+            <p:cNvCxnSpPr>
+              <a:cxnSpLocks/>
+            </p:cNvCxnSpPr>
+            <p:nvPr/>
+          </p:nvCxnSpPr>
+          <p:spPr>
+            <a:xfrm flipH="1">
+              <a:off x="2729572" y="5816365"/>
+              <a:ext cx="1887239" cy="266649"/>
+            </a:xfrm>
+            <a:prstGeom prst="straightConnector1">
+              <a:avLst/>
+            </a:prstGeom>
+            <a:ln w="50800">
+              <a:solidFill>
+                <a:schemeClr val="tx1"/>
+              </a:solidFill>
+              <a:tailEnd type="triangle"/>
+            </a:ln>
+          </p:spPr>
+          <p:style>
+            <a:lnRef idx="1">
+              <a:schemeClr val="accent1"/>
+            </a:lnRef>
+            <a:fillRef idx="0">
+              <a:schemeClr val="accent1"/>
+            </a:fillRef>
+            <a:effectRef idx="0">
+              <a:schemeClr val="accent1"/>
+            </a:effectRef>
+            <a:fontRef idx="minor">
+              <a:schemeClr val="tx1"/>
+            </a:fontRef>
+          </p:style>
+        </p:cxnSp>
+      </p:grpSp>
+    </p:spTree>
+    <p:extLst>
+      <p:ext uri="{BB962C8B-B14F-4D97-AF65-F5344CB8AC3E}">
+        <p14:creationId xmlns:p14="http://schemas.microsoft.com/office/powerpoint/2010/main" val="2205718143"/>
+      </p:ext>
+    </p:extLst>
+  </p:cSld>
+  <p:clrMapOvr>
+    <a:masterClrMapping/>
+  </p:clrMapOvr>
+</p:sld>
+</file>
+
+<file path=ppt/slides/slide11.xml><?xml version="1.0" encoding="utf-8"?>
+<p:sld xmlns:a="http://schemas.openxmlformats.org/drawingml/2006/main" xmlns:r="http://schemas.openxmlformats.org/officeDocument/2006/relationships" xmlns:p="http://schemas.openxmlformats.org/presentationml/2006/main" show="0">
+  <p:cSld>
+    <p:spTree>
+      <p:nvGrpSpPr>
+        <p:cNvPr id="1" name=""/>
+        <p:cNvGrpSpPr/>
+        <p:nvPr/>
+      </p:nvGrpSpPr>
+      <p:grpSpPr>
+        <a:xfrm>
+          <a:off x="0" y="0"/>
+          <a:ext cx="0" cy="0"/>
+          <a:chOff x="0" y="0"/>
+          <a:chExt cx="0" cy="0"/>
+        </a:xfrm>
+      </p:grpSpPr>
+      <p:grpSp>
+        <p:nvGrpSpPr>
+          <p:cNvPr id="2" name="그룹 1">
+            <a:extLst>
+              <a:ext uri="{FF2B5EF4-FFF2-40B4-BE49-F238E27FC236}">
+                <a16:creationId xmlns:a16="http://schemas.microsoft.com/office/drawing/2014/main" id="{DF73C6A0-8733-374E-A0F9-A12E7FFCC272}"/>
+              </a:ext>
+            </a:extLst>
+          </p:cNvPr>
+          <p:cNvGrpSpPr/>
+          <p:nvPr/>
+        </p:nvGrpSpPr>
+        <p:grpSpPr>
+          <a:xfrm>
+            <a:off x="2216745" y="471946"/>
+            <a:ext cx="4281626" cy="6148310"/>
+            <a:chOff x="2216745" y="471946"/>
+            <a:chExt cx="4281626" cy="6148310"/>
+          </a:xfrm>
+        </p:grpSpPr>
+        <p:sp>
+          <p:nvSpPr>
+            <p:cNvPr id="10" name="TextBox 9">
+              <a:extLst>
+                <a:ext uri="{FF2B5EF4-FFF2-40B4-BE49-F238E27FC236}">
+                  <a16:creationId xmlns:a16="http://schemas.microsoft.com/office/drawing/2014/main" id="{5602CD05-5512-EA45-A893-CFB3DFC26675}"/>
+                </a:ext>
+              </a:extLst>
+            </p:cNvPr>
+            <p:cNvSpPr txBox="1"/>
+            <p:nvPr/>
+          </p:nvSpPr>
+          <p:spPr>
+            <a:xfrm>
+              <a:off x="2729572" y="1050026"/>
+              <a:ext cx="1865946" cy="338554"/>
+            </a:xfrm>
+            <a:prstGeom prst="rect">
+              <a:avLst/>
+            </a:prstGeom>
+            <a:solidFill>
+              <a:schemeClr val="accent5">
+                <a:lumMod val="20000"/>
+                <a:lumOff val="80000"/>
+              </a:schemeClr>
+            </a:solidFill>
+          </p:spPr>
+          <p:txBody>
+            <a:bodyPr wrap="square" rtlCol="0">
+              <a:spAutoFit/>
+            </a:bodyPr>
+            <a:lstStyle/>
+            <a:p>
+              <a:pPr algn="ctr"/>
+              <a:r>
+                <a:rPr kumimoji="1" lang="en-US" altLang="ko-KR" sz="1600" dirty="0"/>
+                <a:t>TCP </a:t>
+              </a:r>
+              <a:r>
+                <a:rPr kumimoji="1" lang="ko-KR" altLang="en-US" sz="1600" dirty="0"/>
+                <a:t>연결</a:t>
+              </a:r>
+            </a:p>
+          </p:txBody>
+        </p:sp>
+        <p:cxnSp>
+          <p:nvCxnSpPr>
+            <p:cNvPr id="5" name="직선 연결선[R] 4">
+              <a:extLst>
+                <a:ext uri="{FF2B5EF4-FFF2-40B4-BE49-F238E27FC236}">
+                  <a16:creationId xmlns:a16="http://schemas.microsoft.com/office/drawing/2014/main" id="{C7B8184F-9E09-4A44-B928-5443C553A934}"/>
+                </a:ext>
+              </a:extLst>
+            </p:cNvPr>
+            <p:cNvCxnSpPr/>
+            <p:nvPr/>
+          </p:nvCxnSpPr>
+          <p:spPr>
+            <a:xfrm>
+              <a:off x="2706624" y="933611"/>
+              <a:ext cx="0" cy="5686645"/>
+            </a:xfrm>
+            <a:prstGeom prst="line">
+              <a:avLst/>
+            </a:prstGeom>
+            <a:ln w="50800">
+              <a:solidFill>
+                <a:schemeClr val="tx1"/>
+              </a:solidFill>
+            </a:ln>
+          </p:spPr>
+          <p:style>
+            <a:lnRef idx="1">
+              <a:schemeClr val="accent1"/>
+            </a:lnRef>
+            <a:fillRef idx="0">
+              <a:schemeClr val="accent1"/>
+            </a:fillRef>
+            <a:effectRef idx="0">
+              <a:schemeClr val="accent1"/>
+            </a:effectRef>
+            <a:fontRef idx="minor">
+              <a:schemeClr val="tx1"/>
+            </a:fontRef>
+          </p:style>
+        </p:cxnSp>
+        <p:sp>
+          <p:nvSpPr>
+            <p:cNvPr id="6" name="TextBox 5">
+              <a:extLst>
+                <a:ext uri="{FF2B5EF4-FFF2-40B4-BE49-F238E27FC236}">
+                  <a16:creationId xmlns:a16="http://schemas.microsoft.com/office/drawing/2014/main" id="{DAA0D060-6BBE-C143-9C6D-D1CC3A0981DD}"/>
+                </a:ext>
+              </a:extLst>
+            </p:cNvPr>
+            <p:cNvSpPr txBox="1"/>
+            <p:nvPr/>
+          </p:nvSpPr>
+          <p:spPr>
+            <a:xfrm>
+              <a:off x="2216745" y="471946"/>
+              <a:ext cx="979755" cy="461665"/>
+            </a:xfrm>
+            <a:prstGeom prst="rect">
+              <a:avLst/>
+            </a:prstGeom>
+            <a:noFill/>
+          </p:spPr>
+          <p:txBody>
+            <a:bodyPr wrap="none" rtlCol="0">
+              <a:spAutoFit/>
+            </a:bodyPr>
+            <a:lstStyle/>
+            <a:p>
+              <a:r>
+                <a:rPr kumimoji="1" lang="en-US" altLang="ko-KR" sz="2400" dirty="0"/>
+                <a:t>Client</a:t>
+              </a:r>
+              <a:endParaRPr kumimoji="1" lang="ko-KR" altLang="en-US" sz="2400" dirty="0"/>
+            </a:p>
+          </p:txBody>
+        </p:sp>
+        <p:cxnSp>
+          <p:nvCxnSpPr>
+            <p:cNvPr id="7" name="직선 연결선[R] 6">
+              <a:extLst>
+                <a:ext uri="{FF2B5EF4-FFF2-40B4-BE49-F238E27FC236}">
+                  <a16:creationId xmlns:a16="http://schemas.microsoft.com/office/drawing/2014/main" id="{E5564040-B92A-D84C-A0B5-40A0418BE269}"/>
+                </a:ext>
+              </a:extLst>
+            </p:cNvPr>
+            <p:cNvCxnSpPr/>
+            <p:nvPr/>
+          </p:nvCxnSpPr>
+          <p:spPr>
+            <a:xfrm>
+              <a:off x="4620097" y="933611"/>
+              <a:ext cx="0" cy="5686645"/>
+            </a:xfrm>
+            <a:prstGeom prst="line">
+              <a:avLst/>
+            </a:prstGeom>
+            <a:ln w="50800">
+              <a:solidFill>
+                <a:schemeClr val="tx1"/>
+              </a:solidFill>
+            </a:ln>
+          </p:spPr>
+          <p:style>
+            <a:lnRef idx="1">
+              <a:schemeClr val="accent1"/>
+            </a:lnRef>
+            <a:fillRef idx="0">
+              <a:schemeClr val="accent1"/>
+            </a:fillRef>
+            <a:effectRef idx="0">
+              <a:schemeClr val="accent1"/>
+            </a:effectRef>
+            <a:fontRef idx="minor">
+              <a:schemeClr val="tx1"/>
+            </a:fontRef>
+          </p:style>
+        </p:cxnSp>
+        <p:sp>
+          <p:nvSpPr>
+            <p:cNvPr id="8" name="TextBox 7">
+              <a:extLst>
+                <a:ext uri="{FF2B5EF4-FFF2-40B4-BE49-F238E27FC236}">
+                  <a16:creationId xmlns:a16="http://schemas.microsoft.com/office/drawing/2014/main" id="{A2A7CC31-3BDB-F740-926F-DD00009E5AA5}"/>
+                </a:ext>
+              </a:extLst>
+            </p:cNvPr>
+            <p:cNvSpPr txBox="1"/>
+            <p:nvPr/>
+          </p:nvSpPr>
+          <p:spPr>
+            <a:xfrm>
+              <a:off x="4089213" y="471946"/>
+              <a:ext cx="1061766" cy="461665"/>
+            </a:xfrm>
+            <a:prstGeom prst="rect">
+              <a:avLst/>
+            </a:prstGeom>
+            <a:noFill/>
+          </p:spPr>
+          <p:txBody>
+            <a:bodyPr wrap="none" rtlCol="0">
+              <a:spAutoFit/>
+            </a:bodyPr>
+            <a:lstStyle/>
+            <a:p>
+              <a:r>
+                <a:rPr kumimoji="1" lang="en-US" altLang="ko-KR" sz="2400" dirty="0"/>
+                <a:t>Server</a:t>
+              </a:r>
+              <a:endParaRPr kumimoji="1" lang="ko-KR" altLang="en-US" sz="2400" dirty="0"/>
+            </a:p>
+          </p:txBody>
+        </p:sp>
+        <p:sp>
+          <p:nvSpPr>
+            <p:cNvPr id="39" name="직사각형 38">
+              <a:extLst>
+                <a:ext uri="{FF2B5EF4-FFF2-40B4-BE49-F238E27FC236}">
+                  <a16:creationId xmlns:a16="http://schemas.microsoft.com/office/drawing/2014/main" id="{6E0F2D4F-84E7-574E-A3E8-A2C8F1A20E01}"/>
+                </a:ext>
+              </a:extLst>
+            </p:cNvPr>
+            <p:cNvSpPr/>
+            <p:nvPr/>
+          </p:nvSpPr>
+          <p:spPr>
+            <a:xfrm>
+              <a:off x="4653729" y="1653585"/>
+              <a:ext cx="1844642" cy="571384"/>
+            </a:xfrm>
+            <a:prstGeom prst="rect">
+              <a:avLst/>
+            </a:prstGeom>
+            <a:solidFill>
+              <a:schemeClr val="accent4">
+                <a:lumMod val="20000"/>
+                <a:lumOff val="80000"/>
+              </a:schemeClr>
+            </a:solidFill>
+            <a:ln>
+              <a:noFill/>
+            </a:ln>
+          </p:spPr>
+          <p:style>
+            <a:lnRef idx="2">
+              <a:schemeClr val="accent1">
+                <a:shade val="50000"/>
+              </a:schemeClr>
+            </a:lnRef>
+            <a:fillRef idx="1">
+              <a:schemeClr val="accent1"/>
+            </a:fillRef>
+            <a:effectRef idx="0">
+              <a:schemeClr val="accent1"/>
+            </a:effectRef>
+            <a:fontRef idx="minor">
+              <a:schemeClr val="lt1"/>
+            </a:fontRef>
+          </p:style>
+          <p:txBody>
+            <a:bodyPr rtlCol="0" anchor="ctr"/>
+            <a:lstStyle/>
+            <a:p>
+              <a:pPr algn="ctr"/>
+              <a:r>
+                <a:rPr kumimoji="1" lang="ko-KR" altLang="en-US" dirty="0">
+                  <a:solidFill>
+                    <a:sysClr val="windowText" lastClr="000000"/>
+                  </a:solidFill>
+                </a:rPr>
+                <a:t>응답 결과 생성</a:t>
+              </a:r>
+            </a:p>
+          </p:txBody>
+        </p:sp>
+        <p:cxnSp>
+          <p:nvCxnSpPr>
+            <p:cNvPr id="21" name="직선 화살표 연결선 20">
+              <a:extLst>
+                <a:ext uri="{FF2B5EF4-FFF2-40B4-BE49-F238E27FC236}">
+                  <a16:creationId xmlns:a16="http://schemas.microsoft.com/office/drawing/2014/main" id="{87100696-8372-214D-9EA6-20E2A1C5D67A}"/>
+                </a:ext>
+              </a:extLst>
+            </p:cNvPr>
+            <p:cNvCxnSpPr>
+              <a:cxnSpLocks/>
+            </p:cNvCxnSpPr>
+            <p:nvPr/>
+          </p:nvCxnSpPr>
+          <p:spPr>
+            <a:xfrm>
+              <a:off x="2719741" y="1412173"/>
+              <a:ext cx="1887239" cy="241412"/>
+            </a:xfrm>
+            <a:prstGeom prst="straightConnector1">
+              <a:avLst/>
+            </a:prstGeom>
+            <a:ln w="50800">
+              <a:solidFill>
+                <a:schemeClr val="tx1"/>
+              </a:solidFill>
+              <a:tailEnd type="triangle"/>
+            </a:ln>
+          </p:spPr>
+          <p:style>
+            <a:lnRef idx="1">
+              <a:schemeClr val="accent1"/>
+            </a:lnRef>
+            <a:fillRef idx="0">
+              <a:schemeClr val="accent1"/>
+            </a:fillRef>
+            <a:effectRef idx="0">
+              <a:schemeClr val="accent1"/>
+            </a:effectRef>
+            <a:fontRef idx="minor">
+              <a:schemeClr val="tx1"/>
+            </a:fontRef>
+          </p:style>
+        </p:cxnSp>
+        <p:cxnSp>
+          <p:nvCxnSpPr>
+            <p:cNvPr id="42" name="직선 화살표 연결선 41">
+              <a:extLst>
+                <a:ext uri="{FF2B5EF4-FFF2-40B4-BE49-F238E27FC236}">
+                  <a16:creationId xmlns:a16="http://schemas.microsoft.com/office/drawing/2014/main" id="{A1043DAE-4102-9342-B405-C576A2C030CE}"/>
+                </a:ext>
+              </a:extLst>
+            </p:cNvPr>
+            <p:cNvCxnSpPr>
+              <a:cxnSpLocks/>
+            </p:cNvCxnSpPr>
+            <p:nvPr/>
+          </p:nvCxnSpPr>
+          <p:spPr>
+            <a:xfrm flipH="1">
+              <a:off x="2729572" y="2224969"/>
+              <a:ext cx="1887239" cy="266649"/>
+            </a:xfrm>
+            <a:prstGeom prst="straightConnector1">
+              <a:avLst/>
+            </a:prstGeom>
+            <a:ln w="50800">
+              <a:solidFill>
+                <a:schemeClr val="tx1"/>
+              </a:solidFill>
+              <a:tailEnd type="triangle"/>
+            </a:ln>
+          </p:spPr>
+          <p:style>
+            <a:lnRef idx="1">
+              <a:schemeClr val="accent1"/>
+            </a:lnRef>
+            <a:fillRef idx="0">
+              <a:schemeClr val="accent1"/>
+            </a:fillRef>
+            <a:effectRef idx="0">
+              <a:schemeClr val="accent1"/>
+            </a:effectRef>
+            <a:fontRef idx="minor">
+              <a:schemeClr val="tx1"/>
+            </a:fontRef>
+          </p:style>
+        </p:cxnSp>
+        <p:sp>
+          <p:nvSpPr>
+            <p:cNvPr id="48" name="직사각형 47">
+              <a:extLst>
+                <a:ext uri="{FF2B5EF4-FFF2-40B4-BE49-F238E27FC236}">
+                  <a16:creationId xmlns:a16="http://schemas.microsoft.com/office/drawing/2014/main" id="{7B570EAA-F242-DF48-B02C-90747A696EE7}"/>
+                </a:ext>
+              </a:extLst>
+            </p:cNvPr>
+            <p:cNvSpPr/>
+            <p:nvPr/>
+          </p:nvSpPr>
+          <p:spPr>
+            <a:xfrm>
+              <a:off x="4651588" y="2733030"/>
+              <a:ext cx="1844642" cy="571384"/>
+            </a:xfrm>
+            <a:prstGeom prst="rect">
+              <a:avLst/>
+            </a:prstGeom>
+            <a:solidFill>
+              <a:schemeClr val="accent3">
+                <a:lumMod val="20000"/>
+                <a:lumOff val="80000"/>
+              </a:schemeClr>
+            </a:solidFill>
+            <a:ln>
+              <a:noFill/>
+            </a:ln>
+          </p:spPr>
+          <p:style>
+            <a:lnRef idx="2">
+              <a:schemeClr val="accent1">
+                <a:shade val="50000"/>
+              </a:schemeClr>
+            </a:lnRef>
+            <a:fillRef idx="1">
+              <a:schemeClr val="accent1"/>
+            </a:fillRef>
+            <a:effectRef idx="0">
+              <a:schemeClr val="accent1"/>
+            </a:effectRef>
+            <a:fontRef idx="minor">
+              <a:schemeClr val="lt1"/>
+            </a:fontRef>
+          </p:style>
+          <p:txBody>
+            <a:bodyPr rtlCol="0" anchor="ctr"/>
+            <a:lstStyle/>
+            <a:p>
+              <a:pPr algn="ctr"/>
+              <a:r>
+                <a:rPr kumimoji="1" lang="ko-KR" altLang="en-US" dirty="0">
+                  <a:solidFill>
+                    <a:sysClr val="windowText" lastClr="000000"/>
+                  </a:solidFill>
+                </a:rPr>
+                <a:t>응답 결과 생성</a:t>
+              </a:r>
+            </a:p>
+          </p:txBody>
+        </p:sp>
+        <p:cxnSp>
+          <p:nvCxnSpPr>
+            <p:cNvPr id="49" name="직선 화살표 연결선 48">
+              <a:extLst>
+                <a:ext uri="{FF2B5EF4-FFF2-40B4-BE49-F238E27FC236}">
+                  <a16:creationId xmlns:a16="http://schemas.microsoft.com/office/drawing/2014/main" id="{3ADBA461-D1A8-4541-BFBF-4DA22F8D8F76}"/>
+                </a:ext>
+              </a:extLst>
+            </p:cNvPr>
+            <p:cNvCxnSpPr>
+              <a:cxnSpLocks/>
+            </p:cNvCxnSpPr>
+            <p:nvPr/>
+          </p:nvCxnSpPr>
+          <p:spPr>
+            <a:xfrm>
+              <a:off x="2717600" y="2491618"/>
+              <a:ext cx="1887239" cy="241412"/>
+            </a:xfrm>
+            <a:prstGeom prst="straightConnector1">
+              <a:avLst/>
+            </a:prstGeom>
+            <a:ln w="50800">
+              <a:solidFill>
+                <a:schemeClr val="tx1"/>
+              </a:solidFill>
+              <a:tailEnd type="triangle"/>
+            </a:ln>
+          </p:spPr>
+          <p:style>
+            <a:lnRef idx="1">
+              <a:schemeClr val="accent1"/>
+            </a:lnRef>
+            <a:fillRef idx="0">
+              <a:schemeClr val="accent1"/>
+            </a:fillRef>
+            <a:effectRef idx="0">
+              <a:schemeClr val="accent1"/>
+            </a:effectRef>
+            <a:fontRef idx="minor">
+              <a:schemeClr val="tx1"/>
+            </a:fontRef>
+          </p:style>
+        </p:cxnSp>
+        <p:cxnSp>
+          <p:nvCxnSpPr>
+            <p:cNvPr id="51" name="직선 화살표 연결선 50">
+              <a:extLst>
+                <a:ext uri="{FF2B5EF4-FFF2-40B4-BE49-F238E27FC236}">
+                  <a16:creationId xmlns:a16="http://schemas.microsoft.com/office/drawing/2014/main" id="{D83DE204-84F6-9E41-A2CE-D76E60760353}"/>
+                </a:ext>
+              </a:extLst>
+            </p:cNvPr>
+            <p:cNvCxnSpPr>
+              <a:cxnSpLocks/>
+            </p:cNvCxnSpPr>
+            <p:nvPr/>
+          </p:nvCxnSpPr>
+          <p:spPr>
+            <a:xfrm flipH="1">
+              <a:off x="2727431" y="3304414"/>
+              <a:ext cx="1887239" cy="266649"/>
+            </a:xfrm>
+            <a:prstGeom prst="straightConnector1">
+              <a:avLst/>
+            </a:prstGeom>
+            <a:ln w="50800">
+              <a:solidFill>
+                <a:schemeClr val="tx1"/>
+              </a:solidFill>
+              <a:tailEnd type="triangle"/>
+            </a:ln>
+          </p:spPr>
+          <p:style>
+            <a:lnRef idx="1">
+              <a:schemeClr val="accent1"/>
+            </a:lnRef>
+            <a:fillRef idx="0">
+              <a:schemeClr val="accent1"/>
+            </a:fillRef>
+            <a:effectRef idx="0">
+              <a:schemeClr val="accent1"/>
+            </a:effectRef>
+            <a:fontRef idx="minor">
+              <a:schemeClr val="tx1"/>
+            </a:fontRef>
+          </p:style>
+        </p:cxnSp>
+        <p:sp>
+          <p:nvSpPr>
+            <p:cNvPr id="54" name="직사각형 53">
+              <a:extLst>
+                <a:ext uri="{FF2B5EF4-FFF2-40B4-BE49-F238E27FC236}">
+                  <a16:creationId xmlns:a16="http://schemas.microsoft.com/office/drawing/2014/main" id="{F767E88D-7ED9-B448-9A7C-68E42C5C85DA}"/>
+                </a:ext>
+              </a:extLst>
+            </p:cNvPr>
+            <p:cNvSpPr/>
+            <p:nvPr/>
+          </p:nvSpPr>
+          <p:spPr>
+            <a:xfrm>
+              <a:off x="4651588" y="3812475"/>
+              <a:ext cx="1844642" cy="571384"/>
+            </a:xfrm>
+            <a:prstGeom prst="rect">
+              <a:avLst/>
+            </a:prstGeom>
+            <a:solidFill>
+              <a:schemeClr val="accent2">
+                <a:lumMod val="20000"/>
+                <a:lumOff val="80000"/>
+              </a:schemeClr>
+            </a:solidFill>
+            <a:ln>
+              <a:noFill/>
+            </a:ln>
+          </p:spPr>
+          <p:style>
+            <a:lnRef idx="2">
+              <a:schemeClr val="accent1">
+                <a:shade val="50000"/>
+              </a:schemeClr>
+            </a:lnRef>
+            <a:fillRef idx="1">
+              <a:schemeClr val="accent1"/>
+            </a:fillRef>
+            <a:effectRef idx="0">
+              <a:schemeClr val="accent1"/>
+            </a:effectRef>
+            <a:fontRef idx="minor">
+              <a:schemeClr val="lt1"/>
+            </a:fontRef>
+          </p:style>
+          <p:txBody>
+            <a:bodyPr rtlCol="0" anchor="ctr"/>
+            <a:lstStyle/>
+            <a:p>
+              <a:pPr algn="ctr"/>
+              <a:r>
+                <a:rPr kumimoji="1" lang="ko-KR" altLang="en-US" dirty="0">
+                  <a:solidFill>
+                    <a:sysClr val="windowText" lastClr="000000"/>
+                  </a:solidFill>
+                </a:rPr>
+                <a:t>응답 결과 생성</a:t>
+              </a:r>
+            </a:p>
+          </p:txBody>
+        </p:sp>
+        <p:cxnSp>
+          <p:nvCxnSpPr>
+            <p:cNvPr id="55" name="직선 화살표 연결선 54">
+              <a:extLst>
+                <a:ext uri="{FF2B5EF4-FFF2-40B4-BE49-F238E27FC236}">
+                  <a16:creationId xmlns:a16="http://schemas.microsoft.com/office/drawing/2014/main" id="{E0913B90-D62D-B941-9A87-BB103C4DF8F8}"/>
+                </a:ext>
+              </a:extLst>
+            </p:cNvPr>
+            <p:cNvCxnSpPr>
+              <a:cxnSpLocks/>
+            </p:cNvCxnSpPr>
+            <p:nvPr/>
+          </p:nvCxnSpPr>
+          <p:spPr>
+            <a:xfrm>
+              <a:off x="2717600" y="3571063"/>
+              <a:ext cx="1887239" cy="241412"/>
+            </a:xfrm>
+            <a:prstGeom prst="straightConnector1">
+              <a:avLst/>
+            </a:prstGeom>
+            <a:ln w="50800">
+              <a:solidFill>
+                <a:schemeClr val="tx1"/>
+              </a:solidFill>
+              <a:tailEnd type="triangle"/>
+            </a:ln>
+          </p:spPr>
+          <p:style>
+            <a:lnRef idx="1">
+              <a:schemeClr val="accent1"/>
+            </a:lnRef>
+            <a:fillRef idx="0">
+              <a:schemeClr val="accent1"/>
+            </a:fillRef>
+            <a:effectRef idx="0">
+              <a:schemeClr val="accent1"/>
+            </a:effectRef>
+            <a:fontRef idx="minor">
+              <a:schemeClr val="tx1"/>
+            </a:fontRef>
+          </p:style>
+        </p:cxnSp>
+        <p:sp>
+          <p:nvSpPr>
+            <p:cNvPr id="56" name="TextBox 55">
+              <a:extLst>
+                <a:ext uri="{FF2B5EF4-FFF2-40B4-BE49-F238E27FC236}">
+                  <a16:creationId xmlns:a16="http://schemas.microsoft.com/office/drawing/2014/main" id="{EEEEE69C-B682-3641-A515-43D3124F2ECB}"/>
+                </a:ext>
+              </a:extLst>
+            </p:cNvPr>
+            <p:cNvSpPr txBox="1"/>
+            <p:nvPr/>
+          </p:nvSpPr>
+          <p:spPr>
+            <a:xfrm>
+              <a:off x="2733812" y="4666060"/>
+              <a:ext cx="1859565" cy="338554"/>
+            </a:xfrm>
+            <a:prstGeom prst="rect">
+              <a:avLst/>
+            </a:prstGeom>
+            <a:solidFill>
+              <a:schemeClr val="accent6">
+                <a:lumMod val="20000"/>
+                <a:lumOff val="80000"/>
+              </a:schemeClr>
+            </a:solidFill>
+          </p:spPr>
+          <p:txBody>
+            <a:bodyPr wrap="square" rtlCol="0">
+              <a:spAutoFit/>
+            </a:bodyPr>
+            <a:lstStyle/>
+            <a:p>
+              <a:pPr algn="ctr"/>
+              <a:r>
+                <a:rPr kumimoji="1" lang="en-US" altLang="ko-KR" sz="1600" dirty="0"/>
+                <a:t>TCP</a:t>
+              </a:r>
+              <a:r>
+                <a:rPr kumimoji="1" lang="ko-KR" altLang="en-US" sz="1600" dirty="0"/>
+                <a:t> 연결 해제</a:t>
+              </a:r>
+            </a:p>
+          </p:txBody>
+        </p:sp>
+        <p:cxnSp>
+          <p:nvCxnSpPr>
+            <p:cNvPr id="57" name="직선 화살표 연결선 56">
+              <a:extLst>
+                <a:ext uri="{FF2B5EF4-FFF2-40B4-BE49-F238E27FC236}">
+                  <a16:creationId xmlns:a16="http://schemas.microsoft.com/office/drawing/2014/main" id="{FB1BE8D6-3BDC-664B-ABB1-42AA8D8A4141}"/>
+                </a:ext>
+              </a:extLst>
+            </p:cNvPr>
+            <p:cNvCxnSpPr>
+              <a:cxnSpLocks/>
+            </p:cNvCxnSpPr>
+            <p:nvPr/>
+          </p:nvCxnSpPr>
+          <p:spPr>
+            <a:xfrm flipH="1">
+              <a:off x="2727431" y="4383859"/>
+              <a:ext cx="1887239" cy="266649"/>
+            </a:xfrm>
+            <a:prstGeom prst="straightConnector1">
+              <a:avLst/>
+            </a:prstGeom>
+            <a:ln w="50800">
+              <a:solidFill>
+                <a:schemeClr val="tx1"/>
+              </a:solidFill>
+              <a:tailEnd type="triangle"/>
+            </a:ln>
+          </p:spPr>
+          <p:style>
+            <a:lnRef idx="1">
+              <a:schemeClr val="accent1"/>
+            </a:lnRef>
+            <a:fillRef idx="0">
+              <a:schemeClr val="accent1"/>
+            </a:fillRef>
+            <a:effectRef idx="0">
+              <a:schemeClr val="accent1"/>
+            </a:effectRef>
+            <a:fontRef idx="minor">
+              <a:schemeClr val="tx1"/>
+            </a:fontRef>
+          </p:style>
+        </p:cxnSp>
+      </p:grpSp>
+    </p:spTree>
+    <p:extLst>
+      <p:ext uri="{BB962C8B-B14F-4D97-AF65-F5344CB8AC3E}">
+        <p14:creationId xmlns:p14="http://schemas.microsoft.com/office/powerpoint/2010/main" val="268608801"/>
+      </p:ext>
+    </p:extLst>
+  </p:cSld>
+  <p:clrMapOvr>
+    <a:masterClrMapping/>
+  </p:clrMapOvr>
+</p:sld>
+</file>
+
+<file path=ppt/slides/slide12.xml><?xml version="1.0" encoding="utf-8"?>
+<p:sld xmlns:a="http://schemas.openxmlformats.org/drawingml/2006/main" xmlns:r="http://schemas.openxmlformats.org/officeDocument/2006/relationships" xmlns:p="http://schemas.openxmlformats.org/presentationml/2006/main" show="0">
+  <p:cSld>
+    <p:spTree>
+      <p:nvGrpSpPr>
+        <p:cNvPr id="1" name=""/>
+        <p:cNvGrpSpPr/>
+        <p:nvPr/>
+      </p:nvGrpSpPr>
+      <p:grpSpPr>
+        <a:xfrm>
+          <a:off x="0" y="0"/>
+          <a:ext cx="0" cy="0"/>
+          <a:chOff x="0" y="0"/>
+          <a:chExt cx="0" cy="0"/>
+        </a:xfrm>
+      </p:grpSpPr>
+      <p:grpSp>
+        <p:nvGrpSpPr>
+          <p:cNvPr id="4" name="그룹 3">
+            <a:extLst>
+              <a:ext uri="{FF2B5EF4-FFF2-40B4-BE49-F238E27FC236}">
+                <a16:creationId xmlns:a16="http://schemas.microsoft.com/office/drawing/2014/main" id="{A5A08FB9-B1CB-9B4A-AC77-0C969C123815}"/>
+              </a:ext>
+            </a:extLst>
+          </p:cNvPr>
+          <p:cNvGrpSpPr/>
+          <p:nvPr/>
+        </p:nvGrpSpPr>
+        <p:grpSpPr>
+          <a:xfrm>
+            <a:off x="2216745" y="471946"/>
+            <a:ext cx="4281626" cy="6148310"/>
+            <a:chOff x="2216745" y="471946"/>
+            <a:chExt cx="4281626" cy="6148310"/>
+          </a:xfrm>
+        </p:grpSpPr>
+        <p:sp>
+          <p:nvSpPr>
+            <p:cNvPr id="20" name="TextBox 19">
+              <a:extLst>
+                <a:ext uri="{FF2B5EF4-FFF2-40B4-BE49-F238E27FC236}">
+                  <a16:creationId xmlns:a16="http://schemas.microsoft.com/office/drawing/2014/main" id="{33F42459-40AD-F64E-B3D3-737C76581326}"/>
+                </a:ext>
+              </a:extLst>
+            </p:cNvPr>
+            <p:cNvSpPr txBox="1"/>
+            <p:nvPr/>
+          </p:nvSpPr>
+          <p:spPr>
+            <a:xfrm>
+              <a:off x="2729572" y="1050026"/>
+              <a:ext cx="1865946" cy="338554"/>
+            </a:xfrm>
+            <a:prstGeom prst="rect">
+              <a:avLst/>
+            </a:prstGeom>
+            <a:solidFill>
+              <a:schemeClr val="accent5">
+                <a:lumMod val="20000"/>
+                <a:lumOff val="80000"/>
+              </a:schemeClr>
+            </a:solidFill>
+          </p:spPr>
+          <p:txBody>
+            <a:bodyPr wrap="square" rtlCol="0">
+              <a:spAutoFit/>
+            </a:bodyPr>
+            <a:lstStyle/>
+            <a:p>
+              <a:pPr algn="ctr"/>
+              <a:r>
+                <a:rPr kumimoji="1" lang="en-US" altLang="ko-KR" sz="1600" dirty="0"/>
+                <a:t>TCP </a:t>
+              </a:r>
+              <a:r>
+                <a:rPr kumimoji="1" lang="ko-KR" altLang="en-US" sz="1600" dirty="0"/>
+                <a:t>연결</a:t>
+              </a:r>
+            </a:p>
+          </p:txBody>
+        </p:sp>
+        <p:cxnSp>
+          <p:nvCxnSpPr>
+            <p:cNvPr id="22" name="직선 연결선[R] 21">
+              <a:extLst>
+                <a:ext uri="{FF2B5EF4-FFF2-40B4-BE49-F238E27FC236}">
+                  <a16:creationId xmlns:a16="http://schemas.microsoft.com/office/drawing/2014/main" id="{6E3A8BC6-0267-F043-9F12-98CEEF308A3E}"/>
+                </a:ext>
+              </a:extLst>
+            </p:cNvPr>
+            <p:cNvCxnSpPr/>
+            <p:nvPr/>
+          </p:nvCxnSpPr>
+          <p:spPr>
+            <a:xfrm>
+              <a:off x="2706624" y="933611"/>
+              <a:ext cx="0" cy="5686645"/>
+            </a:xfrm>
+            <a:prstGeom prst="line">
+              <a:avLst/>
+            </a:prstGeom>
+            <a:ln w="50800">
+              <a:solidFill>
+                <a:schemeClr val="tx1"/>
+              </a:solidFill>
+            </a:ln>
+          </p:spPr>
+          <p:style>
+            <a:lnRef idx="1">
+              <a:schemeClr val="accent1"/>
+            </a:lnRef>
+            <a:fillRef idx="0">
+              <a:schemeClr val="accent1"/>
+            </a:fillRef>
+            <a:effectRef idx="0">
+              <a:schemeClr val="accent1"/>
+            </a:effectRef>
+            <a:fontRef idx="minor">
+              <a:schemeClr val="tx1"/>
+            </a:fontRef>
+          </p:style>
+        </p:cxnSp>
+        <p:sp>
+          <p:nvSpPr>
+            <p:cNvPr id="24" name="TextBox 23">
+              <a:extLst>
+                <a:ext uri="{FF2B5EF4-FFF2-40B4-BE49-F238E27FC236}">
+                  <a16:creationId xmlns:a16="http://schemas.microsoft.com/office/drawing/2014/main" id="{69C53195-4E72-FD4A-8EAA-F7B7A3BE8891}"/>
+                </a:ext>
+              </a:extLst>
+            </p:cNvPr>
+            <p:cNvSpPr txBox="1"/>
+            <p:nvPr/>
+          </p:nvSpPr>
+          <p:spPr>
+            <a:xfrm>
+              <a:off x="2216745" y="471946"/>
+              <a:ext cx="979755" cy="461665"/>
+            </a:xfrm>
+            <a:prstGeom prst="rect">
+              <a:avLst/>
+            </a:prstGeom>
+            <a:noFill/>
+          </p:spPr>
+          <p:txBody>
+            <a:bodyPr wrap="none" rtlCol="0">
+              <a:spAutoFit/>
+            </a:bodyPr>
+            <a:lstStyle/>
+            <a:p>
+              <a:r>
+                <a:rPr kumimoji="1" lang="en-US" altLang="ko-KR" sz="2400" dirty="0"/>
+                <a:t>Client</a:t>
+              </a:r>
+              <a:endParaRPr kumimoji="1" lang="ko-KR" altLang="en-US" sz="2400" dirty="0"/>
+            </a:p>
+          </p:txBody>
+        </p:sp>
+        <p:cxnSp>
+          <p:nvCxnSpPr>
+            <p:cNvPr id="25" name="직선 연결선[R] 24">
+              <a:extLst>
+                <a:ext uri="{FF2B5EF4-FFF2-40B4-BE49-F238E27FC236}">
+                  <a16:creationId xmlns:a16="http://schemas.microsoft.com/office/drawing/2014/main" id="{493040CE-FAD1-9F48-BD31-16D93C17D053}"/>
+                </a:ext>
+              </a:extLst>
+            </p:cNvPr>
+            <p:cNvCxnSpPr/>
+            <p:nvPr/>
+          </p:nvCxnSpPr>
+          <p:spPr>
+            <a:xfrm>
+              <a:off x="4620097" y="933611"/>
+              <a:ext cx="0" cy="5686645"/>
+            </a:xfrm>
+            <a:prstGeom prst="line">
+              <a:avLst/>
+            </a:prstGeom>
+            <a:ln w="50800">
+              <a:solidFill>
+                <a:schemeClr val="tx1"/>
+              </a:solidFill>
+            </a:ln>
+          </p:spPr>
+          <p:style>
+            <a:lnRef idx="1">
+              <a:schemeClr val="accent1"/>
+            </a:lnRef>
+            <a:fillRef idx="0">
+              <a:schemeClr val="accent1"/>
+            </a:fillRef>
+            <a:effectRef idx="0">
+              <a:schemeClr val="accent1"/>
+            </a:effectRef>
+            <a:fontRef idx="minor">
+              <a:schemeClr val="tx1"/>
+            </a:fontRef>
+          </p:style>
+        </p:cxnSp>
+        <p:sp>
+          <p:nvSpPr>
+            <p:cNvPr id="26" name="TextBox 25">
+              <a:extLst>
+                <a:ext uri="{FF2B5EF4-FFF2-40B4-BE49-F238E27FC236}">
+                  <a16:creationId xmlns:a16="http://schemas.microsoft.com/office/drawing/2014/main" id="{1981E1C8-0E2F-5043-9BE6-46728542F971}"/>
+                </a:ext>
+              </a:extLst>
+            </p:cNvPr>
+            <p:cNvSpPr txBox="1"/>
+            <p:nvPr/>
+          </p:nvSpPr>
+          <p:spPr>
+            <a:xfrm>
+              <a:off x="4089213" y="471946"/>
+              <a:ext cx="1061766" cy="461665"/>
+            </a:xfrm>
+            <a:prstGeom prst="rect">
+              <a:avLst/>
+            </a:prstGeom>
+            <a:noFill/>
+          </p:spPr>
+          <p:txBody>
+            <a:bodyPr wrap="none" rtlCol="0">
+              <a:spAutoFit/>
+            </a:bodyPr>
+            <a:lstStyle/>
+            <a:p>
+              <a:r>
+                <a:rPr kumimoji="1" lang="en-US" altLang="ko-KR" sz="2400" dirty="0"/>
+                <a:t>Server</a:t>
+              </a:r>
+              <a:endParaRPr kumimoji="1" lang="ko-KR" altLang="en-US" sz="2400" dirty="0"/>
+            </a:p>
+          </p:txBody>
+        </p:sp>
+        <p:sp>
+          <p:nvSpPr>
+            <p:cNvPr id="27" name="직사각형 26">
+              <a:extLst>
+                <a:ext uri="{FF2B5EF4-FFF2-40B4-BE49-F238E27FC236}">
+                  <a16:creationId xmlns:a16="http://schemas.microsoft.com/office/drawing/2014/main" id="{780A7135-AA50-CE41-9AD9-7636A4389130}"/>
+                </a:ext>
+              </a:extLst>
+            </p:cNvPr>
+            <p:cNvSpPr/>
+            <p:nvPr/>
+          </p:nvSpPr>
+          <p:spPr>
+            <a:xfrm>
+              <a:off x="4653729" y="1653585"/>
+              <a:ext cx="1844642" cy="571384"/>
+            </a:xfrm>
+            <a:prstGeom prst="rect">
+              <a:avLst/>
+            </a:prstGeom>
+            <a:solidFill>
+              <a:schemeClr val="accent4">
+                <a:lumMod val="20000"/>
+                <a:lumOff val="80000"/>
+              </a:schemeClr>
+            </a:solidFill>
+            <a:ln>
+              <a:noFill/>
+            </a:ln>
+          </p:spPr>
+          <p:style>
+            <a:lnRef idx="2">
+              <a:schemeClr val="accent1">
+                <a:shade val="50000"/>
+              </a:schemeClr>
+            </a:lnRef>
+            <a:fillRef idx="1">
+              <a:schemeClr val="accent1"/>
+            </a:fillRef>
+            <a:effectRef idx="0">
+              <a:schemeClr val="accent1"/>
+            </a:effectRef>
+            <a:fontRef idx="minor">
+              <a:schemeClr val="lt1"/>
+            </a:fontRef>
+          </p:style>
+          <p:txBody>
+            <a:bodyPr rtlCol="0" anchor="ctr"/>
+            <a:lstStyle/>
+            <a:p>
+              <a:pPr algn="ctr"/>
+              <a:r>
+                <a:rPr kumimoji="1" lang="ko-KR" altLang="en-US" dirty="0">
+                  <a:solidFill>
+                    <a:sysClr val="windowText" lastClr="000000"/>
+                  </a:solidFill>
+                </a:rPr>
+                <a:t>응답 결과 생성</a:t>
+              </a:r>
+            </a:p>
+          </p:txBody>
+        </p:sp>
+        <p:cxnSp>
+          <p:nvCxnSpPr>
+            <p:cNvPr id="28" name="직선 화살표 연결선 27">
+              <a:extLst>
+                <a:ext uri="{FF2B5EF4-FFF2-40B4-BE49-F238E27FC236}">
+                  <a16:creationId xmlns:a16="http://schemas.microsoft.com/office/drawing/2014/main" id="{4D71E890-152D-514F-8837-8453E1C669B9}"/>
+                </a:ext>
+              </a:extLst>
+            </p:cNvPr>
+            <p:cNvCxnSpPr>
+              <a:cxnSpLocks/>
+            </p:cNvCxnSpPr>
+            <p:nvPr/>
+          </p:nvCxnSpPr>
+          <p:spPr>
+            <a:xfrm>
+              <a:off x="2719741" y="1412173"/>
+              <a:ext cx="1887239" cy="241412"/>
+            </a:xfrm>
+            <a:prstGeom prst="straightConnector1">
+              <a:avLst/>
+            </a:prstGeom>
+            <a:ln w="50800">
+              <a:solidFill>
+                <a:schemeClr val="tx1"/>
+              </a:solidFill>
+              <a:tailEnd type="triangle"/>
+            </a:ln>
+          </p:spPr>
+          <p:style>
+            <a:lnRef idx="1">
+              <a:schemeClr val="accent1"/>
+            </a:lnRef>
+            <a:fillRef idx="0">
+              <a:schemeClr val="accent1"/>
+            </a:fillRef>
+            <a:effectRef idx="0">
+              <a:schemeClr val="accent1"/>
+            </a:effectRef>
+            <a:fontRef idx="minor">
+              <a:schemeClr val="tx1"/>
+            </a:fontRef>
+          </p:style>
+        </p:cxnSp>
+        <p:cxnSp>
+          <p:nvCxnSpPr>
+            <p:cNvPr id="38" name="직선 화살표 연결선 37">
+              <a:extLst>
+                <a:ext uri="{FF2B5EF4-FFF2-40B4-BE49-F238E27FC236}">
+                  <a16:creationId xmlns:a16="http://schemas.microsoft.com/office/drawing/2014/main" id="{9A348FBA-0ED7-A142-8C6D-8B5830C7B7F1}"/>
+                </a:ext>
+              </a:extLst>
+            </p:cNvPr>
+            <p:cNvCxnSpPr>
+              <a:cxnSpLocks/>
+            </p:cNvCxnSpPr>
+            <p:nvPr/>
+          </p:nvCxnSpPr>
+          <p:spPr>
+            <a:xfrm flipH="1">
+              <a:off x="2729572" y="2224969"/>
+              <a:ext cx="1887239" cy="266649"/>
+            </a:xfrm>
+            <a:prstGeom prst="straightConnector1">
+              <a:avLst/>
+            </a:prstGeom>
+            <a:ln w="50800">
+              <a:solidFill>
+                <a:schemeClr val="tx1"/>
+              </a:solidFill>
+              <a:tailEnd type="triangle"/>
+            </a:ln>
+          </p:spPr>
+          <p:style>
+            <a:lnRef idx="1">
+              <a:schemeClr val="accent1"/>
+            </a:lnRef>
+            <a:fillRef idx="0">
+              <a:schemeClr val="accent1"/>
+            </a:fillRef>
+            <a:effectRef idx="0">
+              <a:schemeClr val="accent1"/>
+            </a:effectRef>
+            <a:fontRef idx="minor">
+              <a:schemeClr val="tx1"/>
+            </a:fontRef>
+          </p:style>
+        </p:cxnSp>
+        <p:sp>
+          <p:nvSpPr>
+            <p:cNvPr id="39" name="직사각형 38">
+              <a:extLst>
+                <a:ext uri="{FF2B5EF4-FFF2-40B4-BE49-F238E27FC236}">
+                  <a16:creationId xmlns:a16="http://schemas.microsoft.com/office/drawing/2014/main" id="{78A76B44-D22E-C044-8462-4F45E5A4F3B7}"/>
+                </a:ext>
+              </a:extLst>
+            </p:cNvPr>
+            <p:cNvSpPr/>
+            <p:nvPr/>
+          </p:nvSpPr>
+          <p:spPr>
+            <a:xfrm>
+              <a:off x="4653729" y="2224969"/>
+              <a:ext cx="1844642" cy="571384"/>
+            </a:xfrm>
+            <a:prstGeom prst="rect">
+              <a:avLst/>
+            </a:prstGeom>
+            <a:solidFill>
+              <a:schemeClr val="accent3">
+                <a:lumMod val="20000"/>
+                <a:lumOff val="80000"/>
+              </a:schemeClr>
+            </a:solidFill>
+            <a:ln>
+              <a:noFill/>
+            </a:ln>
+          </p:spPr>
+          <p:style>
+            <a:lnRef idx="2">
+              <a:schemeClr val="accent1">
+                <a:shade val="50000"/>
+              </a:schemeClr>
+            </a:lnRef>
+            <a:fillRef idx="1">
+              <a:schemeClr val="accent1"/>
+            </a:fillRef>
+            <a:effectRef idx="0">
+              <a:schemeClr val="accent1"/>
+            </a:effectRef>
+            <a:fontRef idx="minor">
+              <a:schemeClr val="lt1"/>
+            </a:fontRef>
+          </p:style>
+          <p:txBody>
+            <a:bodyPr rtlCol="0" anchor="ctr"/>
+            <a:lstStyle/>
+            <a:p>
+              <a:pPr algn="ctr"/>
+              <a:r>
+                <a:rPr kumimoji="1" lang="ko-KR" altLang="en-US" dirty="0">
+                  <a:solidFill>
+                    <a:sysClr val="windowText" lastClr="000000"/>
+                  </a:solidFill>
+                </a:rPr>
+                <a:t>응답 결과 생성</a:t>
+              </a:r>
+            </a:p>
+          </p:txBody>
+        </p:sp>
+        <p:cxnSp>
+          <p:nvCxnSpPr>
+            <p:cNvPr id="40" name="직선 화살표 연결선 39">
+              <a:extLst>
+                <a:ext uri="{FF2B5EF4-FFF2-40B4-BE49-F238E27FC236}">
+                  <a16:creationId xmlns:a16="http://schemas.microsoft.com/office/drawing/2014/main" id="{A7137176-BBE2-FE43-9C83-DE2275298839}"/>
+                </a:ext>
+              </a:extLst>
+            </p:cNvPr>
+            <p:cNvCxnSpPr>
+              <a:cxnSpLocks/>
+            </p:cNvCxnSpPr>
+            <p:nvPr/>
+          </p:nvCxnSpPr>
+          <p:spPr>
+            <a:xfrm>
+              <a:off x="2719741" y="1588193"/>
+              <a:ext cx="1887239" cy="241412"/>
+            </a:xfrm>
+            <a:prstGeom prst="straightConnector1">
+              <a:avLst/>
+            </a:prstGeom>
+            <a:ln w="50800">
+              <a:solidFill>
+                <a:schemeClr val="tx1"/>
+              </a:solidFill>
+              <a:tailEnd type="triangle"/>
+            </a:ln>
+          </p:spPr>
+          <p:style>
+            <a:lnRef idx="1">
+              <a:schemeClr val="accent1"/>
+            </a:lnRef>
+            <a:fillRef idx="0">
+              <a:schemeClr val="accent1"/>
+            </a:fillRef>
+            <a:effectRef idx="0">
+              <a:schemeClr val="accent1"/>
+            </a:effectRef>
+            <a:fontRef idx="minor">
+              <a:schemeClr val="tx1"/>
+            </a:fontRef>
+          </p:style>
+        </p:cxnSp>
+        <p:cxnSp>
+          <p:nvCxnSpPr>
+            <p:cNvPr id="42" name="직선 화살표 연결선 41">
+              <a:extLst>
+                <a:ext uri="{FF2B5EF4-FFF2-40B4-BE49-F238E27FC236}">
+                  <a16:creationId xmlns:a16="http://schemas.microsoft.com/office/drawing/2014/main" id="{F92524E2-73DE-E64C-B53B-4D6685F00C0F}"/>
+                </a:ext>
+              </a:extLst>
+            </p:cNvPr>
+            <p:cNvCxnSpPr>
+              <a:cxnSpLocks/>
+            </p:cNvCxnSpPr>
+            <p:nvPr/>
+          </p:nvCxnSpPr>
+          <p:spPr>
+            <a:xfrm flipH="1">
+              <a:off x="2723441" y="2783393"/>
+              <a:ext cx="1887239" cy="266649"/>
+            </a:xfrm>
+            <a:prstGeom prst="straightConnector1">
+              <a:avLst/>
+            </a:prstGeom>
+            <a:ln w="50800">
+              <a:solidFill>
+                <a:schemeClr val="tx1"/>
+              </a:solidFill>
+              <a:tailEnd type="triangle"/>
+            </a:ln>
+          </p:spPr>
+          <p:style>
+            <a:lnRef idx="1">
+              <a:schemeClr val="accent1"/>
+            </a:lnRef>
+            <a:fillRef idx="0">
+              <a:schemeClr val="accent1"/>
+            </a:fillRef>
+            <a:effectRef idx="0">
+              <a:schemeClr val="accent1"/>
+            </a:effectRef>
+            <a:fontRef idx="minor">
+              <a:schemeClr val="tx1"/>
+            </a:fontRef>
+          </p:style>
+        </p:cxnSp>
+        <p:sp>
+          <p:nvSpPr>
+            <p:cNvPr id="44" name="직사각형 43">
+              <a:extLst>
+                <a:ext uri="{FF2B5EF4-FFF2-40B4-BE49-F238E27FC236}">
+                  <a16:creationId xmlns:a16="http://schemas.microsoft.com/office/drawing/2014/main" id="{D551F177-E1F6-5545-8DB2-32FD616C44FB}"/>
+                </a:ext>
+              </a:extLst>
+            </p:cNvPr>
+            <p:cNvSpPr/>
+            <p:nvPr/>
+          </p:nvSpPr>
+          <p:spPr>
+            <a:xfrm>
+              <a:off x="4653729" y="2796353"/>
+              <a:ext cx="1844642" cy="571384"/>
+            </a:xfrm>
+            <a:prstGeom prst="rect">
+              <a:avLst/>
+            </a:prstGeom>
+            <a:solidFill>
+              <a:schemeClr val="accent2">
+                <a:lumMod val="20000"/>
+                <a:lumOff val="80000"/>
+              </a:schemeClr>
+            </a:solidFill>
+            <a:ln>
+              <a:noFill/>
+            </a:ln>
+          </p:spPr>
+          <p:style>
+            <a:lnRef idx="2">
+              <a:schemeClr val="accent1">
+                <a:shade val="50000"/>
+              </a:schemeClr>
+            </a:lnRef>
+            <a:fillRef idx="1">
+              <a:schemeClr val="accent1"/>
+            </a:fillRef>
+            <a:effectRef idx="0">
+              <a:schemeClr val="accent1"/>
+            </a:effectRef>
+            <a:fontRef idx="minor">
+              <a:schemeClr val="lt1"/>
+            </a:fontRef>
+          </p:style>
+          <p:txBody>
+            <a:bodyPr rtlCol="0" anchor="ctr"/>
+            <a:lstStyle/>
+            <a:p>
+              <a:pPr algn="ctr"/>
+              <a:r>
+                <a:rPr kumimoji="1" lang="ko-KR" altLang="en-US" dirty="0">
+                  <a:solidFill>
+                    <a:sysClr val="windowText" lastClr="000000"/>
+                  </a:solidFill>
+                </a:rPr>
+                <a:t>응답 결과 생성</a:t>
+              </a:r>
+            </a:p>
+          </p:txBody>
+        </p:sp>
+        <p:cxnSp>
+          <p:nvCxnSpPr>
+            <p:cNvPr id="45" name="직선 화살표 연결선 44">
+              <a:extLst>
+                <a:ext uri="{FF2B5EF4-FFF2-40B4-BE49-F238E27FC236}">
+                  <a16:creationId xmlns:a16="http://schemas.microsoft.com/office/drawing/2014/main" id="{C39EFA3F-5BD5-8844-A929-CD165C86DA79}"/>
+                </a:ext>
+              </a:extLst>
+            </p:cNvPr>
+            <p:cNvCxnSpPr>
+              <a:cxnSpLocks/>
+            </p:cNvCxnSpPr>
+            <p:nvPr/>
+          </p:nvCxnSpPr>
+          <p:spPr>
+            <a:xfrm>
+              <a:off x="2719741" y="1757365"/>
+              <a:ext cx="1887239" cy="241412"/>
+            </a:xfrm>
+            <a:prstGeom prst="straightConnector1">
+              <a:avLst/>
+            </a:prstGeom>
+            <a:ln w="50800">
+              <a:solidFill>
+                <a:schemeClr val="tx1"/>
+              </a:solidFill>
+              <a:tailEnd type="triangle"/>
+            </a:ln>
+          </p:spPr>
+          <p:style>
+            <a:lnRef idx="1">
+              <a:schemeClr val="accent1"/>
+            </a:lnRef>
+            <a:fillRef idx="0">
+              <a:schemeClr val="accent1"/>
+            </a:fillRef>
+            <a:effectRef idx="0">
+              <a:schemeClr val="accent1"/>
+            </a:effectRef>
+            <a:fontRef idx="minor">
+              <a:schemeClr val="tx1"/>
+            </a:fontRef>
+          </p:style>
+        </p:cxnSp>
+        <p:sp>
+          <p:nvSpPr>
+            <p:cNvPr id="46" name="TextBox 45">
+              <a:extLst>
+                <a:ext uri="{FF2B5EF4-FFF2-40B4-BE49-F238E27FC236}">
+                  <a16:creationId xmlns:a16="http://schemas.microsoft.com/office/drawing/2014/main" id="{101DAC55-7834-2C43-B504-C8CBBF7691F1}"/>
+                </a:ext>
+              </a:extLst>
+            </p:cNvPr>
+            <p:cNvSpPr txBox="1"/>
+            <p:nvPr/>
+          </p:nvSpPr>
+          <p:spPr>
+            <a:xfrm>
+              <a:off x="2729921" y="3634386"/>
+              <a:ext cx="1859565" cy="338554"/>
+            </a:xfrm>
+            <a:prstGeom prst="rect">
+              <a:avLst/>
+            </a:prstGeom>
+            <a:solidFill>
+              <a:schemeClr val="accent6">
+                <a:lumMod val="20000"/>
+                <a:lumOff val="80000"/>
+              </a:schemeClr>
+            </a:solidFill>
+          </p:spPr>
+          <p:txBody>
+            <a:bodyPr wrap="square" rtlCol="0">
+              <a:spAutoFit/>
+            </a:bodyPr>
+            <a:lstStyle/>
+            <a:p>
+              <a:pPr algn="ctr"/>
+              <a:r>
+                <a:rPr kumimoji="1" lang="en-US" altLang="ko-KR" sz="1600" dirty="0"/>
+                <a:t>TCP</a:t>
+              </a:r>
+              <a:r>
+                <a:rPr kumimoji="1" lang="ko-KR" altLang="en-US" sz="1600" dirty="0"/>
+                <a:t> 연결 해제</a:t>
+              </a:r>
+            </a:p>
+          </p:txBody>
+        </p:sp>
+        <p:cxnSp>
+          <p:nvCxnSpPr>
+            <p:cNvPr id="47" name="직선 화살표 연결선 46">
+              <a:extLst>
+                <a:ext uri="{FF2B5EF4-FFF2-40B4-BE49-F238E27FC236}">
+                  <a16:creationId xmlns:a16="http://schemas.microsoft.com/office/drawing/2014/main" id="{E606C51B-A2B3-094C-97D3-3F1321FB83A6}"/>
+                </a:ext>
+              </a:extLst>
+            </p:cNvPr>
+            <p:cNvCxnSpPr>
+              <a:cxnSpLocks/>
+            </p:cNvCxnSpPr>
+            <p:nvPr/>
+          </p:nvCxnSpPr>
+          <p:spPr>
+            <a:xfrm flipH="1">
+              <a:off x="2716042" y="3367737"/>
+              <a:ext cx="1887239" cy="266649"/>
+            </a:xfrm>
+            <a:prstGeom prst="straightConnector1">
+              <a:avLst/>
+            </a:prstGeom>
+            <a:ln w="50800">
+              <a:solidFill>
+                <a:schemeClr val="tx1"/>
+              </a:solidFill>
+              <a:tailEnd type="triangle"/>
+            </a:ln>
+          </p:spPr>
+          <p:style>
+            <a:lnRef idx="1">
+              <a:schemeClr val="accent1"/>
+            </a:lnRef>
+            <a:fillRef idx="0">
+              <a:schemeClr val="accent1"/>
+            </a:fillRef>
+            <a:effectRef idx="0">
+              <a:schemeClr val="accent1"/>
+            </a:effectRef>
+            <a:fontRef idx="minor">
+              <a:schemeClr val="tx1"/>
+            </a:fontRef>
+          </p:style>
+        </p:cxnSp>
+      </p:grpSp>
+    </p:spTree>
+    <p:extLst>
+      <p:ext uri="{BB962C8B-B14F-4D97-AF65-F5344CB8AC3E}">
+        <p14:creationId xmlns:p14="http://schemas.microsoft.com/office/powerpoint/2010/main" val="2034092813"/>
+      </p:ext>
+    </p:extLst>
+  </p:cSld>
+  <p:clrMapOvr>
+    <a:masterClrMapping/>
+  </p:clrMapOvr>
+</p:sld>
+</file>
+
 <file path=ppt/slides/slide2.xml><?xml version="1.0" encoding="utf-8"?>
 <p:sld xmlns:a="http://schemas.openxmlformats.org/drawingml/2006/main" xmlns:r="http://schemas.openxmlformats.org/officeDocument/2006/relationships" xmlns:p="http://schemas.openxmlformats.org/presentationml/2006/main">
   <p:cSld>
@@ -6056,36 +8886,6 @@
             <p:nvPr/>
           </p:nvPicPr>
           <p:blipFill>
-            <a:blip r:embed="rId2"/>
-            <a:stretch>
-              <a:fillRect/>
-            </a:stretch>
-          </p:blipFill>
-          <p:spPr>
-            <a:xfrm>
-              <a:off x="906185" y="1484896"/>
-              <a:ext cx="1955800" cy="1955800"/>
-            </a:xfrm>
-            <a:prstGeom prst="rect">
-              <a:avLst/>
-            </a:prstGeom>
-          </p:spPr>
-        </p:pic>
-        <p:pic>
-          <p:nvPicPr>
-            <p:cNvPr id="6" name="그림 5">
-              <a:extLst>
-                <a:ext uri="{FF2B5EF4-FFF2-40B4-BE49-F238E27FC236}">
-                  <a16:creationId xmlns:a16="http://schemas.microsoft.com/office/drawing/2014/main" id="{A92E312B-F450-194C-ACEC-DF8C130EEF31}"/>
-                </a:ext>
-              </a:extLst>
-            </p:cNvPr>
-            <p:cNvPicPr>
-              <a:picLocks noChangeAspect="1"/>
-            </p:cNvPicPr>
-            <p:nvPr/>
-          </p:nvPicPr>
-          <p:blipFill>
             <a:blip r:embed="rId3"/>
             <a:stretch>
               <a:fillRect/>
@@ -6093,8 +8893,8 @@
           </p:blipFill>
           <p:spPr>
             <a:xfrm>
-              <a:off x="5658269" y="1721964"/>
-              <a:ext cx="1481665" cy="1481665"/>
+              <a:off x="906185" y="1484896"/>
+              <a:ext cx="1955800" cy="1955800"/>
             </a:xfrm>
             <a:prstGeom prst="rect">
               <a:avLst/>
@@ -6103,10 +8903,10 @@
         </p:pic>
         <p:pic>
           <p:nvPicPr>
-            <p:cNvPr id="8" name="그림 7">
-              <a:extLst>
-                <a:ext uri="{FF2B5EF4-FFF2-40B4-BE49-F238E27FC236}">
-                  <a16:creationId xmlns:a16="http://schemas.microsoft.com/office/drawing/2014/main" id="{266AC016-8DF5-A54A-ABD8-FF7A79C2A524}"/>
+            <p:cNvPr id="6" name="그림 5">
+              <a:extLst>
+                <a:ext uri="{FF2B5EF4-FFF2-40B4-BE49-F238E27FC236}">
+                  <a16:creationId xmlns:a16="http://schemas.microsoft.com/office/drawing/2014/main" id="{A92E312B-F450-194C-ACEC-DF8C130EEF31}"/>
                 </a:ext>
               </a:extLst>
             </p:cNvPr>
@@ -6123,6 +8923,36 @@
           </p:blipFill>
           <p:spPr>
             <a:xfrm>
+              <a:off x="5658269" y="1721964"/>
+              <a:ext cx="1481665" cy="1481665"/>
+            </a:xfrm>
+            <a:prstGeom prst="rect">
+              <a:avLst/>
+            </a:prstGeom>
+          </p:spPr>
+        </p:pic>
+        <p:pic>
+          <p:nvPicPr>
+            <p:cNvPr id="8" name="그림 7">
+              <a:extLst>
+                <a:ext uri="{FF2B5EF4-FFF2-40B4-BE49-F238E27FC236}">
+                  <a16:creationId xmlns:a16="http://schemas.microsoft.com/office/drawing/2014/main" id="{266AC016-8DF5-A54A-ABD8-FF7A79C2A524}"/>
+                </a:ext>
+              </a:extLst>
+            </p:cNvPr>
+            <p:cNvPicPr>
+              <a:picLocks noChangeAspect="1"/>
+            </p:cNvPicPr>
+            <p:nvPr/>
+          </p:nvPicPr>
+          <p:blipFill>
+            <a:blip r:embed="rId5"/>
+            <a:stretch>
+              <a:fillRect/>
+            </a:stretch>
+          </p:blipFill>
+          <p:spPr>
+            <a:xfrm>
               <a:off x="9434743" y="1594964"/>
               <a:ext cx="1735666" cy="1735666"/>
             </a:xfrm>
@@ -6146,7 +8976,7 @@
             <p:nvPr/>
           </p:nvPicPr>
           <p:blipFill>
-            <a:blip r:embed="rId4"/>
+            <a:blip r:embed="rId5"/>
             <a:stretch>
               <a:fillRect/>
             </a:stretch>
@@ -6645,6 +9475,9 @@
                 <a:lumOff val="35000"/>
               </a:schemeClr>
             </a:solidFill>
+            <a:ln>
+              <a:noFill/>
+            </a:ln>
           </p:spPr>
           <p:style>
             <a:lnRef idx="2">
@@ -6783,7 +9616,7 @@
 </file>
 
 <file path=ppt/slides/slide6.xml><?xml version="1.0" encoding="utf-8"?>
-<p:sld xmlns:a="http://schemas.openxmlformats.org/drawingml/2006/main" xmlns:r="http://schemas.openxmlformats.org/officeDocument/2006/relationships" xmlns:p="http://schemas.openxmlformats.org/presentationml/2006/main" show="0">
+<p:sld xmlns:a="http://schemas.openxmlformats.org/drawingml/2006/main" xmlns:r="http://schemas.openxmlformats.org/officeDocument/2006/relationships" xmlns:p="http://schemas.openxmlformats.org/presentationml/2006/main">
   <p:cSld>
     <p:spTree>
       <p:nvGrpSpPr>
@@ -6801,10 +9634,10 @@
       </p:grpSpPr>
       <p:grpSp>
         <p:nvGrpSpPr>
-          <p:cNvPr id="58" name="그룹 57">
+          <p:cNvPr id="20" name="그룹 19">
             <a:extLst>
               <a:ext uri="{FF2B5EF4-FFF2-40B4-BE49-F238E27FC236}">
-                <a16:creationId xmlns:a16="http://schemas.microsoft.com/office/drawing/2014/main" id="{4F3C10A0-C20D-C548-8EE8-4B990C962AFF}"/>
+                <a16:creationId xmlns:a16="http://schemas.microsoft.com/office/drawing/2014/main" id="{303D95D7-D7A8-F34B-9265-DEFA57E3D849}"/>
               </a:ext>
             </a:extLst>
           </p:cNvPr>
@@ -6813,143 +9646,156 @@
         </p:nvGrpSpPr>
         <p:grpSpPr>
           <a:xfrm>
-            <a:off x="2216745" y="471946"/>
-            <a:ext cx="4281626" cy="6148310"/>
-            <a:chOff x="2216745" y="471946"/>
-            <a:chExt cx="4281626" cy="6148310"/>
+            <a:off x="906185" y="2201333"/>
+            <a:ext cx="7027495" cy="1955800"/>
+            <a:chOff x="906185" y="2201333"/>
+            <a:chExt cx="7027495" cy="1955800"/>
           </a:xfrm>
         </p:grpSpPr>
+        <p:pic>
+          <p:nvPicPr>
+            <p:cNvPr id="3" name="그림 2">
+              <a:extLst>
+                <a:ext uri="{FF2B5EF4-FFF2-40B4-BE49-F238E27FC236}">
+                  <a16:creationId xmlns:a16="http://schemas.microsoft.com/office/drawing/2014/main" id="{D39F49DD-AB6F-C444-A483-576E5D66E50F}"/>
+                </a:ext>
+              </a:extLst>
+            </p:cNvPr>
+            <p:cNvPicPr>
+              <a:picLocks noChangeAspect="1"/>
+            </p:cNvPicPr>
+            <p:nvPr/>
+          </p:nvPicPr>
+          <p:blipFill>
+            <a:blip r:embed="rId2"/>
+            <a:stretch>
+              <a:fillRect/>
+            </a:stretch>
+          </p:blipFill>
+          <p:spPr>
+            <a:xfrm>
+              <a:off x="906185" y="2201333"/>
+              <a:ext cx="1955800" cy="1955800"/>
+            </a:xfrm>
+            <a:prstGeom prst="rect">
+              <a:avLst/>
+            </a:prstGeom>
+          </p:spPr>
+        </p:pic>
+        <p:pic>
+          <p:nvPicPr>
+            <p:cNvPr id="8" name="그림 7">
+              <a:extLst>
+                <a:ext uri="{FF2B5EF4-FFF2-40B4-BE49-F238E27FC236}">
+                  <a16:creationId xmlns:a16="http://schemas.microsoft.com/office/drawing/2014/main" id="{266AC016-8DF5-A54A-ABD8-FF7A79C2A524}"/>
+                </a:ext>
+              </a:extLst>
+            </p:cNvPr>
+            <p:cNvPicPr>
+              <a:picLocks noChangeAspect="1"/>
+            </p:cNvPicPr>
+            <p:nvPr/>
+          </p:nvPicPr>
+          <p:blipFill>
+            <a:blip r:embed="rId3"/>
+            <a:stretch>
+              <a:fillRect/>
+            </a:stretch>
+          </p:blipFill>
+          <p:spPr>
+            <a:xfrm>
+              <a:off x="5537614" y="2341648"/>
+              <a:ext cx="1735666" cy="1735666"/>
+            </a:xfrm>
+            <a:prstGeom prst="rect">
+              <a:avLst/>
+            </a:prstGeom>
+          </p:spPr>
+        </p:pic>
+        <p:pic>
+          <p:nvPicPr>
+            <p:cNvPr id="29" name="그림 28">
+              <a:extLst>
+                <a:ext uri="{FF2B5EF4-FFF2-40B4-BE49-F238E27FC236}">
+                  <a16:creationId xmlns:a16="http://schemas.microsoft.com/office/drawing/2014/main" id="{49AACB4D-EB3D-614F-8C36-FDB8C102D0A7}"/>
+                </a:ext>
+              </a:extLst>
+            </p:cNvPr>
+            <p:cNvPicPr>
+              <a:picLocks noChangeAspect="1"/>
+            </p:cNvPicPr>
+            <p:nvPr/>
+          </p:nvPicPr>
+          <p:blipFill>
+            <a:blip r:embed="rId3"/>
+            <a:stretch>
+              <a:fillRect/>
+            </a:stretch>
+          </p:blipFill>
+          <p:spPr>
+            <a:xfrm>
+              <a:off x="6198014" y="2341648"/>
+              <a:ext cx="1735666" cy="1735666"/>
+            </a:xfrm>
+            <a:prstGeom prst="rect">
+              <a:avLst/>
+            </a:prstGeom>
+          </p:spPr>
+        </p:pic>
         <p:sp>
           <p:nvSpPr>
-            <p:cNvPr id="53" name="TextBox 52">
-              <a:extLst>
-                <a:ext uri="{FF2B5EF4-FFF2-40B4-BE49-F238E27FC236}">
-                  <a16:creationId xmlns:a16="http://schemas.microsoft.com/office/drawing/2014/main" id="{67B88E61-0E6F-FE45-A7C4-21B924CF7300}"/>
-                </a:ext>
-              </a:extLst>
-            </p:cNvPr>
-            <p:cNvSpPr txBox="1"/>
+            <p:cNvPr id="2" name="원통[C] 1">
+              <a:extLst>
+                <a:ext uri="{FF2B5EF4-FFF2-40B4-BE49-F238E27FC236}">
+                  <a16:creationId xmlns:a16="http://schemas.microsoft.com/office/drawing/2014/main" id="{E6AC57F2-E80D-E549-A67C-AD2DBAD4EA98}"/>
+                </a:ext>
+              </a:extLst>
+            </p:cNvPr>
+            <p:cNvSpPr/>
             <p:nvPr/>
           </p:nvSpPr>
           <p:spPr>
-            <a:xfrm>
-              <a:off x="2729572" y="4641422"/>
-              <a:ext cx="1865946" cy="338554"/>
-            </a:xfrm>
-            <a:prstGeom prst="rect">
+            <a:xfrm rot="16200000">
+              <a:off x="4175907" y="1356784"/>
+              <a:ext cx="457200" cy="2163233"/>
+            </a:xfrm>
+            <a:prstGeom prst="can">
               <a:avLst/>
             </a:prstGeom>
             <a:solidFill>
-              <a:schemeClr val="accent5">
-                <a:lumMod val="20000"/>
-                <a:lumOff val="80000"/>
+              <a:schemeClr val="tx1">
+                <a:lumMod val="65000"/>
+                <a:lumOff val="35000"/>
               </a:schemeClr>
             </a:solidFill>
-          </p:spPr>
+            <a:ln>
+              <a:noFill/>
+            </a:ln>
+          </p:spPr>
+          <p:style>
+            <a:lnRef idx="2">
+              <a:schemeClr val="accent1">
+                <a:shade val="50000"/>
+              </a:schemeClr>
+            </a:lnRef>
+            <a:fillRef idx="1">
+              <a:schemeClr val="accent1"/>
+            </a:fillRef>
+            <a:effectRef idx="0">
+              <a:schemeClr val="accent1"/>
+            </a:effectRef>
+            <a:fontRef idx="minor">
+              <a:schemeClr val="lt1"/>
+            </a:fontRef>
+          </p:style>
           <p:txBody>
-            <a:bodyPr wrap="square" rtlCol="0">
-              <a:spAutoFit/>
-            </a:bodyPr>
+            <a:bodyPr vert="eaVert" rtlCol="0" anchor="ctr"/>
             <a:lstStyle/>
             <a:p>
               <a:pPr algn="ctr"/>
               <a:r>
-                <a:rPr kumimoji="1" lang="en-US" altLang="ko-KR" sz="1600" dirty="0"/>
-                <a:t>TCP </a:t>
-              </a:r>
-              <a:r>
-                <a:rPr kumimoji="1" lang="ko-KR" altLang="en-US" sz="1600" dirty="0"/>
-                <a:t>연결</a:t>
-              </a:r>
-            </a:p>
-          </p:txBody>
-        </p:sp>
-        <p:sp>
-          <p:nvSpPr>
-            <p:cNvPr id="47" name="TextBox 46">
-              <a:extLst>
-                <a:ext uri="{FF2B5EF4-FFF2-40B4-BE49-F238E27FC236}">
-                  <a16:creationId xmlns:a16="http://schemas.microsoft.com/office/drawing/2014/main" id="{E3A6F8C9-4D4C-314F-89F0-9D7A3E205AA3}"/>
-                </a:ext>
-              </a:extLst>
-            </p:cNvPr>
-            <p:cNvSpPr txBox="1"/>
-            <p:nvPr/>
-          </p:nvSpPr>
-          <p:spPr>
-            <a:xfrm>
-              <a:off x="2729572" y="2845724"/>
-              <a:ext cx="1865946" cy="338554"/>
-            </a:xfrm>
-            <a:prstGeom prst="rect">
-              <a:avLst/>
-            </a:prstGeom>
-            <a:solidFill>
-              <a:schemeClr val="accent5">
-                <a:lumMod val="20000"/>
-                <a:lumOff val="80000"/>
-              </a:schemeClr>
-            </a:solidFill>
-          </p:spPr>
-          <p:txBody>
-            <a:bodyPr wrap="square" rtlCol="0">
-              <a:spAutoFit/>
-            </a:bodyPr>
-            <a:lstStyle/>
-            <a:p>
-              <a:pPr algn="ctr"/>
-              <a:r>
-                <a:rPr kumimoji="1" lang="en-US" altLang="ko-KR" sz="1600" dirty="0"/>
-                <a:t>TCP </a:t>
-              </a:r>
-              <a:r>
-                <a:rPr kumimoji="1" lang="ko-KR" altLang="en-US" sz="1600" dirty="0"/>
-                <a:t>연결</a:t>
-              </a:r>
-            </a:p>
-          </p:txBody>
-        </p:sp>
-        <p:sp>
-          <p:nvSpPr>
-            <p:cNvPr id="10" name="TextBox 9">
-              <a:extLst>
-                <a:ext uri="{FF2B5EF4-FFF2-40B4-BE49-F238E27FC236}">
-                  <a16:creationId xmlns:a16="http://schemas.microsoft.com/office/drawing/2014/main" id="{5602CD05-5512-EA45-A893-CFB3DFC26675}"/>
-                </a:ext>
-              </a:extLst>
-            </p:cNvPr>
-            <p:cNvSpPr txBox="1"/>
-            <p:nvPr/>
-          </p:nvSpPr>
-          <p:spPr>
-            <a:xfrm>
-              <a:off x="2729572" y="1050026"/>
-              <a:ext cx="1865946" cy="338554"/>
-            </a:xfrm>
-            <a:prstGeom prst="rect">
-              <a:avLst/>
-            </a:prstGeom>
-            <a:solidFill>
-              <a:schemeClr val="accent5">
-                <a:lumMod val="20000"/>
-                <a:lumOff val="80000"/>
-              </a:schemeClr>
-            </a:solidFill>
-          </p:spPr>
-          <p:txBody>
-            <a:bodyPr wrap="square" rtlCol="0">
-              <a:spAutoFit/>
-            </a:bodyPr>
-            <a:lstStyle/>
-            <a:p>
-              <a:pPr algn="ctr"/>
-              <a:r>
-                <a:rPr kumimoji="1" lang="en-US" altLang="ko-KR" sz="1600" dirty="0"/>
-                <a:t>TCP </a:t>
-              </a:r>
-              <a:r>
-                <a:rPr kumimoji="1" lang="ko-KR" altLang="en-US" sz="1600" dirty="0"/>
-                <a:t>연결</a:t>
+                <a:rPr kumimoji="1" lang="ko-KR" altLang="en-US" dirty="0"/>
+                <a:t>커넥션</a:t>
               </a:r>
             </a:p>
           </p:txBody>
@@ -6959,25 +9805,158 @@
             <p:cNvPr id="5" name="직선 연결선[R] 4">
               <a:extLst>
                 <a:ext uri="{FF2B5EF4-FFF2-40B4-BE49-F238E27FC236}">
-                  <a16:creationId xmlns:a16="http://schemas.microsoft.com/office/drawing/2014/main" id="{C7B8184F-9E09-4A44-B928-5443C553A934}"/>
-                </a:ext>
-              </a:extLst>
-            </p:cNvPr>
-            <p:cNvCxnSpPr/>
+                  <a16:creationId xmlns:a16="http://schemas.microsoft.com/office/drawing/2014/main" id="{4ACB1772-F79B-FC40-8998-0A04F85D406C}"/>
+                </a:ext>
+              </a:extLst>
+            </p:cNvPr>
+            <p:cNvCxnSpPr>
+              <a:cxnSpLocks/>
+            </p:cNvCxnSpPr>
             <p:nvPr/>
           </p:nvCxnSpPr>
           <p:spPr>
             <a:xfrm>
-              <a:off x="2706624" y="933611"/>
-              <a:ext cx="0" cy="5686645"/>
+              <a:off x="3098088" y="2342150"/>
+              <a:ext cx="329478" cy="1"/>
             </a:xfrm>
             <a:prstGeom prst="line">
               <a:avLst/>
             </a:prstGeom>
-            <a:ln w="50800">
+            <a:ln w="76200">
               <a:solidFill>
                 <a:schemeClr val="tx1"/>
               </a:solidFill>
+            </a:ln>
+          </p:spPr>
+          <p:style>
+            <a:lnRef idx="1">
+              <a:schemeClr val="accent1"/>
+            </a:lnRef>
+            <a:fillRef idx="0">
+              <a:schemeClr val="accent1"/>
+            </a:fillRef>
+            <a:effectRef idx="0">
+              <a:schemeClr val="accent1"/>
+            </a:effectRef>
+            <a:fontRef idx="minor">
+              <a:schemeClr val="tx1"/>
+            </a:fontRef>
+          </p:style>
+        </p:cxnSp>
+        <p:cxnSp>
+          <p:nvCxnSpPr>
+            <p:cNvPr id="22" name="직선 연결선[R] 21">
+              <a:extLst>
+                <a:ext uri="{FF2B5EF4-FFF2-40B4-BE49-F238E27FC236}">
+                  <a16:creationId xmlns:a16="http://schemas.microsoft.com/office/drawing/2014/main" id="{88F3B40C-FE0F-134D-9904-5DD212718F99}"/>
+                </a:ext>
+              </a:extLst>
+            </p:cNvPr>
+            <p:cNvCxnSpPr>
+              <a:cxnSpLocks/>
+            </p:cNvCxnSpPr>
+            <p:nvPr/>
+          </p:nvCxnSpPr>
+          <p:spPr>
+            <a:xfrm>
+              <a:off x="5463546" y="2563328"/>
+              <a:ext cx="329478" cy="0"/>
+            </a:xfrm>
+            <a:prstGeom prst="line">
+              <a:avLst/>
+            </a:prstGeom>
+            <a:ln w="76200">
+              <a:solidFill>
+                <a:schemeClr val="tx1"/>
+              </a:solidFill>
+            </a:ln>
+          </p:spPr>
+          <p:style>
+            <a:lnRef idx="1">
+              <a:schemeClr val="accent1"/>
+            </a:lnRef>
+            <a:fillRef idx="0">
+              <a:schemeClr val="accent1"/>
+            </a:fillRef>
+            <a:effectRef idx="0">
+              <a:schemeClr val="accent1"/>
+            </a:effectRef>
+            <a:fontRef idx="minor">
+              <a:schemeClr val="tx1"/>
+            </a:fontRef>
+          </p:style>
+        </p:cxnSp>
+        <p:cxnSp>
+          <p:nvCxnSpPr>
+            <p:cNvPr id="24" name="직선 연결선[R] 23">
+              <a:extLst>
+                <a:ext uri="{FF2B5EF4-FFF2-40B4-BE49-F238E27FC236}">
+                  <a16:creationId xmlns:a16="http://schemas.microsoft.com/office/drawing/2014/main" id="{844C5395-425D-5B41-94B3-422D25B9FB52}"/>
+                </a:ext>
+              </a:extLst>
+            </p:cNvPr>
+            <p:cNvCxnSpPr>
+              <a:cxnSpLocks/>
+            </p:cNvCxnSpPr>
+            <p:nvPr/>
+          </p:nvCxnSpPr>
+          <p:spPr>
+            <a:xfrm>
+              <a:off x="3098088" y="2563328"/>
+              <a:ext cx="329478" cy="0"/>
+            </a:xfrm>
+            <a:prstGeom prst="line">
+              <a:avLst/>
+            </a:prstGeom>
+            <a:ln w="76200">
+              <a:solidFill>
+                <a:schemeClr val="tx1"/>
+              </a:solidFill>
+              <a:headEnd type="triangle"/>
+            </a:ln>
+          </p:spPr>
+          <p:style>
+            <a:lnRef idx="1">
+              <a:schemeClr val="accent1"/>
+            </a:lnRef>
+            <a:fillRef idx="0">
+              <a:schemeClr val="accent1"/>
+            </a:fillRef>
+            <a:effectRef idx="0">
+              <a:schemeClr val="accent1"/>
+            </a:effectRef>
+            <a:fontRef idx="minor">
+              <a:schemeClr val="tx1"/>
+            </a:fontRef>
+          </p:style>
+        </p:cxnSp>
+        <p:cxnSp>
+          <p:nvCxnSpPr>
+            <p:cNvPr id="25" name="직선 연결선[R] 24">
+              <a:extLst>
+                <a:ext uri="{FF2B5EF4-FFF2-40B4-BE49-F238E27FC236}">
+                  <a16:creationId xmlns:a16="http://schemas.microsoft.com/office/drawing/2014/main" id="{0EDEC213-55BC-8548-9788-8526B6377A85}"/>
+                </a:ext>
+              </a:extLst>
+            </p:cNvPr>
+            <p:cNvCxnSpPr>
+              <a:cxnSpLocks/>
+            </p:cNvCxnSpPr>
+            <p:nvPr/>
+          </p:nvCxnSpPr>
+          <p:spPr>
+            <a:xfrm>
+              <a:off x="5473171" y="2341648"/>
+              <a:ext cx="329478" cy="1"/>
+            </a:xfrm>
+            <a:prstGeom prst="line">
+              <a:avLst/>
+            </a:prstGeom>
+            <a:ln w="76200">
+              <a:solidFill>
+                <a:schemeClr val="tx1"/>
+              </a:solidFill>
+              <a:tailEnd type="triangle"/>
             </a:ln>
           </p:spPr>
           <p:style>
@@ -6997,64 +9976,219 @@
         </p:cxnSp>
         <p:sp>
           <p:nvSpPr>
-            <p:cNvPr id="6" name="TextBox 5">
-              <a:extLst>
-                <a:ext uri="{FF2B5EF4-FFF2-40B4-BE49-F238E27FC236}">
-                  <a16:creationId xmlns:a16="http://schemas.microsoft.com/office/drawing/2014/main" id="{DAA0D060-6BBE-C143-9C6D-D1CC3A0981DD}"/>
-                </a:ext>
-              </a:extLst>
-            </p:cNvPr>
-            <p:cNvSpPr txBox="1"/>
+            <p:cNvPr id="26" name="원통[C] 25">
+              <a:extLst>
+                <a:ext uri="{FF2B5EF4-FFF2-40B4-BE49-F238E27FC236}">
+                  <a16:creationId xmlns:a16="http://schemas.microsoft.com/office/drawing/2014/main" id="{9A4A0D9B-1A17-D54B-9653-EF42261F53E3}"/>
+                </a:ext>
+              </a:extLst>
+            </p:cNvPr>
+            <p:cNvSpPr/>
             <p:nvPr/>
           </p:nvSpPr>
           <p:spPr>
-            <a:xfrm>
-              <a:off x="2216745" y="471946"/>
-              <a:ext cx="979755" cy="461665"/>
-            </a:xfrm>
-            <a:prstGeom prst="rect">
-              <a:avLst/>
-            </a:prstGeom>
-            <a:noFill/>
-          </p:spPr>
+            <a:xfrm rot="16200000">
+              <a:off x="4166282" y="2736850"/>
+              <a:ext cx="457200" cy="2163233"/>
+            </a:xfrm>
+            <a:prstGeom prst="can">
+              <a:avLst/>
+            </a:prstGeom>
+            <a:solidFill>
+              <a:schemeClr val="tx1">
+                <a:lumMod val="65000"/>
+                <a:lumOff val="35000"/>
+              </a:schemeClr>
+            </a:solidFill>
+            <a:ln>
+              <a:noFill/>
+            </a:ln>
+          </p:spPr>
+          <p:style>
+            <a:lnRef idx="2">
+              <a:schemeClr val="accent1">
+                <a:shade val="50000"/>
+              </a:schemeClr>
+            </a:lnRef>
+            <a:fillRef idx="1">
+              <a:schemeClr val="accent1"/>
+            </a:fillRef>
+            <a:effectRef idx="0">
+              <a:schemeClr val="accent1"/>
+            </a:effectRef>
+            <a:fontRef idx="minor">
+              <a:schemeClr val="lt1"/>
+            </a:fontRef>
+          </p:style>
           <p:txBody>
-            <a:bodyPr wrap="none" rtlCol="0">
-              <a:spAutoFit/>
-            </a:bodyPr>
+            <a:bodyPr vert="eaVert" rtlCol="0" anchor="ctr"/>
             <a:lstStyle/>
             <a:p>
+              <a:pPr algn="ctr"/>
               <a:r>
-                <a:rPr kumimoji="1" lang="en-US" altLang="ko-KR" sz="2400" dirty="0"/>
-                <a:t>Client</a:t>
+                <a:rPr kumimoji="1" lang="ko-KR" altLang="en-US" dirty="0"/>
+                <a:t>커넥션</a:t>
               </a:r>
-              <a:endParaRPr kumimoji="1" lang="ko-KR" altLang="en-US" sz="2400" dirty="0"/>
             </a:p>
           </p:txBody>
         </p:sp>
         <p:cxnSp>
           <p:nvCxnSpPr>
-            <p:cNvPr id="7" name="직선 연결선[R] 6">
-              <a:extLst>
-                <a:ext uri="{FF2B5EF4-FFF2-40B4-BE49-F238E27FC236}">
-                  <a16:creationId xmlns:a16="http://schemas.microsoft.com/office/drawing/2014/main" id="{E5564040-B92A-D84C-A0B5-40A0418BE269}"/>
-                </a:ext>
-              </a:extLst>
-            </p:cNvPr>
-            <p:cNvCxnSpPr/>
+            <p:cNvPr id="27" name="직선 연결선[R] 26">
+              <a:extLst>
+                <a:ext uri="{FF2B5EF4-FFF2-40B4-BE49-F238E27FC236}">
+                  <a16:creationId xmlns:a16="http://schemas.microsoft.com/office/drawing/2014/main" id="{85F99965-9F27-104D-839D-7ED7D7128678}"/>
+                </a:ext>
+              </a:extLst>
+            </p:cNvPr>
+            <p:cNvCxnSpPr>
+              <a:cxnSpLocks/>
+            </p:cNvCxnSpPr>
             <p:nvPr/>
           </p:nvCxnSpPr>
           <p:spPr>
             <a:xfrm>
-              <a:off x="4620097" y="933611"/>
-              <a:ext cx="0" cy="5686645"/>
+              <a:off x="3088463" y="3722216"/>
+              <a:ext cx="329478" cy="1"/>
             </a:xfrm>
             <a:prstGeom prst="line">
               <a:avLst/>
             </a:prstGeom>
-            <a:ln w="50800">
+            <a:ln w="76200">
               <a:solidFill>
                 <a:schemeClr val="tx1"/>
               </a:solidFill>
+            </a:ln>
+          </p:spPr>
+          <p:style>
+            <a:lnRef idx="1">
+              <a:schemeClr val="accent1"/>
+            </a:lnRef>
+            <a:fillRef idx="0">
+              <a:schemeClr val="accent1"/>
+            </a:fillRef>
+            <a:effectRef idx="0">
+              <a:schemeClr val="accent1"/>
+            </a:effectRef>
+            <a:fontRef idx="minor">
+              <a:schemeClr val="tx1"/>
+            </a:fontRef>
+          </p:style>
+        </p:cxnSp>
+        <p:cxnSp>
+          <p:nvCxnSpPr>
+            <p:cNvPr id="28" name="직선 연결선[R] 27">
+              <a:extLst>
+                <a:ext uri="{FF2B5EF4-FFF2-40B4-BE49-F238E27FC236}">
+                  <a16:creationId xmlns:a16="http://schemas.microsoft.com/office/drawing/2014/main" id="{60E99EEA-A778-5949-B580-C3910C306639}"/>
+                </a:ext>
+              </a:extLst>
+            </p:cNvPr>
+            <p:cNvCxnSpPr>
+              <a:cxnSpLocks/>
+            </p:cNvCxnSpPr>
+            <p:nvPr/>
+          </p:nvCxnSpPr>
+          <p:spPr>
+            <a:xfrm>
+              <a:off x="5453921" y="3943394"/>
+              <a:ext cx="329478" cy="0"/>
+            </a:xfrm>
+            <a:prstGeom prst="line">
+              <a:avLst/>
+            </a:prstGeom>
+            <a:ln w="76200">
+              <a:solidFill>
+                <a:schemeClr val="tx1"/>
+              </a:solidFill>
+            </a:ln>
+          </p:spPr>
+          <p:style>
+            <a:lnRef idx="1">
+              <a:schemeClr val="accent1"/>
+            </a:lnRef>
+            <a:fillRef idx="0">
+              <a:schemeClr val="accent1"/>
+            </a:fillRef>
+            <a:effectRef idx="0">
+              <a:schemeClr val="accent1"/>
+            </a:effectRef>
+            <a:fontRef idx="minor">
+              <a:schemeClr val="tx1"/>
+            </a:fontRef>
+          </p:style>
+        </p:cxnSp>
+        <p:cxnSp>
+          <p:nvCxnSpPr>
+            <p:cNvPr id="30" name="직선 연결선[R] 29">
+              <a:extLst>
+                <a:ext uri="{FF2B5EF4-FFF2-40B4-BE49-F238E27FC236}">
+                  <a16:creationId xmlns:a16="http://schemas.microsoft.com/office/drawing/2014/main" id="{A14F9C9E-CE7D-6648-99CA-035997832A83}"/>
+                </a:ext>
+              </a:extLst>
+            </p:cNvPr>
+            <p:cNvCxnSpPr>
+              <a:cxnSpLocks/>
+            </p:cNvCxnSpPr>
+            <p:nvPr/>
+          </p:nvCxnSpPr>
+          <p:spPr>
+            <a:xfrm>
+              <a:off x="3088463" y="3943394"/>
+              <a:ext cx="329478" cy="0"/>
+            </a:xfrm>
+            <a:prstGeom prst="line">
+              <a:avLst/>
+            </a:prstGeom>
+            <a:ln w="76200">
+              <a:solidFill>
+                <a:schemeClr val="tx1"/>
+              </a:solidFill>
+              <a:headEnd type="triangle"/>
+            </a:ln>
+          </p:spPr>
+          <p:style>
+            <a:lnRef idx="1">
+              <a:schemeClr val="accent1"/>
+            </a:lnRef>
+            <a:fillRef idx="0">
+              <a:schemeClr val="accent1"/>
+            </a:fillRef>
+            <a:effectRef idx="0">
+              <a:schemeClr val="accent1"/>
+            </a:effectRef>
+            <a:fontRef idx="minor">
+              <a:schemeClr val="tx1"/>
+            </a:fontRef>
+          </p:style>
+        </p:cxnSp>
+        <p:cxnSp>
+          <p:nvCxnSpPr>
+            <p:cNvPr id="31" name="직선 연결선[R] 30">
+              <a:extLst>
+                <a:ext uri="{FF2B5EF4-FFF2-40B4-BE49-F238E27FC236}">
+                  <a16:creationId xmlns:a16="http://schemas.microsoft.com/office/drawing/2014/main" id="{77BB5B8D-05AF-D942-9A2E-E8B894178709}"/>
+                </a:ext>
+              </a:extLst>
+            </p:cNvPr>
+            <p:cNvCxnSpPr>
+              <a:cxnSpLocks/>
+            </p:cNvCxnSpPr>
+            <p:nvPr/>
+          </p:nvCxnSpPr>
+          <p:spPr>
+            <a:xfrm>
+              <a:off x="5463546" y="3721714"/>
+              <a:ext cx="329478" cy="1"/>
+            </a:xfrm>
+            <a:prstGeom prst="line">
+              <a:avLst/>
+            </a:prstGeom>
+            <a:ln w="76200">
+              <a:solidFill>
+                <a:schemeClr val="tx1"/>
+              </a:solidFill>
+              <a:tailEnd type="triangle"/>
             </a:ln>
           </p:spPr>
           <p:style>
@@ -7074,10 +10208,467 @@
         </p:cxnSp>
         <p:sp>
           <p:nvSpPr>
-            <p:cNvPr id="8" name="TextBox 7">
-              <a:extLst>
-                <a:ext uri="{FF2B5EF4-FFF2-40B4-BE49-F238E27FC236}">
-                  <a16:creationId xmlns:a16="http://schemas.microsoft.com/office/drawing/2014/main" id="{A2A7CC31-3BDB-F740-926F-DD00009E5AA5}"/>
+            <p:cNvPr id="32" name="원통[C] 31">
+              <a:extLst>
+                <a:ext uri="{FF2B5EF4-FFF2-40B4-BE49-F238E27FC236}">
+                  <a16:creationId xmlns:a16="http://schemas.microsoft.com/office/drawing/2014/main" id="{A388B24A-5069-7547-8709-8400EB772A5A}"/>
+                </a:ext>
+              </a:extLst>
+            </p:cNvPr>
+            <p:cNvSpPr/>
+            <p:nvPr/>
+          </p:nvSpPr>
+          <p:spPr>
+            <a:xfrm rot="16200000">
+              <a:off x="4175907" y="2057969"/>
+              <a:ext cx="457200" cy="2163233"/>
+            </a:xfrm>
+            <a:prstGeom prst="can">
+              <a:avLst/>
+            </a:prstGeom>
+            <a:solidFill>
+              <a:schemeClr val="tx1">
+                <a:lumMod val="65000"/>
+                <a:lumOff val="35000"/>
+              </a:schemeClr>
+            </a:solidFill>
+            <a:ln>
+              <a:noFill/>
+            </a:ln>
+          </p:spPr>
+          <p:style>
+            <a:lnRef idx="2">
+              <a:schemeClr val="accent1">
+                <a:shade val="50000"/>
+              </a:schemeClr>
+            </a:lnRef>
+            <a:fillRef idx="1">
+              <a:schemeClr val="accent1"/>
+            </a:fillRef>
+            <a:effectRef idx="0">
+              <a:schemeClr val="accent1"/>
+            </a:effectRef>
+            <a:fontRef idx="minor">
+              <a:schemeClr val="lt1"/>
+            </a:fontRef>
+          </p:style>
+          <p:txBody>
+            <a:bodyPr vert="eaVert" rtlCol="0" anchor="ctr"/>
+            <a:lstStyle/>
+            <a:p>
+              <a:pPr algn="ctr"/>
+              <a:r>
+                <a:rPr kumimoji="1" lang="ko-KR" altLang="en-US" dirty="0"/>
+                <a:t>커넥션</a:t>
+              </a:r>
+            </a:p>
+          </p:txBody>
+        </p:sp>
+        <p:cxnSp>
+          <p:nvCxnSpPr>
+            <p:cNvPr id="33" name="직선 연결선[R] 32">
+              <a:extLst>
+                <a:ext uri="{FF2B5EF4-FFF2-40B4-BE49-F238E27FC236}">
+                  <a16:creationId xmlns:a16="http://schemas.microsoft.com/office/drawing/2014/main" id="{BC2F6D27-F055-5D46-9928-17F131400FEF}"/>
+                </a:ext>
+              </a:extLst>
+            </p:cNvPr>
+            <p:cNvCxnSpPr>
+              <a:cxnSpLocks/>
+            </p:cNvCxnSpPr>
+            <p:nvPr/>
+          </p:nvCxnSpPr>
+          <p:spPr>
+            <a:xfrm>
+              <a:off x="3098088" y="3043335"/>
+              <a:ext cx="329478" cy="1"/>
+            </a:xfrm>
+            <a:prstGeom prst="line">
+              <a:avLst/>
+            </a:prstGeom>
+            <a:ln w="76200">
+              <a:solidFill>
+                <a:schemeClr val="tx1"/>
+              </a:solidFill>
+            </a:ln>
+          </p:spPr>
+          <p:style>
+            <a:lnRef idx="1">
+              <a:schemeClr val="accent1"/>
+            </a:lnRef>
+            <a:fillRef idx="0">
+              <a:schemeClr val="accent1"/>
+            </a:fillRef>
+            <a:effectRef idx="0">
+              <a:schemeClr val="accent1"/>
+            </a:effectRef>
+            <a:fontRef idx="minor">
+              <a:schemeClr val="tx1"/>
+            </a:fontRef>
+          </p:style>
+        </p:cxnSp>
+        <p:cxnSp>
+          <p:nvCxnSpPr>
+            <p:cNvPr id="34" name="직선 연결선[R] 33">
+              <a:extLst>
+                <a:ext uri="{FF2B5EF4-FFF2-40B4-BE49-F238E27FC236}">
+                  <a16:creationId xmlns:a16="http://schemas.microsoft.com/office/drawing/2014/main" id="{52919A08-EDBF-5442-A5D0-AA4F1D218D61}"/>
+                </a:ext>
+              </a:extLst>
+            </p:cNvPr>
+            <p:cNvCxnSpPr>
+              <a:cxnSpLocks/>
+            </p:cNvCxnSpPr>
+            <p:nvPr/>
+          </p:nvCxnSpPr>
+          <p:spPr>
+            <a:xfrm>
+              <a:off x="5463546" y="3264513"/>
+              <a:ext cx="329478" cy="0"/>
+            </a:xfrm>
+            <a:prstGeom prst="line">
+              <a:avLst/>
+            </a:prstGeom>
+            <a:ln w="76200">
+              <a:solidFill>
+                <a:schemeClr val="tx1"/>
+              </a:solidFill>
+            </a:ln>
+          </p:spPr>
+          <p:style>
+            <a:lnRef idx="1">
+              <a:schemeClr val="accent1"/>
+            </a:lnRef>
+            <a:fillRef idx="0">
+              <a:schemeClr val="accent1"/>
+            </a:fillRef>
+            <a:effectRef idx="0">
+              <a:schemeClr val="accent1"/>
+            </a:effectRef>
+            <a:fontRef idx="minor">
+              <a:schemeClr val="tx1"/>
+            </a:fontRef>
+          </p:style>
+        </p:cxnSp>
+        <p:cxnSp>
+          <p:nvCxnSpPr>
+            <p:cNvPr id="35" name="직선 연결선[R] 34">
+              <a:extLst>
+                <a:ext uri="{FF2B5EF4-FFF2-40B4-BE49-F238E27FC236}">
+                  <a16:creationId xmlns:a16="http://schemas.microsoft.com/office/drawing/2014/main" id="{FC7CFF3F-9F08-AE48-865A-35B7DEC98967}"/>
+                </a:ext>
+              </a:extLst>
+            </p:cNvPr>
+            <p:cNvCxnSpPr>
+              <a:cxnSpLocks/>
+            </p:cNvCxnSpPr>
+            <p:nvPr/>
+          </p:nvCxnSpPr>
+          <p:spPr>
+            <a:xfrm>
+              <a:off x="3098088" y="3264513"/>
+              <a:ext cx="329478" cy="0"/>
+            </a:xfrm>
+            <a:prstGeom prst="line">
+              <a:avLst/>
+            </a:prstGeom>
+            <a:ln w="76200">
+              <a:solidFill>
+                <a:schemeClr val="tx1"/>
+              </a:solidFill>
+              <a:headEnd type="triangle"/>
+            </a:ln>
+          </p:spPr>
+          <p:style>
+            <a:lnRef idx="1">
+              <a:schemeClr val="accent1"/>
+            </a:lnRef>
+            <a:fillRef idx="0">
+              <a:schemeClr val="accent1"/>
+            </a:fillRef>
+            <a:effectRef idx="0">
+              <a:schemeClr val="accent1"/>
+            </a:effectRef>
+            <a:fontRef idx="minor">
+              <a:schemeClr val="tx1"/>
+            </a:fontRef>
+          </p:style>
+        </p:cxnSp>
+        <p:cxnSp>
+          <p:nvCxnSpPr>
+            <p:cNvPr id="36" name="직선 연결선[R] 35">
+              <a:extLst>
+                <a:ext uri="{FF2B5EF4-FFF2-40B4-BE49-F238E27FC236}">
+                  <a16:creationId xmlns:a16="http://schemas.microsoft.com/office/drawing/2014/main" id="{4A203467-515B-E243-8993-25EE4307675E}"/>
+                </a:ext>
+              </a:extLst>
+            </p:cNvPr>
+            <p:cNvCxnSpPr>
+              <a:cxnSpLocks/>
+            </p:cNvCxnSpPr>
+            <p:nvPr/>
+          </p:nvCxnSpPr>
+          <p:spPr>
+            <a:xfrm>
+              <a:off x="5473171" y="3042833"/>
+              <a:ext cx="329478" cy="1"/>
+            </a:xfrm>
+            <a:prstGeom prst="line">
+              <a:avLst/>
+            </a:prstGeom>
+            <a:ln w="76200">
+              <a:solidFill>
+                <a:schemeClr val="tx1"/>
+              </a:solidFill>
+              <a:tailEnd type="triangle"/>
+            </a:ln>
+          </p:spPr>
+          <p:style>
+            <a:lnRef idx="1">
+              <a:schemeClr val="accent1"/>
+            </a:lnRef>
+            <a:fillRef idx="0">
+              <a:schemeClr val="accent1"/>
+            </a:fillRef>
+            <a:effectRef idx="0">
+              <a:schemeClr val="accent1"/>
+            </a:effectRef>
+            <a:fontRef idx="minor">
+              <a:schemeClr val="tx1"/>
+            </a:fontRef>
+          </p:style>
+        </p:cxnSp>
+      </p:grpSp>
+    </p:spTree>
+    <p:extLst>
+      <p:ext uri="{BB962C8B-B14F-4D97-AF65-F5344CB8AC3E}">
+        <p14:creationId xmlns:p14="http://schemas.microsoft.com/office/powerpoint/2010/main" val="3959218172"/>
+      </p:ext>
+    </p:extLst>
+  </p:cSld>
+  <p:clrMapOvr>
+    <a:masterClrMapping/>
+  </p:clrMapOvr>
+</p:sld>
+</file>
+
+<file path=ppt/slides/slide7.xml><?xml version="1.0" encoding="utf-8"?>
+<p:sld xmlns:a="http://schemas.openxmlformats.org/drawingml/2006/main" xmlns:r="http://schemas.openxmlformats.org/officeDocument/2006/relationships" xmlns:p="http://schemas.openxmlformats.org/presentationml/2006/main">
+  <p:cSld>
+    <p:spTree>
+      <p:nvGrpSpPr>
+        <p:cNvPr id="1" name=""/>
+        <p:cNvGrpSpPr/>
+        <p:nvPr/>
+      </p:nvGrpSpPr>
+      <p:grpSpPr>
+        <a:xfrm>
+          <a:off x="0" y="0"/>
+          <a:ext cx="0" cy="0"/>
+          <a:chOff x="0" y="0"/>
+          <a:chExt cx="0" cy="0"/>
+        </a:xfrm>
+      </p:grpSpPr>
+      <p:grpSp>
+        <p:nvGrpSpPr>
+          <p:cNvPr id="10" name="그룹 9">
+            <a:extLst>
+              <a:ext uri="{FF2B5EF4-FFF2-40B4-BE49-F238E27FC236}">
+                <a16:creationId xmlns:a16="http://schemas.microsoft.com/office/drawing/2014/main" id="{8BF87E4E-5CD6-4F44-BEFC-13452898F379}"/>
+              </a:ext>
+            </a:extLst>
+          </p:cNvPr>
+          <p:cNvGrpSpPr/>
+          <p:nvPr/>
+        </p:nvGrpSpPr>
+        <p:grpSpPr>
+          <a:xfrm>
+            <a:off x="906185" y="2201333"/>
+            <a:ext cx="7027495" cy="3783549"/>
+            <a:chOff x="906185" y="2201333"/>
+            <a:chExt cx="7027495" cy="3783549"/>
+          </a:xfrm>
+        </p:grpSpPr>
+        <p:pic>
+          <p:nvPicPr>
+            <p:cNvPr id="3" name="그림 2">
+              <a:extLst>
+                <a:ext uri="{FF2B5EF4-FFF2-40B4-BE49-F238E27FC236}">
+                  <a16:creationId xmlns:a16="http://schemas.microsoft.com/office/drawing/2014/main" id="{D39F49DD-AB6F-C444-A483-576E5D66E50F}"/>
+                </a:ext>
+              </a:extLst>
+            </p:cNvPr>
+            <p:cNvPicPr>
+              <a:picLocks noChangeAspect="1"/>
+            </p:cNvPicPr>
+            <p:nvPr/>
+          </p:nvPicPr>
+          <p:blipFill>
+            <a:blip r:embed="rId2"/>
+            <a:stretch>
+              <a:fillRect/>
+            </a:stretch>
+          </p:blipFill>
+          <p:spPr>
+            <a:xfrm>
+              <a:off x="906185" y="2201333"/>
+              <a:ext cx="1955800" cy="1955800"/>
+            </a:xfrm>
+            <a:prstGeom prst="rect">
+              <a:avLst/>
+            </a:prstGeom>
+          </p:spPr>
+        </p:pic>
+        <p:pic>
+          <p:nvPicPr>
+            <p:cNvPr id="8" name="그림 7">
+              <a:extLst>
+                <a:ext uri="{FF2B5EF4-FFF2-40B4-BE49-F238E27FC236}">
+                  <a16:creationId xmlns:a16="http://schemas.microsoft.com/office/drawing/2014/main" id="{266AC016-8DF5-A54A-ABD8-FF7A79C2A524}"/>
+                </a:ext>
+              </a:extLst>
+            </p:cNvPr>
+            <p:cNvPicPr>
+              <a:picLocks noChangeAspect="1"/>
+            </p:cNvPicPr>
+            <p:nvPr/>
+          </p:nvPicPr>
+          <p:blipFill>
+            <a:blip r:embed="rId3"/>
+            <a:stretch>
+              <a:fillRect/>
+            </a:stretch>
+          </p:blipFill>
+          <p:spPr>
+            <a:xfrm>
+              <a:off x="5537614" y="2341648"/>
+              <a:ext cx="1735666" cy="1735666"/>
+            </a:xfrm>
+            <a:prstGeom prst="rect">
+              <a:avLst/>
+            </a:prstGeom>
+          </p:spPr>
+        </p:pic>
+        <p:pic>
+          <p:nvPicPr>
+            <p:cNvPr id="29" name="그림 28">
+              <a:extLst>
+                <a:ext uri="{FF2B5EF4-FFF2-40B4-BE49-F238E27FC236}">
+                  <a16:creationId xmlns:a16="http://schemas.microsoft.com/office/drawing/2014/main" id="{49AACB4D-EB3D-614F-8C36-FDB8C102D0A7}"/>
+                </a:ext>
+              </a:extLst>
+            </p:cNvPr>
+            <p:cNvPicPr>
+              <a:picLocks noChangeAspect="1"/>
+            </p:cNvPicPr>
+            <p:nvPr/>
+          </p:nvPicPr>
+          <p:blipFill>
+            <a:blip r:embed="rId3"/>
+            <a:stretch>
+              <a:fillRect/>
+            </a:stretch>
+          </p:blipFill>
+          <p:spPr>
+            <a:xfrm>
+              <a:off x="6198014" y="2341648"/>
+              <a:ext cx="1735666" cy="1735666"/>
+            </a:xfrm>
+            <a:prstGeom prst="rect">
+              <a:avLst/>
+            </a:prstGeom>
+          </p:spPr>
+        </p:pic>
+        <p:cxnSp>
+          <p:nvCxnSpPr>
+            <p:cNvPr id="6" name="직선 화살표 연결선 5">
+              <a:extLst>
+                <a:ext uri="{FF2B5EF4-FFF2-40B4-BE49-F238E27FC236}">
+                  <a16:creationId xmlns:a16="http://schemas.microsoft.com/office/drawing/2014/main" id="{C3BC509F-6F09-844A-BC36-98643485B277}"/>
+                </a:ext>
+              </a:extLst>
+            </p:cNvPr>
+            <p:cNvCxnSpPr/>
+            <p:nvPr/>
+          </p:nvCxnSpPr>
+          <p:spPr>
+            <a:xfrm>
+              <a:off x="3176337" y="3041584"/>
+              <a:ext cx="2541069" cy="0"/>
+            </a:xfrm>
+            <a:prstGeom prst="straightConnector1">
+              <a:avLst/>
+            </a:prstGeom>
+            <a:ln w="76200">
+              <a:solidFill>
+                <a:schemeClr val="tx1"/>
+              </a:solidFill>
+              <a:tailEnd type="triangle"/>
+            </a:ln>
+          </p:spPr>
+          <p:style>
+            <a:lnRef idx="1">
+              <a:schemeClr val="accent1"/>
+            </a:lnRef>
+            <a:fillRef idx="0">
+              <a:schemeClr val="accent1"/>
+            </a:fillRef>
+            <a:effectRef idx="0">
+              <a:schemeClr val="accent1"/>
+            </a:effectRef>
+            <a:fontRef idx="minor">
+              <a:schemeClr val="tx1"/>
+            </a:fontRef>
+          </p:style>
+        </p:cxnSp>
+        <p:cxnSp>
+          <p:nvCxnSpPr>
+            <p:cNvPr id="23" name="직선 화살표 연결선 22">
+              <a:extLst>
+                <a:ext uri="{FF2B5EF4-FFF2-40B4-BE49-F238E27FC236}">
+                  <a16:creationId xmlns:a16="http://schemas.microsoft.com/office/drawing/2014/main" id="{27635525-DE0E-2E4D-B9FA-EE681F7E0D3D}"/>
+                </a:ext>
+              </a:extLst>
+            </p:cNvPr>
+            <p:cNvCxnSpPr/>
+            <p:nvPr/>
+          </p:nvCxnSpPr>
+          <p:spPr>
+            <a:xfrm>
+              <a:off x="3176337" y="3328738"/>
+              <a:ext cx="2541069" cy="0"/>
+            </a:xfrm>
+            <a:prstGeom prst="straightConnector1">
+              <a:avLst/>
+            </a:prstGeom>
+            <a:ln w="76200">
+              <a:solidFill>
+                <a:schemeClr val="tx1"/>
+              </a:solidFill>
+              <a:tailEnd type="triangle"/>
+            </a:ln>
+          </p:spPr>
+          <p:style>
+            <a:lnRef idx="1">
+              <a:schemeClr val="accent1"/>
+            </a:lnRef>
+            <a:fillRef idx="0">
+              <a:schemeClr val="accent1"/>
+            </a:fillRef>
+            <a:effectRef idx="0">
+              <a:schemeClr val="accent1"/>
+            </a:effectRef>
+            <a:fontRef idx="minor">
+              <a:schemeClr val="tx1"/>
+            </a:fontRef>
+          </p:style>
+        </p:cxnSp>
+        <p:sp>
+          <p:nvSpPr>
+            <p:cNvPr id="47" name="TextBox 46">
+              <a:extLst>
+                <a:ext uri="{FF2B5EF4-FFF2-40B4-BE49-F238E27FC236}">
+                  <a16:creationId xmlns:a16="http://schemas.microsoft.com/office/drawing/2014/main" id="{963049AA-98A2-FE48-A63A-C9CC1B80C5D3}"/>
                 </a:ext>
               </a:extLst>
             </p:cNvPr>
@@ -7086,8 +10677,8 @@
           </p:nvSpPr>
           <p:spPr>
             <a:xfrm>
-              <a:off x="4089213" y="471946"/>
-              <a:ext cx="1061766" cy="461665"/>
+              <a:off x="2192226" y="4230556"/>
+              <a:ext cx="2329484" cy="1754326"/>
             </a:xfrm>
             <a:prstGeom prst="rect">
               <a:avLst/>
@@ -7101,19 +10692,48 @@
             <a:lstStyle/>
             <a:p>
               <a:r>
-                <a:rPr kumimoji="1" lang="en-US" altLang="ko-KR" sz="2400" dirty="0"/>
-                <a:t>Server</a:t>
+                <a:rPr kumimoji="1" lang="en-US" altLang="ko-KR" dirty="0"/>
+                <a:t>Domain/Image1.png</a:t>
               </a:r>
-              <a:endParaRPr kumimoji="1" lang="ko-KR" altLang="en-US" sz="2400" dirty="0"/>
+            </a:p>
+            <a:p>
+              <a:r>
+                <a:rPr kumimoji="1" lang="en-US" altLang="ko-KR" dirty="0"/>
+                <a:t>Domain/Image2.png</a:t>
+              </a:r>
+            </a:p>
+            <a:p>
+              <a:r>
+                <a:rPr kumimoji="1" lang="en-US" altLang="ko-KR" dirty="0"/>
+                <a:t>Domain/Image3.png</a:t>
+              </a:r>
+            </a:p>
+            <a:p>
+              <a:r>
+                <a:rPr kumimoji="1" lang="en-US" altLang="ko-KR" dirty="0"/>
+                <a:t>Domain/Image4.png</a:t>
+              </a:r>
+            </a:p>
+            <a:p>
+              <a:r>
+                <a:rPr kumimoji="1" lang="en-US" altLang="ko-KR" dirty="0"/>
+                <a:t>Domain/Image5.png</a:t>
+              </a:r>
+            </a:p>
+            <a:p>
+              <a:r>
+                <a:rPr kumimoji="1" lang="en-US" altLang="ko-KR" dirty="0"/>
+                <a:t>Domain/Image6.png</a:t>
+              </a:r>
             </a:p>
           </p:txBody>
         </p:sp>
         <p:sp>
           <p:nvSpPr>
-            <p:cNvPr id="39" name="직사각형 38">
-              <a:extLst>
-                <a:ext uri="{FF2B5EF4-FFF2-40B4-BE49-F238E27FC236}">
-                  <a16:creationId xmlns:a16="http://schemas.microsoft.com/office/drawing/2014/main" id="{6E0F2D4F-84E7-574E-A3E8-A2C8F1A20E01}"/>
+            <p:cNvPr id="48" name="직사각형 47">
+              <a:extLst>
+                <a:ext uri="{FF2B5EF4-FFF2-40B4-BE49-F238E27FC236}">
+                  <a16:creationId xmlns:a16="http://schemas.microsoft.com/office/drawing/2014/main" id="{0BAB418C-9A93-DE43-B7B7-CD2DBCF9FA2F}"/>
                 </a:ext>
               </a:extLst>
             </p:cNvPr>
@@ -7122,21 +10742,12 @@
           </p:nvSpPr>
           <p:spPr>
             <a:xfrm>
-              <a:off x="4653729" y="1653585"/>
-              <a:ext cx="1844642" cy="571384"/>
+              <a:off x="4558970" y="4296515"/>
+              <a:ext cx="606222" cy="240323"/>
             </a:xfrm>
             <a:prstGeom prst="rect">
               <a:avLst/>
             </a:prstGeom>
-            <a:solidFill>
-              <a:schemeClr val="accent4">
-                <a:lumMod val="20000"/>
-                <a:lumOff val="80000"/>
-              </a:schemeClr>
-            </a:solidFill>
-            <a:ln>
-              <a:noFill/>
-            </a:ln>
           </p:spPr>
           <p:style>
             <a:lnRef idx="2">
@@ -7159,179 +10770,30 @@
             <a:lstStyle/>
             <a:p>
               <a:pPr algn="ctr"/>
-              <a:r>
-                <a:rPr kumimoji="1" lang="ko-KR" altLang="en-US" dirty="0">
-                  <a:solidFill>
-                    <a:sysClr val="windowText" lastClr="000000"/>
-                  </a:solidFill>
-                </a:rPr>
-                <a:t>응답 결과 생성</a:t>
-              </a:r>
+              <a:endParaRPr kumimoji="1" lang="ko-KR" altLang="en-US"/>
             </a:p>
           </p:txBody>
         </p:sp>
-        <p:cxnSp>
-          <p:nvCxnSpPr>
-            <p:cNvPr id="21" name="직선 화살표 연결선 20">
-              <a:extLst>
-                <a:ext uri="{FF2B5EF4-FFF2-40B4-BE49-F238E27FC236}">
-                  <a16:creationId xmlns:a16="http://schemas.microsoft.com/office/drawing/2014/main" id="{87100696-8372-214D-9EA6-20E2A1C5D67A}"/>
-                </a:ext>
-              </a:extLst>
-            </p:cNvPr>
-            <p:cNvCxnSpPr>
-              <a:cxnSpLocks/>
-            </p:cNvCxnSpPr>
-            <p:nvPr/>
-          </p:nvCxnSpPr>
-          <p:spPr>
-            <a:xfrm>
-              <a:off x="2719741" y="1412173"/>
-              <a:ext cx="1887239" cy="241412"/>
-            </a:xfrm>
-            <a:prstGeom prst="straightConnector1">
-              <a:avLst/>
-            </a:prstGeom>
-            <a:ln w="50800">
-              <a:solidFill>
-                <a:schemeClr val="tx1"/>
-              </a:solidFill>
-              <a:tailEnd type="triangle"/>
-            </a:ln>
-          </p:spPr>
-          <p:style>
-            <a:lnRef idx="1">
-              <a:schemeClr val="accent1"/>
-            </a:lnRef>
-            <a:fillRef idx="0">
-              <a:schemeClr val="accent1"/>
-            </a:fillRef>
-            <a:effectRef idx="0">
-              <a:schemeClr val="accent1"/>
-            </a:effectRef>
-            <a:fontRef idx="minor">
-              <a:schemeClr val="tx1"/>
-            </a:fontRef>
-          </p:style>
-        </p:cxnSp>
         <p:sp>
           <p:nvSpPr>
-            <p:cNvPr id="45" name="TextBox 44">
-              <a:extLst>
-                <a:ext uri="{FF2B5EF4-FFF2-40B4-BE49-F238E27FC236}">
-                  <a16:creationId xmlns:a16="http://schemas.microsoft.com/office/drawing/2014/main" id="{9DE764F1-438F-FC45-874A-1A88DB032649}"/>
-                </a:ext>
-              </a:extLst>
-            </p:cNvPr>
-            <p:cNvSpPr txBox="1"/>
+            <p:cNvPr id="49" name="직사각형 48">
+              <a:extLst>
+                <a:ext uri="{FF2B5EF4-FFF2-40B4-BE49-F238E27FC236}">
+                  <a16:creationId xmlns:a16="http://schemas.microsoft.com/office/drawing/2014/main" id="{390D0DE5-2911-F34F-99E1-E5F00DF01574}"/>
+                </a:ext>
+              </a:extLst>
+            </p:cNvPr>
+            <p:cNvSpPr/>
             <p:nvPr/>
           </p:nvSpPr>
           <p:spPr>
             <a:xfrm>
-              <a:off x="2735953" y="2507170"/>
-              <a:ext cx="1859565" cy="338554"/>
+              <a:off x="4558970" y="4572007"/>
+              <a:ext cx="606222" cy="240323"/>
             </a:xfrm>
             <a:prstGeom prst="rect">
               <a:avLst/>
             </a:prstGeom>
-            <a:solidFill>
-              <a:schemeClr val="accent6">
-                <a:lumMod val="20000"/>
-                <a:lumOff val="80000"/>
-              </a:schemeClr>
-            </a:solidFill>
-          </p:spPr>
-          <p:txBody>
-            <a:bodyPr wrap="square" rtlCol="0">
-              <a:spAutoFit/>
-            </a:bodyPr>
-            <a:lstStyle/>
-            <a:p>
-              <a:pPr algn="ctr"/>
-              <a:r>
-                <a:rPr kumimoji="1" lang="en-US" altLang="ko-KR" sz="1600" dirty="0"/>
-                <a:t>TCP</a:t>
-              </a:r>
-              <a:r>
-                <a:rPr kumimoji="1" lang="ko-KR" altLang="en-US" sz="1600" dirty="0"/>
-                <a:t> 연결 해제</a:t>
-              </a:r>
-            </a:p>
-          </p:txBody>
-        </p:sp>
-        <p:cxnSp>
-          <p:nvCxnSpPr>
-            <p:cNvPr id="42" name="직선 화살표 연결선 41">
-              <a:extLst>
-                <a:ext uri="{FF2B5EF4-FFF2-40B4-BE49-F238E27FC236}">
-                  <a16:creationId xmlns:a16="http://schemas.microsoft.com/office/drawing/2014/main" id="{A1043DAE-4102-9342-B405-C576A2C030CE}"/>
-                </a:ext>
-              </a:extLst>
-            </p:cNvPr>
-            <p:cNvCxnSpPr>
-              <a:cxnSpLocks/>
-            </p:cNvCxnSpPr>
-            <p:nvPr/>
-          </p:nvCxnSpPr>
-          <p:spPr>
-            <a:xfrm flipH="1">
-              <a:off x="2729572" y="2224969"/>
-              <a:ext cx="1887239" cy="266649"/>
-            </a:xfrm>
-            <a:prstGeom prst="straightConnector1">
-              <a:avLst/>
-            </a:prstGeom>
-            <a:ln w="50800">
-              <a:solidFill>
-                <a:schemeClr val="tx1"/>
-              </a:solidFill>
-              <a:tailEnd type="triangle"/>
-            </a:ln>
-          </p:spPr>
-          <p:style>
-            <a:lnRef idx="1">
-              <a:schemeClr val="accent1"/>
-            </a:lnRef>
-            <a:fillRef idx="0">
-              <a:schemeClr val="accent1"/>
-            </a:fillRef>
-            <a:effectRef idx="0">
-              <a:schemeClr val="accent1"/>
-            </a:effectRef>
-            <a:fontRef idx="minor">
-              <a:schemeClr val="tx1"/>
-            </a:fontRef>
-          </p:style>
-        </p:cxnSp>
-        <p:sp>
-          <p:nvSpPr>
-            <p:cNvPr id="48" name="직사각형 47">
-              <a:extLst>
-                <a:ext uri="{FF2B5EF4-FFF2-40B4-BE49-F238E27FC236}">
-                  <a16:creationId xmlns:a16="http://schemas.microsoft.com/office/drawing/2014/main" id="{7B570EAA-F242-DF48-B02C-90747A696EE7}"/>
-                </a:ext>
-              </a:extLst>
-            </p:cNvPr>
-            <p:cNvSpPr/>
-            <p:nvPr/>
-          </p:nvSpPr>
-          <p:spPr>
-            <a:xfrm>
-              <a:off x="4653729" y="3449283"/>
-              <a:ext cx="1844642" cy="571384"/>
-            </a:xfrm>
-            <a:prstGeom prst="rect">
-              <a:avLst/>
-            </a:prstGeom>
-            <a:solidFill>
-              <a:schemeClr val="accent3">
-                <a:lumMod val="20000"/>
-                <a:lumOff val="80000"/>
-              </a:schemeClr>
-            </a:solidFill>
-            <a:ln>
-              <a:noFill/>
-            </a:ln>
           </p:spPr>
           <p:style>
             <a:lnRef idx="2">
@@ -7354,179 +10816,30 @@
             <a:lstStyle/>
             <a:p>
               <a:pPr algn="ctr"/>
-              <a:r>
-                <a:rPr kumimoji="1" lang="ko-KR" altLang="en-US" dirty="0">
-                  <a:solidFill>
-                    <a:sysClr val="windowText" lastClr="000000"/>
-                  </a:solidFill>
-                </a:rPr>
-                <a:t>응답 결과 생성</a:t>
-              </a:r>
+              <a:endParaRPr kumimoji="1" lang="ko-KR" altLang="en-US"/>
             </a:p>
           </p:txBody>
         </p:sp>
-        <p:cxnSp>
-          <p:nvCxnSpPr>
-            <p:cNvPr id="49" name="직선 화살표 연결선 48">
-              <a:extLst>
-                <a:ext uri="{FF2B5EF4-FFF2-40B4-BE49-F238E27FC236}">
-                  <a16:creationId xmlns:a16="http://schemas.microsoft.com/office/drawing/2014/main" id="{3ADBA461-D1A8-4541-BFBF-4DA22F8D8F76}"/>
-                </a:ext>
-              </a:extLst>
-            </p:cNvPr>
-            <p:cNvCxnSpPr>
-              <a:cxnSpLocks/>
-            </p:cNvCxnSpPr>
-            <p:nvPr/>
-          </p:nvCxnSpPr>
-          <p:spPr>
-            <a:xfrm>
-              <a:off x="2719741" y="3207871"/>
-              <a:ext cx="1887239" cy="241412"/>
-            </a:xfrm>
-            <a:prstGeom prst="straightConnector1">
-              <a:avLst/>
-            </a:prstGeom>
-            <a:ln w="50800">
-              <a:solidFill>
-                <a:schemeClr val="tx1"/>
-              </a:solidFill>
-              <a:tailEnd type="triangle"/>
-            </a:ln>
-          </p:spPr>
-          <p:style>
-            <a:lnRef idx="1">
-              <a:schemeClr val="accent1"/>
-            </a:lnRef>
-            <a:fillRef idx="0">
-              <a:schemeClr val="accent1"/>
-            </a:fillRef>
-            <a:effectRef idx="0">
-              <a:schemeClr val="accent1"/>
-            </a:effectRef>
-            <a:fontRef idx="minor">
-              <a:schemeClr val="tx1"/>
-            </a:fontRef>
-          </p:style>
-        </p:cxnSp>
         <p:sp>
           <p:nvSpPr>
-            <p:cNvPr id="50" name="TextBox 49">
-              <a:extLst>
-                <a:ext uri="{FF2B5EF4-FFF2-40B4-BE49-F238E27FC236}">
-                  <a16:creationId xmlns:a16="http://schemas.microsoft.com/office/drawing/2014/main" id="{761C798B-E95C-354D-952F-5C3EDEB9EBEC}"/>
-                </a:ext>
-              </a:extLst>
-            </p:cNvPr>
-            <p:cNvSpPr txBox="1"/>
+            <p:cNvPr id="50" name="직사각형 49">
+              <a:extLst>
+                <a:ext uri="{FF2B5EF4-FFF2-40B4-BE49-F238E27FC236}">
+                  <a16:creationId xmlns:a16="http://schemas.microsoft.com/office/drawing/2014/main" id="{C779A27F-430F-C94D-948C-5F3C23BBC120}"/>
+                </a:ext>
+              </a:extLst>
+            </p:cNvPr>
+            <p:cNvSpPr/>
             <p:nvPr/>
           </p:nvSpPr>
           <p:spPr>
             <a:xfrm>
-              <a:off x="2735953" y="4302868"/>
-              <a:ext cx="1859565" cy="338554"/>
+              <a:off x="5165192" y="4847499"/>
+              <a:ext cx="606222" cy="240323"/>
             </a:xfrm>
             <a:prstGeom prst="rect">
               <a:avLst/>
             </a:prstGeom>
-            <a:solidFill>
-              <a:schemeClr val="accent6">
-                <a:lumMod val="20000"/>
-                <a:lumOff val="80000"/>
-              </a:schemeClr>
-            </a:solidFill>
-          </p:spPr>
-          <p:txBody>
-            <a:bodyPr wrap="square" rtlCol="0">
-              <a:spAutoFit/>
-            </a:bodyPr>
-            <a:lstStyle/>
-            <a:p>
-              <a:pPr algn="ctr"/>
-              <a:r>
-                <a:rPr kumimoji="1" lang="en-US" altLang="ko-KR" sz="1600" dirty="0"/>
-                <a:t>TCP</a:t>
-              </a:r>
-              <a:r>
-                <a:rPr kumimoji="1" lang="ko-KR" altLang="en-US" sz="1600" dirty="0"/>
-                <a:t> 연결 해제</a:t>
-              </a:r>
-            </a:p>
-          </p:txBody>
-        </p:sp>
-        <p:cxnSp>
-          <p:nvCxnSpPr>
-            <p:cNvPr id="51" name="직선 화살표 연결선 50">
-              <a:extLst>
-                <a:ext uri="{FF2B5EF4-FFF2-40B4-BE49-F238E27FC236}">
-                  <a16:creationId xmlns:a16="http://schemas.microsoft.com/office/drawing/2014/main" id="{D83DE204-84F6-9E41-A2CE-D76E60760353}"/>
-                </a:ext>
-              </a:extLst>
-            </p:cNvPr>
-            <p:cNvCxnSpPr>
-              <a:cxnSpLocks/>
-            </p:cNvCxnSpPr>
-            <p:nvPr/>
-          </p:nvCxnSpPr>
-          <p:spPr>
-            <a:xfrm flipH="1">
-              <a:off x="2729572" y="4020667"/>
-              <a:ext cx="1887239" cy="266649"/>
-            </a:xfrm>
-            <a:prstGeom prst="straightConnector1">
-              <a:avLst/>
-            </a:prstGeom>
-            <a:ln w="50800">
-              <a:solidFill>
-                <a:schemeClr val="tx1"/>
-              </a:solidFill>
-              <a:tailEnd type="triangle"/>
-            </a:ln>
-          </p:spPr>
-          <p:style>
-            <a:lnRef idx="1">
-              <a:schemeClr val="accent1"/>
-            </a:lnRef>
-            <a:fillRef idx="0">
-              <a:schemeClr val="accent1"/>
-            </a:fillRef>
-            <a:effectRef idx="0">
-              <a:schemeClr val="accent1"/>
-            </a:effectRef>
-            <a:fontRef idx="minor">
-              <a:schemeClr val="tx1"/>
-            </a:fontRef>
-          </p:style>
-        </p:cxnSp>
-        <p:sp>
-          <p:nvSpPr>
-            <p:cNvPr id="54" name="직사각형 53">
-              <a:extLst>
-                <a:ext uri="{FF2B5EF4-FFF2-40B4-BE49-F238E27FC236}">
-                  <a16:creationId xmlns:a16="http://schemas.microsoft.com/office/drawing/2014/main" id="{F767E88D-7ED9-B448-9A7C-68E42C5C85DA}"/>
-                </a:ext>
-              </a:extLst>
-            </p:cNvPr>
-            <p:cNvSpPr/>
-            <p:nvPr/>
-          </p:nvSpPr>
-          <p:spPr>
-            <a:xfrm>
-              <a:off x="4653729" y="5244981"/>
-              <a:ext cx="1844642" cy="571384"/>
-            </a:xfrm>
-            <a:prstGeom prst="rect">
-              <a:avLst/>
-            </a:prstGeom>
-            <a:solidFill>
-              <a:schemeClr val="accent2">
-                <a:lumMod val="20000"/>
-                <a:lumOff val="80000"/>
-              </a:schemeClr>
-            </a:solidFill>
-            <a:ln>
-              <a:noFill/>
-            </a:ln>
           </p:spPr>
           <p:style>
             <a:lnRef idx="2">
@@ -7549,155 +10862,153 @@
             <a:lstStyle/>
             <a:p>
               <a:pPr algn="ctr"/>
-              <a:r>
-                <a:rPr kumimoji="1" lang="ko-KR" altLang="en-US" dirty="0">
-                  <a:solidFill>
-                    <a:sysClr val="windowText" lastClr="000000"/>
-                  </a:solidFill>
-                </a:rPr>
-                <a:t>응답 결과 생성</a:t>
-              </a:r>
+              <a:endParaRPr kumimoji="1" lang="ko-KR" altLang="en-US"/>
             </a:p>
           </p:txBody>
         </p:sp>
-        <p:cxnSp>
-          <p:nvCxnSpPr>
-            <p:cNvPr id="55" name="직선 화살표 연결선 54">
-              <a:extLst>
-                <a:ext uri="{FF2B5EF4-FFF2-40B4-BE49-F238E27FC236}">
-                  <a16:creationId xmlns:a16="http://schemas.microsoft.com/office/drawing/2014/main" id="{E0913B90-D62D-B941-9A87-BB103C4DF8F8}"/>
-                </a:ext>
-              </a:extLst>
-            </p:cNvPr>
-            <p:cNvCxnSpPr>
-              <a:cxnSpLocks/>
-            </p:cNvCxnSpPr>
-            <p:nvPr/>
-          </p:nvCxnSpPr>
-          <p:spPr>
-            <a:xfrm>
-              <a:off x="2719741" y="5003569"/>
-              <a:ext cx="1887239" cy="241412"/>
-            </a:xfrm>
-            <a:prstGeom prst="straightConnector1">
-              <a:avLst/>
-            </a:prstGeom>
-            <a:ln w="50800">
-              <a:solidFill>
-                <a:schemeClr val="tx1"/>
-              </a:solidFill>
-              <a:tailEnd type="triangle"/>
-            </a:ln>
+        <p:sp>
+          <p:nvSpPr>
+            <p:cNvPr id="51" name="직사각형 50">
+              <a:extLst>
+                <a:ext uri="{FF2B5EF4-FFF2-40B4-BE49-F238E27FC236}">
+                  <a16:creationId xmlns:a16="http://schemas.microsoft.com/office/drawing/2014/main" id="{895C4D97-C8E5-BE49-9AA9-A7747363DB93}"/>
+                </a:ext>
+              </a:extLst>
+            </p:cNvPr>
+            <p:cNvSpPr/>
+            <p:nvPr/>
+          </p:nvSpPr>
+          <p:spPr>
+            <a:xfrm>
+              <a:off x="5165192" y="5122991"/>
+              <a:ext cx="606222" cy="240323"/>
+            </a:xfrm>
+            <a:prstGeom prst="rect">
+              <a:avLst/>
+            </a:prstGeom>
           </p:spPr>
           <p:style>
-            <a:lnRef idx="1">
-              <a:schemeClr val="accent1"/>
+            <a:lnRef idx="2">
+              <a:schemeClr val="accent1">
+                <a:shade val="50000"/>
+              </a:schemeClr>
             </a:lnRef>
-            <a:fillRef idx="0">
+            <a:fillRef idx="1">
               <a:schemeClr val="accent1"/>
             </a:fillRef>
             <a:effectRef idx="0">
               <a:schemeClr val="accent1"/>
             </a:effectRef>
             <a:fontRef idx="minor">
-              <a:schemeClr val="tx1"/>
+              <a:schemeClr val="lt1"/>
             </a:fontRef>
           </p:style>
-        </p:cxnSp>
-        <p:sp>
-          <p:nvSpPr>
-            <p:cNvPr id="56" name="TextBox 55">
-              <a:extLst>
-                <a:ext uri="{FF2B5EF4-FFF2-40B4-BE49-F238E27FC236}">
-                  <a16:creationId xmlns:a16="http://schemas.microsoft.com/office/drawing/2014/main" id="{EEEEE69C-B682-3641-A515-43D3124F2ECB}"/>
-                </a:ext>
-              </a:extLst>
-            </p:cNvPr>
-            <p:cNvSpPr txBox="1"/>
-            <p:nvPr/>
-          </p:nvSpPr>
-          <p:spPr>
-            <a:xfrm>
-              <a:off x="2735953" y="6098566"/>
-              <a:ext cx="1859565" cy="338554"/>
-            </a:xfrm>
-            <a:prstGeom prst="rect">
-              <a:avLst/>
-            </a:prstGeom>
-            <a:solidFill>
-              <a:schemeClr val="accent6">
-                <a:lumMod val="20000"/>
-                <a:lumOff val="80000"/>
-              </a:schemeClr>
-            </a:solidFill>
-          </p:spPr>
           <p:txBody>
-            <a:bodyPr wrap="square" rtlCol="0">
-              <a:spAutoFit/>
-            </a:bodyPr>
+            <a:bodyPr rtlCol="0" anchor="ctr"/>
             <a:lstStyle/>
             <a:p>
               <a:pPr algn="ctr"/>
-              <a:r>
-                <a:rPr kumimoji="1" lang="en-US" altLang="ko-KR" sz="1600" dirty="0"/>
-                <a:t>TCP</a:t>
-              </a:r>
-              <a:r>
-                <a:rPr kumimoji="1" lang="ko-KR" altLang="en-US" sz="1600" dirty="0"/>
-                <a:t> 연결 해제</a:t>
-              </a:r>
+              <a:endParaRPr kumimoji="1" lang="ko-KR" altLang="en-US"/>
             </a:p>
           </p:txBody>
         </p:sp>
-        <p:cxnSp>
-          <p:nvCxnSpPr>
-            <p:cNvPr id="57" name="직선 화살표 연결선 56">
-              <a:extLst>
-                <a:ext uri="{FF2B5EF4-FFF2-40B4-BE49-F238E27FC236}">
-                  <a16:creationId xmlns:a16="http://schemas.microsoft.com/office/drawing/2014/main" id="{FB1BE8D6-3BDC-664B-ABB1-42AA8D8A4141}"/>
-                </a:ext>
-              </a:extLst>
-            </p:cNvPr>
-            <p:cNvCxnSpPr>
-              <a:cxnSpLocks/>
-            </p:cNvCxnSpPr>
-            <p:nvPr/>
-          </p:nvCxnSpPr>
-          <p:spPr>
-            <a:xfrm flipH="1">
-              <a:off x="2729572" y="5816365"/>
-              <a:ext cx="1887239" cy="266649"/>
-            </a:xfrm>
-            <a:prstGeom prst="straightConnector1">
-              <a:avLst/>
-            </a:prstGeom>
-            <a:ln w="50800">
-              <a:solidFill>
-                <a:schemeClr val="tx1"/>
-              </a:solidFill>
-              <a:tailEnd type="triangle"/>
-            </a:ln>
+        <p:sp>
+          <p:nvSpPr>
+            <p:cNvPr id="52" name="직사각형 51">
+              <a:extLst>
+                <a:ext uri="{FF2B5EF4-FFF2-40B4-BE49-F238E27FC236}">
+                  <a16:creationId xmlns:a16="http://schemas.microsoft.com/office/drawing/2014/main" id="{BD63A3F8-509E-6E42-9943-7DB3E6E12851}"/>
+                </a:ext>
+              </a:extLst>
+            </p:cNvPr>
+            <p:cNvSpPr/>
+            <p:nvPr/>
+          </p:nvSpPr>
+          <p:spPr>
+            <a:xfrm>
+              <a:off x="5771414" y="5392628"/>
+              <a:ext cx="606222" cy="240323"/>
+            </a:xfrm>
+            <a:prstGeom prst="rect">
+              <a:avLst/>
+            </a:prstGeom>
           </p:spPr>
           <p:style>
-            <a:lnRef idx="1">
-              <a:schemeClr val="accent1"/>
+            <a:lnRef idx="2">
+              <a:schemeClr val="accent1">
+                <a:shade val="50000"/>
+              </a:schemeClr>
             </a:lnRef>
-            <a:fillRef idx="0">
+            <a:fillRef idx="1">
               <a:schemeClr val="accent1"/>
             </a:fillRef>
             <a:effectRef idx="0">
               <a:schemeClr val="accent1"/>
             </a:effectRef>
             <a:fontRef idx="minor">
-              <a:schemeClr val="tx1"/>
+              <a:schemeClr val="lt1"/>
             </a:fontRef>
           </p:style>
-        </p:cxnSp>
+          <p:txBody>
+            <a:bodyPr rtlCol="0" anchor="ctr"/>
+            <a:lstStyle/>
+            <a:p>
+              <a:pPr algn="ctr"/>
+              <a:endParaRPr kumimoji="1" lang="ko-KR" altLang="en-US"/>
+            </a:p>
+          </p:txBody>
+        </p:sp>
+        <p:sp>
+          <p:nvSpPr>
+            <p:cNvPr id="53" name="직사각형 52">
+              <a:extLst>
+                <a:ext uri="{FF2B5EF4-FFF2-40B4-BE49-F238E27FC236}">
+                  <a16:creationId xmlns:a16="http://schemas.microsoft.com/office/drawing/2014/main" id="{F430C299-3A98-1C4B-B204-9E48FBCFD11B}"/>
+                </a:ext>
+              </a:extLst>
+            </p:cNvPr>
+            <p:cNvSpPr/>
+            <p:nvPr/>
+          </p:nvSpPr>
+          <p:spPr>
+            <a:xfrm>
+              <a:off x="5771414" y="5665188"/>
+              <a:ext cx="606222" cy="240323"/>
+            </a:xfrm>
+            <a:prstGeom prst="rect">
+              <a:avLst/>
+            </a:prstGeom>
+          </p:spPr>
+          <p:style>
+            <a:lnRef idx="2">
+              <a:schemeClr val="accent1">
+                <a:shade val="50000"/>
+              </a:schemeClr>
+            </a:lnRef>
+            <a:fillRef idx="1">
+              <a:schemeClr val="accent1"/>
+            </a:fillRef>
+            <a:effectRef idx="0">
+              <a:schemeClr val="accent1"/>
+            </a:effectRef>
+            <a:fontRef idx="minor">
+              <a:schemeClr val="lt1"/>
+            </a:fontRef>
+          </p:style>
+          <p:txBody>
+            <a:bodyPr rtlCol="0" anchor="ctr"/>
+            <a:lstStyle/>
+            <a:p>
+              <a:pPr algn="ctr"/>
+              <a:endParaRPr kumimoji="1" lang="ko-KR" altLang="en-US"/>
+            </a:p>
+          </p:txBody>
+        </p:sp>
       </p:grpSp>
     </p:spTree>
     <p:extLst>
       <p:ext uri="{BB962C8B-B14F-4D97-AF65-F5344CB8AC3E}">
-        <p14:creationId xmlns:p14="http://schemas.microsoft.com/office/powerpoint/2010/main" val="2205718143"/>
+        <p14:creationId xmlns:p14="http://schemas.microsoft.com/office/powerpoint/2010/main" val="3332582426"/>
       </p:ext>
     </p:extLst>
   </p:cSld>
@@ -7707,8 +11018,8 @@
 </p:sld>
 </file>
 
-<file path=ppt/slides/slide7.xml><?xml version="1.0" encoding="utf-8"?>
-<p:sld xmlns:a="http://schemas.openxmlformats.org/drawingml/2006/main" xmlns:r="http://schemas.openxmlformats.org/officeDocument/2006/relationships" xmlns:p="http://schemas.openxmlformats.org/presentationml/2006/main" show="0">
+<file path=ppt/slides/slide8.xml><?xml version="1.0" encoding="utf-8"?>
+<p:sld xmlns:a="http://schemas.openxmlformats.org/drawingml/2006/main" xmlns:r="http://schemas.openxmlformats.org/officeDocument/2006/relationships" xmlns:p="http://schemas.openxmlformats.org/presentationml/2006/main">
   <p:cSld>
     <p:spTree>
       <p:nvGrpSpPr>
@@ -7729,7 +11040,7 @@
           <p:cNvPr id="2" name="그룹 1">
             <a:extLst>
               <a:ext uri="{FF2B5EF4-FFF2-40B4-BE49-F238E27FC236}">
-                <a16:creationId xmlns:a16="http://schemas.microsoft.com/office/drawing/2014/main" id="{DF73C6A0-8733-374E-A0F9-A12E7FFCC272}"/>
+                <a16:creationId xmlns:a16="http://schemas.microsoft.com/office/drawing/2014/main" id="{CFBB9042-7AC5-1344-944D-AB878F1D407C}"/>
               </a:ext>
             </a:extLst>
           </p:cNvPr>
@@ -7738,63 +11049,108 @@
         </p:nvGrpSpPr>
         <p:grpSpPr>
           <a:xfrm>
-            <a:off x="2216745" y="471946"/>
-            <a:ext cx="4281626" cy="6148310"/>
-            <a:chOff x="2216745" y="471946"/>
-            <a:chExt cx="4281626" cy="6148310"/>
+            <a:off x="906185" y="1985155"/>
+            <a:ext cx="7027495" cy="3999727"/>
+            <a:chOff x="906185" y="1985155"/>
+            <a:chExt cx="7027495" cy="3999727"/>
           </a:xfrm>
         </p:grpSpPr>
-        <p:sp>
-          <p:nvSpPr>
-            <p:cNvPr id="10" name="TextBox 9">
-              <a:extLst>
-                <a:ext uri="{FF2B5EF4-FFF2-40B4-BE49-F238E27FC236}">
-                  <a16:creationId xmlns:a16="http://schemas.microsoft.com/office/drawing/2014/main" id="{5602CD05-5512-EA45-A893-CFB3DFC26675}"/>
-                </a:ext>
-              </a:extLst>
-            </p:cNvPr>
-            <p:cNvSpPr txBox="1"/>
-            <p:nvPr/>
-          </p:nvSpPr>
-          <p:spPr>
-            <a:xfrm>
-              <a:off x="2729572" y="1050026"/>
-              <a:ext cx="1865946" cy="338554"/>
+        <p:pic>
+          <p:nvPicPr>
+            <p:cNvPr id="3" name="그림 2">
+              <a:extLst>
+                <a:ext uri="{FF2B5EF4-FFF2-40B4-BE49-F238E27FC236}">
+                  <a16:creationId xmlns:a16="http://schemas.microsoft.com/office/drawing/2014/main" id="{D39F49DD-AB6F-C444-A483-576E5D66E50F}"/>
+                </a:ext>
+              </a:extLst>
+            </p:cNvPr>
+            <p:cNvPicPr>
+              <a:picLocks noChangeAspect="1"/>
+            </p:cNvPicPr>
+            <p:nvPr/>
+          </p:nvPicPr>
+          <p:blipFill>
+            <a:blip r:embed="rId2"/>
+            <a:stretch>
+              <a:fillRect/>
+            </a:stretch>
+          </p:blipFill>
+          <p:spPr>
+            <a:xfrm>
+              <a:off x="906185" y="2201333"/>
+              <a:ext cx="1955800" cy="1955800"/>
             </a:xfrm>
             <a:prstGeom prst="rect">
               <a:avLst/>
             </a:prstGeom>
-            <a:solidFill>
-              <a:schemeClr val="accent5">
-                <a:lumMod val="20000"/>
-                <a:lumOff val="80000"/>
-              </a:schemeClr>
-            </a:solidFill>
-          </p:spPr>
-          <p:txBody>
-            <a:bodyPr wrap="square" rtlCol="0">
-              <a:spAutoFit/>
-            </a:bodyPr>
-            <a:lstStyle/>
-            <a:p>
-              <a:pPr algn="ctr"/>
-              <a:r>
-                <a:rPr kumimoji="1" lang="en-US" altLang="ko-KR" sz="1600" dirty="0"/>
-                <a:t>TCP </a:t>
-              </a:r>
-              <a:r>
-                <a:rPr kumimoji="1" lang="ko-KR" altLang="en-US" sz="1600" dirty="0"/>
-                <a:t>연결</a:t>
-              </a:r>
-            </a:p>
-          </p:txBody>
-        </p:sp>
+          </p:spPr>
+        </p:pic>
+        <p:pic>
+          <p:nvPicPr>
+            <p:cNvPr id="8" name="그림 7">
+              <a:extLst>
+                <a:ext uri="{FF2B5EF4-FFF2-40B4-BE49-F238E27FC236}">
+                  <a16:creationId xmlns:a16="http://schemas.microsoft.com/office/drawing/2014/main" id="{266AC016-8DF5-A54A-ABD8-FF7A79C2A524}"/>
+                </a:ext>
+              </a:extLst>
+            </p:cNvPr>
+            <p:cNvPicPr>
+              <a:picLocks noChangeAspect="1"/>
+            </p:cNvPicPr>
+            <p:nvPr/>
+          </p:nvPicPr>
+          <p:blipFill>
+            <a:blip r:embed="rId3"/>
+            <a:stretch>
+              <a:fillRect/>
+            </a:stretch>
+          </p:blipFill>
+          <p:spPr>
+            <a:xfrm>
+              <a:off x="5537614" y="2341648"/>
+              <a:ext cx="1735666" cy="1735666"/>
+            </a:xfrm>
+            <a:prstGeom prst="rect">
+              <a:avLst/>
+            </a:prstGeom>
+          </p:spPr>
+        </p:pic>
+        <p:pic>
+          <p:nvPicPr>
+            <p:cNvPr id="29" name="그림 28">
+              <a:extLst>
+                <a:ext uri="{FF2B5EF4-FFF2-40B4-BE49-F238E27FC236}">
+                  <a16:creationId xmlns:a16="http://schemas.microsoft.com/office/drawing/2014/main" id="{49AACB4D-EB3D-614F-8C36-FDB8C102D0A7}"/>
+                </a:ext>
+              </a:extLst>
+            </p:cNvPr>
+            <p:cNvPicPr>
+              <a:picLocks noChangeAspect="1"/>
+            </p:cNvPicPr>
+            <p:nvPr/>
+          </p:nvPicPr>
+          <p:blipFill>
+            <a:blip r:embed="rId3"/>
+            <a:stretch>
+              <a:fillRect/>
+            </a:stretch>
+          </p:blipFill>
+          <p:spPr>
+            <a:xfrm>
+              <a:off x="6198014" y="2341648"/>
+              <a:ext cx="1735666" cy="1735666"/>
+            </a:xfrm>
+            <a:prstGeom prst="rect">
+              <a:avLst/>
+            </a:prstGeom>
+          </p:spPr>
+        </p:pic>
         <p:cxnSp>
           <p:nvCxnSpPr>
-            <p:cNvPr id="5" name="직선 연결선[R] 4">
-              <a:extLst>
-                <a:ext uri="{FF2B5EF4-FFF2-40B4-BE49-F238E27FC236}">
-                  <a16:creationId xmlns:a16="http://schemas.microsoft.com/office/drawing/2014/main" id="{C7B8184F-9E09-4A44-B928-5443C553A934}"/>
+            <p:cNvPr id="6" name="직선 화살표 연결선 5">
+              <a:extLst>
+                <a:ext uri="{FF2B5EF4-FFF2-40B4-BE49-F238E27FC236}">
+                  <a16:creationId xmlns:a16="http://schemas.microsoft.com/office/drawing/2014/main" id="{C3BC509F-6F09-844A-BC36-98643485B277}"/>
                 </a:ext>
               </a:extLst>
             </p:cNvPr>
@@ -7803,16 +11159,59 @@
           </p:nvCxnSpPr>
           <p:spPr>
             <a:xfrm>
-              <a:off x="2706624" y="933611"/>
-              <a:ext cx="0" cy="5686645"/>
-            </a:xfrm>
-            <a:prstGeom prst="line">
-              <a:avLst/>
-            </a:prstGeom>
-            <a:ln w="50800">
+              <a:off x="3176337" y="2473693"/>
+              <a:ext cx="2541069" cy="0"/>
+            </a:xfrm>
+            <a:prstGeom prst="straightConnector1">
+              <a:avLst/>
+            </a:prstGeom>
+            <a:ln w="76200">
               <a:solidFill>
                 <a:schemeClr val="tx1"/>
               </a:solidFill>
+              <a:tailEnd type="triangle"/>
+            </a:ln>
+          </p:spPr>
+          <p:style>
+            <a:lnRef idx="1">
+              <a:schemeClr val="accent1"/>
+            </a:lnRef>
+            <a:fillRef idx="0">
+              <a:schemeClr val="accent1"/>
+            </a:fillRef>
+            <a:effectRef idx="0">
+              <a:schemeClr val="accent1"/>
+            </a:effectRef>
+            <a:fontRef idx="minor">
+              <a:schemeClr val="tx1"/>
+            </a:fontRef>
+          </p:style>
+        </p:cxnSp>
+        <p:cxnSp>
+          <p:nvCxnSpPr>
+            <p:cNvPr id="23" name="직선 화살표 연결선 22">
+              <a:extLst>
+                <a:ext uri="{FF2B5EF4-FFF2-40B4-BE49-F238E27FC236}">
+                  <a16:creationId xmlns:a16="http://schemas.microsoft.com/office/drawing/2014/main" id="{27635525-DE0E-2E4D-B9FA-EE681F7E0D3D}"/>
+                </a:ext>
+              </a:extLst>
+            </p:cNvPr>
+            <p:cNvCxnSpPr/>
+            <p:nvPr/>
+          </p:nvCxnSpPr>
+          <p:spPr>
+            <a:xfrm>
+              <a:off x="3176337" y="2760847"/>
+              <a:ext cx="2541069" cy="0"/>
+            </a:xfrm>
+            <a:prstGeom prst="straightConnector1">
+              <a:avLst/>
+            </a:prstGeom>
+            <a:ln w="76200">
+              <a:solidFill>
+                <a:schemeClr val="tx1"/>
+              </a:solidFill>
+              <a:tailEnd type="triangle"/>
             </a:ln>
           </p:spPr>
           <p:style>
@@ -7832,46 +11231,76 @@
         </p:cxnSp>
         <p:sp>
           <p:nvSpPr>
-            <p:cNvPr id="6" name="TextBox 5">
-              <a:extLst>
-                <a:ext uri="{FF2B5EF4-FFF2-40B4-BE49-F238E27FC236}">
-                  <a16:creationId xmlns:a16="http://schemas.microsoft.com/office/drawing/2014/main" id="{DAA0D060-6BBE-C143-9C6D-D1CC3A0981DD}"/>
-                </a:ext>
-              </a:extLst>
-            </p:cNvPr>
-            <p:cNvSpPr txBox="1"/>
+            <p:cNvPr id="7" name="모서리가 둥근 직사각형 6">
+              <a:extLst>
+                <a:ext uri="{FF2B5EF4-FFF2-40B4-BE49-F238E27FC236}">
+                  <a16:creationId xmlns:a16="http://schemas.microsoft.com/office/drawing/2014/main" id="{FAE07789-51F8-094A-A80B-9DC0AA90621B}"/>
+                </a:ext>
+              </a:extLst>
+            </p:cNvPr>
+            <p:cNvSpPr/>
             <p:nvPr/>
           </p:nvSpPr>
           <p:spPr>
             <a:xfrm>
-              <a:off x="2216745" y="471946"/>
-              <a:ext cx="979755" cy="461665"/>
-            </a:xfrm>
-            <a:prstGeom prst="rect">
-              <a:avLst/>
-            </a:prstGeom>
-            <a:noFill/>
-          </p:spPr>
+              <a:off x="3027136" y="1985155"/>
+              <a:ext cx="2839470" cy="977075"/>
+            </a:xfrm>
+            <a:prstGeom prst="roundRect">
+              <a:avLst/>
+            </a:prstGeom>
+            <a:solidFill>
+              <a:schemeClr val="accent3">
+                <a:alpha val="50000"/>
+              </a:schemeClr>
+            </a:solidFill>
+            <a:ln>
+              <a:noFill/>
+            </a:ln>
+          </p:spPr>
+          <p:style>
+            <a:lnRef idx="2">
+              <a:schemeClr val="accent1">
+                <a:shade val="50000"/>
+              </a:schemeClr>
+            </a:lnRef>
+            <a:fillRef idx="1">
+              <a:schemeClr val="accent1"/>
+            </a:fillRef>
+            <a:effectRef idx="0">
+              <a:schemeClr val="accent1"/>
+            </a:effectRef>
+            <a:fontRef idx="minor">
+              <a:schemeClr val="lt1"/>
+            </a:fontRef>
+          </p:style>
           <p:txBody>
-            <a:bodyPr wrap="none" rtlCol="0">
-              <a:spAutoFit/>
-            </a:bodyPr>
+            <a:bodyPr rtlCol="0" anchor="t"/>
             <a:lstStyle/>
             <a:p>
+              <a:pPr algn="ctr"/>
               <a:r>
-                <a:rPr kumimoji="1" lang="en-US" altLang="ko-KR" sz="2400" dirty="0"/>
-                <a:t>Client</a:t>
+                <a:rPr kumimoji="1" lang="en-US" altLang="ko-KR" dirty="0">
+                  <a:solidFill>
+                    <a:schemeClr val="tx1"/>
+                  </a:solidFill>
+                </a:rPr>
+                <a:t>Domain1</a:t>
               </a:r>
-              <a:endParaRPr kumimoji="1" lang="ko-KR" altLang="en-US" sz="2400" dirty="0"/>
+              <a:endParaRPr kumimoji="1" lang="ko-KR" altLang="en-US" dirty="0">
+                <a:solidFill>
+                  <a:schemeClr val="tx1"/>
+                </a:solidFill>
+              </a:endParaRPr>
             </a:p>
           </p:txBody>
         </p:sp>
         <p:cxnSp>
           <p:nvCxnSpPr>
-            <p:cNvPr id="7" name="직선 연결선[R] 6">
-              <a:extLst>
-                <a:ext uri="{FF2B5EF4-FFF2-40B4-BE49-F238E27FC236}">
-                  <a16:creationId xmlns:a16="http://schemas.microsoft.com/office/drawing/2014/main" id="{E5564040-B92A-D84C-A0B5-40A0418BE269}"/>
+            <p:cNvPr id="9" name="직선 화살표 연결선 8">
+              <a:extLst>
+                <a:ext uri="{FF2B5EF4-FFF2-40B4-BE49-F238E27FC236}">
+                  <a16:creationId xmlns:a16="http://schemas.microsoft.com/office/drawing/2014/main" id="{E3292E89-27BA-9445-B7A5-70AC559E5D61}"/>
                 </a:ext>
               </a:extLst>
             </p:cNvPr>
@@ -7880,16 +11309,59 @@
           </p:nvCxnSpPr>
           <p:spPr>
             <a:xfrm>
-              <a:off x="4620097" y="933611"/>
-              <a:ext cx="0" cy="5686645"/>
-            </a:xfrm>
-            <a:prstGeom prst="line">
-              <a:avLst/>
-            </a:prstGeom>
-            <a:ln w="50800">
+              <a:off x="3177545" y="3737921"/>
+              <a:ext cx="2541069" cy="0"/>
+            </a:xfrm>
+            <a:prstGeom prst="straightConnector1">
+              <a:avLst/>
+            </a:prstGeom>
+            <a:ln w="76200">
               <a:solidFill>
                 <a:schemeClr val="tx1"/>
               </a:solidFill>
+              <a:tailEnd type="triangle"/>
+            </a:ln>
+          </p:spPr>
+          <p:style>
+            <a:lnRef idx="1">
+              <a:schemeClr val="accent1"/>
+            </a:lnRef>
+            <a:fillRef idx="0">
+              <a:schemeClr val="accent1"/>
+            </a:fillRef>
+            <a:effectRef idx="0">
+              <a:schemeClr val="accent1"/>
+            </a:effectRef>
+            <a:fontRef idx="minor">
+              <a:schemeClr val="tx1"/>
+            </a:fontRef>
+          </p:style>
+        </p:cxnSp>
+        <p:cxnSp>
+          <p:nvCxnSpPr>
+            <p:cNvPr id="10" name="직선 화살표 연결선 9">
+              <a:extLst>
+                <a:ext uri="{FF2B5EF4-FFF2-40B4-BE49-F238E27FC236}">
+                  <a16:creationId xmlns:a16="http://schemas.microsoft.com/office/drawing/2014/main" id="{17C8F382-16E7-9C40-996D-DBB58CEB9081}"/>
+                </a:ext>
+              </a:extLst>
+            </p:cNvPr>
+            <p:cNvCxnSpPr/>
+            <p:nvPr/>
+          </p:nvCxnSpPr>
+          <p:spPr>
+            <a:xfrm>
+              <a:off x="3177545" y="4025075"/>
+              <a:ext cx="2541069" cy="0"/>
+            </a:xfrm>
+            <a:prstGeom prst="straightConnector1">
+              <a:avLst/>
+            </a:prstGeom>
+            <a:ln w="76200">
+              <a:solidFill>
+                <a:schemeClr val="tx1"/>
+              </a:solidFill>
+              <a:tailEnd type="triangle"/>
             </a:ln>
           </p:spPr>
           <p:style>
@@ -7909,10 +11381,76 @@
         </p:cxnSp>
         <p:sp>
           <p:nvSpPr>
-            <p:cNvPr id="8" name="TextBox 7">
-              <a:extLst>
-                <a:ext uri="{FF2B5EF4-FFF2-40B4-BE49-F238E27FC236}">
-                  <a16:creationId xmlns:a16="http://schemas.microsoft.com/office/drawing/2014/main" id="{A2A7CC31-3BDB-F740-926F-DD00009E5AA5}"/>
+            <p:cNvPr id="11" name="모서리가 둥근 직사각형 10">
+              <a:extLst>
+                <a:ext uri="{FF2B5EF4-FFF2-40B4-BE49-F238E27FC236}">
+                  <a16:creationId xmlns:a16="http://schemas.microsoft.com/office/drawing/2014/main" id="{2E303F24-21FB-F244-912B-A96F536C7CAD}"/>
+                </a:ext>
+              </a:extLst>
+            </p:cNvPr>
+            <p:cNvSpPr/>
+            <p:nvPr/>
+          </p:nvSpPr>
+          <p:spPr>
+            <a:xfrm>
+              <a:off x="3028344" y="3249383"/>
+              <a:ext cx="2839470" cy="977075"/>
+            </a:xfrm>
+            <a:prstGeom prst="roundRect">
+              <a:avLst/>
+            </a:prstGeom>
+            <a:solidFill>
+              <a:schemeClr val="accent3">
+                <a:alpha val="50000"/>
+              </a:schemeClr>
+            </a:solidFill>
+            <a:ln>
+              <a:noFill/>
+            </a:ln>
+          </p:spPr>
+          <p:style>
+            <a:lnRef idx="2">
+              <a:schemeClr val="accent1">
+                <a:shade val="50000"/>
+              </a:schemeClr>
+            </a:lnRef>
+            <a:fillRef idx="1">
+              <a:schemeClr val="accent1"/>
+            </a:fillRef>
+            <a:effectRef idx="0">
+              <a:schemeClr val="accent1"/>
+            </a:effectRef>
+            <a:fontRef idx="minor">
+              <a:schemeClr val="lt1"/>
+            </a:fontRef>
+          </p:style>
+          <p:txBody>
+            <a:bodyPr rtlCol="0" anchor="t"/>
+            <a:lstStyle/>
+            <a:p>
+              <a:pPr algn="ctr"/>
+              <a:r>
+                <a:rPr kumimoji="1" lang="en-US" altLang="ko-KR" dirty="0">
+                  <a:solidFill>
+                    <a:schemeClr val="tx1"/>
+                  </a:solidFill>
+                </a:rPr>
+                <a:t>Domain2</a:t>
+              </a:r>
+              <a:endParaRPr kumimoji="1" lang="ko-KR" altLang="en-US" dirty="0">
+                <a:solidFill>
+                  <a:schemeClr val="tx1"/>
+                </a:solidFill>
+              </a:endParaRPr>
+            </a:p>
+          </p:txBody>
+        </p:sp>
+        <p:sp>
+          <p:nvSpPr>
+            <p:cNvPr id="19" name="TextBox 18">
+              <a:extLst>
+                <a:ext uri="{FF2B5EF4-FFF2-40B4-BE49-F238E27FC236}">
+                  <a16:creationId xmlns:a16="http://schemas.microsoft.com/office/drawing/2014/main" id="{BBD1C088-54FE-1A4F-847A-CF72E87F3F42}"/>
                 </a:ext>
               </a:extLst>
             </p:cNvPr>
@@ -7921,8 +11459,8 @@
           </p:nvSpPr>
           <p:spPr>
             <a:xfrm>
-              <a:off x="4089213" y="471946"/>
-              <a:ext cx="1061766" cy="461665"/>
+              <a:off x="2192226" y="4230556"/>
+              <a:ext cx="2329484" cy="1754326"/>
             </a:xfrm>
             <a:prstGeom prst="rect">
               <a:avLst/>
@@ -7936,19 +11474,48 @@
             <a:lstStyle/>
             <a:p>
               <a:r>
-                <a:rPr kumimoji="1" lang="en-US" altLang="ko-KR" sz="2400" dirty="0"/>
-                <a:t>Server</a:t>
+                <a:rPr kumimoji="1" lang="en-US" altLang="ko-KR" dirty="0"/>
+                <a:t>Domain/Image1.png</a:t>
               </a:r>
-              <a:endParaRPr kumimoji="1" lang="ko-KR" altLang="en-US" sz="2400" dirty="0"/>
+            </a:p>
+            <a:p>
+              <a:r>
+                <a:rPr kumimoji="1" lang="en-US" altLang="ko-KR" dirty="0"/>
+                <a:t>Domain/Image2.png</a:t>
+              </a:r>
+            </a:p>
+            <a:p>
+              <a:r>
+                <a:rPr kumimoji="1" lang="en-US" altLang="ko-KR" dirty="0"/>
+                <a:t>Domain/Image3.png</a:t>
+              </a:r>
+            </a:p>
+            <a:p>
+              <a:r>
+                <a:rPr kumimoji="1" lang="en-US" altLang="ko-KR" dirty="0"/>
+                <a:t>Domain/Image4.png</a:t>
+              </a:r>
+            </a:p>
+            <a:p>
+              <a:r>
+                <a:rPr kumimoji="1" lang="en-US" altLang="ko-KR" dirty="0"/>
+                <a:t>Domain/Image5.png</a:t>
+              </a:r>
+            </a:p>
+            <a:p>
+              <a:r>
+                <a:rPr kumimoji="1" lang="en-US" altLang="ko-KR" dirty="0"/>
+                <a:t>Domain/Image6.png</a:t>
+              </a:r>
             </a:p>
           </p:txBody>
         </p:sp>
         <p:sp>
           <p:nvSpPr>
-            <p:cNvPr id="39" name="직사각형 38">
-              <a:extLst>
-                <a:ext uri="{FF2B5EF4-FFF2-40B4-BE49-F238E27FC236}">
-                  <a16:creationId xmlns:a16="http://schemas.microsoft.com/office/drawing/2014/main" id="{6E0F2D4F-84E7-574E-A3E8-A2C8F1A20E01}"/>
+            <p:cNvPr id="20" name="직사각형 19">
+              <a:extLst>
+                <a:ext uri="{FF2B5EF4-FFF2-40B4-BE49-F238E27FC236}">
+                  <a16:creationId xmlns:a16="http://schemas.microsoft.com/office/drawing/2014/main" id="{BCC1D103-8F5A-0942-A894-82C2972735B4}"/>
                 </a:ext>
               </a:extLst>
             </p:cNvPr>
@@ -7957,21 +11524,12 @@
           </p:nvSpPr>
           <p:spPr>
             <a:xfrm>
-              <a:off x="4653729" y="1653585"/>
-              <a:ext cx="1844642" cy="571384"/>
+              <a:off x="4558970" y="4296515"/>
+              <a:ext cx="606222" cy="240323"/>
             </a:xfrm>
             <a:prstGeom prst="rect">
               <a:avLst/>
             </a:prstGeom>
-            <a:solidFill>
-              <a:schemeClr val="accent4">
-                <a:lumMod val="20000"/>
-                <a:lumOff val="80000"/>
-              </a:schemeClr>
-            </a:solidFill>
-            <a:ln>
-              <a:noFill/>
-            </a:ln>
           </p:spPr>
           <p:style>
             <a:lnRef idx="2">
@@ -7994,111 +11552,16 @@
             <a:lstStyle/>
             <a:p>
               <a:pPr algn="ctr"/>
-              <a:r>
-                <a:rPr kumimoji="1" lang="ko-KR" altLang="en-US" dirty="0">
-                  <a:solidFill>
-                    <a:sysClr val="windowText" lastClr="000000"/>
-                  </a:solidFill>
-                </a:rPr>
-                <a:t>응답 결과 생성</a:t>
-              </a:r>
+              <a:endParaRPr kumimoji="1" lang="ko-KR" altLang="en-US"/>
             </a:p>
           </p:txBody>
         </p:sp>
-        <p:cxnSp>
-          <p:nvCxnSpPr>
-            <p:cNvPr id="21" name="직선 화살표 연결선 20">
-              <a:extLst>
-                <a:ext uri="{FF2B5EF4-FFF2-40B4-BE49-F238E27FC236}">
-                  <a16:creationId xmlns:a16="http://schemas.microsoft.com/office/drawing/2014/main" id="{87100696-8372-214D-9EA6-20E2A1C5D67A}"/>
-                </a:ext>
-              </a:extLst>
-            </p:cNvPr>
-            <p:cNvCxnSpPr>
-              <a:cxnSpLocks/>
-            </p:cNvCxnSpPr>
-            <p:nvPr/>
-          </p:nvCxnSpPr>
-          <p:spPr>
-            <a:xfrm>
-              <a:off x="2719741" y="1412173"/>
-              <a:ext cx="1887239" cy="241412"/>
-            </a:xfrm>
-            <a:prstGeom prst="straightConnector1">
-              <a:avLst/>
-            </a:prstGeom>
-            <a:ln w="50800">
-              <a:solidFill>
-                <a:schemeClr val="tx1"/>
-              </a:solidFill>
-              <a:tailEnd type="triangle"/>
-            </a:ln>
-          </p:spPr>
-          <p:style>
-            <a:lnRef idx="1">
-              <a:schemeClr val="accent1"/>
-            </a:lnRef>
-            <a:fillRef idx="0">
-              <a:schemeClr val="accent1"/>
-            </a:fillRef>
-            <a:effectRef idx="0">
-              <a:schemeClr val="accent1"/>
-            </a:effectRef>
-            <a:fontRef idx="minor">
-              <a:schemeClr val="tx1"/>
-            </a:fontRef>
-          </p:style>
-        </p:cxnSp>
-        <p:cxnSp>
-          <p:nvCxnSpPr>
-            <p:cNvPr id="42" name="직선 화살표 연결선 41">
-              <a:extLst>
-                <a:ext uri="{FF2B5EF4-FFF2-40B4-BE49-F238E27FC236}">
-                  <a16:creationId xmlns:a16="http://schemas.microsoft.com/office/drawing/2014/main" id="{A1043DAE-4102-9342-B405-C576A2C030CE}"/>
-                </a:ext>
-              </a:extLst>
-            </p:cNvPr>
-            <p:cNvCxnSpPr>
-              <a:cxnSpLocks/>
-            </p:cNvCxnSpPr>
-            <p:nvPr/>
-          </p:nvCxnSpPr>
-          <p:spPr>
-            <a:xfrm flipH="1">
-              <a:off x="2729572" y="2224969"/>
-              <a:ext cx="1887239" cy="266649"/>
-            </a:xfrm>
-            <a:prstGeom prst="straightConnector1">
-              <a:avLst/>
-            </a:prstGeom>
-            <a:ln w="50800">
-              <a:solidFill>
-                <a:schemeClr val="tx1"/>
-              </a:solidFill>
-              <a:tailEnd type="triangle"/>
-            </a:ln>
-          </p:spPr>
-          <p:style>
-            <a:lnRef idx="1">
-              <a:schemeClr val="accent1"/>
-            </a:lnRef>
-            <a:fillRef idx="0">
-              <a:schemeClr val="accent1"/>
-            </a:fillRef>
-            <a:effectRef idx="0">
-              <a:schemeClr val="accent1"/>
-            </a:effectRef>
-            <a:fontRef idx="minor">
-              <a:schemeClr val="tx1"/>
-            </a:fontRef>
-          </p:style>
-        </p:cxnSp>
         <p:sp>
           <p:nvSpPr>
-            <p:cNvPr id="48" name="직사각형 47">
-              <a:extLst>
-                <a:ext uri="{FF2B5EF4-FFF2-40B4-BE49-F238E27FC236}">
-                  <a16:creationId xmlns:a16="http://schemas.microsoft.com/office/drawing/2014/main" id="{7B570EAA-F242-DF48-B02C-90747A696EE7}"/>
+            <p:cNvPr id="21" name="직사각형 20">
+              <a:extLst>
+                <a:ext uri="{FF2B5EF4-FFF2-40B4-BE49-F238E27FC236}">
+                  <a16:creationId xmlns:a16="http://schemas.microsoft.com/office/drawing/2014/main" id="{3BCC709A-A77E-3E47-9A26-2B7A0F8B9E7A}"/>
                 </a:ext>
               </a:extLst>
             </p:cNvPr>
@@ -8107,21 +11570,12 @@
           </p:nvSpPr>
           <p:spPr>
             <a:xfrm>
-              <a:off x="4651588" y="2733030"/>
-              <a:ext cx="1844642" cy="571384"/>
+              <a:off x="4558970" y="4572007"/>
+              <a:ext cx="606222" cy="240323"/>
             </a:xfrm>
             <a:prstGeom prst="rect">
               <a:avLst/>
             </a:prstGeom>
-            <a:solidFill>
-              <a:schemeClr val="accent3">
-                <a:lumMod val="20000"/>
-                <a:lumOff val="80000"/>
-              </a:schemeClr>
-            </a:solidFill>
-            <a:ln>
-              <a:noFill/>
-            </a:ln>
           </p:spPr>
           <p:style>
             <a:lnRef idx="2">
@@ -8144,111 +11598,16 @@
             <a:lstStyle/>
             <a:p>
               <a:pPr algn="ctr"/>
-              <a:r>
-                <a:rPr kumimoji="1" lang="ko-KR" altLang="en-US" dirty="0">
-                  <a:solidFill>
-                    <a:sysClr val="windowText" lastClr="000000"/>
-                  </a:solidFill>
-                </a:rPr>
-                <a:t>응답 결과 생성</a:t>
-              </a:r>
+              <a:endParaRPr kumimoji="1" lang="ko-KR" altLang="en-US"/>
             </a:p>
           </p:txBody>
         </p:sp>
-        <p:cxnSp>
-          <p:nvCxnSpPr>
-            <p:cNvPr id="49" name="직선 화살표 연결선 48">
-              <a:extLst>
-                <a:ext uri="{FF2B5EF4-FFF2-40B4-BE49-F238E27FC236}">
-                  <a16:creationId xmlns:a16="http://schemas.microsoft.com/office/drawing/2014/main" id="{3ADBA461-D1A8-4541-BFBF-4DA22F8D8F76}"/>
-                </a:ext>
-              </a:extLst>
-            </p:cNvPr>
-            <p:cNvCxnSpPr>
-              <a:cxnSpLocks/>
-            </p:cNvCxnSpPr>
-            <p:nvPr/>
-          </p:nvCxnSpPr>
-          <p:spPr>
-            <a:xfrm>
-              <a:off x="2717600" y="2491618"/>
-              <a:ext cx="1887239" cy="241412"/>
-            </a:xfrm>
-            <a:prstGeom prst="straightConnector1">
-              <a:avLst/>
-            </a:prstGeom>
-            <a:ln w="50800">
-              <a:solidFill>
-                <a:schemeClr val="tx1"/>
-              </a:solidFill>
-              <a:tailEnd type="triangle"/>
-            </a:ln>
-          </p:spPr>
-          <p:style>
-            <a:lnRef idx="1">
-              <a:schemeClr val="accent1"/>
-            </a:lnRef>
-            <a:fillRef idx="0">
-              <a:schemeClr val="accent1"/>
-            </a:fillRef>
-            <a:effectRef idx="0">
-              <a:schemeClr val="accent1"/>
-            </a:effectRef>
-            <a:fontRef idx="minor">
-              <a:schemeClr val="tx1"/>
-            </a:fontRef>
-          </p:style>
-        </p:cxnSp>
-        <p:cxnSp>
-          <p:nvCxnSpPr>
-            <p:cNvPr id="51" name="직선 화살표 연결선 50">
-              <a:extLst>
-                <a:ext uri="{FF2B5EF4-FFF2-40B4-BE49-F238E27FC236}">
-                  <a16:creationId xmlns:a16="http://schemas.microsoft.com/office/drawing/2014/main" id="{D83DE204-84F6-9E41-A2CE-D76E60760353}"/>
-                </a:ext>
-              </a:extLst>
-            </p:cNvPr>
-            <p:cNvCxnSpPr>
-              <a:cxnSpLocks/>
-            </p:cNvCxnSpPr>
-            <p:nvPr/>
-          </p:nvCxnSpPr>
-          <p:spPr>
-            <a:xfrm flipH="1">
-              <a:off x="2727431" y="3304414"/>
-              <a:ext cx="1887239" cy="266649"/>
-            </a:xfrm>
-            <a:prstGeom prst="straightConnector1">
-              <a:avLst/>
-            </a:prstGeom>
-            <a:ln w="50800">
-              <a:solidFill>
-                <a:schemeClr val="tx1"/>
-              </a:solidFill>
-              <a:tailEnd type="triangle"/>
-            </a:ln>
-          </p:spPr>
-          <p:style>
-            <a:lnRef idx="1">
-              <a:schemeClr val="accent1"/>
-            </a:lnRef>
-            <a:fillRef idx="0">
-              <a:schemeClr val="accent1"/>
-            </a:fillRef>
-            <a:effectRef idx="0">
-              <a:schemeClr val="accent1"/>
-            </a:effectRef>
-            <a:fontRef idx="minor">
-              <a:schemeClr val="tx1"/>
-            </a:fontRef>
-          </p:style>
-        </p:cxnSp>
         <p:sp>
           <p:nvSpPr>
-            <p:cNvPr id="54" name="직사각형 53">
-              <a:extLst>
-                <a:ext uri="{FF2B5EF4-FFF2-40B4-BE49-F238E27FC236}">
-                  <a16:creationId xmlns:a16="http://schemas.microsoft.com/office/drawing/2014/main" id="{F767E88D-7ED9-B448-9A7C-68E42C5C85DA}"/>
+            <p:cNvPr id="22" name="직사각형 21">
+              <a:extLst>
+                <a:ext uri="{FF2B5EF4-FFF2-40B4-BE49-F238E27FC236}">
+                  <a16:creationId xmlns:a16="http://schemas.microsoft.com/office/drawing/2014/main" id="{4F423732-8FE2-1548-8EDF-C77F263DDF55}"/>
                 </a:ext>
               </a:extLst>
             </p:cNvPr>
@@ -8257,21 +11616,12 @@
           </p:nvSpPr>
           <p:spPr>
             <a:xfrm>
-              <a:off x="4651588" y="3812475"/>
-              <a:ext cx="1844642" cy="571384"/>
+              <a:off x="4558970" y="4847499"/>
+              <a:ext cx="606222" cy="240323"/>
             </a:xfrm>
             <a:prstGeom prst="rect">
               <a:avLst/>
             </a:prstGeom>
-            <a:solidFill>
-              <a:schemeClr val="accent2">
-                <a:lumMod val="20000"/>
-                <a:lumOff val="80000"/>
-              </a:schemeClr>
-            </a:solidFill>
-            <a:ln>
-              <a:noFill/>
-            </a:ln>
           </p:spPr>
           <p:style>
             <a:lnRef idx="2">
@@ -8294,155 +11644,153 @@
             <a:lstStyle/>
             <a:p>
               <a:pPr algn="ctr"/>
-              <a:r>
-                <a:rPr kumimoji="1" lang="ko-KR" altLang="en-US" dirty="0">
-                  <a:solidFill>
-                    <a:sysClr val="windowText" lastClr="000000"/>
-                  </a:solidFill>
-                </a:rPr>
-                <a:t>응답 결과 생성</a:t>
-              </a:r>
+              <a:endParaRPr kumimoji="1" lang="ko-KR" altLang="en-US"/>
             </a:p>
           </p:txBody>
         </p:sp>
-        <p:cxnSp>
-          <p:nvCxnSpPr>
-            <p:cNvPr id="55" name="직선 화살표 연결선 54">
-              <a:extLst>
-                <a:ext uri="{FF2B5EF4-FFF2-40B4-BE49-F238E27FC236}">
-                  <a16:creationId xmlns:a16="http://schemas.microsoft.com/office/drawing/2014/main" id="{E0913B90-D62D-B941-9A87-BB103C4DF8F8}"/>
-                </a:ext>
-              </a:extLst>
-            </p:cNvPr>
-            <p:cNvCxnSpPr>
-              <a:cxnSpLocks/>
-            </p:cNvCxnSpPr>
-            <p:nvPr/>
-          </p:nvCxnSpPr>
-          <p:spPr>
-            <a:xfrm>
-              <a:off x="2717600" y="3571063"/>
-              <a:ext cx="1887239" cy="241412"/>
-            </a:xfrm>
-            <a:prstGeom prst="straightConnector1">
-              <a:avLst/>
-            </a:prstGeom>
-            <a:ln w="50800">
-              <a:solidFill>
-                <a:schemeClr val="tx1"/>
-              </a:solidFill>
-              <a:tailEnd type="triangle"/>
-            </a:ln>
+        <p:sp>
+          <p:nvSpPr>
+            <p:cNvPr id="24" name="직사각형 23">
+              <a:extLst>
+                <a:ext uri="{FF2B5EF4-FFF2-40B4-BE49-F238E27FC236}">
+                  <a16:creationId xmlns:a16="http://schemas.microsoft.com/office/drawing/2014/main" id="{C0549E9F-03B8-7F41-8E68-CDCB0A0CA3D2}"/>
+                </a:ext>
+              </a:extLst>
+            </p:cNvPr>
+            <p:cNvSpPr/>
+            <p:nvPr/>
+          </p:nvSpPr>
+          <p:spPr>
+            <a:xfrm>
+              <a:off x="4558970" y="5122991"/>
+              <a:ext cx="606222" cy="240323"/>
+            </a:xfrm>
+            <a:prstGeom prst="rect">
+              <a:avLst/>
+            </a:prstGeom>
           </p:spPr>
           <p:style>
-            <a:lnRef idx="1">
-              <a:schemeClr val="accent1"/>
+            <a:lnRef idx="2">
+              <a:schemeClr val="accent1">
+                <a:shade val="50000"/>
+              </a:schemeClr>
             </a:lnRef>
-            <a:fillRef idx="0">
+            <a:fillRef idx="1">
               <a:schemeClr val="accent1"/>
             </a:fillRef>
             <a:effectRef idx="0">
               <a:schemeClr val="accent1"/>
             </a:effectRef>
             <a:fontRef idx="minor">
-              <a:schemeClr val="tx1"/>
+              <a:schemeClr val="lt1"/>
             </a:fontRef>
           </p:style>
-        </p:cxnSp>
-        <p:sp>
-          <p:nvSpPr>
-            <p:cNvPr id="56" name="TextBox 55">
-              <a:extLst>
-                <a:ext uri="{FF2B5EF4-FFF2-40B4-BE49-F238E27FC236}">
-                  <a16:creationId xmlns:a16="http://schemas.microsoft.com/office/drawing/2014/main" id="{EEEEE69C-B682-3641-A515-43D3124F2ECB}"/>
-                </a:ext>
-              </a:extLst>
-            </p:cNvPr>
-            <p:cNvSpPr txBox="1"/>
-            <p:nvPr/>
-          </p:nvSpPr>
-          <p:spPr>
-            <a:xfrm>
-              <a:off x="2733812" y="4666060"/>
-              <a:ext cx="1859565" cy="338554"/>
-            </a:xfrm>
-            <a:prstGeom prst="rect">
-              <a:avLst/>
-            </a:prstGeom>
-            <a:solidFill>
-              <a:schemeClr val="accent6">
-                <a:lumMod val="20000"/>
-                <a:lumOff val="80000"/>
-              </a:schemeClr>
-            </a:solidFill>
-          </p:spPr>
           <p:txBody>
-            <a:bodyPr wrap="square" rtlCol="0">
-              <a:spAutoFit/>
-            </a:bodyPr>
+            <a:bodyPr rtlCol="0" anchor="ctr"/>
             <a:lstStyle/>
             <a:p>
               <a:pPr algn="ctr"/>
-              <a:r>
-                <a:rPr kumimoji="1" lang="en-US" altLang="ko-KR" sz="1600" dirty="0"/>
-                <a:t>TCP</a:t>
-              </a:r>
-              <a:r>
-                <a:rPr kumimoji="1" lang="ko-KR" altLang="en-US" sz="1600" dirty="0"/>
-                <a:t> 연결 해제</a:t>
-              </a:r>
+              <a:endParaRPr kumimoji="1" lang="ko-KR" altLang="en-US"/>
             </a:p>
           </p:txBody>
         </p:sp>
-        <p:cxnSp>
-          <p:nvCxnSpPr>
-            <p:cNvPr id="57" name="직선 화살표 연결선 56">
-              <a:extLst>
-                <a:ext uri="{FF2B5EF4-FFF2-40B4-BE49-F238E27FC236}">
-                  <a16:creationId xmlns:a16="http://schemas.microsoft.com/office/drawing/2014/main" id="{FB1BE8D6-3BDC-664B-ABB1-42AA8D8A4141}"/>
-                </a:ext>
-              </a:extLst>
-            </p:cNvPr>
-            <p:cNvCxnSpPr>
-              <a:cxnSpLocks/>
-            </p:cNvCxnSpPr>
-            <p:nvPr/>
-          </p:nvCxnSpPr>
-          <p:spPr>
-            <a:xfrm flipH="1">
-              <a:off x="2727431" y="4383859"/>
-              <a:ext cx="1887239" cy="266649"/>
-            </a:xfrm>
-            <a:prstGeom prst="straightConnector1">
-              <a:avLst/>
-            </a:prstGeom>
-            <a:ln w="50800">
-              <a:solidFill>
-                <a:schemeClr val="tx1"/>
-              </a:solidFill>
-              <a:tailEnd type="triangle"/>
-            </a:ln>
+        <p:sp>
+          <p:nvSpPr>
+            <p:cNvPr id="25" name="직사각형 24">
+              <a:extLst>
+                <a:ext uri="{FF2B5EF4-FFF2-40B4-BE49-F238E27FC236}">
+                  <a16:creationId xmlns:a16="http://schemas.microsoft.com/office/drawing/2014/main" id="{5C64B467-F474-8141-83D6-0537D0E530DF}"/>
+                </a:ext>
+              </a:extLst>
+            </p:cNvPr>
+            <p:cNvSpPr/>
+            <p:nvPr/>
+          </p:nvSpPr>
+          <p:spPr>
+            <a:xfrm>
+              <a:off x="5165192" y="5392628"/>
+              <a:ext cx="606222" cy="240323"/>
+            </a:xfrm>
+            <a:prstGeom prst="rect">
+              <a:avLst/>
+            </a:prstGeom>
           </p:spPr>
           <p:style>
-            <a:lnRef idx="1">
-              <a:schemeClr val="accent1"/>
+            <a:lnRef idx="2">
+              <a:schemeClr val="accent1">
+                <a:shade val="50000"/>
+              </a:schemeClr>
             </a:lnRef>
-            <a:fillRef idx="0">
+            <a:fillRef idx="1">
               <a:schemeClr val="accent1"/>
             </a:fillRef>
             <a:effectRef idx="0">
               <a:schemeClr val="accent1"/>
             </a:effectRef>
             <a:fontRef idx="minor">
-              <a:schemeClr val="tx1"/>
+              <a:schemeClr val="lt1"/>
             </a:fontRef>
           </p:style>
-        </p:cxnSp>
+          <p:txBody>
+            <a:bodyPr rtlCol="0" anchor="ctr"/>
+            <a:lstStyle/>
+            <a:p>
+              <a:pPr algn="ctr"/>
+              <a:endParaRPr kumimoji="1" lang="ko-KR" altLang="en-US"/>
+            </a:p>
+          </p:txBody>
+        </p:sp>
+        <p:sp>
+          <p:nvSpPr>
+            <p:cNvPr id="26" name="직사각형 25">
+              <a:extLst>
+                <a:ext uri="{FF2B5EF4-FFF2-40B4-BE49-F238E27FC236}">
+                  <a16:creationId xmlns:a16="http://schemas.microsoft.com/office/drawing/2014/main" id="{8BF29694-A780-D649-9097-E218837CB92F}"/>
+                </a:ext>
+              </a:extLst>
+            </p:cNvPr>
+            <p:cNvSpPr/>
+            <p:nvPr/>
+          </p:nvSpPr>
+          <p:spPr>
+            <a:xfrm>
+              <a:off x="5165192" y="5665188"/>
+              <a:ext cx="606222" cy="240323"/>
+            </a:xfrm>
+            <a:prstGeom prst="rect">
+              <a:avLst/>
+            </a:prstGeom>
+          </p:spPr>
+          <p:style>
+            <a:lnRef idx="2">
+              <a:schemeClr val="accent1">
+                <a:shade val="50000"/>
+              </a:schemeClr>
+            </a:lnRef>
+            <a:fillRef idx="1">
+              <a:schemeClr val="accent1"/>
+            </a:fillRef>
+            <a:effectRef idx="0">
+              <a:schemeClr val="accent1"/>
+            </a:effectRef>
+            <a:fontRef idx="minor">
+              <a:schemeClr val="lt1"/>
+            </a:fontRef>
+          </p:style>
+          <p:txBody>
+            <a:bodyPr rtlCol="0" anchor="ctr"/>
+            <a:lstStyle/>
+            <a:p>
+              <a:pPr algn="ctr"/>
+              <a:endParaRPr kumimoji="1" lang="ko-KR" altLang="en-US"/>
+            </a:p>
+          </p:txBody>
+        </p:sp>
       </p:grpSp>
     </p:spTree>
     <p:extLst>
       <p:ext uri="{BB962C8B-B14F-4D97-AF65-F5344CB8AC3E}">
-        <p14:creationId xmlns:p14="http://schemas.microsoft.com/office/powerpoint/2010/main" val="268608801"/>
+        <p14:creationId xmlns:p14="http://schemas.microsoft.com/office/powerpoint/2010/main" val="241960263"/>
       </p:ext>
     </p:extLst>
   </p:cSld>
@@ -8452,8 +11800,8 @@
 </p:sld>
 </file>
 
-<file path=ppt/slides/slide8.xml><?xml version="1.0" encoding="utf-8"?>
-<p:sld xmlns:a="http://schemas.openxmlformats.org/drawingml/2006/main" xmlns:r="http://schemas.openxmlformats.org/officeDocument/2006/relationships" xmlns:p="http://schemas.openxmlformats.org/presentationml/2006/main" show="0">
+<file path=ppt/slides/slide9.xml><?xml version="1.0" encoding="utf-8"?>
+<p:sld xmlns:a="http://schemas.openxmlformats.org/drawingml/2006/main" xmlns:r="http://schemas.openxmlformats.org/officeDocument/2006/relationships" xmlns:p="http://schemas.openxmlformats.org/presentationml/2006/main">
   <p:cSld>
     <p:spTree>
       <p:nvGrpSpPr>
@@ -8471,10 +11819,10 @@
       </p:grpSpPr>
       <p:grpSp>
         <p:nvGrpSpPr>
-          <p:cNvPr id="4" name="그룹 3">
+          <p:cNvPr id="2" name="그룹 1">
             <a:extLst>
               <a:ext uri="{FF2B5EF4-FFF2-40B4-BE49-F238E27FC236}">
-                <a16:creationId xmlns:a16="http://schemas.microsoft.com/office/drawing/2014/main" id="{A5A08FB9-B1CB-9B4A-AC77-0C969C123815}"/>
+                <a16:creationId xmlns:a16="http://schemas.microsoft.com/office/drawing/2014/main" id="{593C5BDF-3C50-0047-96F8-133587AC27F1}"/>
               </a:ext>
             </a:extLst>
           </p:cNvPr>
@@ -8525,12 +11873,9 @@
               <a:pPr algn="ctr"/>
               <a:r>
                 <a:rPr kumimoji="1" lang="en-US" altLang="ko-KR" sz="1600" dirty="0"/>
-                <a:t>TCP </a:t>
+                <a:t>Connection</a:t>
               </a:r>
-              <a:r>
-                <a:rPr kumimoji="1" lang="ko-KR" altLang="en-US" sz="1600" dirty="0"/>
-                <a:t>연결</a:t>
-              </a:r>
+              <a:endParaRPr kumimoji="1" lang="ko-KR" altLang="en-US" sz="1600" dirty="0"/>
             </a:p>
           </p:txBody>
         </p:sp>
@@ -8703,7 +12048,7 @@
           <p:spPr>
             <a:xfrm>
               <a:off x="4653729" y="1653585"/>
-              <a:ext cx="1844642" cy="571384"/>
+              <a:ext cx="1844642" cy="2368648"/>
             </a:xfrm>
             <a:prstGeom prst="rect">
               <a:avLst/>
@@ -8810,7 +12155,7 @@
           </p:nvCxnSpPr>
           <p:spPr>
             <a:xfrm flipH="1">
-              <a:off x="2729572" y="2224969"/>
+              <a:off x="2729572" y="4022233"/>
               <a:ext cx="1887239" cy="266649"/>
             </a:xfrm>
             <a:prstGeom prst="straightConnector1">
@@ -8852,7 +12197,7 @@
           </p:nvSpPr>
           <p:spPr>
             <a:xfrm>
-              <a:off x="4653729" y="2224969"/>
+              <a:off x="4653729" y="4022233"/>
               <a:ext cx="1844642" cy="571384"/>
             </a:xfrm>
             <a:prstGeom prst="rect">
@@ -8960,7 +12305,7 @@
           </p:nvCxnSpPr>
           <p:spPr>
             <a:xfrm flipH="1">
-              <a:off x="2723441" y="2783393"/>
+              <a:off x="2723441" y="4580657"/>
               <a:ext cx="1887239" cy="266649"/>
             </a:xfrm>
             <a:prstGeom prst="straightConnector1">
@@ -9002,7 +12347,7 @@
           </p:nvSpPr>
           <p:spPr>
             <a:xfrm>
-              <a:off x="4653729" y="2796353"/>
+              <a:off x="4653729" y="4593617"/>
               <a:ext cx="1844642" cy="571384"/>
             </a:xfrm>
             <a:prstGeom prst="rect">
@@ -9108,7 +12453,7 @@
           </p:nvSpPr>
           <p:spPr>
             <a:xfrm>
-              <a:off x="2729921" y="3634386"/>
+              <a:off x="2729921" y="5431650"/>
               <a:ext cx="1859565" cy="338554"/>
             </a:xfrm>
             <a:prstGeom prst="rect">
@@ -9130,12 +12475,9 @@
               <a:pPr algn="ctr"/>
               <a:r>
                 <a:rPr kumimoji="1" lang="en-US" altLang="ko-KR" sz="1600" dirty="0"/>
-                <a:t>TCP</a:t>
+                <a:t>Disconnection</a:t>
               </a:r>
-              <a:r>
-                <a:rPr kumimoji="1" lang="ko-KR" altLang="en-US" sz="1600" dirty="0"/>
-                <a:t> 연결 해제</a:t>
-              </a:r>
+              <a:endParaRPr kumimoji="1" lang="ko-KR" altLang="en-US" sz="1600" dirty="0"/>
             </a:p>
           </p:txBody>
         </p:sp>
@@ -9155,7 +12497,7 @@
           </p:nvCxnSpPr>
           <p:spPr>
             <a:xfrm flipH="1">
-              <a:off x="2716042" y="3367737"/>
+              <a:off x="2716042" y="5165001"/>
               <a:ext cx="1887239" cy="266649"/>
             </a:xfrm>
             <a:prstGeom prst="straightConnector1">
@@ -9187,7 +12529,7 @@
     </p:spTree>
     <p:extLst>
       <p:ext uri="{BB962C8B-B14F-4D97-AF65-F5344CB8AC3E}">
-        <p14:creationId xmlns:p14="http://schemas.microsoft.com/office/powerpoint/2010/main" val="2034092813"/>
+        <p14:creationId xmlns:p14="http://schemas.microsoft.com/office/powerpoint/2010/main" val="888965068"/>
       </p:ext>
     </p:extLst>
   </p:cSld>
@@ -9490,4 +12832,299 @@
     </a:ext>
   </a:extLst>
 </a:theme>
+</file>
+
+<file path=ppt/theme/theme2.xml><?xml version="1.0" encoding="utf-8"?>
+<a:theme xmlns:a="http://schemas.openxmlformats.org/drawingml/2006/main" name="Office 테마">
+  <a:themeElements>
+    <a:clrScheme name="Office">
+      <a:dk1>
+        <a:sysClr val="windowText" lastClr="000000"/>
+      </a:dk1>
+      <a:lt1>
+        <a:sysClr val="window" lastClr="FFFFFF"/>
+      </a:lt1>
+      <a:dk2>
+        <a:srgbClr val="44546A"/>
+      </a:dk2>
+      <a:lt2>
+        <a:srgbClr val="E7E6E6"/>
+      </a:lt2>
+      <a:accent1>
+        <a:srgbClr val="4472C4"/>
+      </a:accent1>
+      <a:accent2>
+        <a:srgbClr val="ED7D31"/>
+      </a:accent2>
+      <a:accent3>
+        <a:srgbClr val="A5A5A5"/>
+      </a:accent3>
+      <a:accent4>
+        <a:srgbClr val="FFC000"/>
+      </a:accent4>
+      <a:accent5>
+        <a:srgbClr val="5B9BD5"/>
+      </a:accent5>
+      <a:accent6>
+        <a:srgbClr val="70AD47"/>
+      </a:accent6>
+      <a:hlink>
+        <a:srgbClr val="0563C1"/>
+      </a:hlink>
+      <a:folHlink>
+        <a:srgbClr val="954F72"/>
+      </a:folHlink>
+    </a:clrScheme>
+    <a:fontScheme name="Office">
+      <a:majorFont>
+        <a:latin typeface="맑은 고딕" panose="020F0302020204030204"/>
+        <a:ea typeface=""/>
+        <a:cs typeface=""/>
+        <a:font script="Jpan" typeface="游ゴシック Light"/>
+        <a:font script="Hang" typeface="맑은 고딕"/>
+        <a:font script="Hans" typeface="等线 Light"/>
+        <a:font script="Hant" typeface="新細明體"/>
+        <a:font script="Arab" typeface="Times New Roman"/>
+        <a:font script="Hebr" typeface="Times New Roman"/>
+        <a:font script="Thai" typeface="Angsana New"/>
+        <a:font script="Ethi" typeface="Nyala"/>
+        <a:font script="Beng" typeface="Vrinda"/>
+        <a:font script="Gujr" typeface="Shruti"/>
+        <a:font script="Khmr" typeface="MoolBoran"/>
+        <a:font script="Knda" typeface="Tunga"/>
+        <a:font script="Guru" typeface="Raavi"/>
+        <a:font script="Cans" typeface="Euphemia"/>
+        <a:font script="Cher" typeface="Plantagenet Cherokee"/>
+        <a:font script="Yiii" typeface="Microsoft Yi Baiti"/>
+        <a:font script="Tibt" typeface="Microsoft Himalaya"/>
+        <a:font script="Thaa" typeface="MV Boli"/>
+        <a:font script="Deva" typeface="Mangal"/>
+        <a:font script="Telu" typeface="Gautami"/>
+        <a:font script="Taml" typeface="Latha"/>
+        <a:font script="Syrc" typeface="Estrangelo Edessa"/>
+        <a:font script="Orya" typeface="Kalinga"/>
+        <a:font script="Mlym" typeface="Kartika"/>
+        <a:font script="Laoo" typeface="DokChampa"/>
+        <a:font script="Sinh" typeface="Iskoola Pota"/>
+        <a:font script="Mong" typeface="Mongolian Baiti"/>
+        <a:font script="Viet" typeface="Times New Roman"/>
+        <a:font script="Uigh" typeface="Microsoft Uighur"/>
+        <a:font script="Geor" typeface="Sylfaen"/>
+        <a:font script="Armn" typeface="Arial"/>
+        <a:font script="Bugi" typeface="Leelawadee UI"/>
+        <a:font script="Bopo" typeface="Microsoft JhengHei"/>
+        <a:font script="Java" typeface="Javanese Text"/>
+        <a:font script="Lisu" typeface="Segoe UI"/>
+        <a:font script="Mymr" typeface="Myanmar Text"/>
+        <a:font script="Nkoo" typeface="Ebrima"/>
+        <a:font script="Olck" typeface="Nirmala UI"/>
+        <a:font script="Osma" typeface="Ebrima"/>
+        <a:font script="Phag" typeface="Phagspa"/>
+        <a:font script="Syrn" typeface="Estrangelo Edessa"/>
+        <a:font script="Syrj" typeface="Estrangelo Edessa"/>
+        <a:font script="Syre" typeface="Estrangelo Edessa"/>
+        <a:font script="Sora" typeface="Nirmala UI"/>
+        <a:font script="Tale" typeface="Microsoft Tai Le"/>
+        <a:font script="Talu" typeface="Microsoft New Tai Lue"/>
+        <a:font script="Tfng" typeface="Ebrima"/>
+      </a:majorFont>
+      <a:minorFont>
+        <a:latin typeface="맑은 고딕" panose="020F0502020204030204"/>
+        <a:ea typeface=""/>
+        <a:cs typeface=""/>
+        <a:font script="Jpan" typeface="游ゴシック"/>
+        <a:font script="Hang" typeface="맑은 고딕"/>
+        <a:font script="Hans" typeface="等线"/>
+        <a:font script="Hant" typeface="新細明體"/>
+        <a:font script="Arab" typeface="Arial"/>
+        <a:font script="Hebr" typeface="Arial"/>
+        <a:font script="Thai" typeface="Cordia New"/>
+        <a:font script="Ethi" typeface="Nyala"/>
+        <a:font script="Beng" typeface="Vrinda"/>
+        <a:font script="Gujr" typeface="Shruti"/>
+        <a:font script="Khmr" typeface="DaunPenh"/>
+        <a:font script="Knda" typeface="Tunga"/>
+        <a:font script="Guru" typeface="Raavi"/>
+        <a:font script="Cans" typeface="Euphemia"/>
+        <a:font script="Cher" typeface="Plantagenet Cherokee"/>
+        <a:font script="Yiii" typeface="Microsoft Yi Baiti"/>
+        <a:font script="Tibt" typeface="Microsoft Himalaya"/>
+        <a:font script="Thaa" typeface="MV Boli"/>
+        <a:font script="Deva" typeface="Mangal"/>
+        <a:font script="Telu" typeface="Gautami"/>
+        <a:font script="Taml" typeface="Latha"/>
+        <a:font script="Syrc" typeface="Estrangelo Edessa"/>
+        <a:font script="Orya" typeface="Kalinga"/>
+        <a:font script="Mlym" typeface="Kartika"/>
+        <a:font script="Laoo" typeface="DokChampa"/>
+        <a:font script="Sinh" typeface="Iskoola Pota"/>
+        <a:font script="Mong" typeface="Mongolian Baiti"/>
+        <a:font script="Viet" typeface="Arial"/>
+        <a:font script="Uigh" typeface="Microsoft Uighur"/>
+        <a:font script="Geor" typeface="Sylfaen"/>
+        <a:font script="Armn" typeface="Arial"/>
+        <a:font script="Bugi" typeface="Leelawadee UI"/>
+        <a:font script="Bopo" typeface="Microsoft JhengHei"/>
+        <a:font script="Java" typeface="Javanese Text"/>
+        <a:font script="Lisu" typeface="Segoe UI"/>
+        <a:font script="Mymr" typeface="Myanmar Text"/>
+        <a:font script="Nkoo" typeface="Ebrima"/>
+        <a:font script="Olck" typeface="Nirmala UI"/>
+        <a:font script="Osma" typeface="Ebrima"/>
+        <a:font script="Phag" typeface="Phagspa"/>
+        <a:font script="Syrn" typeface="Estrangelo Edessa"/>
+        <a:font script="Syrj" typeface="Estrangelo Edessa"/>
+        <a:font script="Syre" typeface="Estrangelo Edessa"/>
+        <a:font script="Sora" typeface="Nirmala UI"/>
+        <a:font script="Tale" typeface="Microsoft Tai Le"/>
+        <a:font script="Talu" typeface="Microsoft New Tai Lue"/>
+        <a:font script="Tfng" typeface="Ebrima"/>
+      </a:minorFont>
+    </a:fontScheme>
+    <a:fmtScheme name="Office">
+      <a:fillStyleLst>
+        <a:solidFill>
+          <a:schemeClr val="phClr"/>
+        </a:solidFill>
+        <a:gradFill rotWithShape="1">
+          <a:gsLst>
+            <a:gs pos="0">
+              <a:schemeClr val="phClr">
+                <a:lumMod val="110000"/>
+                <a:satMod val="105000"/>
+                <a:tint val="67000"/>
+              </a:schemeClr>
+            </a:gs>
+            <a:gs pos="50000">
+              <a:schemeClr val="phClr">
+                <a:lumMod val="105000"/>
+                <a:satMod val="103000"/>
+                <a:tint val="73000"/>
+              </a:schemeClr>
+            </a:gs>
+            <a:gs pos="100000">
+              <a:schemeClr val="phClr">
+                <a:lumMod val="105000"/>
+                <a:satMod val="109000"/>
+                <a:tint val="81000"/>
+              </a:schemeClr>
+            </a:gs>
+          </a:gsLst>
+          <a:lin ang="5400000" scaled="0"/>
+        </a:gradFill>
+        <a:gradFill rotWithShape="1">
+          <a:gsLst>
+            <a:gs pos="0">
+              <a:schemeClr val="phClr">
+                <a:satMod val="103000"/>
+                <a:lumMod val="102000"/>
+                <a:tint val="94000"/>
+              </a:schemeClr>
+            </a:gs>
+            <a:gs pos="50000">
+              <a:schemeClr val="phClr">
+                <a:satMod val="110000"/>
+                <a:lumMod val="100000"/>
+                <a:shade val="100000"/>
+              </a:schemeClr>
+            </a:gs>
+            <a:gs pos="100000">
+              <a:schemeClr val="phClr">
+                <a:lumMod val="99000"/>
+                <a:satMod val="120000"/>
+                <a:shade val="78000"/>
+              </a:schemeClr>
+            </a:gs>
+          </a:gsLst>
+          <a:lin ang="5400000" scaled="0"/>
+        </a:gradFill>
+      </a:fillStyleLst>
+      <a:lnStyleLst>
+        <a:ln w="6350" cap="flat" cmpd="sng" algn="ctr">
+          <a:solidFill>
+            <a:schemeClr val="phClr"/>
+          </a:solidFill>
+          <a:prstDash val="solid"/>
+          <a:miter lim="800000"/>
+        </a:ln>
+        <a:ln w="12700" cap="flat" cmpd="sng" algn="ctr">
+          <a:solidFill>
+            <a:schemeClr val="phClr"/>
+          </a:solidFill>
+          <a:prstDash val="solid"/>
+          <a:miter lim="800000"/>
+        </a:ln>
+        <a:ln w="19050" cap="flat" cmpd="sng" algn="ctr">
+          <a:solidFill>
+            <a:schemeClr val="phClr"/>
+          </a:solidFill>
+          <a:prstDash val="solid"/>
+          <a:miter lim="800000"/>
+        </a:ln>
+      </a:lnStyleLst>
+      <a:effectStyleLst>
+        <a:effectStyle>
+          <a:effectLst/>
+        </a:effectStyle>
+        <a:effectStyle>
+          <a:effectLst/>
+        </a:effectStyle>
+        <a:effectStyle>
+          <a:effectLst>
+            <a:outerShdw blurRad="57150" dist="19050" dir="5400000" algn="ctr" rotWithShape="0">
+              <a:srgbClr val="000000">
+                <a:alpha val="63000"/>
+              </a:srgbClr>
+            </a:outerShdw>
+          </a:effectLst>
+        </a:effectStyle>
+      </a:effectStyleLst>
+      <a:bgFillStyleLst>
+        <a:solidFill>
+          <a:schemeClr val="phClr"/>
+        </a:solidFill>
+        <a:solidFill>
+          <a:schemeClr val="phClr">
+            <a:tint val="95000"/>
+            <a:satMod val="170000"/>
+          </a:schemeClr>
+        </a:solidFill>
+        <a:gradFill rotWithShape="1">
+          <a:gsLst>
+            <a:gs pos="0">
+              <a:schemeClr val="phClr">
+                <a:tint val="93000"/>
+                <a:satMod val="150000"/>
+                <a:shade val="98000"/>
+                <a:lumMod val="102000"/>
+              </a:schemeClr>
+            </a:gs>
+            <a:gs pos="50000">
+              <a:schemeClr val="phClr">
+                <a:tint val="98000"/>
+                <a:satMod val="130000"/>
+                <a:shade val="90000"/>
+                <a:lumMod val="103000"/>
+              </a:schemeClr>
+            </a:gs>
+            <a:gs pos="100000">
+              <a:schemeClr val="phClr">
+                <a:shade val="63000"/>
+                <a:satMod val="120000"/>
+              </a:schemeClr>
+            </a:gs>
+          </a:gsLst>
+          <a:lin ang="5400000" scaled="0"/>
+        </a:gradFill>
+      </a:bgFillStyleLst>
+    </a:fmtScheme>
+  </a:themeElements>
+  <a:objectDefaults/>
+  <a:extraClrSchemeLst/>
+  <a:extLst>
+    <a:ext uri="{05A4C25C-085E-4340-85A3-A5531E510DB2}">
+      <thm15:themeFamily xmlns:thm15="http://schemas.microsoft.com/office/thememl/2012/main" name="Office Theme" id="{62F939B6-93AF-4DB8-9C6B-D6C7DFDC589F}" vid="{4A3C46E8-61CC-4603-A589-7422A47A8E4A}"/>
+    </a:ext>
+  </a:extLst>
+</a:theme>
 </file>
--- a/static/assets/img/posts/etc/http-version.pptx
+++ b/static/assets/img/posts/etc/http-version.pptx
@@ -11,12 +11,12 @@
     <p:sldId id="256" r:id="rId2"/>
     <p:sldId id="259" r:id="rId3"/>
     <p:sldId id="258" r:id="rId4"/>
-    <p:sldId id="263" r:id="rId5"/>
-    <p:sldId id="264" r:id="rId6"/>
-    <p:sldId id="265" r:id="rId7"/>
-    <p:sldId id="266" r:id="rId8"/>
-    <p:sldId id="267" r:id="rId9"/>
-    <p:sldId id="268" r:id="rId10"/>
+    <p:sldId id="268" r:id="rId5"/>
+    <p:sldId id="263" r:id="rId6"/>
+    <p:sldId id="264" r:id="rId7"/>
+    <p:sldId id="265" r:id="rId8"/>
+    <p:sldId id="266" r:id="rId9"/>
+    <p:sldId id="267" r:id="rId10"/>
     <p:sldId id="260" r:id="rId11"/>
     <p:sldId id="261" r:id="rId12"/>
     <p:sldId id="262" r:id="rId13"/>
@@ -208,7 +208,7 @@
           <a:p>
             <a:fld id="{4E790157-85E3-D64D-BB31-E2A6B705DD4B}" type="datetimeFigureOut">
               <a:rPr kumimoji="1" lang="ko-KR" altLang="en-US" smtClean="0"/>
-              <a:t>2022. 2. 25.</a:t>
+              <a:t>2022. 2. 27.</a:t>
             </a:fld>
             <a:endParaRPr kumimoji="1" lang="ko-KR" altLang="en-US"/>
           </a:p>
@@ -515,7 +515,7 @@
           <a:p>
             <a:fld id="{D5C8F6F6-4F2C-284F-81C8-8588BBA2EA2B}" type="slidenum">
               <a:rPr kumimoji="1" lang="ko-KR" altLang="en-US" smtClean="0"/>
-              <a:t>5</a:t>
+              <a:t>6</a:t>
             </a:fld>
             <a:endParaRPr kumimoji="1" lang="ko-KR" altLang="en-US"/>
           </a:p>
@@ -681,7 +681,7 @@
           <a:p>
             <a:fld id="{187B024A-58F9-A941-8036-04AB132CF501}" type="datetimeFigureOut">
               <a:rPr kumimoji="1" lang="ko-KR" altLang="en-US" smtClean="0"/>
-              <a:t>2022. 2. 25.</a:t>
+              <a:t>2022. 2. 27.</a:t>
             </a:fld>
             <a:endParaRPr kumimoji="1" lang="ko-KR" altLang="en-US"/>
           </a:p>
@@ -854,7 +854,7 @@
           <a:p>
             <a:fld id="{187B024A-58F9-A941-8036-04AB132CF501}" type="datetimeFigureOut">
               <a:rPr kumimoji="1" lang="ko-KR" altLang="en-US" smtClean="0"/>
-              <a:t>2022. 2. 25.</a:t>
+              <a:t>2022. 2. 27.</a:t>
             </a:fld>
             <a:endParaRPr kumimoji="1" lang="ko-KR" altLang="en-US"/>
           </a:p>
@@ -1037,7 +1037,7 @@
           <a:p>
             <a:fld id="{187B024A-58F9-A941-8036-04AB132CF501}" type="datetimeFigureOut">
               <a:rPr kumimoji="1" lang="ko-KR" altLang="en-US" smtClean="0"/>
-              <a:t>2022. 2. 25.</a:t>
+              <a:t>2022. 2. 27.</a:t>
             </a:fld>
             <a:endParaRPr kumimoji="1" lang="ko-KR" altLang="en-US"/>
           </a:p>
@@ -1210,7 +1210,7 @@
           <a:p>
             <a:fld id="{187B024A-58F9-A941-8036-04AB132CF501}" type="datetimeFigureOut">
               <a:rPr kumimoji="1" lang="ko-KR" altLang="en-US" smtClean="0"/>
-              <a:t>2022. 2. 25.</a:t>
+              <a:t>2022. 2. 27.</a:t>
             </a:fld>
             <a:endParaRPr kumimoji="1" lang="ko-KR" altLang="en-US"/>
           </a:p>
@@ -1488,7 +1488,7 @@
           <a:p>
             <a:fld id="{187B024A-58F9-A941-8036-04AB132CF501}" type="datetimeFigureOut">
               <a:rPr kumimoji="1" lang="ko-KR" altLang="en-US" smtClean="0"/>
-              <a:t>2022. 2. 25.</a:t>
+              <a:t>2022. 2. 27.</a:t>
             </a:fld>
             <a:endParaRPr kumimoji="1" lang="ko-KR" altLang="en-US"/>
           </a:p>
@@ -1703,7 +1703,7 @@
           <a:p>
             <a:fld id="{187B024A-58F9-A941-8036-04AB132CF501}" type="datetimeFigureOut">
               <a:rPr kumimoji="1" lang="ko-KR" altLang="en-US" smtClean="0"/>
-              <a:t>2022. 2. 25.</a:t>
+              <a:t>2022. 2. 27.</a:t>
             </a:fld>
             <a:endParaRPr kumimoji="1" lang="ko-KR" altLang="en-US"/>
           </a:p>
@@ -2071,7 +2071,7 @@
           <a:p>
             <a:fld id="{187B024A-58F9-A941-8036-04AB132CF501}" type="datetimeFigureOut">
               <a:rPr kumimoji="1" lang="ko-KR" altLang="en-US" smtClean="0"/>
-              <a:t>2022. 2. 25.</a:t>
+              <a:t>2022. 2. 27.</a:t>
             </a:fld>
             <a:endParaRPr kumimoji="1" lang="ko-KR" altLang="en-US"/>
           </a:p>
@@ -2212,7 +2212,7 @@
           <a:p>
             <a:fld id="{187B024A-58F9-A941-8036-04AB132CF501}" type="datetimeFigureOut">
               <a:rPr kumimoji="1" lang="ko-KR" altLang="en-US" smtClean="0"/>
-              <a:t>2022. 2. 25.</a:t>
+              <a:t>2022. 2. 27.</a:t>
             </a:fld>
             <a:endParaRPr kumimoji="1" lang="ko-KR" altLang="en-US"/>
           </a:p>
@@ -2325,7 +2325,7 @@
           <a:p>
             <a:fld id="{187B024A-58F9-A941-8036-04AB132CF501}" type="datetimeFigureOut">
               <a:rPr kumimoji="1" lang="ko-KR" altLang="en-US" smtClean="0"/>
-              <a:t>2022. 2. 25.</a:t>
+              <a:t>2022. 2. 27.</a:t>
             </a:fld>
             <a:endParaRPr kumimoji="1" lang="ko-KR" altLang="en-US"/>
           </a:p>
@@ -2614,7 +2614,7 @@
           <a:p>
             <a:fld id="{187B024A-58F9-A941-8036-04AB132CF501}" type="datetimeFigureOut">
               <a:rPr kumimoji="1" lang="ko-KR" altLang="en-US" smtClean="0"/>
-              <a:t>2022. 2. 25.</a:t>
+              <a:t>2022. 2. 27.</a:t>
             </a:fld>
             <a:endParaRPr kumimoji="1" lang="ko-KR" altLang="en-US"/>
           </a:p>
@@ -2905,7 +2905,7 @@
           <a:p>
             <a:fld id="{187B024A-58F9-A941-8036-04AB132CF501}" type="datetimeFigureOut">
               <a:rPr kumimoji="1" lang="ko-KR" altLang="en-US" smtClean="0"/>
-              <a:t>2022. 2. 25.</a:t>
+              <a:t>2022. 2. 27.</a:t>
             </a:fld>
             <a:endParaRPr kumimoji="1" lang="ko-KR" altLang="en-US"/>
           </a:p>
@@ -3121,7 +3121,7 @@
           <a:p>
             <a:fld id="{187B024A-58F9-A941-8036-04AB132CF501}" type="datetimeFigureOut">
               <a:rPr kumimoji="1" lang="ko-KR" altLang="en-US" smtClean="0"/>
-              <a:t>2022. 2. 25.</a:t>
+              <a:t>2022. 2. 27.</a:t>
             </a:fld>
             <a:endParaRPr kumimoji="1" lang="ko-KR" altLang="en-US"/>
           </a:p>
@@ -3924,7 +3924,7 @@
             </a:prstGeom>
             <a:ln w="50800">
               <a:solidFill>
-                <a:schemeClr val="tx1"/>
+                <a:schemeClr val="accent4"/>
               </a:solidFill>
               <a:tailEnd type="triangle"/>
             </a:ln>
@@ -4010,7 +4010,7 @@
             </a:prstGeom>
             <a:ln w="50800">
               <a:solidFill>
-                <a:schemeClr val="tx1"/>
+                <a:schemeClr val="accent4"/>
               </a:solidFill>
               <a:tailEnd type="triangle"/>
             </a:ln>
@@ -4116,7 +4116,7 @@
             </a:prstGeom>
             <a:ln w="50800">
               <a:solidFill>
-                <a:schemeClr val="tx1"/>
+                <a:schemeClr val="accent3"/>
               </a:solidFill>
               <a:tailEnd type="triangle"/>
             </a:ln>
@@ -4202,7 +4202,7 @@
             </a:prstGeom>
             <a:ln w="50800">
               <a:solidFill>
-                <a:schemeClr val="tx1"/>
+                <a:schemeClr val="accent3"/>
               </a:solidFill>
               <a:tailEnd type="triangle"/>
             </a:ln>
@@ -4308,7 +4308,7 @@
             </a:prstGeom>
             <a:ln w="50800">
               <a:solidFill>
-                <a:schemeClr val="tx1"/>
+                <a:schemeClr val="accent2"/>
               </a:solidFill>
               <a:tailEnd type="triangle"/>
             </a:ln>
@@ -4394,7 +4394,7 @@
             </a:prstGeom>
             <a:ln w="50800">
               <a:solidFill>
-                <a:schemeClr val="tx1"/>
+                <a:schemeClr val="accent2"/>
               </a:solidFill>
               <a:tailEnd type="triangle"/>
             </a:ln>
@@ -7162,7 +7162,7 @@
             </a:prstGeom>
             <a:ln w="50800">
               <a:solidFill>
-                <a:schemeClr val="tx1"/>
+                <a:schemeClr val="accent4"/>
               </a:solidFill>
               <a:tailEnd type="triangle"/>
             </a:ln>
@@ -7206,7 +7206,7 @@
             </a:prstGeom>
             <a:ln w="50800">
               <a:solidFill>
-                <a:schemeClr val="tx1"/>
+                <a:schemeClr val="accent4"/>
               </a:solidFill>
               <a:tailEnd type="triangle"/>
             </a:ln>
@@ -7312,7 +7312,7 @@
             </a:prstGeom>
             <a:ln w="50800">
               <a:solidFill>
-                <a:schemeClr val="tx1"/>
+                <a:schemeClr val="accent3"/>
               </a:solidFill>
               <a:tailEnd type="triangle"/>
             </a:ln>
@@ -7356,7 +7356,7 @@
             </a:prstGeom>
             <a:ln w="50800">
               <a:solidFill>
-                <a:schemeClr val="tx1"/>
+                <a:schemeClr val="accent3"/>
               </a:solidFill>
               <a:tailEnd type="triangle"/>
             </a:ln>
@@ -7462,7 +7462,7 @@
             </a:prstGeom>
             <a:ln w="50800">
               <a:solidFill>
-                <a:schemeClr val="tx1"/>
+                <a:schemeClr val="accent2"/>
               </a:solidFill>
               <a:tailEnd type="triangle"/>
             </a:ln>
@@ -7548,7 +7548,7 @@
             </a:prstGeom>
             <a:ln w="50800">
               <a:solidFill>
-                <a:schemeClr val="tx1"/>
+                <a:schemeClr val="accent2"/>
               </a:solidFill>
               <a:tailEnd type="triangle"/>
             </a:ln>
@@ -7901,7 +7901,7 @@
             </a:prstGeom>
             <a:ln w="50800">
               <a:solidFill>
-                <a:schemeClr val="tx1"/>
+                <a:schemeClr val="accent4"/>
               </a:solidFill>
               <a:tailEnd type="triangle"/>
             </a:ln>
@@ -7945,7 +7945,7 @@
             </a:prstGeom>
             <a:ln w="50800">
               <a:solidFill>
-                <a:schemeClr val="tx1"/>
+                <a:schemeClr val="accent4"/>
               </a:solidFill>
               <a:tailEnd type="triangle"/>
             </a:ln>
@@ -8051,7 +8051,7 @@
             </a:prstGeom>
             <a:ln w="50800">
               <a:solidFill>
-                <a:schemeClr val="tx1"/>
+                <a:schemeClr val="accent3"/>
               </a:solidFill>
               <a:tailEnd type="triangle"/>
             </a:ln>
@@ -8095,7 +8095,7 @@
             </a:prstGeom>
             <a:ln w="50800">
               <a:solidFill>
-                <a:schemeClr val="tx1"/>
+                <a:schemeClr val="accent3"/>
               </a:solidFill>
               <a:tailEnd type="triangle"/>
             </a:ln>
@@ -8201,7 +8201,7 @@
             </a:prstGeom>
             <a:ln w="50800">
               <a:solidFill>
-                <a:schemeClr val="tx1"/>
+                <a:schemeClr val="accent2"/>
               </a:solidFill>
               <a:tailEnd type="triangle"/>
             </a:ln>
@@ -8287,7 +8287,7 @@
             </a:prstGeom>
             <a:ln w="50800">
               <a:solidFill>
-                <a:schemeClr val="tx1"/>
+                <a:schemeClr val="accent2"/>
               </a:solidFill>
               <a:tailEnd type="triangle"/>
             </a:ln>
@@ -8340,6 +8340,745 @@
       </p:grpSpPr>
       <p:grpSp>
         <p:nvGrpSpPr>
+          <p:cNvPr id="6" name="그룹 5">
+            <a:extLst>
+              <a:ext uri="{FF2B5EF4-FFF2-40B4-BE49-F238E27FC236}">
+                <a16:creationId xmlns:a16="http://schemas.microsoft.com/office/drawing/2014/main" id="{12664D4A-7783-374D-8D49-47E246A8A330}"/>
+              </a:ext>
+            </a:extLst>
+          </p:cNvPr>
+          <p:cNvGrpSpPr/>
+          <p:nvPr/>
+        </p:nvGrpSpPr>
+        <p:grpSpPr>
+          <a:xfrm>
+            <a:off x="2216745" y="471946"/>
+            <a:ext cx="4281626" cy="6148310"/>
+            <a:chOff x="2216745" y="471946"/>
+            <a:chExt cx="4281626" cy="6148310"/>
+          </a:xfrm>
+        </p:grpSpPr>
+        <p:sp>
+          <p:nvSpPr>
+            <p:cNvPr id="19" name="TextBox 18">
+              <a:extLst>
+                <a:ext uri="{FF2B5EF4-FFF2-40B4-BE49-F238E27FC236}">
+                  <a16:creationId xmlns:a16="http://schemas.microsoft.com/office/drawing/2014/main" id="{E327F231-07FA-7B49-ABB3-6A1B0BAA979C}"/>
+                </a:ext>
+              </a:extLst>
+            </p:cNvPr>
+            <p:cNvSpPr txBox="1"/>
+            <p:nvPr/>
+          </p:nvSpPr>
+          <p:spPr>
+            <a:xfrm>
+              <a:off x="2729572" y="1050026"/>
+              <a:ext cx="1865946" cy="338554"/>
+            </a:xfrm>
+            <a:prstGeom prst="rect">
+              <a:avLst/>
+            </a:prstGeom>
+            <a:solidFill>
+              <a:schemeClr val="accent5">
+                <a:lumMod val="20000"/>
+                <a:lumOff val="80000"/>
+              </a:schemeClr>
+            </a:solidFill>
+          </p:spPr>
+          <p:txBody>
+            <a:bodyPr wrap="square" rtlCol="0">
+              <a:spAutoFit/>
+            </a:bodyPr>
+            <a:lstStyle/>
+            <a:p>
+              <a:pPr algn="ctr"/>
+              <a:r>
+                <a:rPr kumimoji="1" lang="en-US" altLang="ko-KR" sz="1600" dirty="0"/>
+                <a:t>Connection</a:t>
+              </a:r>
+              <a:endParaRPr kumimoji="1" lang="ko-KR" altLang="en-US" sz="1600" dirty="0"/>
+            </a:p>
+          </p:txBody>
+        </p:sp>
+        <p:cxnSp>
+          <p:nvCxnSpPr>
+            <p:cNvPr id="21" name="직선 연결선[R] 20">
+              <a:extLst>
+                <a:ext uri="{FF2B5EF4-FFF2-40B4-BE49-F238E27FC236}">
+                  <a16:creationId xmlns:a16="http://schemas.microsoft.com/office/drawing/2014/main" id="{927AC6D2-EDE7-C24E-ADFB-E72F84495A78}"/>
+                </a:ext>
+              </a:extLst>
+            </p:cNvPr>
+            <p:cNvCxnSpPr/>
+            <p:nvPr/>
+          </p:nvCxnSpPr>
+          <p:spPr>
+            <a:xfrm>
+              <a:off x="2706624" y="933611"/>
+              <a:ext cx="0" cy="5686645"/>
+            </a:xfrm>
+            <a:prstGeom prst="line">
+              <a:avLst/>
+            </a:prstGeom>
+            <a:ln w="50800">
+              <a:solidFill>
+                <a:schemeClr val="tx1"/>
+              </a:solidFill>
+            </a:ln>
+          </p:spPr>
+          <p:style>
+            <a:lnRef idx="1">
+              <a:schemeClr val="accent1"/>
+            </a:lnRef>
+            <a:fillRef idx="0">
+              <a:schemeClr val="accent1"/>
+            </a:fillRef>
+            <a:effectRef idx="0">
+              <a:schemeClr val="accent1"/>
+            </a:effectRef>
+            <a:fontRef idx="minor">
+              <a:schemeClr val="tx1"/>
+            </a:fontRef>
+          </p:style>
+        </p:cxnSp>
+        <p:sp>
+          <p:nvSpPr>
+            <p:cNvPr id="23" name="TextBox 22">
+              <a:extLst>
+                <a:ext uri="{FF2B5EF4-FFF2-40B4-BE49-F238E27FC236}">
+                  <a16:creationId xmlns:a16="http://schemas.microsoft.com/office/drawing/2014/main" id="{207ACCCE-BB92-D542-9DC0-C118156E3979}"/>
+                </a:ext>
+              </a:extLst>
+            </p:cNvPr>
+            <p:cNvSpPr txBox="1"/>
+            <p:nvPr/>
+          </p:nvSpPr>
+          <p:spPr>
+            <a:xfrm>
+              <a:off x="2216745" y="471946"/>
+              <a:ext cx="979755" cy="461665"/>
+            </a:xfrm>
+            <a:prstGeom prst="rect">
+              <a:avLst/>
+            </a:prstGeom>
+            <a:noFill/>
+          </p:spPr>
+          <p:txBody>
+            <a:bodyPr wrap="none" rtlCol="0">
+              <a:spAutoFit/>
+            </a:bodyPr>
+            <a:lstStyle/>
+            <a:p>
+              <a:r>
+                <a:rPr kumimoji="1" lang="en-US" altLang="ko-KR" sz="2400" dirty="0"/>
+                <a:t>Client</a:t>
+              </a:r>
+              <a:endParaRPr kumimoji="1" lang="ko-KR" altLang="en-US" sz="2400" dirty="0"/>
+            </a:p>
+          </p:txBody>
+        </p:sp>
+        <p:cxnSp>
+          <p:nvCxnSpPr>
+            <p:cNvPr id="29" name="직선 연결선[R] 28">
+              <a:extLst>
+                <a:ext uri="{FF2B5EF4-FFF2-40B4-BE49-F238E27FC236}">
+                  <a16:creationId xmlns:a16="http://schemas.microsoft.com/office/drawing/2014/main" id="{A764089B-797C-D441-9FA0-AB3DA95F5047}"/>
+                </a:ext>
+              </a:extLst>
+            </p:cNvPr>
+            <p:cNvCxnSpPr/>
+            <p:nvPr/>
+          </p:nvCxnSpPr>
+          <p:spPr>
+            <a:xfrm>
+              <a:off x="4620097" y="933611"/>
+              <a:ext cx="0" cy="5686645"/>
+            </a:xfrm>
+            <a:prstGeom prst="line">
+              <a:avLst/>
+            </a:prstGeom>
+            <a:ln w="50800">
+              <a:solidFill>
+                <a:schemeClr val="tx1"/>
+              </a:solidFill>
+            </a:ln>
+          </p:spPr>
+          <p:style>
+            <a:lnRef idx="1">
+              <a:schemeClr val="accent1"/>
+            </a:lnRef>
+            <a:fillRef idx="0">
+              <a:schemeClr val="accent1"/>
+            </a:fillRef>
+            <a:effectRef idx="0">
+              <a:schemeClr val="accent1"/>
+            </a:effectRef>
+            <a:fontRef idx="minor">
+              <a:schemeClr val="tx1"/>
+            </a:fontRef>
+          </p:style>
+        </p:cxnSp>
+        <p:sp>
+          <p:nvSpPr>
+            <p:cNvPr id="30" name="TextBox 29">
+              <a:extLst>
+                <a:ext uri="{FF2B5EF4-FFF2-40B4-BE49-F238E27FC236}">
+                  <a16:creationId xmlns:a16="http://schemas.microsoft.com/office/drawing/2014/main" id="{9CEEFAA2-963F-1545-A94B-98A6284605B7}"/>
+                </a:ext>
+              </a:extLst>
+            </p:cNvPr>
+            <p:cNvSpPr txBox="1"/>
+            <p:nvPr/>
+          </p:nvSpPr>
+          <p:spPr>
+            <a:xfrm>
+              <a:off x="4089213" y="471946"/>
+              <a:ext cx="1061766" cy="461665"/>
+            </a:xfrm>
+            <a:prstGeom prst="rect">
+              <a:avLst/>
+            </a:prstGeom>
+            <a:noFill/>
+          </p:spPr>
+          <p:txBody>
+            <a:bodyPr wrap="none" rtlCol="0">
+              <a:spAutoFit/>
+            </a:bodyPr>
+            <a:lstStyle/>
+            <a:p>
+              <a:r>
+                <a:rPr kumimoji="1" lang="en-US" altLang="ko-KR" sz="2400" dirty="0"/>
+                <a:t>Server</a:t>
+              </a:r>
+              <a:endParaRPr kumimoji="1" lang="ko-KR" altLang="en-US" sz="2400" dirty="0"/>
+            </a:p>
+          </p:txBody>
+        </p:sp>
+        <p:sp>
+          <p:nvSpPr>
+            <p:cNvPr id="31" name="직사각형 30">
+              <a:extLst>
+                <a:ext uri="{FF2B5EF4-FFF2-40B4-BE49-F238E27FC236}">
+                  <a16:creationId xmlns:a16="http://schemas.microsoft.com/office/drawing/2014/main" id="{CEFF7B88-8198-384A-9E98-C37219DA6334}"/>
+                </a:ext>
+              </a:extLst>
+            </p:cNvPr>
+            <p:cNvSpPr/>
+            <p:nvPr/>
+          </p:nvSpPr>
+          <p:spPr>
+            <a:xfrm>
+              <a:off x="4653729" y="1653585"/>
+              <a:ext cx="1844642" cy="571384"/>
+            </a:xfrm>
+            <a:prstGeom prst="rect">
+              <a:avLst/>
+            </a:prstGeom>
+            <a:solidFill>
+              <a:schemeClr val="accent4">
+                <a:lumMod val="20000"/>
+                <a:lumOff val="80000"/>
+              </a:schemeClr>
+            </a:solidFill>
+            <a:ln>
+              <a:noFill/>
+            </a:ln>
+          </p:spPr>
+          <p:style>
+            <a:lnRef idx="2">
+              <a:schemeClr val="accent1">
+                <a:shade val="50000"/>
+              </a:schemeClr>
+            </a:lnRef>
+            <a:fillRef idx="1">
+              <a:schemeClr val="accent1"/>
+            </a:fillRef>
+            <a:effectRef idx="0">
+              <a:schemeClr val="accent1"/>
+            </a:effectRef>
+            <a:fontRef idx="minor">
+              <a:schemeClr val="lt1"/>
+            </a:fontRef>
+          </p:style>
+          <p:txBody>
+            <a:bodyPr rtlCol="0" anchor="ctr"/>
+            <a:lstStyle/>
+            <a:p>
+              <a:pPr algn="ctr"/>
+              <a:r>
+                <a:rPr kumimoji="1" lang="ko-KR" altLang="en-US" dirty="0">
+                  <a:solidFill>
+                    <a:sysClr val="windowText" lastClr="000000"/>
+                  </a:solidFill>
+                </a:rPr>
+                <a:t>응답 결과 생성</a:t>
+              </a:r>
+            </a:p>
+          </p:txBody>
+        </p:sp>
+        <p:cxnSp>
+          <p:nvCxnSpPr>
+            <p:cNvPr id="32" name="직선 화살표 연결선 31">
+              <a:extLst>
+                <a:ext uri="{FF2B5EF4-FFF2-40B4-BE49-F238E27FC236}">
+                  <a16:creationId xmlns:a16="http://schemas.microsoft.com/office/drawing/2014/main" id="{044B71F1-1486-5743-A215-28A070756C88}"/>
+                </a:ext>
+              </a:extLst>
+            </p:cNvPr>
+            <p:cNvCxnSpPr>
+              <a:cxnSpLocks/>
+            </p:cNvCxnSpPr>
+            <p:nvPr/>
+          </p:nvCxnSpPr>
+          <p:spPr>
+            <a:xfrm>
+              <a:off x="2719741" y="1412173"/>
+              <a:ext cx="1887239" cy="241412"/>
+            </a:xfrm>
+            <a:prstGeom prst="straightConnector1">
+              <a:avLst/>
+            </a:prstGeom>
+            <a:ln w="50800">
+              <a:solidFill>
+                <a:schemeClr val="accent4"/>
+              </a:solidFill>
+              <a:tailEnd type="triangle"/>
+            </a:ln>
+          </p:spPr>
+          <p:style>
+            <a:lnRef idx="1">
+              <a:schemeClr val="accent1"/>
+            </a:lnRef>
+            <a:fillRef idx="0">
+              <a:schemeClr val="accent1"/>
+            </a:fillRef>
+            <a:effectRef idx="0">
+              <a:schemeClr val="accent1"/>
+            </a:effectRef>
+            <a:fontRef idx="minor">
+              <a:schemeClr val="tx1"/>
+            </a:fontRef>
+          </p:style>
+        </p:cxnSp>
+        <p:cxnSp>
+          <p:nvCxnSpPr>
+            <p:cNvPr id="33" name="직선 화살표 연결선 32">
+              <a:extLst>
+                <a:ext uri="{FF2B5EF4-FFF2-40B4-BE49-F238E27FC236}">
+                  <a16:creationId xmlns:a16="http://schemas.microsoft.com/office/drawing/2014/main" id="{96424288-5797-6445-9817-EC34A6993B7E}"/>
+                </a:ext>
+              </a:extLst>
+            </p:cNvPr>
+            <p:cNvCxnSpPr>
+              <a:cxnSpLocks/>
+            </p:cNvCxnSpPr>
+            <p:nvPr/>
+          </p:nvCxnSpPr>
+          <p:spPr>
+            <a:xfrm flipH="1">
+              <a:off x="2723441" y="2224969"/>
+              <a:ext cx="1893371" cy="1919014"/>
+            </a:xfrm>
+            <a:prstGeom prst="straightConnector1">
+              <a:avLst/>
+            </a:prstGeom>
+            <a:ln w="50800">
+              <a:solidFill>
+                <a:schemeClr val="accent4"/>
+              </a:solidFill>
+              <a:tailEnd type="triangle"/>
+            </a:ln>
+          </p:spPr>
+          <p:style>
+            <a:lnRef idx="1">
+              <a:schemeClr val="accent1"/>
+            </a:lnRef>
+            <a:fillRef idx="0">
+              <a:schemeClr val="accent1"/>
+            </a:fillRef>
+            <a:effectRef idx="0">
+              <a:schemeClr val="accent1"/>
+            </a:effectRef>
+            <a:fontRef idx="minor">
+              <a:schemeClr val="tx1"/>
+            </a:fontRef>
+          </p:style>
+        </p:cxnSp>
+        <p:sp>
+          <p:nvSpPr>
+            <p:cNvPr id="34" name="직사각형 33">
+              <a:extLst>
+                <a:ext uri="{FF2B5EF4-FFF2-40B4-BE49-F238E27FC236}">
+                  <a16:creationId xmlns:a16="http://schemas.microsoft.com/office/drawing/2014/main" id="{927A2317-C68D-4A49-A0ED-7252BFE19B2C}"/>
+                </a:ext>
+              </a:extLst>
+            </p:cNvPr>
+            <p:cNvSpPr/>
+            <p:nvPr/>
+          </p:nvSpPr>
+          <p:spPr>
+            <a:xfrm>
+              <a:off x="4653729" y="2224969"/>
+              <a:ext cx="1844642" cy="571384"/>
+            </a:xfrm>
+            <a:prstGeom prst="rect">
+              <a:avLst/>
+            </a:prstGeom>
+            <a:solidFill>
+              <a:schemeClr val="accent3">
+                <a:lumMod val="20000"/>
+                <a:lumOff val="80000"/>
+              </a:schemeClr>
+            </a:solidFill>
+            <a:ln>
+              <a:noFill/>
+            </a:ln>
+          </p:spPr>
+          <p:style>
+            <a:lnRef idx="2">
+              <a:schemeClr val="accent1">
+                <a:shade val="50000"/>
+              </a:schemeClr>
+            </a:lnRef>
+            <a:fillRef idx="1">
+              <a:schemeClr val="accent1"/>
+            </a:fillRef>
+            <a:effectRef idx="0">
+              <a:schemeClr val="accent1"/>
+            </a:effectRef>
+            <a:fontRef idx="minor">
+              <a:schemeClr val="lt1"/>
+            </a:fontRef>
+          </p:style>
+          <p:txBody>
+            <a:bodyPr rtlCol="0" anchor="ctr"/>
+            <a:lstStyle/>
+            <a:p>
+              <a:pPr algn="ctr"/>
+              <a:r>
+                <a:rPr kumimoji="1" lang="ko-KR" altLang="en-US" dirty="0">
+                  <a:solidFill>
+                    <a:sysClr val="windowText" lastClr="000000"/>
+                  </a:solidFill>
+                </a:rPr>
+                <a:t>응답 결과 생성</a:t>
+              </a:r>
+            </a:p>
+          </p:txBody>
+        </p:sp>
+        <p:cxnSp>
+          <p:nvCxnSpPr>
+            <p:cNvPr id="35" name="직선 화살표 연결선 34">
+              <a:extLst>
+                <a:ext uri="{FF2B5EF4-FFF2-40B4-BE49-F238E27FC236}">
+                  <a16:creationId xmlns:a16="http://schemas.microsoft.com/office/drawing/2014/main" id="{B8C515B2-F3B1-F440-9D5A-FF5718EC1970}"/>
+                </a:ext>
+              </a:extLst>
+            </p:cNvPr>
+            <p:cNvCxnSpPr>
+              <a:cxnSpLocks/>
+            </p:cNvCxnSpPr>
+            <p:nvPr/>
+          </p:nvCxnSpPr>
+          <p:spPr>
+            <a:xfrm>
+              <a:off x="2719741" y="1588193"/>
+              <a:ext cx="1887239" cy="241412"/>
+            </a:xfrm>
+            <a:prstGeom prst="straightConnector1">
+              <a:avLst/>
+            </a:prstGeom>
+            <a:ln w="50800">
+              <a:solidFill>
+                <a:schemeClr val="accent3"/>
+              </a:solidFill>
+              <a:tailEnd type="triangle"/>
+            </a:ln>
+          </p:spPr>
+          <p:style>
+            <a:lnRef idx="1">
+              <a:schemeClr val="accent1"/>
+            </a:lnRef>
+            <a:fillRef idx="0">
+              <a:schemeClr val="accent1"/>
+            </a:fillRef>
+            <a:effectRef idx="0">
+              <a:schemeClr val="accent1"/>
+            </a:effectRef>
+            <a:fontRef idx="minor">
+              <a:schemeClr val="tx1"/>
+            </a:fontRef>
+          </p:style>
+        </p:cxnSp>
+        <p:cxnSp>
+          <p:nvCxnSpPr>
+            <p:cNvPr id="36" name="직선 화살표 연결선 35">
+              <a:extLst>
+                <a:ext uri="{FF2B5EF4-FFF2-40B4-BE49-F238E27FC236}">
+                  <a16:creationId xmlns:a16="http://schemas.microsoft.com/office/drawing/2014/main" id="{0397278E-557E-A048-980F-9225E17DEE85}"/>
+                </a:ext>
+              </a:extLst>
+            </p:cNvPr>
+            <p:cNvCxnSpPr>
+              <a:cxnSpLocks/>
+            </p:cNvCxnSpPr>
+            <p:nvPr/>
+          </p:nvCxnSpPr>
+          <p:spPr>
+            <a:xfrm flipH="1">
+              <a:off x="2729921" y="2783393"/>
+              <a:ext cx="1880760" cy="1525960"/>
+            </a:xfrm>
+            <a:prstGeom prst="straightConnector1">
+              <a:avLst/>
+            </a:prstGeom>
+            <a:ln w="50800">
+              <a:solidFill>
+                <a:schemeClr val="accent3"/>
+              </a:solidFill>
+              <a:tailEnd type="triangle"/>
+            </a:ln>
+          </p:spPr>
+          <p:style>
+            <a:lnRef idx="1">
+              <a:schemeClr val="accent1"/>
+            </a:lnRef>
+            <a:fillRef idx="0">
+              <a:schemeClr val="accent1"/>
+            </a:fillRef>
+            <a:effectRef idx="0">
+              <a:schemeClr val="accent1"/>
+            </a:effectRef>
+            <a:fontRef idx="minor">
+              <a:schemeClr val="tx1"/>
+            </a:fontRef>
+          </p:style>
+        </p:cxnSp>
+        <p:sp>
+          <p:nvSpPr>
+            <p:cNvPr id="37" name="직사각형 36">
+              <a:extLst>
+                <a:ext uri="{FF2B5EF4-FFF2-40B4-BE49-F238E27FC236}">
+                  <a16:creationId xmlns:a16="http://schemas.microsoft.com/office/drawing/2014/main" id="{25C39897-42C0-364C-A1A6-ED1442925CAD}"/>
+                </a:ext>
+              </a:extLst>
+            </p:cNvPr>
+            <p:cNvSpPr/>
+            <p:nvPr/>
+          </p:nvSpPr>
+          <p:spPr>
+            <a:xfrm>
+              <a:off x="4653729" y="2796353"/>
+              <a:ext cx="1844642" cy="571384"/>
+            </a:xfrm>
+            <a:prstGeom prst="rect">
+              <a:avLst/>
+            </a:prstGeom>
+            <a:solidFill>
+              <a:schemeClr val="accent2">
+                <a:lumMod val="20000"/>
+                <a:lumOff val="80000"/>
+              </a:schemeClr>
+            </a:solidFill>
+            <a:ln>
+              <a:noFill/>
+            </a:ln>
+          </p:spPr>
+          <p:style>
+            <a:lnRef idx="2">
+              <a:schemeClr val="accent1">
+                <a:shade val="50000"/>
+              </a:schemeClr>
+            </a:lnRef>
+            <a:fillRef idx="1">
+              <a:schemeClr val="accent1"/>
+            </a:fillRef>
+            <a:effectRef idx="0">
+              <a:schemeClr val="accent1"/>
+            </a:effectRef>
+            <a:fontRef idx="minor">
+              <a:schemeClr val="lt1"/>
+            </a:fontRef>
+          </p:style>
+          <p:txBody>
+            <a:bodyPr rtlCol="0" anchor="ctr"/>
+            <a:lstStyle/>
+            <a:p>
+              <a:pPr algn="ctr"/>
+              <a:r>
+                <a:rPr kumimoji="1" lang="ko-KR" altLang="en-US" dirty="0">
+                  <a:solidFill>
+                    <a:sysClr val="windowText" lastClr="000000"/>
+                  </a:solidFill>
+                </a:rPr>
+                <a:t>응답 결과 생성</a:t>
+              </a:r>
+            </a:p>
+          </p:txBody>
+        </p:sp>
+        <p:cxnSp>
+          <p:nvCxnSpPr>
+            <p:cNvPr id="41" name="직선 화살표 연결선 40">
+              <a:extLst>
+                <a:ext uri="{FF2B5EF4-FFF2-40B4-BE49-F238E27FC236}">
+                  <a16:creationId xmlns:a16="http://schemas.microsoft.com/office/drawing/2014/main" id="{44BB78C4-FFF4-AB4A-A7FD-7253B046AB66}"/>
+                </a:ext>
+              </a:extLst>
+            </p:cNvPr>
+            <p:cNvCxnSpPr>
+              <a:cxnSpLocks/>
+            </p:cNvCxnSpPr>
+            <p:nvPr/>
+          </p:nvCxnSpPr>
+          <p:spPr>
+            <a:xfrm>
+              <a:off x="2719741" y="1757365"/>
+              <a:ext cx="1887239" cy="241412"/>
+            </a:xfrm>
+            <a:prstGeom prst="straightConnector1">
+              <a:avLst/>
+            </a:prstGeom>
+            <a:ln w="50800">
+              <a:solidFill>
+                <a:schemeClr val="accent2"/>
+              </a:solidFill>
+              <a:tailEnd type="triangle"/>
+            </a:ln>
+          </p:spPr>
+          <p:style>
+            <a:lnRef idx="1">
+              <a:schemeClr val="accent1"/>
+            </a:lnRef>
+            <a:fillRef idx="0">
+              <a:schemeClr val="accent1"/>
+            </a:fillRef>
+            <a:effectRef idx="0">
+              <a:schemeClr val="accent1"/>
+            </a:effectRef>
+            <a:fontRef idx="minor">
+              <a:schemeClr val="tx1"/>
+            </a:fontRef>
+          </p:style>
+        </p:cxnSp>
+        <p:sp>
+          <p:nvSpPr>
+            <p:cNvPr id="43" name="TextBox 42">
+              <a:extLst>
+                <a:ext uri="{FF2B5EF4-FFF2-40B4-BE49-F238E27FC236}">
+                  <a16:creationId xmlns:a16="http://schemas.microsoft.com/office/drawing/2014/main" id="{0092E0AF-4841-544F-ABA8-FCFB8E6C9A3C}"/>
+                </a:ext>
+              </a:extLst>
+            </p:cNvPr>
+            <p:cNvSpPr txBox="1"/>
+            <p:nvPr/>
+          </p:nvSpPr>
+          <p:spPr>
+            <a:xfrm>
+              <a:off x="2729921" y="4470967"/>
+              <a:ext cx="1859565" cy="338554"/>
+            </a:xfrm>
+            <a:prstGeom prst="rect">
+              <a:avLst/>
+            </a:prstGeom>
+            <a:solidFill>
+              <a:schemeClr val="accent6">
+                <a:lumMod val="20000"/>
+                <a:lumOff val="80000"/>
+              </a:schemeClr>
+            </a:solidFill>
+          </p:spPr>
+          <p:txBody>
+            <a:bodyPr wrap="square" rtlCol="0">
+              <a:spAutoFit/>
+            </a:bodyPr>
+            <a:lstStyle/>
+            <a:p>
+              <a:pPr algn="ctr"/>
+              <a:r>
+                <a:rPr kumimoji="1" lang="en-US" altLang="ko-KR" sz="1600" dirty="0"/>
+                <a:t>Disconnection</a:t>
+              </a:r>
+              <a:endParaRPr kumimoji="1" lang="ko-KR" altLang="en-US" sz="1600" dirty="0"/>
+            </a:p>
+          </p:txBody>
+        </p:sp>
+        <p:cxnSp>
+          <p:nvCxnSpPr>
+            <p:cNvPr id="48" name="직선 화살표 연결선 47">
+              <a:extLst>
+                <a:ext uri="{FF2B5EF4-FFF2-40B4-BE49-F238E27FC236}">
+                  <a16:creationId xmlns:a16="http://schemas.microsoft.com/office/drawing/2014/main" id="{802A3EED-0AFD-D044-A4C4-0D50F6647776}"/>
+                </a:ext>
+              </a:extLst>
+            </p:cNvPr>
+            <p:cNvCxnSpPr>
+              <a:cxnSpLocks/>
+            </p:cNvCxnSpPr>
+            <p:nvPr/>
+          </p:nvCxnSpPr>
+          <p:spPr>
+            <a:xfrm flipH="1">
+              <a:off x="2719741" y="3367737"/>
+              <a:ext cx="1883541" cy="1106986"/>
+            </a:xfrm>
+            <a:prstGeom prst="straightConnector1">
+              <a:avLst/>
+            </a:prstGeom>
+            <a:ln w="50800">
+              <a:solidFill>
+                <a:schemeClr val="accent2"/>
+              </a:solidFill>
+              <a:tailEnd type="triangle"/>
+            </a:ln>
+          </p:spPr>
+          <p:style>
+            <a:lnRef idx="1">
+              <a:schemeClr val="accent1"/>
+            </a:lnRef>
+            <a:fillRef idx="0">
+              <a:schemeClr val="accent1"/>
+            </a:fillRef>
+            <a:effectRef idx="0">
+              <a:schemeClr val="accent1"/>
+            </a:effectRef>
+            <a:fontRef idx="minor">
+              <a:schemeClr val="tx1"/>
+            </a:fontRef>
+          </p:style>
+        </p:cxnSp>
+      </p:grpSp>
+    </p:spTree>
+    <p:extLst>
+      <p:ext uri="{BB962C8B-B14F-4D97-AF65-F5344CB8AC3E}">
+        <p14:creationId xmlns:p14="http://schemas.microsoft.com/office/powerpoint/2010/main" val="888965068"/>
+      </p:ext>
+    </p:extLst>
+  </p:cSld>
+  <p:clrMapOvr>
+    <a:masterClrMapping/>
+  </p:clrMapOvr>
+</p:sld>
+</file>
+
+<file path=ppt/slides/slide5.xml><?xml version="1.0" encoding="utf-8"?>
+<p:sld xmlns:a="http://schemas.openxmlformats.org/drawingml/2006/main" xmlns:r="http://schemas.openxmlformats.org/officeDocument/2006/relationships" xmlns:p="http://schemas.openxmlformats.org/presentationml/2006/main">
+  <p:cSld>
+    <p:spTree>
+      <p:nvGrpSpPr>
+        <p:cNvPr id="1" name=""/>
+        <p:cNvGrpSpPr/>
+        <p:nvPr/>
+      </p:nvGrpSpPr>
+      <p:grpSpPr>
+        <a:xfrm>
+          <a:off x="0" y="0"/>
+          <a:ext cx="0" cy="0"/>
+          <a:chOff x="0" y="0"/>
+          <a:chExt cx="0" cy="0"/>
+        </a:xfrm>
+      </p:grpSpPr>
+      <p:grpSp>
+        <p:nvGrpSpPr>
           <p:cNvPr id="18" name="그룹 17">
             <a:extLst>
               <a:ext uri="{FF2B5EF4-FFF2-40B4-BE49-F238E27FC236}">
@@ -8834,7 +9573,7 @@
 </p:sld>
 </file>
 
-<file path=ppt/slides/slide5.xml><?xml version="1.0" encoding="utf-8"?>
+<file path=ppt/slides/slide6.xml><?xml version="1.0" encoding="utf-8"?>
 <p:sld xmlns:a="http://schemas.openxmlformats.org/drawingml/2006/main" xmlns:r="http://schemas.openxmlformats.org/officeDocument/2006/relationships" xmlns:p="http://schemas.openxmlformats.org/presentationml/2006/main">
   <p:cSld>
     <p:spTree>
@@ -9615,7 +10354,7 @@
 </p:sld>
 </file>
 
-<file path=ppt/slides/slide6.xml><?xml version="1.0" encoding="utf-8"?>
+<file path=ppt/slides/slide7.xml><?xml version="1.0" encoding="utf-8"?>
 <p:sld xmlns:a="http://schemas.openxmlformats.org/drawingml/2006/main" xmlns:r="http://schemas.openxmlformats.org/officeDocument/2006/relationships" xmlns:p="http://schemas.openxmlformats.org/presentationml/2006/main">
   <p:cSld>
     <p:spTree>
@@ -10452,7 +11191,7 @@
 </p:sld>
 </file>
 
-<file path=ppt/slides/slide7.xml><?xml version="1.0" encoding="utf-8"?>
+<file path=ppt/slides/slide8.xml><?xml version="1.0" encoding="utf-8"?>
 <p:sld xmlns:a="http://schemas.openxmlformats.org/drawingml/2006/main" xmlns:r="http://schemas.openxmlformats.org/officeDocument/2006/relationships" xmlns:p="http://schemas.openxmlformats.org/presentationml/2006/main">
   <p:cSld>
     <p:spTree>
@@ -11018,7 +11757,7 @@
 </p:sld>
 </file>
 
-<file path=ppt/slides/slide8.xml><?xml version="1.0" encoding="utf-8"?>
+<file path=ppt/slides/slide9.xml><?xml version="1.0" encoding="utf-8"?>
 <p:sld xmlns:a="http://schemas.openxmlformats.org/drawingml/2006/main" xmlns:r="http://schemas.openxmlformats.org/officeDocument/2006/relationships" xmlns:p="http://schemas.openxmlformats.org/presentationml/2006/main">
   <p:cSld>
     <p:spTree>
@@ -11791,745 +12530,6 @@
     <p:extLst>
       <p:ext uri="{BB962C8B-B14F-4D97-AF65-F5344CB8AC3E}">
         <p14:creationId xmlns:p14="http://schemas.microsoft.com/office/powerpoint/2010/main" val="241960263"/>
-      </p:ext>
-    </p:extLst>
-  </p:cSld>
-  <p:clrMapOvr>
-    <a:masterClrMapping/>
-  </p:clrMapOvr>
-</p:sld>
-</file>
-
-<file path=ppt/slides/slide9.xml><?xml version="1.0" encoding="utf-8"?>
-<p:sld xmlns:a="http://schemas.openxmlformats.org/drawingml/2006/main" xmlns:r="http://schemas.openxmlformats.org/officeDocument/2006/relationships" xmlns:p="http://schemas.openxmlformats.org/presentationml/2006/main">
-  <p:cSld>
-    <p:spTree>
-      <p:nvGrpSpPr>
-        <p:cNvPr id="1" name=""/>
-        <p:cNvGrpSpPr/>
-        <p:nvPr/>
-      </p:nvGrpSpPr>
-      <p:grpSpPr>
-        <a:xfrm>
-          <a:off x="0" y="0"/>
-          <a:ext cx="0" cy="0"/>
-          <a:chOff x="0" y="0"/>
-          <a:chExt cx="0" cy="0"/>
-        </a:xfrm>
-      </p:grpSpPr>
-      <p:grpSp>
-        <p:nvGrpSpPr>
-          <p:cNvPr id="2" name="그룹 1">
-            <a:extLst>
-              <a:ext uri="{FF2B5EF4-FFF2-40B4-BE49-F238E27FC236}">
-                <a16:creationId xmlns:a16="http://schemas.microsoft.com/office/drawing/2014/main" id="{593C5BDF-3C50-0047-96F8-133587AC27F1}"/>
-              </a:ext>
-            </a:extLst>
-          </p:cNvPr>
-          <p:cNvGrpSpPr/>
-          <p:nvPr/>
-        </p:nvGrpSpPr>
-        <p:grpSpPr>
-          <a:xfrm>
-            <a:off x="2216745" y="471946"/>
-            <a:ext cx="4281626" cy="6148310"/>
-            <a:chOff x="2216745" y="471946"/>
-            <a:chExt cx="4281626" cy="6148310"/>
-          </a:xfrm>
-        </p:grpSpPr>
-        <p:sp>
-          <p:nvSpPr>
-            <p:cNvPr id="20" name="TextBox 19">
-              <a:extLst>
-                <a:ext uri="{FF2B5EF4-FFF2-40B4-BE49-F238E27FC236}">
-                  <a16:creationId xmlns:a16="http://schemas.microsoft.com/office/drawing/2014/main" id="{33F42459-40AD-F64E-B3D3-737C76581326}"/>
-                </a:ext>
-              </a:extLst>
-            </p:cNvPr>
-            <p:cNvSpPr txBox="1"/>
-            <p:nvPr/>
-          </p:nvSpPr>
-          <p:spPr>
-            <a:xfrm>
-              <a:off x="2729572" y="1050026"/>
-              <a:ext cx="1865946" cy="338554"/>
-            </a:xfrm>
-            <a:prstGeom prst="rect">
-              <a:avLst/>
-            </a:prstGeom>
-            <a:solidFill>
-              <a:schemeClr val="accent5">
-                <a:lumMod val="20000"/>
-                <a:lumOff val="80000"/>
-              </a:schemeClr>
-            </a:solidFill>
-          </p:spPr>
-          <p:txBody>
-            <a:bodyPr wrap="square" rtlCol="0">
-              <a:spAutoFit/>
-            </a:bodyPr>
-            <a:lstStyle/>
-            <a:p>
-              <a:pPr algn="ctr"/>
-              <a:r>
-                <a:rPr kumimoji="1" lang="en-US" altLang="ko-KR" sz="1600" dirty="0"/>
-                <a:t>Connection</a:t>
-              </a:r>
-              <a:endParaRPr kumimoji="1" lang="ko-KR" altLang="en-US" sz="1600" dirty="0"/>
-            </a:p>
-          </p:txBody>
-        </p:sp>
-        <p:cxnSp>
-          <p:nvCxnSpPr>
-            <p:cNvPr id="22" name="직선 연결선[R] 21">
-              <a:extLst>
-                <a:ext uri="{FF2B5EF4-FFF2-40B4-BE49-F238E27FC236}">
-                  <a16:creationId xmlns:a16="http://schemas.microsoft.com/office/drawing/2014/main" id="{6E3A8BC6-0267-F043-9F12-98CEEF308A3E}"/>
-                </a:ext>
-              </a:extLst>
-            </p:cNvPr>
-            <p:cNvCxnSpPr/>
-            <p:nvPr/>
-          </p:nvCxnSpPr>
-          <p:spPr>
-            <a:xfrm>
-              <a:off x="2706624" y="933611"/>
-              <a:ext cx="0" cy="5686645"/>
-            </a:xfrm>
-            <a:prstGeom prst="line">
-              <a:avLst/>
-            </a:prstGeom>
-            <a:ln w="50800">
-              <a:solidFill>
-                <a:schemeClr val="tx1"/>
-              </a:solidFill>
-            </a:ln>
-          </p:spPr>
-          <p:style>
-            <a:lnRef idx="1">
-              <a:schemeClr val="accent1"/>
-            </a:lnRef>
-            <a:fillRef idx="0">
-              <a:schemeClr val="accent1"/>
-            </a:fillRef>
-            <a:effectRef idx="0">
-              <a:schemeClr val="accent1"/>
-            </a:effectRef>
-            <a:fontRef idx="minor">
-              <a:schemeClr val="tx1"/>
-            </a:fontRef>
-          </p:style>
-        </p:cxnSp>
-        <p:sp>
-          <p:nvSpPr>
-            <p:cNvPr id="24" name="TextBox 23">
-              <a:extLst>
-                <a:ext uri="{FF2B5EF4-FFF2-40B4-BE49-F238E27FC236}">
-                  <a16:creationId xmlns:a16="http://schemas.microsoft.com/office/drawing/2014/main" id="{69C53195-4E72-FD4A-8EAA-F7B7A3BE8891}"/>
-                </a:ext>
-              </a:extLst>
-            </p:cNvPr>
-            <p:cNvSpPr txBox="1"/>
-            <p:nvPr/>
-          </p:nvSpPr>
-          <p:spPr>
-            <a:xfrm>
-              <a:off x="2216745" y="471946"/>
-              <a:ext cx="979755" cy="461665"/>
-            </a:xfrm>
-            <a:prstGeom prst="rect">
-              <a:avLst/>
-            </a:prstGeom>
-            <a:noFill/>
-          </p:spPr>
-          <p:txBody>
-            <a:bodyPr wrap="none" rtlCol="0">
-              <a:spAutoFit/>
-            </a:bodyPr>
-            <a:lstStyle/>
-            <a:p>
-              <a:r>
-                <a:rPr kumimoji="1" lang="en-US" altLang="ko-KR" sz="2400" dirty="0"/>
-                <a:t>Client</a:t>
-              </a:r>
-              <a:endParaRPr kumimoji="1" lang="ko-KR" altLang="en-US" sz="2400" dirty="0"/>
-            </a:p>
-          </p:txBody>
-        </p:sp>
-        <p:cxnSp>
-          <p:nvCxnSpPr>
-            <p:cNvPr id="25" name="직선 연결선[R] 24">
-              <a:extLst>
-                <a:ext uri="{FF2B5EF4-FFF2-40B4-BE49-F238E27FC236}">
-                  <a16:creationId xmlns:a16="http://schemas.microsoft.com/office/drawing/2014/main" id="{493040CE-FAD1-9F48-BD31-16D93C17D053}"/>
-                </a:ext>
-              </a:extLst>
-            </p:cNvPr>
-            <p:cNvCxnSpPr/>
-            <p:nvPr/>
-          </p:nvCxnSpPr>
-          <p:spPr>
-            <a:xfrm>
-              <a:off x="4620097" y="933611"/>
-              <a:ext cx="0" cy="5686645"/>
-            </a:xfrm>
-            <a:prstGeom prst="line">
-              <a:avLst/>
-            </a:prstGeom>
-            <a:ln w="50800">
-              <a:solidFill>
-                <a:schemeClr val="tx1"/>
-              </a:solidFill>
-            </a:ln>
-          </p:spPr>
-          <p:style>
-            <a:lnRef idx="1">
-              <a:schemeClr val="accent1"/>
-            </a:lnRef>
-            <a:fillRef idx="0">
-              <a:schemeClr val="accent1"/>
-            </a:fillRef>
-            <a:effectRef idx="0">
-              <a:schemeClr val="accent1"/>
-            </a:effectRef>
-            <a:fontRef idx="minor">
-              <a:schemeClr val="tx1"/>
-            </a:fontRef>
-          </p:style>
-        </p:cxnSp>
-        <p:sp>
-          <p:nvSpPr>
-            <p:cNvPr id="26" name="TextBox 25">
-              <a:extLst>
-                <a:ext uri="{FF2B5EF4-FFF2-40B4-BE49-F238E27FC236}">
-                  <a16:creationId xmlns:a16="http://schemas.microsoft.com/office/drawing/2014/main" id="{1981E1C8-0E2F-5043-9BE6-46728542F971}"/>
-                </a:ext>
-              </a:extLst>
-            </p:cNvPr>
-            <p:cNvSpPr txBox="1"/>
-            <p:nvPr/>
-          </p:nvSpPr>
-          <p:spPr>
-            <a:xfrm>
-              <a:off x="4089213" y="471946"/>
-              <a:ext cx="1061766" cy="461665"/>
-            </a:xfrm>
-            <a:prstGeom prst="rect">
-              <a:avLst/>
-            </a:prstGeom>
-            <a:noFill/>
-          </p:spPr>
-          <p:txBody>
-            <a:bodyPr wrap="none" rtlCol="0">
-              <a:spAutoFit/>
-            </a:bodyPr>
-            <a:lstStyle/>
-            <a:p>
-              <a:r>
-                <a:rPr kumimoji="1" lang="en-US" altLang="ko-KR" sz="2400" dirty="0"/>
-                <a:t>Server</a:t>
-              </a:r>
-              <a:endParaRPr kumimoji="1" lang="ko-KR" altLang="en-US" sz="2400" dirty="0"/>
-            </a:p>
-          </p:txBody>
-        </p:sp>
-        <p:sp>
-          <p:nvSpPr>
-            <p:cNvPr id="27" name="직사각형 26">
-              <a:extLst>
-                <a:ext uri="{FF2B5EF4-FFF2-40B4-BE49-F238E27FC236}">
-                  <a16:creationId xmlns:a16="http://schemas.microsoft.com/office/drawing/2014/main" id="{780A7135-AA50-CE41-9AD9-7636A4389130}"/>
-                </a:ext>
-              </a:extLst>
-            </p:cNvPr>
-            <p:cNvSpPr/>
-            <p:nvPr/>
-          </p:nvSpPr>
-          <p:spPr>
-            <a:xfrm>
-              <a:off x="4653729" y="1653585"/>
-              <a:ext cx="1844642" cy="2368648"/>
-            </a:xfrm>
-            <a:prstGeom prst="rect">
-              <a:avLst/>
-            </a:prstGeom>
-            <a:solidFill>
-              <a:schemeClr val="accent4">
-                <a:lumMod val="20000"/>
-                <a:lumOff val="80000"/>
-              </a:schemeClr>
-            </a:solidFill>
-            <a:ln>
-              <a:noFill/>
-            </a:ln>
-          </p:spPr>
-          <p:style>
-            <a:lnRef idx="2">
-              <a:schemeClr val="accent1">
-                <a:shade val="50000"/>
-              </a:schemeClr>
-            </a:lnRef>
-            <a:fillRef idx="1">
-              <a:schemeClr val="accent1"/>
-            </a:fillRef>
-            <a:effectRef idx="0">
-              <a:schemeClr val="accent1"/>
-            </a:effectRef>
-            <a:fontRef idx="minor">
-              <a:schemeClr val="lt1"/>
-            </a:fontRef>
-          </p:style>
-          <p:txBody>
-            <a:bodyPr rtlCol="0" anchor="ctr"/>
-            <a:lstStyle/>
-            <a:p>
-              <a:pPr algn="ctr"/>
-              <a:r>
-                <a:rPr kumimoji="1" lang="ko-KR" altLang="en-US" dirty="0">
-                  <a:solidFill>
-                    <a:sysClr val="windowText" lastClr="000000"/>
-                  </a:solidFill>
-                </a:rPr>
-                <a:t>응답 결과 생성</a:t>
-              </a:r>
-            </a:p>
-          </p:txBody>
-        </p:sp>
-        <p:cxnSp>
-          <p:nvCxnSpPr>
-            <p:cNvPr id="28" name="직선 화살표 연결선 27">
-              <a:extLst>
-                <a:ext uri="{FF2B5EF4-FFF2-40B4-BE49-F238E27FC236}">
-                  <a16:creationId xmlns:a16="http://schemas.microsoft.com/office/drawing/2014/main" id="{4D71E890-152D-514F-8837-8453E1C669B9}"/>
-                </a:ext>
-              </a:extLst>
-            </p:cNvPr>
-            <p:cNvCxnSpPr>
-              <a:cxnSpLocks/>
-            </p:cNvCxnSpPr>
-            <p:nvPr/>
-          </p:nvCxnSpPr>
-          <p:spPr>
-            <a:xfrm>
-              <a:off x="2719741" y="1412173"/>
-              <a:ext cx="1887239" cy="241412"/>
-            </a:xfrm>
-            <a:prstGeom prst="straightConnector1">
-              <a:avLst/>
-            </a:prstGeom>
-            <a:ln w="50800">
-              <a:solidFill>
-                <a:schemeClr val="tx1"/>
-              </a:solidFill>
-              <a:tailEnd type="triangle"/>
-            </a:ln>
-          </p:spPr>
-          <p:style>
-            <a:lnRef idx="1">
-              <a:schemeClr val="accent1"/>
-            </a:lnRef>
-            <a:fillRef idx="0">
-              <a:schemeClr val="accent1"/>
-            </a:fillRef>
-            <a:effectRef idx="0">
-              <a:schemeClr val="accent1"/>
-            </a:effectRef>
-            <a:fontRef idx="minor">
-              <a:schemeClr val="tx1"/>
-            </a:fontRef>
-          </p:style>
-        </p:cxnSp>
-        <p:cxnSp>
-          <p:nvCxnSpPr>
-            <p:cNvPr id="38" name="직선 화살표 연결선 37">
-              <a:extLst>
-                <a:ext uri="{FF2B5EF4-FFF2-40B4-BE49-F238E27FC236}">
-                  <a16:creationId xmlns:a16="http://schemas.microsoft.com/office/drawing/2014/main" id="{9A348FBA-0ED7-A142-8C6D-8B5830C7B7F1}"/>
-                </a:ext>
-              </a:extLst>
-            </p:cNvPr>
-            <p:cNvCxnSpPr>
-              <a:cxnSpLocks/>
-            </p:cNvCxnSpPr>
-            <p:nvPr/>
-          </p:nvCxnSpPr>
-          <p:spPr>
-            <a:xfrm flipH="1">
-              <a:off x="2729572" y="4022233"/>
-              <a:ext cx="1887239" cy="266649"/>
-            </a:xfrm>
-            <a:prstGeom prst="straightConnector1">
-              <a:avLst/>
-            </a:prstGeom>
-            <a:ln w="50800">
-              <a:solidFill>
-                <a:schemeClr val="tx1"/>
-              </a:solidFill>
-              <a:tailEnd type="triangle"/>
-            </a:ln>
-          </p:spPr>
-          <p:style>
-            <a:lnRef idx="1">
-              <a:schemeClr val="accent1"/>
-            </a:lnRef>
-            <a:fillRef idx="0">
-              <a:schemeClr val="accent1"/>
-            </a:fillRef>
-            <a:effectRef idx="0">
-              <a:schemeClr val="accent1"/>
-            </a:effectRef>
-            <a:fontRef idx="minor">
-              <a:schemeClr val="tx1"/>
-            </a:fontRef>
-          </p:style>
-        </p:cxnSp>
-        <p:sp>
-          <p:nvSpPr>
-            <p:cNvPr id="39" name="직사각형 38">
-              <a:extLst>
-                <a:ext uri="{FF2B5EF4-FFF2-40B4-BE49-F238E27FC236}">
-                  <a16:creationId xmlns:a16="http://schemas.microsoft.com/office/drawing/2014/main" id="{78A76B44-D22E-C044-8462-4F45E5A4F3B7}"/>
-                </a:ext>
-              </a:extLst>
-            </p:cNvPr>
-            <p:cNvSpPr/>
-            <p:nvPr/>
-          </p:nvSpPr>
-          <p:spPr>
-            <a:xfrm>
-              <a:off x="4653729" y="4022233"/>
-              <a:ext cx="1844642" cy="571384"/>
-            </a:xfrm>
-            <a:prstGeom prst="rect">
-              <a:avLst/>
-            </a:prstGeom>
-            <a:solidFill>
-              <a:schemeClr val="accent3">
-                <a:lumMod val="20000"/>
-                <a:lumOff val="80000"/>
-              </a:schemeClr>
-            </a:solidFill>
-            <a:ln>
-              <a:noFill/>
-            </a:ln>
-          </p:spPr>
-          <p:style>
-            <a:lnRef idx="2">
-              <a:schemeClr val="accent1">
-                <a:shade val="50000"/>
-              </a:schemeClr>
-            </a:lnRef>
-            <a:fillRef idx="1">
-              <a:schemeClr val="accent1"/>
-            </a:fillRef>
-            <a:effectRef idx="0">
-              <a:schemeClr val="accent1"/>
-            </a:effectRef>
-            <a:fontRef idx="minor">
-              <a:schemeClr val="lt1"/>
-            </a:fontRef>
-          </p:style>
-          <p:txBody>
-            <a:bodyPr rtlCol="0" anchor="ctr"/>
-            <a:lstStyle/>
-            <a:p>
-              <a:pPr algn="ctr"/>
-              <a:r>
-                <a:rPr kumimoji="1" lang="ko-KR" altLang="en-US" dirty="0">
-                  <a:solidFill>
-                    <a:sysClr val="windowText" lastClr="000000"/>
-                  </a:solidFill>
-                </a:rPr>
-                <a:t>응답 결과 생성</a:t>
-              </a:r>
-            </a:p>
-          </p:txBody>
-        </p:sp>
-        <p:cxnSp>
-          <p:nvCxnSpPr>
-            <p:cNvPr id="40" name="직선 화살표 연결선 39">
-              <a:extLst>
-                <a:ext uri="{FF2B5EF4-FFF2-40B4-BE49-F238E27FC236}">
-                  <a16:creationId xmlns:a16="http://schemas.microsoft.com/office/drawing/2014/main" id="{A7137176-BBE2-FE43-9C83-DE2275298839}"/>
-                </a:ext>
-              </a:extLst>
-            </p:cNvPr>
-            <p:cNvCxnSpPr>
-              <a:cxnSpLocks/>
-            </p:cNvCxnSpPr>
-            <p:nvPr/>
-          </p:nvCxnSpPr>
-          <p:spPr>
-            <a:xfrm>
-              <a:off x="2719741" y="1588193"/>
-              <a:ext cx="1887239" cy="241412"/>
-            </a:xfrm>
-            <a:prstGeom prst="straightConnector1">
-              <a:avLst/>
-            </a:prstGeom>
-            <a:ln w="50800">
-              <a:solidFill>
-                <a:schemeClr val="tx1"/>
-              </a:solidFill>
-              <a:tailEnd type="triangle"/>
-            </a:ln>
-          </p:spPr>
-          <p:style>
-            <a:lnRef idx="1">
-              <a:schemeClr val="accent1"/>
-            </a:lnRef>
-            <a:fillRef idx="0">
-              <a:schemeClr val="accent1"/>
-            </a:fillRef>
-            <a:effectRef idx="0">
-              <a:schemeClr val="accent1"/>
-            </a:effectRef>
-            <a:fontRef idx="minor">
-              <a:schemeClr val="tx1"/>
-            </a:fontRef>
-          </p:style>
-        </p:cxnSp>
-        <p:cxnSp>
-          <p:nvCxnSpPr>
-            <p:cNvPr id="42" name="직선 화살표 연결선 41">
-              <a:extLst>
-                <a:ext uri="{FF2B5EF4-FFF2-40B4-BE49-F238E27FC236}">
-                  <a16:creationId xmlns:a16="http://schemas.microsoft.com/office/drawing/2014/main" id="{F92524E2-73DE-E64C-B53B-4D6685F00C0F}"/>
-                </a:ext>
-              </a:extLst>
-            </p:cNvPr>
-            <p:cNvCxnSpPr>
-              <a:cxnSpLocks/>
-            </p:cNvCxnSpPr>
-            <p:nvPr/>
-          </p:nvCxnSpPr>
-          <p:spPr>
-            <a:xfrm flipH="1">
-              <a:off x="2723441" y="4580657"/>
-              <a:ext cx="1887239" cy="266649"/>
-            </a:xfrm>
-            <a:prstGeom prst="straightConnector1">
-              <a:avLst/>
-            </a:prstGeom>
-            <a:ln w="50800">
-              <a:solidFill>
-                <a:schemeClr val="tx1"/>
-              </a:solidFill>
-              <a:tailEnd type="triangle"/>
-            </a:ln>
-          </p:spPr>
-          <p:style>
-            <a:lnRef idx="1">
-              <a:schemeClr val="accent1"/>
-            </a:lnRef>
-            <a:fillRef idx="0">
-              <a:schemeClr val="accent1"/>
-            </a:fillRef>
-            <a:effectRef idx="0">
-              <a:schemeClr val="accent1"/>
-            </a:effectRef>
-            <a:fontRef idx="minor">
-              <a:schemeClr val="tx1"/>
-            </a:fontRef>
-          </p:style>
-        </p:cxnSp>
-        <p:sp>
-          <p:nvSpPr>
-            <p:cNvPr id="44" name="직사각형 43">
-              <a:extLst>
-                <a:ext uri="{FF2B5EF4-FFF2-40B4-BE49-F238E27FC236}">
-                  <a16:creationId xmlns:a16="http://schemas.microsoft.com/office/drawing/2014/main" id="{D551F177-E1F6-5545-8DB2-32FD616C44FB}"/>
-                </a:ext>
-              </a:extLst>
-            </p:cNvPr>
-            <p:cNvSpPr/>
-            <p:nvPr/>
-          </p:nvSpPr>
-          <p:spPr>
-            <a:xfrm>
-              <a:off x="4653729" y="4593617"/>
-              <a:ext cx="1844642" cy="571384"/>
-            </a:xfrm>
-            <a:prstGeom prst="rect">
-              <a:avLst/>
-            </a:prstGeom>
-            <a:solidFill>
-              <a:schemeClr val="accent2">
-                <a:lumMod val="20000"/>
-                <a:lumOff val="80000"/>
-              </a:schemeClr>
-            </a:solidFill>
-            <a:ln>
-              <a:noFill/>
-            </a:ln>
-          </p:spPr>
-          <p:style>
-            <a:lnRef idx="2">
-              <a:schemeClr val="accent1">
-                <a:shade val="50000"/>
-              </a:schemeClr>
-            </a:lnRef>
-            <a:fillRef idx="1">
-              <a:schemeClr val="accent1"/>
-            </a:fillRef>
-            <a:effectRef idx="0">
-              <a:schemeClr val="accent1"/>
-            </a:effectRef>
-            <a:fontRef idx="minor">
-              <a:schemeClr val="lt1"/>
-            </a:fontRef>
-          </p:style>
-          <p:txBody>
-            <a:bodyPr rtlCol="0" anchor="ctr"/>
-            <a:lstStyle/>
-            <a:p>
-              <a:pPr algn="ctr"/>
-              <a:r>
-                <a:rPr kumimoji="1" lang="ko-KR" altLang="en-US" dirty="0">
-                  <a:solidFill>
-                    <a:sysClr val="windowText" lastClr="000000"/>
-                  </a:solidFill>
-                </a:rPr>
-                <a:t>응답 결과 생성</a:t>
-              </a:r>
-            </a:p>
-          </p:txBody>
-        </p:sp>
-        <p:cxnSp>
-          <p:nvCxnSpPr>
-            <p:cNvPr id="45" name="직선 화살표 연결선 44">
-              <a:extLst>
-                <a:ext uri="{FF2B5EF4-FFF2-40B4-BE49-F238E27FC236}">
-                  <a16:creationId xmlns:a16="http://schemas.microsoft.com/office/drawing/2014/main" id="{C39EFA3F-5BD5-8844-A929-CD165C86DA79}"/>
-                </a:ext>
-              </a:extLst>
-            </p:cNvPr>
-            <p:cNvCxnSpPr>
-              <a:cxnSpLocks/>
-            </p:cNvCxnSpPr>
-            <p:nvPr/>
-          </p:nvCxnSpPr>
-          <p:spPr>
-            <a:xfrm>
-              <a:off x="2719741" y="1757365"/>
-              <a:ext cx="1887239" cy="241412"/>
-            </a:xfrm>
-            <a:prstGeom prst="straightConnector1">
-              <a:avLst/>
-            </a:prstGeom>
-            <a:ln w="50800">
-              <a:solidFill>
-                <a:schemeClr val="tx1"/>
-              </a:solidFill>
-              <a:tailEnd type="triangle"/>
-            </a:ln>
-          </p:spPr>
-          <p:style>
-            <a:lnRef idx="1">
-              <a:schemeClr val="accent1"/>
-            </a:lnRef>
-            <a:fillRef idx="0">
-              <a:schemeClr val="accent1"/>
-            </a:fillRef>
-            <a:effectRef idx="0">
-              <a:schemeClr val="accent1"/>
-            </a:effectRef>
-            <a:fontRef idx="minor">
-              <a:schemeClr val="tx1"/>
-            </a:fontRef>
-          </p:style>
-        </p:cxnSp>
-        <p:sp>
-          <p:nvSpPr>
-            <p:cNvPr id="46" name="TextBox 45">
-              <a:extLst>
-                <a:ext uri="{FF2B5EF4-FFF2-40B4-BE49-F238E27FC236}">
-                  <a16:creationId xmlns:a16="http://schemas.microsoft.com/office/drawing/2014/main" id="{101DAC55-7834-2C43-B504-C8CBBF7691F1}"/>
-                </a:ext>
-              </a:extLst>
-            </p:cNvPr>
-            <p:cNvSpPr txBox="1"/>
-            <p:nvPr/>
-          </p:nvSpPr>
-          <p:spPr>
-            <a:xfrm>
-              <a:off x="2729921" y="5431650"/>
-              <a:ext cx="1859565" cy="338554"/>
-            </a:xfrm>
-            <a:prstGeom prst="rect">
-              <a:avLst/>
-            </a:prstGeom>
-            <a:solidFill>
-              <a:schemeClr val="accent6">
-                <a:lumMod val="20000"/>
-                <a:lumOff val="80000"/>
-              </a:schemeClr>
-            </a:solidFill>
-          </p:spPr>
-          <p:txBody>
-            <a:bodyPr wrap="square" rtlCol="0">
-              <a:spAutoFit/>
-            </a:bodyPr>
-            <a:lstStyle/>
-            <a:p>
-              <a:pPr algn="ctr"/>
-              <a:r>
-                <a:rPr kumimoji="1" lang="en-US" altLang="ko-KR" sz="1600" dirty="0"/>
-                <a:t>Disconnection</a:t>
-              </a:r>
-              <a:endParaRPr kumimoji="1" lang="ko-KR" altLang="en-US" sz="1600" dirty="0"/>
-            </a:p>
-          </p:txBody>
-        </p:sp>
-        <p:cxnSp>
-          <p:nvCxnSpPr>
-            <p:cNvPr id="47" name="직선 화살표 연결선 46">
-              <a:extLst>
-                <a:ext uri="{FF2B5EF4-FFF2-40B4-BE49-F238E27FC236}">
-                  <a16:creationId xmlns:a16="http://schemas.microsoft.com/office/drawing/2014/main" id="{E606C51B-A2B3-094C-97D3-3F1321FB83A6}"/>
-                </a:ext>
-              </a:extLst>
-            </p:cNvPr>
-            <p:cNvCxnSpPr>
-              <a:cxnSpLocks/>
-            </p:cNvCxnSpPr>
-            <p:nvPr/>
-          </p:nvCxnSpPr>
-          <p:spPr>
-            <a:xfrm flipH="1">
-              <a:off x="2716042" y="5165001"/>
-              <a:ext cx="1887239" cy="266649"/>
-            </a:xfrm>
-            <a:prstGeom prst="straightConnector1">
-              <a:avLst/>
-            </a:prstGeom>
-            <a:ln w="50800">
-              <a:solidFill>
-                <a:schemeClr val="tx1"/>
-              </a:solidFill>
-              <a:tailEnd type="triangle"/>
-            </a:ln>
-          </p:spPr>
-          <p:style>
-            <a:lnRef idx="1">
-              <a:schemeClr val="accent1"/>
-            </a:lnRef>
-            <a:fillRef idx="0">
-              <a:schemeClr val="accent1"/>
-            </a:fillRef>
-            <a:effectRef idx="0">
-              <a:schemeClr val="accent1"/>
-            </a:effectRef>
-            <a:fontRef idx="minor">
-              <a:schemeClr val="tx1"/>
-            </a:fontRef>
-          </p:style>
-        </p:cxnSp>
-      </p:grpSp>
-    </p:spTree>
-    <p:extLst>
-      <p:ext uri="{BB962C8B-B14F-4D97-AF65-F5344CB8AC3E}">
-        <p14:creationId xmlns:p14="http://schemas.microsoft.com/office/powerpoint/2010/main" val="888965068"/>
       </p:ext>
     </p:extLst>
   </p:cSld>

--- a/static/assets/img/posts/etc/http-version.pptx
+++ b/static/assets/img/posts/etc/http-version.pptx
@@ -5,7 +5,7 @@
     <p:sldMasterId id="2147483648" r:id="rId1"/>
   </p:sldMasterIdLst>
   <p:notesMasterIdLst>
-    <p:notesMasterId r:id="rId14"/>
+    <p:notesMasterId r:id="rId15"/>
   </p:notesMasterIdLst>
   <p:sldIdLst>
     <p:sldId id="256" r:id="rId2"/>
@@ -17,9 +17,10 @@
     <p:sldId id="265" r:id="rId8"/>
     <p:sldId id="266" r:id="rId9"/>
     <p:sldId id="267" r:id="rId10"/>
-    <p:sldId id="260" r:id="rId11"/>
-    <p:sldId id="261" r:id="rId12"/>
-    <p:sldId id="262" r:id="rId13"/>
+    <p:sldId id="269" r:id="rId11"/>
+    <p:sldId id="260" r:id="rId12"/>
+    <p:sldId id="261" r:id="rId13"/>
+    <p:sldId id="262" r:id="rId14"/>
   </p:sldIdLst>
   <p:sldSz cx="12192000" cy="6858000"/>
   <p:notesSz cx="6858000" cy="9144000"/>
@@ -208,7 +209,7 @@
           <a:p>
             <a:fld id="{4E790157-85E3-D64D-BB31-E2A6B705DD4B}" type="datetimeFigureOut">
               <a:rPr kumimoji="1" lang="ko-KR" altLang="en-US" smtClean="0"/>
-              <a:t>2022. 2. 27.</a:t>
+              <a:t>2022. 3. 11.</a:t>
             </a:fld>
             <a:endParaRPr kumimoji="1" lang="ko-KR" altLang="en-US"/>
           </a:p>
@@ -534,6 +535,90 @@
 </p:notes>
 </file>
 
+<file path=ppt/notesSlides/notesSlide2.xml><?xml version="1.0" encoding="utf-8"?>
+<p:notes xmlns:a="http://schemas.openxmlformats.org/drawingml/2006/main" xmlns:r="http://schemas.openxmlformats.org/officeDocument/2006/relationships" xmlns:p="http://schemas.openxmlformats.org/presentationml/2006/main">
+  <p:cSld>
+    <p:spTree>
+      <p:nvGrpSpPr>
+        <p:cNvPr id="1" name=""/>
+        <p:cNvGrpSpPr/>
+        <p:nvPr/>
+      </p:nvGrpSpPr>
+      <p:grpSpPr>
+        <a:xfrm>
+          <a:off x="0" y="0"/>
+          <a:ext cx="0" cy="0"/>
+          <a:chOff x="0" y="0"/>
+          <a:chExt cx="0" cy="0"/>
+        </a:xfrm>
+      </p:grpSpPr>
+      <p:sp>
+        <p:nvSpPr>
+          <p:cNvPr id="2" name="슬라이드 이미지 개체 틀 1"/>
+          <p:cNvSpPr>
+            <a:spLocks noGrp="1" noRot="1" noChangeAspect="1"/>
+          </p:cNvSpPr>
+          <p:nvPr>
+            <p:ph type="sldImg"/>
+          </p:nvPr>
+        </p:nvSpPr>
+        <p:spPr/>
+      </p:sp>
+      <p:sp>
+        <p:nvSpPr>
+          <p:cNvPr id="3" name="슬라이드 노트 개체 틀 2"/>
+          <p:cNvSpPr>
+            <a:spLocks noGrp="1"/>
+          </p:cNvSpPr>
+          <p:nvPr>
+            <p:ph type="body" idx="1"/>
+          </p:nvPr>
+        </p:nvSpPr>
+        <p:spPr/>
+        <p:txBody>
+          <a:bodyPr/>
+          <a:lstStyle/>
+          <a:p>
+            <a:endParaRPr kumimoji="1" lang="ko-KR" altLang="en-US" dirty="0"/>
+          </a:p>
+        </p:txBody>
+      </p:sp>
+      <p:sp>
+        <p:nvSpPr>
+          <p:cNvPr id="4" name="슬라이드 번호 개체 틀 3"/>
+          <p:cNvSpPr>
+            <a:spLocks noGrp="1"/>
+          </p:cNvSpPr>
+          <p:nvPr>
+            <p:ph type="sldNum" sz="quarter" idx="5"/>
+          </p:nvPr>
+        </p:nvSpPr>
+        <p:spPr/>
+        <p:txBody>
+          <a:bodyPr/>
+          <a:lstStyle/>
+          <a:p>
+            <a:fld id="{D5C8F6F6-4F2C-284F-81C8-8588BBA2EA2B}" type="slidenum">
+              <a:rPr kumimoji="1" lang="ko-KR" altLang="en-US" smtClean="0"/>
+              <a:t>10</a:t>
+            </a:fld>
+            <a:endParaRPr kumimoji="1" lang="ko-KR" altLang="en-US"/>
+          </a:p>
+        </p:txBody>
+      </p:sp>
+    </p:spTree>
+    <p:extLst>
+      <p:ext uri="{BB962C8B-B14F-4D97-AF65-F5344CB8AC3E}">
+        <p14:creationId xmlns:p14="http://schemas.microsoft.com/office/powerpoint/2010/main" val="1586763114"/>
+      </p:ext>
+    </p:extLst>
+  </p:cSld>
+  <p:clrMapOvr>
+    <a:masterClrMapping/>
+  </p:clrMapOvr>
+</p:notes>
+</file>
+
 <file path=ppt/slideLayouts/slideLayout1.xml><?xml version="1.0" encoding="utf-8"?>
 <p:sldLayout xmlns:a="http://schemas.openxmlformats.org/drawingml/2006/main" xmlns:r="http://schemas.openxmlformats.org/officeDocument/2006/relationships" xmlns:p="http://schemas.openxmlformats.org/presentationml/2006/main" type="title" preserve="1">
   <p:cSld name="제목 슬라이드">
@@ -681,7 +766,7 @@
           <a:p>
             <a:fld id="{187B024A-58F9-A941-8036-04AB132CF501}" type="datetimeFigureOut">
               <a:rPr kumimoji="1" lang="ko-KR" altLang="en-US" smtClean="0"/>
-              <a:t>2022. 2. 27.</a:t>
+              <a:t>2022. 3. 11.</a:t>
             </a:fld>
             <a:endParaRPr kumimoji="1" lang="ko-KR" altLang="en-US"/>
           </a:p>
@@ -854,7 +939,7 @@
           <a:p>
             <a:fld id="{187B024A-58F9-A941-8036-04AB132CF501}" type="datetimeFigureOut">
               <a:rPr kumimoji="1" lang="ko-KR" altLang="en-US" smtClean="0"/>
-              <a:t>2022. 2. 27.</a:t>
+              <a:t>2022. 3. 11.</a:t>
             </a:fld>
             <a:endParaRPr kumimoji="1" lang="ko-KR" altLang="en-US"/>
           </a:p>
@@ -1037,7 +1122,7 @@
           <a:p>
             <a:fld id="{187B024A-58F9-A941-8036-04AB132CF501}" type="datetimeFigureOut">
               <a:rPr kumimoji="1" lang="ko-KR" altLang="en-US" smtClean="0"/>
-              <a:t>2022. 2. 27.</a:t>
+              <a:t>2022. 3. 11.</a:t>
             </a:fld>
             <a:endParaRPr kumimoji="1" lang="ko-KR" altLang="en-US"/>
           </a:p>
@@ -1210,7 +1295,7 @@
           <a:p>
             <a:fld id="{187B024A-58F9-A941-8036-04AB132CF501}" type="datetimeFigureOut">
               <a:rPr kumimoji="1" lang="ko-KR" altLang="en-US" smtClean="0"/>
-              <a:t>2022. 2. 27.</a:t>
+              <a:t>2022. 3. 11.</a:t>
             </a:fld>
             <a:endParaRPr kumimoji="1" lang="ko-KR" altLang="en-US"/>
           </a:p>
@@ -1488,7 +1573,7 @@
           <a:p>
             <a:fld id="{187B024A-58F9-A941-8036-04AB132CF501}" type="datetimeFigureOut">
               <a:rPr kumimoji="1" lang="ko-KR" altLang="en-US" smtClean="0"/>
-              <a:t>2022. 2. 27.</a:t>
+              <a:t>2022. 3. 11.</a:t>
             </a:fld>
             <a:endParaRPr kumimoji="1" lang="ko-KR" altLang="en-US"/>
           </a:p>
@@ -1703,7 +1788,7 @@
           <a:p>
             <a:fld id="{187B024A-58F9-A941-8036-04AB132CF501}" type="datetimeFigureOut">
               <a:rPr kumimoji="1" lang="ko-KR" altLang="en-US" smtClean="0"/>
-              <a:t>2022. 2. 27.</a:t>
+              <a:t>2022. 3. 11.</a:t>
             </a:fld>
             <a:endParaRPr kumimoji="1" lang="ko-KR" altLang="en-US"/>
           </a:p>
@@ -2071,7 +2156,7 @@
           <a:p>
             <a:fld id="{187B024A-58F9-A941-8036-04AB132CF501}" type="datetimeFigureOut">
               <a:rPr kumimoji="1" lang="ko-KR" altLang="en-US" smtClean="0"/>
-              <a:t>2022. 2. 27.</a:t>
+              <a:t>2022. 3. 11.</a:t>
             </a:fld>
             <a:endParaRPr kumimoji="1" lang="ko-KR" altLang="en-US"/>
           </a:p>
@@ -2212,7 +2297,7 @@
           <a:p>
             <a:fld id="{187B024A-58F9-A941-8036-04AB132CF501}" type="datetimeFigureOut">
               <a:rPr kumimoji="1" lang="ko-KR" altLang="en-US" smtClean="0"/>
-              <a:t>2022. 2. 27.</a:t>
+              <a:t>2022. 3. 11.</a:t>
             </a:fld>
             <a:endParaRPr kumimoji="1" lang="ko-KR" altLang="en-US"/>
           </a:p>
@@ -2325,7 +2410,7 @@
           <a:p>
             <a:fld id="{187B024A-58F9-A941-8036-04AB132CF501}" type="datetimeFigureOut">
               <a:rPr kumimoji="1" lang="ko-KR" altLang="en-US" smtClean="0"/>
-              <a:t>2022. 2. 27.</a:t>
+              <a:t>2022. 3. 11.</a:t>
             </a:fld>
             <a:endParaRPr kumimoji="1" lang="ko-KR" altLang="en-US"/>
           </a:p>
@@ -2614,7 +2699,7 @@
           <a:p>
             <a:fld id="{187B024A-58F9-A941-8036-04AB132CF501}" type="datetimeFigureOut">
               <a:rPr kumimoji="1" lang="ko-KR" altLang="en-US" smtClean="0"/>
-              <a:t>2022. 2. 27.</a:t>
+              <a:t>2022. 3. 11.</a:t>
             </a:fld>
             <a:endParaRPr kumimoji="1" lang="ko-KR" altLang="en-US"/>
           </a:p>
@@ -2905,7 +2990,7 @@
           <a:p>
             <a:fld id="{187B024A-58F9-A941-8036-04AB132CF501}" type="datetimeFigureOut">
               <a:rPr kumimoji="1" lang="ko-KR" altLang="en-US" smtClean="0"/>
-              <a:t>2022. 2. 27.</a:t>
+              <a:t>2022. 3. 11.</a:t>
             </a:fld>
             <a:endParaRPr kumimoji="1" lang="ko-KR" altLang="en-US"/>
           </a:p>
@@ -3121,7 +3206,7 @@
           <a:p>
             <a:fld id="{187B024A-58F9-A941-8036-04AB132CF501}" type="datetimeFigureOut">
               <a:rPr kumimoji="1" lang="ko-KR" altLang="en-US" smtClean="0"/>
-              <a:t>2022. 2. 27.</a:t>
+              <a:t>2022. 3. 11.</a:t>
             </a:fld>
             <a:endParaRPr kumimoji="1" lang="ko-KR" altLang="en-US"/>
           </a:p>
@@ -4429,6 +4514,704 @@
 </file>
 
 <file path=ppt/slides/slide10.xml><?xml version="1.0" encoding="utf-8"?>
+<p:sld xmlns:a="http://schemas.openxmlformats.org/drawingml/2006/main" xmlns:r="http://schemas.openxmlformats.org/officeDocument/2006/relationships" xmlns:p="http://schemas.openxmlformats.org/presentationml/2006/main">
+  <p:cSld>
+    <p:spTree>
+      <p:nvGrpSpPr>
+        <p:cNvPr id="1" name=""/>
+        <p:cNvGrpSpPr/>
+        <p:nvPr/>
+      </p:nvGrpSpPr>
+      <p:grpSpPr>
+        <a:xfrm>
+          <a:off x="0" y="0"/>
+          <a:ext cx="0" cy="0"/>
+          <a:chOff x="0" y="0"/>
+          <a:chExt cx="0" cy="0"/>
+        </a:xfrm>
+      </p:grpSpPr>
+      <p:grpSp>
+        <p:nvGrpSpPr>
+          <p:cNvPr id="20" name="그룹 19">
+            <a:extLst>
+              <a:ext uri="{FF2B5EF4-FFF2-40B4-BE49-F238E27FC236}">
+                <a16:creationId xmlns:a16="http://schemas.microsoft.com/office/drawing/2014/main" id="{5456A10D-4460-8440-8B52-F9582BF4C7F7}"/>
+              </a:ext>
+            </a:extLst>
+          </p:cNvPr>
+          <p:cNvGrpSpPr/>
+          <p:nvPr/>
+        </p:nvGrpSpPr>
+        <p:grpSpPr>
+          <a:xfrm>
+            <a:off x="906185" y="1466784"/>
+            <a:ext cx="10924624" cy="1973912"/>
+            <a:chOff x="906185" y="1466784"/>
+            <a:chExt cx="10924624" cy="1973912"/>
+          </a:xfrm>
+        </p:grpSpPr>
+        <p:pic>
+          <p:nvPicPr>
+            <p:cNvPr id="29" name="그림 28">
+              <a:extLst>
+                <a:ext uri="{FF2B5EF4-FFF2-40B4-BE49-F238E27FC236}">
+                  <a16:creationId xmlns:a16="http://schemas.microsoft.com/office/drawing/2014/main" id="{49AACB4D-EB3D-614F-8C36-FDB8C102D0A7}"/>
+                </a:ext>
+              </a:extLst>
+            </p:cNvPr>
+            <p:cNvPicPr>
+              <a:picLocks noChangeAspect="1"/>
+            </p:cNvPicPr>
+            <p:nvPr/>
+          </p:nvPicPr>
+          <p:blipFill>
+            <a:blip r:embed="rId3"/>
+            <a:stretch>
+              <a:fillRect/>
+            </a:stretch>
+          </p:blipFill>
+          <p:spPr>
+            <a:xfrm>
+              <a:off x="10095143" y="1594964"/>
+              <a:ext cx="1735666" cy="1735666"/>
+            </a:xfrm>
+            <a:prstGeom prst="rect">
+              <a:avLst/>
+            </a:prstGeom>
+          </p:spPr>
+        </p:pic>
+        <p:pic>
+          <p:nvPicPr>
+            <p:cNvPr id="3" name="그림 2">
+              <a:extLst>
+                <a:ext uri="{FF2B5EF4-FFF2-40B4-BE49-F238E27FC236}">
+                  <a16:creationId xmlns:a16="http://schemas.microsoft.com/office/drawing/2014/main" id="{D39F49DD-AB6F-C444-A483-576E5D66E50F}"/>
+                </a:ext>
+              </a:extLst>
+            </p:cNvPr>
+            <p:cNvPicPr>
+              <a:picLocks noChangeAspect="1"/>
+            </p:cNvPicPr>
+            <p:nvPr/>
+          </p:nvPicPr>
+          <p:blipFill>
+            <a:blip r:embed="rId4"/>
+            <a:stretch>
+              <a:fillRect/>
+            </a:stretch>
+          </p:blipFill>
+          <p:spPr>
+            <a:xfrm>
+              <a:off x="906185" y="1484896"/>
+              <a:ext cx="1955800" cy="1955800"/>
+            </a:xfrm>
+            <a:prstGeom prst="rect">
+              <a:avLst/>
+            </a:prstGeom>
+          </p:spPr>
+        </p:pic>
+        <p:pic>
+          <p:nvPicPr>
+            <p:cNvPr id="8" name="그림 7">
+              <a:extLst>
+                <a:ext uri="{FF2B5EF4-FFF2-40B4-BE49-F238E27FC236}">
+                  <a16:creationId xmlns:a16="http://schemas.microsoft.com/office/drawing/2014/main" id="{266AC016-8DF5-A54A-ABD8-FF7A79C2A524}"/>
+                </a:ext>
+              </a:extLst>
+            </p:cNvPr>
+            <p:cNvPicPr>
+              <a:picLocks noChangeAspect="1"/>
+            </p:cNvPicPr>
+            <p:nvPr/>
+          </p:nvPicPr>
+          <p:blipFill>
+            <a:blip r:embed="rId3"/>
+            <a:stretch>
+              <a:fillRect/>
+            </a:stretch>
+          </p:blipFill>
+          <p:spPr>
+            <a:xfrm>
+              <a:off x="9434743" y="1594964"/>
+              <a:ext cx="1735666" cy="1735666"/>
+            </a:xfrm>
+            <a:prstGeom prst="rect">
+              <a:avLst/>
+            </a:prstGeom>
+          </p:spPr>
+        </p:pic>
+        <p:cxnSp>
+          <p:nvCxnSpPr>
+            <p:cNvPr id="18" name="직선 화살표 연결선 17">
+              <a:extLst>
+                <a:ext uri="{FF2B5EF4-FFF2-40B4-BE49-F238E27FC236}">
+                  <a16:creationId xmlns:a16="http://schemas.microsoft.com/office/drawing/2014/main" id="{3DACCD07-2D50-8940-A466-EEA7B3025377}"/>
+                </a:ext>
+              </a:extLst>
+            </p:cNvPr>
+            <p:cNvCxnSpPr>
+              <a:cxnSpLocks/>
+            </p:cNvCxnSpPr>
+            <p:nvPr/>
+          </p:nvCxnSpPr>
+          <p:spPr>
+            <a:xfrm>
+              <a:off x="3167871" y="1923984"/>
+              <a:ext cx="6441796" cy="0"/>
+            </a:xfrm>
+            <a:prstGeom prst="straightConnector1">
+              <a:avLst/>
+            </a:prstGeom>
+            <a:ln w="76200">
+              <a:solidFill>
+                <a:schemeClr val="tx1"/>
+              </a:solidFill>
+              <a:tailEnd type="triangle"/>
+            </a:ln>
+          </p:spPr>
+          <p:style>
+            <a:lnRef idx="1">
+              <a:schemeClr val="accent1"/>
+            </a:lnRef>
+            <a:fillRef idx="0">
+              <a:schemeClr val="accent1"/>
+            </a:fillRef>
+            <a:effectRef idx="0">
+              <a:schemeClr val="accent1"/>
+            </a:effectRef>
+            <a:fontRef idx="minor">
+              <a:schemeClr val="tx1"/>
+            </a:fontRef>
+          </p:style>
+        </p:cxnSp>
+        <p:sp>
+          <p:nvSpPr>
+            <p:cNvPr id="7" name="직사각형 6">
+              <a:extLst>
+                <a:ext uri="{FF2B5EF4-FFF2-40B4-BE49-F238E27FC236}">
+                  <a16:creationId xmlns:a16="http://schemas.microsoft.com/office/drawing/2014/main" id="{1FBC9D6F-ABE9-0945-92A7-802BBC587A60}"/>
+                </a:ext>
+              </a:extLst>
+            </p:cNvPr>
+            <p:cNvSpPr/>
+            <p:nvPr/>
+          </p:nvSpPr>
+          <p:spPr>
+            <a:xfrm>
+              <a:off x="7797014" y="1466784"/>
+              <a:ext cx="1331843" cy="914400"/>
+            </a:xfrm>
+            <a:prstGeom prst="rect">
+              <a:avLst/>
+            </a:prstGeom>
+            <a:solidFill>
+              <a:schemeClr val="tx1">
+                <a:lumMod val="65000"/>
+                <a:lumOff val="35000"/>
+              </a:schemeClr>
+            </a:solidFill>
+            <a:ln>
+              <a:noFill/>
+            </a:ln>
+          </p:spPr>
+          <p:style>
+            <a:lnRef idx="2">
+              <a:schemeClr val="accent1">
+                <a:shade val="50000"/>
+              </a:schemeClr>
+            </a:lnRef>
+            <a:fillRef idx="1">
+              <a:schemeClr val="accent1"/>
+            </a:fillRef>
+            <a:effectRef idx="0">
+              <a:schemeClr val="accent1"/>
+            </a:effectRef>
+            <a:fontRef idx="minor">
+              <a:schemeClr val="lt1"/>
+            </a:fontRef>
+          </p:style>
+          <p:txBody>
+            <a:bodyPr rtlCol="0" anchor="ctr"/>
+            <a:lstStyle/>
+            <a:p>
+              <a:pPr algn="ctr"/>
+              <a:r>
+                <a:rPr kumimoji="1" lang="en-US" altLang="ko-KR" dirty="0"/>
+                <a:t>HEADERS</a:t>
+              </a:r>
+            </a:p>
+            <a:p>
+              <a:pPr algn="ctr"/>
+              <a:r>
+                <a:rPr kumimoji="1" lang="en-US" altLang="ko-KR" dirty="0"/>
+                <a:t>Frame</a:t>
+              </a:r>
+              <a:endParaRPr kumimoji="1" lang="ko-KR" altLang="en-US" dirty="0"/>
+            </a:p>
+          </p:txBody>
+        </p:sp>
+        <p:sp>
+          <p:nvSpPr>
+            <p:cNvPr id="22" name="직사각형 21">
+              <a:extLst>
+                <a:ext uri="{FF2B5EF4-FFF2-40B4-BE49-F238E27FC236}">
+                  <a16:creationId xmlns:a16="http://schemas.microsoft.com/office/drawing/2014/main" id="{F1806CA6-690C-FB42-8EE3-9D1C7C7BE389}"/>
+                </a:ext>
+              </a:extLst>
+            </p:cNvPr>
+            <p:cNvSpPr/>
+            <p:nvPr/>
+          </p:nvSpPr>
+          <p:spPr>
+            <a:xfrm>
+              <a:off x="6219781" y="1466784"/>
+              <a:ext cx="1331843" cy="914400"/>
+            </a:xfrm>
+            <a:prstGeom prst="rect">
+              <a:avLst/>
+            </a:prstGeom>
+            <a:solidFill>
+              <a:schemeClr val="tx1">
+                <a:lumMod val="65000"/>
+                <a:lumOff val="35000"/>
+              </a:schemeClr>
+            </a:solidFill>
+            <a:ln>
+              <a:noFill/>
+            </a:ln>
+          </p:spPr>
+          <p:style>
+            <a:lnRef idx="2">
+              <a:schemeClr val="accent1">
+                <a:shade val="50000"/>
+              </a:schemeClr>
+            </a:lnRef>
+            <a:fillRef idx="1">
+              <a:schemeClr val="accent1"/>
+            </a:fillRef>
+            <a:effectRef idx="0">
+              <a:schemeClr val="accent1"/>
+            </a:effectRef>
+            <a:fontRef idx="minor">
+              <a:schemeClr val="lt1"/>
+            </a:fontRef>
+          </p:style>
+          <p:txBody>
+            <a:bodyPr rtlCol="0" anchor="ctr"/>
+            <a:lstStyle/>
+            <a:p>
+              <a:pPr algn="ctr"/>
+              <a:r>
+                <a:rPr kumimoji="1" lang="en-US" altLang="ko-KR" dirty="0"/>
+                <a:t>DATA</a:t>
+              </a:r>
+            </a:p>
+            <a:p>
+              <a:pPr algn="ctr"/>
+              <a:r>
+                <a:rPr kumimoji="1" lang="en-US" altLang="ko-KR" dirty="0"/>
+                <a:t>Frame</a:t>
+              </a:r>
+              <a:endParaRPr kumimoji="1" lang="ko-KR" altLang="en-US" dirty="0"/>
+            </a:p>
+          </p:txBody>
+        </p:sp>
+        <p:sp>
+          <p:nvSpPr>
+            <p:cNvPr id="23" name="직사각형 22">
+              <a:extLst>
+                <a:ext uri="{FF2B5EF4-FFF2-40B4-BE49-F238E27FC236}">
+                  <a16:creationId xmlns:a16="http://schemas.microsoft.com/office/drawing/2014/main" id="{E0435834-8A39-254C-8FED-5D8ED8B06873}"/>
+                </a:ext>
+              </a:extLst>
+            </p:cNvPr>
+            <p:cNvSpPr/>
+            <p:nvPr/>
+          </p:nvSpPr>
+          <p:spPr>
+            <a:xfrm>
+              <a:off x="3522385" y="1466784"/>
+              <a:ext cx="1331843" cy="914400"/>
+            </a:xfrm>
+            <a:prstGeom prst="rect">
+              <a:avLst/>
+            </a:prstGeom>
+            <a:solidFill>
+              <a:schemeClr val="tx1">
+                <a:lumMod val="65000"/>
+                <a:lumOff val="35000"/>
+              </a:schemeClr>
+            </a:solidFill>
+            <a:ln>
+              <a:noFill/>
+            </a:ln>
+          </p:spPr>
+          <p:style>
+            <a:lnRef idx="2">
+              <a:schemeClr val="accent1">
+                <a:shade val="50000"/>
+              </a:schemeClr>
+            </a:lnRef>
+            <a:fillRef idx="1">
+              <a:schemeClr val="accent1"/>
+            </a:fillRef>
+            <a:effectRef idx="0">
+              <a:schemeClr val="accent1"/>
+            </a:effectRef>
+            <a:fontRef idx="minor">
+              <a:schemeClr val="lt1"/>
+            </a:fontRef>
+          </p:style>
+          <p:txBody>
+            <a:bodyPr rtlCol="0" anchor="ctr"/>
+            <a:lstStyle/>
+            <a:p>
+              <a:pPr algn="ctr"/>
+              <a:r>
+                <a:rPr kumimoji="1" lang="en-US" altLang="ko-KR" dirty="0"/>
+                <a:t>DATA</a:t>
+              </a:r>
+            </a:p>
+            <a:p>
+              <a:pPr algn="ctr"/>
+              <a:r>
+                <a:rPr kumimoji="1" lang="en-US" altLang="ko-KR" dirty="0"/>
+                <a:t>Frame</a:t>
+              </a:r>
+              <a:endParaRPr kumimoji="1" lang="ko-KR" altLang="en-US" dirty="0"/>
+            </a:p>
+          </p:txBody>
+        </p:sp>
+        <p:sp>
+          <p:nvSpPr>
+            <p:cNvPr id="11" name="TextBox 10">
+              <a:extLst>
+                <a:ext uri="{FF2B5EF4-FFF2-40B4-BE49-F238E27FC236}">
+                  <a16:creationId xmlns:a16="http://schemas.microsoft.com/office/drawing/2014/main" id="{F407E7ED-C39B-1B48-BE33-7F0F0B2ED44F}"/>
+                </a:ext>
+              </a:extLst>
+            </p:cNvPr>
+            <p:cNvSpPr txBox="1"/>
+            <p:nvPr/>
+          </p:nvSpPr>
+          <p:spPr>
+            <a:xfrm rot="10800000">
+              <a:off x="5160114" y="1540249"/>
+              <a:ext cx="639919" cy="830997"/>
+            </a:xfrm>
+            <a:prstGeom prst="rect">
+              <a:avLst/>
+            </a:prstGeom>
+            <a:noFill/>
+          </p:spPr>
+          <p:txBody>
+            <a:bodyPr wrap="none" rtlCol="0">
+              <a:spAutoFit/>
+            </a:bodyPr>
+            <a:lstStyle/>
+            <a:p>
+              <a:r>
+                <a:rPr kumimoji="1" lang="en-US" altLang="ko-KR" sz="4800" dirty="0"/>
+                <a:t>…</a:t>
+              </a:r>
+              <a:endParaRPr kumimoji="1" lang="ko-KR" altLang="en-US" sz="4800" dirty="0"/>
+            </a:p>
+          </p:txBody>
+        </p:sp>
+        <p:cxnSp>
+          <p:nvCxnSpPr>
+            <p:cNvPr id="25" name="직선 화살표 연결선 24">
+              <a:extLst>
+                <a:ext uri="{FF2B5EF4-FFF2-40B4-BE49-F238E27FC236}">
+                  <a16:creationId xmlns:a16="http://schemas.microsoft.com/office/drawing/2014/main" id="{8557E314-D931-D640-8442-4A41DB9199C6}"/>
+                </a:ext>
+              </a:extLst>
+            </p:cNvPr>
+            <p:cNvCxnSpPr>
+              <a:cxnSpLocks/>
+            </p:cNvCxnSpPr>
+            <p:nvPr/>
+          </p:nvCxnSpPr>
+          <p:spPr>
+            <a:xfrm>
+              <a:off x="3167871" y="2983496"/>
+              <a:ext cx="6441796" cy="0"/>
+            </a:xfrm>
+            <a:prstGeom prst="straightConnector1">
+              <a:avLst/>
+            </a:prstGeom>
+            <a:ln w="76200">
+              <a:solidFill>
+                <a:schemeClr val="tx1"/>
+              </a:solidFill>
+              <a:headEnd type="triangle"/>
+              <a:tailEnd type="none"/>
+            </a:ln>
+          </p:spPr>
+          <p:style>
+            <a:lnRef idx="1">
+              <a:schemeClr val="accent1"/>
+            </a:lnRef>
+            <a:fillRef idx="0">
+              <a:schemeClr val="accent1"/>
+            </a:fillRef>
+            <a:effectRef idx="0">
+              <a:schemeClr val="accent1"/>
+            </a:effectRef>
+            <a:fontRef idx="minor">
+              <a:schemeClr val="tx1"/>
+            </a:fontRef>
+          </p:style>
+        </p:cxnSp>
+        <p:sp>
+          <p:nvSpPr>
+            <p:cNvPr id="26" name="직사각형 25">
+              <a:extLst>
+                <a:ext uri="{FF2B5EF4-FFF2-40B4-BE49-F238E27FC236}">
+                  <a16:creationId xmlns:a16="http://schemas.microsoft.com/office/drawing/2014/main" id="{BD0D3CC1-40FA-A14F-A722-EB7B508AD3A4}"/>
+                </a:ext>
+              </a:extLst>
+            </p:cNvPr>
+            <p:cNvSpPr/>
+            <p:nvPr/>
+          </p:nvSpPr>
+          <p:spPr>
+            <a:xfrm>
+              <a:off x="7797013" y="2526296"/>
+              <a:ext cx="1331843" cy="914400"/>
+            </a:xfrm>
+            <a:prstGeom prst="rect">
+              <a:avLst/>
+            </a:prstGeom>
+            <a:solidFill>
+              <a:schemeClr val="tx1">
+                <a:lumMod val="65000"/>
+                <a:lumOff val="35000"/>
+              </a:schemeClr>
+            </a:solidFill>
+            <a:ln>
+              <a:noFill/>
+            </a:ln>
+          </p:spPr>
+          <p:style>
+            <a:lnRef idx="2">
+              <a:schemeClr val="accent1">
+                <a:shade val="50000"/>
+              </a:schemeClr>
+            </a:lnRef>
+            <a:fillRef idx="1">
+              <a:schemeClr val="accent1"/>
+            </a:fillRef>
+            <a:effectRef idx="0">
+              <a:schemeClr val="accent1"/>
+            </a:effectRef>
+            <a:fontRef idx="minor">
+              <a:schemeClr val="lt1"/>
+            </a:fontRef>
+          </p:style>
+          <p:txBody>
+            <a:bodyPr rtlCol="0" anchor="ctr"/>
+            <a:lstStyle/>
+            <a:p>
+              <a:pPr algn="ctr"/>
+              <a:r>
+                <a:rPr kumimoji="1" lang="en-US" altLang="ko-KR" dirty="0"/>
+                <a:t>DATA</a:t>
+              </a:r>
+            </a:p>
+            <a:p>
+              <a:pPr algn="ctr"/>
+              <a:r>
+                <a:rPr kumimoji="1" lang="en-US" altLang="ko-KR" dirty="0"/>
+                <a:t>Frame</a:t>
+              </a:r>
+              <a:endParaRPr kumimoji="1" lang="ko-KR" altLang="en-US" dirty="0"/>
+            </a:p>
+          </p:txBody>
+        </p:sp>
+        <p:sp>
+          <p:nvSpPr>
+            <p:cNvPr id="27" name="직사각형 26">
+              <a:extLst>
+                <a:ext uri="{FF2B5EF4-FFF2-40B4-BE49-F238E27FC236}">
+                  <a16:creationId xmlns:a16="http://schemas.microsoft.com/office/drawing/2014/main" id="{E3A56E12-F55A-E746-8025-EB4C95EC30E6}"/>
+                </a:ext>
+              </a:extLst>
+            </p:cNvPr>
+            <p:cNvSpPr/>
+            <p:nvPr/>
+          </p:nvSpPr>
+          <p:spPr>
+            <a:xfrm>
+              <a:off x="5086720" y="2526296"/>
+              <a:ext cx="1331843" cy="914400"/>
+            </a:xfrm>
+            <a:prstGeom prst="rect">
+              <a:avLst/>
+            </a:prstGeom>
+            <a:solidFill>
+              <a:schemeClr val="tx1">
+                <a:lumMod val="65000"/>
+                <a:lumOff val="35000"/>
+              </a:schemeClr>
+            </a:solidFill>
+            <a:ln>
+              <a:noFill/>
+            </a:ln>
+          </p:spPr>
+          <p:style>
+            <a:lnRef idx="2">
+              <a:schemeClr val="accent1">
+                <a:shade val="50000"/>
+              </a:schemeClr>
+            </a:lnRef>
+            <a:fillRef idx="1">
+              <a:schemeClr val="accent1"/>
+            </a:fillRef>
+            <a:effectRef idx="0">
+              <a:schemeClr val="accent1"/>
+            </a:effectRef>
+            <a:fontRef idx="minor">
+              <a:schemeClr val="lt1"/>
+            </a:fontRef>
+          </p:style>
+          <p:txBody>
+            <a:bodyPr rtlCol="0" anchor="ctr"/>
+            <a:lstStyle/>
+            <a:p>
+              <a:pPr algn="ctr"/>
+              <a:r>
+                <a:rPr kumimoji="1" lang="en-US" altLang="ko-KR" dirty="0"/>
+                <a:t>DATA</a:t>
+              </a:r>
+            </a:p>
+            <a:p>
+              <a:pPr algn="ctr"/>
+              <a:r>
+                <a:rPr kumimoji="1" lang="en-US" altLang="ko-KR" dirty="0"/>
+                <a:t>Frame</a:t>
+              </a:r>
+              <a:endParaRPr kumimoji="1" lang="ko-KR" altLang="en-US" dirty="0"/>
+            </a:p>
+          </p:txBody>
+        </p:sp>
+        <p:sp>
+          <p:nvSpPr>
+            <p:cNvPr id="28" name="직사각형 27">
+              <a:extLst>
+                <a:ext uri="{FF2B5EF4-FFF2-40B4-BE49-F238E27FC236}">
+                  <a16:creationId xmlns:a16="http://schemas.microsoft.com/office/drawing/2014/main" id="{043022FE-07A5-FE4C-A0E6-5082DBE93F52}"/>
+                </a:ext>
+              </a:extLst>
+            </p:cNvPr>
+            <p:cNvSpPr/>
+            <p:nvPr/>
+          </p:nvSpPr>
+          <p:spPr>
+            <a:xfrm>
+              <a:off x="3522385" y="2526296"/>
+              <a:ext cx="1331843" cy="914400"/>
+            </a:xfrm>
+            <a:prstGeom prst="rect">
+              <a:avLst/>
+            </a:prstGeom>
+            <a:solidFill>
+              <a:schemeClr val="tx1">
+                <a:lumMod val="65000"/>
+                <a:lumOff val="35000"/>
+              </a:schemeClr>
+            </a:solidFill>
+            <a:ln>
+              <a:noFill/>
+            </a:ln>
+          </p:spPr>
+          <p:style>
+            <a:lnRef idx="2">
+              <a:schemeClr val="accent1">
+                <a:shade val="50000"/>
+              </a:schemeClr>
+            </a:lnRef>
+            <a:fillRef idx="1">
+              <a:schemeClr val="accent1"/>
+            </a:fillRef>
+            <a:effectRef idx="0">
+              <a:schemeClr val="accent1"/>
+            </a:effectRef>
+            <a:fontRef idx="minor">
+              <a:schemeClr val="lt1"/>
+            </a:fontRef>
+          </p:style>
+          <p:txBody>
+            <a:bodyPr rtlCol="0" anchor="ctr"/>
+            <a:lstStyle/>
+            <a:p>
+              <a:pPr algn="ctr"/>
+              <a:r>
+                <a:rPr kumimoji="1" lang="en-US" altLang="ko-KR" dirty="0"/>
+                <a:t>HEADERS</a:t>
+              </a:r>
+            </a:p>
+            <a:p>
+              <a:pPr algn="ctr"/>
+              <a:r>
+                <a:rPr kumimoji="1" lang="en-US" altLang="ko-KR" dirty="0"/>
+                <a:t>Frame</a:t>
+              </a:r>
+              <a:endParaRPr kumimoji="1" lang="ko-KR" altLang="en-US" dirty="0"/>
+            </a:p>
+          </p:txBody>
+        </p:sp>
+        <p:sp>
+          <p:nvSpPr>
+            <p:cNvPr id="30" name="TextBox 29">
+              <a:extLst>
+                <a:ext uri="{FF2B5EF4-FFF2-40B4-BE49-F238E27FC236}">
+                  <a16:creationId xmlns:a16="http://schemas.microsoft.com/office/drawing/2014/main" id="{0872F04E-3877-6D48-A406-871C0595B4E3}"/>
+                </a:ext>
+              </a:extLst>
+            </p:cNvPr>
+            <p:cNvSpPr txBox="1"/>
+            <p:nvPr/>
+          </p:nvSpPr>
+          <p:spPr>
+            <a:xfrm>
+              <a:off x="6816653" y="2194285"/>
+              <a:ext cx="639919" cy="830997"/>
+            </a:xfrm>
+            <a:prstGeom prst="rect">
+              <a:avLst/>
+            </a:prstGeom>
+            <a:noFill/>
+          </p:spPr>
+          <p:txBody>
+            <a:bodyPr wrap="none" rtlCol="0">
+              <a:spAutoFit/>
+            </a:bodyPr>
+            <a:lstStyle/>
+            <a:p>
+              <a:r>
+                <a:rPr kumimoji="1" lang="en-US" altLang="ko-KR" sz="4800" dirty="0"/>
+                <a:t>…</a:t>
+              </a:r>
+              <a:endParaRPr kumimoji="1" lang="ko-KR" altLang="en-US" sz="4800" dirty="0"/>
+            </a:p>
+          </p:txBody>
+        </p:sp>
+      </p:grpSp>
+    </p:spTree>
+    <p:extLst>
+      <p:ext uri="{BB962C8B-B14F-4D97-AF65-F5344CB8AC3E}">
+        <p14:creationId xmlns:p14="http://schemas.microsoft.com/office/powerpoint/2010/main" val="2706133435"/>
+      </p:ext>
+    </p:extLst>
+  </p:cSld>
+  <p:clrMapOvr>
+    <a:masterClrMapping/>
+  </p:clrMapOvr>
+</p:sld>
+</file>
+
+<file path=ppt/slides/slide11.xml><?xml version="1.0" encoding="utf-8"?>
 <p:sld xmlns:a="http://schemas.openxmlformats.org/drawingml/2006/main" xmlns:r="http://schemas.openxmlformats.org/officeDocument/2006/relationships" xmlns:p="http://schemas.openxmlformats.org/presentationml/2006/main" show="0">
   <p:cSld>
     <p:spTree>
@@ -5353,7 +6136,7 @@
 </p:sld>
 </file>
 
-<file path=ppt/slides/slide11.xml><?xml version="1.0" encoding="utf-8"?>
+<file path=ppt/slides/slide12.xml><?xml version="1.0" encoding="utf-8"?>
 <p:sld xmlns:a="http://schemas.openxmlformats.org/drawingml/2006/main" xmlns:r="http://schemas.openxmlformats.org/officeDocument/2006/relationships" xmlns:p="http://schemas.openxmlformats.org/presentationml/2006/main" show="0">
   <p:cSld>
     <p:spTree>
@@ -6098,7 +6881,7 @@
 </p:sld>
 </file>
 
-<file path=ppt/slides/slide12.xml><?xml version="1.0" encoding="utf-8"?>
+<file path=ppt/slides/slide13.xml><?xml version="1.0" encoding="utf-8"?>
 <p:sld xmlns:a="http://schemas.openxmlformats.org/drawingml/2006/main" xmlns:r="http://schemas.openxmlformats.org/officeDocument/2006/relationships" xmlns:p="http://schemas.openxmlformats.org/presentationml/2006/main" show="0">
   <p:cSld>
     <p:spTree>

--- a/static/assets/img/posts/etc/http-version.pptx
+++ b/static/assets/img/posts/etc/http-version.pptx
@@ -4896,7 +4896,7 @@
           </p:nvSpPr>
           <p:spPr>
             <a:xfrm rot="10800000">
-              <a:off x="5160114" y="1540249"/>
+              <a:off x="5219383" y="1540249"/>
               <a:ext cx="639919" cy="830997"/>
             </a:xfrm>
             <a:prstGeom prst="rect">
@@ -5175,7 +5175,7 @@
           </p:nvSpPr>
           <p:spPr>
             <a:xfrm>
-              <a:off x="6816653" y="2194285"/>
+              <a:off x="6757384" y="2194285"/>
               <a:ext cx="639919" cy="830997"/>
             </a:xfrm>
             <a:prstGeom prst="rect">

--- a/static/assets/img/posts/etc/http-version.pptx
+++ b/static/assets/img/posts/etc/http-version.pptx
@@ -5,7 +5,7 @@
     <p:sldMasterId id="2147483648" r:id="rId1"/>
   </p:sldMasterIdLst>
   <p:notesMasterIdLst>
-    <p:notesMasterId r:id="rId15"/>
+    <p:notesMasterId r:id="rId16"/>
   </p:notesMasterIdLst>
   <p:sldIdLst>
     <p:sldId id="256" r:id="rId2"/>
@@ -18,9 +18,10 @@
     <p:sldId id="266" r:id="rId9"/>
     <p:sldId id="267" r:id="rId10"/>
     <p:sldId id="269" r:id="rId11"/>
-    <p:sldId id="260" r:id="rId12"/>
-    <p:sldId id="261" r:id="rId13"/>
-    <p:sldId id="262" r:id="rId14"/>
+    <p:sldId id="270" r:id="rId12"/>
+    <p:sldId id="260" r:id="rId13"/>
+    <p:sldId id="261" r:id="rId14"/>
+    <p:sldId id="262" r:id="rId15"/>
   </p:sldIdLst>
   <p:sldSz cx="12192000" cy="6858000"/>
   <p:notesSz cx="6858000" cy="9144000"/>
@@ -121,7 +122,18 @@
   </p:defaultTextStyle>
   <p:extLst>
     <p:ext uri="{EFAFB233-063F-42B5-8137-9DF3F51BA10A}">
-      <p15:sldGuideLst xmlns:p15="http://schemas.microsoft.com/office/powerpoint/2012/main"/>
+      <p15:sldGuideLst xmlns:p15="http://schemas.microsoft.com/office/powerpoint/2012/main">
+        <p15:guide id="1" orient="horz" pos="2160" userDrawn="1">
+          <p15:clr>
+            <a:srgbClr val="A4A3A4"/>
+          </p15:clr>
+        </p15:guide>
+        <p15:guide id="2" pos="3840" userDrawn="1">
+          <p15:clr>
+            <a:srgbClr val="A4A3A4"/>
+          </p15:clr>
+        </p15:guide>
+      </p15:sldGuideLst>
     </p:ext>
   </p:extLst>
 </p:presentation>
@@ -209,7 +221,7 @@
           <a:p>
             <a:fld id="{4E790157-85E3-D64D-BB31-E2A6B705DD4B}" type="datetimeFigureOut">
               <a:rPr kumimoji="1" lang="ko-KR" altLang="en-US" smtClean="0"/>
-              <a:t>2022. 3. 11.</a:t>
+              <a:t>2022. 3. 13.</a:t>
             </a:fld>
             <a:endParaRPr kumimoji="1" lang="ko-KR" altLang="en-US"/>
           </a:p>
@@ -619,6 +631,90 @@
 </p:notes>
 </file>
 
+<file path=ppt/notesSlides/notesSlide3.xml><?xml version="1.0" encoding="utf-8"?>
+<p:notes xmlns:a="http://schemas.openxmlformats.org/drawingml/2006/main" xmlns:r="http://schemas.openxmlformats.org/officeDocument/2006/relationships" xmlns:p="http://schemas.openxmlformats.org/presentationml/2006/main">
+  <p:cSld>
+    <p:spTree>
+      <p:nvGrpSpPr>
+        <p:cNvPr id="1" name=""/>
+        <p:cNvGrpSpPr/>
+        <p:nvPr/>
+      </p:nvGrpSpPr>
+      <p:grpSpPr>
+        <a:xfrm>
+          <a:off x="0" y="0"/>
+          <a:ext cx="0" cy="0"/>
+          <a:chOff x="0" y="0"/>
+          <a:chExt cx="0" cy="0"/>
+        </a:xfrm>
+      </p:grpSpPr>
+      <p:sp>
+        <p:nvSpPr>
+          <p:cNvPr id="2" name="슬라이드 이미지 개체 틀 1"/>
+          <p:cNvSpPr>
+            <a:spLocks noGrp="1" noRot="1" noChangeAspect="1"/>
+          </p:cNvSpPr>
+          <p:nvPr>
+            <p:ph type="sldImg"/>
+          </p:nvPr>
+        </p:nvSpPr>
+        <p:spPr/>
+      </p:sp>
+      <p:sp>
+        <p:nvSpPr>
+          <p:cNvPr id="3" name="슬라이드 노트 개체 틀 2"/>
+          <p:cNvSpPr>
+            <a:spLocks noGrp="1"/>
+          </p:cNvSpPr>
+          <p:nvPr>
+            <p:ph type="body" idx="1"/>
+          </p:nvPr>
+        </p:nvSpPr>
+        <p:spPr/>
+        <p:txBody>
+          <a:bodyPr/>
+          <a:lstStyle/>
+          <a:p>
+            <a:endParaRPr kumimoji="1" lang="ko-KR" altLang="en-US" dirty="0"/>
+          </a:p>
+        </p:txBody>
+      </p:sp>
+      <p:sp>
+        <p:nvSpPr>
+          <p:cNvPr id="4" name="슬라이드 번호 개체 틀 3"/>
+          <p:cNvSpPr>
+            <a:spLocks noGrp="1"/>
+          </p:cNvSpPr>
+          <p:nvPr>
+            <p:ph type="sldNum" sz="quarter" idx="5"/>
+          </p:nvPr>
+        </p:nvSpPr>
+        <p:spPr/>
+        <p:txBody>
+          <a:bodyPr/>
+          <a:lstStyle/>
+          <a:p>
+            <a:fld id="{D5C8F6F6-4F2C-284F-81C8-8588BBA2EA2B}" type="slidenum">
+              <a:rPr kumimoji="1" lang="ko-KR" altLang="en-US" smtClean="0"/>
+              <a:t>11</a:t>
+            </a:fld>
+            <a:endParaRPr kumimoji="1" lang="ko-KR" altLang="en-US"/>
+          </a:p>
+        </p:txBody>
+      </p:sp>
+    </p:spTree>
+    <p:extLst>
+      <p:ext uri="{BB962C8B-B14F-4D97-AF65-F5344CB8AC3E}">
+        <p14:creationId xmlns:p14="http://schemas.microsoft.com/office/powerpoint/2010/main" val="3598239133"/>
+      </p:ext>
+    </p:extLst>
+  </p:cSld>
+  <p:clrMapOvr>
+    <a:masterClrMapping/>
+  </p:clrMapOvr>
+</p:notes>
+</file>
+
 <file path=ppt/slideLayouts/slideLayout1.xml><?xml version="1.0" encoding="utf-8"?>
 <p:sldLayout xmlns:a="http://schemas.openxmlformats.org/drawingml/2006/main" xmlns:r="http://schemas.openxmlformats.org/officeDocument/2006/relationships" xmlns:p="http://schemas.openxmlformats.org/presentationml/2006/main" type="title" preserve="1">
   <p:cSld name="제목 슬라이드">
@@ -766,7 +862,7 @@
           <a:p>
             <a:fld id="{187B024A-58F9-A941-8036-04AB132CF501}" type="datetimeFigureOut">
               <a:rPr kumimoji="1" lang="ko-KR" altLang="en-US" smtClean="0"/>
-              <a:t>2022. 3. 11.</a:t>
+              <a:t>2022. 3. 13.</a:t>
             </a:fld>
             <a:endParaRPr kumimoji="1" lang="ko-KR" altLang="en-US"/>
           </a:p>
@@ -939,7 +1035,7 @@
           <a:p>
             <a:fld id="{187B024A-58F9-A941-8036-04AB132CF501}" type="datetimeFigureOut">
               <a:rPr kumimoji="1" lang="ko-KR" altLang="en-US" smtClean="0"/>
-              <a:t>2022. 3. 11.</a:t>
+              <a:t>2022. 3. 13.</a:t>
             </a:fld>
             <a:endParaRPr kumimoji="1" lang="ko-KR" altLang="en-US"/>
           </a:p>
@@ -1122,7 +1218,7 @@
           <a:p>
             <a:fld id="{187B024A-58F9-A941-8036-04AB132CF501}" type="datetimeFigureOut">
               <a:rPr kumimoji="1" lang="ko-KR" altLang="en-US" smtClean="0"/>
-              <a:t>2022. 3. 11.</a:t>
+              <a:t>2022. 3. 13.</a:t>
             </a:fld>
             <a:endParaRPr kumimoji="1" lang="ko-KR" altLang="en-US"/>
           </a:p>
@@ -1295,7 +1391,7 @@
           <a:p>
             <a:fld id="{187B024A-58F9-A941-8036-04AB132CF501}" type="datetimeFigureOut">
               <a:rPr kumimoji="1" lang="ko-KR" altLang="en-US" smtClean="0"/>
-              <a:t>2022. 3. 11.</a:t>
+              <a:t>2022. 3. 13.</a:t>
             </a:fld>
             <a:endParaRPr kumimoji="1" lang="ko-KR" altLang="en-US"/>
           </a:p>
@@ -1573,7 +1669,7 @@
           <a:p>
             <a:fld id="{187B024A-58F9-A941-8036-04AB132CF501}" type="datetimeFigureOut">
               <a:rPr kumimoji="1" lang="ko-KR" altLang="en-US" smtClean="0"/>
-              <a:t>2022. 3. 11.</a:t>
+              <a:t>2022. 3. 13.</a:t>
             </a:fld>
             <a:endParaRPr kumimoji="1" lang="ko-KR" altLang="en-US"/>
           </a:p>
@@ -1788,7 +1884,7 @@
           <a:p>
             <a:fld id="{187B024A-58F9-A941-8036-04AB132CF501}" type="datetimeFigureOut">
               <a:rPr kumimoji="1" lang="ko-KR" altLang="en-US" smtClean="0"/>
-              <a:t>2022. 3. 11.</a:t>
+              <a:t>2022. 3. 13.</a:t>
             </a:fld>
             <a:endParaRPr kumimoji="1" lang="ko-KR" altLang="en-US"/>
           </a:p>
@@ -2156,7 +2252,7 @@
           <a:p>
             <a:fld id="{187B024A-58F9-A941-8036-04AB132CF501}" type="datetimeFigureOut">
               <a:rPr kumimoji="1" lang="ko-KR" altLang="en-US" smtClean="0"/>
-              <a:t>2022. 3. 11.</a:t>
+              <a:t>2022. 3. 13.</a:t>
             </a:fld>
             <a:endParaRPr kumimoji="1" lang="ko-KR" altLang="en-US"/>
           </a:p>
@@ -2297,7 +2393,7 @@
           <a:p>
             <a:fld id="{187B024A-58F9-A941-8036-04AB132CF501}" type="datetimeFigureOut">
               <a:rPr kumimoji="1" lang="ko-KR" altLang="en-US" smtClean="0"/>
-              <a:t>2022. 3. 11.</a:t>
+              <a:t>2022. 3. 13.</a:t>
             </a:fld>
             <a:endParaRPr kumimoji="1" lang="ko-KR" altLang="en-US"/>
           </a:p>
@@ -2410,7 +2506,7 @@
           <a:p>
             <a:fld id="{187B024A-58F9-A941-8036-04AB132CF501}" type="datetimeFigureOut">
               <a:rPr kumimoji="1" lang="ko-KR" altLang="en-US" smtClean="0"/>
-              <a:t>2022. 3. 11.</a:t>
+              <a:t>2022. 3. 13.</a:t>
             </a:fld>
             <a:endParaRPr kumimoji="1" lang="ko-KR" altLang="en-US"/>
           </a:p>
@@ -2699,7 +2795,7 @@
           <a:p>
             <a:fld id="{187B024A-58F9-A941-8036-04AB132CF501}" type="datetimeFigureOut">
               <a:rPr kumimoji="1" lang="ko-KR" altLang="en-US" smtClean="0"/>
-              <a:t>2022. 3. 11.</a:t>
+              <a:t>2022. 3. 13.</a:t>
             </a:fld>
             <a:endParaRPr kumimoji="1" lang="ko-KR" altLang="en-US"/>
           </a:p>
@@ -2990,7 +3086,7 @@
           <a:p>
             <a:fld id="{187B024A-58F9-A941-8036-04AB132CF501}" type="datetimeFigureOut">
               <a:rPr kumimoji="1" lang="ko-KR" altLang="en-US" smtClean="0"/>
-              <a:t>2022. 3. 11.</a:t>
+              <a:t>2022. 3. 13.</a:t>
             </a:fld>
             <a:endParaRPr kumimoji="1" lang="ko-KR" altLang="en-US"/>
           </a:p>
@@ -3206,7 +3302,7 @@
           <a:p>
             <a:fld id="{187B024A-58F9-A941-8036-04AB132CF501}" type="datetimeFigureOut">
               <a:rPr kumimoji="1" lang="ko-KR" altLang="en-US" smtClean="0"/>
-              <a:t>2022. 3. 11.</a:t>
+              <a:t>2022. 3. 13.</a:t>
             </a:fld>
             <a:endParaRPr kumimoji="1" lang="ko-KR" altLang="en-US"/>
           </a:p>
@@ -5212,6 +5308,1935 @@
 </file>
 
 <file path=ppt/slides/slide11.xml><?xml version="1.0" encoding="utf-8"?>
+<p:sld xmlns:a="http://schemas.openxmlformats.org/drawingml/2006/main" xmlns:r="http://schemas.openxmlformats.org/officeDocument/2006/relationships" xmlns:p="http://schemas.openxmlformats.org/presentationml/2006/main">
+  <p:cSld>
+    <p:spTree>
+      <p:nvGrpSpPr>
+        <p:cNvPr id="1" name=""/>
+        <p:cNvGrpSpPr/>
+        <p:nvPr/>
+      </p:nvGrpSpPr>
+      <p:grpSpPr>
+        <a:xfrm>
+          <a:off x="0" y="0"/>
+          <a:ext cx="0" cy="0"/>
+          <a:chOff x="0" y="0"/>
+          <a:chExt cx="0" cy="0"/>
+        </a:xfrm>
+      </p:grpSpPr>
+      <p:sp>
+        <p:nvSpPr>
+          <p:cNvPr id="36" name="모서리가 둥근 직사각형 35">
+            <a:extLst>
+              <a:ext uri="{FF2B5EF4-FFF2-40B4-BE49-F238E27FC236}">
+                <a16:creationId xmlns:a16="http://schemas.microsoft.com/office/drawing/2014/main" id="{B034B1C0-20DA-214F-8050-1D8289A6E47C}"/>
+              </a:ext>
+            </a:extLst>
+          </p:cNvPr>
+          <p:cNvSpPr/>
+          <p:nvPr/>
+        </p:nvSpPr>
+        <p:spPr>
+          <a:xfrm>
+            <a:off x="2277686" y="43545"/>
+            <a:ext cx="7632668" cy="3352785"/>
+          </a:xfrm>
+          <a:prstGeom prst="roundRect">
+            <a:avLst/>
+          </a:prstGeom>
+          <a:solidFill>
+            <a:schemeClr val="accent3">
+              <a:alpha val="30000"/>
+            </a:schemeClr>
+          </a:solidFill>
+          <a:ln>
+            <a:noFill/>
+          </a:ln>
+        </p:spPr>
+        <p:style>
+          <a:lnRef idx="2">
+            <a:schemeClr val="accent1">
+              <a:shade val="50000"/>
+            </a:schemeClr>
+          </a:lnRef>
+          <a:fillRef idx="1">
+            <a:schemeClr val="accent1"/>
+          </a:fillRef>
+          <a:effectRef idx="0">
+            <a:schemeClr val="accent1"/>
+          </a:effectRef>
+          <a:fontRef idx="minor">
+            <a:schemeClr val="lt1"/>
+          </a:fontRef>
+        </p:style>
+        <p:txBody>
+          <a:bodyPr rtlCol="0" anchor="t"/>
+          <a:lstStyle/>
+          <a:p>
+            <a:pPr algn="ctr"/>
+            <a:endParaRPr kumimoji="1" lang="ko-KR" altLang="en-US" sz="1100" dirty="0">
+              <a:solidFill>
+                <a:schemeClr val="tx1"/>
+              </a:solidFill>
+            </a:endParaRPr>
+          </a:p>
+        </p:txBody>
+      </p:sp>
+      <p:pic>
+        <p:nvPicPr>
+          <p:cNvPr id="3" name="그림 2">
+            <a:extLst>
+              <a:ext uri="{FF2B5EF4-FFF2-40B4-BE49-F238E27FC236}">
+                <a16:creationId xmlns:a16="http://schemas.microsoft.com/office/drawing/2014/main" id="{D39F49DD-AB6F-C444-A483-576E5D66E50F}"/>
+              </a:ext>
+            </a:extLst>
+          </p:cNvPr>
+          <p:cNvPicPr>
+            <a:picLocks noChangeAspect="1"/>
+          </p:cNvPicPr>
+          <p:nvPr/>
+        </p:nvPicPr>
+        <p:blipFill>
+          <a:blip r:embed="rId3"/>
+          <a:stretch>
+            <a:fillRect/>
+          </a:stretch>
+        </p:blipFill>
+        <p:spPr>
+          <a:xfrm>
+            <a:off x="688476" y="4404251"/>
+            <a:ext cx="1351438" cy="1351438"/>
+          </a:xfrm>
+          <a:prstGeom prst="rect">
+            <a:avLst/>
+          </a:prstGeom>
+        </p:spPr>
+      </p:pic>
+      <p:pic>
+        <p:nvPicPr>
+          <p:cNvPr id="8" name="그림 7">
+            <a:extLst>
+              <a:ext uri="{FF2B5EF4-FFF2-40B4-BE49-F238E27FC236}">
+                <a16:creationId xmlns:a16="http://schemas.microsoft.com/office/drawing/2014/main" id="{266AC016-8DF5-A54A-ABD8-FF7A79C2A524}"/>
+              </a:ext>
+            </a:extLst>
+          </p:cNvPr>
+          <p:cNvPicPr>
+            <a:picLocks noChangeAspect="1"/>
+          </p:cNvPicPr>
+          <p:nvPr/>
+        </p:nvPicPr>
+        <p:blipFill>
+          <a:blip r:embed="rId4"/>
+          <a:stretch>
+            <a:fillRect/>
+          </a:stretch>
+        </p:blipFill>
+        <p:spPr>
+          <a:xfrm>
+            <a:off x="10308366" y="4514319"/>
+            <a:ext cx="1258656" cy="1258656"/>
+          </a:xfrm>
+          <a:prstGeom prst="rect">
+            <a:avLst/>
+          </a:prstGeom>
+        </p:spPr>
+      </p:pic>
+      <p:pic>
+        <p:nvPicPr>
+          <p:cNvPr id="16" name="그림 15">
+            <a:extLst>
+              <a:ext uri="{FF2B5EF4-FFF2-40B4-BE49-F238E27FC236}">
+                <a16:creationId xmlns:a16="http://schemas.microsoft.com/office/drawing/2014/main" id="{F7E95EDC-0687-1940-A2D7-C61329C4F798}"/>
+              </a:ext>
+            </a:extLst>
+          </p:cNvPr>
+          <p:cNvPicPr>
+            <a:picLocks noChangeAspect="1"/>
+          </p:cNvPicPr>
+          <p:nvPr/>
+        </p:nvPicPr>
+        <p:blipFill>
+          <a:blip r:embed="rId4"/>
+          <a:stretch>
+            <a:fillRect/>
+          </a:stretch>
+        </p:blipFill>
+        <p:spPr>
+          <a:xfrm>
+            <a:off x="10792461" y="4514319"/>
+            <a:ext cx="1258656" cy="1258656"/>
+          </a:xfrm>
+          <a:prstGeom prst="rect">
+            <a:avLst/>
+          </a:prstGeom>
+        </p:spPr>
+      </p:pic>
+      <p:sp>
+        <p:nvSpPr>
+          <p:cNvPr id="2" name="TextBox 1">
+            <a:extLst>
+              <a:ext uri="{FF2B5EF4-FFF2-40B4-BE49-F238E27FC236}">
+                <a16:creationId xmlns:a16="http://schemas.microsoft.com/office/drawing/2014/main" id="{751FBCFA-0E03-5641-AEE7-A9D70E4BA7A2}"/>
+              </a:ext>
+            </a:extLst>
+          </p:cNvPr>
+          <p:cNvSpPr txBox="1"/>
+          <p:nvPr/>
+        </p:nvSpPr>
+        <p:spPr>
+          <a:xfrm>
+            <a:off x="2364775" y="3593181"/>
+            <a:ext cx="2390334" cy="1384995"/>
+          </a:xfrm>
+          <a:prstGeom prst="rect">
+            <a:avLst/>
+          </a:prstGeom>
+          <a:noFill/>
+        </p:spPr>
+        <p:txBody>
+          <a:bodyPr wrap="none" rtlCol="0">
+            <a:spAutoFit/>
+          </a:bodyPr>
+          <a:lstStyle/>
+          <a:p>
+            <a:r>
+              <a:rPr kumimoji="1" lang="en-US" altLang="ko-KR" sz="1400" b="1" dirty="0"/>
+              <a:t>Request #1</a:t>
+            </a:r>
+          </a:p>
+          <a:p>
+            <a:r>
+              <a:rPr kumimoji="1" lang="en-US" altLang="ko-KR" sz="1400" dirty="0"/>
+              <a:t>:method: GET</a:t>
+            </a:r>
+          </a:p>
+          <a:p>
+            <a:r>
+              <a:rPr kumimoji="1" lang="en-US" altLang="ko-KR" sz="1400" dirty="0"/>
+              <a:t>:scheme: https</a:t>
+            </a:r>
+          </a:p>
+          <a:p>
+            <a:r>
+              <a:rPr kumimoji="1" lang="en-US" altLang="ko-KR" sz="1400" dirty="0"/>
+              <a:t>:path: /</a:t>
+            </a:r>
+          </a:p>
+          <a:p>
+            <a:r>
+              <a:rPr kumimoji="1" lang="en-US" altLang="ko-KR" sz="1400" dirty="0"/>
+              <a:t>:authority: </a:t>
+            </a:r>
+            <a:r>
+              <a:rPr kumimoji="1" lang="en-US" altLang="ko-KR" sz="1400" dirty="0" err="1"/>
+              <a:t>beomy.github.io</a:t>
+            </a:r>
+            <a:endParaRPr kumimoji="1" lang="en-US" altLang="ko-KR" sz="1400" dirty="0"/>
+          </a:p>
+          <a:p>
+            <a:r>
+              <a:rPr kumimoji="1" lang="en-US" altLang="ko-KR" sz="1400" dirty="0"/>
+              <a:t>custom-header: </a:t>
+            </a:r>
+            <a:r>
+              <a:rPr kumimoji="1" lang="en-US" altLang="ko-KR" sz="1400" dirty="0" err="1"/>
+              <a:t>i’m</a:t>
+            </a:r>
+            <a:r>
+              <a:rPr kumimoji="1" lang="en-US" altLang="ko-KR" sz="1400" dirty="0"/>
+              <a:t> </a:t>
+            </a:r>
+            <a:r>
+              <a:rPr kumimoji="1" lang="en-US" altLang="ko-KR" sz="1400" dirty="0" err="1"/>
+              <a:t>beomy</a:t>
+            </a:r>
+            <a:endParaRPr kumimoji="1" lang="ko-KR" altLang="en-US" sz="1400" dirty="0"/>
+          </a:p>
+        </p:txBody>
+      </p:sp>
+      <p:sp>
+        <p:nvSpPr>
+          <p:cNvPr id="19" name="TextBox 18">
+            <a:extLst>
+              <a:ext uri="{FF2B5EF4-FFF2-40B4-BE49-F238E27FC236}">
+                <a16:creationId xmlns:a16="http://schemas.microsoft.com/office/drawing/2014/main" id="{4E721E6B-5513-E14E-9F0E-98A401797F21}"/>
+              </a:ext>
+            </a:extLst>
+          </p:cNvPr>
+          <p:cNvSpPr txBox="1"/>
+          <p:nvPr/>
+        </p:nvSpPr>
+        <p:spPr>
+          <a:xfrm>
+            <a:off x="2366793" y="5173787"/>
+            <a:ext cx="2390334" cy="1600438"/>
+          </a:xfrm>
+          <a:prstGeom prst="rect">
+            <a:avLst/>
+          </a:prstGeom>
+          <a:noFill/>
+        </p:spPr>
+        <p:txBody>
+          <a:bodyPr wrap="none" rtlCol="0">
+            <a:spAutoFit/>
+          </a:bodyPr>
+          <a:lstStyle/>
+          <a:p>
+            <a:r>
+              <a:rPr kumimoji="1" lang="en-US" altLang="ko-KR" sz="1400" b="1" dirty="0"/>
+              <a:t>Request #2</a:t>
+            </a:r>
+          </a:p>
+          <a:p>
+            <a:r>
+              <a:rPr kumimoji="1" lang="en-US" altLang="ko-KR" sz="1400" dirty="0"/>
+              <a:t>:method: GET</a:t>
+            </a:r>
+          </a:p>
+          <a:p>
+            <a:r>
+              <a:rPr kumimoji="1" lang="en-US" altLang="ko-KR" sz="1400" dirty="0"/>
+              <a:t>:scheme: https</a:t>
+            </a:r>
+          </a:p>
+          <a:p>
+            <a:r>
+              <a:rPr kumimoji="1" lang="en-US" altLang="ko-KR" sz="1400" dirty="0"/>
+              <a:t>:path: /</a:t>
+            </a:r>
+          </a:p>
+          <a:p>
+            <a:r>
+              <a:rPr kumimoji="1" lang="en-US" altLang="ko-KR" sz="1400" dirty="0"/>
+              <a:t>:authority: </a:t>
+            </a:r>
+            <a:r>
+              <a:rPr kumimoji="1" lang="en-US" altLang="ko-KR" sz="1400" dirty="0" err="1"/>
+              <a:t>beomy.github.io</a:t>
+            </a:r>
+            <a:endParaRPr kumimoji="1" lang="en-US" altLang="ko-KR" sz="1400" dirty="0"/>
+          </a:p>
+          <a:p>
+            <a:r>
+              <a:rPr kumimoji="1" lang="en-US" altLang="ko-KR" sz="1400" dirty="0"/>
+              <a:t>custom-header: </a:t>
+            </a:r>
+            <a:r>
+              <a:rPr kumimoji="1" lang="en-US" altLang="ko-KR" sz="1400" dirty="0" err="1"/>
+              <a:t>i’m</a:t>
+            </a:r>
+            <a:r>
+              <a:rPr kumimoji="1" lang="en-US" altLang="ko-KR" sz="1400" dirty="0"/>
+              <a:t> </a:t>
+            </a:r>
+            <a:r>
+              <a:rPr kumimoji="1" lang="en-US" altLang="ko-KR" sz="1400" dirty="0" err="1"/>
+              <a:t>beomy</a:t>
+            </a:r>
+            <a:endParaRPr kumimoji="1" lang="en-US" altLang="ko-KR" sz="1400" dirty="0"/>
+          </a:p>
+          <a:p>
+            <a:r>
+              <a:rPr kumimoji="1" lang="en-US" altLang="ko-KR" sz="1400" dirty="0"/>
+              <a:t>custom-header2: </a:t>
+            </a:r>
+            <a:r>
+              <a:rPr kumimoji="1" lang="en-US" altLang="ko-KR" sz="1400" dirty="0" err="1"/>
+              <a:t>hellow</a:t>
+            </a:r>
+            <a:r>
+              <a:rPr kumimoji="1" lang="en-US" altLang="ko-KR" sz="1400" dirty="0"/>
+              <a:t>!</a:t>
+            </a:r>
+            <a:endParaRPr kumimoji="1" lang="ko-KR" altLang="en-US" sz="1400" dirty="0"/>
+          </a:p>
+        </p:txBody>
+      </p:sp>
+      <p:graphicFrame>
+        <p:nvGraphicFramePr>
+          <p:cNvPr id="4" name="표 3">
+            <a:extLst>
+              <a:ext uri="{FF2B5EF4-FFF2-40B4-BE49-F238E27FC236}">
+                <a16:creationId xmlns:a16="http://schemas.microsoft.com/office/drawing/2014/main" id="{3A028267-A8F8-0349-A84F-3152841BF1AD}"/>
+              </a:ext>
+            </a:extLst>
+          </p:cNvPr>
+          <p:cNvGraphicFramePr>
+            <a:graphicFrameLocks noGrp="1"/>
+          </p:cNvGraphicFramePr>
+          <p:nvPr>
+            <p:extLst>
+              <p:ext uri="{D42A27DB-BD31-4B8C-83A1-F6EECF244321}">
+                <p14:modId xmlns:p14="http://schemas.microsoft.com/office/powerpoint/2010/main" val="875157609"/>
+              </p:ext>
+            </p:extLst>
+          </p:nvPr>
+        </p:nvGraphicFramePr>
+        <p:xfrm>
+          <a:off x="2732522" y="710962"/>
+          <a:ext cx="3262884" cy="2468880"/>
+        </p:xfrm>
+        <a:graphic>
+          <a:graphicData uri="http://schemas.openxmlformats.org/drawingml/2006/table">
+            <a:tbl>
+              <a:tblPr firstRow="1" bandRow="1">
+                <a:tableStyleId>{5940675A-B579-460E-94D1-54222C63F5DA}</a:tableStyleId>
+              </a:tblPr>
+              <a:tblGrid>
+                <a:gridCol w="611505">
+                  <a:extLst>
+                    <a:ext uri="{9D8B030D-6E8A-4147-A177-3AD203B41FA5}">
+                      <a16:colId xmlns:a16="http://schemas.microsoft.com/office/drawing/2014/main" val="789523440"/>
+                    </a:ext>
+                  </a:extLst>
+                </a:gridCol>
+                <a:gridCol w="1489710">
+                  <a:extLst>
+                    <a:ext uri="{9D8B030D-6E8A-4147-A177-3AD203B41FA5}">
+                      <a16:colId xmlns:a16="http://schemas.microsoft.com/office/drawing/2014/main" val="33447508"/>
+                    </a:ext>
+                  </a:extLst>
+                </a:gridCol>
+                <a:gridCol w="1161669">
+                  <a:extLst>
+                    <a:ext uri="{9D8B030D-6E8A-4147-A177-3AD203B41FA5}">
+                      <a16:colId xmlns:a16="http://schemas.microsoft.com/office/drawing/2014/main" val="1612172212"/>
+                    </a:ext>
+                  </a:extLst>
+                </a:gridCol>
+              </a:tblGrid>
+              <a:tr h="0">
+                <a:tc>
+                  <a:txBody>
+                    <a:bodyPr/>
+                    <a:lstStyle/>
+                    <a:p>
+                      <a:pPr algn="ctr" latinLnBrk="1"/>
+                      <a:r>
+                        <a:rPr lang="en-US" altLang="ko-KR" sz="1200" dirty="0"/>
+                        <a:t>Index</a:t>
+                      </a:r>
+                      <a:endParaRPr lang="ko-KR" altLang="en-US" sz="1200" dirty="0"/>
+                    </a:p>
+                  </a:txBody>
+                  <a:tcPr/>
+                </a:tc>
+                <a:tc>
+                  <a:txBody>
+                    <a:bodyPr/>
+                    <a:lstStyle/>
+                    <a:p>
+                      <a:pPr algn="ctr" latinLnBrk="1"/>
+                      <a:r>
+                        <a:rPr lang="en-US" altLang="ko-KR" sz="1200" dirty="0"/>
+                        <a:t>Header Name</a:t>
+                      </a:r>
+                      <a:endParaRPr lang="ko-KR" altLang="en-US" sz="1200" dirty="0"/>
+                    </a:p>
+                  </a:txBody>
+                  <a:tcPr/>
+                </a:tc>
+                <a:tc>
+                  <a:txBody>
+                    <a:bodyPr/>
+                    <a:lstStyle/>
+                    <a:p>
+                      <a:pPr algn="ctr" latinLnBrk="1"/>
+                      <a:r>
+                        <a:rPr lang="en-US" altLang="ko-KR" sz="1200" dirty="0"/>
+                        <a:t>Header Value</a:t>
+                      </a:r>
+                      <a:endParaRPr lang="ko-KR" altLang="en-US" sz="1200" dirty="0"/>
+                    </a:p>
+                  </a:txBody>
+                  <a:tcPr/>
+                </a:tc>
+                <a:extLst>
+                  <a:ext uri="{0D108BD9-81ED-4DB2-BD59-A6C34878D82A}">
+                    <a16:rowId xmlns:a16="http://schemas.microsoft.com/office/drawing/2014/main" val="2675603514"/>
+                  </a:ext>
+                </a:extLst>
+              </a:tr>
+              <a:tr h="266362">
+                <a:tc>
+                  <a:txBody>
+                    <a:bodyPr/>
+                    <a:lstStyle/>
+                    <a:p>
+                      <a:pPr algn="ctr" latinLnBrk="1"/>
+                      <a:r>
+                        <a:rPr lang="en-US" altLang="ko-KR" sz="1200" dirty="0"/>
+                        <a:t>1</a:t>
+                      </a:r>
+                      <a:endParaRPr lang="ko-KR" altLang="en-US" sz="1200" dirty="0"/>
+                    </a:p>
+                  </a:txBody>
+                  <a:tcPr/>
+                </a:tc>
+                <a:tc>
+                  <a:txBody>
+                    <a:bodyPr/>
+                    <a:lstStyle/>
+                    <a:p>
+                      <a:pPr latinLnBrk="1"/>
+                      <a:r>
+                        <a:rPr lang="en-US" altLang="ko-KR" sz="1200" dirty="0"/>
+                        <a:t>:authority</a:t>
+                      </a:r>
+                      <a:endParaRPr lang="ko-KR" altLang="en-US" sz="1200" dirty="0"/>
+                    </a:p>
+                  </a:txBody>
+                  <a:tcPr/>
+                </a:tc>
+                <a:tc>
+                  <a:txBody>
+                    <a:bodyPr/>
+                    <a:lstStyle/>
+                    <a:p>
+                      <a:pPr latinLnBrk="1"/>
+                      <a:endParaRPr lang="ko-KR" altLang="en-US" sz="1200" dirty="0"/>
+                    </a:p>
+                  </a:txBody>
+                  <a:tcPr/>
+                </a:tc>
+                <a:extLst>
+                  <a:ext uri="{0D108BD9-81ED-4DB2-BD59-A6C34878D82A}">
+                    <a16:rowId xmlns:a16="http://schemas.microsoft.com/office/drawing/2014/main" val="340117421"/>
+                  </a:ext>
+                </a:extLst>
+              </a:tr>
+              <a:tr h="266362">
+                <a:tc>
+                  <a:txBody>
+                    <a:bodyPr/>
+                    <a:lstStyle/>
+                    <a:p>
+                      <a:pPr algn="ctr" latinLnBrk="1"/>
+                      <a:r>
+                        <a:rPr lang="en-US" altLang="ko-KR" sz="1200" dirty="0"/>
+                        <a:t>2</a:t>
+                      </a:r>
+                      <a:endParaRPr lang="ko-KR" altLang="en-US" sz="1200" dirty="0"/>
+                    </a:p>
+                  </a:txBody>
+                  <a:tcPr/>
+                </a:tc>
+                <a:tc>
+                  <a:txBody>
+                    <a:bodyPr/>
+                    <a:lstStyle/>
+                    <a:p>
+                      <a:pPr latinLnBrk="1"/>
+                      <a:r>
+                        <a:rPr lang="en-US" altLang="ko-KR" sz="1200" dirty="0"/>
+                        <a:t>:method</a:t>
+                      </a:r>
+                      <a:endParaRPr lang="ko-KR" altLang="en-US" sz="1200" dirty="0"/>
+                    </a:p>
+                  </a:txBody>
+                  <a:tcPr/>
+                </a:tc>
+                <a:tc>
+                  <a:txBody>
+                    <a:bodyPr/>
+                    <a:lstStyle/>
+                    <a:p>
+                      <a:pPr latinLnBrk="1"/>
+                      <a:r>
+                        <a:rPr lang="en-US" altLang="ko-KR" sz="1200" dirty="0"/>
+                        <a:t>GET</a:t>
+                      </a:r>
+                      <a:endParaRPr lang="ko-KR" altLang="en-US" sz="1200" dirty="0"/>
+                    </a:p>
+                  </a:txBody>
+                  <a:tcPr/>
+                </a:tc>
+                <a:extLst>
+                  <a:ext uri="{0D108BD9-81ED-4DB2-BD59-A6C34878D82A}">
+                    <a16:rowId xmlns:a16="http://schemas.microsoft.com/office/drawing/2014/main" val="4237401591"/>
+                  </a:ext>
+                </a:extLst>
+              </a:tr>
+              <a:tr h="266362">
+                <a:tc>
+                  <a:txBody>
+                    <a:bodyPr/>
+                    <a:lstStyle/>
+                    <a:p>
+                      <a:pPr algn="ctr" latinLnBrk="1"/>
+                      <a:r>
+                        <a:rPr lang="en-US" altLang="ko-KR" sz="1200" dirty="0"/>
+                        <a:t>…</a:t>
+                      </a:r>
+                      <a:endParaRPr lang="ko-KR" altLang="en-US" sz="1200" dirty="0"/>
+                    </a:p>
+                  </a:txBody>
+                  <a:tcPr/>
+                </a:tc>
+                <a:tc>
+                  <a:txBody>
+                    <a:bodyPr/>
+                    <a:lstStyle/>
+                    <a:p>
+                      <a:pPr latinLnBrk="1"/>
+                      <a:r>
+                        <a:rPr lang="en-US" altLang="ko-KR" sz="1200" dirty="0"/>
+                        <a:t>…</a:t>
+                      </a:r>
+                      <a:endParaRPr lang="ko-KR" altLang="en-US" sz="1200" dirty="0"/>
+                    </a:p>
+                  </a:txBody>
+                  <a:tcPr/>
+                </a:tc>
+                <a:tc>
+                  <a:txBody>
+                    <a:bodyPr/>
+                    <a:lstStyle/>
+                    <a:p>
+                      <a:pPr latinLnBrk="1"/>
+                      <a:r>
+                        <a:rPr lang="en-US" altLang="ko-KR" sz="1200" dirty="0"/>
+                        <a:t>…</a:t>
+                      </a:r>
+                      <a:endParaRPr lang="ko-KR" altLang="en-US" sz="1200" dirty="0"/>
+                    </a:p>
+                  </a:txBody>
+                  <a:tcPr/>
+                </a:tc>
+                <a:extLst>
+                  <a:ext uri="{0D108BD9-81ED-4DB2-BD59-A6C34878D82A}">
+                    <a16:rowId xmlns:a16="http://schemas.microsoft.com/office/drawing/2014/main" val="163298700"/>
+                  </a:ext>
+                </a:extLst>
+              </a:tr>
+              <a:tr h="266362">
+                <a:tc>
+                  <a:txBody>
+                    <a:bodyPr/>
+                    <a:lstStyle/>
+                    <a:p>
+                      <a:pPr algn="ctr" latinLnBrk="1"/>
+                      <a:r>
+                        <a:rPr lang="en-US" altLang="ko-KR" sz="1200" dirty="0"/>
+                        <a:t>4</a:t>
+                      </a:r>
+                      <a:endParaRPr lang="ko-KR" altLang="en-US" sz="1200" dirty="0"/>
+                    </a:p>
+                  </a:txBody>
+                  <a:tcPr/>
+                </a:tc>
+                <a:tc>
+                  <a:txBody>
+                    <a:bodyPr/>
+                    <a:lstStyle/>
+                    <a:p>
+                      <a:pPr latinLnBrk="1"/>
+                      <a:r>
+                        <a:rPr lang="en-US" altLang="ko-KR" sz="1200" dirty="0"/>
+                        <a:t>:path</a:t>
+                      </a:r>
+                      <a:endParaRPr lang="ko-KR" altLang="en-US" sz="1200" dirty="0"/>
+                    </a:p>
+                  </a:txBody>
+                  <a:tcPr/>
+                </a:tc>
+                <a:tc>
+                  <a:txBody>
+                    <a:bodyPr/>
+                    <a:lstStyle/>
+                    <a:p>
+                      <a:pPr latinLnBrk="1"/>
+                      <a:r>
+                        <a:rPr lang="en-US" altLang="ko-KR" sz="1200" dirty="0"/>
+                        <a:t>/</a:t>
+                      </a:r>
+                      <a:endParaRPr lang="ko-KR" altLang="en-US" sz="1200" dirty="0"/>
+                    </a:p>
+                  </a:txBody>
+                  <a:tcPr/>
+                </a:tc>
+                <a:extLst>
+                  <a:ext uri="{0D108BD9-81ED-4DB2-BD59-A6C34878D82A}">
+                    <a16:rowId xmlns:a16="http://schemas.microsoft.com/office/drawing/2014/main" val="2195706678"/>
+                  </a:ext>
+                </a:extLst>
+              </a:tr>
+              <a:tr h="266362">
+                <a:tc>
+                  <a:txBody>
+                    <a:bodyPr/>
+                    <a:lstStyle/>
+                    <a:p>
+                      <a:pPr algn="ctr" latinLnBrk="1"/>
+                      <a:r>
+                        <a:rPr lang="en-US" altLang="ko-KR" sz="1200" dirty="0"/>
+                        <a:t>…</a:t>
+                      </a:r>
+                      <a:endParaRPr lang="ko-KR" altLang="en-US" sz="1200" dirty="0"/>
+                    </a:p>
+                  </a:txBody>
+                  <a:tcPr/>
+                </a:tc>
+                <a:tc>
+                  <a:txBody>
+                    <a:bodyPr/>
+                    <a:lstStyle/>
+                    <a:p>
+                      <a:pPr latinLnBrk="1"/>
+                      <a:r>
+                        <a:rPr lang="en-US" altLang="ko-KR" sz="1200" dirty="0"/>
+                        <a:t>…</a:t>
+                      </a:r>
+                      <a:endParaRPr lang="ko-KR" altLang="en-US" sz="1200" dirty="0"/>
+                    </a:p>
+                  </a:txBody>
+                  <a:tcPr/>
+                </a:tc>
+                <a:tc>
+                  <a:txBody>
+                    <a:bodyPr/>
+                    <a:lstStyle/>
+                    <a:p>
+                      <a:pPr latinLnBrk="1"/>
+                      <a:r>
+                        <a:rPr lang="en-US" altLang="ko-KR" sz="1200" dirty="0"/>
+                        <a:t>…</a:t>
+                      </a:r>
+                      <a:endParaRPr lang="ko-KR" altLang="en-US" sz="1200" dirty="0"/>
+                    </a:p>
+                  </a:txBody>
+                  <a:tcPr/>
+                </a:tc>
+                <a:extLst>
+                  <a:ext uri="{0D108BD9-81ED-4DB2-BD59-A6C34878D82A}">
+                    <a16:rowId xmlns:a16="http://schemas.microsoft.com/office/drawing/2014/main" val="2870258274"/>
+                  </a:ext>
+                </a:extLst>
+              </a:tr>
+              <a:tr h="266362">
+                <a:tc>
+                  <a:txBody>
+                    <a:bodyPr/>
+                    <a:lstStyle/>
+                    <a:p>
+                      <a:pPr algn="ctr" latinLnBrk="1"/>
+                      <a:r>
+                        <a:rPr lang="en-US" altLang="ko-KR" sz="1200" dirty="0"/>
+                        <a:t>7</a:t>
+                      </a:r>
+                      <a:endParaRPr lang="ko-KR" altLang="en-US" sz="1200" dirty="0"/>
+                    </a:p>
+                  </a:txBody>
+                  <a:tcPr/>
+                </a:tc>
+                <a:tc>
+                  <a:txBody>
+                    <a:bodyPr/>
+                    <a:lstStyle/>
+                    <a:p>
+                      <a:pPr latinLnBrk="1"/>
+                      <a:r>
+                        <a:rPr lang="en-US" altLang="ko-KR" sz="1200" dirty="0"/>
+                        <a:t>:scheme</a:t>
+                      </a:r>
+                      <a:endParaRPr lang="ko-KR" altLang="en-US" sz="1200" dirty="0"/>
+                    </a:p>
+                  </a:txBody>
+                  <a:tcPr/>
+                </a:tc>
+                <a:tc>
+                  <a:txBody>
+                    <a:bodyPr/>
+                    <a:lstStyle/>
+                    <a:p>
+                      <a:pPr latinLnBrk="1"/>
+                      <a:r>
+                        <a:rPr lang="en-US" altLang="ko-KR" sz="1200" dirty="0"/>
+                        <a:t>https</a:t>
+                      </a:r>
+                      <a:endParaRPr lang="ko-KR" altLang="en-US" sz="1200" dirty="0"/>
+                    </a:p>
+                  </a:txBody>
+                  <a:tcPr/>
+                </a:tc>
+                <a:extLst>
+                  <a:ext uri="{0D108BD9-81ED-4DB2-BD59-A6C34878D82A}">
+                    <a16:rowId xmlns:a16="http://schemas.microsoft.com/office/drawing/2014/main" val="3934491694"/>
+                  </a:ext>
+                </a:extLst>
+              </a:tr>
+              <a:tr h="266362">
+                <a:tc>
+                  <a:txBody>
+                    <a:bodyPr/>
+                    <a:lstStyle/>
+                    <a:p>
+                      <a:pPr algn="ctr" latinLnBrk="1"/>
+                      <a:r>
+                        <a:rPr lang="en-US" altLang="ko-KR" sz="1200" dirty="0"/>
+                        <a:t>…</a:t>
+                      </a:r>
+                      <a:endParaRPr lang="ko-KR" altLang="en-US" sz="1200" dirty="0"/>
+                    </a:p>
+                  </a:txBody>
+                  <a:tcPr/>
+                </a:tc>
+                <a:tc>
+                  <a:txBody>
+                    <a:bodyPr/>
+                    <a:lstStyle/>
+                    <a:p>
+                      <a:pPr latinLnBrk="1"/>
+                      <a:r>
+                        <a:rPr lang="en-US" altLang="ko-KR" sz="1200" dirty="0"/>
+                        <a:t>…</a:t>
+                      </a:r>
+                      <a:endParaRPr lang="ko-KR" altLang="en-US" sz="1200" dirty="0"/>
+                    </a:p>
+                  </a:txBody>
+                  <a:tcPr/>
+                </a:tc>
+                <a:tc>
+                  <a:txBody>
+                    <a:bodyPr/>
+                    <a:lstStyle/>
+                    <a:p>
+                      <a:pPr latinLnBrk="1"/>
+                      <a:r>
+                        <a:rPr lang="en-US" altLang="ko-KR" sz="1200" dirty="0"/>
+                        <a:t>…</a:t>
+                      </a:r>
+                      <a:endParaRPr lang="ko-KR" altLang="en-US" sz="1200" dirty="0"/>
+                    </a:p>
+                  </a:txBody>
+                  <a:tcPr/>
+                </a:tc>
+                <a:extLst>
+                  <a:ext uri="{0D108BD9-81ED-4DB2-BD59-A6C34878D82A}">
+                    <a16:rowId xmlns:a16="http://schemas.microsoft.com/office/drawing/2014/main" val="1849257744"/>
+                  </a:ext>
+                </a:extLst>
+              </a:tr>
+              <a:tr h="266362">
+                <a:tc>
+                  <a:txBody>
+                    <a:bodyPr/>
+                    <a:lstStyle/>
+                    <a:p>
+                      <a:pPr algn="ctr" latinLnBrk="1"/>
+                      <a:r>
+                        <a:rPr lang="en-US" altLang="ko-KR" sz="1200" dirty="0"/>
+                        <a:t>61</a:t>
+                      </a:r>
+                      <a:endParaRPr lang="ko-KR" altLang="en-US" sz="1200" dirty="0"/>
+                    </a:p>
+                  </a:txBody>
+                  <a:tcPr/>
+                </a:tc>
+                <a:tc>
+                  <a:txBody>
+                    <a:bodyPr/>
+                    <a:lstStyle/>
+                    <a:p>
+                      <a:pPr latinLnBrk="1"/>
+                      <a:r>
+                        <a:rPr lang="en-US" altLang="ko-KR" sz="1200" dirty="0"/>
+                        <a:t>www-authenticate</a:t>
+                      </a:r>
+                      <a:endParaRPr lang="ko-KR" altLang="en-US" sz="1200" dirty="0"/>
+                    </a:p>
+                  </a:txBody>
+                  <a:tcPr/>
+                </a:tc>
+                <a:tc>
+                  <a:txBody>
+                    <a:bodyPr/>
+                    <a:lstStyle/>
+                    <a:p>
+                      <a:pPr latinLnBrk="1"/>
+                      <a:endParaRPr lang="ko-KR" altLang="en-US" sz="1200" dirty="0"/>
+                    </a:p>
+                  </a:txBody>
+                  <a:tcPr/>
+                </a:tc>
+                <a:extLst>
+                  <a:ext uri="{0D108BD9-81ED-4DB2-BD59-A6C34878D82A}">
+                    <a16:rowId xmlns:a16="http://schemas.microsoft.com/office/drawing/2014/main" val="591272964"/>
+                  </a:ext>
+                </a:extLst>
+              </a:tr>
+            </a:tbl>
+          </a:graphicData>
+        </a:graphic>
+      </p:graphicFrame>
+      <p:graphicFrame>
+        <p:nvGraphicFramePr>
+          <p:cNvPr id="24" name="표 23">
+            <a:extLst>
+              <a:ext uri="{FF2B5EF4-FFF2-40B4-BE49-F238E27FC236}">
+                <a16:creationId xmlns:a16="http://schemas.microsoft.com/office/drawing/2014/main" id="{1709CD83-3993-A44B-AC80-B094BE43A776}"/>
+              </a:ext>
+            </a:extLst>
+          </p:cNvPr>
+          <p:cNvGraphicFramePr>
+            <a:graphicFrameLocks noGrp="1"/>
+          </p:cNvGraphicFramePr>
+          <p:nvPr>
+            <p:extLst>
+              <p:ext uri="{D42A27DB-BD31-4B8C-83A1-F6EECF244321}">
+                <p14:modId xmlns:p14="http://schemas.microsoft.com/office/powerpoint/2010/main" val="2594524292"/>
+              </p:ext>
+            </p:extLst>
+          </p:nvPr>
+        </p:nvGraphicFramePr>
+        <p:xfrm>
+          <a:off x="6176765" y="710962"/>
+          <a:ext cx="3323209" cy="1097280"/>
+        </p:xfrm>
+        <a:graphic>
+          <a:graphicData uri="http://schemas.openxmlformats.org/drawingml/2006/table">
+            <a:tbl>
+              <a:tblPr firstRow="1" bandRow="1">
+                <a:tableStyleId>{5940675A-B579-460E-94D1-54222C63F5DA}</a:tableStyleId>
+              </a:tblPr>
+              <a:tblGrid>
+                <a:gridCol w="611505">
+                  <a:extLst>
+                    <a:ext uri="{9D8B030D-6E8A-4147-A177-3AD203B41FA5}">
+                      <a16:colId xmlns:a16="http://schemas.microsoft.com/office/drawing/2014/main" val="789523440"/>
+                    </a:ext>
+                  </a:extLst>
+                </a:gridCol>
+                <a:gridCol w="1362710">
+                  <a:extLst>
+                    <a:ext uri="{9D8B030D-6E8A-4147-A177-3AD203B41FA5}">
+                      <a16:colId xmlns:a16="http://schemas.microsoft.com/office/drawing/2014/main" val="33447508"/>
+                    </a:ext>
+                  </a:extLst>
+                </a:gridCol>
+                <a:gridCol w="1348994">
+                  <a:extLst>
+                    <a:ext uri="{9D8B030D-6E8A-4147-A177-3AD203B41FA5}">
+                      <a16:colId xmlns:a16="http://schemas.microsoft.com/office/drawing/2014/main" val="1612172212"/>
+                    </a:ext>
+                  </a:extLst>
+                </a:gridCol>
+              </a:tblGrid>
+              <a:tr h="0">
+                <a:tc>
+                  <a:txBody>
+                    <a:bodyPr/>
+                    <a:lstStyle/>
+                    <a:p>
+                      <a:pPr algn="ctr" latinLnBrk="1"/>
+                      <a:r>
+                        <a:rPr lang="en-US" altLang="ko-KR" sz="1200" dirty="0"/>
+                        <a:t>Index</a:t>
+                      </a:r>
+                      <a:endParaRPr lang="ko-KR" altLang="en-US" sz="1200" dirty="0"/>
+                    </a:p>
+                  </a:txBody>
+                  <a:tcPr/>
+                </a:tc>
+                <a:tc>
+                  <a:txBody>
+                    <a:bodyPr/>
+                    <a:lstStyle/>
+                    <a:p>
+                      <a:pPr algn="ctr" latinLnBrk="1"/>
+                      <a:r>
+                        <a:rPr lang="en-US" altLang="ko-KR" sz="1200" dirty="0"/>
+                        <a:t>Header Name</a:t>
+                      </a:r>
+                      <a:endParaRPr lang="ko-KR" altLang="en-US" sz="1200" dirty="0"/>
+                    </a:p>
+                  </a:txBody>
+                  <a:tcPr/>
+                </a:tc>
+                <a:tc>
+                  <a:txBody>
+                    <a:bodyPr/>
+                    <a:lstStyle/>
+                    <a:p>
+                      <a:pPr algn="ctr" latinLnBrk="1"/>
+                      <a:r>
+                        <a:rPr lang="en-US" altLang="ko-KR" sz="1200" dirty="0"/>
+                        <a:t>Header Value</a:t>
+                      </a:r>
+                      <a:endParaRPr lang="ko-KR" altLang="en-US" sz="1200" dirty="0"/>
+                    </a:p>
+                  </a:txBody>
+                  <a:tcPr/>
+                </a:tc>
+                <a:extLst>
+                  <a:ext uri="{0D108BD9-81ED-4DB2-BD59-A6C34878D82A}">
+                    <a16:rowId xmlns:a16="http://schemas.microsoft.com/office/drawing/2014/main" val="2675603514"/>
+                  </a:ext>
+                </a:extLst>
+              </a:tr>
+              <a:tr h="266362">
+                <a:tc>
+                  <a:txBody>
+                    <a:bodyPr/>
+                    <a:lstStyle/>
+                    <a:p>
+                      <a:pPr algn="ctr" latinLnBrk="1"/>
+                      <a:r>
+                        <a:rPr lang="en-US" altLang="ko-KR" sz="1200" dirty="0"/>
+                        <a:t>62</a:t>
+                      </a:r>
+                      <a:endParaRPr lang="ko-KR" altLang="en-US" sz="1200" dirty="0"/>
+                    </a:p>
+                  </a:txBody>
+                  <a:tcPr/>
+                </a:tc>
+                <a:tc>
+                  <a:txBody>
+                    <a:bodyPr/>
+                    <a:lstStyle/>
+                    <a:p>
+                      <a:pPr latinLnBrk="1"/>
+                      <a:r>
+                        <a:rPr lang="en-US" altLang="ko-KR" sz="1200" dirty="0"/>
+                        <a:t>:authority</a:t>
+                      </a:r>
+                      <a:endParaRPr lang="ko-KR" altLang="en-US" sz="1200" dirty="0"/>
+                    </a:p>
+                  </a:txBody>
+                  <a:tcPr/>
+                </a:tc>
+                <a:tc>
+                  <a:txBody>
+                    <a:bodyPr/>
+                    <a:lstStyle/>
+                    <a:p>
+                      <a:pPr latinLnBrk="1"/>
+                      <a:r>
+                        <a:rPr lang="en-US" altLang="ko-KR" sz="1200" dirty="0" err="1"/>
+                        <a:t>beomy.github.io</a:t>
+                      </a:r>
+                      <a:endParaRPr lang="ko-KR" altLang="en-US" sz="1200" dirty="0"/>
+                    </a:p>
+                  </a:txBody>
+                  <a:tcPr/>
+                </a:tc>
+                <a:extLst>
+                  <a:ext uri="{0D108BD9-81ED-4DB2-BD59-A6C34878D82A}">
+                    <a16:rowId xmlns:a16="http://schemas.microsoft.com/office/drawing/2014/main" val="1130785241"/>
+                  </a:ext>
+                </a:extLst>
+              </a:tr>
+              <a:tr h="266362">
+                <a:tc>
+                  <a:txBody>
+                    <a:bodyPr/>
+                    <a:lstStyle/>
+                    <a:p>
+                      <a:pPr algn="ctr" latinLnBrk="1"/>
+                      <a:r>
+                        <a:rPr lang="en-US" altLang="ko-KR" sz="1200" dirty="0"/>
+                        <a:t>63</a:t>
+                      </a:r>
+                      <a:endParaRPr lang="ko-KR" altLang="en-US" sz="1200" dirty="0"/>
+                    </a:p>
+                  </a:txBody>
+                  <a:tcPr/>
+                </a:tc>
+                <a:tc>
+                  <a:txBody>
+                    <a:bodyPr/>
+                    <a:lstStyle/>
+                    <a:p>
+                      <a:pPr latinLnBrk="1"/>
+                      <a:r>
+                        <a:rPr lang="en-US" altLang="ko-KR" sz="1200" dirty="0"/>
+                        <a:t>custom-header</a:t>
+                      </a:r>
+                      <a:endParaRPr lang="ko-KR" altLang="en-US" sz="1200" dirty="0"/>
+                    </a:p>
+                  </a:txBody>
+                  <a:tcPr/>
+                </a:tc>
+                <a:tc>
+                  <a:txBody>
+                    <a:bodyPr/>
+                    <a:lstStyle/>
+                    <a:p>
+                      <a:pPr latinLnBrk="1"/>
+                      <a:r>
+                        <a:rPr lang="en-US" altLang="ko-KR" sz="1200" dirty="0" err="1"/>
+                        <a:t>i’m</a:t>
+                      </a:r>
+                      <a:r>
+                        <a:rPr lang="en-US" altLang="ko-KR" sz="1200" dirty="0"/>
+                        <a:t> </a:t>
+                      </a:r>
+                      <a:r>
+                        <a:rPr lang="en-US" altLang="ko-KR" sz="1200" dirty="0" err="1"/>
+                        <a:t>beomy</a:t>
+                      </a:r>
+                      <a:endParaRPr lang="ko-KR" altLang="en-US" sz="1200" dirty="0"/>
+                    </a:p>
+                  </a:txBody>
+                  <a:tcPr/>
+                </a:tc>
+                <a:extLst>
+                  <a:ext uri="{0D108BD9-81ED-4DB2-BD59-A6C34878D82A}">
+                    <a16:rowId xmlns:a16="http://schemas.microsoft.com/office/drawing/2014/main" val="340117421"/>
+                  </a:ext>
+                </a:extLst>
+              </a:tr>
+              <a:tr h="266362">
+                <a:tc>
+                  <a:txBody>
+                    <a:bodyPr/>
+                    <a:lstStyle/>
+                    <a:p>
+                      <a:pPr algn="ctr" latinLnBrk="1"/>
+                      <a:r>
+                        <a:rPr lang="en-US" altLang="ko-KR" sz="1200" dirty="0"/>
+                        <a:t>64</a:t>
+                      </a:r>
+                      <a:endParaRPr lang="ko-KR" altLang="en-US" sz="1200" dirty="0"/>
+                    </a:p>
+                  </a:txBody>
+                  <a:tcPr/>
+                </a:tc>
+                <a:tc>
+                  <a:txBody>
+                    <a:bodyPr/>
+                    <a:lstStyle/>
+                    <a:p>
+                      <a:pPr latinLnBrk="1"/>
+                      <a:r>
+                        <a:rPr lang="en-US" altLang="ko-KR" sz="1200" dirty="0"/>
+                        <a:t>custom-header2</a:t>
+                      </a:r>
+                      <a:endParaRPr lang="ko-KR" altLang="en-US" sz="1200" dirty="0"/>
+                    </a:p>
+                  </a:txBody>
+                  <a:tcPr/>
+                </a:tc>
+                <a:tc>
+                  <a:txBody>
+                    <a:bodyPr/>
+                    <a:lstStyle/>
+                    <a:p>
+                      <a:pPr latinLnBrk="1"/>
+                      <a:r>
+                        <a:rPr lang="en-US" altLang="ko-KR" sz="1200" dirty="0" err="1"/>
+                        <a:t>Hellow</a:t>
+                      </a:r>
+                      <a:r>
+                        <a:rPr lang="en-US" altLang="ko-KR" sz="1200" dirty="0"/>
+                        <a:t>!</a:t>
+                      </a:r>
+                      <a:endParaRPr lang="ko-KR" altLang="en-US" sz="1200" dirty="0"/>
+                    </a:p>
+                  </a:txBody>
+                  <a:tcPr/>
+                </a:tc>
+                <a:extLst>
+                  <a:ext uri="{0D108BD9-81ED-4DB2-BD59-A6C34878D82A}">
+                    <a16:rowId xmlns:a16="http://schemas.microsoft.com/office/drawing/2014/main" val="4237401591"/>
+                  </a:ext>
+                </a:extLst>
+              </a:tr>
+            </a:tbl>
+          </a:graphicData>
+        </a:graphic>
+      </p:graphicFrame>
+      <p:sp>
+        <p:nvSpPr>
+          <p:cNvPr id="5" name="TextBox 4">
+            <a:extLst>
+              <a:ext uri="{FF2B5EF4-FFF2-40B4-BE49-F238E27FC236}">
+                <a16:creationId xmlns:a16="http://schemas.microsoft.com/office/drawing/2014/main" id="{0FFFDD33-BF58-0148-A351-284245E39CBC}"/>
+              </a:ext>
+            </a:extLst>
+          </p:cNvPr>
+          <p:cNvSpPr txBox="1"/>
+          <p:nvPr/>
+        </p:nvSpPr>
+        <p:spPr>
+          <a:xfrm>
+            <a:off x="3637043" y="403185"/>
+            <a:ext cx="1163011" cy="307777"/>
+          </a:xfrm>
+          <a:prstGeom prst="rect">
+            <a:avLst/>
+          </a:prstGeom>
+          <a:noFill/>
+        </p:spPr>
+        <p:txBody>
+          <a:bodyPr wrap="none" rtlCol="0">
+            <a:spAutoFit/>
+          </a:bodyPr>
+          <a:lstStyle/>
+          <a:p>
+            <a:r>
+              <a:rPr kumimoji="1" lang="en-US" altLang="ko-KR" sz="1400" b="1" dirty="0"/>
+              <a:t>Static Table</a:t>
+            </a:r>
+            <a:endParaRPr kumimoji="1" lang="ko-KR" altLang="en-US" sz="1400" b="1" dirty="0"/>
+          </a:p>
+        </p:txBody>
+      </p:sp>
+      <p:sp>
+        <p:nvSpPr>
+          <p:cNvPr id="31" name="TextBox 30">
+            <a:extLst>
+              <a:ext uri="{FF2B5EF4-FFF2-40B4-BE49-F238E27FC236}">
+                <a16:creationId xmlns:a16="http://schemas.microsoft.com/office/drawing/2014/main" id="{6CA7F64D-230B-4E4F-81D6-07313AE6EB93}"/>
+              </a:ext>
+            </a:extLst>
+          </p:cNvPr>
+          <p:cNvSpPr txBox="1"/>
+          <p:nvPr/>
+        </p:nvSpPr>
+        <p:spPr>
+          <a:xfrm>
+            <a:off x="7121313" y="403184"/>
+            <a:ext cx="1434111" cy="307777"/>
+          </a:xfrm>
+          <a:prstGeom prst="rect">
+            <a:avLst/>
+          </a:prstGeom>
+          <a:noFill/>
+        </p:spPr>
+        <p:txBody>
+          <a:bodyPr wrap="none" rtlCol="0">
+            <a:spAutoFit/>
+          </a:bodyPr>
+          <a:lstStyle/>
+          <a:p>
+            <a:r>
+              <a:rPr kumimoji="1" lang="en-US" altLang="ko-KR" sz="1400" b="1" dirty="0"/>
+              <a:t>Dynamic Table</a:t>
+            </a:r>
+            <a:endParaRPr kumimoji="1" lang="ko-KR" altLang="en-US" sz="1400" b="1" dirty="0"/>
+          </a:p>
+        </p:txBody>
+      </p:sp>
+      <p:graphicFrame>
+        <p:nvGraphicFramePr>
+          <p:cNvPr id="32" name="표 31">
+            <a:extLst>
+              <a:ext uri="{FF2B5EF4-FFF2-40B4-BE49-F238E27FC236}">
+                <a16:creationId xmlns:a16="http://schemas.microsoft.com/office/drawing/2014/main" id="{E24F4664-995A-344A-B7E4-18EDC846EE3A}"/>
+              </a:ext>
+            </a:extLst>
+          </p:cNvPr>
+          <p:cNvGraphicFramePr>
+            <a:graphicFrameLocks noGrp="1"/>
+          </p:cNvGraphicFramePr>
+          <p:nvPr>
+            <p:extLst>
+              <p:ext uri="{D42A27DB-BD31-4B8C-83A1-F6EECF244321}">
+                <p14:modId xmlns:p14="http://schemas.microsoft.com/office/powerpoint/2010/main" val="3025240432"/>
+              </p:ext>
+            </p:extLst>
+          </p:nvPr>
+        </p:nvGraphicFramePr>
+        <p:xfrm>
+          <a:off x="4801827" y="3593181"/>
+          <a:ext cx="4005517" cy="1371600"/>
+        </p:xfrm>
+        <a:graphic>
+          <a:graphicData uri="http://schemas.openxmlformats.org/drawingml/2006/table">
+            <a:tbl>
+              <a:tblPr firstRow="1" bandRow="1">
+                <a:tableStyleId>{5940675A-B579-460E-94D1-54222C63F5DA}</a:tableStyleId>
+              </a:tblPr>
+              <a:tblGrid>
+                <a:gridCol w="1967548">
+                  <a:extLst>
+                    <a:ext uri="{9D8B030D-6E8A-4147-A177-3AD203B41FA5}">
+                      <a16:colId xmlns:a16="http://schemas.microsoft.com/office/drawing/2014/main" val="789523440"/>
+                    </a:ext>
+                  </a:extLst>
+                </a:gridCol>
+                <a:gridCol w="2037969">
+                  <a:extLst>
+                    <a:ext uri="{9D8B030D-6E8A-4147-A177-3AD203B41FA5}">
+                      <a16:colId xmlns:a16="http://schemas.microsoft.com/office/drawing/2014/main" val="33447508"/>
+                    </a:ext>
+                  </a:extLst>
+                </a:gridCol>
+              </a:tblGrid>
+              <a:tr h="244411">
+                <a:tc>
+                  <a:txBody>
+                    <a:bodyPr/>
+                    <a:lstStyle/>
+                    <a:p>
+                      <a:pPr algn="ctr" latinLnBrk="1"/>
+                      <a:r>
+                        <a:rPr lang="en-US" altLang="ko-KR" sz="1200" dirty="0"/>
+                        <a:t>1</a:t>
+                      </a:r>
+                      <a:endParaRPr lang="ko-KR" altLang="en-US" sz="1200" dirty="0"/>
+                    </a:p>
+                  </a:txBody>
+                  <a:tcPr/>
+                </a:tc>
+                <a:tc>
+                  <a:txBody>
+                    <a:bodyPr/>
+                    <a:lstStyle/>
+                    <a:p>
+                      <a:pPr algn="ctr" latinLnBrk="1"/>
+                      <a:r>
+                        <a:rPr lang="en-US" altLang="ko-KR" sz="1200" dirty="0"/>
+                        <a:t>Huffman(</a:t>
+                      </a:r>
+                      <a:r>
+                        <a:rPr lang="en-US" altLang="ko-KR" sz="1200" dirty="0" err="1"/>
+                        <a:t>beomy.github.io</a:t>
+                      </a:r>
+                      <a:r>
+                        <a:rPr lang="en-US" altLang="ko-KR" sz="1200" dirty="0"/>
+                        <a:t>)</a:t>
+                      </a:r>
+                      <a:endParaRPr lang="ko-KR" altLang="en-US" sz="1200" dirty="0"/>
+                    </a:p>
+                  </a:txBody>
+                  <a:tcPr/>
+                </a:tc>
+                <a:extLst>
+                  <a:ext uri="{0D108BD9-81ED-4DB2-BD59-A6C34878D82A}">
+                    <a16:rowId xmlns:a16="http://schemas.microsoft.com/office/drawing/2014/main" val="2675603514"/>
+                  </a:ext>
+                </a:extLst>
+              </a:tr>
+              <a:tr h="244411">
+                <a:tc>
+                  <a:txBody>
+                    <a:bodyPr/>
+                    <a:lstStyle/>
+                    <a:p>
+                      <a:pPr algn="ctr" latinLnBrk="1"/>
+                      <a:r>
+                        <a:rPr lang="en-US" altLang="ko-KR" sz="1200" dirty="0"/>
+                        <a:t>2</a:t>
+                      </a:r>
+                      <a:endParaRPr lang="ko-KR" altLang="en-US" sz="1200" dirty="0"/>
+                    </a:p>
+                  </a:txBody>
+                  <a:tcPr/>
+                </a:tc>
+                <a:tc>
+                  <a:txBody>
+                    <a:bodyPr/>
+                    <a:lstStyle/>
+                    <a:p>
+                      <a:pPr algn="ctr" latinLnBrk="1"/>
+                      <a:endParaRPr lang="ko-KR" altLang="en-US" sz="1200" dirty="0"/>
+                    </a:p>
+                  </a:txBody>
+                  <a:tcPr/>
+                </a:tc>
+                <a:extLst>
+                  <a:ext uri="{0D108BD9-81ED-4DB2-BD59-A6C34878D82A}">
+                    <a16:rowId xmlns:a16="http://schemas.microsoft.com/office/drawing/2014/main" val="340117421"/>
+                  </a:ext>
+                </a:extLst>
+              </a:tr>
+              <a:tr h="244411">
+                <a:tc>
+                  <a:txBody>
+                    <a:bodyPr/>
+                    <a:lstStyle/>
+                    <a:p>
+                      <a:pPr algn="ctr" latinLnBrk="1"/>
+                      <a:r>
+                        <a:rPr lang="en-US" altLang="ko-KR" sz="1200" dirty="0"/>
+                        <a:t>4</a:t>
+                      </a:r>
+                      <a:endParaRPr lang="ko-KR" altLang="en-US" sz="1200" dirty="0"/>
+                    </a:p>
+                  </a:txBody>
+                  <a:tcPr/>
+                </a:tc>
+                <a:tc>
+                  <a:txBody>
+                    <a:bodyPr/>
+                    <a:lstStyle/>
+                    <a:p>
+                      <a:pPr algn="ctr" latinLnBrk="1"/>
+                      <a:endParaRPr lang="ko-KR" altLang="en-US" sz="1200" dirty="0"/>
+                    </a:p>
+                  </a:txBody>
+                  <a:tcPr/>
+                </a:tc>
+                <a:extLst>
+                  <a:ext uri="{0D108BD9-81ED-4DB2-BD59-A6C34878D82A}">
+                    <a16:rowId xmlns:a16="http://schemas.microsoft.com/office/drawing/2014/main" val="4237401591"/>
+                  </a:ext>
+                </a:extLst>
+              </a:tr>
+              <a:tr h="244411">
+                <a:tc>
+                  <a:txBody>
+                    <a:bodyPr/>
+                    <a:lstStyle/>
+                    <a:p>
+                      <a:pPr algn="ctr" latinLnBrk="1"/>
+                      <a:r>
+                        <a:rPr lang="en-US" altLang="ko-KR" sz="1200" dirty="0"/>
+                        <a:t>7</a:t>
+                      </a:r>
+                      <a:endParaRPr lang="ko-KR" altLang="en-US" sz="1200" dirty="0"/>
+                    </a:p>
+                  </a:txBody>
+                  <a:tcPr/>
+                </a:tc>
+                <a:tc>
+                  <a:txBody>
+                    <a:bodyPr/>
+                    <a:lstStyle/>
+                    <a:p>
+                      <a:pPr algn="ctr" latinLnBrk="1"/>
+                      <a:endParaRPr lang="ko-KR" altLang="en-US" sz="1200" dirty="0"/>
+                    </a:p>
+                  </a:txBody>
+                  <a:tcPr/>
+                </a:tc>
+                <a:extLst>
+                  <a:ext uri="{0D108BD9-81ED-4DB2-BD59-A6C34878D82A}">
+                    <a16:rowId xmlns:a16="http://schemas.microsoft.com/office/drawing/2014/main" val="163298700"/>
+                  </a:ext>
+                </a:extLst>
+              </a:tr>
+              <a:tr h="0">
+                <a:tc>
+                  <a:txBody>
+                    <a:bodyPr/>
+                    <a:lstStyle/>
+                    <a:p>
+                      <a:pPr algn="ctr" latinLnBrk="1"/>
+                      <a:r>
+                        <a:rPr lang="en-US" altLang="ko-KR" sz="1200" dirty="0"/>
+                        <a:t>Huffman(custom-header)</a:t>
+                      </a:r>
+                      <a:endParaRPr lang="ko-KR" altLang="en-US" sz="1200" dirty="0"/>
+                    </a:p>
+                  </a:txBody>
+                  <a:tcPr/>
+                </a:tc>
+                <a:tc>
+                  <a:txBody>
+                    <a:bodyPr/>
+                    <a:lstStyle/>
+                    <a:p>
+                      <a:pPr marL="0" marR="0" lvl="0" indent="0" algn="ctr" defTabSz="914400" rtl="0" eaLnBrk="1" fontAlgn="auto" latinLnBrk="1" hangingPunct="1">
+                        <a:lnSpc>
+                          <a:spcPct val="100000"/>
+                        </a:lnSpc>
+                        <a:spcBef>
+                          <a:spcPts val="0"/>
+                        </a:spcBef>
+                        <a:spcAft>
+                          <a:spcPts val="0"/>
+                        </a:spcAft>
+                        <a:buClrTx/>
+                        <a:buSzTx/>
+                        <a:buFontTx/>
+                        <a:buNone/>
+                        <a:tabLst/>
+                        <a:defRPr/>
+                      </a:pPr>
+                      <a:r>
+                        <a:rPr lang="en-US" altLang="ko-KR" sz="1200" dirty="0"/>
+                        <a:t>Huffman(</a:t>
+                      </a:r>
+                      <a:r>
+                        <a:rPr lang="en-US" altLang="ko-KR" sz="1200" dirty="0" err="1"/>
+                        <a:t>i’m</a:t>
+                      </a:r>
+                      <a:r>
+                        <a:rPr lang="en-US" altLang="ko-KR" sz="1200" dirty="0"/>
+                        <a:t> </a:t>
+                      </a:r>
+                      <a:r>
+                        <a:rPr lang="en-US" altLang="ko-KR" sz="1200" dirty="0" err="1"/>
+                        <a:t>beomy</a:t>
+                      </a:r>
+                      <a:r>
+                        <a:rPr lang="en-US" altLang="ko-KR" sz="1200" dirty="0"/>
+                        <a:t>)</a:t>
+                      </a:r>
+                      <a:endParaRPr lang="ko-KR" altLang="en-US" sz="1200" dirty="0"/>
+                    </a:p>
+                  </a:txBody>
+                  <a:tcPr/>
+                </a:tc>
+                <a:extLst>
+                  <a:ext uri="{0D108BD9-81ED-4DB2-BD59-A6C34878D82A}">
+                    <a16:rowId xmlns:a16="http://schemas.microsoft.com/office/drawing/2014/main" val="2195706678"/>
+                  </a:ext>
+                </a:extLst>
+              </a:tr>
+            </a:tbl>
+          </a:graphicData>
+        </a:graphic>
+      </p:graphicFrame>
+      <p:graphicFrame>
+        <p:nvGraphicFramePr>
+          <p:cNvPr id="33" name="표 32">
+            <a:extLst>
+              <a:ext uri="{FF2B5EF4-FFF2-40B4-BE49-F238E27FC236}">
+                <a16:creationId xmlns:a16="http://schemas.microsoft.com/office/drawing/2014/main" id="{703AB2E4-8FC6-644A-9C22-60180950D973}"/>
+              </a:ext>
+            </a:extLst>
+          </p:cNvPr>
+          <p:cNvGraphicFramePr>
+            <a:graphicFrameLocks noGrp="1"/>
+          </p:cNvGraphicFramePr>
+          <p:nvPr>
+            <p:extLst>
+              <p:ext uri="{D42A27DB-BD31-4B8C-83A1-F6EECF244321}">
+                <p14:modId xmlns:p14="http://schemas.microsoft.com/office/powerpoint/2010/main" val="1245262984"/>
+              </p:ext>
+            </p:extLst>
+          </p:nvPr>
+        </p:nvGraphicFramePr>
+        <p:xfrm>
+          <a:off x="4801828" y="5173787"/>
+          <a:ext cx="4005517" cy="1645920"/>
+        </p:xfrm>
+        <a:graphic>
+          <a:graphicData uri="http://schemas.openxmlformats.org/drawingml/2006/table">
+            <a:tbl>
+              <a:tblPr firstRow="1" bandRow="1">
+                <a:tableStyleId>{5940675A-B579-460E-94D1-54222C63F5DA}</a:tableStyleId>
+              </a:tblPr>
+              <a:tblGrid>
+                <a:gridCol w="1967548">
+                  <a:extLst>
+                    <a:ext uri="{9D8B030D-6E8A-4147-A177-3AD203B41FA5}">
+                      <a16:colId xmlns:a16="http://schemas.microsoft.com/office/drawing/2014/main" val="789523440"/>
+                    </a:ext>
+                  </a:extLst>
+                </a:gridCol>
+                <a:gridCol w="2037969">
+                  <a:extLst>
+                    <a:ext uri="{9D8B030D-6E8A-4147-A177-3AD203B41FA5}">
+                      <a16:colId xmlns:a16="http://schemas.microsoft.com/office/drawing/2014/main" val="33447508"/>
+                    </a:ext>
+                  </a:extLst>
+                </a:gridCol>
+              </a:tblGrid>
+              <a:tr h="244411">
+                <a:tc>
+                  <a:txBody>
+                    <a:bodyPr/>
+                    <a:lstStyle/>
+                    <a:p>
+                      <a:pPr algn="ctr" latinLnBrk="1"/>
+                      <a:r>
+                        <a:rPr lang="en-US" altLang="ko-KR" sz="1200" dirty="0"/>
+                        <a:t>2</a:t>
+                      </a:r>
+                      <a:endParaRPr lang="ko-KR" altLang="en-US" sz="1200" dirty="0"/>
+                    </a:p>
+                  </a:txBody>
+                  <a:tcPr/>
+                </a:tc>
+                <a:tc>
+                  <a:txBody>
+                    <a:bodyPr/>
+                    <a:lstStyle/>
+                    <a:p>
+                      <a:pPr algn="ctr" latinLnBrk="1"/>
+                      <a:endParaRPr lang="ko-KR" altLang="en-US" sz="1200" dirty="0"/>
+                    </a:p>
+                  </a:txBody>
+                  <a:tcPr/>
+                </a:tc>
+                <a:extLst>
+                  <a:ext uri="{0D108BD9-81ED-4DB2-BD59-A6C34878D82A}">
+                    <a16:rowId xmlns:a16="http://schemas.microsoft.com/office/drawing/2014/main" val="2675603514"/>
+                  </a:ext>
+                </a:extLst>
+              </a:tr>
+              <a:tr h="244411">
+                <a:tc>
+                  <a:txBody>
+                    <a:bodyPr/>
+                    <a:lstStyle/>
+                    <a:p>
+                      <a:pPr algn="ctr" latinLnBrk="1"/>
+                      <a:r>
+                        <a:rPr lang="en-US" altLang="ko-KR" sz="1200" dirty="0"/>
+                        <a:t>4</a:t>
+                      </a:r>
+                      <a:endParaRPr lang="ko-KR" altLang="en-US" sz="1200" dirty="0"/>
+                    </a:p>
+                  </a:txBody>
+                  <a:tcPr/>
+                </a:tc>
+                <a:tc>
+                  <a:txBody>
+                    <a:bodyPr/>
+                    <a:lstStyle/>
+                    <a:p>
+                      <a:pPr algn="ctr" latinLnBrk="1"/>
+                      <a:endParaRPr lang="ko-KR" altLang="en-US" sz="1200" dirty="0"/>
+                    </a:p>
+                  </a:txBody>
+                  <a:tcPr/>
+                </a:tc>
+                <a:extLst>
+                  <a:ext uri="{0D108BD9-81ED-4DB2-BD59-A6C34878D82A}">
+                    <a16:rowId xmlns:a16="http://schemas.microsoft.com/office/drawing/2014/main" val="340117421"/>
+                  </a:ext>
+                </a:extLst>
+              </a:tr>
+              <a:tr h="244411">
+                <a:tc>
+                  <a:txBody>
+                    <a:bodyPr/>
+                    <a:lstStyle/>
+                    <a:p>
+                      <a:pPr algn="ctr" latinLnBrk="1"/>
+                      <a:r>
+                        <a:rPr lang="en-US" altLang="ko-KR" sz="1200" dirty="0"/>
+                        <a:t>7</a:t>
+                      </a:r>
+                      <a:endParaRPr lang="ko-KR" altLang="en-US" sz="1200" dirty="0"/>
+                    </a:p>
+                  </a:txBody>
+                  <a:tcPr/>
+                </a:tc>
+                <a:tc>
+                  <a:txBody>
+                    <a:bodyPr/>
+                    <a:lstStyle/>
+                    <a:p>
+                      <a:pPr algn="ctr" latinLnBrk="1"/>
+                      <a:endParaRPr lang="ko-KR" altLang="en-US" sz="1200" dirty="0"/>
+                    </a:p>
+                  </a:txBody>
+                  <a:tcPr/>
+                </a:tc>
+                <a:extLst>
+                  <a:ext uri="{0D108BD9-81ED-4DB2-BD59-A6C34878D82A}">
+                    <a16:rowId xmlns:a16="http://schemas.microsoft.com/office/drawing/2014/main" val="4237401591"/>
+                  </a:ext>
+                </a:extLst>
+              </a:tr>
+              <a:tr h="244411">
+                <a:tc>
+                  <a:txBody>
+                    <a:bodyPr/>
+                    <a:lstStyle/>
+                    <a:p>
+                      <a:pPr algn="ctr" latinLnBrk="1"/>
+                      <a:r>
+                        <a:rPr lang="en-US" altLang="ko-KR" sz="1200" dirty="0"/>
+                        <a:t>62</a:t>
+                      </a:r>
+                      <a:endParaRPr lang="ko-KR" altLang="en-US" sz="1200" dirty="0"/>
+                    </a:p>
+                  </a:txBody>
+                  <a:tcPr/>
+                </a:tc>
+                <a:tc>
+                  <a:txBody>
+                    <a:bodyPr/>
+                    <a:lstStyle/>
+                    <a:p>
+                      <a:pPr algn="ctr" latinLnBrk="1"/>
+                      <a:endParaRPr lang="ko-KR" altLang="en-US" sz="1200" dirty="0"/>
+                    </a:p>
+                  </a:txBody>
+                  <a:tcPr/>
+                </a:tc>
+                <a:extLst>
+                  <a:ext uri="{0D108BD9-81ED-4DB2-BD59-A6C34878D82A}">
+                    <a16:rowId xmlns:a16="http://schemas.microsoft.com/office/drawing/2014/main" val="163298700"/>
+                  </a:ext>
+                </a:extLst>
+              </a:tr>
+              <a:tr h="0">
+                <a:tc>
+                  <a:txBody>
+                    <a:bodyPr/>
+                    <a:lstStyle/>
+                    <a:p>
+                      <a:pPr algn="ctr" latinLnBrk="1"/>
+                      <a:r>
+                        <a:rPr lang="en-US" altLang="ko-KR" sz="1200" dirty="0"/>
+                        <a:t>63</a:t>
+                      </a:r>
+                      <a:endParaRPr lang="ko-KR" altLang="en-US" sz="1200" dirty="0"/>
+                    </a:p>
+                  </a:txBody>
+                  <a:tcPr/>
+                </a:tc>
+                <a:tc>
+                  <a:txBody>
+                    <a:bodyPr/>
+                    <a:lstStyle/>
+                    <a:p>
+                      <a:pPr marL="0" marR="0" lvl="0" indent="0" algn="ctr" defTabSz="914400" rtl="0" eaLnBrk="1" fontAlgn="auto" latinLnBrk="1" hangingPunct="1">
+                        <a:lnSpc>
+                          <a:spcPct val="100000"/>
+                        </a:lnSpc>
+                        <a:spcBef>
+                          <a:spcPts val="0"/>
+                        </a:spcBef>
+                        <a:spcAft>
+                          <a:spcPts val="0"/>
+                        </a:spcAft>
+                        <a:buClrTx/>
+                        <a:buSzTx/>
+                        <a:buFontTx/>
+                        <a:buNone/>
+                        <a:tabLst/>
+                        <a:defRPr/>
+                      </a:pPr>
+                      <a:endParaRPr lang="ko-KR" altLang="en-US" sz="1200" dirty="0"/>
+                    </a:p>
+                  </a:txBody>
+                  <a:tcPr/>
+                </a:tc>
+                <a:extLst>
+                  <a:ext uri="{0D108BD9-81ED-4DB2-BD59-A6C34878D82A}">
+                    <a16:rowId xmlns:a16="http://schemas.microsoft.com/office/drawing/2014/main" val="2195706678"/>
+                  </a:ext>
+                </a:extLst>
+              </a:tr>
+              <a:tr h="0">
+                <a:tc>
+                  <a:txBody>
+                    <a:bodyPr/>
+                    <a:lstStyle/>
+                    <a:p>
+                      <a:pPr algn="ctr" latinLnBrk="1"/>
+                      <a:r>
+                        <a:rPr lang="en-US" altLang="ko-KR" sz="1200" dirty="0" err="1"/>
+                        <a:t>Hufman</a:t>
+                      </a:r>
+                      <a:r>
+                        <a:rPr lang="en-US" altLang="ko-KR" sz="1200" dirty="0"/>
+                        <a:t>(custom-header2)</a:t>
+                      </a:r>
+                      <a:endParaRPr lang="ko-KR" altLang="en-US" sz="1200" dirty="0"/>
+                    </a:p>
+                  </a:txBody>
+                  <a:tcPr/>
+                </a:tc>
+                <a:tc>
+                  <a:txBody>
+                    <a:bodyPr/>
+                    <a:lstStyle/>
+                    <a:p>
+                      <a:pPr marL="0" marR="0" lvl="0" indent="0" algn="ctr" defTabSz="914400" rtl="0" eaLnBrk="1" fontAlgn="auto" latinLnBrk="1" hangingPunct="1">
+                        <a:lnSpc>
+                          <a:spcPct val="100000"/>
+                        </a:lnSpc>
+                        <a:spcBef>
+                          <a:spcPts val="0"/>
+                        </a:spcBef>
+                        <a:spcAft>
+                          <a:spcPts val="0"/>
+                        </a:spcAft>
+                        <a:buClrTx/>
+                        <a:buSzTx/>
+                        <a:buFontTx/>
+                        <a:buNone/>
+                        <a:tabLst/>
+                        <a:defRPr/>
+                      </a:pPr>
+                      <a:r>
+                        <a:rPr lang="en-US" altLang="ko-KR" sz="1200" dirty="0"/>
+                        <a:t>Huffman(</a:t>
+                      </a:r>
+                      <a:r>
+                        <a:rPr lang="en-US" altLang="ko-KR" sz="1200" dirty="0" err="1"/>
+                        <a:t>hellow</a:t>
+                      </a:r>
+                      <a:r>
+                        <a:rPr lang="en-US" altLang="ko-KR" sz="1200" dirty="0"/>
+                        <a:t>!)</a:t>
+                      </a:r>
+                      <a:endParaRPr lang="ko-KR" altLang="en-US" sz="1200" dirty="0"/>
+                    </a:p>
+                  </a:txBody>
+                  <a:tcPr/>
+                </a:tc>
+                <a:extLst>
+                  <a:ext uri="{0D108BD9-81ED-4DB2-BD59-A6C34878D82A}">
+                    <a16:rowId xmlns:a16="http://schemas.microsoft.com/office/drawing/2014/main" val="629570065"/>
+                  </a:ext>
+                </a:extLst>
+              </a:tr>
+            </a:tbl>
+          </a:graphicData>
+        </a:graphic>
+      </p:graphicFrame>
+      <p:sp>
+        <p:nvSpPr>
+          <p:cNvPr id="34" name="오른쪽 화살표[R] 33">
+            <a:extLst>
+              <a:ext uri="{FF2B5EF4-FFF2-40B4-BE49-F238E27FC236}">
+                <a16:creationId xmlns:a16="http://schemas.microsoft.com/office/drawing/2014/main" id="{0E11796F-86B9-2544-B3AD-EB182AA259F8}"/>
+              </a:ext>
+            </a:extLst>
+          </p:cNvPr>
+          <p:cNvSpPr/>
+          <p:nvPr/>
+        </p:nvSpPr>
+        <p:spPr>
+          <a:xfrm>
+            <a:off x="8876729" y="3986145"/>
+            <a:ext cx="1678064" cy="585671"/>
+          </a:xfrm>
+          <a:prstGeom prst="rightArrow">
+            <a:avLst/>
+          </a:prstGeom>
+          <a:solidFill>
+            <a:schemeClr val="tx1">
+              <a:lumMod val="65000"/>
+              <a:lumOff val="35000"/>
+            </a:schemeClr>
+          </a:solidFill>
+          <a:ln>
+            <a:noFill/>
+          </a:ln>
+        </p:spPr>
+        <p:style>
+          <a:lnRef idx="2">
+            <a:schemeClr val="accent1">
+              <a:shade val="50000"/>
+            </a:schemeClr>
+          </a:lnRef>
+          <a:fillRef idx="1">
+            <a:schemeClr val="accent1"/>
+          </a:fillRef>
+          <a:effectRef idx="0">
+            <a:schemeClr val="accent1"/>
+          </a:effectRef>
+          <a:fontRef idx="minor">
+            <a:schemeClr val="lt1"/>
+          </a:fontRef>
+        </p:style>
+        <p:txBody>
+          <a:bodyPr rtlCol="0" anchor="ctr"/>
+          <a:lstStyle/>
+          <a:p>
+            <a:pPr algn="ctr"/>
+            <a:endParaRPr kumimoji="1" lang="ko-KR" altLang="en-US" dirty="0"/>
+          </a:p>
+        </p:txBody>
+      </p:sp>
+      <p:sp>
+        <p:nvSpPr>
+          <p:cNvPr id="35" name="오른쪽 화살표[R] 34">
+            <a:extLst>
+              <a:ext uri="{FF2B5EF4-FFF2-40B4-BE49-F238E27FC236}">
+                <a16:creationId xmlns:a16="http://schemas.microsoft.com/office/drawing/2014/main" id="{3F469B82-30FB-E745-8D65-41F034E89719}"/>
+              </a:ext>
+            </a:extLst>
+          </p:cNvPr>
+          <p:cNvSpPr/>
+          <p:nvPr/>
+        </p:nvSpPr>
+        <p:spPr>
+          <a:xfrm>
+            <a:off x="8876729" y="5703911"/>
+            <a:ext cx="1678064" cy="585671"/>
+          </a:xfrm>
+          <a:prstGeom prst="rightArrow">
+            <a:avLst/>
+          </a:prstGeom>
+          <a:solidFill>
+            <a:schemeClr val="tx1">
+              <a:lumMod val="65000"/>
+              <a:lumOff val="35000"/>
+            </a:schemeClr>
+          </a:solidFill>
+          <a:ln>
+            <a:noFill/>
+          </a:ln>
+        </p:spPr>
+        <p:style>
+          <a:lnRef idx="2">
+            <a:schemeClr val="accent1">
+              <a:shade val="50000"/>
+            </a:schemeClr>
+          </a:lnRef>
+          <a:fillRef idx="1">
+            <a:schemeClr val="accent1"/>
+          </a:fillRef>
+          <a:effectRef idx="0">
+            <a:schemeClr val="accent1"/>
+          </a:effectRef>
+          <a:fontRef idx="minor">
+            <a:schemeClr val="lt1"/>
+          </a:fontRef>
+        </p:style>
+        <p:txBody>
+          <a:bodyPr rtlCol="0" anchor="ctr"/>
+          <a:lstStyle/>
+          <a:p>
+            <a:pPr algn="ctr"/>
+            <a:endParaRPr kumimoji="1" lang="ko-KR" altLang="en-US" dirty="0"/>
+          </a:p>
+        </p:txBody>
+      </p:sp>
+      <p:sp>
+        <p:nvSpPr>
+          <p:cNvPr id="12" name="TextBox 11">
+            <a:extLst>
+              <a:ext uri="{FF2B5EF4-FFF2-40B4-BE49-F238E27FC236}">
+                <a16:creationId xmlns:a16="http://schemas.microsoft.com/office/drawing/2014/main" id="{8995FCA9-7F03-DD42-B145-5E9779DE8178}"/>
+              </a:ext>
+            </a:extLst>
+          </p:cNvPr>
+          <p:cNvSpPr txBox="1"/>
+          <p:nvPr/>
+        </p:nvSpPr>
+        <p:spPr>
+          <a:xfrm>
+            <a:off x="5577413" y="43545"/>
+            <a:ext cx="1144865" cy="307777"/>
+          </a:xfrm>
+          <a:prstGeom prst="rect">
+            <a:avLst/>
+          </a:prstGeom>
+          <a:noFill/>
+        </p:spPr>
+        <p:txBody>
+          <a:bodyPr wrap="none" rtlCol="0">
+            <a:spAutoFit/>
+          </a:bodyPr>
+          <a:lstStyle/>
+          <a:p>
+            <a:r>
+              <a:rPr kumimoji="1" lang="ko-KR" altLang="en-US" sz="1400" b="1" dirty="0"/>
+              <a:t>참조 테이블</a:t>
+            </a:r>
+          </a:p>
+        </p:txBody>
+      </p:sp>
+    </p:spTree>
+    <p:extLst>
+      <p:ext uri="{BB962C8B-B14F-4D97-AF65-F5344CB8AC3E}">
+        <p14:creationId xmlns:p14="http://schemas.microsoft.com/office/powerpoint/2010/main" val="413562798"/>
+      </p:ext>
+    </p:extLst>
+  </p:cSld>
+  <p:clrMapOvr>
+    <a:masterClrMapping/>
+  </p:clrMapOvr>
+</p:sld>
+</file>
+
+<file path=ppt/slides/slide12.xml><?xml version="1.0" encoding="utf-8"?>
 <p:sld xmlns:a="http://schemas.openxmlformats.org/drawingml/2006/main" xmlns:r="http://schemas.openxmlformats.org/officeDocument/2006/relationships" xmlns:p="http://schemas.openxmlformats.org/presentationml/2006/main" show="0">
   <p:cSld>
     <p:spTree>
@@ -6136,7 +8161,7 @@
 </p:sld>
 </file>
 
-<file path=ppt/slides/slide12.xml><?xml version="1.0" encoding="utf-8"?>
+<file path=ppt/slides/slide13.xml><?xml version="1.0" encoding="utf-8"?>
 <p:sld xmlns:a="http://schemas.openxmlformats.org/drawingml/2006/main" xmlns:r="http://schemas.openxmlformats.org/officeDocument/2006/relationships" xmlns:p="http://schemas.openxmlformats.org/presentationml/2006/main" show="0">
   <p:cSld>
     <p:spTree>
@@ -6881,7 +8906,7 @@
 </p:sld>
 </file>
 
-<file path=ppt/slides/slide13.xml><?xml version="1.0" encoding="utf-8"?>
+<file path=ppt/slides/slide14.xml><?xml version="1.0" encoding="utf-8"?>
 <p:sld xmlns:a="http://schemas.openxmlformats.org/drawingml/2006/main" xmlns:r="http://schemas.openxmlformats.org/officeDocument/2006/relationships" xmlns:p="http://schemas.openxmlformats.org/presentationml/2006/main" show="0">
   <p:cSld>
     <p:spTree>

--- a/static/assets/img/posts/etc/http-version.pptx
+++ b/static/assets/img/posts/etc/http-version.pptx
@@ -5,7 +5,7 @@
     <p:sldMasterId id="2147483648" r:id="rId1"/>
   </p:sldMasterIdLst>
   <p:notesMasterIdLst>
-    <p:notesMasterId r:id="rId16"/>
+    <p:notesMasterId r:id="rId18"/>
   </p:notesMasterIdLst>
   <p:sldIdLst>
     <p:sldId id="256" r:id="rId2"/>
@@ -19,9 +19,11 @@
     <p:sldId id="267" r:id="rId10"/>
     <p:sldId id="269" r:id="rId11"/>
     <p:sldId id="270" r:id="rId12"/>
-    <p:sldId id="260" r:id="rId13"/>
-    <p:sldId id="261" r:id="rId14"/>
-    <p:sldId id="262" r:id="rId15"/>
+    <p:sldId id="272" r:id="rId13"/>
+    <p:sldId id="273" r:id="rId14"/>
+    <p:sldId id="260" r:id="rId15"/>
+    <p:sldId id="261" r:id="rId16"/>
+    <p:sldId id="262" r:id="rId17"/>
   </p:sldIdLst>
   <p:sldSz cx="12192000" cy="6858000"/>
   <p:notesSz cx="6858000" cy="9144000"/>
@@ -221,7 +223,7 @@
           <a:p>
             <a:fld id="{4E790157-85E3-D64D-BB31-E2A6B705DD4B}" type="datetimeFigureOut">
               <a:rPr kumimoji="1" lang="ko-KR" altLang="en-US" smtClean="0"/>
-              <a:t>2022. 3. 13.</a:t>
+              <a:t>2022. 3. 14.</a:t>
             </a:fld>
             <a:endParaRPr kumimoji="1" lang="ko-KR" altLang="en-US"/>
           </a:p>
@@ -862,7 +864,7 @@
           <a:p>
             <a:fld id="{187B024A-58F9-A941-8036-04AB132CF501}" type="datetimeFigureOut">
               <a:rPr kumimoji="1" lang="ko-KR" altLang="en-US" smtClean="0"/>
-              <a:t>2022. 3. 13.</a:t>
+              <a:t>2022. 3. 14.</a:t>
             </a:fld>
             <a:endParaRPr kumimoji="1" lang="ko-KR" altLang="en-US"/>
           </a:p>
@@ -1035,7 +1037,7 @@
           <a:p>
             <a:fld id="{187B024A-58F9-A941-8036-04AB132CF501}" type="datetimeFigureOut">
               <a:rPr kumimoji="1" lang="ko-KR" altLang="en-US" smtClean="0"/>
-              <a:t>2022. 3. 13.</a:t>
+              <a:t>2022. 3. 14.</a:t>
             </a:fld>
             <a:endParaRPr kumimoji="1" lang="ko-KR" altLang="en-US"/>
           </a:p>
@@ -1218,7 +1220,7 @@
           <a:p>
             <a:fld id="{187B024A-58F9-A941-8036-04AB132CF501}" type="datetimeFigureOut">
               <a:rPr kumimoji="1" lang="ko-KR" altLang="en-US" smtClean="0"/>
-              <a:t>2022. 3. 13.</a:t>
+              <a:t>2022. 3. 14.</a:t>
             </a:fld>
             <a:endParaRPr kumimoji="1" lang="ko-KR" altLang="en-US"/>
           </a:p>
@@ -1391,7 +1393,7 @@
           <a:p>
             <a:fld id="{187B024A-58F9-A941-8036-04AB132CF501}" type="datetimeFigureOut">
               <a:rPr kumimoji="1" lang="ko-KR" altLang="en-US" smtClean="0"/>
-              <a:t>2022. 3. 13.</a:t>
+              <a:t>2022. 3. 14.</a:t>
             </a:fld>
             <a:endParaRPr kumimoji="1" lang="ko-KR" altLang="en-US"/>
           </a:p>
@@ -1669,7 +1671,7 @@
           <a:p>
             <a:fld id="{187B024A-58F9-A941-8036-04AB132CF501}" type="datetimeFigureOut">
               <a:rPr kumimoji="1" lang="ko-KR" altLang="en-US" smtClean="0"/>
-              <a:t>2022. 3. 13.</a:t>
+              <a:t>2022. 3. 14.</a:t>
             </a:fld>
             <a:endParaRPr kumimoji="1" lang="ko-KR" altLang="en-US"/>
           </a:p>
@@ -1884,7 +1886,7 @@
           <a:p>
             <a:fld id="{187B024A-58F9-A941-8036-04AB132CF501}" type="datetimeFigureOut">
               <a:rPr kumimoji="1" lang="ko-KR" altLang="en-US" smtClean="0"/>
-              <a:t>2022. 3. 13.</a:t>
+              <a:t>2022. 3. 14.</a:t>
             </a:fld>
             <a:endParaRPr kumimoji="1" lang="ko-KR" altLang="en-US"/>
           </a:p>
@@ -2252,7 +2254,7 @@
           <a:p>
             <a:fld id="{187B024A-58F9-A941-8036-04AB132CF501}" type="datetimeFigureOut">
               <a:rPr kumimoji="1" lang="ko-KR" altLang="en-US" smtClean="0"/>
-              <a:t>2022. 3. 13.</a:t>
+              <a:t>2022. 3. 14.</a:t>
             </a:fld>
             <a:endParaRPr kumimoji="1" lang="ko-KR" altLang="en-US"/>
           </a:p>
@@ -2393,7 +2395,7 @@
           <a:p>
             <a:fld id="{187B024A-58F9-A941-8036-04AB132CF501}" type="datetimeFigureOut">
               <a:rPr kumimoji="1" lang="ko-KR" altLang="en-US" smtClean="0"/>
-              <a:t>2022. 3. 13.</a:t>
+              <a:t>2022. 3. 14.</a:t>
             </a:fld>
             <a:endParaRPr kumimoji="1" lang="ko-KR" altLang="en-US"/>
           </a:p>
@@ -2506,7 +2508,7 @@
           <a:p>
             <a:fld id="{187B024A-58F9-A941-8036-04AB132CF501}" type="datetimeFigureOut">
               <a:rPr kumimoji="1" lang="ko-KR" altLang="en-US" smtClean="0"/>
-              <a:t>2022. 3. 13.</a:t>
+              <a:t>2022. 3. 14.</a:t>
             </a:fld>
             <a:endParaRPr kumimoji="1" lang="ko-KR" altLang="en-US"/>
           </a:p>
@@ -2795,7 +2797,7 @@
           <a:p>
             <a:fld id="{187B024A-58F9-A941-8036-04AB132CF501}" type="datetimeFigureOut">
               <a:rPr kumimoji="1" lang="ko-KR" altLang="en-US" smtClean="0"/>
-              <a:t>2022. 3. 13.</a:t>
+              <a:t>2022. 3. 14.</a:t>
             </a:fld>
             <a:endParaRPr kumimoji="1" lang="ko-KR" altLang="en-US"/>
           </a:p>
@@ -3086,7 +3088,7 @@
           <a:p>
             <a:fld id="{187B024A-58F9-A941-8036-04AB132CF501}" type="datetimeFigureOut">
               <a:rPr kumimoji="1" lang="ko-KR" altLang="en-US" smtClean="0"/>
-              <a:t>2022. 3. 13.</a:t>
+              <a:t>2022. 3. 14.</a:t>
             </a:fld>
             <a:endParaRPr kumimoji="1" lang="ko-KR" altLang="en-US"/>
           </a:p>
@@ -3302,7 +3304,7 @@
           <a:p>
             <a:fld id="{187B024A-58F9-A941-8036-04AB132CF501}" type="datetimeFigureOut">
               <a:rPr kumimoji="1" lang="ko-KR" altLang="en-US" smtClean="0"/>
-              <a:t>2022. 3. 13.</a:t>
+              <a:t>2022. 3. 14.</a:t>
             </a:fld>
             <a:endParaRPr kumimoji="1" lang="ko-KR" altLang="en-US"/>
           </a:p>
@@ -7237,6 +7239,1460 @@
 </file>
 
 <file path=ppt/slides/slide12.xml><?xml version="1.0" encoding="utf-8"?>
+<p:sld xmlns:a="http://schemas.openxmlformats.org/drawingml/2006/main" xmlns:r="http://schemas.openxmlformats.org/officeDocument/2006/relationships" xmlns:p="http://schemas.openxmlformats.org/presentationml/2006/main">
+  <p:cSld>
+    <p:spTree>
+      <p:nvGrpSpPr>
+        <p:cNvPr id="1" name=""/>
+        <p:cNvGrpSpPr/>
+        <p:nvPr/>
+      </p:nvGrpSpPr>
+      <p:grpSpPr>
+        <a:xfrm>
+          <a:off x="0" y="0"/>
+          <a:ext cx="0" cy="0"/>
+          <a:chOff x="0" y="0"/>
+          <a:chExt cx="0" cy="0"/>
+        </a:xfrm>
+      </p:grpSpPr>
+      <p:grpSp>
+        <p:nvGrpSpPr>
+          <p:cNvPr id="2" name="그룹 1">
+            <a:extLst>
+              <a:ext uri="{FF2B5EF4-FFF2-40B4-BE49-F238E27FC236}">
+                <a16:creationId xmlns:a16="http://schemas.microsoft.com/office/drawing/2014/main" id="{A82BD2C0-8B69-A240-8015-B1AC5AA6EA46}"/>
+              </a:ext>
+            </a:extLst>
+          </p:cNvPr>
+          <p:cNvGrpSpPr/>
+          <p:nvPr/>
+        </p:nvGrpSpPr>
+        <p:grpSpPr>
+          <a:xfrm>
+            <a:off x="2216745" y="471946"/>
+            <a:ext cx="3699961" cy="6148310"/>
+            <a:chOff x="2216745" y="471946"/>
+            <a:chExt cx="3699961" cy="6148310"/>
+          </a:xfrm>
+        </p:grpSpPr>
+        <p:sp>
+          <p:nvSpPr>
+            <p:cNvPr id="10" name="TextBox 9">
+              <a:extLst>
+                <a:ext uri="{FF2B5EF4-FFF2-40B4-BE49-F238E27FC236}">
+                  <a16:creationId xmlns:a16="http://schemas.microsoft.com/office/drawing/2014/main" id="{5602CD05-5512-EA45-A893-CFB3DFC26675}"/>
+                </a:ext>
+              </a:extLst>
+            </p:cNvPr>
+            <p:cNvSpPr txBox="1"/>
+            <p:nvPr/>
+          </p:nvSpPr>
+          <p:spPr>
+            <a:xfrm rot="430499">
+              <a:off x="2729572" y="1164485"/>
+              <a:ext cx="1865946" cy="338554"/>
+            </a:xfrm>
+            <a:prstGeom prst="rect">
+              <a:avLst/>
+            </a:prstGeom>
+            <a:noFill/>
+          </p:spPr>
+          <p:txBody>
+            <a:bodyPr wrap="square" rtlCol="0">
+              <a:spAutoFit/>
+            </a:bodyPr>
+            <a:lstStyle/>
+            <a:p>
+              <a:pPr algn="ctr"/>
+              <a:r>
+                <a:rPr kumimoji="1" lang="en-US" altLang="ko-KR" sz="1600" dirty="0"/>
+                <a:t>HTML </a:t>
+              </a:r>
+              <a:r>
+                <a:rPr kumimoji="1" lang="ko-KR" altLang="en-US" sz="1600" dirty="0"/>
+                <a:t>요청</a:t>
+              </a:r>
+            </a:p>
+          </p:txBody>
+        </p:sp>
+        <p:cxnSp>
+          <p:nvCxnSpPr>
+            <p:cNvPr id="5" name="직선 연결선[R] 4">
+              <a:extLst>
+                <a:ext uri="{FF2B5EF4-FFF2-40B4-BE49-F238E27FC236}">
+                  <a16:creationId xmlns:a16="http://schemas.microsoft.com/office/drawing/2014/main" id="{C7B8184F-9E09-4A44-B928-5443C553A934}"/>
+                </a:ext>
+              </a:extLst>
+            </p:cNvPr>
+            <p:cNvCxnSpPr/>
+            <p:nvPr/>
+          </p:nvCxnSpPr>
+          <p:spPr>
+            <a:xfrm>
+              <a:off x="2706624" y="933611"/>
+              <a:ext cx="0" cy="5686645"/>
+            </a:xfrm>
+            <a:prstGeom prst="line">
+              <a:avLst/>
+            </a:prstGeom>
+            <a:ln w="50800">
+              <a:solidFill>
+                <a:schemeClr val="tx1"/>
+              </a:solidFill>
+            </a:ln>
+          </p:spPr>
+          <p:style>
+            <a:lnRef idx="1">
+              <a:schemeClr val="accent1"/>
+            </a:lnRef>
+            <a:fillRef idx="0">
+              <a:schemeClr val="accent1"/>
+            </a:fillRef>
+            <a:effectRef idx="0">
+              <a:schemeClr val="accent1"/>
+            </a:effectRef>
+            <a:fontRef idx="minor">
+              <a:schemeClr val="tx1"/>
+            </a:fontRef>
+          </p:style>
+        </p:cxnSp>
+        <p:sp>
+          <p:nvSpPr>
+            <p:cNvPr id="6" name="TextBox 5">
+              <a:extLst>
+                <a:ext uri="{FF2B5EF4-FFF2-40B4-BE49-F238E27FC236}">
+                  <a16:creationId xmlns:a16="http://schemas.microsoft.com/office/drawing/2014/main" id="{DAA0D060-6BBE-C143-9C6D-D1CC3A0981DD}"/>
+                </a:ext>
+              </a:extLst>
+            </p:cNvPr>
+            <p:cNvSpPr txBox="1"/>
+            <p:nvPr/>
+          </p:nvSpPr>
+          <p:spPr>
+            <a:xfrm>
+              <a:off x="2216745" y="471946"/>
+              <a:ext cx="979755" cy="461665"/>
+            </a:xfrm>
+            <a:prstGeom prst="rect">
+              <a:avLst/>
+            </a:prstGeom>
+            <a:noFill/>
+          </p:spPr>
+          <p:txBody>
+            <a:bodyPr wrap="none" rtlCol="0">
+              <a:spAutoFit/>
+            </a:bodyPr>
+            <a:lstStyle/>
+            <a:p>
+              <a:r>
+                <a:rPr kumimoji="1" lang="en-US" altLang="ko-KR" sz="2400" dirty="0"/>
+                <a:t>Client</a:t>
+              </a:r>
+              <a:endParaRPr kumimoji="1" lang="ko-KR" altLang="en-US" sz="2400" dirty="0"/>
+            </a:p>
+          </p:txBody>
+        </p:sp>
+        <p:cxnSp>
+          <p:nvCxnSpPr>
+            <p:cNvPr id="7" name="직선 연결선[R] 6">
+              <a:extLst>
+                <a:ext uri="{FF2B5EF4-FFF2-40B4-BE49-F238E27FC236}">
+                  <a16:creationId xmlns:a16="http://schemas.microsoft.com/office/drawing/2014/main" id="{E5564040-B92A-D84C-A0B5-40A0418BE269}"/>
+                </a:ext>
+              </a:extLst>
+            </p:cNvPr>
+            <p:cNvCxnSpPr/>
+            <p:nvPr/>
+          </p:nvCxnSpPr>
+          <p:spPr>
+            <a:xfrm>
+              <a:off x="4620097" y="933611"/>
+              <a:ext cx="0" cy="5686645"/>
+            </a:xfrm>
+            <a:prstGeom prst="line">
+              <a:avLst/>
+            </a:prstGeom>
+            <a:ln w="50800">
+              <a:solidFill>
+                <a:schemeClr val="tx1"/>
+              </a:solidFill>
+            </a:ln>
+          </p:spPr>
+          <p:style>
+            <a:lnRef idx="1">
+              <a:schemeClr val="accent1"/>
+            </a:lnRef>
+            <a:fillRef idx="0">
+              <a:schemeClr val="accent1"/>
+            </a:fillRef>
+            <a:effectRef idx="0">
+              <a:schemeClr val="accent1"/>
+            </a:effectRef>
+            <a:fontRef idx="minor">
+              <a:schemeClr val="tx1"/>
+            </a:fontRef>
+          </p:style>
+        </p:cxnSp>
+        <p:sp>
+          <p:nvSpPr>
+            <p:cNvPr id="8" name="TextBox 7">
+              <a:extLst>
+                <a:ext uri="{FF2B5EF4-FFF2-40B4-BE49-F238E27FC236}">
+                  <a16:creationId xmlns:a16="http://schemas.microsoft.com/office/drawing/2014/main" id="{A2A7CC31-3BDB-F740-926F-DD00009E5AA5}"/>
+                </a:ext>
+              </a:extLst>
+            </p:cNvPr>
+            <p:cNvSpPr txBox="1"/>
+            <p:nvPr/>
+          </p:nvSpPr>
+          <p:spPr>
+            <a:xfrm>
+              <a:off x="4089213" y="471946"/>
+              <a:ext cx="1061766" cy="461665"/>
+            </a:xfrm>
+            <a:prstGeom prst="rect">
+              <a:avLst/>
+            </a:prstGeom>
+            <a:noFill/>
+          </p:spPr>
+          <p:txBody>
+            <a:bodyPr wrap="none" rtlCol="0">
+              <a:spAutoFit/>
+            </a:bodyPr>
+            <a:lstStyle/>
+            <a:p>
+              <a:r>
+                <a:rPr kumimoji="1" lang="en-US" altLang="ko-KR" sz="2400" dirty="0"/>
+                <a:t>Server</a:t>
+              </a:r>
+              <a:endParaRPr kumimoji="1" lang="ko-KR" altLang="en-US" sz="2400" dirty="0"/>
+            </a:p>
+          </p:txBody>
+        </p:sp>
+        <p:sp>
+          <p:nvSpPr>
+            <p:cNvPr id="39" name="직사각형 38">
+              <a:extLst>
+                <a:ext uri="{FF2B5EF4-FFF2-40B4-BE49-F238E27FC236}">
+                  <a16:creationId xmlns:a16="http://schemas.microsoft.com/office/drawing/2014/main" id="{6E0F2D4F-84E7-574E-A3E8-A2C8F1A20E01}"/>
+                </a:ext>
+              </a:extLst>
+            </p:cNvPr>
+            <p:cNvSpPr/>
+            <p:nvPr/>
+          </p:nvSpPr>
+          <p:spPr>
+            <a:xfrm>
+              <a:off x="4653729" y="1653584"/>
+              <a:ext cx="1262977" cy="1745757"/>
+            </a:xfrm>
+            <a:prstGeom prst="rect">
+              <a:avLst/>
+            </a:prstGeom>
+            <a:solidFill>
+              <a:schemeClr val="accent4">
+                <a:lumMod val="20000"/>
+                <a:lumOff val="80000"/>
+              </a:schemeClr>
+            </a:solidFill>
+            <a:ln>
+              <a:noFill/>
+            </a:ln>
+          </p:spPr>
+          <p:style>
+            <a:lnRef idx="2">
+              <a:schemeClr val="accent1">
+                <a:shade val="50000"/>
+              </a:schemeClr>
+            </a:lnRef>
+            <a:fillRef idx="1">
+              <a:schemeClr val="accent1"/>
+            </a:fillRef>
+            <a:effectRef idx="0">
+              <a:schemeClr val="accent1"/>
+            </a:effectRef>
+            <a:fontRef idx="minor">
+              <a:schemeClr val="lt1"/>
+            </a:fontRef>
+          </p:style>
+          <p:txBody>
+            <a:bodyPr rtlCol="0" anchor="ctr"/>
+            <a:lstStyle/>
+            <a:p>
+              <a:pPr algn="ctr"/>
+              <a:r>
+                <a:rPr kumimoji="1" lang="ko-KR" altLang="en-US" dirty="0">
+                  <a:solidFill>
+                    <a:sysClr val="windowText" lastClr="000000"/>
+                  </a:solidFill>
+                </a:rPr>
+                <a:t>요청 처리</a:t>
+              </a:r>
+            </a:p>
+          </p:txBody>
+        </p:sp>
+        <p:cxnSp>
+          <p:nvCxnSpPr>
+            <p:cNvPr id="21" name="직선 화살표 연결선 20">
+              <a:extLst>
+                <a:ext uri="{FF2B5EF4-FFF2-40B4-BE49-F238E27FC236}">
+                  <a16:creationId xmlns:a16="http://schemas.microsoft.com/office/drawing/2014/main" id="{87100696-8372-214D-9EA6-20E2A1C5D67A}"/>
+                </a:ext>
+              </a:extLst>
+            </p:cNvPr>
+            <p:cNvCxnSpPr>
+              <a:cxnSpLocks/>
+            </p:cNvCxnSpPr>
+            <p:nvPr/>
+          </p:nvCxnSpPr>
+          <p:spPr>
+            <a:xfrm>
+              <a:off x="2719741" y="1412173"/>
+              <a:ext cx="1887239" cy="241412"/>
+            </a:xfrm>
+            <a:prstGeom prst="straightConnector1">
+              <a:avLst/>
+            </a:prstGeom>
+            <a:ln w="50800">
+              <a:solidFill>
+                <a:schemeClr val="tx1"/>
+              </a:solidFill>
+              <a:tailEnd type="triangle"/>
+            </a:ln>
+          </p:spPr>
+          <p:style>
+            <a:lnRef idx="1">
+              <a:schemeClr val="accent1"/>
+            </a:lnRef>
+            <a:fillRef idx="0">
+              <a:schemeClr val="accent1"/>
+            </a:fillRef>
+            <a:effectRef idx="0">
+              <a:schemeClr val="accent1"/>
+            </a:effectRef>
+            <a:fontRef idx="minor">
+              <a:schemeClr val="tx1"/>
+            </a:fontRef>
+          </p:style>
+        </p:cxnSp>
+        <p:cxnSp>
+          <p:nvCxnSpPr>
+            <p:cNvPr id="42" name="직선 화살표 연결선 41">
+              <a:extLst>
+                <a:ext uri="{FF2B5EF4-FFF2-40B4-BE49-F238E27FC236}">
+                  <a16:creationId xmlns:a16="http://schemas.microsoft.com/office/drawing/2014/main" id="{A1043DAE-4102-9342-B405-C576A2C030CE}"/>
+                </a:ext>
+              </a:extLst>
+            </p:cNvPr>
+            <p:cNvCxnSpPr>
+              <a:cxnSpLocks/>
+            </p:cNvCxnSpPr>
+            <p:nvPr/>
+          </p:nvCxnSpPr>
+          <p:spPr>
+            <a:xfrm flipH="1">
+              <a:off x="2729572" y="3399342"/>
+              <a:ext cx="1887239" cy="266649"/>
+            </a:xfrm>
+            <a:prstGeom prst="straightConnector1">
+              <a:avLst/>
+            </a:prstGeom>
+            <a:ln w="50800">
+              <a:solidFill>
+                <a:schemeClr val="tx1"/>
+              </a:solidFill>
+              <a:tailEnd type="triangle"/>
+            </a:ln>
+          </p:spPr>
+          <p:style>
+            <a:lnRef idx="1">
+              <a:schemeClr val="accent1"/>
+            </a:lnRef>
+            <a:fillRef idx="0">
+              <a:schemeClr val="accent1"/>
+            </a:fillRef>
+            <a:effectRef idx="0">
+              <a:schemeClr val="accent1"/>
+            </a:effectRef>
+            <a:fontRef idx="minor">
+              <a:schemeClr val="tx1"/>
+            </a:fontRef>
+          </p:style>
+        </p:cxnSp>
+        <p:sp>
+          <p:nvSpPr>
+            <p:cNvPr id="24" name="TextBox 23">
+              <a:extLst>
+                <a:ext uri="{FF2B5EF4-FFF2-40B4-BE49-F238E27FC236}">
+                  <a16:creationId xmlns:a16="http://schemas.microsoft.com/office/drawing/2014/main" id="{687AD883-CEF3-1B4B-ACB1-B129B3AD9B2C}"/>
+                </a:ext>
+              </a:extLst>
+            </p:cNvPr>
+            <p:cNvSpPr txBox="1"/>
+            <p:nvPr/>
+          </p:nvSpPr>
+          <p:spPr>
+            <a:xfrm rot="21117605">
+              <a:off x="2720608" y="3136725"/>
+              <a:ext cx="1865946" cy="338554"/>
+            </a:xfrm>
+            <a:prstGeom prst="rect">
+              <a:avLst/>
+            </a:prstGeom>
+            <a:noFill/>
+          </p:spPr>
+          <p:txBody>
+            <a:bodyPr wrap="square" rtlCol="0">
+              <a:spAutoFit/>
+            </a:bodyPr>
+            <a:lstStyle/>
+            <a:p>
+              <a:pPr algn="ctr"/>
+              <a:r>
+                <a:rPr kumimoji="1" lang="en-US" altLang="ko-KR" sz="1600" dirty="0"/>
+                <a:t>HTML</a:t>
+              </a:r>
+              <a:endParaRPr kumimoji="1" lang="ko-KR" altLang="en-US" sz="1600" dirty="0"/>
+            </a:p>
+          </p:txBody>
+        </p:sp>
+        <p:cxnSp>
+          <p:nvCxnSpPr>
+            <p:cNvPr id="27" name="직선 화살표 연결선 26">
+              <a:extLst>
+                <a:ext uri="{FF2B5EF4-FFF2-40B4-BE49-F238E27FC236}">
+                  <a16:creationId xmlns:a16="http://schemas.microsoft.com/office/drawing/2014/main" id="{A0D947EB-147F-AA4B-B60C-AE643EFBCF4D}"/>
+                </a:ext>
+              </a:extLst>
+            </p:cNvPr>
+            <p:cNvCxnSpPr>
+              <a:cxnSpLocks/>
+            </p:cNvCxnSpPr>
+            <p:nvPr/>
+          </p:nvCxnSpPr>
+          <p:spPr>
+            <a:xfrm>
+              <a:off x="2717600" y="3979763"/>
+              <a:ext cx="1887239" cy="241412"/>
+            </a:xfrm>
+            <a:prstGeom prst="straightConnector1">
+              <a:avLst/>
+            </a:prstGeom>
+            <a:ln w="50800">
+              <a:solidFill>
+                <a:schemeClr val="tx1"/>
+              </a:solidFill>
+              <a:tailEnd type="triangle"/>
+            </a:ln>
+          </p:spPr>
+          <p:style>
+            <a:lnRef idx="1">
+              <a:schemeClr val="accent1"/>
+            </a:lnRef>
+            <a:fillRef idx="0">
+              <a:schemeClr val="accent1"/>
+            </a:fillRef>
+            <a:effectRef idx="0">
+              <a:schemeClr val="accent1"/>
+            </a:effectRef>
+            <a:fontRef idx="minor">
+              <a:schemeClr val="tx1"/>
+            </a:fontRef>
+          </p:style>
+        </p:cxnSp>
+        <p:cxnSp>
+          <p:nvCxnSpPr>
+            <p:cNvPr id="28" name="직선 화살표 연결선 27">
+              <a:extLst>
+                <a:ext uri="{FF2B5EF4-FFF2-40B4-BE49-F238E27FC236}">
+                  <a16:creationId xmlns:a16="http://schemas.microsoft.com/office/drawing/2014/main" id="{3C022E84-AE8C-1A4B-8689-04CBDCD15A9B}"/>
+                </a:ext>
+              </a:extLst>
+            </p:cNvPr>
+            <p:cNvCxnSpPr>
+              <a:cxnSpLocks/>
+            </p:cNvCxnSpPr>
+            <p:nvPr/>
+          </p:nvCxnSpPr>
+          <p:spPr>
+            <a:xfrm>
+              <a:off x="2717599" y="4332817"/>
+              <a:ext cx="1887239" cy="241412"/>
+            </a:xfrm>
+            <a:prstGeom prst="straightConnector1">
+              <a:avLst/>
+            </a:prstGeom>
+            <a:ln w="50800">
+              <a:solidFill>
+                <a:schemeClr val="tx1"/>
+              </a:solidFill>
+              <a:tailEnd type="triangle"/>
+            </a:ln>
+          </p:spPr>
+          <p:style>
+            <a:lnRef idx="1">
+              <a:schemeClr val="accent1"/>
+            </a:lnRef>
+            <a:fillRef idx="0">
+              <a:schemeClr val="accent1"/>
+            </a:fillRef>
+            <a:effectRef idx="0">
+              <a:schemeClr val="accent1"/>
+            </a:effectRef>
+            <a:fontRef idx="minor">
+              <a:schemeClr val="tx1"/>
+            </a:fontRef>
+          </p:style>
+        </p:cxnSp>
+        <p:sp>
+          <p:nvSpPr>
+            <p:cNvPr id="30" name="TextBox 29">
+              <a:extLst>
+                <a:ext uri="{FF2B5EF4-FFF2-40B4-BE49-F238E27FC236}">
+                  <a16:creationId xmlns:a16="http://schemas.microsoft.com/office/drawing/2014/main" id="{9CF5D82B-92F6-C748-9CB5-BA69C86F6E91}"/>
+                </a:ext>
+              </a:extLst>
+            </p:cNvPr>
+            <p:cNvSpPr txBox="1"/>
+            <p:nvPr/>
+          </p:nvSpPr>
+          <p:spPr>
+            <a:xfrm rot="430499">
+              <a:off x="2722168" y="3722804"/>
+              <a:ext cx="1865946" cy="338554"/>
+            </a:xfrm>
+            <a:prstGeom prst="rect">
+              <a:avLst/>
+            </a:prstGeom>
+            <a:noFill/>
+          </p:spPr>
+          <p:txBody>
+            <a:bodyPr wrap="square" rtlCol="0">
+              <a:spAutoFit/>
+            </a:bodyPr>
+            <a:lstStyle/>
+            <a:p>
+              <a:pPr algn="ctr"/>
+              <a:r>
+                <a:rPr kumimoji="1" lang="ko-KR" altLang="en-US" sz="1600" dirty="0"/>
+                <a:t>개체</a:t>
+              </a:r>
+              <a:r>
+                <a:rPr kumimoji="1" lang="en-US" altLang="ko-KR" sz="1600" dirty="0"/>
+                <a:t> </a:t>
+              </a:r>
+              <a:r>
+                <a:rPr kumimoji="1" lang="ko-KR" altLang="en-US" sz="1600" dirty="0"/>
+                <a:t>요청</a:t>
+              </a:r>
+            </a:p>
+          </p:txBody>
+        </p:sp>
+        <p:cxnSp>
+          <p:nvCxnSpPr>
+            <p:cNvPr id="31" name="직선 화살표 연결선 30">
+              <a:extLst>
+                <a:ext uri="{FF2B5EF4-FFF2-40B4-BE49-F238E27FC236}">
+                  <a16:creationId xmlns:a16="http://schemas.microsoft.com/office/drawing/2014/main" id="{52A7561E-4D92-8747-9140-2A2315B90250}"/>
+                </a:ext>
+              </a:extLst>
+            </p:cNvPr>
+            <p:cNvCxnSpPr>
+              <a:cxnSpLocks/>
+            </p:cNvCxnSpPr>
+            <p:nvPr/>
+          </p:nvCxnSpPr>
+          <p:spPr>
+            <a:xfrm>
+              <a:off x="2729572" y="4685871"/>
+              <a:ext cx="1887239" cy="241412"/>
+            </a:xfrm>
+            <a:prstGeom prst="straightConnector1">
+              <a:avLst/>
+            </a:prstGeom>
+            <a:ln w="50800">
+              <a:solidFill>
+                <a:schemeClr val="tx1"/>
+              </a:solidFill>
+              <a:tailEnd type="triangle"/>
+            </a:ln>
+          </p:spPr>
+          <p:style>
+            <a:lnRef idx="1">
+              <a:schemeClr val="accent1"/>
+            </a:lnRef>
+            <a:fillRef idx="0">
+              <a:schemeClr val="accent1"/>
+            </a:fillRef>
+            <a:effectRef idx="0">
+              <a:schemeClr val="accent1"/>
+            </a:effectRef>
+            <a:fontRef idx="minor">
+              <a:schemeClr val="tx1"/>
+            </a:fontRef>
+          </p:style>
+        </p:cxnSp>
+        <p:cxnSp>
+          <p:nvCxnSpPr>
+            <p:cNvPr id="32" name="직선 화살표 연결선 31">
+              <a:extLst>
+                <a:ext uri="{FF2B5EF4-FFF2-40B4-BE49-F238E27FC236}">
+                  <a16:creationId xmlns:a16="http://schemas.microsoft.com/office/drawing/2014/main" id="{9736127C-9442-5243-9E6F-0D4BB0D4BE92}"/>
+                </a:ext>
+              </a:extLst>
+            </p:cNvPr>
+            <p:cNvCxnSpPr>
+              <a:cxnSpLocks/>
+            </p:cNvCxnSpPr>
+            <p:nvPr/>
+          </p:nvCxnSpPr>
+          <p:spPr>
+            <a:xfrm flipH="1">
+              <a:off x="2699227" y="5175865"/>
+              <a:ext cx="1887239" cy="266649"/>
+            </a:xfrm>
+            <a:prstGeom prst="straightConnector1">
+              <a:avLst/>
+            </a:prstGeom>
+            <a:ln w="50800">
+              <a:solidFill>
+                <a:schemeClr val="tx1"/>
+              </a:solidFill>
+              <a:tailEnd type="triangle"/>
+            </a:ln>
+          </p:spPr>
+          <p:style>
+            <a:lnRef idx="1">
+              <a:schemeClr val="accent1"/>
+            </a:lnRef>
+            <a:fillRef idx="0">
+              <a:schemeClr val="accent1"/>
+            </a:fillRef>
+            <a:effectRef idx="0">
+              <a:schemeClr val="accent1"/>
+            </a:effectRef>
+            <a:fontRef idx="minor">
+              <a:schemeClr val="tx1"/>
+            </a:fontRef>
+          </p:style>
+        </p:cxnSp>
+        <p:cxnSp>
+          <p:nvCxnSpPr>
+            <p:cNvPr id="33" name="직선 화살표 연결선 32">
+              <a:extLst>
+                <a:ext uri="{FF2B5EF4-FFF2-40B4-BE49-F238E27FC236}">
+                  <a16:creationId xmlns:a16="http://schemas.microsoft.com/office/drawing/2014/main" id="{4742D5B4-227F-EA46-97B5-657249BB66F6}"/>
+                </a:ext>
+              </a:extLst>
+            </p:cNvPr>
+            <p:cNvCxnSpPr>
+              <a:cxnSpLocks/>
+            </p:cNvCxnSpPr>
+            <p:nvPr/>
+          </p:nvCxnSpPr>
+          <p:spPr>
+            <a:xfrm flipH="1">
+              <a:off x="2709961" y="5505489"/>
+              <a:ext cx="1887239" cy="266649"/>
+            </a:xfrm>
+            <a:prstGeom prst="straightConnector1">
+              <a:avLst/>
+            </a:prstGeom>
+            <a:ln w="50800">
+              <a:solidFill>
+                <a:schemeClr val="tx1"/>
+              </a:solidFill>
+              <a:tailEnd type="triangle"/>
+            </a:ln>
+          </p:spPr>
+          <p:style>
+            <a:lnRef idx="1">
+              <a:schemeClr val="accent1"/>
+            </a:lnRef>
+            <a:fillRef idx="0">
+              <a:schemeClr val="accent1"/>
+            </a:fillRef>
+            <a:effectRef idx="0">
+              <a:schemeClr val="accent1"/>
+            </a:effectRef>
+            <a:fontRef idx="minor">
+              <a:schemeClr val="tx1"/>
+            </a:fontRef>
+          </p:style>
+        </p:cxnSp>
+        <p:cxnSp>
+          <p:nvCxnSpPr>
+            <p:cNvPr id="34" name="직선 화살표 연결선 33">
+              <a:extLst>
+                <a:ext uri="{FF2B5EF4-FFF2-40B4-BE49-F238E27FC236}">
+                  <a16:creationId xmlns:a16="http://schemas.microsoft.com/office/drawing/2014/main" id="{8A9FF657-49EB-D24F-BFAE-36613C5BD31D}"/>
+                </a:ext>
+              </a:extLst>
+            </p:cNvPr>
+            <p:cNvCxnSpPr>
+              <a:cxnSpLocks/>
+            </p:cNvCxnSpPr>
+            <p:nvPr/>
+          </p:nvCxnSpPr>
+          <p:spPr>
+            <a:xfrm flipH="1">
+              <a:off x="2696720" y="5833956"/>
+              <a:ext cx="1887239" cy="266649"/>
+            </a:xfrm>
+            <a:prstGeom prst="straightConnector1">
+              <a:avLst/>
+            </a:prstGeom>
+            <a:ln w="50800">
+              <a:solidFill>
+                <a:schemeClr val="tx1"/>
+              </a:solidFill>
+              <a:tailEnd type="triangle"/>
+            </a:ln>
+          </p:spPr>
+          <p:style>
+            <a:lnRef idx="1">
+              <a:schemeClr val="accent1"/>
+            </a:lnRef>
+            <a:fillRef idx="0">
+              <a:schemeClr val="accent1"/>
+            </a:fillRef>
+            <a:effectRef idx="0">
+              <a:schemeClr val="accent1"/>
+            </a:effectRef>
+            <a:fontRef idx="minor">
+              <a:schemeClr val="tx1"/>
+            </a:fontRef>
+          </p:style>
+        </p:cxnSp>
+        <p:sp>
+          <p:nvSpPr>
+            <p:cNvPr id="35" name="TextBox 34">
+              <a:extLst>
+                <a:ext uri="{FF2B5EF4-FFF2-40B4-BE49-F238E27FC236}">
+                  <a16:creationId xmlns:a16="http://schemas.microsoft.com/office/drawing/2014/main" id="{0C6B9C0F-B131-1145-A24E-4255DFE8FCE4}"/>
+                </a:ext>
+              </a:extLst>
+            </p:cNvPr>
+            <p:cNvSpPr txBox="1"/>
+            <p:nvPr/>
+          </p:nvSpPr>
+          <p:spPr>
+            <a:xfrm rot="21117605">
+              <a:off x="2720608" y="4923227"/>
+              <a:ext cx="1865946" cy="338554"/>
+            </a:xfrm>
+            <a:prstGeom prst="rect">
+              <a:avLst/>
+            </a:prstGeom>
+            <a:noFill/>
+          </p:spPr>
+          <p:txBody>
+            <a:bodyPr wrap="square" rtlCol="0">
+              <a:spAutoFit/>
+            </a:bodyPr>
+            <a:lstStyle/>
+            <a:p>
+              <a:pPr algn="ctr"/>
+              <a:r>
+                <a:rPr kumimoji="1" lang="ko-KR" altLang="en-US" sz="1600" dirty="0"/>
+                <a:t>개체</a:t>
+              </a:r>
+            </a:p>
+          </p:txBody>
+        </p:sp>
+      </p:grpSp>
+    </p:spTree>
+    <p:extLst>
+      <p:ext uri="{BB962C8B-B14F-4D97-AF65-F5344CB8AC3E}">
+        <p14:creationId xmlns:p14="http://schemas.microsoft.com/office/powerpoint/2010/main" val="2367804929"/>
+      </p:ext>
+    </p:extLst>
+  </p:cSld>
+  <p:clrMapOvr>
+    <a:masterClrMapping/>
+  </p:clrMapOvr>
+</p:sld>
+</file>
+
+<file path=ppt/slides/slide13.xml><?xml version="1.0" encoding="utf-8"?>
+<p:sld xmlns:a="http://schemas.openxmlformats.org/drawingml/2006/main" xmlns:r="http://schemas.openxmlformats.org/officeDocument/2006/relationships" xmlns:p="http://schemas.openxmlformats.org/presentationml/2006/main">
+  <p:cSld>
+    <p:spTree>
+      <p:nvGrpSpPr>
+        <p:cNvPr id="1" name=""/>
+        <p:cNvGrpSpPr/>
+        <p:nvPr/>
+      </p:nvGrpSpPr>
+      <p:grpSpPr>
+        <a:xfrm>
+          <a:off x="0" y="0"/>
+          <a:ext cx="0" cy="0"/>
+          <a:chOff x="0" y="0"/>
+          <a:chExt cx="0" cy="0"/>
+        </a:xfrm>
+      </p:grpSpPr>
+      <p:grpSp>
+        <p:nvGrpSpPr>
+          <p:cNvPr id="2" name="그룹 1">
+            <a:extLst>
+              <a:ext uri="{FF2B5EF4-FFF2-40B4-BE49-F238E27FC236}">
+                <a16:creationId xmlns:a16="http://schemas.microsoft.com/office/drawing/2014/main" id="{3FC132DE-30CE-7646-BF53-67C0AEBD9753}"/>
+              </a:ext>
+            </a:extLst>
+          </p:cNvPr>
+          <p:cNvGrpSpPr/>
+          <p:nvPr/>
+        </p:nvGrpSpPr>
+        <p:grpSpPr>
+          <a:xfrm>
+            <a:off x="2216745" y="471946"/>
+            <a:ext cx="3699961" cy="6148310"/>
+            <a:chOff x="2216745" y="471946"/>
+            <a:chExt cx="3699961" cy="6148310"/>
+          </a:xfrm>
+        </p:grpSpPr>
+        <p:sp>
+          <p:nvSpPr>
+            <p:cNvPr id="10" name="TextBox 9">
+              <a:extLst>
+                <a:ext uri="{FF2B5EF4-FFF2-40B4-BE49-F238E27FC236}">
+                  <a16:creationId xmlns:a16="http://schemas.microsoft.com/office/drawing/2014/main" id="{5602CD05-5512-EA45-A893-CFB3DFC26675}"/>
+                </a:ext>
+              </a:extLst>
+            </p:cNvPr>
+            <p:cNvSpPr txBox="1"/>
+            <p:nvPr/>
+          </p:nvSpPr>
+          <p:spPr>
+            <a:xfrm rot="430499">
+              <a:off x="2729572" y="1164485"/>
+              <a:ext cx="1865946" cy="338554"/>
+            </a:xfrm>
+            <a:prstGeom prst="rect">
+              <a:avLst/>
+            </a:prstGeom>
+            <a:noFill/>
+          </p:spPr>
+          <p:txBody>
+            <a:bodyPr wrap="square" rtlCol="0">
+              <a:spAutoFit/>
+            </a:bodyPr>
+            <a:lstStyle/>
+            <a:p>
+              <a:pPr algn="ctr"/>
+              <a:r>
+                <a:rPr kumimoji="1" lang="en-US" altLang="ko-KR" sz="1600" dirty="0"/>
+                <a:t>HTML </a:t>
+              </a:r>
+              <a:r>
+                <a:rPr kumimoji="1" lang="ko-KR" altLang="en-US" sz="1600" dirty="0"/>
+                <a:t>요청</a:t>
+              </a:r>
+            </a:p>
+          </p:txBody>
+        </p:sp>
+        <p:cxnSp>
+          <p:nvCxnSpPr>
+            <p:cNvPr id="5" name="직선 연결선[R] 4">
+              <a:extLst>
+                <a:ext uri="{FF2B5EF4-FFF2-40B4-BE49-F238E27FC236}">
+                  <a16:creationId xmlns:a16="http://schemas.microsoft.com/office/drawing/2014/main" id="{C7B8184F-9E09-4A44-B928-5443C553A934}"/>
+                </a:ext>
+              </a:extLst>
+            </p:cNvPr>
+            <p:cNvCxnSpPr/>
+            <p:nvPr/>
+          </p:nvCxnSpPr>
+          <p:spPr>
+            <a:xfrm>
+              <a:off x="2706624" y="933611"/>
+              <a:ext cx="0" cy="5686645"/>
+            </a:xfrm>
+            <a:prstGeom prst="line">
+              <a:avLst/>
+            </a:prstGeom>
+            <a:ln w="50800">
+              <a:solidFill>
+                <a:schemeClr val="tx1"/>
+              </a:solidFill>
+            </a:ln>
+          </p:spPr>
+          <p:style>
+            <a:lnRef idx="1">
+              <a:schemeClr val="accent1"/>
+            </a:lnRef>
+            <a:fillRef idx="0">
+              <a:schemeClr val="accent1"/>
+            </a:fillRef>
+            <a:effectRef idx="0">
+              <a:schemeClr val="accent1"/>
+            </a:effectRef>
+            <a:fontRef idx="minor">
+              <a:schemeClr val="tx1"/>
+            </a:fontRef>
+          </p:style>
+        </p:cxnSp>
+        <p:sp>
+          <p:nvSpPr>
+            <p:cNvPr id="6" name="TextBox 5">
+              <a:extLst>
+                <a:ext uri="{FF2B5EF4-FFF2-40B4-BE49-F238E27FC236}">
+                  <a16:creationId xmlns:a16="http://schemas.microsoft.com/office/drawing/2014/main" id="{DAA0D060-6BBE-C143-9C6D-D1CC3A0981DD}"/>
+                </a:ext>
+              </a:extLst>
+            </p:cNvPr>
+            <p:cNvSpPr txBox="1"/>
+            <p:nvPr/>
+          </p:nvSpPr>
+          <p:spPr>
+            <a:xfrm>
+              <a:off x="2216745" y="471946"/>
+              <a:ext cx="979755" cy="461665"/>
+            </a:xfrm>
+            <a:prstGeom prst="rect">
+              <a:avLst/>
+            </a:prstGeom>
+            <a:noFill/>
+          </p:spPr>
+          <p:txBody>
+            <a:bodyPr wrap="none" rtlCol="0">
+              <a:spAutoFit/>
+            </a:bodyPr>
+            <a:lstStyle/>
+            <a:p>
+              <a:r>
+                <a:rPr kumimoji="1" lang="en-US" altLang="ko-KR" sz="2400" dirty="0"/>
+                <a:t>Client</a:t>
+              </a:r>
+              <a:endParaRPr kumimoji="1" lang="ko-KR" altLang="en-US" sz="2400" dirty="0"/>
+            </a:p>
+          </p:txBody>
+        </p:sp>
+        <p:cxnSp>
+          <p:nvCxnSpPr>
+            <p:cNvPr id="7" name="직선 연결선[R] 6">
+              <a:extLst>
+                <a:ext uri="{FF2B5EF4-FFF2-40B4-BE49-F238E27FC236}">
+                  <a16:creationId xmlns:a16="http://schemas.microsoft.com/office/drawing/2014/main" id="{E5564040-B92A-D84C-A0B5-40A0418BE269}"/>
+                </a:ext>
+              </a:extLst>
+            </p:cNvPr>
+            <p:cNvCxnSpPr/>
+            <p:nvPr/>
+          </p:nvCxnSpPr>
+          <p:spPr>
+            <a:xfrm>
+              <a:off x="4620097" y="933611"/>
+              <a:ext cx="0" cy="5686645"/>
+            </a:xfrm>
+            <a:prstGeom prst="line">
+              <a:avLst/>
+            </a:prstGeom>
+            <a:ln w="50800">
+              <a:solidFill>
+                <a:schemeClr val="tx1"/>
+              </a:solidFill>
+            </a:ln>
+          </p:spPr>
+          <p:style>
+            <a:lnRef idx="1">
+              <a:schemeClr val="accent1"/>
+            </a:lnRef>
+            <a:fillRef idx="0">
+              <a:schemeClr val="accent1"/>
+            </a:fillRef>
+            <a:effectRef idx="0">
+              <a:schemeClr val="accent1"/>
+            </a:effectRef>
+            <a:fontRef idx="minor">
+              <a:schemeClr val="tx1"/>
+            </a:fontRef>
+          </p:style>
+        </p:cxnSp>
+        <p:sp>
+          <p:nvSpPr>
+            <p:cNvPr id="8" name="TextBox 7">
+              <a:extLst>
+                <a:ext uri="{FF2B5EF4-FFF2-40B4-BE49-F238E27FC236}">
+                  <a16:creationId xmlns:a16="http://schemas.microsoft.com/office/drawing/2014/main" id="{A2A7CC31-3BDB-F740-926F-DD00009E5AA5}"/>
+                </a:ext>
+              </a:extLst>
+            </p:cNvPr>
+            <p:cNvSpPr txBox="1"/>
+            <p:nvPr/>
+          </p:nvSpPr>
+          <p:spPr>
+            <a:xfrm>
+              <a:off x="4089213" y="471946"/>
+              <a:ext cx="1061766" cy="461665"/>
+            </a:xfrm>
+            <a:prstGeom prst="rect">
+              <a:avLst/>
+            </a:prstGeom>
+            <a:noFill/>
+          </p:spPr>
+          <p:txBody>
+            <a:bodyPr wrap="none" rtlCol="0">
+              <a:spAutoFit/>
+            </a:bodyPr>
+            <a:lstStyle/>
+            <a:p>
+              <a:r>
+                <a:rPr kumimoji="1" lang="en-US" altLang="ko-KR" sz="2400" dirty="0"/>
+                <a:t>Server</a:t>
+              </a:r>
+              <a:endParaRPr kumimoji="1" lang="ko-KR" altLang="en-US" sz="2400" dirty="0"/>
+            </a:p>
+          </p:txBody>
+        </p:sp>
+        <p:cxnSp>
+          <p:nvCxnSpPr>
+            <p:cNvPr id="21" name="직선 화살표 연결선 20">
+              <a:extLst>
+                <a:ext uri="{FF2B5EF4-FFF2-40B4-BE49-F238E27FC236}">
+                  <a16:creationId xmlns:a16="http://schemas.microsoft.com/office/drawing/2014/main" id="{87100696-8372-214D-9EA6-20E2A1C5D67A}"/>
+                </a:ext>
+              </a:extLst>
+            </p:cNvPr>
+            <p:cNvCxnSpPr>
+              <a:cxnSpLocks/>
+            </p:cNvCxnSpPr>
+            <p:nvPr/>
+          </p:nvCxnSpPr>
+          <p:spPr>
+            <a:xfrm>
+              <a:off x="2719741" y="1412173"/>
+              <a:ext cx="1887239" cy="241412"/>
+            </a:xfrm>
+            <a:prstGeom prst="straightConnector1">
+              <a:avLst/>
+            </a:prstGeom>
+            <a:ln w="50800">
+              <a:solidFill>
+                <a:schemeClr val="tx1"/>
+              </a:solidFill>
+              <a:tailEnd type="triangle"/>
+            </a:ln>
+          </p:spPr>
+          <p:style>
+            <a:lnRef idx="1">
+              <a:schemeClr val="accent1"/>
+            </a:lnRef>
+            <a:fillRef idx="0">
+              <a:schemeClr val="accent1"/>
+            </a:fillRef>
+            <a:effectRef idx="0">
+              <a:schemeClr val="accent1"/>
+            </a:effectRef>
+            <a:fontRef idx="minor">
+              <a:schemeClr val="tx1"/>
+            </a:fontRef>
+          </p:style>
+        </p:cxnSp>
+        <p:cxnSp>
+          <p:nvCxnSpPr>
+            <p:cNvPr id="42" name="직선 화살표 연결선 41">
+              <a:extLst>
+                <a:ext uri="{FF2B5EF4-FFF2-40B4-BE49-F238E27FC236}">
+                  <a16:creationId xmlns:a16="http://schemas.microsoft.com/office/drawing/2014/main" id="{A1043DAE-4102-9342-B405-C576A2C030CE}"/>
+                </a:ext>
+              </a:extLst>
+            </p:cNvPr>
+            <p:cNvCxnSpPr>
+              <a:cxnSpLocks/>
+            </p:cNvCxnSpPr>
+            <p:nvPr/>
+          </p:nvCxnSpPr>
+          <p:spPr>
+            <a:xfrm flipH="1">
+              <a:off x="2729572" y="3399342"/>
+              <a:ext cx="1887239" cy="266649"/>
+            </a:xfrm>
+            <a:prstGeom prst="straightConnector1">
+              <a:avLst/>
+            </a:prstGeom>
+            <a:ln w="50800">
+              <a:solidFill>
+                <a:schemeClr val="tx1"/>
+              </a:solidFill>
+              <a:tailEnd type="triangle"/>
+            </a:ln>
+          </p:spPr>
+          <p:style>
+            <a:lnRef idx="1">
+              <a:schemeClr val="accent1"/>
+            </a:lnRef>
+            <a:fillRef idx="0">
+              <a:schemeClr val="accent1"/>
+            </a:fillRef>
+            <a:effectRef idx="0">
+              <a:schemeClr val="accent1"/>
+            </a:effectRef>
+            <a:fontRef idx="minor">
+              <a:schemeClr val="tx1"/>
+            </a:fontRef>
+          </p:style>
+        </p:cxnSp>
+        <p:sp>
+          <p:nvSpPr>
+            <p:cNvPr id="24" name="TextBox 23">
+              <a:extLst>
+                <a:ext uri="{FF2B5EF4-FFF2-40B4-BE49-F238E27FC236}">
+                  <a16:creationId xmlns:a16="http://schemas.microsoft.com/office/drawing/2014/main" id="{687AD883-CEF3-1B4B-ACB1-B129B3AD9B2C}"/>
+                </a:ext>
+              </a:extLst>
+            </p:cNvPr>
+            <p:cNvSpPr txBox="1"/>
+            <p:nvPr/>
+          </p:nvSpPr>
+          <p:spPr>
+            <a:xfrm rot="21117605">
+              <a:off x="2720608" y="3136725"/>
+              <a:ext cx="1865946" cy="338554"/>
+            </a:xfrm>
+            <a:prstGeom prst="rect">
+              <a:avLst/>
+            </a:prstGeom>
+            <a:noFill/>
+          </p:spPr>
+          <p:txBody>
+            <a:bodyPr wrap="square" rtlCol="0">
+              <a:spAutoFit/>
+            </a:bodyPr>
+            <a:lstStyle/>
+            <a:p>
+              <a:pPr algn="ctr"/>
+              <a:r>
+                <a:rPr kumimoji="1" lang="en-US" altLang="ko-KR" sz="1600" dirty="0"/>
+                <a:t>HTML</a:t>
+              </a:r>
+              <a:endParaRPr kumimoji="1" lang="ko-KR" altLang="en-US" sz="1600" dirty="0"/>
+            </a:p>
+          </p:txBody>
+        </p:sp>
+        <p:cxnSp>
+          <p:nvCxnSpPr>
+            <p:cNvPr id="32" name="직선 화살표 연결선 31">
+              <a:extLst>
+                <a:ext uri="{FF2B5EF4-FFF2-40B4-BE49-F238E27FC236}">
+                  <a16:creationId xmlns:a16="http://schemas.microsoft.com/office/drawing/2014/main" id="{9736127C-9442-5243-9E6F-0D4BB0D4BE92}"/>
+                </a:ext>
+              </a:extLst>
+            </p:cNvPr>
+            <p:cNvCxnSpPr>
+              <a:cxnSpLocks/>
+            </p:cNvCxnSpPr>
+            <p:nvPr/>
+          </p:nvCxnSpPr>
+          <p:spPr>
+            <a:xfrm flipH="1">
+              <a:off x="2699227" y="1921674"/>
+              <a:ext cx="1887239" cy="266649"/>
+            </a:xfrm>
+            <a:prstGeom prst="straightConnector1">
+              <a:avLst/>
+            </a:prstGeom>
+            <a:ln w="50800">
+              <a:solidFill>
+                <a:schemeClr val="tx1"/>
+              </a:solidFill>
+              <a:tailEnd type="triangle"/>
+            </a:ln>
+          </p:spPr>
+          <p:style>
+            <a:lnRef idx="1">
+              <a:schemeClr val="accent1"/>
+            </a:lnRef>
+            <a:fillRef idx="0">
+              <a:schemeClr val="accent1"/>
+            </a:fillRef>
+            <a:effectRef idx="0">
+              <a:schemeClr val="accent1"/>
+            </a:effectRef>
+            <a:fontRef idx="minor">
+              <a:schemeClr val="tx1"/>
+            </a:fontRef>
+          </p:style>
+        </p:cxnSp>
+        <p:cxnSp>
+          <p:nvCxnSpPr>
+            <p:cNvPr id="33" name="직선 화살표 연결선 32">
+              <a:extLst>
+                <a:ext uri="{FF2B5EF4-FFF2-40B4-BE49-F238E27FC236}">
+                  <a16:creationId xmlns:a16="http://schemas.microsoft.com/office/drawing/2014/main" id="{4742D5B4-227F-EA46-97B5-657249BB66F6}"/>
+                </a:ext>
+              </a:extLst>
+            </p:cNvPr>
+            <p:cNvCxnSpPr>
+              <a:cxnSpLocks/>
+            </p:cNvCxnSpPr>
+            <p:nvPr/>
+          </p:nvCxnSpPr>
+          <p:spPr>
+            <a:xfrm flipH="1">
+              <a:off x="2709961" y="2251298"/>
+              <a:ext cx="1887239" cy="266649"/>
+            </a:xfrm>
+            <a:prstGeom prst="straightConnector1">
+              <a:avLst/>
+            </a:prstGeom>
+            <a:ln w="50800">
+              <a:solidFill>
+                <a:schemeClr val="tx1"/>
+              </a:solidFill>
+              <a:tailEnd type="triangle"/>
+            </a:ln>
+          </p:spPr>
+          <p:style>
+            <a:lnRef idx="1">
+              <a:schemeClr val="accent1"/>
+            </a:lnRef>
+            <a:fillRef idx="0">
+              <a:schemeClr val="accent1"/>
+            </a:fillRef>
+            <a:effectRef idx="0">
+              <a:schemeClr val="accent1"/>
+            </a:effectRef>
+            <a:fontRef idx="minor">
+              <a:schemeClr val="tx1"/>
+            </a:fontRef>
+          </p:style>
+        </p:cxnSp>
+        <p:cxnSp>
+          <p:nvCxnSpPr>
+            <p:cNvPr id="34" name="직선 화살표 연결선 33">
+              <a:extLst>
+                <a:ext uri="{FF2B5EF4-FFF2-40B4-BE49-F238E27FC236}">
+                  <a16:creationId xmlns:a16="http://schemas.microsoft.com/office/drawing/2014/main" id="{8A9FF657-49EB-D24F-BFAE-36613C5BD31D}"/>
+                </a:ext>
+              </a:extLst>
+            </p:cNvPr>
+            <p:cNvCxnSpPr>
+              <a:cxnSpLocks/>
+            </p:cNvCxnSpPr>
+            <p:nvPr/>
+          </p:nvCxnSpPr>
+          <p:spPr>
+            <a:xfrm flipH="1">
+              <a:off x="2696720" y="2579765"/>
+              <a:ext cx="1887239" cy="266649"/>
+            </a:xfrm>
+            <a:prstGeom prst="straightConnector1">
+              <a:avLst/>
+            </a:prstGeom>
+            <a:ln w="50800">
+              <a:solidFill>
+                <a:schemeClr val="tx1"/>
+              </a:solidFill>
+              <a:tailEnd type="triangle"/>
+            </a:ln>
+          </p:spPr>
+          <p:style>
+            <a:lnRef idx="1">
+              <a:schemeClr val="accent1"/>
+            </a:lnRef>
+            <a:fillRef idx="0">
+              <a:schemeClr val="accent1"/>
+            </a:fillRef>
+            <a:effectRef idx="0">
+              <a:schemeClr val="accent1"/>
+            </a:effectRef>
+            <a:fontRef idx="minor">
+              <a:schemeClr val="tx1"/>
+            </a:fontRef>
+          </p:style>
+        </p:cxnSp>
+        <p:sp>
+          <p:nvSpPr>
+            <p:cNvPr id="35" name="TextBox 34">
+              <a:extLst>
+                <a:ext uri="{FF2B5EF4-FFF2-40B4-BE49-F238E27FC236}">
+                  <a16:creationId xmlns:a16="http://schemas.microsoft.com/office/drawing/2014/main" id="{0C6B9C0F-B131-1145-A24E-4255DFE8FCE4}"/>
+                </a:ext>
+              </a:extLst>
+            </p:cNvPr>
+            <p:cNvSpPr txBox="1"/>
+            <p:nvPr/>
+          </p:nvSpPr>
+          <p:spPr>
+            <a:xfrm rot="21117605">
+              <a:off x="2720608" y="1669036"/>
+              <a:ext cx="1865946" cy="338554"/>
+            </a:xfrm>
+            <a:prstGeom prst="rect">
+              <a:avLst/>
+            </a:prstGeom>
+            <a:noFill/>
+          </p:spPr>
+          <p:txBody>
+            <a:bodyPr wrap="square" rtlCol="0">
+              <a:spAutoFit/>
+            </a:bodyPr>
+            <a:lstStyle/>
+            <a:p>
+              <a:pPr algn="ctr"/>
+              <a:r>
+                <a:rPr kumimoji="1" lang="ko-KR" altLang="en-US" sz="1600" dirty="0"/>
+                <a:t>개체 푸시</a:t>
+              </a:r>
+            </a:p>
+          </p:txBody>
+        </p:sp>
+        <p:sp>
+          <p:nvSpPr>
+            <p:cNvPr id="19" name="직사각형 18">
+              <a:extLst>
+                <a:ext uri="{FF2B5EF4-FFF2-40B4-BE49-F238E27FC236}">
+                  <a16:creationId xmlns:a16="http://schemas.microsoft.com/office/drawing/2014/main" id="{9F3C683A-42B9-4147-9C67-6402271B255A}"/>
+                </a:ext>
+              </a:extLst>
+            </p:cNvPr>
+            <p:cNvSpPr/>
+            <p:nvPr/>
+          </p:nvSpPr>
+          <p:spPr>
+            <a:xfrm>
+              <a:off x="4653729" y="1653584"/>
+              <a:ext cx="1262977" cy="1745757"/>
+            </a:xfrm>
+            <a:prstGeom prst="rect">
+              <a:avLst/>
+            </a:prstGeom>
+            <a:solidFill>
+              <a:schemeClr val="accent4">
+                <a:lumMod val="20000"/>
+                <a:lumOff val="80000"/>
+              </a:schemeClr>
+            </a:solidFill>
+            <a:ln>
+              <a:noFill/>
+            </a:ln>
+          </p:spPr>
+          <p:style>
+            <a:lnRef idx="2">
+              <a:schemeClr val="accent1">
+                <a:shade val="50000"/>
+              </a:schemeClr>
+            </a:lnRef>
+            <a:fillRef idx="1">
+              <a:schemeClr val="accent1"/>
+            </a:fillRef>
+            <a:effectRef idx="0">
+              <a:schemeClr val="accent1"/>
+            </a:effectRef>
+            <a:fontRef idx="minor">
+              <a:schemeClr val="lt1"/>
+            </a:fontRef>
+          </p:style>
+          <p:txBody>
+            <a:bodyPr rtlCol="0" anchor="ctr"/>
+            <a:lstStyle/>
+            <a:p>
+              <a:pPr algn="ctr"/>
+              <a:r>
+                <a:rPr kumimoji="1" lang="ko-KR" altLang="en-US" dirty="0">
+                  <a:solidFill>
+                    <a:sysClr val="windowText" lastClr="000000"/>
+                  </a:solidFill>
+                </a:rPr>
+                <a:t>요청 처리</a:t>
+              </a:r>
+            </a:p>
+          </p:txBody>
+        </p:sp>
+        <p:sp>
+          <p:nvSpPr>
+            <p:cNvPr id="22" name="직사각형 21">
+              <a:extLst>
+                <a:ext uri="{FF2B5EF4-FFF2-40B4-BE49-F238E27FC236}">
+                  <a16:creationId xmlns:a16="http://schemas.microsoft.com/office/drawing/2014/main" id="{69A28BDB-B6CB-1F40-B083-63DFBC483088}"/>
+                </a:ext>
+              </a:extLst>
+            </p:cNvPr>
+            <p:cNvSpPr/>
+            <p:nvPr/>
+          </p:nvSpPr>
+          <p:spPr>
+            <a:xfrm>
+              <a:off x="4653729" y="3665991"/>
+              <a:ext cx="1262977" cy="2434614"/>
+            </a:xfrm>
+            <a:prstGeom prst="rect">
+              <a:avLst/>
+            </a:prstGeom>
+            <a:solidFill>
+              <a:schemeClr val="accent6">
+                <a:lumMod val="20000"/>
+                <a:lumOff val="80000"/>
+              </a:schemeClr>
+            </a:solidFill>
+            <a:ln>
+              <a:noFill/>
+            </a:ln>
+          </p:spPr>
+          <p:style>
+            <a:lnRef idx="2">
+              <a:schemeClr val="accent1">
+                <a:shade val="50000"/>
+              </a:schemeClr>
+            </a:lnRef>
+            <a:fillRef idx="1">
+              <a:schemeClr val="accent1"/>
+            </a:fillRef>
+            <a:effectRef idx="0">
+              <a:schemeClr val="accent1"/>
+            </a:effectRef>
+            <a:fontRef idx="minor">
+              <a:schemeClr val="lt1"/>
+            </a:fontRef>
+          </p:style>
+          <p:txBody>
+            <a:bodyPr rtlCol="0" anchor="ctr"/>
+            <a:lstStyle/>
+            <a:p>
+              <a:pPr algn="ctr"/>
+              <a:r>
+                <a:rPr kumimoji="1" lang="ko-KR" altLang="en-US" dirty="0">
+                  <a:solidFill>
+                    <a:sysClr val="windowText" lastClr="000000"/>
+                  </a:solidFill>
+                </a:rPr>
+                <a:t>절약된</a:t>
+              </a:r>
+              <a:endParaRPr kumimoji="1" lang="en-US" altLang="ko-KR" dirty="0">
+                <a:solidFill>
+                  <a:sysClr val="windowText" lastClr="000000"/>
+                </a:solidFill>
+              </a:endParaRPr>
+            </a:p>
+            <a:p>
+              <a:pPr algn="ctr"/>
+              <a:r>
+                <a:rPr kumimoji="1" lang="ko-KR" altLang="en-US" dirty="0">
+                  <a:solidFill>
+                    <a:sysClr val="windowText" lastClr="000000"/>
+                  </a:solidFill>
+                </a:rPr>
+                <a:t>시간</a:t>
+              </a:r>
+            </a:p>
+          </p:txBody>
+        </p:sp>
+      </p:grpSp>
+    </p:spTree>
+    <p:extLst>
+      <p:ext uri="{BB962C8B-B14F-4D97-AF65-F5344CB8AC3E}">
+        <p14:creationId xmlns:p14="http://schemas.microsoft.com/office/powerpoint/2010/main" val="2587477190"/>
+      </p:ext>
+    </p:extLst>
+  </p:cSld>
+  <p:clrMapOvr>
+    <a:masterClrMapping/>
+  </p:clrMapOvr>
+</p:sld>
+</file>
+
+<file path=ppt/slides/slide14.xml><?xml version="1.0" encoding="utf-8"?>
 <p:sld xmlns:a="http://schemas.openxmlformats.org/drawingml/2006/main" xmlns:r="http://schemas.openxmlformats.org/officeDocument/2006/relationships" xmlns:p="http://schemas.openxmlformats.org/presentationml/2006/main" show="0">
   <p:cSld>
     <p:spTree>
@@ -8161,7 +9617,7 @@
 </p:sld>
 </file>
 
-<file path=ppt/slides/slide13.xml><?xml version="1.0" encoding="utf-8"?>
+<file path=ppt/slides/slide15.xml><?xml version="1.0" encoding="utf-8"?>
 <p:sld xmlns:a="http://schemas.openxmlformats.org/drawingml/2006/main" xmlns:r="http://schemas.openxmlformats.org/officeDocument/2006/relationships" xmlns:p="http://schemas.openxmlformats.org/presentationml/2006/main" show="0">
   <p:cSld>
     <p:spTree>
@@ -8906,7 +10362,7 @@
 </p:sld>
 </file>
 
-<file path=ppt/slides/slide14.xml><?xml version="1.0" encoding="utf-8"?>
+<file path=ppt/slides/slide16.xml><?xml version="1.0" encoding="utf-8"?>
 <p:sld xmlns:a="http://schemas.openxmlformats.org/drawingml/2006/main" xmlns:r="http://schemas.openxmlformats.org/officeDocument/2006/relationships" xmlns:p="http://schemas.openxmlformats.org/presentationml/2006/main" show="0">
   <p:cSld>
     <p:spTree>

--- a/static/assets/img/posts/etc/http-version.pptx
+++ b/static/assets/img/posts/etc/http-version.pptx
@@ -5,7 +5,7 @@
     <p:sldMasterId id="2147483648" r:id="rId1"/>
   </p:sldMasterIdLst>
   <p:notesMasterIdLst>
-    <p:notesMasterId r:id="rId18"/>
+    <p:notesMasterId r:id="rId21"/>
   </p:notesMasterIdLst>
   <p:sldIdLst>
     <p:sldId id="256" r:id="rId2"/>
@@ -21,9 +21,12 @@
     <p:sldId id="270" r:id="rId12"/>
     <p:sldId id="272" r:id="rId13"/>
     <p:sldId id="273" r:id="rId14"/>
-    <p:sldId id="260" r:id="rId15"/>
-    <p:sldId id="261" r:id="rId16"/>
-    <p:sldId id="262" r:id="rId17"/>
+    <p:sldId id="274" r:id="rId15"/>
+    <p:sldId id="275" r:id="rId16"/>
+    <p:sldId id="276" r:id="rId17"/>
+    <p:sldId id="260" r:id="rId18"/>
+    <p:sldId id="261" r:id="rId19"/>
+    <p:sldId id="262" r:id="rId20"/>
   </p:sldIdLst>
   <p:sldSz cx="12192000" cy="6858000"/>
   <p:notesSz cx="6858000" cy="9144000"/>
@@ -223,7 +226,7 @@
           <a:p>
             <a:fld id="{4E790157-85E3-D64D-BB31-E2A6B705DD4B}" type="datetimeFigureOut">
               <a:rPr kumimoji="1" lang="ko-KR" altLang="en-US" smtClean="0"/>
-              <a:t>2022. 3. 14.</a:t>
+              <a:t>2022. 3. 16.</a:t>
             </a:fld>
             <a:endParaRPr kumimoji="1" lang="ko-KR" altLang="en-US"/>
           </a:p>
@@ -717,6 +720,174 @@
 </p:notes>
 </file>
 
+<file path=ppt/notesSlides/notesSlide4.xml><?xml version="1.0" encoding="utf-8"?>
+<p:notes xmlns:a="http://schemas.openxmlformats.org/drawingml/2006/main" xmlns:r="http://schemas.openxmlformats.org/officeDocument/2006/relationships" xmlns:p="http://schemas.openxmlformats.org/presentationml/2006/main">
+  <p:cSld>
+    <p:spTree>
+      <p:nvGrpSpPr>
+        <p:cNvPr id="1" name=""/>
+        <p:cNvGrpSpPr/>
+        <p:nvPr/>
+      </p:nvGrpSpPr>
+      <p:grpSpPr>
+        <a:xfrm>
+          <a:off x="0" y="0"/>
+          <a:ext cx="0" cy="0"/>
+          <a:chOff x="0" y="0"/>
+          <a:chExt cx="0" cy="0"/>
+        </a:xfrm>
+      </p:grpSpPr>
+      <p:sp>
+        <p:nvSpPr>
+          <p:cNvPr id="2" name="슬라이드 이미지 개체 틀 1"/>
+          <p:cNvSpPr>
+            <a:spLocks noGrp="1" noRot="1" noChangeAspect="1"/>
+          </p:cNvSpPr>
+          <p:nvPr>
+            <p:ph type="sldImg"/>
+          </p:nvPr>
+        </p:nvSpPr>
+        <p:spPr/>
+      </p:sp>
+      <p:sp>
+        <p:nvSpPr>
+          <p:cNvPr id="3" name="슬라이드 노트 개체 틀 2"/>
+          <p:cNvSpPr>
+            <a:spLocks noGrp="1"/>
+          </p:cNvSpPr>
+          <p:nvPr>
+            <p:ph type="body" idx="1"/>
+          </p:nvPr>
+        </p:nvSpPr>
+        <p:spPr/>
+        <p:txBody>
+          <a:bodyPr/>
+          <a:lstStyle/>
+          <a:p>
+            <a:endParaRPr kumimoji="1" lang="ko-KR" altLang="en-US" dirty="0"/>
+          </a:p>
+        </p:txBody>
+      </p:sp>
+      <p:sp>
+        <p:nvSpPr>
+          <p:cNvPr id="4" name="슬라이드 번호 개체 틀 3"/>
+          <p:cNvSpPr>
+            <a:spLocks noGrp="1"/>
+          </p:cNvSpPr>
+          <p:nvPr>
+            <p:ph type="sldNum" sz="quarter" idx="5"/>
+          </p:nvPr>
+        </p:nvSpPr>
+        <p:spPr/>
+        <p:txBody>
+          <a:bodyPr/>
+          <a:lstStyle/>
+          <a:p>
+            <a:fld id="{D5C8F6F6-4F2C-284F-81C8-8588BBA2EA2B}" type="slidenum">
+              <a:rPr kumimoji="1" lang="ko-KR" altLang="en-US" smtClean="0"/>
+              <a:t>15</a:t>
+            </a:fld>
+            <a:endParaRPr kumimoji="1" lang="ko-KR" altLang="en-US"/>
+          </a:p>
+        </p:txBody>
+      </p:sp>
+    </p:spTree>
+    <p:extLst>
+      <p:ext uri="{BB962C8B-B14F-4D97-AF65-F5344CB8AC3E}">
+        <p14:creationId xmlns:p14="http://schemas.microsoft.com/office/powerpoint/2010/main" val="707235156"/>
+      </p:ext>
+    </p:extLst>
+  </p:cSld>
+  <p:clrMapOvr>
+    <a:masterClrMapping/>
+  </p:clrMapOvr>
+</p:notes>
+</file>
+
+<file path=ppt/notesSlides/notesSlide5.xml><?xml version="1.0" encoding="utf-8"?>
+<p:notes xmlns:a="http://schemas.openxmlformats.org/drawingml/2006/main" xmlns:r="http://schemas.openxmlformats.org/officeDocument/2006/relationships" xmlns:p="http://schemas.openxmlformats.org/presentationml/2006/main">
+  <p:cSld>
+    <p:spTree>
+      <p:nvGrpSpPr>
+        <p:cNvPr id="1" name=""/>
+        <p:cNvGrpSpPr/>
+        <p:nvPr/>
+      </p:nvGrpSpPr>
+      <p:grpSpPr>
+        <a:xfrm>
+          <a:off x="0" y="0"/>
+          <a:ext cx="0" cy="0"/>
+          <a:chOff x="0" y="0"/>
+          <a:chExt cx="0" cy="0"/>
+        </a:xfrm>
+      </p:grpSpPr>
+      <p:sp>
+        <p:nvSpPr>
+          <p:cNvPr id="2" name="슬라이드 이미지 개체 틀 1"/>
+          <p:cNvSpPr>
+            <a:spLocks noGrp="1" noRot="1" noChangeAspect="1"/>
+          </p:cNvSpPr>
+          <p:nvPr>
+            <p:ph type="sldImg"/>
+          </p:nvPr>
+        </p:nvSpPr>
+        <p:spPr/>
+      </p:sp>
+      <p:sp>
+        <p:nvSpPr>
+          <p:cNvPr id="3" name="슬라이드 노트 개체 틀 2"/>
+          <p:cNvSpPr>
+            <a:spLocks noGrp="1"/>
+          </p:cNvSpPr>
+          <p:nvPr>
+            <p:ph type="body" idx="1"/>
+          </p:nvPr>
+        </p:nvSpPr>
+        <p:spPr/>
+        <p:txBody>
+          <a:bodyPr/>
+          <a:lstStyle/>
+          <a:p>
+            <a:endParaRPr kumimoji="1" lang="ko-KR" altLang="en-US" dirty="0"/>
+          </a:p>
+        </p:txBody>
+      </p:sp>
+      <p:sp>
+        <p:nvSpPr>
+          <p:cNvPr id="4" name="슬라이드 번호 개체 틀 3"/>
+          <p:cNvSpPr>
+            <a:spLocks noGrp="1"/>
+          </p:cNvSpPr>
+          <p:nvPr>
+            <p:ph type="sldNum" sz="quarter" idx="5"/>
+          </p:nvPr>
+        </p:nvSpPr>
+        <p:spPr/>
+        <p:txBody>
+          <a:bodyPr/>
+          <a:lstStyle/>
+          <a:p>
+            <a:fld id="{D5C8F6F6-4F2C-284F-81C8-8588BBA2EA2B}" type="slidenum">
+              <a:rPr kumimoji="1" lang="ko-KR" altLang="en-US" smtClean="0"/>
+              <a:t>16</a:t>
+            </a:fld>
+            <a:endParaRPr kumimoji="1" lang="ko-KR" altLang="en-US"/>
+          </a:p>
+        </p:txBody>
+      </p:sp>
+    </p:spTree>
+    <p:extLst>
+      <p:ext uri="{BB962C8B-B14F-4D97-AF65-F5344CB8AC3E}">
+        <p14:creationId xmlns:p14="http://schemas.microsoft.com/office/powerpoint/2010/main" val="3072358524"/>
+      </p:ext>
+    </p:extLst>
+  </p:cSld>
+  <p:clrMapOvr>
+    <a:masterClrMapping/>
+  </p:clrMapOvr>
+</p:notes>
+</file>
+
 <file path=ppt/slideLayouts/slideLayout1.xml><?xml version="1.0" encoding="utf-8"?>
 <p:sldLayout xmlns:a="http://schemas.openxmlformats.org/drawingml/2006/main" xmlns:r="http://schemas.openxmlformats.org/officeDocument/2006/relationships" xmlns:p="http://schemas.openxmlformats.org/presentationml/2006/main" type="title" preserve="1">
   <p:cSld name="제목 슬라이드">
@@ -864,7 +1035,7 @@
           <a:p>
             <a:fld id="{187B024A-58F9-A941-8036-04AB132CF501}" type="datetimeFigureOut">
               <a:rPr kumimoji="1" lang="ko-KR" altLang="en-US" smtClean="0"/>
-              <a:t>2022. 3. 14.</a:t>
+              <a:t>2022. 3. 16.</a:t>
             </a:fld>
             <a:endParaRPr kumimoji="1" lang="ko-KR" altLang="en-US"/>
           </a:p>
@@ -1037,7 +1208,7 @@
           <a:p>
             <a:fld id="{187B024A-58F9-A941-8036-04AB132CF501}" type="datetimeFigureOut">
               <a:rPr kumimoji="1" lang="ko-KR" altLang="en-US" smtClean="0"/>
-              <a:t>2022. 3. 14.</a:t>
+              <a:t>2022. 3. 16.</a:t>
             </a:fld>
             <a:endParaRPr kumimoji="1" lang="ko-KR" altLang="en-US"/>
           </a:p>
@@ -1220,7 +1391,7 @@
           <a:p>
             <a:fld id="{187B024A-58F9-A941-8036-04AB132CF501}" type="datetimeFigureOut">
               <a:rPr kumimoji="1" lang="ko-KR" altLang="en-US" smtClean="0"/>
-              <a:t>2022. 3. 14.</a:t>
+              <a:t>2022. 3. 16.</a:t>
             </a:fld>
             <a:endParaRPr kumimoji="1" lang="ko-KR" altLang="en-US"/>
           </a:p>
@@ -1393,7 +1564,7 @@
           <a:p>
             <a:fld id="{187B024A-58F9-A941-8036-04AB132CF501}" type="datetimeFigureOut">
               <a:rPr kumimoji="1" lang="ko-KR" altLang="en-US" smtClean="0"/>
-              <a:t>2022. 3. 14.</a:t>
+              <a:t>2022. 3. 16.</a:t>
             </a:fld>
             <a:endParaRPr kumimoji="1" lang="ko-KR" altLang="en-US"/>
           </a:p>
@@ -1671,7 +1842,7 @@
           <a:p>
             <a:fld id="{187B024A-58F9-A941-8036-04AB132CF501}" type="datetimeFigureOut">
               <a:rPr kumimoji="1" lang="ko-KR" altLang="en-US" smtClean="0"/>
-              <a:t>2022. 3. 14.</a:t>
+              <a:t>2022. 3. 16.</a:t>
             </a:fld>
             <a:endParaRPr kumimoji="1" lang="ko-KR" altLang="en-US"/>
           </a:p>
@@ -1886,7 +2057,7 @@
           <a:p>
             <a:fld id="{187B024A-58F9-A941-8036-04AB132CF501}" type="datetimeFigureOut">
               <a:rPr kumimoji="1" lang="ko-KR" altLang="en-US" smtClean="0"/>
-              <a:t>2022. 3. 14.</a:t>
+              <a:t>2022. 3. 16.</a:t>
             </a:fld>
             <a:endParaRPr kumimoji="1" lang="ko-KR" altLang="en-US"/>
           </a:p>
@@ -2254,7 +2425,7 @@
           <a:p>
             <a:fld id="{187B024A-58F9-A941-8036-04AB132CF501}" type="datetimeFigureOut">
               <a:rPr kumimoji="1" lang="ko-KR" altLang="en-US" smtClean="0"/>
-              <a:t>2022. 3. 14.</a:t>
+              <a:t>2022. 3. 16.</a:t>
             </a:fld>
             <a:endParaRPr kumimoji="1" lang="ko-KR" altLang="en-US"/>
           </a:p>
@@ -2395,7 +2566,7 @@
           <a:p>
             <a:fld id="{187B024A-58F9-A941-8036-04AB132CF501}" type="datetimeFigureOut">
               <a:rPr kumimoji="1" lang="ko-KR" altLang="en-US" smtClean="0"/>
-              <a:t>2022. 3. 14.</a:t>
+              <a:t>2022. 3. 16.</a:t>
             </a:fld>
             <a:endParaRPr kumimoji="1" lang="ko-KR" altLang="en-US"/>
           </a:p>
@@ -2508,7 +2679,7 @@
           <a:p>
             <a:fld id="{187B024A-58F9-A941-8036-04AB132CF501}" type="datetimeFigureOut">
               <a:rPr kumimoji="1" lang="ko-KR" altLang="en-US" smtClean="0"/>
-              <a:t>2022. 3. 14.</a:t>
+              <a:t>2022. 3. 16.</a:t>
             </a:fld>
             <a:endParaRPr kumimoji="1" lang="ko-KR" altLang="en-US"/>
           </a:p>
@@ -2797,7 +2968,7 @@
           <a:p>
             <a:fld id="{187B024A-58F9-A941-8036-04AB132CF501}" type="datetimeFigureOut">
               <a:rPr kumimoji="1" lang="ko-KR" altLang="en-US" smtClean="0"/>
-              <a:t>2022. 3. 14.</a:t>
+              <a:t>2022. 3. 16.</a:t>
             </a:fld>
             <a:endParaRPr kumimoji="1" lang="ko-KR" altLang="en-US"/>
           </a:p>
@@ -3088,7 +3259,7 @@
           <a:p>
             <a:fld id="{187B024A-58F9-A941-8036-04AB132CF501}" type="datetimeFigureOut">
               <a:rPr kumimoji="1" lang="ko-KR" altLang="en-US" smtClean="0"/>
-              <a:t>2022. 3. 14.</a:t>
+              <a:t>2022. 3. 16.</a:t>
             </a:fld>
             <a:endParaRPr kumimoji="1" lang="ko-KR" altLang="en-US"/>
           </a:p>
@@ -3304,7 +3475,7 @@
           <a:p>
             <a:fld id="{187B024A-58F9-A941-8036-04AB132CF501}" type="datetimeFigureOut">
               <a:rPr kumimoji="1" lang="ko-KR" altLang="en-US" smtClean="0"/>
-              <a:t>2022. 3. 14.</a:t>
+              <a:t>2022. 3. 16.</a:t>
             </a:fld>
             <a:endParaRPr kumimoji="1" lang="ko-KR" altLang="en-US"/>
           </a:p>
@@ -5670,7 +5841,7 @@
           <p:nvPr>
             <p:extLst>
               <p:ext uri="{D42A27DB-BD31-4B8C-83A1-F6EECF244321}">
-                <p14:modId xmlns:p14="http://schemas.microsoft.com/office/powerpoint/2010/main" val="875157609"/>
+                <p14:modId xmlns:p14="http://schemas.microsoft.com/office/powerpoint/2010/main" val="2332347715"/>
               </p:ext>
             </p:extLst>
           </p:nvPr>
@@ -6187,7 +6358,7 @@
           <p:nvPr>
             <p:extLst>
               <p:ext uri="{D42A27DB-BD31-4B8C-83A1-F6EECF244321}">
-                <p14:modId xmlns:p14="http://schemas.microsoft.com/office/powerpoint/2010/main" val="2594524292"/>
+                <p14:modId xmlns:p14="http://schemas.microsoft.com/office/powerpoint/2010/main" val="3339765850"/>
               </p:ext>
             </p:extLst>
           </p:nvPr>
@@ -6536,7 +6707,7 @@
           <p:nvPr>
             <p:extLst>
               <p:ext uri="{D42A27DB-BD31-4B8C-83A1-F6EECF244321}">
-                <p14:modId xmlns:p14="http://schemas.microsoft.com/office/powerpoint/2010/main" val="3025240432"/>
+                <p14:modId xmlns:p14="http://schemas.microsoft.com/office/powerpoint/2010/main" val="1863653994"/>
               </p:ext>
             </p:extLst>
           </p:nvPr>
@@ -6626,7 +6797,15 @@
                       <a:endParaRPr lang="ko-KR" altLang="en-US" sz="1200" dirty="0"/>
                     </a:p>
                   </a:txBody>
-                  <a:tcPr/>
+                  <a:tcPr>
+                    <a:lnR w="12700" cap="flat" cmpd="sng" algn="ctr">
+                      <a:noFill/>
+                      <a:prstDash val="solid"/>
+                      <a:round/>
+                      <a:headEnd type="none" w="med" len="med"/>
+                      <a:tailEnd type="none" w="med" len="med"/>
+                    </a:lnR>
+                  </a:tcPr>
                 </a:tc>
                 <a:tc>
                   <a:txBody>
@@ -6637,7 +6816,15 @@
                       <a:endParaRPr lang="ko-KR" altLang="en-US" sz="1200" dirty="0"/>
                     </a:p>
                   </a:txBody>
-                  <a:tcPr/>
+                  <a:tcPr>
+                    <a:lnL w="12700" cap="flat" cmpd="sng" algn="ctr">
+                      <a:noFill/>
+                      <a:prstDash val="solid"/>
+                      <a:round/>
+                      <a:headEnd type="none" w="med" len="med"/>
+                      <a:tailEnd type="none" w="med" len="med"/>
+                    </a:lnL>
+                  </a:tcPr>
                 </a:tc>
                 <a:extLst>
                   <a:ext uri="{0D108BD9-81ED-4DB2-BD59-A6C34878D82A}">
@@ -6659,7 +6846,15 @@
                       <a:endParaRPr lang="ko-KR" altLang="en-US" sz="1200" dirty="0"/>
                     </a:p>
                   </a:txBody>
-                  <a:tcPr/>
+                  <a:tcPr>
+                    <a:lnR w="12700" cap="flat" cmpd="sng" algn="ctr">
+                      <a:noFill/>
+                      <a:prstDash val="solid"/>
+                      <a:round/>
+                      <a:headEnd type="none" w="med" len="med"/>
+                      <a:tailEnd type="none" w="med" len="med"/>
+                    </a:lnR>
+                  </a:tcPr>
                 </a:tc>
                 <a:tc>
                   <a:txBody>
@@ -6670,7 +6865,15 @@
                       <a:endParaRPr lang="ko-KR" altLang="en-US" sz="1200" dirty="0"/>
                     </a:p>
                   </a:txBody>
-                  <a:tcPr/>
+                  <a:tcPr>
+                    <a:lnL w="12700" cap="flat" cmpd="sng" algn="ctr">
+                      <a:noFill/>
+                      <a:prstDash val="solid"/>
+                      <a:round/>
+                      <a:headEnd type="none" w="med" len="med"/>
+                      <a:tailEnd type="none" w="med" len="med"/>
+                    </a:lnL>
+                  </a:tcPr>
                 </a:tc>
                 <a:extLst>
                   <a:ext uri="{0D108BD9-81ED-4DB2-BD59-A6C34878D82A}">
@@ -6692,7 +6895,15 @@
                       <a:endParaRPr lang="ko-KR" altLang="en-US" sz="1200" dirty="0"/>
                     </a:p>
                   </a:txBody>
-                  <a:tcPr/>
+                  <a:tcPr>
+                    <a:lnR w="12700" cap="flat" cmpd="sng" algn="ctr">
+                      <a:noFill/>
+                      <a:prstDash val="solid"/>
+                      <a:round/>
+                      <a:headEnd type="none" w="med" len="med"/>
+                      <a:tailEnd type="none" w="med" len="med"/>
+                    </a:lnR>
+                  </a:tcPr>
                 </a:tc>
                 <a:tc>
                   <a:txBody>
@@ -6703,7 +6914,15 @@
                       <a:endParaRPr lang="ko-KR" altLang="en-US" sz="1200" dirty="0"/>
                     </a:p>
                   </a:txBody>
-                  <a:tcPr/>
+                  <a:tcPr>
+                    <a:lnL w="12700" cap="flat" cmpd="sng" algn="ctr">
+                      <a:noFill/>
+                      <a:prstDash val="solid"/>
+                      <a:round/>
+                      <a:headEnd type="none" w="med" len="med"/>
+                      <a:tailEnd type="none" w="med" len="med"/>
+                    </a:lnL>
+                  </a:tcPr>
                 </a:tc>
                 <a:extLst>
                   <a:ext uri="{0D108BD9-81ED-4DB2-BD59-A6C34878D82A}">
@@ -6799,7 +7018,7 @@
           <p:nvPr>
             <p:extLst>
               <p:ext uri="{D42A27DB-BD31-4B8C-83A1-F6EECF244321}">
-                <p14:modId xmlns:p14="http://schemas.microsoft.com/office/powerpoint/2010/main" val="1245262984"/>
+                <p14:modId xmlns:p14="http://schemas.microsoft.com/office/powerpoint/2010/main" val="783439785"/>
               </p:ext>
             </p:extLst>
           </p:nvPr>
@@ -6844,7 +7063,15 @@
                       <a:endParaRPr lang="ko-KR" altLang="en-US" sz="1200" dirty="0"/>
                     </a:p>
                   </a:txBody>
-                  <a:tcPr/>
+                  <a:tcPr>
+                    <a:lnR w="12700" cap="flat" cmpd="sng" algn="ctr">
+                      <a:noFill/>
+                      <a:prstDash val="solid"/>
+                      <a:round/>
+                      <a:headEnd type="none" w="med" len="med"/>
+                      <a:tailEnd type="none" w="med" len="med"/>
+                    </a:lnR>
+                  </a:tcPr>
                 </a:tc>
                 <a:tc>
                   <a:txBody>
@@ -6855,7 +7082,15 @@
                       <a:endParaRPr lang="ko-KR" altLang="en-US" sz="1200" dirty="0"/>
                     </a:p>
                   </a:txBody>
-                  <a:tcPr/>
+                  <a:tcPr>
+                    <a:lnL w="12700" cap="flat" cmpd="sng" algn="ctr">
+                      <a:noFill/>
+                      <a:prstDash val="solid"/>
+                      <a:round/>
+                      <a:headEnd type="none" w="med" len="med"/>
+                      <a:tailEnd type="none" w="med" len="med"/>
+                    </a:lnL>
+                  </a:tcPr>
                 </a:tc>
                 <a:extLst>
                   <a:ext uri="{0D108BD9-81ED-4DB2-BD59-A6C34878D82A}">
@@ -6877,7 +7112,15 @@
                       <a:endParaRPr lang="ko-KR" altLang="en-US" sz="1200" dirty="0"/>
                     </a:p>
                   </a:txBody>
-                  <a:tcPr/>
+                  <a:tcPr>
+                    <a:lnR w="12700" cap="flat" cmpd="sng" algn="ctr">
+                      <a:noFill/>
+                      <a:prstDash val="solid"/>
+                      <a:round/>
+                      <a:headEnd type="none" w="med" len="med"/>
+                      <a:tailEnd type="none" w="med" len="med"/>
+                    </a:lnR>
+                  </a:tcPr>
                 </a:tc>
                 <a:tc>
                   <a:txBody>
@@ -6888,7 +7131,15 @@
                       <a:endParaRPr lang="ko-KR" altLang="en-US" sz="1200" dirty="0"/>
                     </a:p>
                   </a:txBody>
-                  <a:tcPr/>
+                  <a:tcPr>
+                    <a:lnL w="12700" cap="flat" cmpd="sng" algn="ctr">
+                      <a:noFill/>
+                      <a:prstDash val="solid"/>
+                      <a:round/>
+                      <a:headEnd type="none" w="med" len="med"/>
+                      <a:tailEnd type="none" w="med" len="med"/>
+                    </a:lnL>
+                  </a:tcPr>
                 </a:tc>
                 <a:extLst>
                   <a:ext uri="{0D108BD9-81ED-4DB2-BD59-A6C34878D82A}">
@@ -6910,7 +7161,15 @@
                       <a:endParaRPr lang="ko-KR" altLang="en-US" sz="1200" dirty="0"/>
                     </a:p>
                   </a:txBody>
-                  <a:tcPr/>
+                  <a:tcPr>
+                    <a:lnR w="12700" cap="flat" cmpd="sng" algn="ctr">
+                      <a:noFill/>
+                      <a:prstDash val="solid"/>
+                      <a:round/>
+                      <a:headEnd type="none" w="med" len="med"/>
+                      <a:tailEnd type="none" w="med" len="med"/>
+                    </a:lnR>
+                  </a:tcPr>
                 </a:tc>
                 <a:tc>
                   <a:txBody>
@@ -6921,7 +7180,15 @@
                       <a:endParaRPr lang="ko-KR" altLang="en-US" sz="1200" dirty="0"/>
                     </a:p>
                   </a:txBody>
-                  <a:tcPr/>
+                  <a:tcPr>
+                    <a:lnL w="12700" cap="flat" cmpd="sng" algn="ctr">
+                      <a:noFill/>
+                      <a:prstDash val="solid"/>
+                      <a:round/>
+                      <a:headEnd type="none" w="med" len="med"/>
+                      <a:tailEnd type="none" w="med" len="med"/>
+                    </a:lnL>
+                  </a:tcPr>
                 </a:tc>
                 <a:extLst>
                   <a:ext uri="{0D108BD9-81ED-4DB2-BD59-A6C34878D82A}">
@@ -6943,7 +7210,15 @@
                       <a:endParaRPr lang="ko-KR" altLang="en-US" sz="1200" dirty="0"/>
                     </a:p>
                   </a:txBody>
-                  <a:tcPr/>
+                  <a:tcPr>
+                    <a:lnR w="12700" cap="flat" cmpd="sng" algn="ctr">
+                      <a:noFill/>
+                      <a:prstDash val="solid"/>
+                      <a:round/>
+                      <a:headEnd type="none" w="med" len="med"/>
+                      <a:tailEnd type="none" w="med" len="med"/>
+                    </a:lnR>
+                  </a:tcPr>
                 </a:tc>
                 <a:tc>
                   <a:txBody>
@@ -6954,7 +7229,15 @@
                       <a:endParaRPr lang="ko-KR" altLang="en-US" sz="1200" dirty="0"/>
                     </a:p>
                   </a:txBody>
-                  <a:tcPr/>
+                  <a:tcPr>
+                    <a:lnL w="12700" cap="flat" cmpd="sng" algn="ctr">
+                      <a:noFill/>
+                      <a:prstDash val="solid"/>
+                      <a:round/>
+                      <a:headEnd type="none" w="med" len="med"/>
+                      <a:tailEnd type="none" w="med" len="med"/>
+                    </a:lnL>
+                  </a:tcPr>
                 </a:tc>
                 <a:extLst>
                   <a:ext uri="{0D108BD9-81ED-4DB2-BD59-A6C34878D82A}">
@@ -6976,7 +7259,15 @@
                       <a:endParaRPr lang="ko-KR" altLang="en-US" sz="1200" dirty="0"/>
                     </a:p>
                   </a:txBody>
-                  <a:tcPr/>
+                  <a:tcPr>
+                    <a:lnR w="12700" cap="flat" cmpd="sng" algn="ctr">
+                      <a:noFill/>
+                      <a:prstDash val="solid"/>
+                      <a:round/>
+                      <a:headEnd type="none" w="med" len="med"/>
+                      <a:tailEnd type="none" w="med" len="med"/>
+                    </a:lnR>
+                  </a:tcPr>
                 </a:tc>
                 <a:tc>
                   <a:txBody>
@@ -7003,7 +7294,15 @@
                       <a:endParaRPr lang="ko-KR" altLang="en-US" sz="1200" dirty="0"/>
                     </a:p>
                   </a:txBody>
-                  <a:tcPr/>
+                  <a:tcPr>
+                    <a:lnL w="12700" cap="flat" cmpd="sng" algn="ctr">
+                      <a:noFill/>
+                      <a:prstDash val="solid"/>
+                      <a:round/>
+                      <a:headEnd type="none" w="med" len="med"/>
+                      <a:tailEnd type="none" w="med" len="med"/>
+                    </a:lnL>
+                  </a:tcPr>
                 </a:tc>
                 <a:extLst>
                   <a:ext uri="{0D108BD9-81ED-4DB2-BD59-A6C34878D82A}">
@@ -8693,6 +8992,3414 @@
 </file>
 
 <file path=ppt/slides/slide14.xml><?xml version="1.0" encoding="utf-8"?>
+<p:sld xmlns:a="http://schemas.openxmlformats.org/drawingml/2006/main" xmlns:r="http://schemas.openxmlformats.org/officeDocument/2006/relationships" xmlns:p="http://schemas.openxmlformats.org/presentationml/2006/main">
+  <p:cSld>
+    <p:spTree>
+      <p:nvGrpSpPr>
+        <p:cNvPr id="1" name=""/>
+        <p:cNvGrpSpPr/>
+        <p:nvPr/>
+      </p:nvGrpSpPr>
+      <p:grpSpPr>
+        <a:xfrm>
+          <a:off x="0" y="0"/>
+          <a:ext cx="0" cy="0"/>
+          <a:chOff x="0" y="0"/>
+          <a:chExt cx="0" cy="0"/>
+        </a:xfrm>
+      </p:grpSpPr>
+      <p:grpSp>
+        <p:nvGrpSpPr>
+          <p:cNvPr id="2" name="그룹 1">
+            <a:extLst>
+              <a:ext uri="{FF2B5EF4-FFF2-40B4-BE49-F238E27FC236}">
+                <a16:creationId xmlns:a16="http://schemas.microsoft.com/office/drawing/2014/main" id="{A45DAA82-AB89-9C47-A458-9FFFABE48D13}"/>
+              </a:ext>
+            </a:extLst>
+          </p:cNvPr>
+          <p:cNvGrpSpPr/>
+          <p:nvPr/>
+        </p:nvGrpSpPr>
+        <p:grpSpPr>
+          <a:xfrm>
+            <a:off x="2216745" y="471946"/>
+            <a:ext cx="4281626" cy="6148310"/>
+            <a:chOff x="2216745" y="471946"/>
+            <a:chExt cx="4281626" cy="6148310"/>
+          </a:xfrm>
+        </p:grpSpPr>
+        <p:sp>
+          <p:nvSpPr>
+            <p:cNvPr id="19" name="TextBox 18">
+              <a:extLst>
+                <a:ext uri="{FF2B5EF4-FFF2-40B4-BE49-F238E27FC236}">
+                  <a16:creationId xmlns:a16="http://schemas.microsoft.com/office/drawing/2014/main" id="{DAFE76FE-D0F4-6E49-A803-DAAA40A9C7CB}"/>
+                </a:ext>
+              </a:extLst>
+            </p:cNvPr>
+            <p:cNvSpPr txBox="1"/>
+            <p:nvPr/>
+          </p:nvSpPr>
+          <p:spPr>
+            <a:xfrm>
+              <a:off x="2729921" y="4140035"/>
+              <a:ext cx="1859565" cy="338554"/>
+            </a:xfrm>
+            <a:prstGeom prst="rect">
+              <a:avLst/>
+            </a:prstGeom>
+            <a:solidFill>
+              <a:schemeClr val="accent6">
+                <a:lumMod val="20000"/>
+                <a:lumOff val="80000"/>
+              </a:schemeClr>
+            </a:solidFill>
+          </p:spPr>
+          <p:txBody>
+            <a:bodyPr wrap="square" rtlCol="0">
+              <a:spAutoFit/>
+            </a:bodyPr>
+            <a:lstStyle/>
+            <a:p>
+              <a:pPr algn="ctr"/>
+              <a:r>
+                <a:rPr kumimoji="1" lang="en-US" altLang="ko-KR" sz="1600" dirty="0"/>
+                <a:t>Disconnection</a:t>
+              </a:r>
+              <a:endParaRPr kumimoji="1" lang="ko-KR" altLang="en-US" sz="1600" dirty="0"/>
+            </a:p>
+          </p:txBody>
+        </p:sp>
+        <p:grpSp>
+          <p:nvGrpSpPr>
+            <p:cNvPr id="4" name="그룹 3">
+              <a:extLst>
+                <a:ext uri="{FF2B5EF4-FFF2-40B4-BE49-F238E27FC236}">
+                  <a16:creationId xmlns:a16="http://schemas.microsoft.com/office/drawing/2014/main" id="{A5A08FB9-B1CB-9B4A-AC77-0C969C123815}"/>
+                </a:ext>
+              </a:extLst>
+            </p:cNvPr>
+            <p:cNvGrpSpPr/>
+            <p:nvPr/>
+          </p:nvGrpSpPr>
+          <p:grpSpPr>
+            <a:xfrm>
+              <a:off x="2216745" y="471946"/>
+              <a:ext cx="4281626" cy="6148310"/>
+              <a:chOff x="2216745" y="471946"/>
+              <a:chExt cx="4281626" cy="6148310"/>
+            </a:xfrm>
+          </p:grpSpPr>
+          <p:sp>
+            <p:nvSpPr>
+              <p:cNvPr id="20" name="TextBox 19">
+                <a:extLst>
+                  <a:ext uri="{FF2B5EF4-FFF2-40B4-BE49-F238E27FC236}">
+                    <a16:creationId xmlns:a16="http://schemas.microsoft.com/office/drawing/2014/main" id="{33F42459-40AD-F64E-B3D3-737C76581326}"/>
+                  </a:ext>
+                </a:extLst>
+              </p:cNvPr>
+              <p:cNvSpPr txBox="1"/>
+              <p:nvPr/>
+            </p:nvSpPr>
+            <p:spPr>
+              <a:xfrm>
+                <a:off x="2729572" y="1050026"/>
+                <a:ext cx="1865946" cy="338554"/>
+              </a:xfrm>
+              <a:prstGeom prst="rect">
+                <a:avLst/>
+              </a:prstGeom>
+              <a:solidFill>
+                <a:schemeClr val="accent5">
+                  <a:lumMod val="20000"/>
+                  <a:lumOff val="80000"/>
+                </a:schemeClr>
+              </a:solidFill>
+            </p:spPr>
+            <p:txBody>
+              <a:bodyPr wrap="square" rtlCol="0">
+                <a:spAutoFit/>
+              </a:bodyPr>
+              <a:lstStyle/>
+              <a:p>
+                <a:pPr algn="ctr"/>
+                <a:r>
+                  <a:rPr kumimoji="1" lang="en-US" altLang="ko-KR" sz="1600" dirty="0"/>
+                  <a:t>Connection</a:t>
+                </a:r>
+                <a:endParaRPr kumimoji="1" lang="ko-KR" altLang="en-US" sz="1600" dirty="0"/>
+              </a:p>
+            </p:txBody>
+          </p:sp>
+          <p:cxnSp>
+            <p:nvCxnSpPr>
+              <p:cNvPr id="22" name="직선 연결선[R] 21">
+                <a:extLst>
+                  <a:ext uri="{FF2B5EF4-FFF2-40B4-BE49-F238E27FC236}">
+                    <a16:creationId xmlns:a16="http://schemas.microsoft.com/office/drawing/2014/main" id="{6E3A8BC6-0267-F043-9F12-98CEEF308A3E}"/>
+                  </a:ext>
+                </a:extLst>
+              </p:cNvPr>
+              <p:cNvCxnSpPr/>
+              <p:nvPr/>
+            </p:nvCxnSpPr>
+            <p:spPr>
+              <a:xfrm>
+                <a:off x="2706624" y="933611"/>
+                <a:ext cx="0" cy="5686645"/>
+              </a:xfrm>
+              <a:prstGeom prst="line">
+                <a:avLst/>
+              </a:prstGeom>
+              <a:ln w="50800">
+                <a:solidFill>
+                  <a:schemeClr val="tx1"/>
+                </a:solidFill>
+              </a:ln>
+            </p:spPr>
+            <p:style>
+              <a:lnRef idx="1">
+                <a:schemeClr val="accent1"/>
+              </a:lnRef>
+              <a:fillRef idx="0">
+                <a:schemeClr val="accent1"/>
+              </a:fillRef>
+              <a:effectRef idx="0">
+                <a:schemeClr val="accent1"/>
+              </a:effectRef>
+              <a:fontRef idx="minor">
+                <a:schemeClr val="tx1"/>
+              </a:fontRef>
+            </p:style>
+          </p:cxnSp>
+          <p:sp>
+            <p:nvSpPr>
+              <p:cNvPr id="24" name="TextBox 23">
+                <a:extLst>
+                  <a:ext uri="{FF2B5EF4-FFF2-40B4-BE49-F238E27FC236}">
+                    <a16:creationId xmlns:a16="http://schemas.microsoft.com/office/drawing/2014/main" id="{69C53195-4E72-FD4A-8EAA-F7B7A3BE8891}"/>
+                  </a:ext>
+                </a:extLst>
+              </p:cNvPr>
+              <p:cNvSpPr txBox="1"/>
+              <p:nvPr/>
+            </p:nvSpPr>
+            <p:spPr>
+              <a:xfrm>
+                <a:off x="2216745" y="471946"/>
+                <a:ext cx="979755" cy="461665"/>
+              </a:xfrm>
+              <a:prstGeom prst="rect">
+                <a:avLst/>
+              </a:prstGeom>
+              <a:noFill/>
+            </p:spPr>
+            <p:txBody>
+              <a:bodyPr wrap="none" rtlCol="0">
+                <a:spAutoFit/>
+              </a:bodyPr>
+              <a:lstStyle/>
+              <a:p>
+                <a:r>
+                  <a:rPr kumimoji="1" lang="en-US" altLang="ko-KR" sz="2400" dirty="0"/>
+                  <a:t>Client</a:t>
+                </a:r>
+                <a:endParaRPr kumimoji="1" lang="ko-KR" altLang="en-US" sz="2400" dirty="0"/>
+              </a:p>
+            </p:txBody>
+          </p:sp>
+          <p:cxnSp>
+            <p:nvCxnSpPr>
+              <p:cNvPr id="25" name="직선 연결선[R] 24">
+                <a:extLst>
+                  <a:ext uri="{FF2B5EF4-FFF2-40B4-BE49-F238E27FC236}">
+                    <a16:creationId xmlns:a16="http://schemas.microsoft.com/office/drawing/2014/main" id="{493040CE-FAD1-9F48-BD31-16D93C17D053}"/>
+                  </a:ext>
+                </a:extLst>
+              </p:cNvPr>
+              <p:cNvCxnSpPr/>
+              <p:nvPr/>
+            </p:nvCxnSpPr>
+            <p:spPr>
+              <a:xfrm>
+                <a:off x="4620097" y="933611"/>
+                <a:ext cx="0" cy="5686645"/>
+              </a:xfrm>
+              <a:prstGeom prst="line">
+                <a:avLst/>
+              </a:prstGeom>
+              <a:ln w="50800">
+                <a:solidFill>
+                  <a:schemeClr val="tx1"/>
+                </a:solidFill>
+              </a:ln>
+            </p:spPr>
+            <p:style>
+              <a:lnRef idx="1">
+                <a:schemeClr val="accent1"/>
+              </a:lnRef>
+              <a:fillRef idx="0">
+                <a:schemeClr val="accent1"/>
+              </a:fillRef>
+              <a:effectRef idx="0">
+                <a:schemeClr val="accent1"/>
+              </a:effectRef>
+              <a:fontRef idx="minor">
+                <a:schemeClr val="tx1"/>
+              </a:fontRef>
+            </p:style>
+          </p:cxnSp>
+          <p:sp>
+            <p:nvSpPr>
+              <p:cNvPr id="26" name="TextBox 25">
+                <a:extLst>
+                  <a:ext uri="{FF2B5EF4-FFF2-40B4-BE49-F238E27FC236}">
+                    <a16:creationId xmlns:a16="http://schemas.microsoft.com/office/drawing/2014/main" id="{1981E1C8-0E2F-5043-9BE6-46728542F971}"/>
+                  </a:ext>
+                </a:extLst>
+              </p:cNvPr>
+              <p:cNvSpPr txBox="1"/>
+              <p:nvPr/>
+            </p:nvSpPr>
+            <p:spPr>
+              <a:xfrm>
+                <a:off x="4089213" y="471946"/>
+                <a:ext cx="1061766" cy="461665"/>
+              </a:xfrm>
+              <a:prstGeom prst="rect">
+                <a:avLst/>
+              </a:prstGeom>
+              <a:noFill/>
+            </p:spPr>
+            <p:txBody>
+              <a:bodyPr wrap="none" rtlCol="0">
+                <a:spAutoFit/>
+              </a:bodyPr>
+              <a:lstStyle/>
+              <a:p>
+                <a:r>
+                  <a:rPr kumimoji="1" lang="en-US" altLang="ko-KR" sz="2400" dirty="0"/>
+                  <a:t>Server</a:t>
+                </a:r>
+                <a:endParaRPr kumimoji="1" lang="ko-KR" altLang="en-US" sz="2400" dirty="0"/>
+              </a:p>
+            </p:txBody>
+          </p:sp>
+          <p:sp>
+            <p:nvSpPr>
+              <p:cNvPr id="27" name="직사각형 26">
+                <a:extLst>
+                  <a:ext uri="{FF2B5EF4-FFF2-40B4-BE49-F238E27FC236}">
+                    <a16:creationId xmlns:a16="http://schemas.microsoft.com/office/drawing/2014/main" id="{780A7135-AA50-CE41-9AD9-7636A4389130}"/>
+                  </a:ext>
+                </a:extLst>
+              </p:cNvPr>
+              <p:cNvSpPr/>
+              <p:nvPr/>
+            </p:nvSpPr>
+            <p:spPr>
+              <a:xfrm>
+                <a:off x="4653729" y="1653585"/>
+                <a:ext cx="1844642" cy="571384"/>
+              </a:xfrm>
+              <a:prstGeom prst="rect">
+                <a:avLst/>
+              </a:prstGeom>
+              <a:solidFill>
+                <a:schemeClr val="accent4">
+                  <a:lumMod val="20000"/>
+                  <a:lumOff val="80000"/>
+                </a:schemeClr>
+              </a:solidFill>
+              <a:ln>
+                <a:noFill/>
+              </a:ln>
+            </p:spPr>
+            <p:style>
+              <a:lnRef idx="2">
+                <a:schemeClr val="accent1">
+                  <a:shade val="50000"/>
+                </a:schemeClr>
+              </a:lnRef>
+              <a:fillRef idx="1">
+                <a:schemeClr val="accent1"/>
+              </a:fillRef>
+              <a:effectRef idx="0">
+                <a:schemeClr val="accent1"/>
+              </a:effectRef>
+              <a:fontRef idx="minor">
+                <a:schemeClr val="lt1"/>
+              </a:fontRef>
+            </p:style>
+            <p:txBody>
+              <a:bodyPr rtlCol="0" anchor="ctr"/>
+              <a:lstStyle/>
+              <a:p>
+                <a:pPr algn="ctr"/>
+                <a:r>
+                  <a:rPr kumimoji="1" lang="ko-KR" altLang="en-US" dirty="0">
+                    <a:solidFill>
+                      <a:sysClr val="windowText" lastClr="000000"/>
+                    </a:solidFill>
+                  </a:rPr>
+                  <a:t>응답 결과 생성</a:t>
+                </a:r>
+              </a:p>
+            </p:txBody>
+          </p:sp>
+          <p:cxnSp>
+            <p:nvCxnSpPr>
+              <p:cNvPr id="28" name="직선 화살표 연결선 27">
+                <a:extLst>
+                  <a:ext uri="{FF2B5EF4-FFF2-40B4-BE49-F238E27FC236}">
+                    <a16:creationId xmlns:a16="http://schemas.microsoft.com/office/drawing/2014/main" id="{4D71E890-152D-514F-8837-8453E1C669B9}"/>
+                  </a:ext>
+                </a:extLst>
+              </p:cNvPr>
+              <p:cNvCxnSpPr>
+                <a:cxnSpLocks/>
+              </p:cNvCxnSpPr>
+              <p:nvPr/>
+            </p:nvCxnSpPr>
+            <p:spPr>
+              <a:xfrm>
+                <a:off x="2719741" y="1412173"/>
+                <a:ext cx="1887239" cy="241412"/>
+              </a:xfrm>
+              <a:prstGeom prst="straightConnector1">
+                <a:avLst/>
+              </a:prstGeom>
+              <a:ln w="50800">
+                <a:solidFill>
+                  <a:schemeClr val="accent4"/>
+                </a:solidFill>
+                <a:tailEnd type="triangle"/>
+              </a:ln>
+            </p:spPr>
+            <p:style>
+              <a:lnRef idx="1">
+                <a:schemeClr val="accent1"/>
+              </a:lnRef>
+              <a:fillRef idx="0">
+                <a:schemeClr val="accent1"/>
+              </a:fillRef>
+              <a:effectRef idx="0">
+                <a:schemeClr val="accent1"/>
+              </a:effectRef>
+              <a:fontRef idx="minor">
+                <a:schemeClr val="tx1"/>
+              </a:fontRef>
+            </p:style>
+          </p:cxnSp>
+          <p:sp>
+            <p:nvSpPr>
+              <p:cNvPr id="39" name="직사각형 38">
+                <a:extLst>
+                  <a:ext uri="{FF2B5EF4-FFF2-40B4-BE49-F238E27FC236}">
+                    <a16:creationId xmlns:a16="http://schemas.microsoft.com/office/drawing/2014/main" id="{78A76B44-D22E-C044-8462-4F45E5A4F3B7}"/>
+                  </a:ext>
+                </a:extLst>
+              </p:cNvPr>
+              <p:cNvSpPr/>
+              <p:nvPr/>
+            </p:nvSpPr>
+            <p:spPr>
+              <a:xfrm>
+                <a:off x="4653729" y="2224969"/>
+                <a:ext cx="1844642" cy="571384"/>
+              </a:xfrm>
+              <a:prstGeom prst="rect">
+                <a:avLst/>
+              </a:prstGeom>
+              <a:solidFill>
+                <a:schemeClr val="accent3">
+                  <a:lumMod val="20000"/>
+                  <a:lumOff val="80000"/>
+                </a:schemeClr>
+              </a:solidFill>
+              <a:ln>
+                <a:noFill/>
+              </a:ln>
+            </p:spPr>
+            <p:style>
+              <a:lnRef idx="2">
+                <a:schemeClr val="accent1">
+                  <a:shade val="50000"/>
+                </a:schemeClr>
+              </a:lnRef>
+              <a:fillRef idx="1">
+                <a:schemeClr val="accent1"/>
+              </a:fillRef>
+              <a:effectRef idx="0">
+                <a:schemeClr val="accent1"/>
+              </a:effectRef>
+              <a:fontRef idx="minor">
+                <a:schemeClr val="lt1"/>
+              </a:fontRef>
+            </p:style>
+            <p:txBody>
+              <a:bodyPr rtlCol="0" anchor="ctr"/>
+              <a:lstStyle/>
+              <a:p>
+                <a:pPr algn="ctr"/>
+                <a:r>
+                  <a:rPr kumimoji="1" lang="ko-KR" altLang="en-US" dirty="0">
+                    <a:solidFill>
+                      <a:sysClr val="windowText" lastClr="000000"/>
+                    </a:solidFill>
+                  </a:rPr>
+                  <a:t>응답 결과 생성</a:t>
+                </a:r>
+              </a:p>
+            </p:txBody>
+          </p:sp>
+          <p:cxnSp>
+            <p:nvCxnSpPr>
+              <p:cNvPr id="40" name="직선 화살표 연결선 39">
+                <a:extLst>
+                  <a:ext uri="{FF2B5EF4-FFF2-40B4-BE49-F238E27FC236}">
+                    <a16:creationId xmlns:a16="http://schemas.microsoft.com/office/drawing/2014/main" id="{A7137176-BBE2-FE43-9C83-DE2275298839}"/>
+                  </a:ext>
+                </a:extLst>
+              </p:cNvPr>
+              <p:cNvCxnSpPr>
+                <a:cxnSpLocks/>
+              </p:cNvCxnSpPr>
+              <p:nvPr/>
+            </p:nvCxnSpPr>
+            <p:spPr>
+              <a:xfrm>
+                <a:off x="2719741" y="1588193"/>
+                <a:ext cx="1887239" cy="241412"/>
+              </a:xfrm>
+              <a:prstGeom prst="straightConnector1">
+                <a:avLst/>
+              </a:prstGeom>
+              <a:ln w="50800">
+                <a:solidFill>
+                  <a:schemeClr val="accent3"/>
+                </a:solidFill>
+                <a:tailEnd type="triangle"/>
+              </a:ln>
+            </p:spPr>
+            <p:style>
+              <a:lnRef idx="1">
+                <a:schemeClr val="accent1"/>
+              </a:lnRef>
+              <a:fillRef idx="0">
+                <a:schemeClr val="accent1"/>
+              </a:fillRef>
+              <a:effectRef idx="0">
+                <a:schemeClr val="accent1"/>
+              </a:effectRef>
+              <a:fontRef idx="minor">
+                <a:schemeClr val="tx1"/>
+              </a:fontRef>
+            </p:style>
+          </p:cxnSp>
+          <p:cxnSp>
+            <p:nvCxnSpPr>
+              <p:cNvPr id="42" name="직선 화살표 연결선 41">
+                <a:extLst>
+                  <a:ext uri="{FF2B5EF4-FFF2-40B4-BE49-F238E27FC236}">
+                    <a16:creationId xmlns:a16="http://schemas.microsoft.com/office/drawing/2014/main" id="{F92524E2-73DE-E64C-B53B-4D6685F00C0F}"/>
+                  </a:ext>
+                </a:extLst>
+              </p:cNvPr>
+              <p:cNvCxnSpPr>
+                <a:cxnSpLocks/>
+              </p:cNvCxnSpPr>
+              <p:nvPr/>
+            </p:nvCxnSpPr>
+            <p:spPr>
+              <a:xfrm flipH="1">
+                <a:off x="2723441" y="2783393"/>
+                <a:ext cx="1887239" cy="266649"/>
+              </a:xfrm>
+              <a:prstGeom prst="straightConnector1">
+                <a:avLst/>
+              </a:prstGeom>
+              <a:ln w="50800">
+                <a:solidFill>
+                  <a:schemeClr val="accent3"/>
+                </a:solidFill>
+                <a:tailEnd type="triangle"/>
+              </a:ln>
+            </p:spPr>
+            <p:style>
+              <a:lnRef idx="1">
+                <a:schemeClr val="accent1"/>
+              </a:lnRef>
+              <a:fillRef idx="0">
+                <a:schemeClr val="accent1"/>
+              </a:fillRef>
+              <a:effectRef idx="0">
+                <a:schemeClr val="accent1"/>
+              </a:effectRef>
+              <a:fontRef idx="minor">
+                <a:schemeClr val="tx1"/>
+              </a:fontRef>
+            </p:style>
+          </p:cxnSp>
+          <p:sp>
+            <p:nvSpPr>
+              <p:cNvPr id="44" name="직사각형 43">
+                <a:extLst>
+                  <a:ext uri="{FF2B5EF4-FFF2-40B4-BE49-F238E27FC236}">
+                    <a16:creationId xmlns:a16="http://schemas.microsoft.com/office/drawing/2014/main" id="{D551F177-E1F6-5545-8DB2-32FD616C44FB}"/>
+                  </a:ext>
+                </a:extLst>
+              </p:cNvPr>
+              <p:cNvSpPr/>
+              <p:nvPr/>
+            </p:nvSpPr>
+            <p:spPr>
+              <a:xfrm>
+                <a:off x="4653729" y="2796353"/>
+                <a:ext cx="1844642" cy="571384"/>
+              </a:xfrm>
+              <a:prstGeom prst="rect">
+                <a:avLst/>
+              </a:prstGeom>
+              <a:solidFill>
+                <a:schemeClr val="accent2">
+                  <a:lumMod val="20000"/>
+                  <a:lumOff val="80000"/>
+                </a:schemeClr>
+              </a:solidFill>
+              <a:ln>
+                <a:noFill/>
+              </a:ln>
+            </p:spPr>
+            <p:style>
+              <a:lnRef idx="2">
+                <a:schemeClr val="accent1">
+                  <a:shade val="50000"/>
+                </a:schemeClr>
+              </a:lnRef>
+              <a:fillRef idx="1">
+                <a:schemeClr val="accent1"/>
+              </a:fillRef>
+              <a:effectRef idx="0">
+                <a:schemeClr val="accent1"/>
+              </a:effectRef>
+              <a:fontRef idx="minor">
+                <a:schemeClr val="lt1"/>
+              </a:fontRef>
+            </p:style>
+            <p:txBody>
+              <a:bodyPr rtlCol="0" anchor="ctr"/>
+              <a:lstStyle/>
+              <a:p>
+                <a:pPr algn="ctr"/>
+                <a:r>
+                  <a:rPr kumimoji="1" lang="ko-KR" altLang="en-US" dirty="0">
+                    <a:solidFill>
+                      <a:sysClr val="windowText" lastClr="000000"/>
+                    </a:solidFill>
+                  </a:rPr>
+                  <a:t>응답 결과 생성</a:t>
+                </a:r>
+              </a:p>
+            </p:txBody>
+          </p:sp>
+          <p:cxnSp>
+            <p:nvCxnSpPr>
+              <p:cNvPr id="45" name="직선 화살표 연결선 44">
+                <a:extLst>
+                  <a:ext uri="{FF2B5EF4-FFF2-40B4-BE49-F238E27FC236}">
+                    <a16:creationId xmlns:a16="http://schemas.microsoft.com/office/drawing/2014/main" id="{C39EFA3F-5BD5-8844-A929-CD165C86DA79}"/>
+                  </a:ext>
+                </a:extLst>
+              </p:cNvPr>
+              <p:cNvCxnSpPr>
+                <a:cxnSpLocks/>
+              </p:cNvCxnSpPr>
+              <p:nvPr/>
+            </p:nvCxnSpPr>
+            <p:spPr>
+              <a:xfrm>
+                <a:off x="2719741" y="1757365"/>
+                <a:ext cx="1887239" cy="241412"/>
+              </a:xfrm>
+              <a:prstGeom prst="straightConnector1">
+                <a:avLst/>
+              </a:prstGeom>
+              <a:ln w="50800">
+                <a:solidFill>
+                  <a:schemeClr val="accent2"/>
+                </a:solidFill>
+                <a:tailEnd type="triangle"/>
+              </a:ln>
+            </p:spPr>
+            <p:style>
+              <a:lnRef idx="1">
+                <a:schemeClr val="accent1"/>
+              </a:lnRef>
+              <a:fillRef idx="0">
+                <a:schemeClr val="accent1"/>
+              </a:fillRef>
+              <a:effectRef idx="0">
+                <a:schemeClr val="accent1"/>
+              </a:effectRef>
+              <a:fontRef idx="minor">
+                <a:schemeClr val="tx1"/>
+              </a:fontRef>
+            </p:style>
+          </p:cxnSp>
+          <p:cxnSp>
+            <p:nvCxnSpPr>
+              <p:cNvPr id="47" name="직선 화살표 연결선 46">
+                <a:extLst>
+                  <a:ext uri="{FF2B5EF4-FFF2-40B4-BE49-F238E27FC236}">
+                    <a16:creationId xmlns:a16="http://schemas.microsoft.com/office/drawing/2014/main" id="{E606C51B-A2B3-094C-97D3-3F1321FB83A6}"/>
+                  </a:ext>
+                </a:extLst>
+              </p:cNvPr>
+              <p:cNvCxnSpPr>
+                <a:cxnSpLocks/>
+              </p:cNvCxnSpPr>
+              <p:nvPr/>
+            </p:nvCxnSpPr>
+            <p:spPr>
+              <a:xfrm flipH="1">
+                <a:off x="2716042" y="3367737"/>
+                <a:ext cx="1887239" cy="266649"/>
+              </a:xfrm>
+              <a:prstGeom prst="straightConnector1">
+                <a:avLst/>
+              </a:prstGeom>
+              <a:ln w="50800">
+                <a:solidFill>
+                  <a:schemeClr val="accent2"/>
+                </a:solidFill>
+                <a:tailEnd type="triangle"/>
+              </a:ln>
+            </p:spPr>
+            <p:style>
+              <a:lnRef idx="1">
+                <a:schemeClr val="accent1"/>
+              </a:lnRef>
+              <a:fillRef idx="0">
+                <a:schemeClr val="accent1"/>
+              </a:fillRef>
+              <a:effectRef idx="0">
+                <a:schemeClr val="accent1"/>
+              </a:effectRef>
+              <a:fontRef idx="minor">
+                <a:schemeClr val="tx1"/>
+              </a:fontRef>
+            </p:style>
+          </p:cxnSp>
+        </p:grpSp>
+        <p:cxnSp>
+          <p:nvCxnSpPr>
+            <p:cNvPr id="18" name="직선 화살표 연결선 17">
+              <a:extLst>
+                <a:ext uri="{FF2B5EF4-FFF2-40B4-BE49-F238E27FC236}">
+                  <a16:creationId xmlns:a16="http://schemas.microsoft.com/office/drawing/2014/main" id="{5FF787BA-1BDD-0C4A-BEC1-CADF43707DE5}"/>
+                </a:ext>
+              </a:extLst>
+            </p:cNvPr>
+            <p:cNvCxnSpPr>
+              <a:cxnSpLocks/>
+            </p:cNvCxnSpPr>
+            <p:nvPr/>
+          </p:nvCxnSpPr>
+          <p:spPr>
+            <a:xfrm flipH="1">
+              <a:off x="2723441" y="2224969"/>
+              <a:ext cx="1893371" cy="1919014"/>
+            </a:xfrm>
+            <a:prstGeom prst="straightConnector1">
+              <a:avLst/>
+            </a:prstGeom>
+            <a:ln w="50800">
+              <a:solidFill>
+                <a:schemeClr val="accent4"/>
+              </a:solidFill>
+              <a:tailEnd type="triangle"/>
+            </a:ln>
+          </p:spPr>
+          <p:style>
+            <a:lnRef idx="1">
+              <a:schemeClr val="accent1"/>
+            </a:lnRef>
+            <a:fillRef idx="0">
+              <a:schemeClr val="accent1"/>
+            </a:fillRef>
+            <a:effectRef idx="0">
+              <a:schemeClr val="accent1"/>
+            </a:effectRef>
+            <a:fontRef idx="minor">
+              <a:schemeClr val="tx1"/>
+            </a:fontRef>
+          </p:style>
+        </p:cxnSp>
+      </p:grpSp>
+    </p:spTree>
+    <p:extLst>
+      <p:ext uri="{BB962C8B-B14F-4D97-AF65-F5344CB8AC3E}">
+        <p14:creationId xmlns:p14="http://schemas.microsoft.com/office/powerpoint/2010/main" val="3072987871"/>
+      </p:ext>
+    </p:extLst>
+  </p:cSld>
+  <p:clrMapOvr>
+    <a:masterClrMapping/>
+  </p:clrMapOvr>
+</p:sld>
+</file>
+
+<file path=ppt/slides/slide15.xml><?xml version="1.0" encoding="utf-8"?>
+<p:sld xmlns:a="http://schemas.openxmlformats.org/drawingml/2006/main" xmlns:r="http://schemas.openxmlformats.org/officeDocument/2006/relationships" xmlns:p="http://schemas.openxmlformats.org/presentationml/2006/main">
+  <p:cSld>
+    <p:spTree>
+      <p:nvGrpSpPr>
+        <p:cNvPr id="1" name=""/>
+        <p:cNvGrpSpPr/>
+        <p:nvPr/>
+      </p:nvGrpSpPr>
+      <p:grpSpPr>
+        <a:xfrm>
+          <a:off x="0" y="0"/>
+          <a:ext cx="0" cy="0"/>
+          <a:chOff x="0" y="0"/>
+          <a:chExt cx="0" cy="0"/>
+        </a:xfrm>
+      </p:grpSpPr>
+      <p:grpSp>
+        <p:nvGrpSpPr>
+          <p:cNvPr id="83" name="그룹 82">
+            <a:extLst>
+              <a:ext uri="{FF2B5EF4-FFF2-40B4-BE49-F238E27FC236}">
+                <a16:creationId xmlns:a16="http://schemas.microsoft.com/office/drawing/2014/main" id="{6C200FE1-57B7-D44E-9E33-7CBA9FF4C0EF}"/>
+              </a:ext>
+            </a:extLst>
+          </p:cNvPr>
+          <p:cNvGrpSpPr/>
+          <p:nvPr/>
+        </p:nvGrpSpPr>
+        <p:grpSpPr>
+          <a:xfrm>
+            <a:off x="906185" y="-116351"/>
+            <a:ext cx="10924624" cy="7449308"/>
+            <a:chOff x="906185" y="-116351"/>
+            <a:chExt cx="10924624" cy="7449308"/>
+          </a:xfrm>
+        </p:grpSpPr>
+        <p:sp>
+          <p:nvSpPr>
+            <p:cNvPr id="35" name="모서리가 둥근 직사각형 34">
+              <a:extLst>
+                <a:ext uri="{FF2B5EF4-FFF2-40B4-BE49-F238E27FC236}">
+                  <a16:creationId xmlns:a16="http://schemas.microsoft.com/office/drawing/2014/main" id="{8D6950B7-E335-1B42-B9BA-0674D45E66B0}"/>
+                </a:ext>
+              </a:extLst>
+            </p:cNvPr>
+            <p:cNvSpPr/>
+            <p:nvPr/>
+          </p:nvSpPr>
+          <p:spPr>
+            <a:xfrm>
+              <a:off x="3225984" y="2405186"/>
+              <a:ext cx="1869913" cy="710646"/>
+            </a:xfrm>
+            <a:prstGeom prst="roundRect">
+              <a:avLst/>
+            </a:prstGeom>
+            <a:solidFill>
+              <a:schemeClr val="accent3">
+                <a:alpha val="30000"/>
+              </a:schemeClr>
+            </a:solidFill>
+            <a:ln>
+              <a:noFill/>
+            </a:ln>
+          </p:spPr>
+          <p:style>
+            <a:lnRef idx="2">
+              <a:schemeClr val="accent1">
+                <a:shade val="50000"/>
+              </a:schemeClr>
+            </a:lnRef>
+            <a:fillRef idx="1">
+              <a:schemeClr val="accent1"/>
+            </a:fillRef>
+            <a:effectRef idx="0">
+              <a:schemeClr val="accent1"/>
+            </a:effectRef>
+            <a:fontRef idx="minor">
+              <a:schemeClr val="lt1"/>
+            </a:fontRef>
+          </p:style>
+          <p:txBody>
+            <a:bodyPr rtlCol="0" anchor="t"/>
+            <a:lstStyle/>
+            <a:p>
+              <a:pPr algn="ctr"/>
+              <a:endParaRPr kumimoji="1" lang="ko-KR" altLang="en-US" sz="1100" dirty="0">
+                <a:solidFill>
+                  <a:schemeClr val="tx1"/>
+                </a:solidFill>
+              </a:endParaRPr>
+            </a:p>
+          </p:txBody>
+        </p:sp>
+        <p:sp>
+          <p:nvSpPr>
+            <p:cNvPr id="31" name="모서리가 둥근 직사각형 30">
+              <a:extLst>
+                <a:ext uri="{FF2B5EF4-FFF2-40B4-BE49-F238E27FC236}">
+                  <a16:creationId xmlns:a16="http://schemas.microsoft.com/office/drawing/2014/main" id="{C8C0CD54-F005-154A-A508-08967DD6D30A}"/>
+                </a:ext>
+              </a:extLst>
+            </p:cNvPr>
+            <p:cNvSpPr/>
+            <p:nvPr/>
+          </p:nvSpPr>
+          <p:spPr>
+            <a:xfrm>
+              <a:off x="3225984" y="760657"/>
+              <a:ext cx="1844266" cy="710646"/>
+            </a:xfrm>
+            <a:prstGeom prst="roundRect">
+              <a:avLst/>
+            </a:prstGeom>
+            <a:solidFill>
+              <a:schemeClr val="accent3">
+                <a:alpha val="30000"/>
+              </a:schemeClr>
+            </a:solidFill>
+            <a:ln>
+              <a:noFill/>
+            </a:ln>
+          </p:spPr>
+          <p:style>
+            <a:lnRef idx="2">
+              <a:schemeClr val="accent1">
+                <a:shade val="50000"/>
+              </a:schemeClr>
+            </a:lnRef>
+            <a:fillRef idx="1">
+              <a:schemeClr val="accent1"/>
+            </a:fillRef>
+            <a:effectRef idx="0">
+              <a:schemeClr val="accent1"/>
+            </a:effectRef>
+            <a:fontRef idx="minor">
+              <a:schemeClr val="lt1"/>
+            </a:fontRef>
+          </p:style>
+          <p:txBody>
+            <a:bodyPr rtlCol="0" anchor="t"/>
+            <a:lstStyle/>
+            <a:p>
+              <a:pPr algn="ctr"/>
+              <a:endParaRPr kumimoji="1" lang="ko-KR" altLang="en-US" sz="1100" dirty="0">
+                <a:solidFill>
+                  <a:schemeClr val="tx1"/>
+                </a:solidFill>
+              </a:endParaRPr>
+            </a:p>
+          </p:txBody>
+        </p:sp>
+        <p:pic>
+          <p:nvPicPr>
+            <p:cNvPr id="29" name="그림 28">
+              <a:extLst>
+                <a:ext uri="{FF2B5EF4-FFF2-40B4-BE49-F238E27FC236}">
+                  <a16:creationId xmlns:a16="http://schemas.microsoft.com/office/drawing/2014/main" id="{49AACB4D-EB3D-614F-8C36-FDB8C102D0A7}"/>
+                </a:ext>
+              </a:extLst>
+            </p:cNvPr>
+            <p:cNvPicPr>
+              <a:picLocks noChangeAspect="1"/>
+            </p:cNvPicPr>
+            <p:nvPr/>
+          </p:nvPicPr>
+          <p:blipFill>
+            <a:blip r:embed="rId3"/>
+            <a:stretch>
+              <a:fillRect/>
+            </a:stretch>
+          </p:blipFill>
+          <p:spPr>
+            <a:xfrm>
+              <a:off x="10095143" y="1115980"/>
+              <a:ext cx="1735666" cy="1735666"/>
+            </a:xfrm>
+            <a:prstGeom prst="rect">
+              <a:avLst/>
+            </a:prstGeom>
+          </p:spPr>
+        </p:pic>
+        <p:pic>
+          <p:nvPicPr>
+            <p:cNvPr id="3" name="그림 2">
+              <a:extLst>
+                <a:ext uri="{FF2B5EF4-FFF2-40B4-BE49-F238E27FC236}">
+                  <a16:creationId xmlns:a16="http://schemas.microsoft.com/office/drawing/2014/main" id="{D39F49DD-AB6F-C444-A483-576E5D66E50F}"/>
+                </a:ext>
+              </a:extLst>
+            </p:cNvPr>
+            <p:cNvPicPr>
+              <a:picLocks noChangeAspect="1"/>
+            </p:cNvPicPr>
+            <p:nvPr/>
+          </p:nvPicPr>
+          <p:blipFill>
+            <a:blip r:embed="rId4"/>
+            <a:stretch>
+              <a:fillRect/>
+            </a:stretch>
+          </p:blipFill>
+          <p:spPr>
+            <a:xfrm>
+              <a:off x="906185" y="1005912"/>
+              <a:ext cx="1955800" cy="1955800"/>
+            </a:xfrm>
+            <a:prstGeom prst="rect">
+              <a:avLst/>
+            </a:prstGeom>
+          </p:spPr>
+        </p:pic>
+        <p:pic>
+          <p:nvPicPr>
+            <p:cNvPr id="8" name="그림 7">
+              <a:extLst>
+                <a:ext uri="{FF2B5EF4-FFF2-40B4-BE49-F238E27FC236}">
+                  <a16:creationId xmlns:a16="http://schemas.microsoft.com/office/drawing/2014/main" id="{266AC016-8DF5-A54A-ABD8-FF7A79C2A524}"/>
+                </a:ext>
+              </a:extLst>
+            </p:cNvPr>
+            <p:cNvPicPr>
+              <a:picLocks noChangeAspect="1"/>
+            </p:cNvPicPr>
+            <p:nvPr/>
+          </p:nvPicPr>
+          <p:blipFill>
+            <a:blip r:embed="rId3"/>
+            <a:stretch>
+              <a:fillRect/>
+            </a:stretch>
+          </p:blipFill>
+          <p:spPr>
+            <a:xfrm>
+              <a:off x="9434743" y="1115980"/>
+              <a:ext cx="1735666" cy="1735666"/>
+            </a:xfrm>
+            <a:prstGeom prst="rect">
+              <a:avLst/>
+            </a:prstGeom>
+          </p:spPr>
+        </p:pic>
+        <p:pic>
+          <p:nvPicPr>
+            <p:cNvPr id="13" name="그림 12">
+              <a:extLst>
+                <a:ext uri="{FF2B5EF4-FFF2-40B4-BE49-F238E27FC236}">
+                  <a16:creationId xmlns:a16="http://schemas.microsoft.com/office/drawing/2014/main" id="{B7184082-5579-A344-8438-2941D1B45F03}"/>
+                </a:ext>
+              </a:extLst>
+            </p:cNvPr>
+            <p:cNvPicPr>
+              <a:picLocks noChangeAspect="1"/>
+            </p:cNvPicPr>
+            <p:nvPr/>
+          </p:nvPicPr>
+          <p:blipFill>
+            <a:blip r:embed="rId5"/>
+            <a:stretch>
+              <a:fillRect/>
+            </a:stretch>
+          </p:blipFill>
+          <p:spPr>
+            <a:xfrm>
+              <a:off x="3332976" y="2523742"/>
+              <a:ext cx="505096" cy="505096"/>
+            </a:xfrm>
+            <a:prstGeom prst="rect">
+              <a:avLst/>
+            </a:prstGeom>
+          </p:spPr>
+        </p:pic>
+        <p:pic>
+          <p:nvPicPr>
+            <p:cNvPr id="24" name="그림 23">
+              <a:extLst>
+                <a:ext uri="{FF2B5EF4-FFF2-40B4-BE49-F238E27FC236}">
+                  <a16:creationId xmlns:a16="http://schemas.microsoft.com/office/drawing/2014/main" id="{F1946A72-32A0-984E-8EEB-ACB5FE30F638}"/>
+                </a:ext>
+              </a:extLst>
+            </p:cNvPr>
+            <p:cNvPicPr>
+              <a:picLocks noChangeAspect="1"/>
+            </p:cNvPicPr>
+            <p:nvPr/>
+          </p:nvPicPr>
+          <p:blipFill>
+            <a:blip r:embed="rId6"/>
+            <a:stretch>
+              <a:fillRect/>
+            </a:stretch>
+          </p:blipFill>
+          <p:spPr>
+            <a:xfrm>
+              <a:off x="3272662" y="831621"/>
+              <a:ext cx="590888" cy="590888"/>
+            </a:xfrm>
+            <a:prstGeom prst="rect">
+              <a:avLst/>
+            </a:prstGeom>
+          </p:spPr>
+        </p:pic>
+        <p:sp>
+          <p:nvSpPr>
+            <p:cNvPr id="15" name="TextBox 14">
+              <a:extLst>
+                <a:ext uri="{FF2B5EF4-FFF2-40B4-BE49-F238E27FC236}">
+                  <a16:creationId xmlns:a16="http://schemas.microsoft.com/office/drawing/2014/main" id="{6158A0E3-D706-8947-AE2D-4877027FE539}"/>
+                </a:ext>
+              </a:extLst>
+            </p:cNvPr>
+            <p:cNvSpPr txBox="1"/>
+            <p:nvPr/>
+          </p:nvSpPr>
+          <p:spPr>
+            <a:xfrm>
+              <a:off x="3825422" y="942399"/>
+              <a:ext cx="1092543" cy="369332"/>
+            </a:xfrm>
+            <a:prstGeom prst="rect">
+              <a:avLst/>
+            </a:prstGeom>
+            <a:noFill/>
+          </p:spPr>
+          <p:txBody>
+            <a:bodyPr wrap="none" rtlCol="0">
+              <a:spAutoFit/>
+            </a:bodyPr>
+            <a:lstStyle/>
+            <a:p>
+              <a:r>
+                <a:rPr kumimoji="1" lang="en-US" altLang="ko-KR" dirty="0" err="1"/>
+                <a:t>beomy.js</a:t>
+              </a:r>
+              <a:endParaRPr kumimoji="1" lang="ko-KR" altLang="en-US" dirty="0"/>
+            </a:p>
+          </p:txBody>
+        </p:sp>
+        <p:sp>
+          <p:nvSpPr>
+            <p:cNvPr id="32" name="모서리가 둥근 직사각형 31">
+              <a:extLst>
+                <a:ext uri="{FF2B5EF4-FFF2-40B4-BE49-F238E27FC236}">
+                  <a16:creationId xmlns:a16="http://schemas.microsoft.com/office/drawing/2014/main" id="{6033600F-4895-1E45-8824-ABA909E74EE6}"/>
+                </a:ext>
+              </a:extLst>
+            </p:cNvPr>
+            <p:cNvSpPr/>
+            <p:nvPr/>
+          </p:nvSpPr>
+          <p:spPr>
+            <a:xfrm>
+              <a:off x="3225985" y="1582081"/>
+              <a:ext cx="1869912" cy="710646"/>
+            </a:xfrm>
+            <a:prstGeom prst="roundRect">
+              <a:avLst/>
+            </a:prstGeom>
+            <a:solidFill>
+              <a:schemeClr val="accent3">
+                <a:alpha val="30000"/>
+              </a:schemeClr>
+            </a:solidFill>
+            <a:ln>
+              <a:noFill/>
+            </a:ln>
+          </p:spPr>
+          <p:style>
+            <a:lnRef idx="2">
+              <a:schemeClr val="accent1">
+                <a:shade val="50000"/>
+              </a:schemeClr>
+            </a:lnRef>
+            <a:fillRef idx="1">
+              <a:schemeClr val="accent1"/>
+            </a:fillRef>
+            <a:effectRef idx="0">
+              <a:schemeClr val="accent1"/>
+            </a:effectRef>
+            <a:fontRef idx="minor">
+              <a:schemeClr val="lt1"/>
+            </a:fontRef>
+          </p:style>
+          <p:txBody>
+            <a:bodyPr rtlCol="0" anchor="t"/>
+            <a:lstStyle/>
+            <a:p>
+              <a:pPr algn="ctr"/>
+              <a:endParaRPr kumimoji="1" lang="ko-KR" altLang="en-US" sz="1100" dirty="0">
+                <a:solidFill>
+                  <a:schemeClr val="tx1"/>
+                </a:solidFill>
+              </a:endParaRPr>
+            </a:p>
+          </p:txBody>
+        </p:sp>
+        <p:pic>
+          <p:nvPicPr>
+            <p:cNvPr id="33" name="그림 32">
+              <a:extLst>
+                <a:ext uri="{FF2B5EF4-FFF2-40B4-BE49-F238E27FC236}">
+                  <a16:creationId xmlns:a16="http://schemas.microsoft.com/office/drawing/2014/main" id="{B2BF5525-6DD6-0B42-8E1F-CFF93AB65B40}"/>
+                </a:ext>
+              </a:extLst>
+            </p:cNvPr>
+            <p:cNvPicPr>
+              <a:picLocks noChangeAspect="1"/>
+            </p:cNvPicPr>
+            <p:nvPr/>
+          </p:nvPicPr>
+          <p:blipFill>
+            <a:blip r:embed="rId6"/>
+            <a:stretch>
+              <a:fillRect/>
+            </a:stretch>
+          </p:blipFill>
+          <p:spPr>
+            <a:xfrm>
+              <a:off x="3272662" y="1653045"/>
+              <a:ext cx="590888" cy="590888"/>
+            </a:xfrm>
+            <a:prstGeom prst="rect">
+              <a:avLst/>
+            </a:prstGeom>
+          </p:spPr>
+        </p:pic>
+        <p:sp>
+          <p:nvSpPr>
+            <p:cNvPr id="34" name="TextBox 33">
+              <a:extLst>
+                <a:ext uri="{FF2B5EF4-FFF2-40B4-BE49-F238E27FC236}">
+                  <a16:creationId xmlns:a16="http://schemas.microsoft.com/office/drawing/2014/main" id="{380BC1E5-32B4-014D-AE4B-6B183A040828}"/>
+                </a:ext>
+              </a:extLst>
+            </p:cNvPr>
+            <p:cNvSpPr txBox="1"/>
+            <p:nvPr/>
+          </p:nvSpPr>
+          <p:spPr>
+            <a:xfrm>
+              <a:off x="3825422" y="1763823"/>
+              <a:ext cx="1244828" cy="369332"/>
+            </a:xfrm>
+            <a:prstGeom prst="rect">
+              <a:avLst/>
+            </a:prstGeom>
+            <a:noFill/>
+          </p:spPr>
+          <p:txBody>
+            <a:bodyPr wrap="none" rtlCol="0">
+              <a:spAutoFit/>
+            </a:bodyPr>
+            <a:lstStyle/>
+            <a:p>
+              <a:r>
+                <a:rPr kumimoji="1" lang="en-US" altLang="ko-KR" dirty="0" err="1"/>
+                <a:t>beomy.css</a:t>
+              </a:r>
+              <a:endParaRPr kumimoji="1" lang="ko-KR" altLang="en-US" dirty="0"/>
+            </a:p>
+          </p:txBody>
+        </p:sp>
+        <p:sp>
+          <p:nvSpPr>
+            <p:cNvPr id="36" name="TextBox 35">
+              <a:extLst>
+                <a:ext uri="{FF2B5EF4-FFF2-40B4-BE49-F238E27FC236}">
+                  <a16:creationId xmlns:a16="http://schemas.microsoft.com/office/drawing/2014/main" id="{AABC15AD-123D-794B-8497-0CF9A13B931D}"/>
+                </a:ext>
+              </a:extLst>
+            </p:cNvPr>
+            <p:cNvSpPr txBox="1"/>
+            <p:nvPr/>
+          </p:nvSpPr>
+          <p:spPr>
+            <a:xfrm>
+              <a:off x="3825422" y="2586928"/>
+              <a:ext cx="1270476" cy="369332"/>
+            </a:xfrm>
+            <a:prstGeom prst="rect">
+              <a:avLst/>
+            </a:prstGeom>
+            <a:noFill/>
+          </p:spPr>
+          <p:txBody>
+            <a:bodyPr wrap="none" rtlCol="0">
+              <a:spAutoFit/>
+            </a:bodyPr>
+            <a:lstStyle/>
+            <a:p>
+              <a:r>
+                <a:rPr kumimoji="1" lang="en-US" altLang="ko-KR" dirty="0" err="1"/>
+                <a:t>beomy.jpg</a:t>
+              </a:r>
+              <a:endParaRPr kumimoji="1" lang="ko-KR" altLang="en-US" dirty="0"/>
+            </a:p>
+          </p:txBody>
+        </p:sp>
+        <p:sp>
+          <p:nvSpPr>
+            <p:cNvPr id="46" name="모서리가 둥근 직사각형 45">
+              <a:extLst>
+                <a:ext uri="{FF2B5EF4-FFF2-40B4-BE49-F238E27FC236}">
+                  <a16:creationId xmlns:a16="http://schemas.microsoft.com/office/drawing/2014/main" id="{A106770D-4801-6949-8784-76EB0AA1D1D0}"/>
+                </a:ext>
+              </a:extLst>
+            </p:cNvPr>
+            <p:cNvSpPr/>
+            <p:nvPr/>
+          </p:nvSpPr>
+          <p:spPr>
+            <a:xfrm>
+              <a:off x="7689127" y="2405186"/>
+              <a:ext cx="1869913" cy="710646"/>
+            </a:xfrm>
+            <a:prstGeom prst="roundRect">
+              <a:avLst/>
+            </a:prstGeom>
+            <a:solidFill>
+              <a:schemeClr val="accent3">
+                <a:alpha val="30000"/>
+              </a:schemeClr>
+            </a:solidFill>
+            <a:ln>
+              <a:noFill/>
+            </a:ln>
+          </p:spPr>
+          <p:style>
+            <a:lnRef idx="2">
+              <a:schemeClr val="accent1">
+                <a:shade val="50000"/>
+              </a:schemeClr>
+            </a:lnRef>
+            <a:fillRef idx="1">
+              <a:schemeClr val="accent1"/>
+            </a:fillRef>
+            <a:effectRef idx="0">
+              <a:schemeClr val="accent1"/>
+            </a:effectRef>
+            <a:fontRef idx="minor">
+              <a:schemeClr val="lt1"/>
+            </a:fontRef>
+          </p:style>
+          <p:txBody>
+            <a:bodyPr rtlCol="0" anchor="t"/>
+            <a:lstStyle/>
+            <a:p>
+              <a:pPr algn="ctr"/>
+              <a:endParaRPr kumimoji="1" lang="ko-KR" altLang="en-US" sz="1100" dirty="0">
+                <a:solidFill>
+                  <a:schemeClr val="tx1"/>
+                </a:solidFill>
+              </a:endParaRPr>
+            </a:p>
+          </p:txBody>
+        </p:sp>
+        <p:sp>
+          <p:nvSpPr>
+            <p:cNvPr id="47" name="모서리가 둥근 직사각형 46">
+              <a:extLst>
+                <a:ext uri="{FF2B5EF4-FFF2-40B4-BE49-F238E27FC236}">
+                  <a16:creationId xmlns:a16="http://schemas.microsoft.com/office/drawing/2014/main" id="{008679D5-2BF9-CE43-9E40-3E2205645F71}"/>
+                </a:ext>
+              </a:extLst>
+            </p:cNvPr>
+            <p:cNvSpPr/>
+            <p:nvPr/>
+          </p:nvSpPr>
+          <p:spPr>
+            <a:xfrm>
+              <a:off x="7689127" y="760657"/>
+              <a:ext cx="1844266" cy="710646"/>
+            </a:xfrm>
+            <a:prstGeom prst="roundRect">
+              <a:avLst/>
+            </a:prstGeom>
+            <a:solidFill>
+              <a:schemeClr val="accent3">
+                <a:alpha val="30000"/>
+              </a:schemeClr>
+            </a:solidFill>
+            <a:ln>
+              <a:noFill/>
+            </a:ln>
+          </p:spPr>
+          <p:style>
+            <a:lnRef idx="2">
+              <a:schemeClr val="accent1">
+                <a:shade val="50000"/>
+              </a:schemeClr>
+            </a:lnRef>
+            <a:fillRef idx="1">
+              <a:schemeClr val="accent1"/>
+            </a:fillRef>
+            <a:effectRef idx="0">
+              <a:schemeClr val="accent1"/>
+            </a:effectRef>
+            <a:fontRef idx="minor">
+              <a:schemeClr val="lt1"/>
+            </a:fontRef>
+          </p:style>
+          <p:txBody>
+            <a:bodyPr rtlCol="0" anchor="t"/>
+            <a:lstStyle/>
+            <a:p>
+              <a:pPr algn="ctr"/>
+              <a:endParaRPr kumimoji="1" lang="ko-KR" altLang="en-US" sz="1100" dirty="0">
+                <a:solidFill>
+                  <a:schemeClr val="tx1"/>
+                </a:solidFill>
+              </a:endParaRPr>
+            </a:p>
+          </p:txBody>
+        </p:sp>
+        <p:pic>
+          <p:nvPicPr>
+            <p:cNvPr id="48" name="그림 47">
+              <a:extLst>
+                <a:ext uri="{FF2B5EF4-FFF2-40B4-BE49-F238E27FC236}">
+                  <a16:creationId xmlns:a16="http://schemas.microsoft.com/office/drawing/2014/main" id="{B9DCE0D7-6BE1-394B-A72D-9B6E4CFFA447}"/>
+                </a:ext>
+              </a:extLst>
+            </p:cNvPr>
+            <p:cNvPicPr>
+              <a:picLocks noChangeAspect="1"/>
+            </p:cNvPicPr>
+            <p:nvPr/>
+          </p:nvPicPr>
+          <p:blipFill>
+            <a:blip r:embed="rId5"/>
+            <a:stretch>
+              <a:fillRect/>
+            </a:stretch>
+          </p:blipFill>
+          <p:spPr>
+            <a:xfrm>
+              <a:off x="7796119" y="2523742"/>
+              <a:ext cx="505096" cy="505096"/>
+            </a:xfrm>
+            <a:prstGeom prst="rect">
+              <a:avLst/>
+            </a:prstGeom>
+          </p:spPr>
+        </p:pic>
+        <p:pic>
+          <p:nvPicPr>
+            <p:cNvPr id="49" name="그림 48">
+              <a:extLst>
+                <a:ext uri="{FF2B5EF4-FFF2-40B4-BE49-F238E27FC236}">
+                  <a16:creationId xmlns:a16="http://schemas.microsoft.com/office/drawing/2014/main" id="{2CA9F9AF-9551-AC4C-AB46-1CCCB016A60B}"/>
+                </a:ext>
+              </a:extLst>
+            </p:cNvPr>
+            <p:cNvPicPr>
+              <a:picLocks noChangeAspect="1"/>
+            </p:cNvPicPr>
+            <p:nvPr/>
+          </p:nvPicPr>
+          <p:blipFill>
+            <a:blip r:embed="rId6"/>
+            <a:stretch>
+              <a:fillRect/>
+            </a:stretch>
+          </p:blipFill>
+          <p:spPr>
+            <a:xfrm>
+              <a:off x="7735805" y="831621"/>
+              <a:ext cx="590888" cy="590888"/>
+            </a:xfrm>
+            <a:prstGeom prst="rect">
+              <a:avLst/>
+            </a:prstGeom>
+          </p:spPr>
+        </p:pic>
+        <p:sp>
+          <p:nvSpPr>
+            <p:cNvPr id="50" name="TextBox 49">
+              <a:extLst>
+                <a:ext uri="{FF2B5EF4-FFF2-40B4-BE49-F238E27FC236}">
+                  <a16:creationId xmlns:a16="http://schemas.microsoft.com/office/drawing/2014/main" id="{D8E6C7B5-42DF-F24C-9E8C-00D8B40DD9C8}"/>
+                </a:ext>
+              </a:extLst>
+            </p:cNvPr>
+            <p:cNvSpPr txBox="1"/>
+            <p:nvPr/>
+          </p:nvSpPr>
+          <p:spPr>
+            <a:xfrm>
+              <a:off x="8288565" y="942399"/>
+              <a:ext cx="1092543" cy="369332"/>
+            </a:xfrm>
+            <a:prstGeom prst="rect">
+              <a:avLst/>
+            </a:prstGeom>
+            <a:noFill/>
+          </p:spPr>
+          <p:txBody>
+            <a:bodyPr wrap="none" rtlCol="0">
+              <a:spAutoFit/>
+            </a:bodyPr>
+            <a:lstStyle/>
+            <a:p>
+              <a:r>
+                <a:rPr kumimoji="1" lang="en-US" altLang="ko-KR" dirty="0" err="1"/>
+                <a:t>beomy.js</a:t>
+              </a:r>
+              <a:endParaRPr kumimoji="1" lang="ko-KR" altLang="en-US" dirty="0"/>
+            </a:p>
+          </p:txBody>
+        </p:sp>
+        <p:sp>
+          <p:nvSpPr>
+            <p:cNvPr id="51" name="모서리가 둥근 직사각형 50">
+              <a:extLst>
+                <a:ext uri="{FF2B5EF4-FFF2-40B4-BE49-F238E27FC236}">
+                  <a16:creationId xmlns:a16="http://schemas.microsoft.com/office/drawing/2014/main" id="{4D7B9FEB-4C95-3B48-84F7-5F9A7BE7DE2C}"/>
+                </a:ext>
+              </a:extLst>
+            </p:cNvPr>
+            <p:cNvSpPr/>
+            <p:nvPr/>
+          </p:nvSpPr>
+          <p:spPr>
+            <a:xfrm>
+              <a:off x="7689128" y="1582081"/>
+              <a:ext cx="1869912" cy="710646"/>
+            </a:xfrm>
+            <a:prstGeom prst="roundRect">
+              <a:avLst/>
+            </a:prstGeom>
+            <a:solidFill>
+              <a:schemeClr val="accent3">
+                <a:alpha val="30000"/>
+              </a:schemeClr>
+            </a:solidFill>
+            <a:ln>
+              <a:noFill/>
+            </a:ln>
+          </p:spPr>
+          <p:style>
+            <a:lnRef idx="2">
+              <a:schemeClr val="accent1">
+                <a:shade val="50000"/>
+              </a:schemeClr>
+            </a:lnRef>
+            <a:fillRef idx="1">
+              <a:schemeClr val="accent1"/>
+            </a:fillRef>
+            <a:effectRef idx="0">
+              <a:schemeClr val="accent1"/>
+            </a:effectRef>
+            <a:fontRef idx="minor">
+              <a:schemeClr val="lt1"/>
+            </a:fontRef>
+          </p:style>
+          <p:txBody>
+            <a:bodyPr rtlCol="0" anchor="t"/>
+            <a:lstStyle/>
+            <a:p>
+              <a:pPr algn="ctr"/>
+              <a:endParaRPr kumimoji="1" lang="ko-KR" altLang="en-US" sz="1100" dirty="0">
+                <a:solidFill>
+                  <a:schemeClr val="tx1"/>
+                </a:solidFill>
+              </a:endParaRPr>
+            </a:p>
+          </p:txBody>
+        </p:sp>
+        <p:pic>
+          <p:nvPicPr>
+            <p:cNvPr id="52" name="그림 51">
+              <a:extLst>
+                <a:ext uri="{FF2B5EF4-FFF2-40B4-BE49-F238E27FC236}">
+                  <a16:creationId xmlns:a16="http://schemas.microsoft.com/office/drawing/2014/main" id="{D784039D-F363-3942-936E-B9FB7015C534}"/>
+                </a:ext>
+              </a:extLst>
+            </p:cNvPr>
+            <p:cNvPicPr>
+              <a:picLocks noChangeAspect="1"/>
+            </p:cNvPicPr>
+            <p:nvPr/>
+          </p:nvPicPr>
+          <p:blipFill>
+            <a:blip r:embed="rId6"/>
+            <a:stretch>
+              <a:fillRect/>
+            </a:stretch>
+          </p:blipFill>
+          <p:spPr>
+            <a:xfrm>
+              <a:off x="7735805" y="1653045"/>
+              <a:ext cx="590888" cy="590888"/>
+            </a:xfrm>
+            <a:prstGeom prst="rect">
+              <a:avLst/>
+            </a:prstGeom>
+          </p:spPr>
+        </p:pic>
+        <p:sp>
+          <p:nvSpPr>
+            <p:cNvPr id="53" name="TextBox 52">
+              <a:extLst>
+                <a:ext uri="{FF2B5EF4-FFF2-40B4-BE49-F238E27FC236}">
+                  <a16:creationId xmlns:a16="http://schemas.microsoft.com/office/drawing/2014/main" id="{EA948435-D507-E648-A827-5FE7CF1C71BA}"/>
+                </a:ext>
+              </a:extLst>
+            </p:cNvPr>
+            <p:cNvSpPr txBox="1"/>
+            <p:nvPr/>
+          </p:nvSpPr>
+          <p:spPr>
+            <a:xfrm>
+              <a:off x="8288565" y="1763823"/>
+              <a:ext cx="1244828" cy="369332"/>
+            </a:xfrm>
+            <a:prstGeom prst="rect">
+              <a:avLst/>
+            </a:prstGeom>
+            <a:noFill/>
+          </p:spPr>
+          <p:txBody>
+            <a:bodyPr wrap="none" rtlCol="0">
+              <a:spAutoFit/>
+            </a:bodyPr>
+            <a:lstStyle/>
+            <a:p>
+              <a:r>
+                <a:rPr kumimoji="1" lang="en-US" altLang="ko-KR" dirty="0" err="1"/>
+                <a:t>beomy.css</a:t>
+              </a:r>
+              <a:endParaRPr kumimoji="1" lang="ko-KR" altLang="en-US" dirty="0"/>
+            </a:p>
+          </p:txBody>
+        </p:sp>
+        <p:sp>
+          <p:nvSpPr>
+            <p:cNvPr id="54" name="TextBox 53">
+              <a:extLst>
+                <a:ext uri="{FF2B5EF4-FFF2-40B4-BE49-F238E27FC236}">
+                  <a16:creationId xmlns:a16="http://schemas.microsoft.com/office/drawing/2014/main" id="{0A141380-E15E-A24D-95D4-72BB86993A4F}"/>
+                </a:ext>
+              </a:extLst>
+            </p:cNvPr>
+            <p:cNvSpPr txBox="1"/>
+            <p:nvPr/>
+          </p:nvSpPr>
+          <p:spPr>
+            <a:xfrm>
+              <a:off x="8288565" y="2586928"/>
+              <a:ext cx="1270476" cy="369332"/>
+            </a:xfrm>
+            <a:prstGeom prst="rect">
+              <a:avLst/>
+            </a:prstGeom>
+            <a:noFill/>
+          </p:spPr>
+          <p:txBody>
+            <a:bodyPr wrap="none" rtlCol="0">
+              <a:spAutoFit/>
+            </a:bodyPr>
+            <a:lstStyle/>
+            <a:p>
+              <a:r>
+                <a:rPr kumimoji="1" lang="en-US" altLang="ko-KR" dirty="0" err="1"/>
+                <a:t>beomy.jpg</a:t>
+              </a:r>
+              <a:endParaRPr kumimoji="1" lang="ko-KR" altLang="en-US" dirty="0"/>
+            </a:p>
+          </p:txBody>
+        </p:sp>
+        <p:cxnSp>
+          <p:nvCxnSpPr>
+            <p:cNvPr id="55" name="직선 화살표 연결선 54">
+              <a:extLst>
+                <a:ext uri="{FF2B5EF4-FFF2-40B4-BE49-F238E27FC236}">
+                  <a16:creationId xmlns:a16="http://schemas.microsoft.com/office/drawing/2014/main" id="{137301CB-F852-F448-9075-7C390E46CBF3}"/>
+                </a:ext>
+              </a:extLst>
+            </p:cNvPr>
+            <p:cNvCxnSpPr>
+              <a:cxnSpLocks/>
+              <a:stCxn id="31" idx="3"/>
+              <a:endCxn id="47" idx="1"/>
+            </p:cNvCxnSpPr>
+            <p:nvPr/>
+          </p:nvCxnSpPr>
+          <p:spPr>
+            <a:xfrm>
+              <a:off x="5070250" y="1115980"/>
+              <a:ext cx="2618877" cy="0"/>
+            </a:xfrm>
+            <a:prstGeom prst="straightConnector1">
+              <a:avLst/>
+            </a:prstGeom>
+            <a:ln w="50800">
+              <a:solidFill>
+                <a:schemeClr val="tx1"/>
+              </a:solidFill>
+              <a:headEnd type="triangle"/>
+              <a:tailEnd type="triangle"/>
+            </a:ln>
+          </p:spPr>
+          <p:style>
+            <a:lnRef idx="1">
+              <a:schemeClr val="accent1"/>
+            </a:lnRef>
+            <a:fillRef idx="0">
+              <a:schemeClr val="accent1"/>
+            </a:fillRef>
+            <a:effectRef idx="0">
+              <a:schemeClr val="accent1"/>
+            </a:effectRef>
+            <a:fontRef idx="minor">
+              <a:schemeClr val="tx1"/>
+            </a:fontRef>
+          </p:style>
+        </p:cxnSp>
+        <p:cxnSp>
+          <p:nvCxnSpPr>
+            <p:cNvPr id="56" name="직선 화살표 연결선 55">
+              <a:extLst>
+                <a:ext uri="{FF2B5EF4-FFF2-40B4-BE49-F238E27FC236}">
+                  <a16:creationId xmlns:a16="http://schemas.microsoft.com/office/drawing/2014/main" id="{CC70B3D7-AB20-2E4E-9A2C-EE3C950B82EA}"/>
+                </a:ext>
+              </a:extLst>
+            </p:cNvPr>
+            <p:cNvCxnSpPr>
+              <a:cxnSpLocks/>
+              <a:stCxn id="34" idx="3"/>
+              <a:endCxn id="51" idx="1"/>
+            </p:cNvCxnSpPr>
+            <p:nvPr/>
+          </p:nvCxnSpPr>
+          <p:spPr>
+            <a:xfrm flipV="1">
+              <a:off x="5070250" y="1937404"/>
+              <a:ext cx="2618878" cy="11085"/>
+            </a:xfrm>
+            <a:prstGeom prst="straightConnector1">
+              <a:avLst/>
+            </a:prstGeom>
+            <a:ln w="50800">
+              <a:solidFill>
+                <a:schemeClr val="tx1"/>
+              </a:solidFill>
+              <a:headEnd type="triangle"/>
+              <a:tailEnd type="triangle"/>
+            </a:ln>
+          </p:spPr>
+          <p:style>
+            <a:lnRef idx="1">
+              <a:schemeClr val="accent1"/>
+            </a:lnRef>
+            <a:fillRef idx="0">
+              <a:schemeClr val="accent1"/>
+            </a:fillRef>
+            <a:effectRef idx="0">
+              <a:schemeClr val="accent1"/>
+            </a:effectRef>
+            <a:fontRef idx="minor">
+              <a:schemeClr val="tx1"/>
+            </a:fontRef>
+          </p:style>
+        </p:cxnSp>
+        <p:cxnSp>
+          <p:nvCxnSpPr>
+            <p:cNvPr id="58" name="직선 화살표 연결선 57">
+              <a:extLst>
+                <a:ext uri="{FF2B5EF4-FFF2-40B4-BE49-F238E27FC236}">
+                  <a16:creationId xmlns:a16="http://schemas.microsoft.com/office/drawing/2014/main" id="{16B87902-4BA9-454B-BE61-8AFAB2774751}"/>
+                </a:ext>
+              </a:extLst>
+            </p:cNvPr>
+            <p:cNvCxnSpPr>
+              <a:cxnSpLocks/>
+              <a:stCxn id="36" idx="3"/>
+              <a:endCxn id="46" idx="1"/>
+            </p:cNvCxnSpPr>
+            <p:nvPr/>
+          </p:nvCxnSpPr>
+          <p:spPr>
+            <a:xfrm flipV="1">
+              <a:off x="5095898" y="2760509"/>
+              <a:ext cx="2593229" cy="11085"/>
+            </a:xfrm>
+            <a:prstGeom prst="straightConnector1">
+              <a:avLst/>
+            </a:prstGeom>
+            <a:ln w="50800">
+              <a:solidFill>
+                <a:schemeClr val="tx1"/>
+              </a:solidFill>
+              <a:headEnd type="triangle"/>
+              <a:tailEnd type="triangle"/>
+            </a:ln>
+          </p:spPr>
+          <p:style>
+            <a:lnRef idx="1">
+              <a:schemeClr val="accent1"/>
+            </a:lnRef>
+            <a:fillRef idx="0">
+              <a:schemeClr val="accent1"/>
+            </a:fillRef>
+            <a:effectRef idx="0">
+              <a:schemeClr val="accent1"/>
+            </a:effectRef>
+            <a:fontRef idx="minor">
+              <a:schemeClr val="tx1"/>
+            </a:fontRef>
+          </p:style>
+        </p:cxnSp>
+        <p:sp>
+          <p:nvSpPr>
+            <p:cNvPr id="61" name="직사각형 60">
+              <a:extLst>
+                <a:ext uri="{FF2B5EF4-FFF2-40B4-BE49-F238E27FC236}">
+                  <a16:creationId xmlns:a16="http://schemas.microsoft.com/office/drawing/2014/main" id="{55174690-2CE6-094F-B982-027AA0ABF2B6}"/>
+                </a:ext>
+              </a:extLst>
+            </p:cNvPr>
+            <p:cNvSpPr/>
+            <p:nvPr/>
+          </p:nvSpPr>
+          <p:spPr>
+            <a:xfrm>
+              <a:off x="3032759" y="228587"/>
+              <a:ext cx="6740434" cy="3193869"/>
+            </a:xfrm>
+            <a:prstGeom prst="rect">
+              <a:avLst/>
+            </a:prstGeom>
+            <a:noFill/>
+            <a:ln w="50800">
+              <a:solidFill>
+                <a:schemeClr val="tx1"/>
+              </a:solidFill>
+            </a:ln>
+          </p:spPr>
+          <p:style>
+            <a:lnRef idx="2">
+              <a:schemeClr val="accent1">
+                <a:shade val="50000"/>
+              </a:schemeClr>
+            </a:lnRef>
+            <a:fillRef idx="1">
+              <a:schemeClr val="accent1"/>
+            </a:fillRef>
+            <a:effectRef idx="0">
+              <a:schemeClr val="accent1"/>
+            </a:effectRef>
+            <a:fontRef idx="minor">
+              <a:schemeClr val="lt1"/>
+            </a:fontRef>
+          </p:style>
+          <p:txBody>
+            <a:bodyPr rtlCol="0" anchor="ctr"/>
+            <a:lstStyle/>
+            <a:p>
+              <a:pPr algn="ctr"/>
+              <a:endParaRPr kumimoji="1" lang="ko-KR" altLang="en-US"/>
+            </a:p>
+          </p:txBody>
+        </p:sp>
+        <p:sp>
+          <p:nvSpPr>
+            <p:cNvPr id="62" name="TextBox 61">
+              <a:extLst>
+                <a:ext uri="{FF2B5EF4-FFF2-40B4-BE49-F238E27FC236}">
+                  <a16:creationId xmlns:a16="http://schemas.microsoft.com/office/drawing/2014/main" id="{EE2FC08F-06E4-CE43-80CE-B9BB5D404EB0}"/>
+                </a:ext>
+              </a:extLst>
+            </p:cNvPr>
+            <p:cNvSpPr txBox="1"/>
+            <p:nvPr/>
+          </p:nvSpPr>
+          <p:spPr>
+            <a:xfrm>
+              <a:off x="5242130" y="-116351"/>
+              <a:ext cx="2275116" cy="646331"/>
+            </a:xfrm>
+            <a:prstGeom prst="rect">
+              <a:avLst/>
+            </a:prstGeom>
+            <a:solidFill>
+              <a:schemeClr val="bg1"/>
+            </a:solidFill>
+          </p:spPr>
+          <p:txBody>
+            <a:bodyPr wrap="square" rtlCol="0">
+              <a:spAutoFit/>
+            </a:bodyPr>
+            <a:lstStyle/>
+            <a:p>
+              <a:pPr algn="ctr"/>
+              <a:r>
+                <a:rPr kumimoji="1" lang="en-US" altLang="ko-KR" dirty="0"/>
+                <a:t>HTTP/1.1</a:t>
+              </a:r>
+            </a:p>
+            <a:p>
+              <a:pPr algn="ctr"/>
+              <a:r>
+                <a:rPr kumimoji="1" lang="en-US" altLang="ko-KR" dirty="0"/>
+                <a:t>3 TCP Connections</a:t>
+              </a:r>
+              <a:endParaRPr kumimoji="1" lang="ko-KR" altLang="en-US" dirty="0"/>
+            </a:p>
+          </p:txBody>
+        </p:sp>
+        <p:sp>
+          <p:nvSpPr>
+            <p:cNvPr id="63" name="모서리가 둥근 직사각형 62">
+              <a:extLst>
+                <a:ext uri="{FF2B5EF4-FFF2-40B4-BE49-F238E27FC236}">
+                  <a16:creationId xmlns:a16="http://schemas.microsoft.com/office/drawing/2014/main" id="{1B37E494-85D6-1F42-825B-D375BB6C4153}"/>
+                </a:ext>
+              </a:extLst>
+            </p:cNvPr>
+            <p:cNvSpPr/>
+            <p:nvPr/>
+          </p:nvSpPr>
+          <p:spPr>
+            <a:xfrm>
+              <a:off x="3225984" y="4520089"/>
+              <a:ext cx="1844266" cy="2634342"/>
+            </a:xfrm>
+            <a:prstGeom prst="roundRect">
+              <a:avLst/>
+            </a:prstGeom>
+            <a:solidFill>
+              <a:schemeClr val="accent3">
+                <a:alpha val="30000"/>
+              </a:schemeClr>
+            </a:solidFill>
+            <a:ln>
+              <a:noFill/>
+            </a:ln>
+          </p:spPr>
+          <p:style>
+            <a:lnRef idx="2">
+              <a:schemeClr val="accent1">
+                <a:shade val="50000"/>
+              </a:schemeClr>
+            </a:lnRef>
+            <a:fillRef idx="1">
+              <a:schemeClr val="accent1"/>
+            </a:fillRef>
+            <a:effectRef idx="0">
+              <a:schemeClr val="accent1"/>
+            </a:effectRef>
+            <a:fontRef idx="minor">
+              <a:schemeClr val="lt1"/>
+            </a:fontRef>
+          </p:style>
+          <p:txBody>
+            <a:bodyPr rtlCol="0" anchor="t"/>
+            <a:lstStyle/>
+            <a:p>
+              <a:pPr algn="ctr"/>
+              <a:endParaRPr kumimoji="1" lang="ko-KR" altLang="en-US" sz="1100" dirty="0">
+                <a:solidFill>
+                  <a:schemeClr val="tx1"/>
+                </a:solidFill>
+              </a:endParaRPr>
+            </a:p>
+          </p:txBody>
+        </p:sp>
+        <p:pic>
+          <p:nvPicPr>
+            <p:cNvPr id="64" name="그림 63">
+              <a:extLst>
+                <a:ext uri="{FF2B5EF4-FFF2-40B4-BE49-F238E27FC236}">
+                  <a16:creationId xmlns:a16="http://schemas.microsoft.com/office/drawing/2014/main" id="{EF576BFE-E822-9842-A374-62D5D4C7699B}"/>
+                </a:ext>
+              </a:extLst>
+            </p:cNvPr>
+            <p:cNvPicPr>
+              <a:picLocks noChangeAspect="1"/>
+            </p:cNvPicPr>
+            <p:nvPr/>
+          </p:nvPicPr>
+          <p:blipFill>
+            <a:blip r:embed="rId3"/>
+            <a:stretch>
+              <a:fillRect/>
+            </a:stretch>
+          </p:blipFill>
+          <p:spPr>
+            <a:xfrm>
+              <a:off x="10095143" y="5026481"/>
+              <a:ext cx="1735666" cy="1735666"/>
+            </a:xfrm>
+            <a:prstGeom prst="rect">
+              <a:avLst/>
+            </a:prstGeom>
+          </p:spPr>
+        </p:pic>
+        <p:pic>
+          <p:nvPicPr>
+            <p:cNvPr id="65" name="그림 64">
+              <a:extLst>
+                <a:ext uri="{FF2B5EF4-FFF2-40B4-BE49-F238E27FC236}">
+                  <a16:creationId xmlns:a16="http://schemas.microsoft.com/office/drawing/2014/main" id="{781CBAD9-767C-AF4A-897B-3A06951FAB53}"/>
+                </a:ext>
+              </a:extLst>
+            </p:cNvPr>
+            <p:cNvPicPr>
+              <a:picLocks noChangeAspect="1"/>
+            </p:cNvPicPr>
+            <p:nvPr/>
+          </p:nvPicPr>
+          <p:blipFill>
+            <a:blip r:embed="rId4"/>
+            <a:stretch>
+              <a:fillRect/>
+            </a:stretch>
+          </p:blipFill>
+          <p:spPr>
+            <a:xfrm>
+              <a:off x="906185" y="4916413"/>
+              <a:ext cx="1955800" cy="1955800"/>
+            </a:xfrm>
+            <a:prstGeom prst="rect">
+              <a:avLst/>
+            </a:prstGeom>
+          </p:spPr>
+        </p:pic>
+        <p:pic>
+          <p:nvPicPr>
+            <p:cNvPr id="66" name="그림 65">
+              <a:extLst>
+                <a:ext uri="{FF2B5EF4-FFF2-40B4-BE49-F238E27FC236}">
+                  <a16:creationId xmlns:a16="http://schemas.microsoft.com/office/drawing/2014/main" id="{E958896B-33A2-564A-B0C9-ECC3085E3125}"/>
+                </a:ext>
+              </a:extLst>
+            </p:cNvPr>
+            <p:cNvPicPr>
+              <a:picLocks noChangeAspect="1"/>
+            </p:cNvPicPr>
+            <p:nvPr/>
+          </p:nvPicPr>
+          <p:blipFill>
+            <a:blip r:embed="rId3"/>
+            <a:stretch>
+              <a:fillRect/>
+            </a:stretch>
+          </p:blipFill>
+          <p:spPr>
+            <a:xfrm>
+              <a:off x="9434743" y="5026481"/>
+              <a:ext cx="1735666" cy="1735666"/>
+            </a:xfrm>
+            <a:prstGeom prst="rect">
+              <a:avLst/>
+            </a:prstGeom>
+          </p:spPr>
+        </p:pic>
+        <p:pic>
+          <p:nvPicPr>
+            <p:cNvPr id="67" name="그림 66">
+              <a:extLst>
+                <a:ext uri="{FF2B5EF4-FFF2-40B4-BE49-F238E27FC236}">
+                  <a16:creationId xmlns:a16="http://schemas.microsoft.com/office/drawing/2014/main" id="{3E395906-7376-2840-A181-11F7A40BBB2F}"/>
+                </a:ext>
+              </a:extLst>
+            </p:cNvPr>
+            <p:cNvPicPr>
+              <a:picLocks noChangeAspect="1"/>
+            </p:cNvPicPr>
+            <p:nvPr/>
+          </p:nvPicPr>
+          <p:blipFill>
+            <a:blip r:embed="rId5"/>
+            <a:stretch>
+              <a:fillRect/>
+            </a:stretch>
+          </p:blipFill>
+          <p:spPr>
+            <a:xfrm>
+              <a:off x="3332976" y="6434243"/>
+              <a:ext cx="505096" cy="505096"/>
+            </a:xfrm>
+            <a:prstGeom prst="rect">
+              <a:avLst/>
+            </a:prstGeom>
+          </p:spPr>
+        </p:pic>
+        <p:pic>
+          <p:nvPicPr>
+            <p:cNvPr id="68" name="그림 67">
+              <a:extLst>
+                <a:ext uri="{FF2B5EF4-FFF2-40B4-BE49-F238E27FC236}">
+                  <a16:creationId xmlns:a16="http://schemas.microsoft.com/office/drawing/2014/main" id="{1AD9B3BC-05C9-A546-B6AD-D4C164D40B23}"/>
+                </a:ext>
+              </a:extLst>
+            </p:cNvPr>
+            <p:cNvPicPr>
+              <a:picLocks noChangeAspect="1"/>
+            </p:cNvPicPr>
+            <p:nvPr/>
+          </p:nvPicPr>
+          <p:blipFill>
+            <a:blip r:embed="rId6"/>
+            <a:stretch>
+              <a:fillRect/>
+            </a:stretch>
+          </p:blipFill>
+          <p:spPr>
+            <a:xfrm>
+              <a:off x="3272662" y="4742122"/>
+              <a:ext cx="590888" cy="590888"/>
+            </a:xfrm>
+            <a:prstGeom prst="rect">
+              <a:avLst/>
+            </a:prstGeom>
+          </p:spPr>
+        </p:pic>
+        <p:sp>
+          <p:nvSpPr>
+            <p:cNvPr id="69" name="TextBox 68">
+              <a:extLst>
+                <a:ext uri="{FF2B5EF4-FFF2-40B4-BE49-F238E27FC236}">
+                  <a16:creationId xmlns:a16="http://schemas.microsoft.com/office/drawing/2014/main" id="{B5254DE7-3142-1C4D-9B30-AE3DD72E97F5}"/>
+                </a:ext>
+              </a:extLst>
+            </p:cNvPr>
+            <p:cNvSpPr txBox="1"/>
+            <p:nvPr/>
+          </p:nvSpPr>
+          <p:spPr>
+            <a:xfrm>
+              <a:off x="3825422" y="4852900"/>
+              <a:ext cx="1092543" cy="369332"/>
+            </a:xfrm>
+            <a:prstGeom prst="rect">
+              <a:avLst/>
+            </a:prstGeom>
+            <a:noFill/>
+          </p:spPr>
+          <p:txBody>
+            <a:bodyPr wrap="none" rtlCol="0">
+              <a:spAutoFit/>
+            </a:bodyPr>
+            <a:lstStyle/>
+            <a:p>
+              <a:r>
+                <a:rPr kumimoji="1" lang="en-US" altLang="ko-KR" dirty="0" err="1"/>
+                <a:t>beomy.js</a:t>
+              </a:r>
+              <a:endParaRPr kumimoji="1" lang="ko-KR" altLang="en-US" dirty="0"/>
+            </a:p>
+          </p:txBody>
+        </p:sp>
+        <p:pic>
+          <p:nvPicPr>
+            <p:cNvPr id="70" name="그림 69">
+              <a:extLst>
+                <a:ext uri="{FF2B5EF4-FFF2-40B4-BE49-F238E27FC236}">
+                  <a16:creationId xmlns:a16="http://schemas.microsoft.com/office/drawing/2014/main" id="{DC64EF5A-3BAB-0747-B8C8-C23600FB5D37}"/>
+                </a:ext>
+              </a:extLst>
+            </p:cNvPr>
+            <p:cNvPicPr>
+              <a:picLocks noChangeAspect="1"/>
+            </p:cNvPicPr>
+            <p:nvPr/>
+          </p:nvPicPr>
+          <p:blipFill>
+            <a:blip r:embed="rId6"/>
+            <a:stretch>
+              <a:fillRect/>
+            </a:stretch>
+          </p:blipFill>
+          <p:spPr>
+            <a:xfrm>
+              <a:off x="3272662" y="5563546"/>
+              <a:ext cx="590888" cy="590888"/>
+            </a:xfrm>
+            <a:prstGeom prst="rect">
+              <a:avLst/>
+            </a:prstGeom>
+          </p:spPr>
+        </p:pic>
+        <p:sp>
+          <p:nvSpPr>
+            <p:cNvPr id="71" name="TextBox 70">
+              <a:extLst>
+                <a:ext uri="{FF2B5EF4-FFF2-40B4-BE49-F238E27FC236}">
+                  <a16:creationId xmlns:a16="http://schemas.microsoft.com/office/drawing/2014/main" id="{F893AD28-B572-9446-AB09-1B050A6AAD95}"/>
+                </a:ext>
+              </a:extLst>
+            </p:cNvPr>
+            <p:cNvSpPr txBox="1"/>
+            <p:nvPr/>
+          </p:nvSpPr>
+          <p:spPr>
+            <a:xfrm>
+              <a:off x="3825422" y="5674324"/>
+              <a:ext cx="1244828" cy="369332"/>
+            </a:xfrm>
+            <a:prstGeom prst="rect">
+              <a:avLst/>
+            </a:prstGeom>
+            <a:noFill/>
+          </p:spPr>
+          <p:txBody>
+            <a:bodyPr wrap="none" rtlCol="0">
+              <a:spAutoFit/>
+            </a:bodyPr>
+            <a:lstStyle/>
+            <a:p>
+              <a:r>
+                <a:rPr kumimoji="1" lang="en-US" altLang="ko-KR" dirty="0" err="1"/>
+                <a:t>beomy.css</a:t>
+              </a:r>
+              <a:endParaRPr kumimoji="1" lang="ko-KR" altLang="en-US" dirty="0"/>
+            </a:p>
+          </p:txBody>
+        </p:sp>
+        <p:sp>
+          <p:nvSpPr>
+            <p:cNvPr id="72" name="TextBox 71">
+              <a:extLst>
+                <a:ext uri="{FF2B5EF4-FFF2-40B4-BE49-F238E27FC236}">
+                  <a16:creationId xmlns:a16="http://schemas.microsoft.com/office/drawing/2014/main" id="{50BAB1BD-57D3-9548-88D6-D7E93FD4024E}"/>
+                </a:ext>
+              </a:extLst>
+            </p:cNvPr>
+            <p:cNvSpPr txBox="1"/>
+            <p:nvPr/>
+          </p:nvSpPr>
+          <p:spPr>
+            <a:xfrm>
+              <a:off x="3825422" y="6497429"/>
+              <a:ext cx="1270476" cy="369332"/>
+            </a:xfrm>
+            <a:prstGeom prst="rect">
+              <a:avLst/>
+            </a:prstGeom>
+            <a:noFill/>
+          </p:spPr>
+          <p:txBody>
+            <a:bodyPr wrap="none" rtlCol="0">
+              <a:spAutoFit/>
+            </a:bodyPr>
+            <a:lstStyle/>
+            <a:p>
+              <a:r>
+                <a:rPr kumimoji="1" lang="en-US" altLang="ko-KR" dirty="0" err="1"/>
+                <a:t>beomy.jpg</a:t>
+              </a:r>
+              <a:endParaRPr kumimoji="1" lang="ko-KR" altLang="en-US" dirty="0"/>
+            </a:p>
+          </p:txBody>
+        </p:sp>
+        <p:sp>
+          <p:nvSpPr>
+            <p:cNvPr id="73" name="모서리가 둥근 직사각형 72">
+              <a:extLst>
+                <a:ext uri="{FF2B5EF4-FFF2-40B4-BE49-F238E27FC236}">
+                  <a16:creationId xmlns:a16="http://schemas.microsoft.com/office/drawing/2014/main" id="{7F428BF3-B8EA-DC41-B7A1-A4911E4A1BC1}"/>
+                </a:ext>
+              </a:extLst>
+            </p:cNvPr>
+            <p:cNvSpPr/>
+            <p:nvPr/>
+          </p:nvSpPr>
+          <p:spPr>
+            <a:xfrm>
+              <a:off x="7689127" y="4520089"/>
+              <a:ext cx="1844266" cy="2634342"/>
+            </a:xfrm>
+            <a:prstGeom prst="roundRect">
+              <a:avLst/>
+            </a:prstGeom>
+            <a:solidFill>
+              <a:schemeClr val="accent3">
+                <a:alpha val="30000"/>
+              </a:schemeClr>
+            </a:solidFill>
+            <a:ln>
+              <a:noFill/>
+            </a:ln>
+          </p:spPr>
+          <p:style>
+            <a:lnRef idx="2">
+              <a:schemeClr val="accent1">
+                <a:shade val="50000"/>
+              </a:schemeClr>
+            </a:lnRef>
+            <a:fillRef idx="1">
+              <a:schemeClr val="accent1"/>
+            </a:fillRef>
+            <a:effectRef idx="0">
+              <a:schemeClr val="accent1"/>
+            </a:effectRef>
+            <a:fontRef idx="minor">
+              <a:schemeClr val="lt1"/>
+            </a:fontRef>
+          </p:style>
+          <p:txBody>
+            <a:bodyPr rtlCol="0" anchor="t"/>
+            <a:lstStyle/>
+            <a:p>
+              <a:pPr algn="ctr"/>
+              <a:endParaRPr kumimoji="1" lang="ko-KR" altLang="en-US" sz="1100" dirty="0">
+                <a:solidFill>
+                  <a:schemeClr val="tx1"/>
+                </a:solidFill>
+              </a:endParaRPr>
+            </a:p>
+          </p:txBody>
+        </p:sp>
+        <p:pic>
+          <p:nvPicPr>
+            <p:cNvPr id="74" name="그림 73">
+              <a:extLst>
+                <a:ext uri="{FF2B5EF4-FFF2-40B4-BE49-F238E27FC236}">
+                  <a16:creationId xmlns:a16="http://schemas.microsoft.com/office/drawing/2014/main" id="{A5C93794-DD5B-D442-B32C-116305CBAAAA}"/>
+                </a:ext>
+              </a:extLst>
+            </p:cNvPr>
+            <p:cNvPicPr>
+              <a:picLocks noChangeAspect="1"/>
+            </p:cNvPicPr>
+            <p:nvPr/>
+          </p:nvPicPr>
+          <p:blipFill>
+            <a:blip r:embed="rId5"/>
+            <a:stretch>
+              <a:fillRect/>
+            </a:stretch>
+          </p:blipFill>
+          <p:spPr>
+            <a:xfrm>
+              <a:off x="7796119" y="6434243"/>
+              <a:ext cx="505096" cy="505096"/>
+            </a:xfrm>
+            <a:prstGeom prst="rect">
+              <a:avLst/>
+            </a:prstGeom>
+          </p:spPr>
+        </p:pic>
+        <p:pic>
+          <p:nvPicPr>
+            <p:cNvPr id="75" name="그림 74">
+              <a:extLst>
+                <a:ext uri="{FF2B5EF4-FFF2-40B4-BE49-F238E27FC236}">
+                  <a16:creationId xmlns:a16="http://schemas.microsoft.com/office/drawing/2014/main" id="{5396ADF8-A5E5-A740-A8FC-174B6481DEF4}"/>
+                </a:ext>
+              </a:extLst>
+            </p:cNvPr>
+            <p:cNvPicPr>
+              <a:picLocks noChangeAspect="1"/>
+            </p:cNvPicPr>
+            <p:nvPr/>
+          </p:nvPicPr>
+          <p:blipFill>
+            <a:blip r:embed="rId6"/>
+            <a:stretch>
+              <a:fillRect/>
+            </a:stretch>
+          </p:blipFill>
+          <p:spPr>
+            <a:xfrm>
+              <a:off x="7735805" y="4742122"/>
+              <a:ext cx="590888" cy="590888"/>
+            </a:xfrm>
+            <a:prstGeom prst="rect">
+              <a:avLst/>
+            </a:prstGeom>
+          </p:spPr>
+        </p:pic>
+        <p:sp>
+          <p:nvSpPr>
+            <p:cNvPr id="76" name="TextBox 75">
+              <a:extLst>
+                <a:ext uri="{FF2B5EF4-FFF2-40B4-BE49-F238E27FC236}">
+                  <a16:creationId xmlns:a16="http://schemas.microsoft.com/office/drawing/2014/main" id="{A1C67453-5185-9F44-AEE1-A4DA30A2437E}"/>
+                </a:ext>
+              </a:extLst>
+            </p:cNvPr>
+            <p:cNvSpPr txBox="1"/>
+            <p:nvPr/>
+          </p:nvSpPr>
+          <p:spPr>
+            <a:xfrm>
+              <a:off x="8288565" y="4852900"/>
+              <a:ext cx="1092543" cy="369332"/>
+            </a:xfrm>
+            <a:prstGeom prst="rect">
+              <a:avLst/>
+            </a:prstGeom>
+            <a:noFill/>
+          </p:spPr>
+          <p:txBody>
+            <a:bodyPr wrap="none" rtlCol="0">
+              <a:spAutoFit/>
+            </a:bodyPr>
+            <a:lstStyle/>
+            <a:p>
+              <a:r>
+                <a:rPr kumimoji="1" lang="en-US" altLang="ko-KR" dirty="0" err="1"/>
+                <a:t>beomy.js</a:t>
+              </a:r>
+              <a:endParaRPr kumimoji="1" lang="ko-KR" altLang="en-US" dirty="0"/>
+            </a:p>
+          </p:txBody>
+        </p:sp>
+        <p:pic>
+          <p:nvPicPr>
+            <p:cNvPr id="77" name="그림 76">
+              <a:extLst>
+                <a:ext uri="{FF2B5EF4-FFF2-40B4-BE49-F238E27FC236}">
+                  <a16:creationId xmlns:a16="http://schemas.microsoft.com/office/drawing/2014/main" id="{FCA50CD2-E936-BA42-A199-1015D4D02E69}"/>
+                </a:ext>
+              </a:extLst>
+            </p:cNvPr>
+            <p:cNvPicPr>
+              <a:picLocks noChangeAspect="1"/>
+            </p:cNvPicPr>
+            <p:nvPr/>
+          </p:nvPicPr>
+          <p:blipFill>
+            <a:blip r:embed="rId6"/>
+            <a:stretch>
+              <a:fillRect/>
+            </a:stretch>
+          </p:blipFill>
+          <p:spPr>
+            <a:xfrm>
+              <a:off x="7735805" y="5563546"/>
+              <a:ext cx="590888" cy="590888"/>
+            </a:xfrm>
+            <a:prstGeom prst="rect">
+              <a:avLst/>
+            </a:prstGeom>
+          </p:spPr>
+        </p:pic>
+        <p:sp>
+          <p:nvSpPr>
+            <p:cNvPr id="78" name="TextBox 77">
+              <a:extLst>
+                <a:ext uri="{FF2B5EF4-FFF2-40B4-BE49-F238E27FC236}">
+                  <a16:creationId xmlns:a16="http://schemas.microsoft.com/office/drawing/2014/main" id="{BD0654F8-1E0E-9447-A258-F52ED2CEFDCD}"/>
+                </a:ext>
+              </a:extLst>
+            </p:cNvPr>
+            <p:cNvSpPr txBox="1"/>
+            <p:nvPr/>
+          </p:nvSpPr>
+          <p:spPr>
+            <a:xfrm>
+              <a:off x="8288565" y="5674324"/>
+              <a:ext cx="1244828" cy="369332"/>
+            </a:xfrm>
+            <a:prstGeom prst="rect">
+              <a:avLst/>
+            </a:prstGeom>
+            <a:noFill/>
+          </p:spPr>
+          <p:txBody>
+            <a:bodyPr wrap="none" rtlCol="0">
+              <a:spAutoFit/>
+            </a:bodyPr>
+            <a:lstStyle/>
+            <a:p>
+              <a:r>
+                <a:rPr kumimoji="1" lang="en-US" altLang="ko-KR" dirty="0" err="1"/>
+                <a:t>beomy.css</a:t>
+              </a:r>
+              <a:endParaRPr kumimoji="1" lang="ko-KR" altLang="en-US" dirty="0"/>
+            </a:p>
+          </p:txBody>
+        </p:sp>
+        <p:sp>
+          <p:nvSpPr>
+            <p:cNvPr id="79" name="TextBox 78">
+              <a:extLst>
+                <a:ext uri="{FF2B5EF4-FFF2-40B4-BE49-F238E27FC236}">
+                  <a16:creationId xmlns:a16="http://schemas.microsoft.com/office/drawing/2014/main" id="{30FCC07C-5B64-9D4C-99A9-E00B78FA243E}"/>
+                </a:ext>
+              </a:extLst>
+            </p:cNvPr>
+            <p:cNvSpPr txBox="1"/>
+            <p:nvPr/>
+          </p:nvSpPr>
+          <p:spPr>
+            <a:xfrm>
+              <a:off x="8288565" y="6497429"/>
+              <a:ext cx="1270476" cy="369332"/>
+            </a:xfrm>
+            <a:prstGeom prst="rect">
+              <a:avLst/>
+            </a:prstGeom>
+            <a:noFill/>
+          </p:spPr>
+          <p:txBody>
+            <a:bodyPr wrap="none" rtlCol="0">
+              <a:spAutoFit/>
+            </a:bodyPr>
+            <a:lstStyle/>
+            <a:p>
+              <a:r>
+                <a:rPr kumimoji="1" lang="en-US" altLang="ko-KR" dirty="0" err="1"/>
+                <a:t>beomy.jpg</a:t>
+              </a:r>
+              <a:endParaRPr kumimoji="1" lang="ko-KR" altLang="en-US" dirty="0"/>
+            </a:p>
+          </p:txBody>
+        </p:sp>
+        <p:cxnSp>
+          <p:nvCxnSpPr>
+            <p:cNvPr id="80" name="직선 화살표 연결선 79">
+              <a:extLst>
+                <a:ext uri="{FF2B5EF4-FFF2-40B4-BE49-F238E27FC236}">
+                  <a16:creationId xmlns:a16="http://schemas.microsoft.com/office/drawing/2014/main" id="{0797417A-BE90-A54D-87F8-42A3B4FA06D0}"/>
+                </a:ext>
+              </a:extLst>
+            </p:cNvPr>
+            <p:cNvCxnSpPr>
+              <a:cxnSpLocks/>
+              <a:stCxn id="63" idx="3"/>
+              <a:endCxn id="73" idx="1"/>
+            </p:cNvCxnSpPr>
+            <p:nvPr/>
+          </p:nvCxnSpPr>
+          <p:spPr>
+            <a:xfrm>
+              <a:off x="5070250" y="5837260"/>
+              <a:ext cx="2618877" cy="0"/>
+            </a:xfrm>
+            <a:prstGeom prst="straightConnector1">
+              <a:avLst/>
+            </a:prstGeom>
+            <a:ln w="50800">
+              <a:solidFill>
+                <a:schemeClr val="tx1"/>
+              </a:solidFill>
+              <a:headEnd type="triangle"/>
+              <a:tailEnd type="triangle"/>
+            </a:ln>
+          </p:spPr>
+          <p:style>
+            <a:lnRef idx="1">
+              <a:schemeClr val="accent1"/>
+            </a:lnRef>
+            <a:fillRef idx="0">
+              <a:schemeClr val="accent1"/>
+            </a:fillRef>
+            <a:effectRef idx="0">
+              <a:schemeClr val="accent1"/>
+            </a:effectRef>
+            <a:fontRef idx="minor">
+              <a:schemeClr val="tx1"/>
+            </a:fontRef>
+          </p:style>
+        </p:cxnSp>
+        <p:sp>
+          <p:nvSpPr>
+            <p:cNvPr id="81" name="직사각형 80">
+              <a:extLst>
+                <a:ext uri="{FF2B5EF4-FFF2-40B4-BE49-F238E27FC236}">
+                  <a16:creationId xmlns:a16="http://schemas.microsoft.com/office/drawing/2014/main" id="{68B607C6-E034-2442-9D6B-46B51AB2B00C}"/>
+                </a:ext>
+              </a:extLst>
+            </p:cNvPr>
+            <p:cNvSpPr/>
+            <p:nvPr/>
+          </p:nvSpPr>
+          <p:spPr>
+            <a:xfrm>
+              <a:off x="3032759" y="4139088"/>
+              <a:ext cx="6740434" cy="3193869"/>
+            </a:xfrm>
+            <a:prstGeom prst="rect">
+              <a:avLst/>
+            </a:prstGeom>
+            <a:noFill/>
+            <a:ln w="50800">
+              <a:solidFill>
+                <a:schemeClr val="tx1"/>
+              </a:solidFill>
+            </a:ln>
+          </p:spPr>
+          <p:style>
+            <a:lnRef idx="2">
+              <a:schemeClr val="accent1">
+                <a:shade val="50000"/>
+              </a:schemeClr>
+            </a:lnRef>
+            <a:fillRef idx="1">
+              <a:schemeClr val="accent1"/>
+            </a:fillRef>
+            <a:effectRef idx="0">
+              <a:schemeClr val="accent1"/>
+            </a:effectRef>
+            <a:fontRef idx="minor">
+              <a:schemeClr val="lt1"/>
+            </a:fontRef>
+          </p:style>
+          <p:txBody>
+            <a:bodyPr rtlCol="0" anchor="ctr"/>
+            <a:lstStyle/>
+            <a:p>
+              <a:pPr algn="ctr"/>
+              <a:endParaRPr kumimoji="1" lang="ko-KR" altLang="en-US"/>
+            </a:p>
+          </p:txBody>
+        </p:sp>
+        <p:sp>
+          <p:nvSpPr>
+            <p:cNvPr id="82" name="TextBox 81">
+              <a:extLst>
+                <a:ext uri="{FF2B5EF4-FFF2-40B4-BE49-F238E27FC236}">
+                  <a16:creationId xmlns:a16="http://schemas.microsoft.com/office/drawing/2014/main" id="{03D60879-F29A-4B40-BA2F-68FC8FD6DE68}"/>
+                </a:ext>
+              </a:extLst>
+            </p:cNvPr>
+            <p:cNvSpPr txBox="1"/>
+            <p:nvPr/>
+          </p:nvSpPr>
+          <p:spPr>
+            <a:xfrm>
+              <a:off x="5242130" y="3794150"/>
+              <a:ext cx="2275116" cy="646331"/>
+            </a:xfrm>
+            <a:prstGeom prst="rect">
+              <a:avLst/>
+            </a:prstGeom>
+            <a:solidFill>
+              <a:schemeClr val="bg1"/>
+            </a:solidFill>
+          </p:spPr>
+          <p:txBody>
+            <a:bodyPr wrap="square" rtlCol="0">
+              <a:spAutoFit/>
+            </a:bodyPr>
+            <a:lstStyle/>
+            <a:p>
+              <a:pPr algn="ctr"/>
+              <a:r>
+                <a:rPr kumimoji="1" lang="en-US" altLang="ko-KR" dirty="0"/>
+                <a:t>HTTP/2</a:t>
+              </a:r>
+            </a:p>
+            <a:p>
+              <a:pPr algn="ctr"/>
+              <a:r>
+                <a:rPr kumimoji="1" lang="en-US" altLang="ko-KR" dirty="0"/>
+                <a:t>1 TCP Connection</a:t>
+              </a:r>
+              <a:endParaRPr kumimoji="1" lang="ko-KR" altLang="en-US" dirty="0"/>
+            </a:p>
+          </p:txBody>
+        </p:sp>
+      </p:grpSp>
+    </p:spTree>
+    <p:extLst>
+      <p:ext uri="{BB962C8B-B14F-4D97-AF65-F5344CB8AC3E}">
+        <p14:creationId xmlns:p14="http://schemas.microsoft.com/office/powerpoint/2010/main" val="316451771"/>
+      </p:ext>
+    </p:extLst>
+  </p:cSld>
+  <p:clrMapOvr>
+    <a:masterClrMapping/>
+  </p:clrMapOvr>
+</p:sld>
+</file>
+
+<file path=ppt/slides/slide16.xml><?xml version="1.0" encoding="utf-8"?>
+<p:sld xmlns:a="http://schemas.openxmlformats.org/drawingml/2006/main" xmlns:r="http://schemas.openxmlformats.org/officeDocument/2006/relationships" xmlns:p="http://schemas.openxmlformats.org/presentationml/2006/main">
+  <p:cSld>
+    <p:spTree>
+      <p:nvGrpSpPr>
+        <p:cNvPr id="1" name=""/>
+        <p:cNvGrpSpPr/>
+        <p:nvPr/>
+      </p:nvGrpSpPr>
+      <p:grpSpPr>
+        <a:xfrm>
+          <a:off x="0" y="0"/>
+          <a:ext cx="0" cy="0"/>
+          <a:chOff x="0" y="0"/>
+          <a:chExt cx="0" cy="0"/>
+        </a:xfrm>
+      </p:grpSpPr>
+      <p:sp>
+        <p:nvSpPr>
+          <p:cNvPr id="31" name="모서리가 둥근 직사각형 30">
+            <a:extLst>
+              <a:ext uri="{FF2B5EF4-FFF2-40B4-BE49-F238E27FC236}">
+                <a16:creationId xmlns:a16="http://schemas.microsoft.com/office/drawing/2014/main" id="{C8C0CD54-F005-154A-A508-08967DD6D30A}"/>
+              </a:ext>
+            </a:extLst>
+          </p:cNvPr>
+          <p:cNvSpPr/>
+          <p:nvPr/>
+        </p:nvSpPr>
+        <p:spPr>
+          <a:xfrm>
+            <a:off x="3225984" y="1088572"/>
+            <a:ext cx="1844266" cy="2634342"/>
+          </a:xfrm>
+          <a:prstGeom prst="roundRect">
+            <a:avLst/>
+          </a:prstGeom>
+          <a:solidFill>
+            <a:schemeClr val="accent3">
+              <a:alpha val="30000"/>
+            </a:schemeClr>
+          </a:solidFill>
+          <a:ln>
+            <a:noFill/>
+          </a:ln>
+        </p:spPr>
+        <p:style>
+          <a:lnRef idx="2">
+            <a:schemeClr val="accent1">
+              <a:shade val="50000"/>
+            </a:schemeClr>
+          </a:lnRef>
+          <a:fillRef idx="1">
+            <a:schemeClr val="accent1"/>
+          </a:fillRef>
+          <a:effectRef idx="0">
+            <a:schemeClr val="accent1"/>
+          </a:effectRef>
+          <a:fontRef idx="minor">
+            <a:schemeClr val="lt1"/>
+          </a:fontRef>
+        </p:style>
+        <p:txBody>
+          <a:bodyPr rtlCol="0" anchor="t"/>
+          <a:lstStyle/>
+          <a:p>
+            <a:pPr algn="ctr"/>
+            <a:endParaRPr kumimoji="1" lang="ko-KR" altLang="en-US" sz="1100" dirty="0">
+              <a:solidFill>
+                <a:schemeClr val="tx1"/>
+              </a:solidFill>
+            </a:endParaRPr>
+          </a:p>
+        </p:txBody>
+      </p:sp>
+      <p:pic>
+        <p:nvPicPr>
+          <p:cNvPr id="29" name="그림 28">
+            <a:extLst>
+              <a:ext uri="{FF2B5EF4-FFF2-40B4-BE49-F238E27FC236}">
+                <a16:creationId xmlns:a16="http://schemas.microsoft.com/office/drawing/2014/main" id="{49AACB4D-EB3D-614F-8C36-FDB8C102D0A7}"/>
+              </a:ext>
+            </a:extLst>
+          </p:cNvPr>
+          <p:cNvPicPr>
+            <a:picLocks noChangeAspect="1"/>
+          </p:cNvPicPr>
+          <p:nvPr/>
+        </p:nvPicPr>
+        <p:blipFill>
+          <a:blip r:embed="rId3"/>
+          <a:stretch>
+            <a:fillRect/>
+          </a:stretch>
+        </p:blipFill>
+        <p:spPr>
+          <a:xfrm>
+            <a:off x="10095143" y="1594964"/>
+            <a:ext cx="1735666" cy="1735666"/>
+          </a:xfrm>
+          <a:prstGeom prst="rect">
+            <a:avLst/>
+          </a:prstGeom>
+        </p:spPr>
+      </p:pic>
+      <p:pic>
+        <p:nvPicPr>
+          <p:cNvPr id="3" name="그림 2">
+            <a:extLst>
+              <a:ext uri="{FF2B5EF4-FFF2-40B4-BE49-F238E27FC236}">
+                <a16:creationId xmlns:a16="http://schemas.microsoft.com/office/drawing/2014/main" id="{D39F49DD-AB6F-C444-A483-576E5D66E50F}"/>
+              </a:ext>
+            </a:extLst>
+          </p:cNvPr>
+          <p:cNvPicPr>
+            <a:picLocks noChangeAspect="1"/>
+          </p:cNvPicPr>
+          <p:nvPr/>
+        </p:nvPicPr>
+        <p:blipFill>
+          <a:blip r:embed="rId4"/>
+          <a:stretch>
+            <a:fillRect/>
+          </a:stretch>
+        </p:blipFill>
+        <p:spPr>
+          <a:xfrm>
+            <a:off x="906185" y="1484896"/>
+            <a:ext cx="1955800" cy="1955800"/>
+          </a:xfrm>
+          <a:prstGeom prst="rect">
+            <a:avLst/>
+          </a:prstGeom>
+        </p:spPr>
+      </p:pic>
+      <p:pic>
+        <p:nvPicPr>
+          <p:cNvPr id="8" name="그림 7">
+            <a:extLst>
+              <a:ext uri="{FF2B5EF4-FFF2-40B4-BE49-F238E27FC236}">
+                <a16:creationId xmlns:a16="http://schemas.microsoft.com/office/drawing/2014/main" id="{266AC016-8DF5-A54A-ABD8-FF7A79C2A524}"/>
+              </a:ext>
+            </a:extLst>
+          </p:cNvPr>
+          <p:cNvPicPr>
+            <a:picLocks noChangeAspect="1"/>
+          </p:cNvPicPr>
+          <p:nvPr/>
+        </p:nvPicPr>
+        <p:blipFill>
+          <a:blip r:embed="rId3"/>
+          <a:stretch>
+            <a:fillRect/>
+          </a:stretch>
+        </p:blipFill>
+        <p:spPr>
+          <a:xfrm>
+            <a:off x="9434743" y="1594964"/>
+            <a:ext cx="1735666" cy="1735666"/>
+          </a:xfrm>
+          <a:prstGeom prst="rect">
+            <a:avLst/>
+          </a:prstGeom>
+        </p:spPr>
+      </p:pic>
+      <p:pic>
+        <p:nvPicPr>
+          <p:cNvPr id="13" name="그림 12">
+            <a:extLst>
+              <a:ext uri="{FF2B5EF4-FFF2-40B4-BE49-F238E27FC236}">
+                <a16:creationId xmlns:a16="http://schemas.microsoft.com/office/drawing/2014/main" id="{B7184082-5579-A344-8438-2941D1B45F03}"/>
+              </a:ext>
+            </a:extLst>
+          </p:cNvPr>
+          <p:cNvPicPr>
+            <a:picLocks noChangeAspect="1"/>
+          </p:cNvPicPr>
+          <p:nvPr/>
+        </p:nvPicPr>
+        <p:blipFill>
+          <a:blip r:embed="rId5"/>
+          <a:stretch>
+            <a:fillRect/>
+          </a:stretch>
+        </p:blipFill>
+        <p:spPr>
+          <a:xfrm>
+            <a:off x="3332976" y="3002726"/>
+            <a:ext cx="505096" cy="505096"/>
+          </a:xfrm>
+          <a:prstGeom prst="rect">
+            <a:avLst/>
+          </a:prstGeom>
+        </p:spPr>
+      </p:pic>
+      <p:pic>
+        <p:nvPicPr>
+          <p:cNvPr id="24" name="그림 23">
+            <a:extLst>
+              <a:ext uri="{FF2B5EF4-FFF2-40B4-BE49-F238E27FC236}">
+                <a16:creationId xmlns:a16="http://schemas.microsoft.com/office/drawing/2014/main" id="{F1946A72-32A0-984E-8EEB-ACB5FE30F638}"/>
+              </a:ext>
+            </a:extLst>
+          </p:cNvPr>
+          <p:cNvPicPr>
+            <a:picLocks noChangeAspect="1"/>
+          </p:cNvPicPr>
+          <p:nvPr/>
+        </p:nvPicPr>
+        <p:blipFill>
+          <a:blip r:embed="rId6"/>
+          <a:stretch>
+            <a:fillRect/>
+          </a:stretch>
+        </p:blipFill>
+        <p:spPr>
+          <a:xfrm>
+            <a:off x="3272662" y="1310605"/>
+            <a:ext cx="590888" cy="590888"/>
+          </a:xfrm>
+          <a:prstGeom prst="rect">
+            <a:avLst/>
+          </a:prstGeom>
+        </p:spPr>
+      </p:pic>
+      <p:sp>
+        <p:nvSpPr>
+          <p:cNvPr id="15" name="TextBox 14">
+            <a:extLst>
+              <a:ext uri="{FF2B5EF4-FFF2-40B4-BE49-F238E27FC236}">
+                <a16:creationId xmlns:a16="http://schemas.microsoft.com/office/drawing/2014/main" id="{6158A0E3-D706-8947-AE2D-4877027FE539}"/>
+              </a:ext>
+            </a:extLst>
+          </p:cNvPr>
+          <p:cNvSpPr txBox="1"/>
+          <p:nvPr/>
+        </p:nvSpPr>
+        <p:spPr>
+          <a:xfrm>
+            <a:off x="3825422" y="1421383"/>
+            <a:ext cx="1092543" cy="369332"/>
+          </a:xfrm>
+          <a:prstGeom prst="rect">
+            <a:avLst/>
+          </a:prstGeom>
+          <a:noFill/>
+        </p:spPr>
+        <p:txBody>
+          <a:bodyPr wrap="none" rtlCol="0">
+            <a:spAutoFit/>
+          </a:bodyPr>
+          <a:lstStyle/>
+          <a:p>
+            <a:r>
+              <a:rPr kumimoji="1" lang="en-US" altLang="ko-KR" dirty="0" err="1"/>
+              <a:t>beomy.js</a:t>
+            </a:r>
+            <a:endParaRPr kumimoji="1" lang="ko-KR" altLang="en-US" dirty="0"/>
+          </a:p>
+        </p:txBody>
+      </p:sp>
+      <p:pic>
+        <p:nvPicPr>
+          <p:cNvPr id="33" name="그림 32">
+            <a:extLst>
+              <a:ext uri="{FF2B5EF4-FFF2-40B4-BE49-F238E27FC236}">
+                <a16:creationId xmlns:a16="http://schemas.microsoft.com/office/drawing/2014/main" id="{B2BF5525-6DD6-0B42-8E1F-CFF93AB65B40}"/>
+              </a:ext>
+            </a:extLst>
+          </p:cNvPr>
+          <p:cNvPicPr>
+            <a:picLocks noChangeAspect="1"/>
+          </p:cNvPicPr>
+          <p:nvPr/>
+        </p:nvPicPr>
+        <p:blipFill>
+          <a:blip r:embed="rId6"/>
+          <a:stretch>
+            <a:fillRect/>
+          </a:stretch>
+        </p:blipFill>
+        <p:spPr>
+          <a:xfrm>
+            <a:off x="3272662" y="2132029"/>
+            <a:ext cx="590888" cy="590888"/>
+          </a:xfrm>
+          <a:prstGeom prst="rect">
+            <a:avLst/>
+          </a:prstGeom>
+        </p:spPr>
+      </p:pic>
+      <p:sp>
+        <p:nvSpPr>
+          <p:cNvPr id="34" name="TextBox 33">
+            <a:extLst>
+              <a:ext uri="{FF2B5EF4-FFF2-40B4-BE49-F238E27FC236}">
+                <a16:creationId xmlns:a16="http://schemas.microsoft.com/office/drawing/2014/main" id="{380BC1E5-32B4-014D-AE4B-6B183A040828}"/>
+              </a:ext>
+            </a:extLst>
+          </p:cNvPr>
+          <p:cNvSpPr txBox="1"/>
+          <p:nvPr/>
+        </p:nvSpPr>
+        <p:spPr>
+          <a:xfrm>
+            <a:off x="3825422" y="2242807"/>
+            <a:ext cx="1244828" cy="369332"/>
+          </a:xfrm>
+          <a:prstGeom prst="rect">
+            <a:avLst/>
+          </a:prstGeom>
+          <a:noFill/>
+        </p:spPr>
+        <p:txBody>
+          <a:bodyPr wrap="none" rtlCol="0">
+            <a:spAutoFit/>
+          </a:bodyPr>
+          <a:lstStyle/>
+          <a:p>
+            <a:r>
+              <a:rPr kumimoji="1" lang="en-US" altLang="ko-KR" dirty="0" err="1"/>
+              <a:t>beomy.css</a:t>
+            </a:r>
+            <a:endParaRPr kumimoji="1" lang="ko-KR" altLang="en-US" dirty="0"/>
+          </a:p>
+        </p:txBody>
+      </p:sp>
+      <p:sp>
+        <p:nvSpPr>
+          <p:cNvPr id="36" name="TextBox 35">
+            <a:extLst>
+              <a:ext uri="{FF2B5EF4-FFF2-40B4-BE49-F238E27FC236}">
+                <a16:creationId xmlns:a16="http://schemas.microsoft.com/office/drawing/2014/main" id="{AABC15AD-123D-794B-8497-0CF9A13B931D}"/>
+              </a:ext>
+            </a:extLst>
+          </p:cNvPr>
+          <p:cNvSpPr txBox="1"/>
+          <p:nvPr/>
+        </p:nvSpPr>
+        <p:spPr>
+          <a:xfrm>
+            <a:off x="3825422" y="3065912"/>
+            <a:ext cx="1270476" cy="369332"/>
+          </a:xfrm>
+          <a:prstGeom prst="rect">
+            <a:avLst/>
+          </a:prstGeom>
+          <a:noFill/>
+        </p:spPr>
+        <p:txBody>
+          <a:bodyPr wrap="none" rtlCol="0">
+            <a:spAutoFit/>
+          </a:bodyPr>
+          <a:lstStyle/>
+          <a:p>
+            <a:r>
+              <a:rPr kumimoji="1" lang="en-US" altLang="ko-KR" dirty="0" err="1"/>
+              <a:t>beomy.jpg</a:t>
+            </a:r>
+            <a:endParaRPr kumimoji="1" lang="ko-KR" altLang="en-US" dirty="0"/>
+          </a:p>
+        </p:txBody>
+      </p:sp>
+      <p:sp>
+        <p:nvSpPr>
+          <p:cNvPr id="47" name="모서리가 둥근 직사각형 46">
+            <a:extLst>
+              <a:ext uri="{FF2B5EF4-FFF2-40B4-BE49-F238E27FC236}">
+                <a16:creationId xmlns:a16="http://schemas.microsoft.com/office/drawing/2014/main" id="{008679D5-2BF9-CE43-9E40-3E2205645F71}"/>
+              </a:ext>
+            </a:extLst>
+          </p:cNvPr>
+          <p:cNvSpPr/>
+          <p:nvPr/>
+        </p:nvSpPr>
+        <p:spPr>
+          <a:xfrm>
+            <a:off x="7689127" y="1088572"/>
+            <a:ext cx="1844266" cy="2634342"/>
+          </a:xfrm>
+          <a:prstGeom prst="roundRect">
+            <a:avLst/>
+          </a:prstGeom>
+          <a:solidFill>
+            <a:schemeClr val="accent3">
+              <a:alpha val="30000"/>
+            </a:schemeClr>
+          </a:solidFill>
+          <a:ln>
+            <a:noFill/>
+          </a:ln>
+        </p:spPr>
+        <p:style>
+          <a:lnRef idx="2">
+            <a:schemeClr val="accent1">
+              <a:shade val="50000"/>
+            </a:schemeClr>
+          </a:lnRef>
+          <a:fillRef idx="1">
+            <a:schemeClr val="accent1"/>
+          </a:fillRef>
+          <a:effectRef idx="0">
+            <a:schemeClr val="accent1"/>
+          </a:effectRef>
+          <a:fontRef idx="minor">
+            <a:schemeClr val="lt1"/>
+          </a:fontRef>
+        </p:style>
+        <p:txBody>
+          <a:bodyPr rtlCol="0" anchor="t"/>
+          <a:lstStyle/>
+          <a:p>
+            <a:pPr algn="ctr"/>
+            <a:endParaRPr kumimoji="1" lang="ko-KR" altLang="en-US" sz="1100" dirty="0">
+              <a:solidFill>
+                <a:schemeClr val="tx1"/>
+              </a:solidFill>
+            </a:endParaRPr>
+          </a:p>
+        </p:txBody>
+      </p:sp>
+      <p:pic>
+        <p:nvPicPr>
+          <p:cNvPr id="48" name="그림 47">
+            <a:extLst>
+              <a:ext uri="{FF2B5EF4-FFF2-40B4-BE49-F238E27FC236}">
+                <a16:creationId xmlns:a16="http://schemas.microsoft.com/office/drawing/2014/main" id="{B9DCE0D7-6BE1-394B-A72D-9B6E4CFFA447}"/>
+              </a:ext>
+            </a:extLst>
+          </p:cNvPr>
+          <p:cNvPicPr>
+            <a:picLocks noChangeAspect="1"/>
+          </p:cNvPicPr>
+          <p:nvPr/>
+        </p:nvPicPr>
+        <p:blipFill>
+          <a:blip r:embed="rId5"/>
+          <a:stretch>
+            <a:fillRect/>
+          </a:stretch>
+        </p:blipFill>
+        <p:spPr>
+          <a:xfrm>
+            <a:off x="7796119" y="3002726"/>
+            <a:ext cx="505096" cy="505096"/>
+          </a:xfrm>
+          <a:prstGeom prst="rect">
+            <a:avLst/>
+          </a:prstGeom>
+        </p:spPr>
+      </p:pic>
+      <p:pic>
+        <p:nvPicPr>
+          <p:cNvPr id="49" name="그림 48">
+            <a:extLst>
+              <a:ext uri="{FF2B5EF4-FFF2-40B4-BE49-F238E27FC236}">
+                <a16:creationId xmlns:a16="http://schemas.microsoft.com/office/drawing/2014/main" id="{2CA9F9AF-9551-AC4C-AB46-1CCCB016A60B}"/>
+              </a:ext>
+            </a:extLst>
+          </p:cNvPr>
+          <p:cNvPicPr>
+            <a:picLocks noChangeAspect="1"/>
+          </p:cNvPicPr>
+          <p:nvPr/>
+        </p:nvPicPr>
+        <p:blipFill>
+          <a:blip r:embed="rId6"/>
+          <a:stretch>
+            <a:fillRect/>
+          </a:stretch>
+        </p:blipFill>
+        <p:spPr>
+          <a:xfrm>
+            <a:off x="7735805" y="1310605"/>
+            <a:ext cx="590888" cy="590888"/>
+          </a:xfrm>
+          <a:prstGeom prst="rect">
+            <a:avLst/>
+          </a:prstGeom>
+        </p:spPr>
+      </p:pic>
+      <p:sp>
+        <p:nvSpPr>
+          <p:cNvPr id="50" name="TextBox 49">
+            <a:extLst>
+              <a:ext uri="{FF2B5EF4-FFF2-40B4-BE49-F238E27FC236}">
+                <a16:creationId xmlns:a16="http://schemas.microsoft.com/office/drawing/2014/main" id="{D8E6C7B5-42DF-F24C-9E8C-00D8B40DD9C8}"/>
+              </a:ext>
+            </a:extLst>
+          </p:cNvPr>
+          <p:cNvSpPr txBox="1"/>
+          <p:nvPr/>
+        </p:nvSpPr>
+        <p:spPr>
+          <a:xfrm>
+            <a:off x="8288565" y="1421383"/>
+            <a:ext cx="1092543" cy="369332"/>
+          </a:xfrm>
+          <a:prstGeom prst="rect">
+            <a:avLst/>
+          </a:prstGeom>
+          <a:noFill/>
+        </p:spPr>
+        <p:txBody>
+          <a:bodyPr wrap="none" rtlCol="0">
+            <a:spAutoFit/>
+          </a:bodyPr>
+          <a:lstStyle/>
+          <a:p>
+            <a:r>
+              <a:rPr kumimoji="1" lang="en-US" altLang="ko-KR" dirty="0" err="1"/>
+              <a:t>beomy.js</a:t>
+            </a:r>
+            <a:endParaRPr kumimoji="1" lang="ko-KR" altLang="en-US" dirty="0"/>
+          </a:p>
+        </p:txBody>
+      </p:sp>
+      <p:pic>
+        <p:nvPicPr>
+          <p:cNvPr id="52" name="그림 51">
+            <a:extLst>
+              <a:ext uri="{FF2B5EF4-FFF2-40B4-BE49-F238E27FC236}">
+                <a16:creationId xmlns:a16="http://schemas.microsoft.com/office/drawing/2014/main" id="{D784039D-F363-3942-936E-B9FB7015C534}"/>
+              </a:ext>
+            </a:extLst>
+          </p:cNvPr>
+          <p:cNvPicPr>
+            <a:picLocks noChangeAspect="1"/>
+          </p:cNvPicPr>
+          <p:nvPr/>
+        </p:nvPicPr>
+        <p:blipFill>
+          <a:blip r:embed="rId6"/>
+          <a:stretch>
+            <a:fillRect/>
+          </a:stretch>
+        </p:blipFill>
+        <p:spPr>
+          <a:xfrm>
+            <a:off x="7735805" y="2132029"/>
+            <a:ext cx="590888" cy="590888"/>
+          </a:xfrm>
+          <a:prstGeom prst="rect">
+            <a:avLst/>
+          </a:prstGeom>
+        </p:spPr>
+      </p:pic>
+      <p:sp>
+        <p:nvSpPr>
+          <p:cNvPr id="53" name="TextBox 52">
+            <a:extLst>
+              <a:ext uri="{FF2B5EF4-FFF2-40B4-BE49-F238E27FC236}">
+                <a16:creationId xmlns:a16="http://schemas.microsoft.com/office/drawing/2014/main" id="{EA948435-D507-E648-A827-5FE7CF1C71BA}"/>
+              </a:ext>
+            </a:extLst>
+          </p:cNvPr>
+          <p:cNvSpPr txBox="1"/>
+          <p:nvPr/>
+        </p:nvSpPr>
+        <p:spPr>
+          <a:xfrm>
+            <a:off x="8288565" y="2242807"/>
+            <a:ext cx="1244828" cy="369332"/>
+          </a:xfrm>
+          <a:prstGeom prst="rect">
+            <a:avLst/>
+          </a:prstGeom>
+          <a:noFill/>
+        </p:spPr>
+        <p:txBody>
+          <a:bodyPr wrap="none" rtlCol="0">
+            <a:spAutoFit/>
+          </a:bodyPr>
+          <a:lstStyle/>
+          <a:p>
+            <a:r>
+              <a:rPr kumimoji="1" lang="en-US" altLang="ko-KR" dirty="0" err="1"/>
+              <a:t>beomy.css</a:t>
+            </a:r>
+            <a:endParaRPr kumimoji="1" lang="ko-KR" altLang="en-US" dirty="0"/>
+          </a:p>
+        </p:txBody>
+      </p:sp>
+      <p:sp>
+        <p:nvSpPr>
+          <p:cNvPr id="54" name="TextBox 53">
+            <a:extLst>
+              <a:ext uri="{FF2B5EF4-FFF2-40B4-BE49-F238E27FC236}">
+                <a16:creationId xmlns:a16="http://schemas.microsoft.com/office/drawing/2014/main" id="{0A141380-E15E-A24D-95D4-72BB86993A4F}"/>
+              </a:ext>
+            </a:extLst>
+          </p:cNvPr>
+          <p:cNvSpPr txBox="1"/>
+          <p:nvPr/>
+        </p:nvSpPr>
+        <p:spPr>
+          <a:xfrm>
+            <a:off x="8288565" y="3065912"/>
+            <a:ext cx="1270476" cy="369332"/>
+          </a:xfrm>
+          <a:prstGeom prst="rect">
+            <a:avLst/>
+          </a:prstGeom>
+          <a:noFill/>
+        </p:spPr>
+        <p:txBody>
+          <a:bodyPr wrap="none" rtlCol="0">
+            <a:spAutoFit/>
+          </a:bodyPr>
+          <a:lstStyle/>
+          <a:p>
+            <a:r>
+              <a:rPr kumimoji="1" lang="en-US" altLang="ko-KR" dirty="0" err="1"/>
+              <a:t>beomy.jpg</a:t>
+            </a:r>
+            <a:endParaRPr kumimoji="1" lang="ko-KR" altLang="en-US" dirty="0"/>
+          </a:p>
+        </p:txBody>
+      </p:sp>
+      <p:cxnSp>
+        <p:nvCxnSpPr>
+          <p:cNvPr id="55" name="직선 화살표 연결선 54">
+            <a:extLst>
+              <a:ext uri="{FF2B5EF4-FFF2-40B4-BE49-F238E27FC236}">
+                <a16:creationId xmlns:a16="http://schemas.microsoft.com/office/drawing/2014/main" id="{137301CB-F852-F448-9075-7C390E46CBF3}"/>
+              </a:ext>
+            </a:extLst>
+          </p:cNvPr>
+          <p:cNvCxnSpPr>
+            <a:cxnSpLocks/>
+            <a:stCxn id="31" idx="3"/>
+            <a:endCxn id="47" idx="1"/>
+          </p:cNvCxnSpPr>
+          <p:nvPr/>
+        </p:nvCxnSpPr>
+        <p:spPr>
+          <a:xfrm>
+            <a:off x="5070250" y="2405743"/>
+            <a:ext cx="2618877" cy="0"/>
+          </a:xfrm>
+          <a:prstGeom prst="straightConnector1">
+            <a:avLst/>
+          </a:prstGeom>
+          <a:ln w="50800">
+            <a:solidFill>
+              <a:schemeClr val="tx1"/>
+            </a:solidFill>
+            <a:headEnd type="triangle"/>
+            <a:tailEnd type="triangle"/>
+          </a:ln>
+        </p:spPr>
+        <p:style>
+          <a:lnRef idx="1">
+            <a:schemeClr val="accent1"/>
+          </a:lnRef>
+          <a:fillRef idx="0">
+            <a:schemeClr val="accent1"/>
+          </a:fillRef>
+          <a:effectRef idx="0">
+            <a:schemeClr val="accent1"/>
+          </a:effectRef>
+          <a:fontRef idx="minor">
+            <a:schemeClr val="tx1"/>
+          </a:fontRef>
+        </p:style>
+      </p:cxnSp>
+      <p:sp>
+        <p:nvSpPr>
+          <p:cNvPr id="61" name="직사각형 60">
+            <a:extLst>
+              <a:ext uri="{FF2B5EF4-FFF2-40B4-BE49-F238E27FC236}">
+                <a16:creationId xmlns:a16="http://schemas.microsoft.com/office/drawing/2014/main" id="{55174690-2CE6-094F-B982-027AA0ABF2B6}"/>
+              </a:ext>
+            </a:extLst>
+          </p:cNvPr>
+          <p:cNvSpPr/>
+          <p:nvPr/>
+        </p:nvSpPr>
+        <p:spPr>
+          <a:xfrm>
+            <a:off x="3032759" y="707571"/>
+            <a:ext cx="6740434" cy="3193869"/>
+          </a:xfrm>
+          <a:prstGeom prst="rect">
+            <a:avLst/>
+          </a:prstGeom>
+          <a:noFill/>
+          <a:ln w="50800">
+            <a:solidFill>
+              <a:schemeClr val="tx1"/>
+            </a:solidFill>
+          </a:ln>
+        </p:spPr>
+        <p:style>
+          <a:lnRef idx="2">
+            <a:schemeClr val="accent1">
+              <a:shade val="50000"/>
+            </a:schemeClr>
+          </a:lnRef>
+          <a:fillRef idx="1">
+            <a:schemeClr val="accent1"/>
+          </a:fillRef>
+          <a:effectRef idx="0">
+            <a:schemeClr val="accent1"/>
+          </a:effectRef>
+          <a:fontRef idx="minor">
+            <a:schemeClr val="lt1"/>
+          </a:fontRef>
+        </p:style>
+        <p:txBody>
+          <a:bodyPr rtlCol="0" anchor="ctr"/>
+          <a:lstStyle/>
+          <a:p>
+            <a:pPr algn="ctr"/>
+            <a:endParaRPr kumimoji="1" lang="ko-KR" altLang="en-US"/>
+          </a:p>
+        </p:txBody>
+      </p:sp>
+      <p:sp>
+        <p:nvSpPr>
+          <p:cNvPr id="62" name="TextBox 61">
+            <a:extLst>
+              <a:ext uri="{FF2B5EF4-FFF2-40B4-BE49-F238E27FC236}">
+                <a16:creationId xmlns:a16="http://schemas.microsoft.com/office/drawing/2014/main" id="{EE2FC08F-06E4-CE43-80CE-B9BB5D404EB0}"/>
+              </a:ext>
+            </a:extLst>
+          </p:cNvPr>
+          <p:cNvSpPr txBox="1"/>
+          <p:nvPr/>
+        </p:nvSpPr>
+        <p:spPr>
+          <a:xfrm>
+            <a:off x="5242130" y="362633"/>
+            <a:ext cx="2275116" cy="646331"/>
+          </a:xfrm>
+          <a:prstGeom prst="rect">
+            <a:avLst/>
+          </a:prstGeom>
+          <a:solidFill>
+            <a:schemeClr val="bg1"/>
+          </a:solidFill>
+        </p:spPr>
+        <p:txBody>
+          <a:bodyPr wrap="square" rtlCol="0">
+            <a:spAutoFit/>
+          </a:bodyPr>
+          <a:lstStyle/>
+          <a:p>
+            <a:pPr algn="ctr"/>
+            <a:r>
+              <a:rPr kumimoji="1" lang="en-US" altLang="ko-KR" dirty="0"/>
+              <a:t>HTTP/2</a:t>
+            </a:r>
+          </a:p>
+          <a:p>
+            <a:pPr algn="ctr"/>
+            <a:r>
+              <a:rPr kumimoji="1" lang="en-US" altLang="ko-KR" dirty="0"/>
+              <a:t>1 TCP Connection</a:t>
+            </a:r>
+            <a:endParaRPr kumimoji="1" lang="ko-KR" altLang="en-US" dirty="0"/>
+          </a:p>
+        </p:txBody>
+      </p:sp>
+    </p:spTree>
+    <p:extLst>
+      <p:ext uri="{BB962C8B-B14F-4D97-AF65-F5344CB8AC3E}">
+        <p14:creationId xmlns:p14="http://schemas.microsoft.com/office/powerpoint/2010/main" val="3180367753"/>
+      </p:ext>
+    </p:extLst>
+  </p:cSld>
+  <p:clrMapOvr>
+    <a:masterClrMapping/>
+  </p:clrMapOvr>
+</p:sld>
+</file>
+
+<file path=ppt/slides/slide17.xml><?xml version="1.0" encoding="utf-8"?>
 <p:sld xmlns:a="http://schemas.openxmlformats.org/drawingml/2006/main" xmlns:r="http://schemas.openxmlformats.org/officeDocument/2006/relationships" xmlns:p="http://schemas.openxmlformats.org/presentationml/2006/main" show="0">
   <p:cSld>
     <p:spTree>
@@ -9617,7 +13324,7 @@
 </p:sld>
 </file>
 
-<file path=ppt/slides/slide15.xml><?xml version="1.0" encoding="utf-8"?>
+<file path=ppt/slides/slide18.xml><?xml version="1.0" encoding="utf-8"?>
 <p:sld xmlns:a="http://schemas.openxmlformats.org/drawingml/2006/main" xmlns:r="http://schemas.openxmlformats.org/officeDocument/2006/relationships" xmlns:p="http://schemas.openxmlformats.org/presentationml/2006/main" show="0">
   <p:cSld>
     <p:spTree>
@@ -10362,7 +14069,7 @@
 </p:sld>
 </file>
 
-<file path=ppt/slides/slide16.xml><?xml version="1.0" encoding="utf-8"?>
+<file path=ppt/slides/slide19.xml><?xml version="1.0" encoding="utf-8"?>
 <p:sld xmlns:a="http://schemas.openxmlformats.org/drawingml/2006/main" xmlns:r="http://schemas.openxmlformats.org/officeDocument/2006/relationships" xmlns:p="http://schemas.openxmlformats.org/presentationml/2006/main" show="0">
   <p:cSld>
     <p:spTree>

--- a/static/assets/img/posts/etc/http-version.pptx
+++ b/static/assets/img/posts/etc/http-version.pptx
@@ -226,7 +226,7 @@
           <a:p>
             <a:fld id="{4E790157-85E3-D64D-BB31-E2A6B705DD4B}" type="datetimeFigureOut">
               <a:rPr kumimoji="1" lang="ko-KR" altLang="en-US" smtClean="0"/>
-              <a:t>2022. 3. 16.</a:t>
+              <a:t>2022. 3. 18.</a:t>
             </a:fld>
             <a:endParaRPr kumimoji="1" lang="ko-KR" altLang="en-US"/>
           </a:p>
@@ -1035,7 +1035,7 @@
           <a:p>
             <a:fld id="{187B024A-58F9-A941-8036-04AB132CF501}" type="datetimeFigureOut">
               <a:rPr kumimoji="1" lang="ko-KR" altLang="en-US" smtClean="0"/>
-              <a:t>2022. 3. 16.</a:t>
+              <a:t>2022. 3. 18.</a:t>
             </a:fld>
             <a:endParaRPr kumimoji="1" lang="ko-KR" altLang="en-US"/>
           </a:p>
@@ -1208,7 +1208,7 @@
           <a:p>
             <a:fld id="{187B024A-58F9-A941-8036-04AB132CF501}" type="datetimeFigureOut">
               <a:rPr kumimoji="1" lang="ko-KR" altLang="en-US" smtClean="0"/>
-              <a:t>2022. 3. 16.</a:t>
+              <a:t>2022. 3. 18.</a:t>
             </a:fld>
             <a:endParaRPr kumimoji="1" lang="ko-KR" altLang="en-US"/>
           </a:p>
@@ -1391,7 +1391,7 @@
           <a:p>
             <a:fld id="{187B024A-58F9-A941-8036-04AB132CF501}" type="datetimeFigureOut">
               <a:rPr kumimoji="1" lang="ko-KR" altLang="en-US" smtClean="0"/>
-              <a:t>2022. 3. 16.</a:t>
+              <a:t>2022. 3. 18.</a:t>
             </a:fld>
             <a:endParaRPr kumimoji="1" lang="ko-KR" altLang="en-US"/>
           </a:p>
@@ -1564,7 +1564,7 @@
           <a:p>
             <a:fld id="{187B024A-58F9-A941-8036-04AB132CF501}" type="datetimeFigureOut">
               <a:rPr kumimoji="1" lang="ko-KR" altLang="en-US" smtClean="0"/>
-              <a:t>2022. 3. 16.</a:t>
+              <a:t>2022. 3. 18.</a:t>
             </a:fld>
             <a:endParaRPr kumimoji="1" lang="ko-KR" altLang="en-US"/>
           </a:p>
@@ -1842,7 +1842,7 @@
           <a:p>
             <a:fld id="{187B024A-58F9-A941-8036-04AB132CF501}" type="datetimeFigureOut">
               <a:rPr kumimoji="1" lang="ko-KR" altLang="en-US" smtClean="0"/>
-              <a:t>2022. 3. 16.</a:t>
+              <a:t>2022. 3. 18.</a:t>
             </a:fld>
             <a:endParaRPr kumimoji="1" lang="ko-KR" altLang="en-US"/>
           </a:p>
@@ -2057,7 +2057,7 @@
           <a:p>
             <a:fld id="{187B024A-58F9-A941-8036-04AB132CF501}" type="datetimeFigureOut">
               <a:rPr kumimoji="1" lang="ko-KR" altLang="en-US" smtClean="0"/>
-              <a:t>2022. 3. 16.</a:t>
+              <a:t>2022. 3. 18.</a:t>
             </a:fld>
             <a:endParaRPr kumimoji="1" lang="ko-KR" altLang="en-US"/>
           </a:p>
@@ -2425,7 +2425,7 @@
           <a:p>
             <a:fld id="{187B024A-58F9-A941-8036-04AB132CF501}" type="datetimeFigureOut">
               <a:rPr kumimoji="1" lang="ko-KR" altLang="en-US" smtClean="0"/>
-              <a:t>2022. 3. 16.</a:t>
+              <a:t>2022. 3. 18.</a:t>
             </a:fld>
             <a:endParaRPr kumimoji="1" lang="ko-KR" altLang="en-US"/>
           </a:p>
@@ -2566,7 +2566,7 @@
           <a:p>
             <a:fld id="{187B024A-58F9-A941-8036-04AB132CF501}" type="datetimeFigureOut">
               <a:rPr kumimoji="1" lang="ko-KR" altLang="en-US" smtClean="0"/>
-              <a:t>2022. 3. 16.</a:t>
+              <a:t>2022. 3. 18.</a:t>
             </a:fld>
             <a:endParaRPr kumimoji="1" lang="ko-KR" altLang="en-US"/>
           </a:p>
@@ -2679,7 +2679,7 @@
           <a:p>
             <a:fld id="{187B024A-58F9-A941-8036-04AB132CF501}" type="datetimeFigureOut">
               <a:rPr kumimoji="1" lang="ko-KR" altLang="en-US" smtClean="0"/>
-              <a:t>2022. 3. 16.</a:t>
+              <a:t>2022. 3. 18.</a:t>
             </a:fld>
             <a:endParaRPr kumimoji="1" lang="ko-KR" altLang="en-US"/>
           </a:p>
@@ -2968,7 +2968,7 @@
           <a:p>
             <a:fld id="{187B024A-58F9-A941-8036-04AB132CF501}" type="datetimeFigureOut">
               <a:rPr kumimoji="1" lang="ko-KR" altLang="en-US" smtClean="0"/>
-              <a:t>2022. 3. 16.</a:t>
+              <a:t>2022. 3. 18.</a:t>
             </a:fld>
             <a:endParaRPr kumimoji="1" lang="ko-KR" altLang="en-US"/>
           </a:p>
@@ -3259,7 +3259,7 @@
           <a:p>
             <a:fld id="{187B024A-58F9-A941-8036-04AB132CF501}" type="datetimeFigureOut">
               <a:rPr kumimoji="1" lang="ko-KR" altLang="en-US" smtClean="0"/>
-              <a:t>2022. 3. 16.</a:t>
+              <a:t>2022. 3. 18.</a:t>
             </a:fld>
             <a:endParaRPr kumimoji="1" lang="ko-KR" altLang="en-US"/>
           </a:p>
@@ -3475,7 +3475,7 @@
           <a:p>
             <a:fld id="{187B024A-58F9-A941-8036-04AB132CF501}" type="datetimeFigureOut">
               <a:rPr kumimoji="1" lang="ko-KR" altLang="en-US" smtClean="0"/>
-              <a:t>2022. 3. 16.</a:t>
+              <a:t>2022. 3. 18.</a:t>
             </a:fld>
             <a:endParaRPr kumimoji="1" lang="ko-KR" altLang="en-US"/>
           </a:p>
@@ -16311,10 +16311,10 @@
       </p:grpSpPr>
       <p:grpSp>
         <p:nvGrpSpPr>
-          <p:cNvPr id="6" name="그룹 5">
+          <p:cNvPr id="4" name="그룹 3">
             <a:extLst>
               <a:ext uri="{FF2B5EF4-FFF2-40B4-BE49-F238E27FC236}">
-                <a16:creationId xmlns:a16="http://schemas.microsoft.com/office/drawing/2014/main" id="{12664D4A-7783-374D-8D49-47E246A8A330}"/>
+                <a16:creationId xmlns:a16="http://schemas.microsoft.com/office/drawing/2014/main" id="{D0BA851B-CFF0-9D4F-9CFD-77D6C00507DA}"/>
               </a:ext>
             </a:extLst>
           </p:cNvPr>
@@ -16329,6 +16329,48 @@
             <a:chExt cx="4281626" cy="6148310"/>
           </a:xfrm>
         </p:grpSpPr>
+        <p:sp>
+          <p:nvSpPr>
+            <p:cNvPr id="51" name="TextBox 50">
+              <a:extLst>
+                <a:ext uri="{FF2B5EF4-FFF2-40B4-BE49-F238E27FC236}">
+                  <a16:creationId xmlns:a16="http://schemas.microsoft.com/office/drawing/2014/main" id="{BFC76F6A-DF94-814A-9086-EDB5825265A4}"/>
+                </a:ext>
+              </a:extLst>
+            </p:cNvPr>
+            <p:cNvSpPr txBox="1"/>
+            <p:nvPr/>
+          </p:nvSpPr>
+          <p:spPr>
+            <a:xfrm>
+              <a:off x="2729921" y="5267878"/>
+              <a:ext cx="1859565" cy="338554"/>
+            </a:xfrm>
+            <a:prstGeom prst="rect">
+              <a:avLst/>
+            </a:prstGeom>
+            <a:solidFill>
+              <a:schemeClr val="accent6">
+                <a:lumMod val="20000"/>
+                <a:lumOff val="80000"/>
+              </a:schemeClr>
+            </a:solidFill>
+          </p:spPr>
+          <p:txBody>
+            <a:bodyPr wrap="square" rtlCol="0">
+              <a:spAutoFit/>
+            </a:bodyPr>
+            <a:lstStyle/>
+            <a:p>
+              <a:pPr algn="ctr"/>
+              <a:r>
+                <a:rPr kumimoji="1" lang="en-US" altLang="ko-KR" sz="1600" dirty="0"/>
+                <a:t>Disconnection</a:t>
+              </a:r>
+              <a:endParaRPr kumimoji="1" lang="ko-KR" altLang="en-US" sz="1600" dirty="0"/>
+            </a:p>
+          </p:txBody>
+        </p:sp>
         <p:sp>
           <p:nvSpPr>
             <p:cNvPr id="19" name="TextBox 18">
@@ -16781,50 +16823,6 @@
             </a:fontRef>
           </p:style>
         </p:cxnSp>
-        <p:cxnSp>
-          <p:nvCxnSpPr>
-            <p:cNvPr id="36" name="직선 화살표 연결선 35">
-              <a:extLst>
-                <a:ext uri="{FF2B5EF4-FFF2-40B4-BE49-F238E27FC236}">
-                  <a16:creationId xmlns:a16="http://schemas.microsoft.com/office/drawing/2014/main" id="{0397278E-557E-A048-980F-9225E17DEE85}"/>
-                </a:ext>
-              </a:extLst>
-            </p:cNvPr>
-            <p:cNvCxnSpPr>
-              <a:cxnSpLocks/>
-            </p:cNvCxnSpPr>
-            <p:nvPr/>
-          </p:nvCxnSpPr>
-          <p:spPr>
-            <a:xfrm flipH="1">
-              <a:off x="2729921" y="2783393"/>
-              <a:ext cx="1880760" cy="1525960"/>
-            </a:xfrm>
-            <a:prstGeom prst="straightConnector1">
-              <a:avLst/>
-            </a:prstGeom>
-            <a:ln w="50800">
-              <a:solidFill>
-                <a:schemeClr val="accent3"/>
-              </a:solidFill>
-              <a:tailEnd type="triangle"/>
-            </a:ln>
-          </p:spPr>
-          <p:style>
-            <a:lnRef idx="1">
-              <a:schemeClr val="accent1"/>
-            </a:lnRef>
-            <a:fillRef idx="0">
-              <a:schemeClr val="accent1"/>
-            </a:fillRef>
-            <a:effectRef idx="0">
-              <a:schemeClr val="accent1"/>
-            </a:effectRef>
-            <a:fontRef idx="minor">
-              <a:schemeClr val="tx1"/>
-            </a:fontRef>
-          </p:style>
-        </p:cxnSp>
         <p:sp>
           <p:nvSpPr>
             <p:cNvPr id="37" name="직사각형 36">
@@ -16931,54 +16929,12 @@
             </a:fontRef>
           </p:style>
         </p:cxnSp>
-        <p:sp>
-          <p:nvSpPr>
-            <p:cNvPr id="43" name="TextBox 42">
-              <a:extLst>
-                <a:ext uri="{FF2B5EF4-FFF2-40B4-BE49-F238E27FC236}">
-                  <a16:creationId xmlns:a16="http://schemas.microsoft.com/office/drawing/2014/main" id="{0092E0AF-4841-544F-ABA8-FCFB8E6C9A3C}"/>
-                </a:ext>
-              </a:extLst>
-            </p:cNvPr>
-            <p:cNvSpPr txBox="1"/>
-            <p:nvPr/>
-          </p:nvSpPr>
-          <p:spPr>
-            <a:xfrm>
-              <a:off x="2729921" y="4470967"/>
-              <a:ext cx="1859565" cy="338554"/>
-            </a:xfrm>
-            <a:prstGeom prst="rect">
-              <a:avLst/>
-            </a:prstGeom>
-            <a:solidFill>
-              <a:schemeClr val="accent6">
-                <a:lumMod val="20000"/>
-                <a:lumOff val="80000"/>
-              </a:schemeClr>
-            </a:solidFill>
-          </p:spPr>
-          <p:txBody>
-            <a:bodyPr wrap="square" rtlCol="0">
-              <a:spAutoFit/>
-            </a:bodyPr>
-            <a:lstStyle/>
-            <a:p>
-              <a:pPr algn="ctr"/>
-              <a:r>
-                <a:rPr kumimoji="1" lang="en-US" altLang="ko-KR" sz="1600" dirty="0"/>
-                <a:t>Disconnection</a:t>
-              </a:r>
-              <a:endParaRPr kumimoji="1" lang="ko-KR" altLang="en-US" sz="1600" dirty="0"/>
-            </a:p>
-          </p:txBody>
-        </p:sp>
         <p:cxnSp>
           <p:nvCxnSpPr>
-            <p:cNvPr id="48" name="직선 화살표 연결선 47">
-              <a:extLst>
-                <a:ext uri="{FF2B5EF4-FFF2-40B4-BE49-F238E27FC236}">
-                  <a16:creationId xmlns:a16="http://schemas.microsoft.com/office/drawing/2014/main" id="{802A3EED-0AFD-D044-A4C4-0D50F6647776}"/>
+            <p:cNvPr id="49" name="직선 화살표 연결선 48">
+              <a:extLst>
+                <a:ext uri="{FF2B5EF4-FFF2-40B4-BE49-F238E27FC236}">
+                  <a16:creationId xmlns:a16="http://schemas.microsoft.com/office/drawing/2014/main" id="{7E9D6D0B-CB3C-1042-A9AE-A817A72949CE}"/>
                 </a:ext>
               </a:extLst>
             </p:cNvPr>
@@ -16989,8 +16945,52 @@
           </p:nvCxnSpPr>
           <p:spPr>
             <a:xfrm flipH="1">
-              <a:off x="2719741" y="3367737"/>
-              <a:ext cx="1883541" cy="1106986"/>
+              <a:off x="2740257" y="2777653"/>
+              <a:ext cx="1893371" cy="1919014"/>
+            </a:xfrm>
+            <a:prstGeom prst="straightConnector1">
+              <a:avLst/>
+            </a:prstGeom>
+            <a:ln w="50800">
+              <a:solidFill>
+                <a:schemeClr val="accent3"/>
+              </a:solidFill>
+              <a:tailEnd type="triangle"/>
+            </a:ln>
+          </p:spPr>
+          <p:style>
+            <a:lnRef idx="1">
+              <a:schemeClr val="accent1"/>
+            </a:lnRef>
+            <a:fillRef idx="0">
+              <a:schemeClr val="accent1"/>
+            </a:fillRef>
+            <a:effectRef idx="0">
+              <a:schemeClr val="accent1"/>
+            </a:effectRef>
+            <a:fontRef idx="minor">
+              <a:schemeClr val="tx1"/>
+            </a:fontRef>
+          </p:style>
+        </p:cxnSp>
+        <p:cxnSp>
+          <p:nvCxnSpPr>
+            <p:cNvPr id="50" name="직선 화살표 연결선 49">
+              <a:extLst>
+                <a:ext uri="{FF2B5EF4-FFF2-40B4-BE49-F238E27FC236}">
+                  <a16:creationId xmlns:a16="http://schemas.microsoft.com/office/drawing/2014/main" id="{3FF23CAC-F9D9-B141-B42B-781DC0639C68}"/>
+                </a:ext>
+              </a:extLst>
+            </p:cNvPr>
+            <p:cNvCxnSpPr>
+              <a:cxnSpLocks/>
+            </p:cNvCxnSpPr>
+            <p:nvPr/>
+          </p:nvCxnSpPr>
+          <p:spPr>
+            <a:xfrm flipH="1">
+              <a:off x="2737191" y="3348093"/>
+              <a:ext cx="1893371" cy="1919014"/>
             </a:xfrm>
             <a:prstGeom prst="straightConnector1">
               <a:avLst/>

--- a/static/assets/img/posts/etc/http-version.pptx
+++ b/static/assets/img/posts/etc/http-version.pptx
@@ -5,7 +5,7 @@
     <p:sldMasterId id="2147483648" r:id="rId1"/>
   </p:sldMasterIdLst>
   <p:notesMasterIdLst>
-    <p:notesMasterId r:id="rId21"/>
+    <p:notesMasterId r:id="rId22"/>
   </p:notesMasterIdLst>
   <p:sldIdLst>
     <p:sldId id="256" r:id="rId2"/>
@@ -24,9 +24,10 @@
     <p:sldId id="274" r:id="rId15"/>
     <p:sldId id="275" r:id="rId16"/>
     <p:sldId id="276" r:id="rId17"/>
-    <p:sldId id="260" r:id="rId18"/>
-    <p:sldId id="261" r:id="rId19"/>
-    <p:sldId id="262" r:id="rId20"/>
+    <p:sldId id="277" r:id="rId18"/>
+    <p:sldId id="260" r:id="rId19"/>
+    <p:sldId id="261" r:id="rId20"/>
+    <p:sldId id="262" r:id="rId21"/>
   </p:sldIdLst>
   <p:sldSz cx="12192000" cy="6858000"/>
   <p:notesSz cx="6858000" cy="9144000"/>
@@ -226,7 +227,7 @@
           <a:p>
             <a:fld id="{4E790157-85E3-D64D-BB31-E2A6B705DD4B}" type="datetimeFigureOut">
               <a:rPr kumimoji="1" lang="ko-KR" altLang="en-US" smtClean="0"/>
-              <a:t>2022. 3. 18.</a:t>
+              <a:t>2022. 3. 19.</a:t>
             </a:fld>
             <a:endParaRPr kumimoji="1" lang="ko-KR" altLang="en-US"/>
           </a:p>
@@ -888,6 +889,90 @@
 </p:notes>
 </file>
 
+<file path=ppt/notesSlides/notesSlide6.xml><?xml version="1.0" encoding="utf-8"?>
+<p:notes xmlns:a="http://schemas.openxmlformats.org/drawingml/2006/main" xmlns:r="http://schemas.openxmlformats.org/officeDocument/2006/relationships" xmlns:p="http://schemas.openxmlformats.org/presentationml/2006/main">
+  <p:cSld>
+    <p:spTree>
+      <p:nvGrpSpPr>
+        <p:cNvPr id="1" name=""/>
+        <p:cNvGrpSpPr/>
+        <p:nvPr/>
+      </p:nvGrpSpPr>
+      <p:grpSpPr>
+        <a:xfrm>
+          <a:off x="0" y="0"/>
+          <a:ext cx="0" cy="0"/>
+          <a:chOff x="0" y="0"/>
+          <a:chExt cx="0" cy="0"/>
+        </a:xfrm>
+      </p:grpSpPr>
+      <p:sp>
+        <p:nvSpPr>
+          <p:cNvPr id="2" name="슬라이드 이미지 개체 틀 1"/>
+          <p:cNvSpPr>
+            <a:spLocks noGrp="1" noRot="1" noChangeAspect="1"/>
+          </p:cNvSpPr>
+          <p:nvPr>
+            <p:ph type="sldImg"/>
+          </p:nvPr>
+        </p:nvSpPr>
+        <p:spPr/>
+      </p:sp>
+      <p:sp>
+        <p:nvSpPr>
+          <p:cNvPr id="3" name="슬라이드 노트 개체 틀 2"/>
+          <p:cNvSpPr>
+            <a:spLocks noGrp="1"/>
+          </p:cNvSpPr>
+          <p:nvPr>
+            <p:ph type="body" idx="1"/>
+          </p:nvPr>
+        </p:nvSpPr>
+        <p:spPr/>
+        <p:txBody>
+          <a:bodyPr/>
+          <a:lstStyle/>
+          <a:p>
+            <a:endParaRPr kumimoji="1" lang="ko-KR" altLang="en-US" dirty="0"/>
+          </a:p>
+        </p:txBody>
+      </p:sp>
+      <p:sp>
+        <p:nvSpPr>
+          <p:cNvPr id="4" name="슬라이드 번호 개체 틀 3"/>
+          <p:cNvSpPr>
+            <a:spLocks noGrp="1"/>
+          </p:cNvSpPr>
+          <p:nvPr>
+            <p:ph type="sldNum" sz="quarter" idx="5"/>
+          </p:nvPr>
+        </p:nvSpPr>
+        <p:spPr/>
+        <p:txBody>
+          <a:bodyPr/>
+          <a:lstStyle/>
+          <a:p>
+            <a:fld id="{D5C8F6F6-4F2C-284F-81C8-8588BBA2EA2B}" type="slidenum">
+              <a:rPr kumimoji="1" lang="ko-KR" altLang="en-US" smtClean="0"/>
+              <a:t>17</a:t>
+            </a:fld>
+            <a:endParaRPr kumimoji="1" lang="ko-KR" altLang="en-US"/>
+          </a:p>
+        </p:txBody>
+      </p:sp>
+    </p:spTree>
+    <p:extLst>
+      <p:ext uri="{BB962C8B-B14F-4D97-AF65-F5344CB8AC3E}">
+        <p14:creationId xmlns:p14="http://schemas.microsoft.com/office/powerpoint/2010/main" val="2973961826"/>
+      </p:ext>
+    </p:extLst>
+  </p:cSld>
+  <p:clrMapOvr>
+    <a:masterClrMapping/>
+  </p:clrMapOvr>
+</p:notes>
+</file>
+
 <file path=ppt/slideLayouts/slideLayout1.xml><?xml version="1.0" encoding="utf-8"?>
 <p:sldLayout xmlns:a="http://schemas.openxmlformats.org/drawingml/2006/main" xmlns:r="http://schemas.openxmlformats.org/officeDocument/2006/relationships" xmlns:p="http://schemas.openxmlformats.org/presentationml/2006/main" type="title" preserve="1">
   <p:cSld name="제목 슬라이드">
@@ -1035,7 +1120,7 @@
           <a:p>
             <a:fld id="{187B024A-58F9-A941-8036-04AB132CF501}" type="datetimeFigureOut">
               <a:rPr kumimoji="1" lang="ko-KR" altLang="en-US" smtClean="0"/>
-              <a:t>2022. 3. 18.</a:t>
+              <a:t>2022. 3. 19.</a:t>
             </a:fld>
             <a:endParaRPr kumimoji="1" lang="ko-KR" altLang="en-US"/>
           </a:p>
@@ -1208,7 +1293,7 @@
           <a:p>
             <a:fld id="{187B024A-58F9-A941-8036-04AB132CF501}" type="datetimeFigureOut">
               <a:rPr kumimoji="1" lang="ko-KR" altLang="en-US" smtClean="0"/>
-              <a:t>2022. 3. 18.</a:t>
+              <a:t>2022. 3. 19.</a:t>
             </a:fld>
             <a:endParaRPr kumimoji="1" lang="ko-KR" altLang="en-US"/>
           </a:p>
@@ -1391,7 +1476,7 @@
           <a:p>
             <a:fld id="{187B024A-58F9-A941-8036-04AB132CF501}" type="datetimeFigureOut">
               <a:rPr kumimoji="1" lang="ko-KR" altLang="en-US" smtClean="0"/>
-              <a:t>2022. 3. 18.</a:t>
+              <a:t>2022. 3. 19.</a:t>
             </a:fld>
             <a:endParaRPr kumimoji="1" lang="ko-KR" altLang="en-US"/>
           </a:p>
@@ -1564,7 +1649,7 @@
           <a:p>
             <a:fld id="{187B024A-58F9-A941-8036-04AB132CF501}" type="datetimeFigureOut">
               <a:rPr kumimoji="1" lang="ko-KR" altLang="en-US" smtClean="0"/>
-              <a:t>2022. 3. 18.</a:t>
+              <a:t>2022. 3. 19.</a:t>
             </a:fld>
             <a:endParaRPr kumimoji="1" lang="ko-KR" altLang="en-US"/>
           </a:p>
@@ -1842,7 +1927,7 @@
           <a:p>
             <a:fld id="{187B024A-58F9-A941-8036-04AB132CF501}" type="datetimeFigureOut">
               <a:rPr kumimoji="1" lang="ko-KR" altLang="en-US" smtClean="0"/>
-              <a:t>2022. 3. 18.</a:t>
+              <a:t>2022. 3. 19.</a:t>
             </a:fld>
             <a:endParaRPr kumimoji="1" lang="ko-KR" altLang="en-US"/>
           </a:p>
@@ -2057,7 +2142,7 @@
           <a:p>
             <a:fld id="{187B024A-58F9-A941-8036-04AB132CF501}" type="datetimeFigureOut">
               <a:rPr kumimoji="1" lang="ko-KR" altLang="en-US" smtClean="0"/>
-              <a:t>2022. 3. 18.</a:t>
+              <a:t>2022. 3. 19.</a:t>
             </a:fld>
             <a:endParaRPr kumimoji="1" lang="ko-KR" altLang="en-US"/>
           </a:p>
@@ -2425,7 +2510,7 @@
           <a:p>
             <a:fld id="{187B024A-58F9-A941-8036-04AB132CF501}" type="datetimeFigureOut">
               <a:rPr kumimoji="1" lang="ko-KR" altLang="en-US" smtClean="0"/>
-              <a:t>2022. 3. 18.</a:t>
+              <a:t>2022. 3. 19.</a:t>
             </a:fld>
             <a:endParaRPr kumimoji="1" lang="ko-KR" altLang="en-US"/>
           </a:p>
@@ -2566,7 +2651,7 @@
           <a:p>
             <a:fld id="{187B024A-58F9-A941-8036-04AB132CF501}" type="datetimeFigureOut">
               <a:rPr kumimoji="1" lang="ko-KR" altLang="en-US" smtClean="0"/>
-              <a:t>2022. 3. 18.</a:t>
+              <a:t>2022. 3. 19.</a:t>
             </a:fld>
             <a:endParaRPr kumimoji="1" lang="ko-KR" altLang="en-US"/>
           </a:p>
@@ -2679,7 +2764,7 @@
           <a:p>
             <a:fld id="{187B024A-58F9-A941-8036-04AB132CF501}" type="datetimeFigureOut">
               <a:rPr kumimoji="1" lang="ko-KR" altLang="en-US" smtClean="0"/>
-              <a:t>2022. 3. 18.</a:t>
+              <a:t>2022. 3. 19.</a:t>
             </a:fld>
             <a:endParaRPr kumimoji="1" lang="ko-KR" altLang="en-US"/>
           </a:p>
@@ -2968,7 +3053,7 @@
           <a:p>
             <a:fld id="{187B024A-58F9-A941-8036-04AB132CF501}" type="datetimeFigureOut">
               <a:rPr kumimoji="1" lang="ko-KR" altLang="en-US" smtClean="0"/>
-              <a:t>2022. 3. 18.</a:t>
+              <a:t>2022. 3. 19.</a:t>
             </a:fld>
             <a:endParaRPr kumimoji="1" lang="ko-KR" altLang="en-US"/>
           </a:p>
@@ -3259,7 +3344,7 @@
           <a:p>
             <a:fld id="{187B024A-58F9-A941-8036-04AB132CF501}" type="datetimeFigureOut">
               <a:rPr kumimoji="1" lang="ko-KR" altLang="en-US" smtClean="0"/>
-              <a:t>2022. 3. 18.</a:t>
+              <a:t>2022. 3. 19.</a:t>
             </a:fld>
             <a:endParaRPr kumimoji="1" lang="ko-KR" altLang="en-US"/>
           </a:p>
@@ -3475,7 +3560,7 @@
           <a:p>
             <a:fld id="{187B024A-58F9-A941-8036-04AB132CF501}" type="datetimeFigureOut">
               <a:rPr kumimoji="1" lang="ko-KR" altLang="en-US" smtClean="0"/>
-              <a:t>2022. 3. 18.</a:t>
+              <a:t>2022. 3. 19.</a:t>
             </a:fld>
             <a:endParaRPr kumimoji="1" lang="ko-KR" altLang="en-US"/>
           </a:p>
@@ -12400,6 +12485,752 @@
 </file>
 
 <file path=ppt/slides/slide17.xml><?xml version="1.0" encoding="utf-8"?>
+<p:sld xmlns:a="http://schemas.openxmlformats.org/drawingml/2006/main" xmlns:r="http://schemas.openxmlformats.org/officeDocument/2006/relationships" xmlns:p="http://schemas.openxmlformats.org/presentationml/2006/main">
+  <p:cSld>
+    <p:spTree>
+      <p:nvGrpSpPr>
+        <p:cNvPr id="1" name=""/>
+        <p:cNvGrpSpPr/>
+        <p:nvPr/>
+      </p:nvGrpSpPr>
+      <p:grpSpPr>
+        <a:xfrm>
+          <a:off x="0" y="0"/>
+          <a:ext cx="0" cy="0"/>
+          <a:chOff x="0" y="0"/>
+          <a:chExt cx="0" cy="0"/>
+        </a:xfrm>
+      </p:grpSpPr>
+      <p:grpSp>
+        <p:nvGrpSpPr>
+          <p:cNvPr id="5" name="그룹 4">
+            <a:extLst>
+              <a:ext uri="{FF2B5EF4-FFF2-40B4-BE49-F238E27FC236}">
+                <a16:creationId xmlns:a16="http://schemas.microsoft.com/office/drawing/2014/main" id="{9C159297-07BA-B74F-BAD3-12B389CBE41C}"/>
+              </a:ext>
+            </a:extLst>
+          </p:cNvPr>
+          <p:cNvGrpSpPr/>
+          <p:nvPr/>
+        </p:nvGrpSpPr>
+        <p:grpSpPr>
+          <a:xfrm>
+            <a:off x="1491448" y="1340528"/>
+            <a:ext cx="8747246" cy="2797127"/>
+            <a:chOff x="1491448" y="1340528"/>
+            <a:chExt cx="8747246" cy="2797127"/>
+          </a:xfrm>
+        </p:grpSpPr>
+        <p:sp>
+          <p:nvSpPr>
+            <p:cNvPr id="4" name="직사각형 3">
+              <a:extLst>
+                <a:ext uri="{FF2B5EF4-FFF2-40B4-BE49-F238E27FC236}">
+                  <a16:creationId xmlns:a16="http://schemas.microsoft.com/office/drawing/2014/main" id="{E30BD1E6-A9F1-9741-8A16-BBD51D89349D}"/>
+                </a:ext>
+              </a:extLst>
+            </p:cNvPr>
+            <p:cNvSpPr/>
+            <p:nvPr/>
+          </p:nvSpPr>
+          <p:spPr>
+            <a:xfrm>
+              <a:off x="1491449" y="1340528"/>
+              <a:ext cx="2707689" cy="656948"/>
+            </a:xfrm>
+            <a:prstGeom prst="rect">
+              <a:avLst/>
+            </a:prstGeom>
+            <a:solidFill>
+              <a:schemeClr val="tx2">
+                <a:lumMod val="75000"/>
+              </a:schemeClr>
+            </a:solidFill>
+            <a:ln>
+              <a:noFill/>
+            </a:ln>
+          </p:spPr>
+          <p:style>
+            <a:lnRef idx="2">
+              <a:schemeClr val="accent1">
+                <a:shade val="50000"/>
+              </a:schemeClr>
+            </a:lnRef>
+            <a:fillRef idx="1">
+              <a:schemeClr val="accent1"/>
+            </a:fillRef>
+            <a:effectRef idx="0">
+              <a:schemeClr val="accent1"/>
+            </a:effectRef>
+            <a:fontRef idx="minor">
+              <a:schemeClr val="lt1"/>
+            </a:fontRef>
+          </p:style>
+          <p:txBody>
+            <a:bodyPr rtlCol="0" anchor="ctr"/>
+            <a:lstStyle/>
+            <a:p>
+              <a:pPr algn="ctr"/>
+              <a:r>
+                <a:rPr kumimoji="1" lang="en-US" altLang="ko-KR" dirty="0"/>
+                <a:t>HTTP/1.1</a:t>
+              </a:r>
+              <a:endParaRPr kumimoji="1" lang="ko-KR" altLang="en-US" dirty="0"/>
+            </a:p>
+          </p:txBody>
+        </p:sp>
+        <p:sp>
+          <p:nvSpPr>
+            <p:cNvPr id="25" name="직사각형 24">
+              <a:extLst>
+                <a:ext uri="{FF2B5EF4-FFF2-40B4-BE49-F238E27FC236}">
+                  <a16:creationId xmlns:a16="http://schemas.microsoft.com/office/drawing/2014/main" id="{45592BA9-12F6-3640-87B4-1A1F6EA63AEF}"/>
+                </a:ext>
+              </a:extLst>
+            </p:cNvPr>
+            <p:cNvSpPr/>
+            <p:nvPr/>
+          </p:nvSpPr>
+          <p:spPr>
+            <a:xfrm>
+              <a:off x="1491449" y="2053921"/>
+              <a:ext cx="2707689" cy="656948"/>
+            </a:xfrm>
+            <a:prstGeom prst="rect">
+              <a:avLst/>
+            </a:prstGeom>
+            <a:solidFill>
+              <a:schemeClr val="tx2">
+                <a:lumMod val="75000"/>
+              </a:schemeClr>
+            </a:solidFill>
+            <a:ln>
+              <a:noFill/>
+            </a:ln>
+          </p:spPr>
+          <p:style>
+            <a:lnRef idx="2">
+              <a:schemeClr val="accent1">
+                <a:shade val="50000"/>
+              </a:schemeClr>
+            </a:lnRef>
+            <a:fillRef idx="1">
+              <a:schemeClr val="accent1"/>
+            </a:fillRef>
+            <a:effectRef idx="0">
+              <a:schemeClr val="accent1"/>
+            </a:effectRef>
+            <a:fontRef idx="minor">
+              <a:schemeClr val="lt1"/>
+            </a:fontRef>
+          </p:style>
+          <p:txBody>
+            <a:bodyPr rtlCol="0" anchor="ctr"/>
+            <a:lstStyle/>
+            <a:p>
+              <a:pPr algn="ctr"/>
+              <a:r>
+                <a:rPr kumimoji="1" lang="en-US" altLang="ko-KR" dirty="0"/>
+                <a:t>TLS (optional)</a:t>
+              </a:r>
+              <a:endParaRPr kumimoji="1" lang="ko-KR" altLang="en-US" dirty="0"/>
+            </a:p>
+          </p:txBody>
+        </p:sp>
+        <p:sp>
+          <p:nvSpPr>
+            <p:cNvPr id="26" name="직사각형 25">
+              <a:extLst>
+                <a:ext uri="{FF2B5EF4-FFF2-40B4-BE49-F238E27FC236}">
+                  <a16:creationId xmlns:a16="http://schemas.microsoft.com/office/drawing/2014/main" id="{D400C0AB-D018-5445-8143-3B35EBFC0499}"/>
+                </a:ext>
+              </a:extLst>
+            </p:cNvPr>
+            <p:cNvSpPr/>
+            <p:nvPr/>
+          </p:nvSpPr>
+          <p:spPr>
+            <a:xfrm>
+              <a:off x="1491448" y="2767314"/>
+              <a:ext cx="2707689" cy="656948"/>
+            </a:xfrm>
+            <a:prstGeom prst="rect">
+              <a:avLst/>
+            </a:prstGeom>
+            <a:solidFill>
+              <a:schemeClr val="tx2">
+                <a:lumMod val="75000"/>
+              </a:schemeClr>
+            </a:solidFill>
+            <a:ln>
+              <a:noFill/>
+            </a:ln>
+          </p:spPr>
+          <p:style>
+            <a:lnRef idx="2">
+              <a:schemeClr val="accent1">
+                <a:shade val="50000"/>
+              </a:schemeClr>
+            </a:lnRef>
+            <a:fillRef idx="1">
+              <a:schemeClr val="accent1"/>
+            </a:fillRef>
+            <a:effectRef idx="0">
+              <a:schemeClr val="accent1"/>
+            </a:effectRef>
+            <a:fontRef idx="minor">
+              <a:schemeClr val="lt1"/>
+            </a:fontRef>
+          </p:style>
+          <p:txBody>
+            <a:bodyPr rtlCol="0" anchor="ctr"/>
+            <a:lstStyle/>
+            <a:p>
+              <a:pPr algn="ctr"/>
+              <a:r>
+                <a:rPr kumimoji="1" lang="en-US" altLang="ko-KR" dirty="0"/>
+                <a:t>TCP</a:t>
+              </a:r>
+              <a:endParaRPr kumimoji="1" lang="ko-KR" altLang="en-US" dirty="0"/>
+            </a:p>
+          </p:txBody>
+        </p:sp>
+        <p:sp>
+          <p:nvSpPr>
+            <p:cNvPr id="27" name="직사각형 26">
+              <a:extLst>
+                <a:ext uri="{FF2B5EF4-FFF2-40B4-BE49-F238E27FC236}">
+                  <a16:creationId xmlns:a16="http://schemas.microsoft.com/office/drawing/2014/main" id="{DC29D594-5341-914B-BB3F-06811A7B7F8C}"/>
+                </a:ext>
+              </a:extLst>
+            </p:cNvPr>
+            <p:cNvSpPr/>
+            <p:nvPr/>
+          </p:nvSpPr>
+          <p:spPr>
+            <a:xfrm>
+              <a:off x="1491448" y="3480707"/>
+              <a:ext cx="2707689" cy="656948"/>
+            </a:xfrm>
+            <a:prstGeom prst="rect">
+              <a:avLst/>
+            </a:prstGeom>
+            <a:solidFill>
+              <a:schemeClr val="tx2">
+                <a:lumMod val="75000"/>
+              </a:schemeClr>
+            </a:solidFill>
+            <a:ln>
+              <a:noFill/>
+            </a:ln>
+          </p:spPr>
+          <p:style>
+            <a:lnRef idx="2">
+              <a:schemeClr val="accent1">
+                <a:shade val="50000"/>
+              </a:schemeClr>
+            </a:lnRef>
+            <a:fillRef idx="1">
+              <a:schemeClr val="accent1"/>
+            </a:fillRef>
+            <a:effectRef idx="0">
+              <a:schemeClr val="accent1"/>
+            </a:effectRef>
+            <a:fontRef idx="minor">
+              <a:schemeClr val="lt1"/>
+            </a:fontRef>
+          </p:style>
+          <p:txBody>
+            <a:bodyPr rtlCol="0" anchor="ctr"/>
+            <a:lstStyle/>
+            <a:p>
+              <a:pPr algn="ctr"/>
+              <a:r>
+                <a:rPr kumimoji="1" lang="en-US" altLang="ko-KR" dirty="0"/>
+                <a:t>IP</a:t>
+              </a:r>
+              <a:endParaRPr kumimoji="1" lang="ko-KR" altLang="en-US" dirty="0"/>
+            </a:p>
+          </p:txBody>
+        </p:sp>
+        <p:sp>
+          <p:nvSpPr>
+            <p:cNvPr id="28" name="직사각형 27">
+              <a:extLst>
+                <a:ext uri="{FF2B5EF4-FFF2-40B4-BE49-F238E27FC236}">
+                  <a16:creationId xmlns:a16="http://schemas.microsoft.com/office/drawing/2014/main" id="{CC341D95-32EA-8C4D-8B5D-A1AC417935EF}"/>
+                </a:ext>
+              </a:extLst>
+            </p:cNvPr>
+            <p:cNvSpPr/>
+            <p:nvPr/>
+          </p:nvSpPr>
+          <p:spPr>
+            <a:xfrm>
+              <a:off x="4511227" y="1340528"/>
+              <a:ext cx="2707689" cy="656948"/>
+            </a:xfrm>
+            <a:prstGeom prst="rect">
+              <a:avLst/>
+            </a:prstGeom>
+            <a:solidFill>
+              <a:schemeClr val="accent1">
+                <a:lumMod val="75000"/>
+              </a:schemeClr>
+            </a:solidFill>
+            <a:ln>
+              <a:noFill/>
+            </a:ln>
+          </p:spPr>
+          <p:style>
+            <a:lnRef idx="2">
+              <a:schemeClr val="accent1">
+                <a:shade val="50000"/>
+              </a:schemeClr>
+            </a:lnRef>
+            <a:fillRef idx="1">
+              <a:schemeClr val="accent1"/>
+            </a:fillRef>
+            <a:effectRef idx="0">
+              <a:schemeClr val="accent1"/>
+            </a:effectRef>
+            <a:fontRef idx="minor">
+              <a:schemeClr val="lt1"/>
+            </a:fontRef>
+          </p:style>
+          <p:txBody>
+            <a:bodyPr rtlCol="0" anchor="ctr"/>
+            <a:lstStyle/>
+            <a:p>
+              <a:pPr algn="ctr"/>
+              <a:r>
+                <a:rPr kumimoji="1" lang="en-US" altLang="ko-KR" dirty="0"/>
+                <a:t>HTTP/2</a:t>
+              </a:r>
+              <a:endParaRPr kumimoji="1" lang="ko-KR" altLang="en-US" dirty="0"/>
+            </a:p>
+          </p:txBody>
+        </p:sp>
+        <p:sp>
+          <p:nvSpPr>
+            <p:cNvPr id="30" name="직사각형 29">
+              <a:extLst>
+                <a:ext uri="{FF2B5EF4-FFF2-40B4-BE49-F238E27FC236}">
+                  <a16:creationId xmlns:a16="http://schemas.microsoft.com/office/drawing/2014/main" id="{DEABF5FA-F330-D44C-8AF8-348D0E6AABD9}"/>
+                </a:ext>
+              </a:extLst>
+            </p:cNvPr>
+            <p:cNvSpPr/>
+            <p:nvPr/>
+          </p:nvSpPr>
+          <p:spPr>
+            <a:xfrm>
+              <a:off x="4511227" y="2053921"/>
+              <a:ext cx="2707689" cy="656948"/>
+            </a:xfrm>
+            <a:prstGeom prst="rect">
+              <a:avLst/>
+            </a:prstGeom>
+            <a:solidFill>
+              <a:schemeClr val="accent1">
+                <a:lumMod val="75000"/>
+              </a:schemeClr>
+            </a:solidFill>
+            <a:ln>
+              <a:noFill/>
+            </a:ln>
+          </p:spPr>
+          <p:style>
+            <a:lnRef idx="2">
+              <a:schemeClr val="accent1">
+                <a:shade val="50000"/>
+              </a:schemeClr>
+            </a:lnRef>
+            <a:fillRef idx="1">
+              <a:schemeClr val="accent1"/>
+            </a:fillRef>
+            <a:effectRef idx="0">
+              <a:schemeClr val="accent1"/>
+            </a:effectRef>
+            <a:fontRef idx="minor">
+              <a:schemeClr val="lt1"/>
+            </a:fontRef>
+          </p:style>
+          <p:txBody>
+            <a:bodyPr rtlCol="0" anchor="ctr"/>
+            <a:lstStyle/>
+            <a:p>
+              <a:pPr algn="ctr"/>
+              <a:r>
+                <a:rPr kumimoji="1" lang="en-US" altLang="ko-KR" dirty="0"/>
+                <a:t>TLS</a:t>
+              </a:r>
+            </a:p>
+          </p:txBody>
+        </p:sp>
+        <p:sp>
+          <p:nvSpPr>
+            <p:cNvPr id="32" name="직사각형 31">
+              <a:extLst>
+                <a:ext uri="{FF2B5EF4-FFF2-40B4-BE49-F238E27FC236}">
+                  <a16:creationId xmlns:a16="http://schemas.microsoft.com/office/drawing/2014/main" id="{EFA38366-F4EF-9A47-9322-7BDF1FFAEA62}"/>
+                </a:ext>
+              </a:extLst>
+            </p:cNvPr>
+            <p:cNvSpPr/>
+            <p:nvPr/>
+          </p:nvSpPr>
+          <p:spPr>
+            <a:xfrm>
+              <a:off x="4511226" y="2767314"/>
+              <a:ext cx="2707689" cy="656948"/>
+            </a:xfrm>
+            <a:prstGeom prst="rect">
+              <a:avLst/>
+            </a:prstGeom>
+            <a:solidFill>
+              <a:schemeClr val="accent1">
+                <a:lumMod val="75000"/>
+              </a:schemeClr>
+            </a:solidFill>
+            <a:ln>
+              <a:noFill/>
+            </a:ln>
+          </p:spPr>
+          <p:style>
+            <a:lnRef idx="2">
+              <a:schemeClr val="accent1">
+                <a:shade val="50000"/>
+              </a:schemeClr>
+            </a:lnRef>
+            <a:fillRef idx="1">
+              <a:schemeClr val="accent1"/>
+            </a:fillRef>
+            <a:effectRef idx="0">
+              <a:schemeClr val="accent1"/>
+            </a:effectRef>
+            <a:fontRef idx="minor">
+              <a:schemeClr val="lt1"/>
+            </a:fontRef>
+          </p:style>
+          <p:txBody>
+            <a:bodyPr rtlCol="0" anchor="ctr"/>
+            <a:lstStyle/>
+            <a:p>
+              <a:pPr algn="ctr"/>
+              <a:r>
+                <a:rPr kumimoji="1" lang="en-US" altLang="ko-KR" dirty="0"/>
+                <a:t>TCP</a:t>
+              </a:r>
+              <a:endParaRPr kumimoji="1" lang="ko-KR" altLang="en-US" dirty="0"/>
+            </a:p>
+          </p:txBody>
+        </p:sp>
+        <p:sp>
+          <p:nvSpPr>
+            <p:cNvPr id="35" name="직사각형 34">
+              <a:extLst>
+                <a:ext uri="{FF2B5EF4-FFF2-40B4-BE49-F238E27FC236}">
+                  <a16:creationId xmlns:a16="http://schemas.microsoft.com/office/drawing/2014/main" id="{FE09A6D2-8A26-4F4B-A3AD-6C6487394618}"/>
+                </a:ext>
+              </a:extLst>
+            </p:cNvPr>
+            <p:cNvSpPr/>
+            <p:nvPr/>
+          </p:nvSpPr>
+          <p:spPr>
+            <a:xfrm>
+              <a:off x="4511226" y="3480707"/>
+              <a:ext cx="2707689" cy="656948"/>
+            </a:xfrm>
+            <a:prstGeom prst="rect">
+              <a:avLst/>
+            </a:prstGeom>
+            <a:solidFill>
+              <a:schemeClr val="accent1">
+                <a:lumMod val="75000"/>
+              </a:schemeClr>
+            </a:solidFill>
+            <a:ln>
+              <a:noFill/>
+            </a:ln>
+          </p:spPr>
+          <p:style>
+            <a:lnRef idx="2">
+              <a:schemeClr val="accent1">
+                <a:shade val="50000"/>
+              </a:schemeClr>
+            </a:lnRef>
+            <a:fillRef idx="1">
+              <a:schemeClr val="accent1"/>
+            </a:fillRef>
+            <a:effectRef idx="0">
+              <a:schemeClr val="accent1"/>
+            </a:effectRef>
+            <a:fontRef idx="minor">
+              <a:schemeClr val="lt1"/>
+            </a:fontRef>
+          </p:style>
+          <p:txBody>
+            <a:bodyPr rtlCol="0" anchor="ctr"/>
+            <a:lstStyle/>
+            <a:p>
+              <a:pPr algn="ctr"/>
+              <a:r>
+                <a:rPr kumimoji="1" lang="en-US" altLang="ko-KR" dirty="0"/>
+                <a:t>IP</a:t>
+              </a:r>
+              <a:endParaRPr kumimoji="1" lang="ko-KR" altLang="en-US" dirty="0"/>
+            </a:p>
+          </p:txBody>
+        </p:sp>
+        <p:sp>
+          <p:nvSpPr>
+            <p:cNvPr id="37" name="직사각형 36">
+              <a:extLst>
+                <a:ext uri="{FF2B5EF4-FFF2-40B4-BE49-F238E27FC236}">
+                  <a16:creationId xmlns:a16="http://schemas.microsoft.com/office/drawing/2014/main" id="{B9366435-C9D4-4649-A491-B8C5684BE50D}"/>
+                </a:ext>
+              </a:extLst>
+            </p:cNvPr>
+            <p:cNvSpPr/>
+            <p:nvPr/>
+          </p:nvSpPr>
+          <p:spPr>
+            <a:xfrm>
+              <a:off x="7531005" y="1340528"/>
+              <a:ext cx="2707689" cy="656948"/>
+            </a:xfrm>
+            <a:prstGeom prst="rect">
+              <a:avLst/>
+            </a:prstGeom>
+            <a:solidFill>
+              <a:schemeClr val="accent6">
+                <a:lumMod val="75000"/>
+              </a:schemeClr>
+            </a:solidFill>
+            <a:ln>
+              <a:noFill/>
+            </a:ln>
+          </p:spPr>
+          <p:style>
+            <a:lnRef idx="2">
+              <a:schemeClr val="accent1">
+                <a:shade val="50000"/>
+              </a:schemeClr>
+            </a:lnRef>
+            <a:fillRef idx="1">
+              <a:schemeClr val="accent1"/>
+            </a:fillRef>
+            <a:effectRef idx="0">
+              <a:schemeClr val="accent1"/>
+            </a:effectRef>
+            <a:fontRef idx="minor">
+              <a:schemeClr val="lt1"/>
+            </a:fontRef>
+          </p:style>
+          <p:txBody>
+            <a:bodyPr rtlCol="0" anchor="ctr"/>
+            <a:lstStyle/>
+            <a:p>
+              <a:pPr algn="ctr"/>
+              <a:r>
+                <a:rPr kumimoji="1" lang="en-US" altLang="ko-KR" dirty="0"/>
+                <a:t>HTTP/3</a:t>
+              </a:r>
+              <a:endParaRPr kumimoji="1" lang="ko-KR" altLang="en-US" dirty="0"/>
+            </a:p>
+          </p:txBody>
+        </p:sp>
+        <p:sp>
+          <p:nvSpPr>
+            <p:cNvPr id="38" name="직사각형 37">
+              <a:extLst>
+                <a:ext uri="{FF2B5EF4-FFF2-40B4-BE49-F238E27FC236}">
+                  <a16:creationId xmlns:a16="http://schemas.microsoft.com/office/drawing/2014/main" id="{D6AD7422-5163-A242-9C91-145CBFA7F190}"/>
+                </a:ext>
+              </a:extLst>
+            </p:cNvPr>
+            <p:cNvSpPr/>
+            <p:nvPr/>
+          </p:nvSpPr>
+          <p:spPr>
+            <a:xfrm>
+              <a:off x="7531005" y="2053921"/>
+              <a:ext cx="2707689" cy="656948"/>
+            </a:xfrm>
+            <a:prstGeom prst="rect">
+              <a:avLst/>
+            </a:prstGeom>
+            <a:solidFill>
+              <a:schemeClr val="accent6">
+                <a:lumMod val="75000"/>
+              </a:schemeClr>
+            </a:solidFill>
+            <a:ln>
+              <a:noFill/>
+            </a:ln>
+          </p:spPr>
+          <p:style>
+            <a:lnRef idx="2">
+              <a:schemeClr val="accent1">
+                <a:shade val="50000"/>
+              </a:schemeClr>
+            </a:lnRef>
+            <a:fillRef idx="1">
+              <a:schemeClr val="accent1"/>
+            </a:fillRef>
+            <a:effectRef idx="0">
+              <a:schemeClr val="accent1"/>
+            </a:effectRef>
+            <a:fontRef idx="minor">
+              <a:schemeClr val="lt1"/>
+            </a:fontRef>
+          </p:style>
+          <p:txBody>
+            <a:bodyPr rtlCol="0" anchor="ctr"/>
+            <a:lstStyle/>
+            <a:p>
+              <a:pPr algn="ctr"/>
+              <a:r>
+                <a:rPr kumimoji="1" lang="en-US" altLang="ko-KR" dirty="0"/>
+                <a:t>QUIC (+TLS)</a:t>
+              </a:r>
+              <a:endParaRPr kumimoji="1" lang="ko-KR" altLang="en-US" dirty="0"/>
+            </a:p>
+          </p:txBody>
+        </p:sp>
+        <p:sp>
+          <p:nvSpPr>
+            <p:cNvPr id="39" name="직사각형 38">
+              <a:extLst>
+                <a:ext uri="{FF2B5EF4-FFF2-40B4-BE49-F238E27FC236}">
+                  <a16:creationId xmlns:a16="http://schemas.microsoft.com/office/drawing/2014/main" id="{D3829F75-72CE-C847-B00F-50E21796C7CF}"/>
+                </a:ext>
+              </a:extLst>
+            </p:cNvPr>
+            <p:cNvSpPr/>
+            <p:nvPr/>
+          </p:nvSpPr>
+          <p:spPr>
+            <a:xfrm>
+              <a:off x="7531004" y="2767314"/>
+              <a:ext cx="2707689" cy="656948"/>
+            </a:xfrm>
+            <a:prstGeom prst="rect">
+              <a:avLst/>
+            </a:prstGeom>
+            <a:solidFill>
+              <a:schemeClr val="accent6">
+                <a:lumMod val="75000"/>
+              </a:schemeClr>
+            </a:solidFill>
+            <a:ln>
+              <a:noFill/>
+            </a:ln>
+          </p:spPr>
+          <p:style>
+            <a:lnRef idx="2">
+              <a:schemeClr val="accent1">
+                <a:shade val="50000"/>
+              </a:schemeClr>
+            </a:lnRef>
+            <a:fillRef idx="1">
+              <a:schemeClr val="accent1"/>
+            </a:fillRef>
+            <a:effectRef idx="0">
+              <a:schemeClr val="accent1"/>
+            </a:effectRef>
+            <a:fontRef idx="minor">
+              <a:schemeClr val="lt1"/>
+            </a:fontRef>
+          </p:style>
+          <p:txBody>
+            <a:bodyPr rtlCol="0" anchor="ctr"/>
+            <a:lstStyle/>
+            <a:p>
+              <a:pPr algn="ctr"/>
+              <a:r>
+                <a:rPr kumimoji="1" lang="en-US" altLang="ko-KR" dirty="0"/>
+                <a:t>UDP</a:t>
+              </a:r>
+              <a:endParaRPr kumimoji="1" lang="ko-KR" altLang="en-US" dirty="0"/>
+            </a:p>
+          </p:txBody>
+        </p:sp>
+        <p:sp>
+          <p:nvSpPr>
+            <p:cNvPr id="40" name="직사각형 39">
+              <a:extLst>
+                <a:ext uri="{FF2B5EF4-FFF2-40B4-BE49-F238E27FC236}">
+                  <a16:creationId xmlns:a16="http://schemas.microsoft.com/office/drawing/2014/main" id="{92BE6992-60C1-5A4C-AFE6-BD7E7383D092}"/>
+                </a:ext>
+              </a:extLst>
+            </p:cNvPr>
+            <p:cNvSpPr/>
+            <p:nvPr/>
+          </p:nvSpPr>
+          <p:spPr>
+            <a:xfrm>
+              <a:off x="7531004" y="3480707"/>
+              <a:ext cx="2707689" cy="656948"/>
+            </a:xfrm>
+            <a:prstGeom prst="rect">
+              <a:avLst/>
+            </a:prstGeom>
+            <a:solidFill>
+              <a:schemeClr val="accent6">
+                <a:lumMod val="75000"/>
+              </a:schemeClr>
+            </a:solidFill>
+            <a:ln>
+              <a:noFill/>
+            </a:ln>
+          </p:spPr>
+          <p:style>
+            <a:lnRef idx="2">
+              <a:schemeClr val="accent1">
+                <a:shade val="50000"/>
+              </a:schemeClr>
+            </a:lnRef>
+            <a:fillRef idx="1">
+              <a:schemeClr val="accent1"/>
+            </a:fillRef>
+            <a:effectRef idx="0">
+              <a:schemeClr val="accent1"/>
+            </a:effectRef>
+            <a:fontRef idx="minor">
+              <a:schemeClr val="lt1"/>
+            </a:fontRef>
+          </p:style>
+          <p:txBody>
+            <a:bodyPr rtlCol="0" anchor="ctr"/>
+            <a:lstStyle/>
+            <a:p>
+              <a:pPr algn="ctr"/>
+              <a:r>
+                <a:rPr kumimoji="1" lang="en-US" altLang="ko-KR" dirty="0"/>
+                <a:t>IP</a:t>
+              </a:r>
+              <a:endParaRPr kumimoji="1" lang="ko-KR" altLang="en-US" dirty="0"/>
+            </a:p>
+          </p:txBody>
+        </p:sp>
+      </p:grpSp>
+    </p:spTree>
+    <p:extLst>
+      <p:ext uri="{BB962C8B-B14F-4D97-AF65-F5344CB8AC3E}">
+        <p14:creationId xmlns:p14="http://schemas.microsoft.com/office/powerpoint/2010/main" val="371355367"/>
+      </p:ext>
+    </p:extLst>
+  </p:cSld>
+  <p:clrMapOvr>
+    <a:masterClrMapping/>
+  </p:clrMapOvr>
+</p:sld>
+</file>
+
+<file path=ppt/slides/slide18.xml><?xml version="1.0" encoding="utf-8"?>
 <p:sld xmlns:a="http://schemas.openxmlformats.org/drawingml/2006/main" xmlns:r="http://schemas.openxmlformats.org/officeDocument/2006/relationships" xmlns:p="http://schemas.openxmlformats.org/presentationml/2006/main" show="0">
   <p:cSld>
     <p:spTree>
@@ -13324,7 +14155,7 @@
 </p:sld>
 </file>
 
-<file path=ppt/slides/slide18.xml><?xml version="1.0" encoding="utf-8"?>
+<file path=ppt/slides/slide19.xml><?xml version="1.0" encoding="utf-8"?>
 <p:sld xmlns:a="http://schemas.openxmlformats.org/drawingml/2006/main" xmlns:r="http://schemas.openxmlformats.org/officeDocument/2006/relationships" xmlns:p="http://schemas.openxmlformats.org/presentationml/2006/main" show="0">
   <p:cSld>
     <p:spTree>
@@ -14060,751 +14891,6 @@
     <p:extLst>
       <p:ext uri="{BB962C8B-B14F-4D97-AF65-F5344CB8AC3E}">
         <p14:creationId xmlns:p14="http://schemas.microsoft.com/office/powerpoint/2010/main" val="268608801"/>
-      </p:ext>
-    </p:extLst>
-  </p:cSld>
-  <p:clrMapOvr>
-    <a:masterClrMapping/>
-  </p:clrMapOvr>
-</p:sld>
-</file>
-
-<file path=ppt/slides/slide19.xml><?xml version="1.0" encoding="utf-8"?>
-<p:sld xmlns:a="http://schemas.openxmlformats.org/drawingml/2006/main" xmlns:r="http://schemas.openxmlformats.org/officeDocument/2006/relationships" xmlns:p="http://schemas.openxmlformats.org/presentationml/2006/main" show="0">
-  <p:cSld>
-    <p:spTree>
-      <p:nvGrpSpPr>
-        <p:cNvPr id="1" name=""/>
-        <p:cNvGrpSpPr/>
-        <p:nvPr/>
-      </p:nvGrpSpPr>
-      <p:grpSpPr>
-        <a:xfrm>
-          <a:off x="0" y="0"/>
-          <a:ext cx="0" cy="0"/>
-          <a:chOff x="0" y="0"/>
-          <a:chExt cx="0" cy="0"/>
-        </a:xfrm>
-      </p:grpSpPr>
-      <p:grpSp>
-        <p:nvGrpSpPr>
-          <p:cNvPr id="4" name="그룹 3">
-            <a:extLst>
-              <a:ext uri="{FF2B5EF4-FFF2-40B4-BE49-F238E27FC236}">
-                <a16:creationId xmlns:a16="http://schemas.microsoft.com/office/drawing/2014/main" id="{A5A08FB9-B1CB-9B4A-AC77-0C969C123815}"/>
-              </a:ext>
-            </a:extLst>
-          </p:cNvPr>
-          <p:cNvGrpSpPr/>
-          <p:nvPr/>
-        </p:nvGrpSpPr>
-        <p:grpSpPr>
-          <a:xfrm>
-            <a:off x="2216745" y="471946"/>
-            <a:ext cx="4281626" cy="6148310"/>
-            <a:chOff x="2216745" y="471946"/>
-            <a:chExt cx="4281626" cy="6148310"/>
-          </a:xfrm>
-        </p:grpSpPr>
-        <p:sp>
-          <p:nvSpPr>
-            <p:cNvPr id="20" name="TextBox 19">
-              <a:extLst>
-                <a:ext uri="{FF2B5EF4-FFF2-40B4-BE49-F238E27FC236}">
-                  <a16:creationId xmlns:a16="http://schemas.microsoft.com/office/drawing/2014/main" id="{33F42459-40AD-F64E-B3D3-737C76581326}"/>
-                </a:ext>
-              </a:extLst>
-            </p:cNvPr>
-            <p:cNvSpPr txBox="1"/>
-            <p:nvPr/>
-          </p:nvSpPr>
-          <p:spPr>
-            <a:xfrm>
-              <a:off x="2729572" y="1050026"/>
-              <a:ext cx="1865946" cy="338554"/>
-            </a:xfrm>
-            <a:prstGeom prst="rect">
-              <a:avLst/>
-            </a:prstGeom>
-            <a:solidFill>
-              <a:schemeClr val="accent5">
-                <a:lumMod val="20000"/>
-                <a:lumOff val="80000"/>
-              </a:schemeClr>
-            </a:solidFill>
-          </p:spPr>
-          <p:txBody>
-            <a:bodyPr wrap="square" rtlCol="0">
-              <a:spAutoFit/>
-            </a:bodyPr>
-            <a:lstStyle/>
-            <a:p>
-              <a:pPr algn="ctr"/>
-              <a:r>
-                <a:rPr kumimoji="1" lang="en-US" altLang="ko-KR" sz="1600" dirty="0"/>
-                <a:t>TCP </a:t>
-              </a:r>
-              <a:r>
-                <a:rPr kumimoji="1" lang="ko-KR" altLang="en-US" sz="1600" dirty="0"/>
-                <a:t>연결</a:t>
-              </a:r>
-            </a:p>
-          </p:txBody>
-        </p:sp>
-        <p:cxnSp>
-          <p:nvCxnSpPr>
-            <p:cNvPr id="22" name="직선 연결선[R] 21">
-              <a:extLst>
-                <a:ext uri="{FF2B5EF4-FFF2-40B4-BE49-F238E27FC236}">
-                  <a16:creationId xmlns:a16="http://schemas.microsoft.com/office/drawing/2014/main" id="{6E3A8BC6-0267-F043-9F12-98CEEF308A3E}"/>
-                </a:ext>
-              </a:extLst>
-            </p:cNvPr>
-            <p:cNvCxnSpPr/>
-            <p:nvPr/>
-          </p:nvCxnSpPr>
-          <p:spPr>
-            <a:xfrm>
-              <a:off x="2706624" y="933611"/>
-              <a:ext cx="0" cy="5686645"/>
-            </a:xfrm>
-            <a:prstGeom prst="line">
-              <a:avLst/>
-            </a:prstGeom>
-            <a:ln w="50800">
-              <a:solidFill>
-                <a:schemeClr val="tx1"/>
-              </a:solidFill>
-            </a:ln>
-          </p:spPr>
-          <p:style>
-            <a:lnRef idx="1">
-              <a:schemeClr val="accent1"/>
-            </a:lnRef>
-            <a:fillRef idx="0">
-              <a:schemeClr val="accent1"/>
-            </a:fillRef>
-            <a:effectRef idx="0">
-              <a:schemeClr val="accent1"/>
-            </a:effectRef>
-            <a:fontRef idx="minor">
-              <a:schemeClr val="tx1"/>
-            </a:fontRef>
-          </p:style>
-        </p:cxnSp>
-        <p:sp>
-          <p:nvSpPr>
-            <p:cNvPr id="24" name="TextBox 23">
-              <a:extLst>
-                <a:ext uri="{FF2B5EF4-FFF2-40B4-BE49-F238E27FC236}">
-                  <a16:creationId xmlns:a16="http://schemas.microsoft.com/office/drawing/2014/main" id="{69C53195-4E72-FD4A-8EAA-F7B7A3BE8891}"/>
-                </a:ext>
-              </a:extLst>
-            </p:cNvPr>
-            <p:cNvSpPr txBox="1"/>
-            <p:nvPr/>
-          </p:nvSpPr>
-          <p:spPr>
-            <a:xfrm>
-              <a:off x="2216745" y="471946"/>
-              <a:ext cx="979755" cy="461665"/>
-            </a:xfrm>
-            <a:prstGeom prst="rect">
-              <a:avLst/>
-            </a:prstGeom>
-            <a:noFill/>
-          </p:spPr>
-          <p:txBody>
-            <a:bodyPr wrap="none" rtlCol="0">
-              <a:spAutoFit/>
-            </a:bodyPr>
-            <a:lstStyle/>
-            <a:p>
-              <a:r>
-                <a:rPr kumimoji="1" lang="en-US" altLang="ko-KR" sz="2400" dirty="0"/>
-                <a:t>Client</a:t>
-              </a:r>
-              <a:endParaRPr kumimoji="1" lang="ko-KR" altLang="en-US" sz="2400" dirty="0"/>
-            </a:p>
-          </p:txBody>
-        </p:sp>
-        <p:cxnSp>
-          <p:nvCxnSpPr>
-            <p:cNvPr id="25" name="직선 연결선[R] 24">
-              <a:extLst>
-                <a:ext uri="{FF2B5EF4-FFF2-40B4-BE49-F238E27FC236}">
-                  <a16:creationId xmlns:a16="http://schemas.microsoft.com/office/drawing/2014/main" id="{493040CE-FAD1-9F48-BD31-16D93C17D053}"/>
-                </a:ext>
-              </a:extLst>
-            </p:cNvPr>
-            <p:cNvCxnSpPr/>
-            <p:nvPr/>
-          </p:nvCxnSpPr>
-          <p:spPr>
-            <a:xfrm>
-              <a:off x="4620097" y="933611"/>
-              <a:ext cx="0" cy="5686645"/>
-            </a:xfrm>
-            <a:prstGeom prst="line">
-              <a:avLst/>
-            </a:prstGeom>
-            <a:ln w="50800">
-              <a:solidFill>
-                <a:schemeClr val="tx1"/>
-              </a:solidFill>
-            </a:ln>
-          </p:spPr>
-          <p:style>
-            <a:lnRef idx="1">
-              <a:schemeClr val="accent1"/>
-            </a:lnRef>
-            <a:fillRef idx="0">
-              <a:schemeClr val="accent1"/>
-            </a:fillRef>
-            <a:effectRef idx="0">
-              <a:schemeClr val="accent1"/>
-            </a:effectRef>
-            <a:fontRef idx="minor">
-              <a:schemeClr val="tx1"/>
-            </a:fontRef>
-          </p:style>
-        </p:cxnSp>
-        <p:sp>
-          <p:nvSpPr>
-            <p:cNvPr id="26" name="TextBox 25">
-              <a:extLst>
-                <a:ext uri="{FF2B5EF4-FFF2-40B4-BE49-F238E27FC236}">
-                  <a16:creationId xmlns:a16="http://schemas.microsoft.com/office/drawing/2014/main" id="{1981E1C8-0E2F-5043-9BE6-46728542F971}"/>
-                </a:ext>
-              </a:extLst>
-            </p:cNvPr>
-            <p:cNvSpPr txBox="1"/>
-            <p:nvPr/>
-          </p:nvSpPr>
-          <p:spPr>
-            <a:xfrm>
-              <a:off x="4089213" y="471946"/>
-              <a:ext cx="1061766" cy="461665"/>
-            </a:xfrm>
-            <a:prstGeom prst="rect">
-              <a:avLst/>
-            </a:prstGeom>
-            <a:noFill/>
-          </p:spPr>
-          <p:txBody>
-            <a:bodyPr wrap="none" rtlCol="0">
-              <a:spAutoFit/>
-            </a:bodyPr>
-            <a:lstStyle/>
-            <a:p>
-              <a:r>
-                <a:rPr kumimoji="1" lang="en-US" altLang="ko-KR" sz="2400" dirty="0"/>
-                <a:t>Server</a:t>
-              </a:r>
-              <a:endParaRPr kumimoji="1" lang="ko-KR" altLang="en-US" sz="2400" dirty="0"/>
-            </a:p>
-          </p:txBody>
-        </p:sp>
-        <p:sp>
-          <p:nvSpPr>
-            <p:cNvPr id="27" name="직사각형 26">
-              <a:extLst>
-                <a:ext uri="{FF2B5EF4-FFF2-40B4-BE49-F238E27FC236}">
-                  <a16:creationId xmlns:a16="http://schemas.microsoft.com/office/drawing/2014/main" id="{780A7135-AA50-CE41-9AD9-7636A4389130}"/>
-                </a:ext>
-              </a:extLst>
-            </p:cNvPr>
-            <p:cNvSpPr/>
-            <p:nvPr/>
-          </p:nvSpPr>
-          <p:spPr>
-            <a:xfrm>
-              <a:off x="4653729" y="1653585"/>
-              <a:ext cx="1844642" cy="571384"/>
-            </a:xfrm>
-            <a:prstGeom prst="rect">
-              <a:avLst/>
-            </a:prstGeom>
-            <a:solidFill>
-              <a:schemeClr val="accent4">
-                <a:lumMod val="20000"/>
-                <a:lumOff val="80000"/>
-              </a:schemeClr>
-            </a:solidFill>
-            <a:ln>
-              <a:noFill/>
-            </a:ln>
-          </p:spPr>
-          <p:style>
-            <a:lnRef idx="2">
-              <a:schemeClr val="accent1">
-                <a:shade val="50000"/>
-              </a:schemeClr>
-            </a:lnRef>
-            <a:fillRef idx="1">
-              <a:schemeClr val="accent1"/>
-            </a:fillRef>
-            <a:effectRef idx="0">
-              <a:schemeClr val="accent1"/>
-            </a:effectRef>
-            <a:fontRef idx="minor">
-              <a:schemeClr val="lt1"/>
-            </a:fontRef>
-          </p:style>
-          <p:txBody>
-            <a:bodyPr rtlCol="0" anchor="ctr"/>
-            <a:lstStyle/>
-            <a:p>
-              <a:pPr algn="ctr"/>
-              <a:r>
-                <a:rPr kumimoji="1" lang="ko-KR" altLang="en-US" dirty="0">
-                  <a:solidFill>
-                    <a:sysClr val="windowText" lastClr="000000"/>
-                  </a:solidFill>
-                </a:rPr>
-                <a:t>응답 결과 생성</a:t>
-              </a:r>
-            </a:p>
-          </p:txBody>
-        </p:sp>
-        <p:cxnSp>
-          <p:nvCxnSpPr>
-            <p:cNvPr id="28" name="직선 화살표 연결선 27">
-              <a:extLst>
-                <a:ext uri="{FF2B5EF4-FFF2-40B4-BE49-F238E27FC236}">
-                  <a16:creationId xmlns:a16="http://schemas.microsoft.com/office/drawing/2014/main" id="{4D71E890-152D-514F-8837-8453E1C669B9}"/>
-                </a:ext>
-              </a:extLst>
-            </p:cNvPr>
-            <p:cNvCxnSpPr>
-              <a:cxnSpLocks/>
-            </p:cNvCxnSpPr>
-            <p:nvPr/>
-          </p:nvCxnSpPr>
-          <p:spPr>
-            <a:xfrm>
-              <a:off x="2719741" y="1412173"/>
-              <a:ext cx="1887239" cy="241412"/>
-            </a:xfrm>
-            <a:prstGeom prst="straightConnector1">
-              <a:avLst/>
-            </a:prstGeom>
-            <a:ln w="50800">
-              <a:solidFill>
-                <a:schemeClr val="tx1"/>
-              </a:solidFill>
-              <a:tailEnd type="triangle"/>
-            </a:ln>
-          </p:spPr>
-          <p:style>
-            <a:lnRef idx="1">
-              <a:schemeClr val="accent1"/>
-            </a:lnRef>
-            <a:fillRef idx="0">
-              <a:schemeClr val="accent1"/>
-            </a:fillRef>
-            <a:effectRef idx="0">
-              <a:schemeClr val="accent1"/>
-            </a:effectRef>
-            <a:fontRef idx="minor">
-              <a:schemeClr val="tx1"/>
-            </a:fontRef>
-          </p:style>
-        </p:cxnSp>
-        <p:cxnSp>
-          <p:nvCxnSpPr>
-            <p:cNvPr id="38" name="직선 화살표 연결선 37">
-              <a:extLst>
-                <a:ext uri="{FF2B5EF4-FFF2-40B4-BE49-F238E27FC236}">
-                  <a16:creationId xmlns:a16="http://schemas.microsoft.com/office/drawing/2014/main" id="{9A348FBA-0ED7-A142-8C6D-8B5830C7B7F1}"/>
-                </a:ext>
-              </a:extLst>
-            </p:cNvPr>
-            <p:cNvCxnSpPr>
-              <a:cxnSpLocks/>
-            </p:cNvCxnSpPr>
-            <p:nvPr/>
-          </p:nvCxnSpPr>
-          <p:spPr>
-            <a:xfrm flipH="1">
-              <a:off x="2729572" y="2224969"/>
-              <a:ext cx="1887239" cy="266649"/>
-            </a:xfrm>
-            <a:prstGeom prst="straightConnector1">
-              <a:avLst/>
-            </a:prstGeom>
-            <a:ln w="50800">
-              <a:solidFill>
-                <a:schemeClr val="tx1"/>
-              </a:solidFill>
-              <a:tailEnd type="triangle"/>
-            </a:ln>
-          </p:spPr>
-          <p:style>
-            <a:lnRef idx="1">
-              <a:schemeClr val="accent1"/>
-            </a:lnRef>
-            <a:fillRef idx="0">
-              <a:schemeClr val="accent1"/>
-            </a:fillRef>
-            <a:effectRef idx="0">
-              <a:schemeClr val="accent1"/>
-            </a:effectRef>
-            <a:fontRef idx="minor">
-              <a:schemeClr val="tx1"/>
-            </a:fontRef>
-          </p:style>
-        </p:cxnSp>
-        <p:sp>
-          <p:nvSpPr>
-            <p:cNvPr id="39" name="직사각형 38">
-              <a:extLst>
-                <a:ext uri="{FF2B5EF4-FFF2-40B4-BE49-F238E27FC236}">
-                  <a16:creationId xmlns:a16="http://schemas.microsoft.com/office/drawing/2014/main" id="{78A76B44-D22E-C044-8462-4F45E5A4F3B7}"/>
-                </a:ext>
-              </a:extLst>
-            </p:cNvPr>
-            <p:cNvSpPr/>
-            <p:nvPr/>
-          </p:nvSpPr>
-          <p:spPr>
-            <a:xfrm>
-              <a:off x="4653729" y="2224969"/>
-              <a:ext cx="1844642" cy="571384"/>
-            </a:xfrm>
-            <a:prstGeom prst="rect">
-              <a:avLst/>
-            </a:prstGeom>
-            <a:solidFill>
-              <a:schemeClr val="accent3">
-                <a:lumMod val="20000"/>
-                <a:lumOff val="80000"/>
-              </a:schemeClr>
-            </a:solidFill>
-            <a:ln>
-              <a:noFill/>
-            </a:ln>
-          </p:spPr>
-          <p:style>
-            <a:lnRef idx="2">
-              <a:schemeClr val="accent1">
-                <a:shade val="50000"/>
-              </a:schemeClr>
-            </a:lnRef>
-            <a:fillRef idx="1">
-              <a:schemeClr val="accent1"/>
-            </a:fillRef>
-            <a:effectRef idx="0">
-              <a:schemeClr val="accent1"/>
-            </a:effectRef>
-            <a:fontRef idx="minor">
-              <a:schemeClr val="lt1"/>
-            </a:fontRef>
-          </p:style>
-          <p:txBody>
-            <a:bodyPr rtlCol="0" anchor="ctr"/>
-            <a:lstStyle/>
-            <a:p>
-              <a:pPr algn="ctr"/>
-              <a:r>
-                <a:rPr kumimoji="1" lang="ko-KR" altLang="en-US" dirty="0">
-                  <a:solidFill>
-                    <a:sysClr val="windowText" lastClr="000000"/>
-                  </a:solidFill>
-                </a:rPr>
-                <a:t>응답 결과 생성</a:t>
-              </a:r>
-            </a:p>
-          </p:txBody>
-        </p:sp>
-        <p:cxnSp>
-          <p:nvCxnSpPr>
-            <p:cNvPr id="40" name="직선 화살표 연결선 39">
-              <a:extLst>
-                <a:ext uri="{FF2B5EF4-FFF2-40B4-BE49-F238E27FC236}">
-                  <a16:creationId xmlns:a16="http://schemas.microsoft.com/office/drawing/2014/main" id="{A7137176-BBE2-FE43-9C83-DE2275298839}"/>
-                </a:ext>
-              </a:extLst>
-            </p:cNvPr>
-            <p:cNvCxnSpPr>
-              <a:cxnSpLocks/>
-            </p:cNvCxnSpPr>
-            <p:nvPr/>
-          </p:nvCxnSpPr>
-          <p:spPr>
-            <a:xfrm>
-              <a:off x="2719741" y="1588193"/>
-              <a:ext cx="1887239" cy="241412"/>
-            </a:xfrm>
-            <a:prstGeom prst="straightConnector1">
-              <a:avLst/>
-            </a:prstGeom>
-            <a:ln w="50800">
-              <a:solidFill>
-                <a:schemeClr val="tx1"/>
-              </a:solidFill>
-              <a:tailEnd type="triangle"/>
-            </a:ln>
-          </p:spPr>
-          <p:style>
-            <a:lnRef idx="1">
-              <a:schemeClr val="accent1"/>
-            </a:lnRef>
-            <a:fillRef idx="0">
-              <a:schemeClr val="accent1"/>
-            </a:fillRef>
-            <a:effectRef idx="0">
-              <a:schemeClr val="accent1"/>
-            </a:effectRef>
-            <a:fontRef idx="minor">
-              <a:schemeClr val="tx1"/>
-            </a:fontRef>
-          </p:style>
-        </p:cxnSp>
-        <p:cxnSp>
-          <p:nvCxnSpPr>
-            <p:cNvPr id="42" name="직선 화살표 연결선 41">
-              <a:extLst>
-                <a:ext uri="{FF2B5EF4-FFF2-40B4-BE49-F238E27FC236}">
-                  <a16:creationId xmlns:a16="http://schemas.microsoft.com/office/drawing/2014/main" id="{F92524E2-73DE-E64C-B53B-4D6685F00C0F}"/>
-                </a:ext>
-              </a:extLst>
-            </p:cNvPr>
-            <p:cNvCxnSpPr>
-              <a:cxnSpLocks/>
-            </p:cNvCxnSpPr>
-            <p:nvPr/>
-          </p:nvCxnSpPr>
-          <p:spPr>
-            <a:xfrm flipH="1">
-              <a:off x="2723441" y="2783393"/>
-              <a:ext cx="1887239" cy="266649"/>
-            </a:xfrm>
-            <a:prstGeom prst="straightConnector1">
-              <a:avLst/>
-            </a:prstGeom>
-            <a:ln w="50800">
-              <a:solidFill>
-                <a:schemeClr val="tx1"/>
-              </a:solidFill>
-              <a:tailEnd type="triangle"/>
-            </a:ln>
-          </p:spPr>
-          <p:style>
-            <a:lnRef idx="1">
-              <a:schemeClr val="accent1"/>
-            </a:lnRef>
-            <a:fillRef idx="0">
-              <a:schemeClr val="accent1"/>
-            </a:fillRef>
-            <a:effectRef idx="0">
-              <a:schemeClr val="accent1"/>
-            </a:effectRef>
-            <a:fontRef idx="minor">
-              <a:schemeClr val="tx1"/>
-            </a:fontRef>
-          </p:style>
-        </p:cxnSp>
-        <p:sp>
-          <p:nvSpPr>
-            <p:cNvPr id="44" name="직사각형 43">
-              <a:extLst>
-                <a:ext uri="{FF2B5EF4-FFF2-40B4-BE49-F238E27FC236}">
-                  <a16:creationId xmlns:a16="http://schemas.microsoft.com/office/drawing/2014/main" id="{D551F177-E1F6-5545-8DB2-32FD616C44FB}"/>
-                </a:ext>
-              </a:extLst>
-            </p:cNvPr>
-            <p:cNvSpPr/>
-            <p:nvPr/>
-          </p:nvSpPr>
-          <p:spPr>
-            <a:xfrm>
-              <a:off x="4653729" y="2796353"/>
-              <a:ext cx="1844642" cy="571384"/>
-            </a:xfrm>
-            <a:prstGeom prst="rect">
-              <a:avLst/>
-            </a:prstGeom>
-            <a:solidFill>
-              <a:schemeClr val="accent2">
-                <a:lumMod val="20000"/>
-                <a:lumOff val="80000"/>
-              </a:schemeClr>
-            </a:solidFill>
-            <a:ln>
-              <a:noFill/>
-            </a:ln>
-          </p:spPr>
-          <p:style>
-            <a:lnRef idx="2">
-              <a:schemeClr val="accent1">
-                <a:shade val="50000"/>
-              </a:schemeClr>
-            </a:lnRef>
-            <a:fillRef idx="1">
-              <a:schemeClr val="accent1"/>
-            </a:fillRef>
-            <a:effectRef idx="0">
-              <a:schemeClr val="accent1"/>
-            </a:effectRef>
-            <a:fontRef idx="minor">
-              <a:schemeClr val="lt1"/>
-            </a:fontRef>
-          </p:style>
-          <p:txBody>
-            <a:bodyPr rtlCol="0" anchor="ctr"/>
-            <a:lstStyle/>
-            <a:p>
-              <a:pPr algn="ctr"/>
-              <a:r>
-                <a:rPr kumimoji="1" lang="ko-KR" altLang="en-US" dirty="0">
-                  <a:solidFill>
-                    <a:sysClr val="windowText" lastClr="000000"/>
-                  </a:solidFill>
-                </a:rPr>
-                <a:t>응답 결과 생성</a:t>
-              </a:r>
-            </a:p>
-          </p:txBody>
-        </p:sp>
-        <p:cxnSp>
-          <p:nvCxnSpPr>
-            <p:cNvPr id="45" name="직선 화살표 연결선 44">
-              <a:extLst>
-                <a:ext uri="{FF2B5EF4-FFF2-40B4-BE49-F238E27FC236}">
-                  <a16:creationId xmlns:a16="http://schemas.microsoft.com/office/drawing/2014/main" id="{C39EFA3F-5BD5-8844-A929-CD165C86DA79}"/>
-                </a:ext>
-              </a:extLst>
-            </p:cNvPr>
-            <p:cNvCxnSpPr>
-              <a:cxnSpLocks/>
-            </p:cNvCxnSpPr>
-            <p:nvPr/>
-          </p:nvCxnSpPr>
-          <p:spPr>
-            <a:xfrm>
-              <a:off x="2719741" y="1757365"/>
-              <a:ext cx="1887239" cy="241412"/>
-            </a:xfrm>
-            <a:prstGeom prst="straightConnector1">
-              <a:avLst/>
-            </a:prstGeom>
-            <a:ln w="50800">
-              <a:solidFill>
-                <a:schemeClr val="tx1"/>
-              </a:solidFill>
-              <a:tailEnd type="triangle"/>
-            </a:ln>
-          </p:spPr>
-          <p:style>
-            <a:lnRef idx="1">
-              <a:schemeClr val="accent1"/>
-            </a:lnRef>
-            <a:fillRef idx="0">
-              <a:schemeClr val="accent1"/>
-            </a:fillRef>
-            <a:effectRef idx="0">
-              <a:schemeClr val="accent1"/>
-            </a:effectRef>
-            <a:fontRef idx="minor">
-              <a:schemeClr val="tx1"/>
-            </a:fontRef>
-          </p:style>
-        </p:cxnSp>
-        <p:sp>
-          <p:nvSpPr>
-            <p:cNvPr id="46" name="TextBox 45">
-              <a:extLst>
-                <a:ext uri="{FF2B5EF4-FFF2-40B4-BE49-F238E27FC236}">
-                  <a16:creationId xmlns:a16="http://schemas.microsoft.com/office/drawing/2014/main" id="{101DAC55-7834-2C43-B504-C8CBBF7691F1}"/>
-                </a:ext>
-              </a:extLst>
-            </p:cNvPr>
-            <p:cNvSpPr txBox="1"/>
-            <p:nvPr/>
-          </p:nvSpPr>
-          <p:spPr>
-            <a:xfrm>
-              <a:off x="2729921" y="3634386"/>
-              <a:ext cx="1859565" cy="338554"/>
-            </a:xfrm>
-            <a:prstGeom prst="rect">
-              <a:avLst/>
-            </a:prstGeom>
-            <a:solidFill>
-              <a:schemeClr val="accent6">
-                <a:lumMod val="20000"/>
-                <a:lumOff val="80000"/>
-              </a:schemeClr>
-            </a:solidFill>
-          </p:spPr>
-          <p:txBody>
-            <a:bodyPr wrap="square" rtlCol="0">
-              <a:spAutoFit/>
-            </a:bodyPr>
-            <a:lstStyle/>
-            <a:p>
-              <a:pPr algn="ctr"/>
-              <a:r>
-                <a:rPr kumimoji="1" lang="en-US" altLang="ko-KR" sz="1600" dirty="0"/>
-                <a:t>TCP</a:t>
-              </a:r>
-              <a:r>
-                <a:rPr kumimoji="1" lang="ko-KR" altLang="en-US" sz="1600" dirty="0"/>
-                <a:t> 연결 해제</a:t>
-              </a:r>
-            </a:p>
-          </p:txBody>
-        </p:sp>
-        <p:cxnSp>
-          <p:nvCxnSpPr>
-            <p:cNvPr id="47" name="직선 화살표 연결선 46">
-              <a:extLst>
-                <a:ext uri="{FF2B5EF4-FFF2-40B4-BE49-F238E27FC236}">
-                  <a16:creationId xmlns:a16="http://schemas.microsoft.com/office/drawing/2014/main" id="{E606C51B-A2B3-094C-97D3-3F1321FB83A6}"/>
-                </a:ext>
-              </a:extLst>
-            </p:cNvPr>
-            <p:cNvCxnSpPr>
-              <a:cxnSpLocks/>
-            </p:cNvCxnSpPr>
-            <p:nvPr/>
-          </p:nvCxnSpPr>
-          <p:spPr>
-            <a:xfrm flipH="1">
-              <a:off x="2716042" y="3367737"/>
-              <a:ext cx="1887239" cy="266649"/>
-            </a:xfrm>
-            <a:prstGeom prst="straightConnector1">
-              <a:avLst/>
-            </a:prstGeom>
-            <a:ln w="50800">
-              <a:solidFill>
-                <a:schemeClr val="tx1"/>
-              </a:solidFill>
-              <a:tailEnd type="triangle"/>
-            </a:ln>
-          </p:spPr>
-          <p:style>
-            <a:lnRef idx="1">
-              <a:schemeClr val="accent1"/>
-            </a:lnRef>
-            <a:fillRef idx="0">
-              <a:schemeClr val="accent1"/>
-            </a:fillRef>
-            <a:effectRef idx="0">
-              <a:schemeClr val="accent1"/>
-            </a:effectRef>
-            <a:fontRef idx="minor">
-              <a:schemeClr val="tx1"/>
-            </a:fontRef>
-          </p:style>
-        </p:cxnSp>
-      </p:grpSp>
-    </p:spTree>
-    <p:extLst>
-      <p:ext uri="{BB962C8B-B14F-4D97-AF65-F5344CB8AC3E}">
-        <p14:creationId xmlns:p14="http://schemas.microsoft.com/office/powerpoint/2010/main" val="2034092813"/>
       </p:ext>
     </p:extLst>
   </p:cSld>
@@ -15544,6 +15630,751 @@
     <p:extLst>
       <p:ext uri="{BB962C8B-B14F-4D97-AF65-F5344CB8AC3E}">
         <p14:creationId xmlns:p14="http://schemas.microsoft.com/office/powerpoint/2010/main" val="791302640"/>
+      </p:ext>
+    </p:extLst>
+  </p:cSld>
+  <p:clrMapOvr>
+    <a:masterClrMapping/>
+  </p:clrMapOvr>
+</p:sld>
+</file>
+
+<file path=ppt/slides/slide20.xml><?xml version="1.0" encoding="utf-8"?>
+<p:sld xmlns:a="http://schemas.openxmlformats.org/drawingml/2006/main" xmlns:r="http://schemas.openxmlformats.org/officeDocument/2006/relationships" xmlns:p="http://schemas.openxmlformats.org/presentationml/2006/main" show="0">
+  <p:cSld>
+    <p:spTree>
+      <p:nvGrpSpPr>
+        <p:cNvPr id="1" name=""/>
+        <p:cNvGrpSpPr/>
+        <p:nvPr/>
+      </p:nvGrpSpPr>
+      <p:grpSpPr>
+        <a:xfrm>
+          <a:off x="0" y="0"/>
+          <a:ext cx="0" cy="0"/>
+          <a:chOff x="0" y="0"/>
+          <a:chExt cx="0" cy="0"/>
+        </a:xfrm>
+      </p:grpSpPr>
+      <p:grpSp>
+        <p:nvGrpSpPr>
+          <p:cNvPr id="4" name="그룹 3">
+            <a:extLst>
+              <a:ext uri="{FF2B5EF4-FFF2-40B4-BE49-F238E27FC236}">
+                <a16:creationId xmlns:a16="http://schemas.microsoft.com/office/drawing/2014/main" id="{A5A08FB9-B1CB-9B4A-AC77-0C969C123815}"/>
+              </a:ext>
+            </a:extLst>
+          </p:cNvPr>
+          <p:cNvGrpSpPr/>
+          <p:nvPr/>
+        </p:nvGrpSpPr>
+        <p:grpSpPr>
+          <a:xfrm>
+            <a:off x="2216745" y="471946"/>
+            <a:ext cx="4281626" cy="6148310"/>
+            <a:chOff x="2216745" y="471946"/>
+            <a:chExt cx="4281626" cy="6148310"/>
+          </a:xfrm>
+        </p:grpSpPr>
+        <p:sp>
+          <p:nvSpPr>
+            <p:cNvPr id="20" name="TextBox 19">
+              <a:extLst>
+                <a:ext uri="{FF2B5EF4-FFF2-40B4-BE49-F238E27FC236}">
+                  <a16:creationId xmlns:a16="http://schemas.microsoft.com/office/drawing/2014/main" id="{33F42459-40AD-F64E-B3D3-737C76581326}"/>
+                </a:ext>
+              </a:extLst>
+            </p:cNvPr>
+            <p:cNvSpPr txBox="1"/>
+            <p:nvPr/>
+          </p:nvSpPr>
+          <p:spPr>
+            <a:xfrm>
+              <a:off x="2729572" y="1050026"/>
+              <a:ext cx="1865946" cy="338554"/>
+            </a:xfrm>
+            <a:prstGeom prst="rect">
+              <a:avLst/>
+            </a:prstGeom>
+            <a:solidFill>
+              <a:schemeClr val="accent5">
+                <a:lumMod val="20000"/>
+                <a:lumOff val="80000"/>
+              </a:schemeClr>
+            </a:solidFill>
+          </p:spPr>
+          <p:txBody>
+            <a:bodyPr wrap="square" rtlCol="0">
+              <a:spAutoFit/>
+            </a:bodyPr>
+            <a:lstStyle/>
+            <a:p>
+              <a:pPr algn="ctr"/>
+              <a:r>
+                <a:rPr kumimoji="1" lang="en-US" altLang="ko-KR" sz="1600" dirty="0"/>
+                <a:t>TCP </a:t>
+              </a:r>
+              <a:r>
+                <a:rPr kumimoji="1" lang="ko-KR" altLang="en-US" sz="1600" dirty="0"/>
+                <a:t>연결</a:t>
+              </a:r>
+            </a:p>
+          </p:txBody>
+        </p:sp>
+        <p:cxnSp>
+          <p:nvCxnSpPr>
+            <p:cNvPr id="22" name="직선 연결선[R] 21">
+              <a:extLst>
+                <a:ext uri="{FF2B5EF4-FFF2-40B4-BE49-F238E27FC236}">
+                  <a16:creationId xmlns:a16="http://schemas.microsoft.com/office/drawing/2014/main" id="{6E3A8BC6-0267-F043-9F12-98CEEF308A3E}"/>
+                </a:ext>
+              </a:extLst>
+            </p:cNvPr>
+            <p:cNvCxnSpPr/>
+            <p:nvPr/>
+          </p:nvCxnSpPr>
+          <p:spPr>
+            <a:xfrm>
+              <a:off x="2706624" y="933611"/>
+              <a:ext cx="0" cy="5686645"/>
+            </a:xfrm>
+            <a:prstGeom prst="line">
+              <a:avLst/>
+            </a:prstGeom>
+            <a:ln w="50800">
+              <a:solidFill>
+                <a:schemeClr val="tx1"/>
+              </a:solidFill>
+            </a:ln>
+          </p:spPr>
+          <p:style>
+            <a:lnRef idx="1">
+              <a:schemeClr val="accent1"/>
+            </a:lnRef>
+            <a:fillRef idx="0">
+              <a:schemeClr val="accent1"/>
+            </a:fillRef>
+            <a:effectRef idx="0">
+              <a:schemeClr val="accent1"/>
+            </a:effectRef>
+            <a:fontRef idx="minor">
+              <a:schemeClr val="tx1"/>
+            </a:fontRef>
+          </p:style>
+        </p:cxnSp>
+        <p:sp>
+          <p:nvSpPr>
+            <p:cNvPr id="24" name="TextBox 23">
+              <a:extLst>
+                <a:ext uri="{FF2B5EF4-FFF2-40B4-BE49-F238E27FC236}">
+                  <a16:creationId xmlns:a16="http://schemas.microsoft.com/office/drawing/2014/main" id="{69C53195-4E72-FD4A-8EAA-F7B7A3BE8891}"/>
+                </a:ext>
+              </a:extLst>
+            </p:cNvPr>
+            <p:cNvSpPr txBox="1"/>
+            <p:nvPr/>
+          </p:nvSpPr>
+          <p:spPr>
+            <a:xfrm>
+              <a:off x="2216745" y="471946"/>
+              <a:ext cx="979755" cy="461665"/>
+            </a:xfrm>
+            <a:prstGeom prst="rect">
+              <a:avLst/>
+            </a:prstGeom>
+            <a:noFill/>
+          </p:spPr>
+          <p:txBody>
+            <a:bodyPr wrap="none" rtlCol="0">
+              <a:spAutoFit/>
+            </a:bodyPr>
+            <a:lstStyle/>
+            <a:p>
+              <a:r>
+                <a:rPr kumimoji="1" lang="en-US" altLang="ko-KR" sz="2400" dirty="0"/>
+                <a:t>Client</a:t>
+              </a:r>
+              <a:endParaRPr kumimoji="1" lang="ko-KR" altLang="en-US" sz="2400" dirty="0"/>
+            </a:p>
+          </p:txBody>
+        </p:sp>
+        <p:cxnSp>
+          <p:nvCxnSpPr>
+            <p:cNvPr id="25" name="직선 연결선[R] 24">
+              <a:extLst>
+                <a:ext uri="{FF2B5EF4-FFF2-40B4-BE49-F238E27FC236}">
+                  <a16:creationId xmlns:a16="http://schemas.microsoft.com/office/drawing/2014/main" id="{493040CE-FAD1-9F48-BD31-16D93C17D053}"/>
+                </a:ext>
+              </a:extLst>
+            </p:cNvPr>
+            <p:cNvCxnSpPr/>
+            <p:nvPr/>
+          </p:nvCxnSpPr>
+          <p:spPr>
+            <a:xfrm>
+              <a:off x="4620097" y="933611"/>
+              <a:ext cx="0" cy="5686645"/>
+            </a:xfrm>
+            <a:prstGeom prst="line">
+              <a:avLst/>
+            </a:prstGeom>
+            <a:ln w="50800">
+              <a:solidFill>
+                <a:schemeClr val="tx1"/>
+              </a:solidFill>
+            </a:ln>
+          </p:spPr>
+          <p:style>
+            <a:lnRef idx="1">
+              <a:schemeClr val="accent1"/>
+            </a:lnRef>
+            <a:fillRef idx="0">
+              <a:schemeClr val="accent1"/>
+            </a:fillRef>
+            <a:effectRef idx="0">
+              <a:schemeClr val="accent1"/>
+            </a:effectRef>
+            <a:fontRef idx="minor">
+              <a:schemeClr val="tx1"/>
+            </a:fontRef>
+          </p:style>
+        </p:cxnSp>
+        <p:sp>
+          <p:nvSpPr>
+            <p:cNvPr id="26" name="TextBox 25">
+              <a:extLst>
+                <a:ext uri="{FF2B5EF4-FFF2-40B4-BE49-F238E27FC236}">
+                  <a16:creationId xmlns:a16="http://schemas.microsoft.com/office/drawing/2014/main" id="{1981E1C8-0E2F-5043-9BE6-46728542F971}"/>
+                </a:ext>
+              </a:extLst>
+            </p:cNvPr>
+            <p:cNvSpPr txBox="1"/>
+            <p:nvPr/>
+          </p:nvSpPr>
+          <p:spPr>
+            <a:xfrm>
+              <a:off x="4089213" y="471946"/>
+              <a:ext cx="1061766" cy="461665"/>
+            </a:xfrm>
+            <a:prstGeom prst="rect">
+              <a:avLst/>
+            </a:prstGeom>
+            <a:noFill/>
+          </p:spPr>
+          <p:txBody>
+            <a:bodyPr wrap="none" rtlCol="0">
+              <a:spAutoFit/>
+            </a:bodyPr>
+            <a:lstStyle/>
+            <a:p>
+              <a:r>
+                <a:rPr kumimoji="1" lang="en-US" altLang="ko-KR" sz="2400" dirty="0"/>
+                <a:t>Server</a:t>
+              </a:r>
+              <a:endParaRPr kumimoji="1" lang="ko-KR" altLang="en-US" sz="2400" dirty="0"/>
+            </a:p>
+          </p:txBody>
+        </p:sp>
+        <p:sp>
+          <p:nvSpPr>
+            <p:cNvPr id="27" name="직사각형 26">
+              <a:extLst>
+                <a:ext uri="{FF2B5EF4-FFF2-40B4-BE49-F238E27FC236}">
+                  <a16:creationId xmlns:a16="http://schemas.microsoft.com/office/drawing/2014/main" id="{780A7135-AA50-CE41-9AD9-7636A4389130}"/>
+                </a:ext>
+              </a:extLst>
+            </p:cNvPr>
+            <p:cNvSpPr/>
+            <p:nvPr/>
+          </p:nvSpPr>
+          <p:spPr>
+            <a:xfrm>
+              <a:off x="4653729" y="1653585"/>
+              <a:ext cx="1844642" cy="571384"/>
+            </a:xfrm>
+            <a:prstGeom prst="rect">
+              <a:avLst/>
+            </a:prstGeom>
+            <a:solidFill>
+              <a:schemeClr val="accent4">
+                <a:lumMod val="20000"/>
+                <a:lumOff val="80000"/>
+              </a:schemeClr>
+            </a:solidFill>
+            <a:ln>
+              <a:noFill/>
+            </a:ln>
+          </p:spPr>
+          <p:style>
+            <a:lnRef idx="2">
+              <a:schemeClr val="accent1">
+                <a:shade val="50000"/>
+              </a:schemeClr>
+            </a:lnRef>
+            <a:fillRef idx="1">
+              <a:schemeClr val="accent1"/>
+            </a:fillRef>
+            <a:effectRef idx="0">
+              <a:schemeClr val="accent1"/>
+            </a:effectRef>
+            <a:fontRef idx="minor">
+              <a:schemeClr val="lt1"/>
+            </a:fontRef>
+          </p:style>
+          <p:txBody>
+            <a:bodyPr rtlCol="0" anchor="ctr"/>
+            <a:lstStyle/>
+            <a:p>
+              <a:pPr algn="ctr"/>
+              <a:r>
+                <a:rPr kumimoji="1" lang="ko-KR" altLang="en-US" dirty="0">
+                  <a:solidFill>
+                    <a:sysClr val="windowText" lastClr="000000"/>
+                  </a:solidFill>
+                </a:rPr>
+                <a:t>응답 결과 생성</a:t>
+              </a:r>
+            </a:p>
+          </p:txBody>
+        </p:sp>
+        <p:cxnSp>
+          <p:nvCxnSpPr>
+            <p:cNvPr id="28" name="직선 화살표 연결선 27">
+              <a:extLst>
+                <a:ext uri="{FF2B5EF4-FFF2-40B4-BE49-F238E27FC236}">
+                  <a16:creationId xmlns:a16="http://schemas.microsoft.com/office/drawing/2014/main" id="{4D71E890-152D-514F-8837-8453E1C669B9}"/>
+                </a:ext>
+              </a:extLst>
+            </p:cNvPr>
+            <p:cNvCxnSpPr>
+              <a:cxnSpLocks/>
+            </p:cNvCxnSpPr>
+            <p:nvPr/>
+          </p:nvCxnSpPr>
+          <p:spPr>
+            <a:xfrm>
+              <a:off x="2719741" y="1412173"/>
+              <a:ext cx="1887239" cy="241412"/>
+            </a:xfrm>
+            <a:prstGeom prst="straightConnector1">
+              <a:avLst/>
+            </a:prstGeom>
+            <a:ln w="50800">
+              <a:solidFill>
+                <a:schemeClr val="tx1"/>
+              </a:solidFill>
+              <a:tailEnd type="triangle"/>
+            </a:ln>
+          </p:spPr>
+          <p:style>
+            <a:lnRef idx="1">
+              <a:schemeClr val="accent1"/>
+            </a:lnRef>
+            <a:fillRef idx="0">
+              <a:schemeClr val="accent1"/>
+            </a:fillRef>
+            <a:effectRef idx="0">
+              <a:schemeClr val="accent1"/>
+            </a:effectRef>
+            <a:fontRef idx="minor">
+              <a:schemeClr val="tx1"/>
+            </a:fontRef>
+          </p:style>
+        </p:cxnSp>
+        <p:cxnSp>
+          <p:nvCxnSpPr>
+            <p:cNvPr id="38" name="직선 화살표 연결선 37">
+              <a:extLst>
+                <a:ext uri="{FF2B5EF4-FFF2-40B4-BE49-F238E27FC236}">
+                  <a16:creationId xmlns:a16="http://schemas.microsoft.com/office/drawing/2014/main" id="{9A348FBA-0ED7-A142-8C6D-8B5830C7B7F1}"/>
+                </a:ext>
+              </a:extLst>
+            </p:cNvPr>
+            <p:cNvCxnSpPr>
+              <a:cxnSpLocks/>
+            </p:cNvCxnSpPr>
+            <p:nvPr/>
+          </p:nvCxnSpPr>
+          <p:spPr>
+            <a:xfrm flipH="1">
+              <a:off x="2729572" y="2224969"/>
+              <a:ext cx="1887239" cy="266649"/>
+            </a:xfrm>
+            <a:prstGeom prst="straightConnector1">
+              <a:avLst/>
+            </a:prstGeom>
+            <a:ln w="50800">
+              <a:solidFill>
+                <a:schemeClr val="tx1"/>
+              </a:solidFill>
+              <a:tailEnd type="triangle"/>
+            </a:ln>
+          </p:spPr>
+          <p:style>
+            <a:lnRef idx="1">
+              <a:schemeClr val="accent1"/>
+            </a:lnRef>
+            <a:fillRef idx="0">
+              <a:schemeClr val="accent1"/>
+            </a:fillRef>
+            <a:effectRef idx="0">
+              <a:schemeClr val="accent1"/>
+            </a:effectRef>
+            <a:fontRef idx="minor">
+              <a:schemeClr val="tx1"/>
+            </a:fontRef>
+          </p:style>
+        </p:cxnSp>
+        <p:sp>
+          <p:nvSpPr>
+            <p:cNvPr id="39" name="직사각형 38">
+              <a:extLst>
+                <a:ext uri="{FF2B5EF4-FFF2-40B4-BE49-F238E27FC236}">
+                  <a16:creationId xmlns:a16="http://schemas.microsoft.com/office/drawing/2014/main" id="{78A76B44-D22E-C044-8462-4F45E5A4F3B7}"/>
+                </a:ext>
+              </a:extLst>
+            </p:cNvPr>
+            <p:cNvSpPr/>
+            <p:nvPr/>
+          </p:nvSpPr>
+          <p:spPr>
+            <a:xfrm>
+              <a:off x="4653729" y="2224969"/>
+              <a:ext cx="1844642" cy="571384"/>
+            </a:xfrm>
+            <a:prstGeom prst="rect">
+              <a:avLst/>
+            </a:prstGeom>
+            <a:solidFill>
+              <a:schemeClr val="accent3">
+                <a:lumMod val="20000"/>
+                <a:lumOff val="80000"/>
+              </a:schemeClr>
+            </a:solidFill>
+            <a:ln>
+              <a:noFill/>
+            </a:ln>
+          </p:spPr>
+          <p:style>
+            <a:lnRef idx="2">
+              <a:schemeClr val="accent1">
+                <a:shade val="50000"/>
+              </a:schemeClr>
+            </a:lnRef>
+            <a:fillRef idx="1">
+              <a:schemeClr val="accent1"/>
+            </a:fillRef>
+            <a:effectRef idx="0">
+              <a:schemeClr val="accent1"/>
+            </a:effectRef>
+            <a:fontRef idx="minor">
+              <a:schemeClr val="lt1"/>
+            </a:fontRef>
+          </p:style>
+          <p:txBody>
+            <a:bodyPr rtlCol="0" anchor="ctr"/>
+            <a:lstStyle/>
+            <a:p>
+              <a:pPr algn="ctr"/>
+              <a:r>
+                <a:rPr kumimoji="1" lang="ko-KR" altLang="en-US" dirty="0">
+                  <a:solidFill>
+                    <a:sysClr val="windowText" lastClr="000000"/>
+                  </a:solidFill>
+                </a:rPr>
+                <a:t>응답 결과 생성</a:t>
+              </a:r>
+            </a:p>
+          </p:txBody>
+        </p:sp>
+        <p:cxnSp>
+          <p:nvCxnSpPr>
+            <p:cNvPr id="40" name="직선 화살표 연결선 39">
+              <a:extLst>
+                <a:ext uri="{FF2B5EF4-FFF2-40B4-BE49-F238E27FC236}">
+                  <a16:creationId xmlns:a16="http://schemas.microsoft.com/office/drawing/2014/main" id="{A7137176-BBE2-FE43-9C83-DE2275298839}"/>
+                </a:ext>
+              </a:extLst>
+            </p:cNvPr>
+            <p:cNvCxnSpPr>
+              <a:cxnSpLocks/>
+            </p:cNvCxnSpPr>
+            <p:nvPr/>
+          </p:nvCxnSpPr>
+          <p:spPr>
+            <a:xfrm>
+              <a:off x="2719741" y="1588193"/>
+              <a:ext cx="1887239" cy="241412"/>
+            </a:xfrm>
+            <a:prstGeom prst="straightConnector1">
+              <a:avLst/>
+            </a:prstGeom>
+            <a:ln w="50800">
+              <a:solidFill>
+                <a:schemeClr val="tx1"/>
+              </a:solidFill>
+              <a:tailEnd type="triangle"/>
+            </a:ln>
+          </p:spPr>
+          <p:style>
+            <a:lnRef idx="1">
+              <a:schemeClr val="accent1"/>
+            </a:lnRef>
+            <a:fillRef idx="0">
+              <a:schemeClr val="accent1"/>
+            </a:fillRef>
+            <a:effectRef idx="0">
+              <a:schemeClr val="accent1"/>
+            </a:effectRef>
+            <a:fontRef idx="minor">
+              <a:schemeClr val="tx1"/>
+            </a:fontRef>
+          </p:style>
+        </p:cxnSp>
+        <p:cxnSp>
+          <p:nvCxnSpPr>
+            <p:cNvPr id="42" name="직선 화살표 연결선 41">
+              <a:extLst>
+                <a:ext uri="{FF2B5EF4-FFF2-40B4-BE49-F238E27FC236}">
+                  <a16:creationId xmlns:a16="http://schemas.microsoft.com/office/drawing/2014/main" id="{F92524E2-73DE-E64C-B53B-4D6685F00C0F}"/>
+                </a:ext>
+              </a:extLst>
+            </p:cNvPr>
+            <p:cNvCxnSpPr>
+              <a:cxnSpLocks/>
+            </p:cNvCxnSpPr>
+            <p:nvPr/>
+          </p:nvCxnSpPr>
+          <p:spPr>
+            <a:xfrm flipH="1">
+              <a:off x="2723441" y="2783393"/>
+              <a:ext cx="1887239" cy="266649"/>
+            </a:xfrm>
+            <a:prstGeom prst="straightConnector1">
+              <a:avLst/>
+            </a:prstGeom>
+            <a:ln w="50800">
+              <a:solidFill>
+                <a:schemeClr val="tx1"/>
+              </a:solidFill>
+              <a:tailEnd type="triangle"/>
+            </a:ln>
+          </p:spPr>
+          <p:style>
+            <a:lnRef idx="1">
+              <a:schemeClr val="accent1"/>
+            </a:lnRef>
+            <a:fillRef idx="0">
+              <a:schemeClr val="accent1"/>
+            </a:fillRef>
+            <a:effectRef idx="0">
+              <a:schemeClr val="accent1"/>
+            </a:effectRef>
+            <a:fontRef idx="minor">
+              <a:schemeClr val="tx1"/>
+            </a:fontRef>
+          </p:style>
+        </p:cxnSp>
+        <p:sp>
+          <p:nvSpPr>
+            <p:cNvPr id="44" name="직사각형 43">
+              <a:extLst>
+                <a:ext uri="{FF2B5EF4-FFF2-40B4-BE49-F238E27FC236}">
+                  <a16:creationId xmlns:a16="http://schemas.microsoft.com/office/drawing/2014/main" id="{D551F177-E1F6-5545-8DB2-32FD616C44FB}"/>
+                </a:ext>
+              </a:extLst>
+            </p:cNvPr>
+            <p:cNvSpPr/>
+            <p:nvPr/>
+          </p:nvSpPr>
+          <p:spPr>
+            <a:xfrm>
+              <a:off x="4653729" y="2796353"/>
+              <a:ext cx="1844642" cy="571384"/>
+            </a:xfrm>
+            <a:prstGeom prst="rect">
+              <a:avLst/>
+            </a:prstGeom>
+            <a:solidFill>
+              <a:schemeClr val="accent2">
+                <a:lumMod val="20000"/>
+                <a:lumOff val="80000"/>
+              </a:schemeClr>
+            </a:solidFill>
+            <a:ln>
+              <a:noFill/>
+            </a:ln>
+          </p:spPr>
+          <p:style>
+            <a:lnRef idx="2">
+              <a:schemeClr val="accent1">
+                <a:shade val="50000"/>
+              </a:schemeClr>
+            </a:lnRef>
+            <a:fillRef idx="1">
+              <a:schemeClr val="accent1"/>
+            </a:fillRef>
+            <a:effectRef idx="0">
+              <a:schemeClr val="accent1"/>
+            </a:effectRef>
+            <a:fontRef idx="minor">
+              <a:schemeClr val="lt1"/>
+            </a:fontRef>
+          </p:style>
+          <p:txBody>
+            <a:bodyPr rtlCol="0" anchor="ctr"/>
+            <a:lstStyle/>
+            <a:p>
+              <a:pPr algn="ctr"/>
+              <a:r>
+                <a:rPr kumimoji="1" lang="ko-KR" altLang="en-US" dirty="0">
+                  <a:solidFill>
+                    <a:sysClr val="windowText" lastClr="000000"/>
+                  </a:solidFill>
+                </a:rPr>
+                <a:t>응답 결과 생성</a:t>
+              </a:r>
+            </a:p>
+          </p:txBody>
+        </p:sp>
+        <p:cxnSp>
+          <p:nvCxnSpPr>
+            <p:cNvPr id="45" name="직선 화살표 연결선 44">
+              <a:extLst>
+                <a:ext uri="{FF2B5EF4-FFF2-40B4-BE49-F238E27FC236}">
+                  <a16:creationId xmlns:a16="http://schemas.microsoft.com/office/drawing/2014/main" id="{C39EFA3F-5BD5-8844-A929-CD165C86DA79}"/>
+                </a:ext>
+              </a:extLst>
+            </p:cNvPr>
+            <p:cNvCxnSpPr>
+              <a:cxnSpLocks/>
+            </p:cNvCxnSpPr>
+            <p:nvPr/>
+          </p:nvCxnSpPr>
+          <p:spPr>
+            <a:xfrm>
+              <a:off x="2719741" y="1757365"/>
+              <a:ext cx="1887239" cy="241412"/>
+            </a:xfrm>
+            <a:prstGeom prst="straightConnector1">
+              <a:avLst/>
+            </a:prstGeom>
+            <a:ln w="50800">
+              <a:solidFill>
+                <a:schemeClr val="tx1"/>
+              </a:solidFill>
+              <a:tailEnd type="triangle"/>
+            </a:ln>
+          </p:spPr>
+          <p:style>
+            <a:lnRef idx="1">
+              <a:schemeClr val="accent1"/>
+            </a:lnRef>
+            <a:fillRef idx="0">
+              <a:schemeClr val="accent1"/>
+            </a:fillRef>
+            <a:effectRef idx="0">
+              <a:schemeClr val="accent1"/>
+            </a:effectRef>
+            <a:fontRef idx="minor">
+              <a:schemeClr val="tx1"/>
+            </a:fontRef>
+          </p:style>
+        </p:cxnSp>
+        <p:sp>
+          <p:nvSpPr>
+            <p:cNvPr id="46" name="TextBox 45">
+              <a:extLst>
+                <a:ext uri="{FF2B5EF4-FFF2-40B4-BE49-F238E27FC236}">
+                  <a16:creationId xmlns:a16="http://schemas.microsoft.com/office/drawing/2014/main" id="{101DAC55-7834-2C43-B504-C8CBBF7691F1}"/>
+                </a:ext>
+              </a:extLst>
+            </p:cNvPr>
+            <p:cNvSpPr txBox="1"/>
+            <p:nvPr/>
+          </p:nvSpPr>
+          <p:spPr>
+            <a:xfrm>
+              <a:off x="2729921" y="3634386"/>
+              <a:ext cx="1859565" cy="338554"/>
+            </a:xfrm>
+            <a:prstGeom prst="rect">
+              <a:avLst/>
+            </a:prstGeom>
+            <a:solidFill>
+              <a:schemeClr val="accent6">
+                <a:lumMod val="20000"/>
+                <a:lumOff val="80000"/>
+              </a:schemeClr>
+            </a:solidFill>
+          </p:spPr>
+          <p:txBody>
+            <a:bodyPr wrap="square" rtlCol="0">
+              <a:spAutoFit/>
+            </a:bodyPr>
+            <a:lstStyle/>
+            <a:p>
+              <a:pPr algn="ctr"/>
+              <a:r>
+                <a:rPr kumimoji="1" lang="en-US" altLang="ko-KR" sz="1600" dirty="0"/>
+                <a:t>TCP</a:t>
+              </a:r>
+              <a:r>
+                <a:rPr kumimoji="1" lang="ko-KR" altLang="en-US" sz="1600" dirty="0"/>
+                <a:t> 연결 해제</a:t>
+              </a:r>
+            </a:p>
+          </p:txBody>
+        </p:sp>
+        <p:cxnSp>
+          <p:nvCxnSpPr>
+            <p:cNvPr id="47" name="직선 화살표 연결선 46">
+              <a:extLst>
+                <a:ext uri="{FF2B5EF4-FFF2-40B4-BE49-F238E27FC236}">
+                  <a16:creationId xmlns:a16="http://schemas.microsoft.com/office/drawing/2014/main" id="{E606C51B-A2B3-094C-97D3-3F1321FB83A6}"/>
+                </a:ext>
+              </a:extLst>
+            </p:cNvPr>
+            <p:cNvCxnSpPr>
+              <a:cxnSpLocks/>
+            </p:cNvCxnSpPr>
+            <p:nvPr/>
+          </p:nvCxnSpPr>
+          <p:spPr>
+            <a:xfrm flipH="1">
+              <a:off x="2716042" y="3367737"/>
+              <a:ext cx="1887239" cy="266649"/>
+            </a:xfrm>
+            <a:prstGeom prst="straightConnector1">
+              <a:avLst/>
+            </a:prstGeom>
+            <a:ln w="50800">
+              <a:solidFill>
+                <a:schemeClr val="tx1"/>
+              </a:solidFill>
+              <a:tailEnd type="triangle"/>
+            </a:ln>
+          </p:spPr>
+          <p:style>
+            <a:lnRef idx="1">
+              <a:schemeClr val="accent1"/>
+            </a:lnRef>
+            <a:fillRef idx="0">
+              <a:schemeClr val="accent1"/>
+            </a:fillRef>
+            <a:effectRef idx="0">
+              <a:schemeClr val="accent1"/>
+            </a:effectRef>
+            <a:fontRef idx="minor">
+              <a:schemeClr val="tx1"/>
+            </a:fontRef>
+          </p:style>
+        </p:cxnSp>
+      </p:grpSp>
+    </p:spTree>
+    <p:extLst>
+      <p:ext uri="{BB962C8B-B14F-4D97-AF65-F5344CB8AC3E}">
+        <p14:creationId xmlns:p14="http://schemas.microsoft.com/office/powerpoint/2010/main" val="2034092813"/>
       </p:ext>
     </p:extLst>
   </p:cSld>

--- a/static/assets/img/posts/etc/http-version.pptx
+++ b/static/assets/img/posts/etc/http-version.pptx
@@ -5,7 +5,7 @@
     <p:sldMasterId id="2147483648" r:id="rId1"/>
   </p:sldMasterIdLst>
   <p:notesMasterIdLst>
-    <p:notesMasterId r:id="rId22"/>
+    <p:notesMasterId r:id="rId28"/>
   </p:notesMasterIdLst>
   <p:sldIdLst>
     <p:sldId id="256" r:id="rId2"/>
@@ -25,9 +25,15 @@
     <p:sldId id="275" r:id="rId16"/>
     <p:sldId id="276" r:id="rId17"/>
     <p:sldId id="277" r:id="rId18"/>
-    <p:sldId id="260" r:id="rId19"/>
-    <p:sldId id="261" r:id="rId20"/>
-    <p:sldId id="262" r:id="rId21"/>
+    <p:sldId id="278" r:id="rId19"/>
+    <p:sldId id="279" r:id="rId20"/>
+    <p:sldId id="280" r:id="rId21"/>
+    <p:sldId id="281" r:id="rId22"/>
+    <p:sldId id="282" r:id="rId23"/>
+    <p:sldId id="283" r:id="rId24"/>
+    <p:sldId id="260" r:id="rId25"/>
+    <p:sldId id="261" r:id="rId26"/>
+    <p:sldId id="262" r:id="rId27"/>
   </p:sldIdLst>
   <p:sldSz cx="12192000" cy="6858000"/>
   <p:notesSz cx="6858000" cy="9144000"/>
@@ -129,7 +135,7 @@
   <p:extLst>
     <p:ext uri="{EFAFB233-063F-42B5-8137-9DF3F51BA10A}">
       <p15:sldGuideLst xmlns:p15="http://schemas.microsoft.com/office/powerpoint/2012/main">
-        <p15:guide id="1" orient="horz" pos="2160" userDrawn="1">
+        <p15:guide id="1" orient="horz" pos="572" userDrawn="1">
           <p15:clr>
             <a:srgbClr val="A4A3A4"/>
           </p15:clr>
@@ -227,7 +233,7 @@
           <a:p>
             <a:fld id="{4E790157-85E3-D64D-BB31-E2A6B705DD4B}" type="datetimeFigureOut">
               <a:rPr kumimoji="1" lang="ko-KR" altLang="en-US" smtClean="0"/>
-              <a:t>2022. 3. 19.</a:t>
+              <a:t>2022. 3. 20.</a:t>
             </a:fld>
             <a:endParaRPr kumimoji="1" lang="ko-KR" altLang="en-US"/>
           </a:p>
@@ -544,6 +550,90 @@
     <p:extLst>
       <p:ext uri="{BB962C8B-B14F-4D97-AF65-F5344CB8AC3E}">
         <p14:creationId xmlns:p14="http://schemas.microsoft.com/office/powerpoint/2010/main" val="788852467"/>
+      </p:ext>
+    </p:extLst>
+  </p:cSld>
+  <p:clrMapOvr>
+    <a:masterClrMapping/>
+  </p:clrMapOvr>
+</p:notes>
+</file>
+
+<file path=ppt/notesSlides/notesSlide10.xml><?xml version="1.0" encoding="utf-8"?>
+<p:notes xmlns:a="http://schemas.openxmlformats.org/drawingml/2006/main" xmlns:r="http://schemas.openxmlformats.org/officeDocument/2006/relationships" xmlns:p="http://schemas.openxmlformats.org/presentationml/2006/main">
+  <p:cSld>
+    <p:spTree>
+      <p:nvGrpSpPr>
+        <p:cNvPr id="1" name=""/>
+        <p:cNvGrpSpPr/>
+        <p:nvPr/>
+      </p:nvGrpSpPr>
+      <p:grpSpPr>
+        <a:xfrm>
+          <a:off x="0" y="0"/>
+          <a:ext cx="0" cy="0"/>
+          <a:chOff x="0" y="0"/>
+          <a:chExt cx="0" cy="0"/>
+        </a:xfrm>
+      </p:grpSpPr>
+      <p:sp>
+        <p:nvSpPr>
+          <p:cNvPr id="2" name="슬라이드 이미지 개체 틀 1"/>
+          <p:cNvSpPr>
+            <a:spLocks noGrp="1" noRot="1" noChangeAspect="1"/>
+          </p:cNvSpPr>
+          <p:nvPr>
+            <p:ph type="sldImg"/>
+          </p:nvPr>
+        </p:nvSpPr>
+        <p:spPr/>
+      </p:sp>
+      <p:sp>
+        <p:nvSpPr>
+          <p:cNvPr id="3" name="슬라이드 노트 개체 틀 2"/>
+          <p:cNvSpPr>
+            <a:spLocks noGrp="1"/>
+          </p:cNvSpPr>
+          <p:nvPr>
+            <p:ph type="body" idx="1"/>
+          </p:nvPr>
+        </p:nvSpPr>
+        <p:spPr/>
+        <p:txBody>
+          <a:bodyPr/>
+          <a:lstStyle/>
+          <a:p>
+            <a:endParaRPr kumimoji="1" lang="ko-KR" altLang="en-US" dirty="0"/>
+          </a:p>
+        </p:txBody>
+      </p:sp>
+      <p:sp>
+        <p:nvSpPr>
+          <p:cNvPr id="4" name="슬라이드 번호 개체 틀 3"/>
+          <p:cNvSpPr>
+            <a:spLocks noGrp="1"/>
+          </p:cNvSpPr>
+          <p:nvPr>
+            <p:ph type="sldNum" sz="quarter" idx="5"/>
+          </p:nvPr>
+        </p:nvSpPr>
+        <p:spPr/>
+        <p:txBody>
+          <a:bodyPr/>
+          <a:lstStyle/>
+          <a:p>
+            <a:fld id="{D5C8F6F6-4F2C-284F-81C8-8588BBA2EA2B}" type="slidenum">
+              <a:rPr kumimoji="1" lang="ko-KR" altLang="en-US" smtClean="0"/>
+              <a:t>23</a:t>
+            </a:fld>
+            <a:endParaRPr kumimoji="1" lang="ko-KR" altLang="en-US"/>
+          </a:p>
+        </p:txBody>
+      </p:sp>
+    </p:spTree>
+    <p:extLst>
+      <p:ext uri="{BB962C8B-B14F-4D97-AF65-F5344CB8AC3E}">
+        <p14:creationId xmlns:p14="http://schemas.microsoft.com/office/powerpoint/2010/main" val="2313670705"/>
       </p:ext>
     </p:extLst>
   </p:cSld>
@@ -973,6 +1063,258 @@
 </p:notes>
 </file>
 
+<file path=ppt/notesSlides/notesSlide7.xml><?xml version="1.0" encoding="utf-8"?>
+<p:notes xmlns:a="http://schemas.openxmlformats.org/drawingml/2006/main" xmlns:r="http://schemas.openxmlformats.org/officeDocument/2006/relationships" xmlns:p="http://schemas.openxmlformats.org/presentationml/2006/main">
+  <p:cSld>
+    <p:spTree>
+      <p:nvGrpSpPr>
+        <p:cNvPr id="1" name=""/>
+        <p:cNvGrpSpPr/>
+        <p:nvPr/>
+      </p:nvGrpSpPr>
+      <p:grpSpPr>
+        <a:xfrm>
+          <a:off x="0" y="0"/>
+          <a:ext cx="0" cy="0"/>
+          <a:chOff x="0" y="0"/>
+          <a:chExt cx="0" cy="0"/>
+        </a:xfrm>
+      </p:grpSpPr>
+      <p:sp>
+        <p:nvSpPr>
+          <p:cNvPr id="2" name="슬라이드 이미지 개체 틀 1"/>
+          <p:cNvSpPr>
+            <a:spLocks noGrp="1" noRot="1" noChangeAspect="1"/>
+          </p:cNvSpPr>
+          <p:nvPr>
+            <p:ph type="sldImg"/>
+          </p:nvPr>
+        </p:nvSpPr>
+        <p:spPr/>
+      </p:sp>
+      <p:sp>
+        <p:nvSpPr>
+          <p:cNvPr id="3" name="슬라이드 노트 개체 틀 2"/>
+          <p:cNvSpPr>
+            <a:spLocks noGrp="1"/>
+          </p:cNvSpPr>
+          <p:nvPr>
+            <p:ph type="body" idx="1"/>
+          </p:nvPr>
+        </p:nvSpPr>
+        <p:spPr/>
+        <p:txBody>
+          <a:bodyPr/>
+          <a:lstStyle/>
+          <a:p>
+            <a:endParaRPr kumimoji="1" lang="ko-KR" altLang="en-US" dirty="0"/>
+          </a:p>
+        </p:txBody>
+      </p:sp>
+      <p:sp>
+        <p:nvSpPr>
+          <p:cNvPr id="4" name="슬라이드 번호 개체 틀 3"/>
+          <p:cNvSpPr>
+            <a:spLocks noGrp="1"/>
+          </p:cNvSpPr>
+          <p:nvPr>
+            <p:ph type="sldNum" sz="quarter" idx="5"/>
+          </p:nvPr>
+        </p:nvSpPr>
+        <p:spPr/>
+        <p:txBody>
+          <a:bodyPr/>
+          <a:lstStyle/>
+          <a:p>
+            <a:fld id="{D5C8F6F6-4F2C-284F-81C8-8588BBA2EA2B}" type="slidenum">
+              <a:rPr kumimoji="1" lang="ko-KR" altLang="en-US" smtClean="0"/>
+              <a:t>20</a:t>
+            </a:fld>
+            <a:endParaRPr kumimoji="1" lang="ko-KR" altLang="en-US"/>
+          </a:p>
+        </p:txBody>
+      </p:sp>
+    </p:spTree>
+    <p:extLst>
+      <p:ext uri="{BB962C8B-B14F-4D97-AF65-F5344CB8AC3E}">
+        <p14:creationId xmlns:p14="http://schemas.microsoft.com/office/powerpoint/2010/main" val="2103218228"/>
+      </p:ext>
+    </p:extLst>
+  </p:cSld>
+  <p:clrMapOvr>
+    <a:masterClrMapping/>
+  </p:clrMapOvr>
+</p:notes>
+</file>
+
+<file path=ppt/notesSlides/notesSlide8.xml><?xml version="1.0" encoding="utf-8"?>
+<p:notes xmlns:a="http://schemas.openxmlformats.org/drawingml/2006/main" xmlns:r="http://schemas.openxmlformats.org/officeDocument/2006/relationships" xmlns:p="http://schemas.openxmlformats.org/presentationml/2006/main">
+  <p:cSld>
+    <p:spTree>
+      <p:nvGrpSpPr>
+        <p:cNvPr id="1" name=""/>
+        <p:cNvGrpSpPr/>
+        <p:nvPr/>
+      </p:nvGrpSpPr>
+      <p:grpSpPr>
+        <a:xfrm>
+          <a:off x="0" y="0"/>
+          <a:ext cx="0" cy="0"/>
+          <a:chOff x="0" y="0"/>
+          <a:chExt cx="0" cy="0"/>
+        </a:xfrm>
+      </p:grpSpPr>
+      <p:sp>
+        <p:nvSpPr>
+          <p:cNvPr id="2" name="슬라이드 이미지 개체 틀 1"/>
+          <p:cNvSpPr>
+            <a:spLocks noGrp="1" noRot="1" noChangeAspect="1"/>
+          </p:cNvSpPr>
+          <p:nvPr>
+            <p:ph type="sldImg"/>
+          </p:nvPr>
+        </p:nvSpPr>
+        <p:spPr/>
+      </p:sp>
+      <p:sp>
+        <p:nvSpPr>
+          <p:cNvPr id="3" name="슬라이드 노트 개체 틀 2"/>
+          <p:cNvSpPr>
+            <a:spLocks noGrp="1"/>
+          </p:cNvSpPr>
+          <p:nvPr>
+            <p:ph type="body" idx="1"/>
+          </p:nvPr>
+        </p:nvSpPr>
+        <p:spPr/>
+        <p:txBody>
+          <a:bodyPr/>
+          <a:lstStyle/>
+          <a:p>
+            <a:endParaRPr kumimoji="1" lang="ko-KR" altLang="en-US" dirty="0"/>
+          </a:p>
+        </p:txBody>
+      </p:sp>
+      <p:sp>
+        <p:nvSpPr>
+          <p:cNvPr id="4" name="슬라이드 번호 개체 틀 3"/>
+          <p:cNvSpPr>
+            <a:spLocks noGrp="1"/>
+          </p:cNvSpPr>
+          <p:nvPr>
+            <p:ph type="sldNum" sz="quarter" idx="5"/>
+          </p:nvPr>
+        </p:nvSpPr>
+        <p:spPr/>
+        <p:txBody>
+          <a:bodyPr/>
+          <a:lstStyle/>
+          <a:p>
+            <a:fld id="{D5C8F6F6-4F2C-284F-81C8-8588BBA2EA2B}" type="slidenum">
+              <a:rPr kumimoji="1" lang="ko-KR" altLang="en-US" smtClean="0"/>
+              <a:t>21</a:t>
+            </a:fld>
+            <a:endParaRPr kumimoji="1" lang="ko-KR" altLang="en-US"/>
+          </a:p>
+        </p:txBody>
+      </p:sp>
+    </p:spTree>
+    <p:extLst>
+      <p:ext uri="{BB962C8B-B14F-4D97-AF65-F5344CB8AC3E}">
+        <p14:creationId xmlns:p14="http://schemas.microsoft.com/office/powerpoint/2010/main" val="479053076"/>
+      </p:ext>
+    </p:extLst>
+  </p:cSld>
+  <p:clrMapOvr>
+    <a:masterClrMapping/>
+  </p:clrMapOvr>
+</p:notes>
+</file>
+
+<file path=ppt/notesSlides/notesSlide9.xml><?xml version="1.0" encoding="utf-8"?>
+<p:notes xmlns:a="http://schemas.openxmlformats.org/drawingml/2006/main" xmlns:r="http://schemas.openxmlformats.org/officeDocument/2006/relationships" xmlns:p="http://schemas.openxmlformats.org/presentationml/2006/main">
+  <p:cSld>
+    <p:spTree>
+      <p:nvGrpSpPr>
+        <p:cNvPr id="1" name=""/>
+        <p:cNvGrpSpPr/>
+        <p:nvPr/>
+      </p:nvGrpSpPr>
+      <p:grpSpPr>
+        <a:xfrm>
+          <a:off x="0" y="0"/>
+          <a:ext cx="0" cy="0"/>
+          <a:chOff x="0" y="0"/>
+          <a:chExt cx="0" cy="0"/>
+        </a:xfrm>
+      </p:grpSpPr>
+      <p:sp>
+        <p:nvSpPr>
+          <p:cNvPr id="2" name="슬라이드 이미지 개체 틀 1"/>
+          <p:cNvSpPr>
+            <a:spLocks noGrp="1" noRot="1" noChangeAspect="1"/>
+          </p:cNvSpPr>
+          <p:nvPr>
+            <p:ph type="sldImg"/>
+          </p:nvPr>
+        </p:nvSpPr>
+        <p:spPr/>
+      </p:sp>
+      <p:sp>
+        <p:nvSpPr>
+          <p:cNvPr id="3" name="슬라이드 노트 개체 틀 2"/>
+          <p:cNvSpPr>
+            <a:spLocks noGrp="1"/>
+          </p:cNvSpPr>
+          <p:nvPr>
+            <p:ph type="body" idx="1"/>
+          </p:nvPr>
+        </p:nvSpPr>
+        <p:spPr/>
+        <p:txBody>
+          <a:bodyPr/>
+          <a:lstStyle/>
+          <a:p>
+            <a:endParaRPr kumimoji="1" lang="ko-KR" altLang="en-US" dirty="0"/>
+          </a:p>
+        </p:txBody>
+      </p:sp>
+      <p:sp>
+        <p:nvSpPr>
+          <p:cNvPr id="4" name="슬라이드 번호 개체 틀 3"/>
+          <p:cNvSpPr>
+            <a:spLocks noGrp="1"/>
+          </p:cNvSpPr>
+          <p:nvPr>
+            <p:ph type="sldNum" sz="quarter" idx="5"/>
+          </p:nvPr>
+        </p:nvSpPr>
+        <p:spPr/>
+        <p:txBody>
+          <a:bodyPr/>
+          <a:lstStyle/>
+          <a:p>
+            <a:fld id="{D5C8F6F6-4F2C-284F-81C8-8588BBA2EA2B}" type="slidenum">
+              <a:rPr kumimoji="1" lang="ko-KR" altLang="en-US" smtClean="0"/>
+              <a:t>22</a:t>
+            </a:fld>
+            <a:endParaRPr kumimoji="1" lang="ko-KR" altLang="en-US"/>
+          </a:p>
+        </p:txBody>
+      </p:sp>
+    </p:spTree>
+    <p:extLst>
+      <p:ext uri="{BB962C8B-B14F-4D97-AF65-F5344CB8AC3E}">
+        <p14:creationId xmlns:p14="http://schemas.microsoft.com/office/powerpoint/2010/main" val="3285093918"/>
+      </p:ext>
+    </p:extLst>
+  </p:cSld>
+  <p:clrMapOvr>
+    <a:masterClrMapping/>
+  </p:clrMapOvr>
+</p:notes>
+</file>
+
 <file path=ppt/slideLayouts/slideLayout1.xml><?xml version="1.0" encoding="utf-8"?>
 <p:sldLayout xmlns:a="http://schemas.openxmlformats.org/drawingml/2006/main" xmlns:r="http://schemas.openxmlformats.org/officeDocument/2006/relationships" xmlns:p="http://schemas.openxmlformats.org/presentationml/2006/main" type="title" preserve="1">
   <p:cSld name="제목 슬라이드">
@@ -1120,7 +1462,7 @@
           <a:p>
             <a:fld id="{187B024A-58F9-A941-8036-04AB132CF501}" type="datetimeFigureOut">
               <a:rPr kumimoji="1" lang="ko-KR" altLang="en-US" smtClean="0"/>
-              <a:t>2022. 3. 19.</a:t>
+              <a:t>2022. 3. 20.</a:t>
             </a:fld>
             <a:endParaRPr kumimoji="1" lang="ko-KR" altLang="en-US"/>
           </a:p>
@@ -1293,7 +1635,7 @@
           <a:p>
             <a:fld id="{187B024A-58F9-A941-8036-04AB132CF501}" type="datetimeFigureOut">
               <a:rPr kumimoji="1" lang="ko-KR" altLang="en-US" smtClean="0"/>
-              <a:t>2022. 3. 19.</a:t>
+              <a:t>2022. 3. 20.</a:t>
             </a:fld>
             <a:endParaRPr kumimoji="1" lang="ko-KR" altLang="en-US"/>
           </a:p>
@@ -1476,7 +1818,7 @@
           <a:p>
             <a:fld id="{187B024A-58F9-A941-8036-04AB132CF501}" type="datetimeFigureOut">
               <a:rPr kumimoji="1" lang="ko-KR" altLang="en-US" smtClean="0"/>
-              <a:t>2022. 3. 19.</a:t>
+              <a:t>2022. 3. 20.</a:t>
             </a:fld>
             <a:endParaRPr kumimoji="1" lang="ko-KR" altLang="en-US"/>
           </a:p>
@@ -1649,7 +1991,7 @@
           <a:p>
             <a:fld id="{187B024A-58F9-A941-8036-04AB132CF501}" type="datetimeFigureOut">
               <a:rPr kumimoji="1" lang="ko-KR" altLang="en-US" smtClean="0"/>
-              <a:t>2022. 3. 19.</a:t>
+              <a:t>2022. 3. 20.</a:t>
             </a:fld>
             <a:endParaRPr kumimoji="1" lang="ko-KR" altLang="en-US"/>
           </a:p>
@@ -1927,7 +2269,7 @@
           <a:p>
             <a:fld id="{187B024A-58F9-A941-8036-04AB132CF501}" type="datetimeFigureOut">
               <a:rPr kumimoji="1" lang="ko-KR" altLang="en-US" smtClean="0"/>
-              <a:t>2022. 3. 19.</a:t>
+              <a:t>2022. 3. 20.</a:t>
             </a:fld>
             <a:endParaRPr kumimoji="1" lang="ko-KR" altLang="en-US"/>
           </a:p>
@@ -2142,7 +2484,7 @@
           <a:p>
             <a:fld id="{187B024A-58F9-A941-8036-04AB132CF501}" type="datetimeFigureOut">
               <a:rPr kumimoji="1" lang="ko-KR" altLang="en-US" smtClean="0"/>
-              <a:t>2022. 3. 19.</a:t>
+              <a:t>2022. 3. 20.</a:t>
             </a:fld>
             <a:endParaRPr kumimoji="1" lang="ko-KR" altLang="en-US"/>
           </a:p>
@@ -2510,7 +2852,7 @@
           <a:p>
             <a:fld id="{187B024A-58F9-A941-8036-04AB132CF501}" type="datetimeFigureOut">
               <a:rPr kumimoji="1" lang="ko-KR" altLang="en-US" smtClean="0"/>
-              <a:t>2022. 3. 19.</a:t>
+              <a:t>2022. 3. 20.</a:t>
             </a:fld>
             <a:endParaRPr kumimoji="1" lang="ko-KR" altLang="en-US"/>
           </a:p>
@@ -2651,7 +2993,7 @@
           <a:p>
             <a:fld id="{187B024A-58F9-A941-8036-04AB132CF501}" type="datetimeFigureOut">
               <a:rPr kumimoji="1" lang="ko-KR" altLang="en-US" smtClean="0"/>
-              <a:t>2022. 3. 19.</a:t>
+              <a:t>2022. 3. 20.</a:t>
             </a:fld>
             <a:endParaRPr kumimoji="1" lang="ko-KR" altLang="en-US"/>
           </a:p>
@@ -2764,7 +3106,7 @@
           <a:p>
             <a:fld id="{187B024A-58F9-A941-8036-04AB132CF501}" type="datetimeFigureOut">
               <a:rPr kumimoji="1" lang="ko-KR" altLang="en-US" smtClean="0"/>
-              <a:t>2022. 3. 19.</a:t>
+              <a:t>2022. 3. 20.</a:t>
             </a:fld>
             <a:endParaRPr kumimoji="1" lang="ko-KR" altLang="en-US"/>
           </a:p>
@@ -3053,7 +3395,7 @@
           <a:p>
             <a:fld id="{187B024A-58F9-A941-8036-04AB132CF501}" type="datetimeFigureOut">
               <a:rPr kumimoji="1" lang="ko-KR" altLang="en-US" smtClean="0"/>
-              <a:t>2022. 3. 19.</a:t>
+              <a:t>2022. 3. 20.</a:t>
             </a:fld>
             <a:endParaRPr kumimoji="1" lang="ko-KR" altLang="en-US"/>
           </a:p>
@@ -3344,7 +3686,7 @@
           <a:p>
             <a:fld id="{187B024A-58F9-A941-8036-04AB132CF501}" type="datetimeFigureOut">
               <a:rPr kumimoji="1" lang="ko-KR" altLang="en-US" smtClean="0"/>
-              <a:t>2022. 3. 19.</a:t>
+              <a:t>2022. 3. 20.</a:t>
             </a:fld>
             <a:endParaRPr kumimoji="1" lang="ko-KR" altLang="en-US"/>
           </a:p>
@@ -3560,7 +3902,7 @@
           <a:p>
             <a:fld id="{187B024A-58F9-A941-8036-04AB132CF501}" type="datetimeFigureOut">
               <a:rPr kumimoji="1" lang="ko-KR" altLang="en-US" smtClean="0"/>
-              <a:t>2022. 3. 19.</a:t>
+              <a:t>2022. 3. 20.</a:t>
             </a:fld>
             <a:endParaRPr kumimoji="1" lang="ko-KR" altLang="en-US"/>
           </a:p>
@@ -13231,7 +13573,7 @@
 </file>
 
 <file path=ppt/slides/slide18.xml><?xml version="1.0" encoding="utf-8"?>
-<p:sld xmlns:a="http://schemas.openxmlformats.org/drawingml/2006/main" xmlns:r="http://schemas.openxmlformats.org/officeDocument/2006/relationships" xmlns:p="http://schemas.openxmlformats.org/presentationml/2006/main" show="0">
+<p:sld xmlns:a="http://schemas.openxmlformats.org/drawingml/2006/main" xmlns:r="http://schemas.openxmlformats.org/officeDocument/2006/relationships" xmlns:p="http://schemas.openxmlformats.org/presentationml/2006/main">
   <p:cSld>
     <p:spTree>
       <p:nvGrpSpPr>
@@ -13249,10 +13591,10 @@
       </p:grpSpPr>
       <p:grpSp>
         <p:nvGrpSpPr>
-          <p:cNvPr id="58" name="그룹 57">
+          <p:cNvPr id="11" name="그룹 10">
             <a:extLst>
               <a:ext uri="{FF2B5EF4-FFF2-40B4-BE49-F238E27FC236}">
-                <a16:creationId xmlns:a16="http://schemas.microsoft.com/office/drawing/2014/main" id="{4F3C10A0-C20D-C548-8EE8-4B990C962AFF}"/>
+                <a16:creationId xmlns:a16="http://schemas.microsoft.com/office/drawing/2014/main" id="{4D069146-E827-474E-A6A9-1858A7B95E9E}"/>
               </a:ext>
             </a:extLst>
           </p:cNvPr>
@@ -13261,18 +13603,18 @@
         </p:nvGrpSpPr>
         <p:grpSpPr>
           <a:xfrm>
-            <a:off x="2216745" y="471946"/>
-            <a:ext cx="4281626" cy="6148310"/>
-            <a:chOff x="2216745" y="471946"/>
-            <a:chExt cx="4281626" cy="6148310"/>
+            <a:off x="692032" y="501997"/>
+            <a:ext cx="9581258" cy="5603239"/>
+            <a:chOff x="692032" y="501997"/>
+            <a:chExt cx="9581258" cy="5603239"/>
           </a:xfrm>
         </p:grpSpPr>
         <p:sp>
           <p:nvSpPr>
-            <p:cNvPr id="53" name="TextBox 52">
-              <a:extLst>
-                <a:ext uri="{FF2B5EF4-FFF2-40B4-BE49-F238E27FC236}">
-                  <a16:creationId xmlns:a16="http://schemas.microsoft.com/office/drawing/2014/main" id="{67B88E61-0E6F-FE45-A7C4-21B924CF7300}"/>
+            <p:cNvPr id="10" name="TextBox 9">
+              <a:extLst>
+                <a:ext uri="{FF2B5EF4-FFF2-40B4-BE49-F238E27FC236}">
+                  <a16:creationId xmlns:a16="http://schemas.microsoft.com/office/drawing/2014/main" id="{5602CD05-5512-EA45-A893-CFB3DFC26675}"/>
                 </a:ext>
               </a:extLst>
             </p:cNvPr>
@@ -13280,19 +13622,14 @@
             <p:nvPr/>
           </p:nvSpPr>
           <p:spPr>
-            <a:xfrm>
-              <a:off x="2729572" y="4641422"/>
+            <a:xfrm rot="430499">
+              <a:off x="2304264" y="1774085"/>
               <a:ext cx="1865946" cy="338554"/>
             </a:xfrm>
             <a:prstGeom prst="rect">
               <a:avLst/>
             </a:prstGeom>
-            <a:solidFill>
-              <a:schemeClr val="accent5">
-                <a:lumMod val="20000"/>
-                <a:lumOff val="80000"/>
-              </a:schemeClr>
-            </a:solidFill>
+            <a:noFill/>
           </p:spPr>
           <p:txBody>
             <a:bodyPr wrap="square" rtlCol="0">
@@ -13303,102 +13640,9 @@
               <a:pPr algn="ctr"/>
               <a:r>
                 <a:rPr kumimoji="1" lang="en-US" altLang="ko-KR" sz="1600" dirty="0"/>
-                <a:t>TCP </a:t>
-              </a:r>
-              <a:r>
-                <a:rPr kumimoji="1" lang="ko-KR" altLang="en-US" sz="1600" dirty="0"/>
-                <a:t>연결</a:t>
-              </a:r>
-            </a:p>
-          </p:txBody>
-        </p:sp>
-        <p:sp>
-          <p:nvSpPr>
-            <p:cNvPr id="47" name="TextBox 46">
-              <a:extLst>
-                <a:ext uri="{FF2B5EF4-FFF2-40B4-BE49-F238E27FC236}">
-                  <a16:creationId xmlns:a16="http://schemas.microsoft.com/office/drawing/2014/main" id="{E3A6F8C9-4D4C-314F-89F0-9D7A3E205AA3}"/>
-                </a:ext>
-              </a:extLst>
-            </p:cNvPr>
-            <p:cNvSpPr txBox="1"/>
-            <p:nvPr/>
-          </p:nvSpPr>
-          <p:spPr>
-            <a:xfrm>
-              <a:off x="2729572" y="2845724"/>
-              <a:ext cx="1865946" cy="338554"/>
-            </a:xfrm>
-            <a:prstGeom prst="rect">
-              <a:avLst/>
-            </a:prstGeom>
-            <a:solidFill>
-              <a:schemeClr val="accent5">
-                <a:lumMod val="20000"/>
-                <a:lumOff val="80000"/>
-              </a:schemeClr>
-            </a:solidFill>
-          </p:spPr>
-          <p:txBody>
-            <a:bodyPr wrap="square" rtlCol="0">
-              <a:spAutoFit/>
-            </a:bodyPr>
-            <a:lstStyle/>
-            <a:p>
-              <a:pPr algn="ctr"/>
-              <a:r>
-                <a:rPr kumimoji="1" lang="en-US" altLang="ko-KR" sz="1600" dirty="0"/>
-                <a:t>TCP </a:t>
-              </a:r>
-              <a:r>
-                <a:rPr kumimoji="1" lang="ko-KR" altLang="en-US" sz="1600" dirty="0"/>
-                <a:t>연결</a:t>
-              </a:r>
-            </a:p>
-          </p:txBody>
-        </p:sp>
-        <p:sp>
-          <p:nvSpPr>
-            <p:cNvPr id="10" name="TextBox 9">
-              <a:extLst>
-                <a:ext uri="{FF2B5EF4-FFF2-40B4-BE49-F238E27FC236}">
-                  <a16:creationId xmlns:a16="http://schemas.microsoft.com/office/drawing/2014/main" id="{5602CD05-5512-EA45-A893-CFB3DFC26675}"/>
-                </a:ext>
-              </a:extLst>
-            </p:cNvPr>
-            <p:cNvSpPr txBox="1"/>
-            <p:nvPr/>
-          </p:nvSpPr>
-          <p:spPr>
-            <a:xfrm>
-              <a:off x="2729572" y="1050026"/>
-              <a:ext cx="1865946" cy="338554"/>
-            </a:xfrm>
-            <a:prstGeom prst="rect">
-              <a:avLst/>
-            </a:prstGeom>
-            <a:solidFill>
-              <a:schemeClr val="accent5">
-                <a:lumMod val="20000"/>
-                <a:lumOff val="80000"/>
-              </a:schemeClr>
-            </a:solidFill>
-          </p:spPr>
-          <p:txBody>
-            <a:bodyPr wrap="square" rtlCol="0">
-              <a:spAutoFit/>
-            </a:bodyPr>
-            <a:lstStyle/>
-            <a:p>
-              <a:pPr algn="ctr"/>
-              <a:r>
-                <a:rPr kumimoji="1" lang="en-US" altLang="ko-KR" sz="1600" dirty="0"/>
-                <a:t>TCP </a:t>
-              </a:r>
-              <a:r>
-                <a:rPr kumimoji="1" lang="ko-KR" altLang="en-US" sz="1600" dirty="0"/>
-                <a:t>연결</a:t>
-              </a:r>
+                <a:t>TCP SYN</a:t>
+              </a:r>
+              <a:endParaRPr kumimoji="1" lang="ko-KR" altLang="en-US" sz="1600" dirty="0"/>
             </a:p>
           </p:txBody>
         </p:sp>
@@ -13411,13 +13655,15 @@
                 </a:ext>
               </a:extLst>
             </p:cNvPr>
-            <p:cNvCxnSpPr/>
+            <p:cNvCxnSpPr>
+              <a:cxnSpLocks/>
+            </p:cNvCxnSpPr>
             <p:nvPr/>
           </p:nvCxnSpPr>
           <p:spPr>
             <a:xfrm>
-              <a:off x="2706624" y="933611"/>
-              <a:ext cx="0" cy="5686645"/>
+              <a:off x="2281316" y="1543211"/>
+              <a:ext cx="0" cy="4562025"/>
             </a:xfrm>
             <a:prstGeom prst="line">
               <a:avLst/>
@@ -13457,7 +13703,7 @@
           </p:nvSpPr>
           <p:spPr>
             <a:xfrm>
-              <a:off x="2216745" y="471946"/>
+              <a:off x="1791437" y="1081546"/>
               <a:ext cx="979755" cy="461665"/>
             </a:xfrm>
             <a:prstGeom prst="rect">
@@ -13488,13 +13734,15 @@
                 </a:ext>
               </a:extLst>
             </p:cNvPr>
-            <p:cNvCxnSpPr/>
+            <p:cNvCxnSpPr>
+              <a:cxnSpLocks/>
+            </p:cNvCxnSpPr>
             <p:nvPr/>
           </p:nvCxnSpPr>
           <p:spPr>
             <a:xfrm>
-              <a:off x="4620097" y="933611"/>
-              <a:ext cx="0" cy="5686645"/>
+              <a:off x="4194789" y="1543211"/>
+              <a:ext cx="0" cy="4562025"/>
             </a:xfrm>
             <a:prstGeom prst="line">
               <a:avLst/>
@@ -13534,7 +13782,7 @@
           </p:nvSpPr>
           <p:spPr>
             <a:xfrm>
-              <a:off x="4089213" y="471946"/>
+              <a:off x="3663905" y="1081546"/>
               <a:ext cx="1061766" cy="461665"/>
             </a:xfrm>
             <a:prstGeom prst="rect">
@@ -13556,68 +13804,6 @@
             </a:p>
           </p:txBody>
         </p:sp>
-        <p:sp>
-          <p:nvSpPr>
-            <p:cNvPr id="39" name="직사각형 38">
-              <a:extLst>
-                <a:ext uri="{FF2B5EF4-FFF2-40B4-BE49-F238E27FC236}">
-                  <a16:creationId xmlns:a16="http://schemas.microsoft.com/office/drawing/2014/main" id="{6E0F2D4F-84E7-574E-A3E8-A2C8F1A20E01}"/>
-                </a:ext>
-              </a:extLst>
-            </p:cNvPr>
-            <p:cNvSpPr/>
-            <p:nvPr/>
-          </p:nvSpPr>
-          <p:spPr>
-            <a:xfrm>
-              <a:off x="4653729" y="1653585"/>
-              <a:ext cx="1844642" cy="571384"/>
-            </a:xfrm>
-            <a:prstGeom prst="rect">
-              <a:avLst/>
-            </a:prstGeom>
-            <a:solidFill>
-              <a:schemeClr val="accent4">
-                <a:lumMod val="20000"/>
-                <a:lumOff val="80000"/>
-              </a:schemeClr>
-            </a:solidFill>
-            <a:ln>
-              <a:noFill/>
-            </a:ln>
-          </p:spPr>
-          <p:style>
-            <a:lnRef idx="2">
-              <a:schemeClr val="accent1">
-                <a:shade val="50000"/>
-              </a:schemeClr>
-            </a:lnRef>
-            <a:fillRef idx="1">
-              <a:schemeClr val="accent1"/>
-            </a:fillRef>
-            <a:effectRef idx="0">
-              <a:schemeClr val="accent1"/>
-            </a:effectRef>
-            <a:fontRef idx="minor">
-              <a:schemeClr val="lt1"/>
-            </a:fontRef>
-          </p:style>
-          <p:txBody>
-            <a:bodyPr rtlCol="0" anchor="ctr"/>
-            <a:lstStyle/>
-            <a:p>
-              <a:pPr algn="ctr"/>
-              <a:r>
-                <a:rPr kumimoji="1" lang="ko-KR" altLang="en-US" dirty="0">
-                  <a:solidFill>
-                    <a:sysClr val="windowText" lastClr="000000"/>
-                  </a:solidFill>
-                </a:rPr>
-                <a:t>응답 결과 생성</a:t>
-              </a:r>
-            </a:p>
-          </p:txBody>
-        </p:sp>
         <p:cxnSp>
           <p:nvCxnSpPr>
             <p:cNvPr id="21" name="직선 화살표 연결선 20">
@@ -13634,7 +13820,7 @@
           </p:nvCxnSpPr>
           <p:spPr>
             <a:xfrm>
-              <a:off x="2719741" y="1412173"/>
+              <a:off x="2294433" y="2021773"/>
               <a:ext cx="1887239" cy="241412"/>
             </a:xfrm>
             <a:prstGeom prst="straightConnector1">
@@ -13642,7 +13828,57 @@
             </a:prstGeom>
             <a:ln w="50800">
               <a:solidFill>
-                <a:schemeClr val="tx1"/>
+                <a:schemeClr val="tx1">
+                  <a:lumMod val="65000"/>
+                  <a:lumOff val="35000"/>
+                </a:schemeClr>
+              </a:solidFill>
+              <a:tailEnd type="triangle"/>
+            </a:ln>
+          </p:spPr>
+          <p:style>
+            <a:lnRef idx="1">
+              <a:schemeClr val="accent1"/>
+            </a:lnRef>
+            <a:fillRef idx="0">
+              <a:schemeClr val="accent1"/>
+            </a:fillRef>
+            <a:effectRef idx="0">
+              <a:schemeClr val="accent1"/>
+            </a:effectRef>
+            <a:fontRef idx="minor">
+              <a:schemeClr val="tx1"/>
+            </a:fontRef>
+          </p:style>
+        </p:cxnSp>
+        <p:cxnSp>
+          <p:nvCxnSpPr>
+            <p:cNvPr id="32" name="직선 화살표 연결선 31">
+              <a:extLst>
+                <a:ext uri="{FF2B5EF4-FFF2-40B4-BE49-F238E27FC236}">
+                  <a16:creationId xmlns:a16="http://schemas.microsoft.com/office/drawing/2014/main" id="{9736127C-9442-5243-9E6F-0D4BB0D4BE92}"/>
+                </a:ext>
+              </a:extLst>
+            </p:cNvPr>
+            <p:cNvCxnSpPr>
+              <a:cxnSpLocks/>
+            </p:cNvCxnSpPr>
+            <p:nvPr/>
+          </p:nvCxnSpPr>
+          <p:spPr>
+            <a:xfrm flipH="1">
+              <a:off x="2273919" y="2531274"/>
+              <a:ext cx="1887239" cy="266649"/>
+            </a:xfrm>
+            <a:prstGeom prst="straightConnector1">
+              <a:avLst/>
+            </a:prstGeom>
+            <a:ln w="50800">
+              <a:solidFill>
+                <a:schemeClr val="tx1">
+                  <a:lumMod val="65000"/>
+                  <a:lumOff val="35000"/>
+                </a:schemeClr>
               </a:solidFill>
               <a:tailEnd type="triangle"/>
             </a:ln>
@@ -13664,10 +13900,10 @@
         </p:cxnSp>
         <p:sp>
           <p:nvSpPr>
-            <p:cNvPr id="45" name="TextBox 44">
-              <a:extLst>
-                <a:ext uri="{FF2B5EF4-FFF2-40B4-BE49-F238E27FC236}">
-                  <a16:creationId xmlns:a16="http://schemas.microsoft.com/office/drawing/2014/main" id="{9DE764F1-438F-FC45-874A-1A88DB032649}"/>
+            <p:cNvPr id="35" name="TextBox 34">
+              <a:extLst>
+                <a:ext uri="{FF2B5EF4-FFF2-40B4-BE49-F238E27FC236}">
+                  <a16:creationId xmlns:a16="http://schemas.microsoft.com/office/drawing/2014/main" id="{0C6B9C0F-B131-1145-A24E-4255DFE8FCE4}"/>
                 </a:ext>
               </a:extLst>
             </p:cNvPr>
@@ -13675,19 +13911,14 @@
             <p:nvPr/>
           </p:nvSpPr>
           <p:spPr>
-            <a:xfrm>
-              <a:off x="2735953" y="2507170"/>
-              <a:ext cx="1859565" cy="338554"/>
+            <a:xfrm rot="21117605">
+              <a:off x="2295300" y="2278636"/>
+              <a:ext cx="1865946" cy="338554"/>
             </a:xfrm>
             <a:prstGeom prst="rect">
               <a:avLst/>
             </a:prstGeom>
-            <a:solidFill>
-              <a:schemeClr val="accent6">
-                <a:lumMod val="20000"/>
-                <a:lumOff val="80000"/>
-              </a:schemeClr>
-            </a:solidFill>
+            <a:noFill/>
           </p:spPr>
           <p:txBody>
             <a:bodyPr wrap="square" rtlCol="0">
@@ -13698,21 +13929,92 @@
               <a:pPr algn="ctr"/>
               <a:r>
                 <a:rPr kumimoji="1" lang="en-US" altLang="ko-KR" sz="1600" dirty="0"/>
-                <a:t>TCP</a:t>
-              </a:r>
-              <a:r>
-                <a:rPr kumimoji="1" lang="ko-KR" altLang="en-US" sz="1600" dirty="0"/>
-                <a:t> 연결 해제</a:t>
-              </a:r>
+                <a:t>TCP SYN + ACK</a:t>
+              </a:r>
+              <a:endParaRPr kumimoji="1" lang="ko-KR" altLang="en-US" sz="1600" dirty="0"/>
+            </a:p>
+          </p:txBody>
+        </p:sp>
+        <p:sp>
+          <p:nvSpPr>
+            <p:cNvPr id="3" name="TextBox 2">
+              <a:extLst>
+                <a:ext uri="{FF2B5EF4-FFF2-40B4-BE49-F238E27FC236}">
+                  <a16:creationId xmlns:a16="http://schemas.microsoft.com/office/drawing/2014/main" id="{F7CEC609-718C-2940-B7FE-884933C80495}"/>
+                </a:ext>
+              </a:extLst>
+            </p:cNvPr>
+            <p:cNvSpPr txBox="1"/>
+            <p:nvPr/>
+          </p:nvSpPr>
+          <p:spPr>
+            <a:xfrm>
+              <a:off x="692032" y="501997"/>
+              <a:ext cx="5045997" cy="461665"/>
+            </a:xfrm>
+            <a:prstGeom prst="rect">
+              <a:avLst/>
+            </a:prstGeom>
+            <a:noFill/>
+          </p:spPr>
+          <p:txBody>
+            <a:bodyPr wrap="none" rtlCol="0">
+              <a:spAutoFit/>
+            </a:bodyPr>
+            <a:lstStyle/>
+            <a:p>
+              <a:pPr algn="ctr"/>
+              <a:r>
+                <a:rPr kumimoji="1" lang="en-US" altLang="ko-KR" sz="2400" dirty="0"/>
+                <a:t>HTTP Request Over TCP + TLS(1.3)</a:t>
+              </a:r>
+              <a:endParaRPr kumimoji="1" lang="ko-KR" altLang="en-US" sz="2400" dirty="0"/>
+            </a:p>
+          </p:txBody>
+        </p:sp>
+        <p:sp>
+          <p:nvSpPr>
+            <p:cNvPr id="18" name="TextBox 17">
+              <a:extLst>
+                <a:ext uri="{FF2B5EF4-FFF2-40B4-BE49-F238E27FC236}">
+                  <a16:creationId xmlns:a16="http://schemas.microsoft.com/office/drawing/2014/main" id="{1011FE31-E891-7E40-96A6-D61E47E457F5}"/>
+                </a:ext>
+              </a:extLst>
+            </p:cNvPr>
+            <p:cNvSpPr txBox="1"/>
+            <p:nvPr/>
+          </p:nvSpPr>
+          <p:spPr>
+            <a:xfrm rot="430499">
+              <a:off x="2315005" y="2778557"/>
+              <a:ext cx="1865946" cy="338554"/>
+            </a:xfrm>
+            <a:prstGeom prst="rect">
+              <a:avLst/>
+            </a:prstGeom>
+            <a:noFill/>
+          </p:spPr>
+          <p:txBody>
+            <a:bodyPr wrap="square" rtlCol="0">
+              <a:spAutoFit/>
+            </a:bodyPr>
+            <a:lstStyle/>
+            <a:p>
+              <a:pPr algn="ctr"/>
+              <a:r>
+                <a:rPr kumimoji="1" lang="en-US" altLang="ko-KR" sz="1600" dirty="0"/>
+                <a:t>TCP ACK</a:t>
+              </a:r>
+              <a:endParaRPr kumimoji="1" lang="ko-KR" altLang="en-US" sz="1600" dirty="0"/>
             </a:p>
           </p:txBody>
         </p:sp>
         <p:cxnSp>
           <p:nvCxnSpPr>
-            <p:cNvPr id="42" name="직선 화살표 연결선 41">
-              <a:extLst>
-                <a:ext uri="{FF2B5EF4-FFF2-40B4-BE49-F238E27FC236}">
-                  <a16:creationId xmlns:a16="http://schemas.microsoft.com/office/drawing/2014/main" id="{A1043DAE-4102-9342-B405-C576A2C030CE}"/>
+            <p:cNvPr id="20" name="직선 화살표 연결선 19">
+              <a:extLst>
+                <a:ext uri="{FF2B5EF4-FFF2-40B4-BE49-F238E27FC236}">
+                  <a16:creationId xmlns:a16="http://schemas.microsoft.com/office/drawing/2014/main" id="{829DFD34-5F46-BE43-9F03-DB38CC0B4860}"/>
                 </a:ext>
               </a:extLst>
             </p:cNvPr>
@@ -13722,16 +14024,19 @@
             <p:nvPr/>
           </p:nvCxnSpPr>
           <p:spPr>
-            <a:xfrm flipH="1">
-              <a:off x="2729572" y="2224969"/>
-              <a:ext cx="1887239" cy="266649"/>
+            <a:xfrm>
+              <a:off x="2305174" y="3026245"/>
+              <a:ext cx="1887239" cy="241412"/>
             </a:xfrm>
             <a:prstGeom prst="straightConnector1">
               <a:avLst/>
             </a:prstGeom>
             <a:ln w="50800">
               <a:solidFill>
-                <a:schemeClr val="tx1"/>
+                <a:schemeClr val="tx1">
+                  <a:lumMod val="65000"/>
+                  <a:lumOff val="35000"/>
+                </a:schemeClr>
               </a:solidFill>
               <a:tailEnd type="triangle"/>
             </a:ln>
@@ -13753,63 +14058,829 @@
         </p:cxnSp>
         <p:sp>
           <p:nvSpPr>
-            <p:cNvPr id="48" name="직사각형 47">
-              <a:extLst>
-                <a:ext uri="{FF2B5EF4-FFF2-40B4-BE49-F238E27FC236}">
-                  <a16:creationId xmlns:a16="http://schemas.microsoft.com/office/drawing/2014/main" id="{7B570EAA-F242-DF48-B02C-90747A696EE7}"/>
-                </a:ext>
-              </a:extLst>
-            </p:cNvPr>
-            <p:cNvSpPr/>
+            <p:cNvPr id="23" name="TextBox 22">
+              <a:extLst>
+                <a:ext uri="{FF2B5EF4-FFF2-40B4-BE49-F238E27FC236}">
+                  <a16:creationId xmlns:a16="http://schemas.microsoft.com/office/drawing/2014/main" id="{549606F6-B39A-1E4A-8141-7AE3CE3868A5}"/>
+                </a:ext>
+              </a:extLst>
+            </p:cNvPr>
+            <p:cNvSpPr txBox="1"/>
             <p:nvPr/>
           </p:nvSpPr>
           <p:spPr>
-            <a:xfrm>
-              <a:off x="4653729" y="3449283"/>
-              <a:ext cx="1844642" cy="571384"/>
+            <a:xfrm rot="430499">
+              <a:off x="2315006" y="3176791"/>
+              <a:ext cx="1865946" cy="338554"/>
             </a:xfrm>
             <a:prstGeom prst="rect">
               <a:avLst/>
             </a:prstGeom>
-            <a:solidFill>
-              <a:schemeClr val="accent3">
-                <a:lumMod val="20000"/>
-                <a:lumOff val="80000"/>
-              </a:schemeClr>
-            </a:solidFill>
-            <a:ln>
-              <a:noFill/>
-            </a:ln>
-          </p:spPr>
-          <p:style>
-            <a:lnRef idx="2">
-              <a:schemeClr val="accent1">
-                <a:shade val="50000"/>
-              </a:schemeClr>
-            </a:lnRef>
-            <a:fillRef idx="1">
-              <a:schemeClr val="accent1"/>
-            </a:fillRef>
-            <a:effectRef idx="0">
-              <a:schemeClr val="accent1"/>
-            </a:effectRef>
-            <a:fontRef idx="minor">
-              <a:schemeClr val="lt1"/>
-            </a:fontRef>
-          </p:style>
+            <a:noFill/>
+          </p:spPr>
           <p:txBody>
-            <a:bodyPr rtlCol="0" anchor="ctr"/>
+            <a:bodyPr wrap="square" rtlCol="0">
+              <a:spAutoFit/>
+            </a:bodyPr>
             <a:lstStyle/>
             <a:p>
               <a:pPr algn="ctr"/>
               <a:r>
-                <a:rPr kumimoji="1" lang="ko-KR" altLang="en-US" dirty="0">
-                  <a:solidFill>
-                    <a:sysClr val="windowText" lastClr="000000"/>
-                  </a:solidFill>
-                </a:rPr>
-                <a:t>응답 결과 생성</a:t>
-              </a:r>
+                <a:rPr kumimoji="1" lang="en-US" altLang="ko-KR" sz="1600" dirty="0"/>
+                <a:t>TLS </a:t>
+              </a:r>
+              <a:r>
+                <a:rPr kumimoji="1" lang="en-US" altLang="ko-KR" sz="1600" dirty="0" err="1"/>
+                <a:t>ClientHello</a:t>
+              </a:r>
+              <a:endParaRPr kumimoji="1" lang="ko-KR" altLang="en-US" sz="1600" dirty="0"/>
+            </a:p>
+          </p:txBody>
+        </p:sp>
+        <p:cxnSp>
+          <p:nvCxnSpPr>
+            <p:cNvPr id="25" name="직선 화살표 연결선 24">
+              <a:extLst>
+                <a:ext uri="{FF2B5EF4-FFF2-40B4-BE49-F238E27FC236}">
+                  <a16:creationId xmlns:a16="http://schemas.microsoft.com/office/drawing/2014/main" id="{EA7FA3B0-87A9-FE49-9826-B0B4DD454014}"/>
+                </a:ext>
+              </a:extLst>
+            </p:cNvPr>
+            <p:cNvCxnSpPr>
+              <a:cxnSpLocks/>
+            </p:cNvCxnSpPr>
+            <p:nvPr/>
+          </p:nvCxnSpPr>
+          <p:spPr>
+            <a:xfrm>
+              <a:off x="2305175" y="3424479"/>
+              <a:ext cx="1887239" cy="241412"/>
+            </a:xfrm>
+            <a:prstGeom prst="straightConnector1">
+              <a:avLst/>
+            </a:prstGeom>
+            <a:ln w="50800">
+              <a:solidFill>
+                <a:schemeClr val="tx1">
+                  <a:lumMod val="65000"/>
+                  <a:lumOff val="35000"/>
+                </a:schemeClr>
+              </a:solidFill>
+              <a:tailEnd type="triangle"/>
+            </a:ln>
+          </p:spPr>
+          <p:style>
+            <a:lnRef idx="1">
+              <a:schemeClr val="accent1"/>
+            </a:lnRef>
+            <a:fillRef idx="0">
+              <a:schemeClr val="accent1"/>
+            </a:fillRef>
+            <a:effectRef idx="0">
+              <a:schemeClr val="accent1"/>
+            </a:effectRef>
+            <a:fontRef idx="minor">
+              <a:schemeClr val="tx1"/>
+            </a:fontRef>
+          </p:style>
+        </p:cxnSp>
+        <p:cxnSp>
+          <p:nvCxnSpPr>
+            <p:cNvPr id="26" name="직선 화살표 연결선 25">
+              <a:extLst>
+                <a:ext uri="{FF2B5EF4-FFF2-40B4-BE49-F238E27FC236}">
+                  <a16:creationId xmlns:a16="http://schemas.microsoft.com/office/drawing/2014/main" id="{C227B8A5-6032-DB4E-BDED-D852BFD880BA}"/>
+                </a:ext>
+              </a:extLst>
+            </p:cNvPr>
+            <p:cNvCxnSpPr>
+              <a:cxnSpLocks/>
+            </p:cNvCxnSpPr>
+            <p:nvPr/>
+          </p:nvCxnSpPr>
+          <p:spPr>
+            <a:xfrm flipH="1">
+              <a:off x="2279594" y="3949519"/>
+              <a:ext cx="1887239" cy="266649"/>
+            </a:xfrm>
+            <a:prstGeom prst="straightConnector1">
+              <a:avLst/>
+            </a:prstGeom>
+            <a:ln w="50800">
+              <a:solidFill>
+                <a:schemeClr val="tx1">
+                  <a:lumMod val="65000"/>
+                  <a:lumOff val="35000"/>
+                </a:schemeClr>
+              </a:solidFill>
+              <a:tailEnd type="triangle"/>
+            </a:ln>
+          </p:spPr>
+          <p:style>
+            <a:lnRef idx="1">
+              <a:schemeClr val="accent1"/>
+            </a:lnRef>
+            <a:fillRef idx="0">
+              <a:schemeClr val="accent1"/>
+            </a:fillRef>
+            <a:effectRef idx="0">
+              <a:schemeClr val="accent1"/>
+            </a:effectRef>
+            <a:fontRef idx="minor">
+              <a:schemeClr val="tx1"/>
+            </a:fontRef>
+          </p:style>
+        </p:cxnSp>
+        <p:sp>
+          <p:nvSpPr>
+            <p:cNvPr id="27" name="TextBox 26">
+              <a:extLst>
+                <a:ext uri="{FF2B5EF4-FFF2-40B4-BE49-F238E27FC236}">
+                  <a16:creationId xmlns:a16="http://schemas.microsoft.com/office/drawing/2014/main" id="{A2F0389B-34F5-E04A-8DF7-D09035646926}"/>
+                </a:ext>
+              </a:extLst>
+            </p:cNvPr>
+            <p:cNvSpPr txBox="1"/>
+            <p:nvPr/>
+          </p:nvSpPr>
+          <p:spPr>
+            <a:xfrm rot="21117605">
+              <a:off x="2300975" y="3696881"/>
+              <a:ext cx="1865946" cy="338554"/>
+            </a:xfrm>
+            <a:prstGeom prst="rect">
+              <a:avLst/>
+            </a:prstGeom>
+            <a:noFill/>
+          </p:spPr>
+          <p:txBody>
+            <a:bodyPr wrap="square" rtlCol="0">
+              <a:spAutoFit/>
+            </a:bodyPr>
+            <a:lstStyle/>
+            <a:p>
+              <a:pPr algn="ctr"/>
+              <a:r>
+                <a:rPr kumimoji="1" lang="en-US" altLang="ko-KR" sz="1600" dirty="0"/>
+                <a:t>TLS </a:t>
+              </a:r>
+              <a:r>
+                <a:rPr kumimoji="1" lang="en-US" altLang="ko-KR" sz="1600" dirty="0" err="1"/>
+                <a:t>ServerHello</a:t>
+              </a:r>
+              <a:endParaRPr kumimoji="1" lang="ko-KR" altLang="en-US" sz="1600" dirty="0"/>
+            </a:p>
+          </p:txBody>
+        </p:sp>
+        <p:sp>
+          <p:nvSpPr>
+            <p:cNvPr id="28" name="TextBox 27">
+              <a:extLst>
+                <a:ext uri="{FF2B5EF4-FFF2-40B4-BE49-F238E27FC236}">
+                  <a16:creationId xmlns:a16="http://schemas.microsoft.com/office/drawing/2014/main" id="{70D1BFA1-C5B6-904A-B081-E42B580E22C3}"/>
+                </a:ext>
+              </a:extLst>
+            </p:cNvPr>
+            <p:cNvSpPr txBox="1"/>
+            <p:nvPr/>
+          </p:nvSpPr>
+          <p:spPr>
+            <a:xfrm rot="430499">
+              <a:off x="2318397" y="4266747"/>
+              <a:ext cx="1865946" cy="338554"/>
+            </a:xfrm>
+            <a:prstGeom prst="rect">
+              <a:avLst/>
+            </a:prstGeom>
+            <a:noFill/>
+          </p:spPr>
+          <p:txBody>
+            <a:bodyPr wrap="square" rtlCol="0">
+              <a:spAutoFit/>
+            </a:bodyPr>
+            <a:lstStyle/>
+            <a:p>
+              <a:pPr algn="ctr"/>
+              <a:r>
+                <a:rPr kumimoji="1" lang="en-US" altLang="ko-KR" sz="1600" dirty="0"/>
+                <a:t>TLS Finished</a:t>
+              </a:r>
+              <a:endParaRPr kumimoji="1" lang="ko-KR" altLang="en-US" sz="1600" dirty="0"/>
+            </a:p>
+          </p:txBody>
+        </p:sp>
+        <p:cxnSp>
+          <p:nvCxnSpPr>
+            <p:cNvPr id="29" name="직선 화살표 연결선 28">
+              <a:extLst>
+                <a:ext uri="{FF2B5EF4-FFF2-40B4-BE49-F238E27FC236}">
+                  <a16:creationId xmlns:a16="http://schemas.microsoft.com/office/drawing/2014/main" id="{9F5AF822-467C-F44F-9F9C-57F9DC346E41}"/>
+                </a:ext>
+              </a:extLst>
+            </p:cNvPr>
+            <p:cNvCxnSpPr>
+              <a:cxnSpLocks/>
+            </p:cNvCxnSpPr>
+            <p:nvPr/>
+          </p:nvCxnSpPr>
+          <p:spPr>
+            <a:xfrm>
+              <a:off x="2308566" y="4514435"/>
+              <a:ext cx="1887239" cy="241412"/>
+            </a:xfrm>
+            <a:prstGeom prst="straightConnector1">
+              <a:avLst/>
+            </a:prstGeom>
+            <a:ln w="50800">
+              <a:solidFill>
+                <a:schemeClr val="tx1">
+                  <a:lumMod val="65000"/>
+                  <a:lumOff val="35000"/>
+                </a:schemeClr>
+              </a:solidFill>
+              <a:tailEnd type="triangle"/>
+            </a:ln>
+          </p:spPr>
+          <p:style>
+            <a:lnRef idx="1">
+              <a:schemeClr val="accent1"/>
+            </a:lnRef>
+            <a:fillRef idx="0">
+              <a:schemeClr val="accent1"/>
+            </a:fillRef>
+            <a:effectRef idx="0">
+              <a:schemeClr val="accent1"/>
+            </a:effectRef>
+            <a:fontRef idx="minor">
+              <a:schemeClr val="tx1"/>
+            </a:fontRef>
+          </p:style>
+        </p:cxnSp>
+        <p:sp>
+          <p:nvSpPr>
+            <p:cNvPr id="30" name="TextBox 29">
+              <a:extLst>
+                <a:ext uri="{FF2B5EF4-FFF2-40B4-BE49-F238E27FC236}">
+                  <a16:creationId xmlns:a16="http://schemas.microsoft.com/office/drawing/2014/main" id="{6CE574D9-249C-B648-A21B-9F77E4456863}"/>
+                </a:ext>
+              </a:extLst>
+            </p:cNvPr>
+            <p:cNvSpPr txBox="1"/>
+            <p:nvPr/>
+          </p:nvSpPr>
+          <p:spPr>
+            <a:xfrm rot="430499">
+              <a:off x="2308325" y="4665964"/>
+              <a:ext cx="1865946" cy="338554"/>
+            </a:xfrm>
+            <a:prstGeom prst="rect">
+              <a:avLst/>
+            </a:prstGeom>
+            <a:noFill/>
+          </p:spPr>
+          <p:txBody>
+            <a:bodyPr wrap="square" rtlCol="0">
+              <a:spAutoFit/>
+            </a:bodyPr>
+            <a:lstStyle/>
+            <a:p>
+              <a:pPr algn="ctr"/>
+              <a:r>
+                <a:rPr kumimoji="1" lang="en-US" altLang="ko-KR" sz="1600" dirty="0"/>
+                <a:t>HTTP Request</a:t>
+              </a:r>
+              <a:endParaRPr kumimoji="1" lang="ko-KR" altLang="en-US" sz="1600" dirty="0"/>
+            </a:p>
+          </p:txBody>
+        </p:sp>
+        <p:cxnSp>
+          <p:nvCxnSpPr>
+            <p:cNvPr id="31" name="직선 화살표 연결선 30">
+              <a:extLst>
+                <a:ext uri="{FF2B5EF4-FFF2-40B4-BE49-F238E27FC236}">
+                  <a16:creationId xmlns:a16="http://schemas.microsoft.com/office/drawing/2014/main" id="{112EB237-71CE-FF4D-B1D5-AC5D906672AB}"/>
+                </a:ext>
+              </a:extLst>
+            </p:cNvPr>
+            <p:cNvCxnSpPr>
+              <a:cxnSpLocks/>
+            </p:cNvCxnSpPr>
+            <p:nvPr/>
+          </p:nvCxnSpPr>
+          <p:spPr>
+            <a:xfrm>
+              <a:off x="2298494" y="4913652"/>
+              <a:ext cx="1887239" cy="241412"/>
+            </a:xfrm>
+            <a:prstGeom prst="straightConnector1">
+              <a:avLst/>
+            </a:prstGeom>
+            <a:ln w="50800">
+              <a:solidFill>
+                <a:schemeClr val="tx1">
+                  <a:lumMod val="65000"/>
+                  <a:lumOff val="35000"/>
+                </a:schemeClr>
+              </a:solidFill>
+              <a:tailEnd type="triangle"/>
+            </a:ln>
+          </p:spPr>
+          <p:style>
+            <a:lnRef idx="1">
+              <a:schemeClr val="accent1"/>
+            </a:lnRef>
+            <a:fillRef idx="0">
+              <a:schemeClr val="accent1"/>
+            </a:fillRef>
+            <a:effectRef idx="0">
+              <a:schemeClr val="accent1"/>
+            </a:effectRef>
+            <a:fontRef idx="minor">
+              <a:schemeClr val="tx1"/>
+            </a:fontRef>
+          </p:style>
+        </p:cxnSp>
+        <p:cxnSp>
+          <p:nvCxnSpPr>
+            <p:cNvPr id="36" name="직선 화살표 연결선 35">
+              <a:extLst>
+                <a:ext uri="{FF2B5EF4-FFF2-40B4-BE49-F238E27FC236}">
+                  <a16:creationId xmlns:a16="http://schemas.microsoft.com/office/drawing/2014/main" id="{EB92BDB2-8EFC-CE43-B948-7B37AD39D1CE}"/>
+                </a:ext>
+              </a:extLst>
+            </p:cNvPr>
+            <p:cNvCxnSpPr>
+              <a:cxnSpLocks/>
+            </p:cNvCxnSpPr>
+            <p:nvPr/>
+          </p:nvCxnSpPr>
+          <p:spPr>
+            <a:xfrm flipH="1">
+              <a:off x="2282216" y="5451125"/>
+              <a:ext cx="1887239" cy="266649"/>
+            </a:xfrm>
+            <a:prstGeom prst="straightConnector1">
+              <a:avLst/>
+            </a:prstGeom>
+            <a:ln w="50800">
+              <a:solidFill>
+                <a:schemeClr val="tx1">
+                  <a:lumMod val="65000"/>
+                  <a:lumOff val="35000"/>
+                </a:schemeClr>
+              </a:solidFill>
+              <a:tailEnd type="triangle"/>
+            </a:ln>
+          </p:spPr>
+          <p:style>
+            <a:lnRef idx="1">
+              <a:schemeClr val="accent1"/>
+            </a:lnRef>
+            <a:fillRef idx="0">
+              <a:schemeClr val="accent1"/>
+            </a:fillRef>
+            <a:effectRef idx="0">
+              <a:schemeClr val="accent1"/>
+            </a:effectRef>
+            <a:fontRef idx="minor">
+              <a:schemeClr val="tx1"/>
+            </a:fontRef>
+          </p:style>
+        </p:cxnSp>
+        <p:sp>
+          <p:nvSpPr>
+            <p:cNvPr id="37" name="TextBox 36">
+              <a:extLst>
+                <a:ext uri="{FF2B5EF4-FFF2-40B4-BE49-F238E27FC236}">
+                  <a16:creationId xmlns:a16="http://schemas.microsoft.com/office/drawing/2014/main" id="{7DF43E02-F45A-C14E-B503-61507EF1F81B}"/>
+                </a:ext>
+              </a:extLst>
+            </p:cNvPr>
+            <p:cNvSpPr txBox="1"/>
+            <p:nvPr/>
+          </p:nvSpPr>
+          <p:spPr>
+            <a:xfrm rot="21117605">
+              <a:off x="2303597" y="5198487"/>
+              <a:ext cx="1865946" cy="338554"/>
+            </a:xfrm>
+            <a:prstGeom prst="rect">
+              <a:avLst/>
+            </a:prstGeom>
+            <a:noFill/>
+          </p:spPr>
+          <p:txBody>
+            <a:bodyPr wrap="square" rtlCol="0">
+              <a:spAutoFit/>
+            </a:bodyPr>
+            <a:lstStyle/>
+            <a:p>
+              <a:pPr algn="ctr"/>
+              <a:r>
+                <a:rPr kumimoji="1" lang="en-US" altLang="ko-KR" sz="1600" dirty="0"/>
+                <a:t>HTTP Response</a:t>
+              </a:r>
+              <a:endParaRPr kumimoji="1" lang="ko-KR" altLang="en-US" sz="1600" dirty="0"/>
+            </a:p>
+          </p:txBody>
+        </p:sp>
+        <p:sp>
+          <p:nvSpPr>
+            <p:cNvPr id="38" name="TextBox 37">
+              <a:extLst>
+                <a:ext uri="{FF2B5EF4-FFF2-40B4-BE49-F238E27FC236}">
+                  <a16:creationId xmlns:a16="http://schemas.microsoft.com/office/drawing/2014/main" id="{92DF061F-EB4D-284A-ABE6-25AAD5D1BDF7}"/>
+                </a:ext>
+              </a:extLst>
+            </p:cNvPr>
+            <p:cNvSpPr txBox="1"/>
+            <p:nvPr/>
+          </p:nvSpPr>
+          <p:spPr>
+            <a:xfrm rot="430499">
+              <a:off x="7453966" y="1774085"/>
+              <a:ext cx="1865946" cy="338554"/>
+            </a:xfrm>
+            <a:prstGeom prst="rect">
+              <a:avLst/>
+            </a:prstGeom>
+            <a:noFill/>
+          </p:spPr>
+          <p:txBody>
+            <a:bodyPr wrap="square" rtlCol="0">
+              <a:spAutoFit/>
+            </a:bodyPr>
+            <a:lstStyle/>
+            <a:p>
+              <a:pPr algn="ctr"/>
+              <a:r>
+                <a:rPr kumimoji="1" lang="en-US" altLang="ko-KR" sz="1600" dirty="0"/>
+                <a:t>QUIC</a:t>
+              </a:r>
+              <a:endParaRPr kumimoji="1" lang="ko-KR" altLang="en-US" sz="1600" dirty="0"/>
+            </a:p>
+          </p:txBody>
+        </p:sp>
+        <p:cxnSp>
+          <p:nvCxnSpPr>
+            <p:cNvPr id="39" name="직선 연결선[R] 38">
+              <a:extLst>
+                <a:ext uri="{FF2B5EF4-FFF2-40B4-BE49-F238E27FC236}">
+                  <a16:creationId xmlns:a16="http://schemas.microsoft.com/office/drawing/2014/main" id="{33BA15D8-87A5-0441-90BF-F205FB2BBD11}"/>
+                </a:ext>
+              </a:extLst>
+            </p:cNvPr>
+            <p:cNvCxnSpPr>
+              <a:cxnSpLocks/>
+            </p:cNvCxnSpPr>
+            <p:nvPr/>
+          </p:nvCxnSpPr>
+          <p:spPr>
+            <a:xfrm>
+              <a:off x="7431018" y="1543211"/>
+              <a:ext cx="0" cy="4562025"/>
+            </a:xfrm>
+            <a:prstGeom prst="line">
+              <a:avLst/>
+            </a:prstGeom>
+            <a:ln w="50800">
+              <a:solidFill>
+                <a:schemeClr val="tx1"/>
+              </a:solidFill>
+            </a:ln>
+          </p:spPr>
+          <p:style>
+            <a:lnRef idx="1">
+              <a:schemeClr val="accent1"/>
+            </a:lnRef>
+            <a:fillRef idx="0">
+              <a:schemeClr val="accent1"/>
+            </a:fillRef>
+            <a:effectRef idx="0">
+              <a:schemeClr val="accent1"/>
+            </a:effectRef>
+            <a:fontRef idx="minor">
+              <a:schemeClr val="tx1"/>
+            </a:fontRef>
+          </p:style>
+        </p:cxnSp>
+        <p:sp>
+          <p:nvSpPr>
+            <p:cNvPr id="40" name="TextBox 39">
+              <a:extLst>
+                <a:ext uri="{FF2B5EF4-FFF2-40B4-BE49-F238E27FC236}">
+                  <a16:creationId xmlns:a16="http://schemas.microsoft.com/office/drawing/2014/main" id="{7B39A6DA-8E3E-1541-97D1-964D65A6F328}"/>
+                </a:ext>
+              </a:extLst>
+            </p:cNvPr>
+            <p:cNvSpPr txBox="1"/>
+            <p:nvPr/>
+          </p:nvSpPr>
+          <p:spPr>
+            <a:xfrm>
+              <a:off x="6941139" y="1081546"/>
+              <a:ext cx="979755" cy="461665"/>
+            </a:xfrm>
+            <a:prstGeom prst="rect">
+              <a:avLst/>
+            </a:prstGeom>
+            <a:noFill/>
+          </p:spPr>
+          <p:txBody>
+            <a:bodyPr wrap="none" rtlCol="0">
+              <a:spAutoFit/>
+            </a:bodyPr>
+            <a:lstStyle/>
+            <a:p>
+              <a:r>
+                <a:rPr kumimoji="1" lang="en-US" altLang="ko-KR" sz="2400" dirty="0"/>
+                <a:t>Client</a:t>
+              </a:r>
+              <a:endParaRPr kumimoji="1" lang="ko-KR" altLang="en-US" sz="2400" dirty="0"/>
+            </a:p>
+          </p:txBody>
+        </p:sp>
+        <p:cxnSp>
+          <p:nvCxnSpPr>
+            <p:cNvPr id="41" name="직선 연결선[R] 40">
+              <a:extLst>
+                <a:ext uri="{FF2B5EF4-FFF2-40B4-BE49-F238E27FC236}">
+                  <a16:creationId xmlns:a16="http://schemas.microsoft.com/office/drawing/2014/main" id="{61A0569D-B1D8-3746-8956-C420756D5B9D}"/>
+                </a:ext>
+              </a:extLst>
+            </p:cNvPr>
+            <p:cNvCxnSpPr>
+              <a:cxnSpLocks/>
+            </p:cNvCxnSpPr>
+            <p:nvPr/>
+          </p:nvCxnSpPr>
+          <p:spPr>
+            <a:xfrm>
+              <a:off x="9344491" y="1543211"/>
+              <a:ext cx="0" cy="4562025"/>
+            </a:xfrm>
+            <a:prstGeom prst="line">
+              <a:avLst/>
+            </a:prstGeom>
+            <a:ln w="50800">
+              <a:solidFill>
+                <a:schemeClr val="tx1"/>
+              </a:solidFill>
+            </a:ln>
+          </p:spPr>
+          <p:style>
+            <a:lnRef idx="1">
+              <a:schemeClr val="accent1"/>
+            </a:lnRef>
+            <a:fillRef idx="0">
+              <a:schemeClr val="accent1"/>
+            </a:fillRef>
+            <a:effectRef idx="0">
+              <a:schemeClr val="accent1"/>
+            </a:effectRef>
+            <a:fontRef idx="minor">
+              <a:schemeClr val="tx1"/>
+            </a:fontRef>
+          </p:style>
+        </p:cxnSp>
+        <p:sp>
+          <p:nvSpPr>
+            <p:cNvPr id="43" name="TextBox 42">
+              <a:extLst>
+                <a:ext uri="{FF2B5EF4-FFF2-40B4-BE49-F238E27FC236}">
+                  <a16:creationId xmlns:a16="http://schemas.microsoft.com/office/drawing/2014/main" id="{1E8E83B9-8ABA-1342-89D4-70D7D792B878}"/>
+                </a:ext>
+              </a:extLst>
+            </p:cNvPr>
+            <p:cNvSpPr txBox="1"/>
+            <p:nvPr/>
+          </p:nvSpPr>
+          <p:spPr>
+            <a:xfrm>
+              <a:off x="8813607" y="1081546"/>
+              <a:ext cx="1061766" cy="461665"/>
+            </a:xfrm>
+            <a:prstGeom prst="rect">
+              <a:avLst/>
+            </a:prstGeom>
+            <a:noFill/>
+          </p:spPr>
+          <p:txBody>
+            <a:bodyPr wrap="none" rtlCol="0">
+              <a:spAutoFit/>
+            </a:bodyPr>
+            <a:lstStyle/>
+            <a:p>
+              <a:r>
+                <a:rPr kumimoji="1" lang="en-US" altLang="ko-KR" sz="2400" dirty="0"/>
+                <a:t>Server</a:t>
+              </a:r>
+              <a:endParaRPr kumimoji="1" lang="ko-KR" altLang="en-US" sz="2400" dirty="0"/>
+            </a:p>
+          </p:txBody>
+        </p:sp>
+        <p:cxnSp>
+          <p:nvCxnSpPr>
+            <p:cNvPr id="44" name="직선 화살표 연결선 43">
+              <a:extLst>
+                <a:ext uri="{FF2B5EF4-FFF2-40B4-BE49-F238E27FC236}">
+                  <a16:creationId xmlns:a16="http://schemas.microsoft.com/office/drawing/2014/main" id="{0A4B0CBE-24A3-AE44-B78F-2444BD8BADF8}"/>
+                </a:ext>
+              </a:extLst>
+            </p:cNvPr>
+            <p:cNvCxnSpPr>
+              <a:cxnSpLocks/>
+            </p:cNvCxnSpPr>
+            <p:nvPr/>
+          </p:nvCxnSpPr>
+          <p:spPr>
+            <a:xfrm>
+              <a:off x="7444135" y="2021773"/>
+              <a:ext cx="1887239" cy="241412"/>
+            </a:xfrm>
+            <a:prstGeom prst="straightConnector1">
+              <a:avLst/>
+            </a:prstGeom>
+            <a:ln w="50800">
+              <a:solidFill>
+                <a:schemeClr val="tx1">
+                  <a:lumMod val="65000"/>
+                  <a:lumOff val="35000"/>
+                </a:schemeClr>
+              </a:solidFill>
+              <a:tailEnd type="triangle"/>
+            </a:ln>
+          </p:spPr>
+          <p:style>
+            <a:lnRef idx="1">
+              <a:schemeClr val="accent1"/>
+            </a:lnRef>
+            <a:fillRef idx="0">
+              <a:schemeClr val="accent1"/>
+            </a:fillRef>
+            <a:effectRef idx="0">
+              <a:schemeClr val="accent1"/>
+            </a:effectRef>
+            <a:fontRef idx="minor">
+              <a:schemeClr val="tx1"/>
+            </a:fontRef>
+          </p:style>
+        </p:cxnSp>
+        <p:cxnSp>
+          <p:nvCxnSpPr>
+            <p:cNvPr id="45" name="직선 화살표 연결선 44">
+              <a:extLst>
+                <a:ext uri="{FF2B5EF4-FFF2-40B4-BE49-F238E27FC236}">
+                  <a16:creationId xmlns:a16="http://schemas.microsoft.com/office/drawing/2014/main" id="{A0F45617-846D-D648-9649-432BF7CCBAFE}"/>
+                </a:ext>
+              </a:extLst>
+            </p:cNvPr>
+            <p:cNvCxnSpPr>
+              <a:cxnSpLocks/>
+            </p:cNvCxnSpPr>
+            <p:nvPr/>
+          </p:nvCxnSpPr>
+          <p:spPr>
+            <a:xfrm flipH="1">
+              <a:off x="7423621" y="2531274"/>
+              <a:ext cx="1887239" cy="266649"/>
+            </a:xfrm>
+            <a:prstGeom prst="straightConnector1">
+              <a:avLst/>
+            </a:prstGeom>
+            <a:ln w="50800">
+              <a:solidFill>
+                <a:schemeClr val="tx1">
+                  <a:lumMod val="65000"/>
+                  <a:lumOff val="35000"/>
+                </a:schemeClr>
+              </a:solidFill>
+              <a:tailEnd type="triangle"/>
+            </a:ln>
+          </p:spPr>
+          <p:style>
+            <a:lnRef idx="1">
+              <a:schemeClr val="accent1"/>
+            </a:lnRef>
+            <a:fillRef idx="0">
+              <a:schemeClr val="accent1"/>
+            </a:fillRef>
+            <a:effectRef idx="0">
+              <a:schemeClr val="accent1"/>
+            </a:effectRef>
+            <a:fontRef idx="minor">
+              <a:schemeClr val="tx1"/>
+            </a:fontRef>
+          </p:style>
+        </p:cxnSp>
+        <p:sp>
+          <p:nvSpPr>
+            <p:cNvPr id="46" name="TextBox 45">
+              <a:extLst>
+                <a:ext uri="{FF2B5EF4-FFF2-40B4-BE49-F238E27FC236}">
+                  <a16:creationId xmlns:a16="http://schemas.microsoft.com/office/drawing/2014/main" id="{2DC3A5E6-8D8D-5A49-8971-5C2F37B50005}"/>
+                </a:ext>
+              </a:extLst>
+            </p:cNvPr>
+            <p:cNvSpPr txBox="1"/>
+            <p:nvPr/>
+          </p:nvSpPr>
+          <p:spPr>
+            <a:xfrm rot="21117605">
+              <a:off x="7445002" y="2278636"/>
+              <a:ext cx="1865946" cy="338554"/>
+            </a:xfrm>
+            <a:prstGeom prst="rect">
+              <a:avLst/>
+            </a:prstGeom>
+            <a:noFill/>
+          </p:spPr>
+          <p:txBody>
+            <a:bodyPr wrap="square" rtlCol="0">
+              <a:spAutoFit/>
+            </a:bodyPr>
+            <a:lstStyle/>
+            <a:p>
+              <a:pPr algn="ctr"/>
+              <a:r>
+                <a:rPr kumimoji="1" lang="en-US" altLang="ko-KR" sz="1600" dirty="0"/>
+                <a:t>QUIC</a:t>
+              </a:r>
+              <a:endParaRPr kumimoji="1" lang="ko-KR" altLang="en-US" sz="1600" dirty="0"/>
+            </a:p>
+          </p:txBody>
+        </p:sp>
+        <p:sp>
+          <p:nvSpPr>
+            <p:cNvPr id="47" name="TextBox 46">
+              <a:extLst>
+                <a:ext uri="{FF2B5EF4-FFF2-40B4-BE49-F238E27FC236}">
+                  <a16:creationId xmlns:a16="http://schemas.microsoft.com/office/drawing/2014/main" id="{33D05F76-59E5-0D4E-8112-E5E7AAF49078}"/>
+                </a:ext>
+              </a:extLst>
+            </p:cNvPr>
+            <p:cNvSpPr txBox="1"/>
+            <p:nvPr/>
+          </p:nvSpPr>
+          <p:spPr>
+            <a:xfrm>
+              <a:off x="6522070" y="501997"/>
+              <a:ext cx="3751220" cy="461665"/>
+            </a:xfrm>
+            <a:prstGeom prst="rect">
+              <a:avLst/>
+            </a:prstGeom>
+            <a:noFill/>
+          </p:spPr>
+          <p:txBody>
+            <a:bodyPr wrap="none" rtlCol="0">
+              <a:spAutoFit/>
+            </a:bodyPr>
+            <a:lstStyle/>
+            <a:p>
+              <a:pPr algn="ctr"/>
+              <a:r>
+                <a:rPr kumimoji="1" lang="en-US" altLang="ko-KR" sz="2400" dirty="0"/>
+                <a:t>HTTP Request Over QUIC</a:t>
+              </a:r>
+              <a:endParaRPr kumimoji="1" lang="ko-KR" altLang="en-US" sz="2400" dirty="0"/>
+            </a:p>
+          </p:txBody>
+        </p:sp>
+        <p:sp>
+          <p:nvSpPr>
+            <p:cNvPr id="48" name="TextBox 47">
+              <a:extLst>
+                <a:ext uri="{FF2B5EF4-FFF2-40B4-BE49-F238E27FC236}">
+                  <a16:creationId xmlns:a16="http://schemas.microsoft.com/office/drawing/2014/main" id="{089EDA66-5F76-F140-A5F2-794A7A5855A6}"/>
+                </a:ext>
+              </a:extLst>
+            </p:cNvPr>
+            <p:cNvSpPr txBox="1"/>
+            <p:nvPr/>
+          </p:nvSpPr>
+          <p:spPr>
+            <a:xfrm rot="430499">
+              <a:off x="7464707" y="2778557"/>
+              <a:ext cx="1865946" cy="338554"/>
+            </a:xfrm>
+            <a:prstGeom prst="rect">
+              <a:avLst/>
+            </a:prstGeom>
+            <a:noFill/>
+          </p:spPr>
+          <p:txBody>
+            <a:bodyPr wrap="square" rtlCol="0">
+              <a:spAutoFit/>
+            </a:bodyPr>
+            <a:lstStyle/>
+            <a:p>
+              <a:pPr algn="ctr"/>
+              <a:r>
+                <a:rPr kumimoji="1" lang="en-US" altLang="ko-KR" sz="1600" dirty="0"/>
+                <a:t>QUIC</a:t>
+              </a:r>
+              <a:endParaRPr kumimoji="1" lang="ko-KR" altLang="en-US" sz="1600" dirty="0"/>
             </a:p>
           </p:txBody>
         </p:sp>
@@ -13818,7 +14889,7 @@
             <p:cNvPr id="49" name="직선 화살표 연결선 48">
               <a:extLst>
                 <a:ext uri="{FF2B5EF4-FFF2-40B4-BE49-F238E27FC236}">
-                  <a16:creationId xmlns:a16="http://schemas.microsoft.com/office/drawing/2014/main" id="{3ADBA461-D1A8-4541-BFBF-4DA22F8D8F76}"/>
+                  <a16:creationId xmlns:a16="http://schemas.microsoft.com/office/drawing/2014/main" id="{238875BF-B44D-8441-8A75-69A2B11829FD}"/>
                 </a:ext>
               </a:extLst>
             </p:cNvPr>
@@ -13829,7 +14900,7 @@
           </p:nvCxnSpPr>
           <p:spPr>
             <a:xfrm>
-              <a:off x="2719741" y="3207871"/>
+              <a:off x="7454876" y="3026245"/>
               <a:ext cx="1887239" cy="241412"/>
             </a:xfrm>
             <a:prstGeom prst="straightConnector1">
@@ -13837,7 +14908,10 @@
             </a:prstGeom>
             <a:ln w="50800">
               <a:solidFill>
-                <a:schemeClr val="tx1"/>
+                <a:schemeClr val="tx1">
+                  <a:lumMod val="65000"/>
+                  <a:lumOff val="35000"/>
+                </a:schemeClr>
               </a:solidFill>
               <a:tailEnd type="triangle"/>
             </a:ln>
@@ -13862,7 +14936,7 @@
             <p:cNvPr id="50" name="TextBox 49">
               <a:extLst>
                 <a:ext uri="{FF2B5EF4-FFF2-40B4-BE49-F238E27FC236}">
-                  <a16:creationId xmlns:a16="http://schemas.microsoft.com/office/drawing/2014/main" id="{761C798B-E95C-354D-952F-5C3EDEB9EBEC}"/>
+                  <a16:creationId xmlns:a16="http://schemas.microsoft.com/office/drawing/2014/main" id="{90DCA31E-AEA7-4A46-A481-D101C0F1281D}"/>
                 </a:ext>
               </a:extLst>
             </p:cNvPr>
@@ -13870,19 +14944,14 @@
             <p:nvPr/>
           </p:nvSpPr>
           <p:spPr>
-            <a:xfrm>
-              <a:off x="2735953" y="4302868"/>
-              <a:ext cx="1859565" cy="338554"/>
+            <a:xfrm rot="430499">
+              <a:off x="7464708" y="3176791"/>
+              <a:ext cx="1865946" cy="338554"/>
             </a:xfrm>
             <a:prstGeom prst="rect">
               <a:avLst/>
             </a:prstGeom>
-            <a:solidFill>
-              <a:schemeClr val="accent6">
-                <a:lumMod val="20000"/>
-                <a:lumOff val="80000"/>
-              </a:schemeClr>
-            </a:solidFill>
+            <a:noFill/>
           </p:spPr>
           <p:txBody>
             <a:bodyPr wrap="square" rtlCol="0">
@@ -13893,12 +14962,9 @@
               <a:pPr algn="ctr"/>
               <a:r>
                 <a:rPr kumimoji="1" lang="en-US" altLang="ko-KR" sz="1600" dirty="0"/>
-                <a:t>TCP</a:t>
-              </a:r>
-              <a:r>
-                <a:rPr kumimoji="1" lang="ko-KR" altLang="en-US" sz="1600" dirty="0"/>
-                <a:t> 연결 해제</a:t>
-              </a:r>
+                <a:t>HTTP Request</a:t>
+              </a:r>
+              <a:endParaRPr kumimoji="1" lang="ko-KR" altLang="en-US" sz="1600" dirty="0"/>
             </a:p>
           </p:txBody>
         </p:sp>
@@ -13907,7 +14973,7 @@
             <p:cNvPr id="51" name="직선 화살표 연결선 50">
               <a:extLst>
                 <a:ext uri="{FF2B5EF4-FFF2-40B4-BE49-F238E27FC236}">
-                  <a16:creationId xmlns:a16="http://schemas.microsoft.com/office/drawing/2014/main" id="{D83DE204-84F6-9E41-A2CE-D76E60760353}"/>
+                  <a16:creationId xmlns:a16="http://schemas.microsoft.com/office/drawing/2014/main" id="{AC72BDCD-630E-184B-A371-2AEA4044C549}"/>
                 </a:ext>
               </a:extLst>
             </p:cNvPr>
@@ -13917,16 +14983,66 @@
             <p:nvPr/>
           </p:nvCxnSpPr>
           <p:spPr>
-            <a:xfrm flipH="1">
-              <a:off x="2729572" y="4020667"/>
-              <a:ext cx="1887239" cy="266649"/>
+            <a:xfrm>
+              <a:off x="7454877" y="3424479"/>
+              <a:ext cx="1887239" cy="241412"/>
             </a:xfrm>
             <a:prstGeom prst="straightConnector1">
               <a:avLst/>
             </a:prstGeom>
             <a:ln w="50800">
               <a:solidFill>
-                <a:schemeClr val="tx1"/>
+                <a:schemeClr val="tx1">
+                  <a:lumMod val="65000"/>
+                  <a:lumOff val="35000"/>
+                </a:schemeClr>
+              </a:solidFill>
+              <a:tailEnd type="triangle"/>
+            </a:ln>
+          </p:spPr>
+          <p:style>
+            <a:lnRef idx="1">
+              <a:schemeClr val="accent1"/>
+            </a:lnRef>
+            <a:fillRef idx="0">
+              <a:schemeClr val="accent1"/>
+            </a:fillRef>
+            <a:effectRef idx="0">
+              <a:schemeClr val="accent1"/>
+            </a:effectRef>
+            <a:fontRef idx="minor">
+              <a:schemeClr val="tx1"/>
+            </a:fontRef>
+          </p:style>
+        </p:cxnSp>
+        <p:cxnSp>
+          <p:nvCxnSpPr>
+            <p:cNvPr id="52" name="직선 화살표 연결선 51">
+              <a:extLst>
+                <a:ext uri="{FF2B5EF4-FFF2-40B4-BE49-F238E27FC236}">
+                  <a16:creationId xmlns:a16="http://schemas.microsoft.com/office/drawing/2014/main" id="{31432F34-F70C-F34E-8179-0168B72099F7}"/>
+                </a:ext>
+              </a:extLst>
+            </p:cNvPr>
+            <p:cNvCxnSpPr>
+              <a:cxnSpLocks/>
+            </p:cNvCxnSpPr>
+            <p:nvPr/>
+          </p:nvCxnSpPr>
+          <p:spPr>
+            <a:xfrm flipH="1">
+              <a:off x="7429296" y="3949519"/>
+              <a:ext cx="1887239" cy="266649"/>
+            </a:xfrm>
+            <a:prstGeom prst="straightConnector1">
+              <a:avLst/>
+            </a:prstGeom>
+            <a:ln w="50800">
+              <a:solidFill>
+                <a:schemeClr val="tx1">
+                  <a:lumMod val="65000"/>
+                  <a:lumOff val="35000"/>
+                </a:schemeClr>
               </a:solidFill>
               <a:tailEnd type="triangle"/>
             </a:ln>
@@ -13948,136 +15064,25 @@
         </p:cxnSp>
         <p:sp>
           <p:nvSpPr>
-            <p:cNvPr id="54" name="직사각형 53">
-              <a:extLst>
-                <a:ext uri="{FF2B5EF4-FFF2-40B4-BE49-F238E27FC236}">
-                  <a16:creationId xmlns:a16="http://schemas.microsoft.com/office/drawing/2014/main" id="{F767E88D-7ED9-B448-9A7C-68E42C5C85DA}"/>
-                </a:ext>
-              </a:extLst>
-            </p:cNvPr>
-            <p:cNvSpPr/>
+            <p:cNvPr id="53" name="TextBox 52">
+              <a:extLst>
+                <a:ext uri="{FF2B5EF4-FFF2-40B4-BE49-F238E27FC236}">
+                  <a16:creationId xmlns:a16="http://schemas.microsoft.com/office/drawing/2014/main" id="{7734A191-7BD7-2D40-8E43-070971A6CB13}"/>
+                </a:ext>
+              </a:extLst>
+            </p:cNvPr>
+            <p:cNvSpPr txBox="1"/>
             <p:nvPr/>
           </p:nvSpPr>
           <p:spPr>
-            <a:xfrm>
-              <a:off x="4653729" y="5244981"/>
-              <a:ext cx="1844642" cy="571384"/>
+            <a:xfrm rot="21117605">
+              <a:off x="7450677" y="3696881"/>
+              <a:ext cx="1865946" cy="338554"/>
             </a:xfrm>
             <a:prstGeom prst="rect">
               <a:avLst/>
             </a:prstGeom>
-            <a:solidFill>
-              <a:schemeClr val="accent2">
-                <a:lumMod val="20000"/>
-                <a:lumOff val="80000"/>
-              </a:schemeClr>
-            </a:solidFill>
-            <a:ln>
-              <a:noFill/>
-            </a:ln>
-          </p:spPr>
-          <p:style>
-            <a:lnRef idx="2">
-              <a:schemeClr val="accent1">
-                <a:shade val="50000"/>
-              </a:schemeClr>
-            </a:lnRef>
-            <a:fillRef idx="1">
-              <a:schemeClr val="accent1"/>
-            </a:fillRef>
-            <a:effectRef idx="0">
-              <a:schemeClr val="accent1"/>
-            </a:effectRef>
-            <a:fontRef idx="minor">
-              <a:schemeClr val="lt1"/>
-            </a:fontRef>
-          </p:style>
-          <p:txBody>
-            <a:bodyPr rtlCol="0" anchor="ctr"/>
-            <a:lstStyle/>
-            <a:p>
-              <a:pPr algn="ctr"/>
-              <a:r>
-                <a:rPr kumimoji="1" lang="ko-KR" altLang="en-US" dirty="0">
-                  <a:solidFill>
-                    <a:sysClr val="windowText" lastClr="000000"/>
-                  </a:solidFill>
-                </a:rPr>
-                <a:t>응답 결과 생성</a:t>
-              </a:r>
-            </a:p>
-          </p:txBody>
-        </p:sp>
-        <p:cxnSp>
-          <p:nvCxnSpPr>
-            <p:cNvPr id="55" name="직선 화살표 연결선 54">
-              <a:extLst>
-                <a:ext uri="{FF2B5EF4-FFF2-40B4-BE49-F238E27FC236}">
-                  <a16:creationId xmlns:a16="http://schemas.microsoft.com/office/drawing/2014/main" id="{E0913B90-D62D-B941-9A87-BB103C4DF8F8}"/>
-                </a:ext>
-              </a:extLst>
-            </p:cNvPr>
-            <p:cNvCxnSpPr>
-              <a:cxnSpLocks/>
-            </p:cNvCxnSpPr>
-            <p:nvPr/>
-          </p:nvCxnSpPr>
-          <p:spPr>
-            <a:xfrm>
-              <a:off x="2719741" y="5003569"/>
-              <a:ext cx="1887239" cy="241412"/>
-            </a:xfrm>
-            <a:prstGeom prst="straightConnector1">
-              <a:avLst/>
-            </a:prstGeom>
-            <a:ln w="50800">
-              <a:solidFill>
-                <a:schemeClr val="tx1"/>
-              </a:solidFill>
-              <a:tailEnd type="triangle"/>
-            </a:ln>
-          </p:spPr>
-          <p:style>
-            <a:lnRef idx="1">
-              <a:schemeClr val="accent1"/>
-            </a:lnRef>
-            <a:fillRef idx="0">
-              <a:schemeClr val="accent1"/>
-            </a:fillRef>
-            <a:effectRef idx="0">
-              <a:schemeClr val="accent1"/>
-            </a:effectRef>
-            <a:fontRef idx="minor">
-              <a:schemeClr val="tx1"/>
-            </a:fontRef>
-          </p:style>
-        </p:cxnSp>
-        <p:sp>
-          <p:nvSpPr>
-            <p:cNvPr id="56" name="TextBox 55">
-              <a:extLst>
-                <a:ext uri="{FF2B5EF4-FFF2-40B4-BE49-F238E27FC236}">
-                  <a16:creationId xmlns:a16="http://schemas.microsoft.com/office/drawing/2014/main" id="{EEEEE69C-B682-3641-A515-43D3124F2ECB}"/>
-                </a:ext>
-              </a:extLst>
-            </p:cNvPr>
-            <p:cNvSpPr txBox="1"/>
-            <p:nvPr/>
-          </p:nvSpPr>
-          <p:spPr>
-            <a:xfrm>
-              <a:off x="2735953" y="6098566"/>
-              <a:ext cx="1859565" cy="338554"/>
-            </a:xfrm>
-            <a:prstGeom prst="rect">
-              <a:avLst/>
-            </a:prstGeom>
-            <a:solidFill>
-              <a:schemeClr val="accent6">
-                <a:lumMod val="20000"/>
-                <a:lumOff val="80000"/>
-              </a:schemeClr>
-            </a:solidFill>
+            <a:noFill/>
           </p:spPr>
           <p:txBody>
             <a:bodyPr wrap="square" rtlCol="0">
@@ -14088,64 +15093,17 @@
               <a:pPr algn="ctr"/>
               <a:r>
                 <a:rPr kumimoji="1" lang="en-US" altLang="ko-KR" sz="1600" dirty="0"/>
-                <a:t>TCP</a:t>
-              </a:r>
-              <a:r>
-                <a:rPr kumimoji="1" lang="ko-KR" altLang="en-US" sz="1600" dirty="0"/>
-                <a:t> 연결 해제</a:t>
-              </a:r>
+                <a:t>HTTP Response</a:t>
+              </a:r>
+              <a:endParaRPr kumimoji="1" lang="ko-KR" altLang="en-US" sz="1600" dirty="0"/>
             </a:p>
           </p:txBody>
         </p:sp>
-        <p:cxnSp>
-          <p:nvCxnSpPr>
-            <p:cNvPr id="57" name="직선 화살표 연결선 56">
-              <a:extLst>
-                <a:ext uri="{FF2B5EF4-FFF2-40B4-BE49-F238E27FC236}">
-                  <a16:creationId xmlns:a16="http://schemas.microsoft.com/office/drawing/2014/main" id="{FB1BE8D6-3BDC-664B-ABB1-42AA8D8A4141}"/>
-                </a:ext>
-              </a:extLst>
-            </p:cNvPr>
-            <p:cNvCxnSpPr>
-              <a:cxnSpLocks/>
-            </p:cNvCxnSpPr>
-            <p:nvPr/>
-          </p:nvCxnSpPr>
-          <p:spPr>
-            <a:xfrm flipH="1">
-              <a:off x="2729572" y="5816365"/>
-              <a:ext cx="1887239" cy="266649"/>
-            </a:xfrm>
-            <a:prstGeom prst="straightConnector1">
-              <a:avLst/>
-            </a:prstGeom>
-            <a:ln w="50800">
-              <a:solidFill>
-                <a:schemeClr val="tx1"/>
-              </a:solidFill>
-              <a:tailEnd type="triangle"/>
-            </a:ln>
-          </p:spPr>
-          <p:style>
-            <a:lnRef idx="1">
-              <a:schemeClr val="accent1"/>
-            </a:lnRef>
-            <a:fillRef idx="0">
-              <a:schemeClr val="accent1"/>
-            </a:fillRef>
-            <a:effectRef idx="0">
-              <a:schemeClr val="accent1"/>
-            </a:effectRef>
-            <a:fontRef idx="minor">
-              <a:schemeClr val="tx1"/>
-            </a:fontRef>
-          </p:style>
-        </p:cxnSp>
       </p:grpSp>
     </p:spTree>
     <p:extLst>
       <p:ext uri="{BB962C8B-B14F-4D97-AF65-F5344CB8AC3E}">
-        <p14:creationId xmlns:p14="http://schemas.microsoft.com/office/powerpoint/2010/main" val="2205718143"/>
+        <p14:creationId xmlns:p14="http://schemas.microsoft.com/office/powerpoint/2010/main" val="766311016"/>
       </p:ext>
     </p:extLst>
   </p:cSld>
@@ -14156,7 +15114,7 @@
 </file>
 
 <file path=ppt/slides/slide19.xml><?xml version="1.0" encoding="utf-8"?>
-<p:sld xmlns:a="http://schemas.openxmlformats.org/drawingml/2006/main" xmlns:r="http://schemas.openxmlformats.org/officeDocument/2006/relationships" xmlns:p="http://schemas.openxmlformats.org/presentationml/2006/main" show="0">
+<p:sld xmlns:a="http://schemas.openxmlformats.org/drawingml/2006/main" xmlns:r="http://schemas.openxmlformats.org/officeDocument/2006/relationships" xmlns:p="http://schemas.openxmlformats.org/presentationml/2006/main">
   <p:cSld>
     <p:spTree>
       <p:nvGrpSpPr>
@@ -14177,7 +15135,7 @@
           <p:cNvPr id="2" name="그룹 1">
             <a:extLst>
               <a:ext uri="{FF2B5EF4-FFF2-40B4-BE49-F238E27FC236}">
-                <a16:creationId xmlns:a16="http://schemas.microsoft.com/office/drawing/2014/main" id="{DF73C6A0-8733-374E-A0F9-A12E7FFCC272}"/>
+                <a16:creationId xmlns:a16="http://schemas.microsoft.com/office/drawing/2014/main" id="{A22379BA-DB13-FC44-811F-FE4DB41DA247}"/>
               </a:ext>
             </a:extLst>
           </p:cNvPr>
@@ -14186,10 +15144,10 @@
         </p:nvGrpSpPr>
         <p:grpSpPr>
           <a:xfrm>
-            <a:off x="2216745" y="471946"/>
-            <a:ext cx="4281626" cy="6148310"/>
-            <a:chOff x="2216745" y="471946"/>
-            <a:chExt cx="4281626" cy="6148310"/>
+            <a:off x="692032" y="154861"/>
+            <a:ext cx="9581258" cy="5950375"/>
+            <a:chOff x="692032" y="154861"/>
+            <a:chExt cx="9581258" cy="5950375"/>
           </a:xfrm>
         </p:grpSpPr>
         <p:sp>
@@ -14205,19 +15163,14 @@
             <p:nvPr/>
           </p:nvSpPr>
           <p:spPr>
-            <a:xfrm>
-              <a:off x="2729572" y="1050026"/>
+            <a:xfrm rot="430499">
+              <a:off x="2304264" y="1774085"/>
               <a:ext cx="1865946" cy="338554"/>
             </a:xfrm>
             <a:prstGeom prst="rect">
               <a:avLst/>
             </a:prstGeom>
-            <a:solidFill>
-              <a:schemeClr val="accent5">
-                <a:lumMod val="20000"/>
-                <a:lumOff val="80000"/>
-              </a:schemeClr>
-            </a:solidFill>
+            <a:noFill/>
           </p:spPr>
           <p:txBody>
             <a:bodyPr wrap="square" rtlCol="0">
@@ -14228,12 +15181,9 @@
               <a:pPr algn="ctr"/>
               <a:r>
                 <a:rPr kumimoji="1" lang="en-US" altLang="ko-KR" sz="1600" dirty="0"/>
-                <a:t>TCP </a:t>
-              </a:r>
-              <a:r>
-                <a:rPr kumimoji="1" lang="ko-KR" altLang="en-US" sz="1600" dirty="0"/>
-                <a:t>연결</a:t>
-              </a:r>
+                <a:t>TCP SYN</a:t>
+              </a:r>
+              <a:endParaRPr kumimoji="1" lang="ko-KR" altLang="en-US" sz="1600" dirty="0"/>
             </a:p>
           </p:txBody>
         </p:sp>
@@ -14246,13 +15196,15 @@
                 </a:ext>
               </a:extLst>
             </p:cNvPr>
-            <p:cNvCxnSpPr/>
+            <p:cNvCxnSpPr>
+              <a:cxnSpLocks/>
+            </p:cNvCxnSpPr>
             <p:nvPr/>
           </p:nvCxnSpPr>
           <p:spPr>
             <a:xfrm>
-              <a:off x="2706624" y="933611"/>
-              <a:ext cx="0" cy="5686645"/>
+              <a:off x="2281316" y="1543211"/>
+              <a:ext cx="0" cy="4562025"/>
             </a:xfrm>
             <a:prstGeom prst="line">
               <a:avLst/>
@@ -14292,7 +15244,7 @@
           </p:nvSpPr>
           <p:spPr>
             <a:xfrm>
-              <a:off x="2216745" y="471946"/>
+              <a:off x="1791437" y="1081546"/>
               <a:ext cx="979755" cy="461665"/>
             </a:xfrm>
             <a:prstGeom prst="rect">
@@ -14323,13 +15275,15 @@
                 </a:ext>
               </a:extLst>
             </p:cNvPr>
-            <p:cNvCxnSpPr/>
+            <p:cNvCxnSpPr>
+              <a:cxnSpLocks/>
+            </p:cNvCxnSpPr>
             <p:nvPr/>
           </p:nvCxnSpPr>
           <p:spPr>
             <a:xfrm>
-              <a:off x="4620097" y="933611"/>
-              <a:ext cx="0" cy="5686645"/>
+              <a:off x="4194789" y="1543211"/>
+              <a:ext cx="0" cy="4562025"/>
             </a:xfrm>
             <a:prstGeom prst="line">
               <a:avLst/>
@@ -14369,7 +15323,7 @@
           </p:nvSpPr>
           <p:spPr>
             <a:xfrm>
-              <a:off x="4089213" y="471946"/>
+              <a:off x="3663905" y="1081546"/>
               <a:ext cx="1061766" cy="461665"/>
             </a:xfrm>
             <a:prstGeom prst="rect">
@@ -14391,68 +15345,6 @@
             </a:p>
           </p:txBody>
         </p:sp>
-        <p:sp>
-          <p:nvSpPr>
-            <p:cNvPr id="39" name="직사각형 38">
-              <a:extLst>
-                <a:ext uri="{FF2B5EF4-FFF2-40B4-BE49-F238E27FC236}">
-                  <a16:creationId xmlns:a16="http://schemas.microsoft.com/office/drawing/2014/main" id="{6E0F2D4F-84E7-574E-A3E8-A2C8F1A20E01}"/>
-                </a:ext>
-              </a:extLst>
-            </p:cNvPr>
-            <p:cNvSpPr/>
-            <p:nvPr/>
-          </p:nvSpPr>
-          <p:spPr>
-            <a:xfrm>
-              <a:off x="4653729" y="1653585"/>
-              <a:ext cx="1844642" cy="571384"/>
-            </a:xfrm>
-            <a:prstGeom prst="rect">
-              <a:avLst/>
-            </a:prstGeom>
-            <a:solidFill>
-              <a:schemeClr val="accent4">
-                <a:lumMod val="20000"/>
-                <a:lumOff val="80000"/>
-              </a:schemeClr>
-            </a:solidFill>
-            <a:ln>
-              <a:noFill/>
-            </a:ln>
-          </p:spPr>
-          <p:style>
-            <a:lnRef idx="2">
-              <a:schemeClr val="accent1">
-                <a:shade val="50000"/>
-              </a:schemeClr>
-            </a:lnRef>
-            <a:fillRef idx="1">
-              <a:schemeClr val="accent1"/>
-            </a:fillRef>
-            <a:effectRef idx="0">
-              <a:schemeClr val="accent1"/>
-            </a:effectRef>
-            <a:fontRef idx="minor">
-              <a:schemeClr val="lt1"/>
-            </a:fontRef>
-          </p:style>
-          <p:txBody>
-            <a:bodyPr rtlCol="0" anchor="ctr"/>
-            <a:lstStyle/>
-            <a:p>
-              <a:pPr algn="ctr"/>
-              <a:r>
-                <a:rPr kumimoji="1" lang="ko-KR" altLang="en-US" dirty="0">
-                  <a:solidFill>
-                    <a:sysClr val="windowText" lastClr="000000"/>
-                  </a:solidFill>
-                </a:rPr>
-                <a:t>응답 결과 생성</a:t>
-              </a:r>
-            </a:p>
-          </p:txBody>
-        </p:sp>
         <p:cxnSp>
           <p:nvCxnSpPr>
             <p:cNvPr id="21" name="직선 화살표 연결선 20">
@@ -14469,7 +15361,7 @@
           </p:nvCxnSpPr>
           <p:spPr>
             <a:xfrm>
-              <a:off x="2719741" y="1412173"/>
+              <a:off x="2294433" y="2021773"/>
               <a:ext cx="1887239" cy="241412"/>
             </a:xfrm>
             <a:prstGeom prst="straightConnector1">
@@ -14477,7 +15369,10 @@
             </a:prstGeom>
             <a:ln w="50800">
               <a:solidFill>
-                <a:schemeClr val="tx1"/>
+                <a:schemeClr val="tx1">
+                  <a:lumMod val="65000"/>
+                  <a:lumOff val="35000"/>
+                </a:schemeClr>
               </a:solidFill>
               <a:tailEnd type="triangle"/>
             </a:ln>
@@ -14499,10 +15394,10 @@
         </p:cxnSp>
         <p:cxnSp>
           <p:nvCxnSpPr>
-            <p:cNvPr id="42" name="직선 화살표 연결선 41">
-              <a:extLst>
-                <a:ext uri="{FF2B5EF4-FFF2-40B4-BE49-F238E27FC236}">
-                  <a16:creationId xmlns:a16="http://schemas.microsoft.com/office/drawing/2014/main" id="{A1043DAE-4102-9342-B405-C576A2C030CE}"/>
+            <p:cNvPr id="32" name="직선 화살표 연결선 31">
+              <a:extLst>
+                <a:ext uri="{FF2B5EF4-FFF2-40B4-BE49-F238E27FC236}">
+                  <a16:creationId xmlns:a16="http://schemas.microsoft.com/office/drawing/2014/main" id="{9736127C-9442-5243-9E6F-0D4BB0D4BE92}"/>
                 </a:ext>
               </a:extLst>
             </p:cNvPr>
@@ -14513,7 +15408,7 @@
           </p:nvCxnSpPr>
           <p:spPr>
             <a:xfrm flipH="1">
-              <a:off x="2729572" y="2224969"/>
+              <a:off x="2273919" y="2531274"/>
               <a:ext cx="1887239" cy="266649"/>
             </a:xfrm>
             <a:prstGeom prst="straightConnector1">
@@ -14521,7 +15416,10 @@
             </a:prstGeom>
             <a:ln w="50800">
               <a:solidFill>
-                <a:schemeClr val="tx1"/>
+                <a:schemeClr val="tx1">
+                  <a:lumMod val="65000"/>
+                  <a:lumOff val="35000"/>
+                </a:schemeClr>
               </a:solidFill>
               <a:tailEnd type="triangle"/>
             </a:ln>
@@ -14543,63 +15441,577 @@
         </p:cxnSp>
         <p:sp>
           <p:nvSpPr>
-            <p:cNvPr id="48" name="직사각형 47">
-              <a:extLst>
-                <a:ext uri="{FF2B5EF4-FFF2-40B4-BE49-F238E27FC236}">
-                  <a16:creationId xmlns:a16="http://schemas.microsoft.com/office/drawing/2014/main" id="{7B570EAA-F242-DF48-B02C-90747A696EE7}"/>
-                </a:ext>
-              </a:extLst>
-            </p:cNvPr>
-            <p:cNvSpPr/>
+            <p:cNvPr id="35" name="TextBox 34">
+              <a:extLst>
+                <a:ext uri="{FF2B5EF4-FFF2-40B4-BE49-F238E27FC236}">
+                  <a16:creationId xmlns:a16="http://schemas.microsoft.com/office/drawing/2014/main" id="{0C6B9C0F-B131-1145-A24E-4255DFE8FCE4}"/>
+                </a:ext>
+              </a:extLst>
+            </p:cNvPr>
+            <p:cNvSpPr txBox="1"/>
             <p:nvPr/>
           </p:nvSpPr>
           <p:spPr>
-            <a:xfrm>
-              <a:off x="4651588" y="2733030"/>
-              <a:ext cx="1844642" cy="571384"/>
+            <a:xfrm rot="21117605">
+              <a:off x="2295300" y="2278636"/>
+              <a:ext cx="1865946" cy="338554"/>
             </a:xfrm>
             <a:prstGeom prst="rect">
               <a:avLst/>
             </a:prstGeom>
-            <a:solidFill>
-              <a:schemeClr val="accent3">
-                <a:lumMod val="20000"/>
-                <a:lumOff val="80000"/>
-              </a:schemeClr>
-            </a:solidFill>
-            <a:ln>
-              <a:noFill/>
-            </a:ln>
-          </p:spPr>
-          <p:style>
-            <a:lnRef idx="2">
-              <a:schemeClr val="accent1">
-                <a:shade val="50000"/>
-              </a:schemeClr>
-            </a:lnRef>
-            <a:fillRef idx="1">
-              <a:schemeClr val="accent1"/>
-            </a:fillRef>
-            <a:effectRef idx="0">
-              <a:schemeClr val="accent1"/>
-            </a:effectRef>
-            <a:fontRef idx="minor">
-              <a:schemeClr val="lt1"/>
-            </a:fontRef>
-          </p:style>
+            <a:noFill/>
+          </p:spPr>
           <p:txBody>
-            <a:bodyPr rtlCol="0" anchor="ctr"/>
+            <a:bodyPr wrap="square" rtlCol="0">
+              <a:spAutoFit/>
+            </a:bodyPr>
             <a:lstStyle/>
             <a:p>
               <a:pPr algn="ctr"/>
               <a:r>
-                <a:rPr kumimoji="1" lang="ko-KR" altLang="en-US" dirty="0">
-                  <a:solidFill>
-                    <a:sysClr val="windowText" lastClr="000000"/>
-                  </a:solidFill>
-                </a:rPr>
-                <a:t>응답 결과 생성</a:t>
-              </a:r>
+                <a:rPr kumimoji="1" lang="en-US" altLang="ko-KR" sz="1600" dirty="0"/>
+                <a:t>TCP SYN + ACK</a:t>
+              </a:r>
+              <a:endParaRPr kumimoji="1" lang="ko-KR" altLang="en-US" sz="1600" dirty="0"/>
+            </a:p>
+          </p:txBody>
+        </p:sp>
+        <p:sp>
+          <p:nvSpPr>
+            <p:cNvPr id="3" name="TextBox 2">
+              <a:extLst>
+                <a:ext uri="{FF2B5EF4-FFF2-40B4-BE49-F238E27FC236}">
+                  <a16:creationId xmlns:a16="http://schemas.microsoft.com/office/drawing/2014/main" id="{F7CEC609-718C-2940-B7FE-884933C80495}"/>
+                </a:ext>
+              </a:extLst>
+            </p:cNvPr>
+            <p:cNvSpPr txBox="1"/>
+            <p:nvPr/>
+          </p:nvSpPr>
+          <p:spPr>
+            <a:xfrm>
+              <a:off x="692032" y="154861"/>
+              <a:ext cx="5045997" cy="830997"/>
+            </a:xfrm>
+            <a:prstGeom prst="rect">
+              <a:avLst/>
+            </a:prstGeom>
+            <a:noFill/>
+          </p:spPr>
+          <p:txBody>
+            <a:bodyPr wrap="none" rtlCol="0">
+              <a:spAutoFit/>
+            </a:bodyPr>
+            <a:lstStyle/>
+            <a:p>
+              <a:pPr algn="ctr"/>
+              <a:r>
+                <a:rPr kumimoji="1" lang="en-US" altLang="ko-KR" sz="2400" dirty="0"/>
+                <a:t>HTTP Request Over TCP + TLS(1.3)</a:t>
+              </a:r>
+              <a:br>
+                <a:rPr kumimoji="1" lang="en-US" altLang="ko-KR" sz="2400" dirty="0"/>
+              </a:br>
+              <a:r>
+                <a:rPr kumimoji="1" lang="en-US" altLang="ko-KR" sz="2400" dirty="0"/>
+                <a:t>(with 0-RTT)</a:t>
+              </a:r>
+              <a:endParaRPr kumimoji="1" lang="ko-KR" altLang="en-US" sz="2400" dirty="0"/>
+            </a:p>
+          </p:txBody>
+        </p:sp>
+        <p:sp>
+          <p:nvSpPr>
+            <p:cNvPr id="18" name="TextBox 17">
+              <a:extLst>
+                <a:ext uri="{FF2B5EF4-FFF2-40B4-BE49-F238E27FC236}">
+                  <a16:creationId xmlns:a16="http://schemas.microsoft.com/office/drawing/2014/main" id="{1011FE31-E891-7E40-96A6-D61E47E457F5}"/>
+                </a:ext>
+              </a:extLst>
+            </p:cNvPr>
+            <p:cNvSpPr txBox="1"/>
+            <p:nvPr/>
+          </p:nvSpPr>
+          <p:spPr>
+            <a:xfrm rot="430499">
+              <a:off x="2315005" y="2778557"/>
+              <a:ext cx="1865946" cy="338554"/>
+            </a:xfrm>
+            <a:prstGeom prst="rect">
+              <a:avLst/>
+            </a:prstGeom>
+            <a:noFill/>
+          </p:spPr>
+          <p:txBody>
+            <a:bodyPr wrap="square" rtlCol="0">
+              <a:spAutoFit/>
+            </a:bodyPr>
+            <a:lstStyle/>
+            <a:p>
+              <a:pPr algn="ctr"/>
+              <a:r>
+                <a:rPr kumimoji="1" lang="en-US" altLang="ko-KR" sz="1600" dirty="0"/>
+                <a:t>TCP ACK</a:t>
+              </a:r>
+              <a:endParaRPr kumimoji="1" lang="ko-KR" altLang="en-US" sz="1600" dirty="0"/>
+            </a:p>
+          </p:txBody>
+        </p:sp>
+        <p:cxnSp>
+          <p:nvCxnSpPr>
+            <p:cNvPr id="20" name="직선 화살표 연결선 19">
+              <a:extLst>
+                <a:ext uri="{FF2B5EF4-FFF2-40B4-BE49-F238E27FC236}">
+                  <a16:creationId xmlns:a16="http://schemas.microsoft.com/office/drawing/2014/main" id="{829DFD34-5F46-BE43-9F03-DB38CC0B4860}"/>
+                </a:ext>
+              </a:extLst>
+            </p:cNvPr>
+            <p:cNvCxnSpPr>
+              <a:cxnSpLocks/>
+            </p:cNvCxnSpPr>
+            <p:nvPr/>
+          </p:nvCxnSpPr>
+          <p:spPr>
+            <a:xfrm>
+              <a:off x="2305174" y="3026245"/>
+              <a:ext cx="1887239" cy="241412"/>
+            </a:xfrm>
+            <a:prstGeom prst="straightConnector1">
+              <a:avLst/>
+            </a:prstGeom>
+            <a:ln w="50800">
+              <a:solidFill>
+                <a:schemeClr val="tx1">
+                  <a:lumMod val="65000"/>
+                  <a:lumOff val="35000"/>
+                </a:schemeClr>
+              </a:solidFill>
+              <a:tailEnd type="triangle"/>
+            </a:ln>
+          </p:spPr>
+          <p:style>
+            <a:lnRef idx="1">
+              <a:schemeClr val="accent1"/>
+            </a:lnRef>
+            <a:fillRef idx="0">
+              <a:schemeClr val="accent1"/>
+            </a:fillRef>
+            <a:effectRef idx="0">
+              <a:schemeClr val="accent1"/>
+            </a:effectRef>
+            <a:fontRef idx="minor">
+              <a:schemeClr val="tx1"/>
+            </a:fontRef>
+          </p:style>
+        </p:cxnSp>
+        <p:sp>
+          <p:nvSpPr>
+            <p:cNvPr id="23" name="TextBox 22">
+              <a:extLst>
+                <a:ext uri="{FF2B5EF4-FFF2-40B4-BE49-F238E27FC236}">
+                  <a16:creationId xmlns:a16="http://schemas.microsoft.com/office/drawing/2014/main" id="{549606F6-B39A-1E4A-8141-7AE3CE3868A5}"/>
+                </a:ext>
+              </a:extLst>
+            </p:cNvPr>
+            <p:cNvSpPr txBox="1"/>
+            <p:nvPr/>
+          </p:nvSpPr>
+          <p:spPr>
+            <a:xfrm rot="430499">
+              <a:off x="2315006" y="3176791"/>
+              <a:ext cx="1865946" cy="338554"/>
+            </a:xfrm>
+            <a:prstGeom prst="rect">
+              <a:avLst/>
+            </a:prstGeom>
+            <a:noFill/>
+          </p:spPr>
+          <p:txBody>
+            <a:bodyPr wrap="square" rtlCol="0">
+              <a:spAutoFit/>
+            </a:bodyPr>
+            <a:lstStyle/>
+            <a:p>
+              <a:pPr algn="ctr"/>
+              <a:r>
+                <a:rPr kumimoji="1" lang="en-US" altLang="ko-KR" sz="1600" dirty="0"/>
+                <a:t>TLS </a:t>
+              </a:r>
+              <a:r>
+                <a:rPr kumimoji="1" lang="en-US" altLang="ko-KR" sz="1600" dirty="0" err="1"/>
+                <a:t>ClientHello</a:t>
+              </a:r>
+              <a:endParaRPr kumimoji="1" lang="ko-KR" altLang="en-US" sz="1600" dirty="0"/>
+            </a:p>
+          </p:txBody>
+        </p:sp>
+        <p:cxnSp>
+          <p:nvCxnSpPr>
+            <p:cNvPr id="25" name="직선 화살표 연결선 24">
+              <a:extLst>
+                <a:ext uri="{FF2B5EF4-FFF2-40B4-BE49-F238E27FC236}">
+                  <a16:creationId xmlns:a16="http://schemas.microsoft.com/office/drawing/2014/main" id="{EA7FA3B0-87A9-FE49-9826-B0B4DD454014}"/>
+                </a:ext>
+              </a:extLst>
+            </p:cNvPr>
+            <p:cNvCxnSpPr>
+              <a:cxnSpLocks/>
+            </p:cNvCxnSpPr>
+            <p:nvPr/>
+          </p:nvCxnSpPr>
+          <p:spPr>
+            <a:xfrm>
+              <a:off x="2305175" y="3424479"/>
+              <a:ext cx="1887239" cy="241412"/>
+            </a:xfrm>
+            <a:prstGeom prst="straightConnector1">
+              <a:avLst/>
+            </a:prstGeom>
+            <a:ln w="50800">
+              <a:solidFill>
+                <a:schemeClr val="tx1">
+                  <a:lumMod val="65000"/>
+                  <a:lumOff val="35000"/>
+                </a:schemeClr>
+              </a:solidFill>
+              <a:tailEnd type="triangle"/>
+            </a:ln>
+          </p:spPr>
+          <p:style>
+            <a:lnRef idx="1">
+              <a:schemeClr val="accent1"/>
+            </a:lnRef>
+            <a:fillRef idx="0">
+              <a:schemeClr val="accent1"/>
+            </a:fillRef>
+            <a:effectRef idx="0">
+              <a:schemeClr val="accent1"/>
+            </a:effectRef>
+            <a:fontRef idx="minor">
+              <a:schemeClr val="tx1"/>
+            </a:fontRef>
+          </p:style>
+        </p:cxnSp>
+        <p:sp>
+          <p:nvSpPr>
+            <p:cNvPr id="38" name="TextBox 37">
+              <a:extLst>
+                <a:ext uri="{FF2B5EF4-FFF2-40B4-BE49-F238E27FC236}">
+                  <a16:creationId xmlns:a16="http://schemas.microsoft.com/office/drawing/2014/main" id="{92DF061F-EB4D-284A-ABE6-25AAD5D1BDF7}"/>
+                </a:ext>
+              </a:extLst>
+            </p:cNvPr>
+            <p:cNvSpPr txBox="1"/>
+            <p:nvPr/>
+          </p:nvSpPr>
+          <p:spPr>
+            <a:xfrm rot="430499">
+              <a:off x="7453966" y="1774085"/>
+              <a:ext cx="1865946" cy="338554"/>
+            </a:xfrm>
+            <a:prstGeom prst="rect">
+              <a:avLst/>
+            </a:prstGeom>
+            <a:noFill/>
+          </p:spPr>
+          <p:txBody>
+            <a:bodyPr wrap="square" rtlCol="0">
+              <a:spAutoFit/>
+            </a:bodyPr>
+            <a:lstStyle/>
+            <a:p>
+              <a:pPr algn="ctr"/>
+              <a:r>
+                <a:rPr kumimoji="1" lang="en-US" altLang="ko-KR" sz="1600" dirty="0"/>
+                <a:t>QUIC</a:t>
+              </a:r>
+              <a:endParaRPr kumimoji="1" lang="ko-KR" altLang="en-US" sz="1600" dirty="0"/>
+            </a:p>
+          </p:txBody>
+        </p:sp>
+        <p:cxnSp>
+          <p:nvCxnSpPr>
+            <p:cNvPr id="39" name="직선 연결선[R] 38">
+              <a:extLst>
+                <a:ext uri="{FF2B5EF4-FFF2-40B4-BE49-F238E27FC236}">
+                  <a16:creationId xmlns:a16="http://schemas.microsoft.com/office/drawing/2014/main" id="{33BA15D8-87A5-0441-90BF-F205FB2BBD11}"/>
+                </a:ext>
+              </a:extLst>
+            </p:cNvPr>
+            <p:cNvCxnSpPr>
+              <a:cxnSpLocks/>
+            </p:cNvCxnSpPr>
+            <p:nvPr/>
+          </p:nvCxnSpPr>
+          <p:spPr>
+            <a:xfrm>
+              <a:off x="7431018" y="1543211"/>
+              <a:ext cx="0" cy="4562025"/>
+            </a:xfrm>
+            <a:prstGeom prst="line">
+              <a:avLst/>
+            </a:prstGeom>
+            <a:ln w="50800">
+              <a:solidFill>
+                <a:schemeClr val="tx1"/>
+              </a:solidFill>
+            </a:ln>
+          </p:spPr>
+          <p:style>
+            <a:lnRef idx="1">
+              <a:schemeClr val="accent1"/>
+            </a:lnRef>
+            <a:fillRef idx="0">
+              <a:schemeClr val="accent1"/>
+            </a:fillRef>
+            <a:effectRef idx="0">
+              <a:schemeClr val="accent1"/>
+            </a:effectRef>
+            <a:fontRef idx="minor">
+              <a:schemeClr val="tx1"/>
+            </a:fontRef>
+          </p:style>
+        </p:cxnSp>
+        <p:sp>
+          <p:nvSpPr>
+            <p:cNvPr id="40" name="TextBox 39">
+              <a:extLst>
+                <a:ext uri="{FF2B5EF4-FFF2-40B4-BE49-F238E27FC236}">
+                  <a16:creationId xmlns:a16="http://schemas.microsoft.com/office/drawing/2014/main" id="{7B39A6DA-8E3E-1541-97D1-964D65A6F328}"/>
+                </a:ext>
+              </a:extLst>
+            </p:cNvPr>
+            <p:cNvSpPr txBox="1"/>
+            <p:nvPr/>
+          </p:nvSpPr>
+          <p:spPr>
+            <a:xfrm>
+              <a:off x="6941139" y="1081546"/>
+              <a:ext cx="979755" cy="461665"/>
+            </a:xfrm>
+            <a:prstGeom prst="rect">
+              <a:avLst/>
+            </a:prstGeom>
+            <a:noFill/>
+          </p:spPr>
+          <p:txBody>
+            <a:bodyPr wrap="none" rtlCol="0">
+              <a:spAutoFit/>
+            </a:bodyPr>
+            <a:lstStyle/>
+            <a:p>
+              <a:r>
+                <a:rPr kumimoji="1" lang="en-US" altLang="ko-KR" sz="2400" dirty="0"/>
+                <a:t>Client</a:t>
+              </a:r>
+              <a:endParaRPr kumimoji="1" lang="ko-KR" altLang="en-US" sz="2400" dirty="0"/>
+            </a:p>
+          </p:txBody>
+        </p:sp>
+        <p:cxnSp>
+          <p:nvCxnSpPr>
+            <p:cNvPr id="41" name="직선 연결선[R] 40">
+              <a:extLst>
+                <a:ext uri="{FF2B5EF4-FFF2-40B4-BE49-F238E27FC236}">
+                  <a16:creationId xmlns:a16="http://schemas.microsoft.com/office/drawing/2014/main" id="{61A0569D-B1D8-3746-8956-C420756D5B9D}"/>
+                </a:ext>
+              </a:extLst>
+            </p:cNvPr>
+            <p:cNvCxnSpPr>
+              <a:cxnSpLocks/>
+            </p:cNvCxnSpPr>
+            <p:nvPr/>
+          </p:nvCxnSpPr>
+          <p:spPr>
+            <a:xfrm>
+              <a:off x="9344491" y="1543211"/>
+              <a:ext cx="0" cy="4562025"/>
+            </a:xfrm>
+            <a:prstGeom prst="line">
+              <a:avLst/>
+            </a:prstGeom>
+            <a:ln w="50800">
+              <a:solidFill>
+                <a:schemeClr val="tx1"/>
+              </a:solidFill>
+            </a:ln>
+          </p:spPr>
+          <p:style>
+            <a:lnRef idx="1">
+              <a:schemeClr val="accent1"/>
+            </a:lnRef>
+            <a:fillRef idx="0">
+              <a:schemeClr val="accent1"/>
+            </a:fillRef>
+            <a:effectRef idx="0">
+              <a:schemeClr val="accent1"/>
+            </a:effectRef>
+            <a:fontRef idx="minor">
+              <a:schemeClr val="tx1"/>
+            </a:fontRef>
+          </p:style>
+        </p:cxnSp>
+        <p:sp>
+          <p:nvSpPr>
+            <p:cNvPr id="43" name="TextBox 42">
+              <a:extLst>
+                <a:ext uri="{FF2B5EF4-FFF2-40B4-BE49-F238E27FC236}">
+                  <a16:creationId xmlns:a16="http://schemas.microsoft.com/office/drawing/2014/main" id="{1E8E83B9-8ABA-1342-89D4-70D7D792B878}"/>
+                </a:ext>
+              </a:extLst>
+            </p:cNvPr>
+            <p:cNvSpPr txBox="1"/>
+            <p:nvPr/>
+          </p:nvSpPr>
+          <p:spPr>
+            <a:xfrm>
+              <a:off x="8813607" y="1081546"/>
+              <a:ext cx="1061766" cy="461665"/>
+            </a:xfrm>
+            <a:prstGeom prst="rect">
+              <a:avLst/>
+            </a:prstGeom>
+            <a:noFill/>
+          </p:spPr>
+          <p:txBody>
+            <a:bodyPr wrap="none" rtlCol="0">
+              <a:spAutoFit/>
+            </a:bodyPr>
+            <a:lstStyle/>
+            <a:p>
+              <a:r>
+                <a:rPr kumimoji="1" lang="en-US" altLang="ko-KR" sz="2400" dirty="0"/>
+                <a:t>Server</a:t>
+              </a:r>
+              <a:endParaRPr kumimoji="1" lang="ko-KR" altLang="en-US" sz="2400" dirty="0"/>
+            </a:p>
+          </p:txBody>
+        </p:sp>
+        <p:cxnSp>
+          <p:nvCxnSpPr>
+            <p:cNvPr id="44" name="직선 화살표 연결선 43">
+              <a:extLst>
+                <a:ext uri="{FF2B5EF4-FFF2-40B4-BE49-F238E27FC236}">
+                  <a16:creationId xmlns:a16="http://schemas.microsoft.com/office/drawing/2014/main" id="{0A4B0CBE-24A3-AE44-B78F-2444BD8BADF8}"/>
+                </a:ext>
+              </a:extLst>
+            </p:cNvPr>
+            <p:cNvCxnSpPr>
+              <a:cxnSpLocks/>
+            </p:cNvCxnSpPr>
+            <p:nvPr/>
+          </p:nvCxnSpPr>
+          <p:spPr>
+            <a:xfrm>
+              <a:off x="7444135" y="2021773"/>
+              <a:ext cx="1887239" cy="241412"/>
+            </a:xfrm>
+            <a:prstGeom prst="straightConnector1">
+              <a:avLst/>
+            </a:prstGeom>
+            <a:ln w="50800">
+              <a:solidFill>
+                <a:schemeClr val="tx1">
+                  <a:lumMod val="65000"/>
+                  <a:lumOff val="35000"/>
+                </a:schemeClr>
+              </a:solidFill>
+              <a:tailEnd type="triangle"/>
+            </a:ln>
+          </p:spPr>
+          <p:style>
+            <a:lnRef idx="1">
+              <a:schemeClr val="accent1"/>
+            </a:lnRef>
+            <a:fillRef idx="0">
+              <a:schemeClr val="accent1"/>
+            </a:fillRef>
+            <a:effectRef idx="0">
+              <a:schemeClr val="accent1"/>
+            </a:effectRef>
+            <a:fontRef idx="minor">
+              <a:schemeClr val="tx1"/>
+            </a:fontRef>
+          </p:style>
+        </p:cxnSp>
+        <p:sp>
+          <p:nvSpPr>
+            <p:cNvPr id="47" name="TextBox 46">
+              <a:extLst>
+                <a:ext uri="{FF2B5EF4-FFF2-40B4-BE49-F238E27FC236}">
+                  <a16:creationId xmlns:a16="http://schemas.microsoft.com/office/drawing/2014/main" id="{33D05F76-59E5-0D4E-8112-E5E7AAF49078}"/>
+                </a:ext>
+              </a:extLst>
+            </p:cNvPr>
+            <p:cNvSpPr txBox="1"/>
+            <p:nvPr/>
+          </p:nvSpPr>
+          <p:spPr>
+            <a:xfrm>
+              <a:off x="6522070" y="154861"/>
+              <a:ext cx="3751220" cy="830997"/>
+            </a:xfrm>
+            <a:prstGeom prst="rect">
+              <a:avLst/>
+            </a:prstGeom>
+            <a:noFill/>
+          </p:spPr>
+          <p:txBody>
+            <a:bodyPr wrap="none" rtlCol="0">
+              <a:spAutoFit/>
+            </a:bodyPr>
+            <a:lstStyle/>
+            <a:p>
+              <a:pPr algn="ctr"/>
+              <a:r>
+                <a:rPr kumimoji="1" lang="en-US" altLang="ko-KR" sz="2400" dirty="0"/>
+                <a:t>HTTP Request Over QUIC</a:t>
+              </a:r>
+              <a:br>
+                <a:rPr kumimoji="1" lang="en-US" altLang="ko-KR" sz="2400" dirty="0"/>
+              </a:br>
+              <a:r>
+                <a:rPr kumimoji="1" lang="en-US" altLang="ko-KR" sz="2400" dirty="0"/>
+                <a:t>(with 0-RTT)</a:t>
+              </a:r>
+              <a:endParaRPr kumimoji="1" lang="ko-KR" altLang="en-US" sz="2400" dirty="0"/>
+            </a:p>
+          </p:txBody>
+        </p:sp>
+        <p:sp>
+          <p:nvSpPr>
+            <p:cNvPr id="48" name="TextBox 47">
+              <a:extLst>
+                <a:ext uri="{FF2B5EF4-FFF2-40B4-BE49-F238E27FC236}">
+                  <a16:creationId xmlns:a16="http://schemas.microsoft.com/office/drawing/2014/main" id="{089EDA66-5F76-F140-A5F2-794A7A5855A6}"/>
+                </a:ext>
+              </a:extLst>
+            </p:cNvPr>
+            <p:cNvSpPr txBox="1"/>
+            <p:nvPr/>
+          </p:nvSpPr>
+          <p:spPr>
+            <a:xfrm rot="430499">
+              <a:off x="7464707" y="2177424"/>
+              <a:ext cx="1865946" cy="338554"/>
+            </a:xfrm>
+            <a:prstGeom prst="rect">
+              <a:avLst/>
+            </a:prstGeom>
+            <a:noFill/>
+          </p:spPr>
+          <p:txBody>
+            <a:bodyPr wrap="square" rtlCol="0">
+              <a:spAutoFit/>
+            </a:bodyPr>
+            <a:lstStyle/>
+            <a:p>
+              <a:pPr algn="ctr"/>
+              <a:r>
+                <a:rPr kumimoji="1" lang="en-US" altLang="ko-KR" sz="1600" dirty="0"/>
+                <a:t>HTTP Request</a:t>
+              </a:r>
+              <a:endParaRPr kumimoji="1" lang="ko-KR" altLang="en-US" sz="1600" dirty="0"/>
             </a:p>
           </p:txBody>
         </p:sp>
@@ -14608,7 +16020,7 @@
             <p:cNvPr id="49" name="직선 화살표 연결선 48">
               <a:extLst>
                 <a:ext uri="{FF2B5EF4-FFF2-40B4-BE49-F238E27FC236}">
-                  <a16:creationId xmlns:a16="http://schemas.microsoft.com/office/drawing/2014/main" id="{3ADBA461-D1A8-4541-BFBF-4DA22F8D8F76}"/>
+                  <a16:creationId xmlns:a16="http://schemas.microsoft.com/office/drawing/2014/main" id="{238875BF-B44D-8441-8A75-69A2B11829FD}"/>
                 </a:ext>
               </a:extLst>
             </p:cNvPr>
@@ -14619,7 +16031,7 @@
           </p:nvCxnSpPr>
           <p:spPr>
             <a:xfrm>
-              <a:off x="2717600" y="2491618"/>
+              <a:off x="7454876" y="2425112"/>
               <a:ext cx="1887239" cy="241412"/>
             </a:xfrm>
             <a:prstGeom prst="straightConnector1">
@@ -14627,7 +16039,10 @@
             </a:prstGeom>
             <a:ln w="50800">
               <a:solidFill>
-                <a:schemeClr val="tx1"/>
+                <a:schemeClr val="tx1">
+                  <a:lumMod val="65000"/>
+                  <a:lumOff val="35000"/>
+                </a:schemeClr>
               </a:solidFill>
               <a:tailEnd type="triangle"/>
             </a:ln>
@@ -14649,10 +16064,10 @@
         </p:cxnSp>
         <p:cxnSp>
           <p:nvCxnSpPr>
-            <p:cNvPr id="51" name="직선 화살표 연결선 50">
-              <a:extLst>
-                <a:ext uri="{FF2B5EF4-FFF2-40B4-BE49-F238E27FC236}">
-                  <a16:creationId xmlns:a16="http://schemas.microsoft.com/office/drawing/2014/main" id="{D83DE204-84F6-9E41-A2CE-D76E60760353}"/>
+            <p:cNvPr id="52" name="직선 화살표 연결선 51">
+              <a:extLst>
+                <a:ext uri="{FF2B5EF4-FFF2-40B4-BE49-F238E27FC236}">
+                  <a16:creationId xmlns:a16="http://schemas.microsoft.com/office/drawing/2014/main" id="{31432F34-F70C-F34E-8179-0168B72099F7}"/>
                 </a:ext>
               </a:extLst>
             </p:cNvPr>
@@ -14663,7 +16078,7 @@
           </p:nvCxnSpPr>
           <p:spPr>
             <a:xfrm flipH="1">
-              <a:off x="2727431" y="3304414"/>
+              <a:off x="7446282" y="2930383"/>
               <a:ext cx="1887239" cy="266649"/>
             </a:xfrm>
             <a:prstGeom prst="straightConnector1">
@@ -14671,7 +16086,10 @@
             </a:prstGeom>
             <a:ln w="50800">
               <a:solidFill>
-                <a:schemeClr val="tx1"/>
+                <a:schemeClr val="tx1">
+                  <a:lumMod val="65000"/>
+                  <a:lumOff val="35000"/>
+                </a:schemeClr>
               </a:solidFill>
               <a:tailEnd type="triangle"/>
             </a:ln>
@@ -14693,72 +16111,84 @@
         </p:cxnSp>
         <p:sp>
           <p:nvSpPr>
-            <p:cNvPr id="54" name="직사각형 53">
-              <a:extLst>
-                <a:ext uri="{FF2B5EF4-FFF2-40B4-BE49-F238E27FC236}">
-                  <a16:creationId xmlns:a16="http://schemas.microsoft.com/office/drawing/2014/main" id="{F767E88D-7ED9-B448-9A7C-68E42C5C85DA}"/>
-                </a:ext>
-              </a:extLst>
-            </p:cNvPr>
-            <p:cNvSpPr/>
+            <p:cNvPr id="53" name="TextBox 52">
+              <a:extLst>
+                <a:ext uri="{FF2B5EF4-FFF2-40B4-BE49-F238E27FC236}">
+                  <a16:creationId xmlns:a16="http://schemas.microsoft.com/office/drawing/2014/main" id="{7734A191-7BD7-2D40-8E43-070971A6CB13}"/>
+                </a:ext>
+              </a:extLst>
+            </p:cNvPr>
+            <p:cNvSpPr txBox="1"/>
             <p:nvPr/>
           </p:nvSpPr>
           <p:spPr>
-            <a:xfrm>
-              <a:off x="4651588" y="3812475"/>
-              <a:ext cx="1844642" cy="571384"/>
+            <a:xfrm rot="21117605">
+              <a:off x="7467663" y="2677745"/>
+              <a:ext cx="1865946" cy="338554"/>
             </a:xfrm>
             <a:prstGeom prst="rect">
               <a:avLst/>
             </a:prstGeom>
-            <a:solidFill>
-              <a:schemeClr val="accent2">
-                <a:lumMod val="20000"/>
-                <a:lumOff val="80000"/>
-              </a:schemeClr>
-            </a:solidFill>
-            <a:ln>
-              <a:noFill/>
-            </a:ln>
-          </p:spPr>
-          <p:style>
-            <a:lnRef idx="2">
-              <a:schemeClr val="accent1">
-                <a:shade val="50000"/>
-              </a:schemeClr>
-            </a:lnRef>
-            <a:fillRef idx="1">
-              <a:schemeClr val="accent1"/>
-            </a:fillRef>
-            <a:effectRef idx="0">
-              <a:schemeClr val="accent1"/>
-            </a:effectRef>
-            <a:fontRef idx="minor">
-              <a:schemeClr val="lt1"/>
-            </a:fontRef>
-          </p:style>
+            <a:noFill/>
+          </p:spPr>
           <p:txBody>
-            <a:bodyPr rtlCol="0" anchor="ctr"/>
+            <a:bodyPr wrap="square" rtlCol="0">
+              <a:spAutoFit/>
+            </a:bodyPr>
             <a:lstStyle/>
             <a:p>
               <a:pPr algn="ctr"/>
               <a:r>
-                <a:rPr kumimoji="1" lang="ko-KR" altLang="en-US" dirty="0">
-                  <a:solidFill>
-                    <a:sysClr val="windowText" lastClr="000000"/>
-                  </a:solidFill>
-                </a:rPr>
-                <a:t>응답 결과 생성</a:t>
-              </a:r>
+                <a:rPr kumimoji="1" lang="en-US" altLang="ko-KR" sz="1600" dirty="0"/>
+                <a:t>QUIC</a:t>
+              </a:r>
+              <a:endParaRPr kumimoji="1" lang="ko-KR" altLang="en-US" sz="1600" dirty="0"/>
+            </a:p>
+          </p:txBody>
+        </p:sp>
+        <p:sp>
+          <p:nvSpPr>
+            <p:cNvPr id="42" name="TextBox 41">
+              <a:extLst>
+                <a:ext uri="{FF2B5EF4-FFF2-40B4-BE49-F238E27FC236}">
+                  <a16:creationId xmlns:a16="http://schemas.microsoft.com/office/drawing/2014/main" id="{00F1197A-3E8E-FB4C-AAEB-D61C6D3B773C}"/>
+                </a:ext>
+              </a:extLst>
+            </p:cNvPr>
+            <p:cNvSpPr txBox="1"/>
+            <p:nvPr/>
+          </p:nvSpPr>
+          <p:spPr>
+            <a:xfrm rot="430499">
+              <a:off x="2307656" y="3574377"/>
+              <a:ext cx="1865946" cy="338554"/>
+            </a:xfrm>
+            <a:prstGeom prst="rect">
+              <a:avLst/>
+            </a:prstGeom>
+            <a:noFill/>
+          </p:spPr>
+          <p:txBody>
+            <a:bodyPr wrap="square" rtlCol="0">
+              <a:spAutoFit/>
+            </a:bodyPr>
+            <a:lstStyle/>
+            <a:p>
+              <a:pPr algn="ctr"/>
+              <a:r>
+                <a:rPr kumimoji="1" lang="en-US" altLang="ko-KR" sz="1600" dirty="0"/>
+                <a:t>HTTP Request</a:t>
+              </a:r>
+              <a:endParaRPr kumimoji="1" lang="ko-KR" altLang="en-US" sz="1600" dirty="0"/>
             </a:p>
           </p:txBody>
         </p:sp>
         <p:cxnSp>
           <p:nvCxnSpPr>
-            <p:cNvPr id="55" name="직선 화살표 연결선 54">
-              <a:extLst>
-                <a:ext uri="{FF2B5EF4-FFF2-40B4-BE49-F238E27FC236}">
-                  <a16:creationId xmlns:a16="http://schemas.microsoft.com/office/drawing/2014/main" id="{E0913B90-D62D-B941-9A87-BB103C4DF8F8}"/>
+            <p:cNvPr id="54" name="직선 화살표 연결선 53">
+              <a:extLst>
+                <a:ext uri="{FF2B5EF4-FFF2-40B4-BE49-F238E27FC236}">
+                  <a16:creationId xmlns:a16="http://schemas.microsoft.com/office/drawing/2014/main" id="{495D3EE8-D3D5-9D48-A8EE-E927D249C0EC}"/>
                 </a:ext>
               </a:extLst>
             </p:cNvPr>
@@ -14769,7 +16199,7 @@
           </p:nvCxnSpPr>
           <p:spPr>
             <a:xfrm>
-              <a:off x="2717600" y="3571063"/>
+              <a:off x="2297825" y="3822065"/>
               <a:ext cx="1887239" cy="241412"/>
             </a:xfrm>
             <a:prstGeom prst="straightConnector1">
@@ -14777,7 +16207,57 @@
             </a:prstGeom>
             <a:ln w="50800">
               <a:solidFill>
-                <a:schemeClr val="tx1"/>
+                <a:schemeClr val="tx1">
+                  <a:lumMod val="65000"/>
+                  <a:lumOff val="35000"/>
+                </a:schemeClr>
+              </a:solidFill>
+              <a:tailEnd type="triangle"/>
+            </a:ln>
+          </p:spPr>
+          <p:style>
+            <a:lnRef idx="1">
+              <a:schemeClr val="accent1"/>
+            </a:lnRef>
+            <a:fillRef idx="0">
+              <a:schemeClr val="accent1"/>
+            </a:fillRef>
+            <a:effectRef idx="0">
+              <a:schemeClr val="accent1"/>
+            </a:effectRef>
+            <a:fontRef idx="minor">
+              <a:schemeClr val="tx1"/>
+            </a:fontRef>
+          </p:style>
+        </p:cxnSp>
+        <p:cxnSp>
+          <p:nvCxnSpPr>
+            <p:cNvPr id="55" name="직선 화살표 연결선 54">
+              <a:extLst>
+                <a:ext uri="{FF2B5EF4-FFF2-40B4-BE49-F238E27FC236}">
+                  <a16:creationId xmlns:a16="http://schemas.microsoft.com/office/drawing/2014/main" id="{9E5354E4-AAAF-D249-B4F8-7019E6E6180E}"/>
+                </a:ext>
+              </a:extLst>
+            </p:cNvPr>
+            <p:cNvCxnSpPr>
+              <a:cxnSpLocks/>
+            </p:cNvCxnSpPr>
+            <p:nvPr/>
+          </p:nvCxnSpPr>
+          <p:spPr>
+            <a:xfrm flipH="1">
+              <a:off x="2299740" y="4330948"/>
+              <a:ext cx="1887239" cy="266649"/>
+            </a:xfrm>
+            <a:prstGeom prst="straightConnector1">
+              <a:avLst/>
+            </a:prstGeom>
+            <a:ln w="50800">
+              <a:solidFill>
+                <a:schemeClr val="tx1">
+                  <a:lumMod val="65000"/>
+                  <a:lumOff val="35000"/>
+                </a:schemeClr>
               </a:solidFill>
               <a:tailEnd type="triangle"/>
             </a:ln>
@@ -14802,7 +16282,7 @@
             <p:cNvPr id="56" name="TextBox 55">
               <a:extLst>
                 <a:ext uri="{FF2B5EF4-FFF2-40B4-BE49-F238E27FC236}">
-                  <a16:creationId xmlns:a16="http://schemas.microsoft.com/office/drawing/2014/main" id="{EEEEE69C-B682-3641-A515-43D3124F2ECB}"/>
+                  <a16:creationId xmlns:a16="http://schemas.microsoft.com/office/drawing/2014/main" id="{BDA521FF-C01B-AD44-8F54-F1E56811BDFE}"/>
                 </a:ext>
               </a:extLst>
             </p:cNvPr>
@@ -14810,19 +16290,14 @@
             <p:nvPr/>
           </p:nvSpPr>
           <p:spPr>
-            <a:xfrm>
-              <a:off x="2733812" y="4666060"/>
-              <a:ext cx="1859565" cy="338554"/>
+            <a:xfrm rot="21117605">
+              <a:off x="2321121" y="4078310"/>
+              <a:ext cx="1865946" cy="338554"/>
             </a:xfrm>
             <a:prstGeom prst="rect">
               <a:avLst/>
             </a:prstGeom>
-            <a:solidFill>
-              <a:schemeClr val="accent6">
-                <a:lumMod val="20000"/>
-                <a:lumOff val="80000"/>
-              </a:schemeClr>
-            </a:solidFill>
+            <a:noFill/>
           </p:spPr>
           <p:txBody>
             <a:bodyPr wrap="square" rtlCol="0">
@@ -14833,12 +16308,13 @@
               <a:pPr algn="ctr"/>
               <a:r>
                 <a:rPr kumimoji="1" lang="en-US" altLang="ko-KR" sz="1600" dirty="0"/>
-                <a:t>TCP</a:t>
-              </a:r>
-              <a:r>
-                <a:rPr kumimoji="1" lang="ko-KR" altLang="en-US" sz="1600" dirty="0"/>
-                <a:t> 연결 해제</a:t>
-              </a:r>
+                <a:t>TLS </a:t>
+              </a:r>
+              <a:r>
+                <a:rPr kumimoji="1" lang="en-US" altLang="ko-KR" sz="1600" dirty="0" err="1"/>
+                <a:t>ServerHello</a:t>
+              </a:r>
+              <a:endParaRPr kumimoji="1" lang="ko-KR" altLang="en-US" sz="1600" dirty="0"/>
             </a:p>
           </p:txBody>
         </p:sp>
@@ -14847,7 +16323,7 @@
             <p:cNvPr id="57" name="직선 화살표 연결선 56">
               <a:extLst>
                 <a:ext uri="{FF2B5EF4-FFF2-40B4-BE49-F238E27FC236}">
-                  <a16:creationId xmlns:a16="http://schemas.microsoft.com/office/drawing/2014/main" id="{FB1BE8D6-3BDC-664B-ABB1-42AA8D8A4141}"/>
+                  <a16:creationId xmlns:a16="http://schemas.microsoft.com/office/drawing/2014/main" id="{9F8E8D0B-9C5E-A144-B4E8-7ED5AB1E2A6A}"/>
                 </a:ext>
               </a:extLst>
             </p:cNvPr>
@@ -14858,7 +16334,7 @@
           </p:nvCxnSpPr>
           <p:spPr>
             <a:xfrm flipH="1">
-              <a:off x="2727431" y="4383859"/>
+              <a:off x="2298878" y="4745467"/>
               <a:ext cx="1887239" cy="266649"/>
             </a:xfrm>
             <a:prstGeom prst="straightConnector1">
@@ -14866,7 +16342,299 @@
             </a:prstGeom>
             <a:ln w="50800">
               <a:solidFill>
-                <a:schemeClr val="tx1"/>
+                <a:schemeClr val="tx1">
+                  <a:lumMod val="65000"/>
+                  <a:lumOff val="35000"/>
+                </a:schemeClr>
+              </a:solidFill>
+              <a:tailEnd type="triangle"/>
+            </a:ln>
+          </p:spPr>
+          <p:style>
+            <a:lnRef idx="1">
+              <a:schemeClr val="accent1"/>
+            </a:lnRef>
+            <a:fillRef idx="0">
+              <a:schemeClr val="accent1"/>
+            </a:fillRef>
+            <a:effectRef idx="0">
+              <a:schemeClr val="accent1"/>
+            </a:effectRef>
+            <a:fontRef idx="minor">
+              <a:schemeClr val="tx1"/>
+            </a:fontRef>
+          </p:style>
+        </p:cxnSp>
+        <p:sp>
+          <p:nvSpPr>
+            <p:cNvPr id="58" name="TextBox 57">
+              <a:extLst>
+                <a:ext uri="{FF2B5EF4-FFF2-40B4-BE49-F238E27FC236}">
+                  <a16:creationId xmlns:a16="http://schemas.microsoft.com/office/drawing/2014/main" id="{5FD53BAE-2F3E-BF44-8158-5A04A3EF766F}"/>
+                </a:ext>
+              </a:extLst>
+            </p:cNvPr>
+            <p:cNvSpPr txBox="1"/>
+            <p:nvPr/>
+          </p:nvSpPr>
+          <p:spPr>
+            <a:xfrm rot="21117605">
+              <a:off x="2320259" y="4492829"/>
+              <a:ext cx="1865946" cy="338554"/>
+            </a:xfrm>
+            <a:prstGeom prst="rect">
+              <a:avLst/>
+            </a:prstGeom>
+            <a:noFill/>
+          </p:spPr>
+          <p:txBody>
+            <a:bodyPr wrap="square" rtlCol="0">
+              <a:spAutoFit/>
+            </a:bodyPr>
+            <a:lstStyle/>
+            <a:p>
+              <a:pPr algn="ctr"/>
+              <a:r>
+                <a:rPr kumimoji="1" lang="en-US" altLang="ko-KR" sz="1600" dirty="0"/>
+                <a:t>HTTP Request</a:t>
+              </a:r>
+              <a:endParaRPr kumimoji="1" lang="ko-KR" altLang="en-US" sz="1600" dirty="0"/>
+            </a:p>
+          </p:txBody>
+        </p:sp>
+        <p:sp>
+          <p:nvSpPr>
+            <p:cNvPr id="59" name="TextBox 58">
+              <a:extLst>
+                <a:ext uri="{FF2B5EF4-FFF2-40B4-BE49-F238E27FC236}">
+                  <a16:creationId xmlns:a16="http://schemas.microsoft.com/office/drawing/2014/main" id="{D88A2B30-2243-2B42-B8B8-FE53233B0511}"/>
+                </a:ext>
+              </a:extLst>
+            </p:cNvPr>
+            <p:cNvSpPr txBox="1"/>
+            <p:nvPr/>
+          </p:nvSpPr>
+          <p:spPr>
+            <a:xfrm rot="430499">
+              <a:off x="2301820" y="4996763"/>
+              <a:ext cx="1865946" cy="338554"/>
+            </a:xfrm>
+            <a:prstGeom prst="rect">
+              <a:avLst/>
+            </a:prstGeom>
+            <a:noFill/>
+          </p:spPr>
+          <p:txBody>
+            <a:bodyPr wrap="square" rtlCol="0">
+              <a:spAutoFit/>
+            </a:bodyPr>
+            <a:lstStyle/>
+            <a:p>
+              <a:pPr algn="ctr"/>
+              <a:r>
+                <a:rPr kumimoji="1" lang="en-US" altLang="ko-KR" sz="1600" dirty="0"/>
+                <a:t>TLS Finished</a:t>
+              </a:r>
+              <a:endParaRPr kumimoji="1" lang="ko-KR" altLang="en-US" sz="1600" dirty="0"/>
+            </a:p>
+          </p:txBody>
+        </p:sp>
+        <p:cxnSp>
+          <p:nvCxnSpPr>
+            <p:cNvPr id="60" name="직선 화살표 연결선 59">
+              <a:extLst>
+                <a:ext uri="{FF2B5EF4-FFF2-40B4-BE49-F238E27FC236}">
+                  <a16:creationId xmlns:a16="http://schemas.microsoft.com/office/drawing/2014/main" id="{E3CD6AA6-3133-5B41-9291-55E5182280A4}"/>
+                </a:ext>
+              </a:extLst>
+            </p:cNvPr>
+            <p:cNvCxnSpPr>
+              <a:cxnSpLocks/>
+            </p:cNvCxnSpPr>
+            <p:nvPr/>
+          </p:nvCxnSpPr>
+          <p:spPr>
+            <a:xfrm>
+              <a:off x="2291989" y="5244451"/>
+              <a:ext cx="1887239" cy="241412"/>
+            </a:xfrm>
+            <a:prstGeom prst="straightConnector1">
+              <a:avLst/>
+            </a:prstGeom>
+            <a:ln w="50800">
+              <a:solidFill>
+                <a:schemeClr val="tx1">
+                  <a:lumMod val="65000"/>
+                  <a:lumOff val="35000"/>
+                </a:schemeClr>
+              </a:solidFill>
+              <a:tailEnd type="triangle"/>
+            </a:ln>
+          </p:spPr>
+          <p:style>
+            <a:lnRef idx="1">
+              <a:schemeClr val="accent1"/>
+            </a:lnRef>
+            <a:fillRef idx="0">
+              <a:schemeClr val="accent1"/>
+            </a:fillRef>
+            <a:effectRef idx="0">
+              <a:schemeClr val="accent1"/>
+            </a:effectRef>
+            <a:fontRef idx="minor">
+              <a:schemeClr val="tx1"/>
+            </a:fontRef>
+          </p:style>
+        </p:cxnSp>
+        <p:cxnSp>
+          <p:nvCxnSpPr>
+            <p:cNvPr id="61" name="직선 화살표 연결선 60">
+              <a:extLst>
+                <a:ext uri="{FF2B5EF4-FFF2-40B4-BE49-F238E27FC236}">
+                  <a16:creationId xmlns:a16="http://schemas.microsoft.com/office/drawing/2014/main" id="{B2B4D655-B19A-6745-A372-D07C8A50EA70}"/>
+                </a:ext>
+              </a:extLst>
+            </p:cNvPr>
+            <p:cNvCxnSpPr>
+              <a:cxnSpLocks/>
+            </p:cNvCxnSpPr>
+            <p:nvPr/>
+          </p:nvCxnSpPr>
+          <p:spPr>
+            <a:xfrm flipH="1">
+              <a:off x="7446282" y="3345238"/>
+              <a:ext cx="1887239" cy="266649"/>
+            </a:xfrm>
+            <a:prstGeom prst="straightConnector1">
+              <a:avLst/>
+            </a:prstGeom>
+            <a:ln w="50800">
+              <a:solidFill>
+                <a:schemeClr val="tx1">
+                  <a:lumMod val="65000"/>
+                  <a:lumOff val="35000"/>
+                </a:schemeClr>
+              </a:solidFill>
+              <a:tailEnd type="triangle"/>
+            </a:ln>
+          </p:spPr>
+          <p:style>
+            <a:lnRef idx="1">
+              <a:schemeClr val="accent1"/>
+            </a:lnRef>
+            <a:fillRef idx="0">
+              <a:schemeClr val="accent1"/>
+            </a:fillRef>
+            <a:effectRef idx="0">
+              <a:schemeClr val="accent1"/>
+            </a:effectRef>
+            <a:fontRef idx="minor">
+              <a:schemeClr val="tx1"/>
+            </a:fontRef>
+          </p:style>
+        </p:cxnSp>
+        <p:sp>
+          <p:nvSpPr>
+            <p:cNvPr id="62" name="TextBox 61">
+              <a:extLst>
+                <a:ext uri="{FF2B5EF4-FFF2-40B4-BE49-F238E27FC236}">
+                  <a16:creationId xmlns:a16="http://schemas.microsoft.com/office/drawing/2014/main" id="{7B981BF9-6B70-1E45-B705-12EAE476FEC2}"/>
+                </a:ext>
+              </a:extLst>
+            </p:cNvPr>
+            <p:cNvSpPr txBox="1"/>
+            <p:nvPr/>
+          </p:nvSpPr>
+          <p:spPr>
+            <a:xfrm rot="21117605">
+              <a:off x="7467663" y="3092600"/>
+              <a:ext cx="1865946" cy="338554"/>
+            </a:xfrm>
+            <a:prstGeom prst="rect">
+              <a:avLst/>
+            </a:prstGeom>
+            <a:noFill/>
+          </p:spPr>
+          <p:txBody>
+            <a:bodyPr wrap="square" rtlCol="0">
+              <a:spAutoFit/>
+            </a:bodyPr>
+            <a:lstStyle/>
+            <a:p>
+              <a:pPr algn="ctr"/>
+              <a:r>
+                <a:rPr kumimoji="1" lang="en-US" altLang="ko-KR" sz="1600" dirty="0"/>
+                <a:t>HTTP Response</a:t>
+              </a:r>
+              <a:endParaRPr kumimoji="1" lang="ko-KR" altLang="en-US" sz="1600" dirty="0"/>
+            </a:p>
+          </p:txBody>
+        </p:sp>
+        <p:sp>
+          <p:nvSpPr>
+            <p:cNvPr id="63" name="TextBox 62">
+              <a:extLst>
+                <a:ext uri="{FF2B5EF4-FFF2-40B4-BE49-F238E27FC236}">
+                  <a16:creationId xmlns:a16="http://schemas.microsoft.com/office/drawing/2014/main" id="{7444FF12-D0AA-FB48-A420-6E8E3BA422F3}"/>
+                </a:ext>
+              </a:extLst>
+            </p:cNvPr>
+            <p:cNvSpPr txBox="1"/>
+            <p:nvPr/>
+          </p:nvSpPr>
+          <p:spPr>
+            <a:xfrm rot="430499">
+              <a:off x="7468333" y="3593086"/>
+              <a:ext cx="1865946" cy="338554"/>
+            </a:xfrm>
+            <a:prstGeom prst="rect">
+              <a:avLst/>
+            </a:prstGeom>
+            <a:noFill/>
+          </p:spPr>
+          <p:txBody>
+            <a:bodyPr wrap="square" rtlCol="0">
+              <a:spAutoFit/>
+            </a:bodyPr>
+            <a:lstStyle/>
+            <a:p>
+              <a:pPr algn="ctr"/>
+              <a:r>
+                <a:rPr kumimoji="1" lang="en-US" altLang="ko-KR" sz="1600" dirty="0"/>
+                <a:t>QUIC</a:t>
+              </a:r>
+              <a:endParaRPr kumimoji="1" lang="ko-KR" altLang="en-US" sz="1600" dirty="0"/>
+            </a:p>
+          </p:txBody>
+        </p:sp>
+        <p:cxnSp>
+          <p:nvCxnSpPr>
+            <p:cNvPr id="64" name="직선 화살표 연결선 63">
+              <a:extLst>
+                <a:ext uri="{FF2B5EF4-FFF2-40B4-BE49-F238E27FC236}">
+                  <a16:creationId xmlns:a16="http://schemas.microsoft.com/office/drawing/2014/main" id="{4668BEB9-7CA0-2C4E-BC18-11EA289ECB90}"/>
+                </a:ext>
+              </a:extLst>
+            </p:cNvPr>
+            <p:cNvCxnSpPr>
+              <a:cxnSpLocks/>
+            </p:cNvCxnSpPr>
+            <p:nvPr/>
+          </p:nvCxnSpPr>
+          <p:spPr>
+            <a:xfrm>
+              <a:off x="7458502" y="3840774"/>
+              <a:ext cx="1887239" cy="241412"/>
+            </a:xfrm>
+            <a:prstGeom prst="straightConnector1">
+              <a:avLst/>
+            </a:prstGeom>
+            <a:ln w="50800">
+              <a:solidFill>
+                <a:schemeClr val="tx1">
+                  <a:lumMod val="65000"/>
+                  <a:lumOff val="35000"/>
+                </a:schemeClr>
               </a:solidFill>
               <a:tailEnd type="triangle"/>
             </a:ln>
@@ -14890,7 +16658,7 @@
     </p:spTree>
     <p:extLst>
       <p:ext uri="{BB962C8B-B14F-4D97-AF65-F5344CB8AC3E}">
-        <p14:creationId xmlns:p14="http://schemas.microsoft.com/office/powerpoint/2010/main" val="268608801"/>
+        <p14:creationId xmlns:p14="http://schemas.microsoft.com/office/powerpoint/2010/main" val="2699193870"/>
       </p:ext>
     </p:extLst>
   </p:cSld>
@@ -15640,6 +17408,4756 @@
 </file>
 
 <file path=ppt/slides/slide20.xml><?xml version="1.0" encoding="utf-8"?>
+<p:sld xmlns:a="http://schemas.openxmlformats.org/drawingml/2006/main" xmlns:r="http://schemas.openxmlformats.org/officeDocument/2006/relationships" xmlns:p="http://schemas.openxmlformats.org/presentationml/2006/main">
+  <p:cSld>
+    <p:spTree>
+      <p:nvGrpSpPr>
+        <p:cNvPr id="1" name=""/>
+        <p:cNvGrpSpPr/>
+        <p:nvPr/>
+      </p:nvGrpSpPr>
+      <p:grpSpPr>
+        <a:xfrm>
+          <a:off x="0" y="0"/>
+          <a:ext cx="0" cy="0"/>
+          <a:chOff x="0" y="0"/>
+          <a:chExt cx="0" cy="0"/>
+        </a:xfrm>
+      </p:grpSpPr>
+      <p:grpSp>
+        <p:nvGrpSpPr>
+          <p:cNvPr id="11" name="그룹 10">
+            <a:extLst>
+              <a:ext uri="{FF2B5EF4-FFF2-40B4-BE49-F238E27FC236}">
+                <a16:creationId xmlns:a16="http://schemas.microsoft.com/office/drawing/2014/main" id="{5554584E-6BED-5E4F-861C-AF143B3A25D3}"/>
+              </a:ext>
+            </a:extLst>
+          </p:cNvPr>
+          <p:cNvGrpSpPr/>
+          <p:nvPr/>
+        </p:nvGrpSpPr>
+        <p:grpSpPr>
+          <a:xfrm>
+            <a:off x="906185" y="726457"/>
+            <a:ext cx="10924624" cy="3703706"/>
+            <a:chOff x="906185" y="726457"/>
+            <a:chExt cx="10924624" cy="3703706"/>
+          </a:xfrm>
+        </p:grpSpPr>
+        <p:pic>
+          <p:nvPicPr>
+            <p:cNvPr id="3" name="그림 2">
+              <a:extLst>
+                <a:ext uri="{FF2B5EF4-FFF2-40B4-BE49-F238E27FC236}">
+                  <a16:creationId xmlns:a16="http://schemas.microsoft.com/office/drawing/2014/main" id="{D39F49DD-AB6F-C444-A483-576E5D66E50F}"/>
+                </a:ext>
+              </a:extLst>
+            </p:cNvPr>
+            <p:cNvPicPr>
+              <a:picLocks noChangeAspect="1"/>
+            </p:cNvPicPr>
+            <p:nvPr/>
+          </p:nvPicPr>
+          <p:blipFill>
+            <a:blip r:embed="rId3"/>
+            <a:stretch>
+              <a:fillRect/>
+            </a:stretch>
+          </p:blipFill>
+          <p:spPr>
+            <a:xfrm>
+              <a:off x="906185" y="1484896"/>
+              <a:ext cx="1955800" cy="1955800"/>
+            </a:xfrm>
+            <a:prstGeom prst="rect">
+              <a:avLst/>
+            </a:prstGeom>
+          </p:spPr>
+        </p:pic>
+        <p:pic>
+          <p:nvPicPr>
+            <p:cNvPr id="6" name="그림 5">
+              <a:extLst>
+                <a:ext uri="{FF2B5EF4-FFF2-40B4-BE49-F238E27FC236}">
+                  <a16:creationId xmlns:a16="http://schemas.microsoft.com/office/drawing/2014/main" id="{A92E312B-F450-194C-ACEC-DF8C130EEF31}"/>
+                </a:ext>
+              </a:extLst>
+            </p:cNvPr>
+            <p:cNvPicPr>
+              <a:picLocks noChangeAspect="1"/>
+            </p:cNvPicPr>
+            <p:nvPr/>
+          </p:nvPicPr>
+          <p:blipFill>
+            <a:blip r:embed="rId4"/>
+            <a:stretch>
+              <a:fillRect/>
+            </a:stretch>
+          </p:blipFill>
+          <p:spPr>
+            <a:xfrm>
+              <a:off x="5658269" y="1721964"/>
+              <a:ext cx="1481665" cy="1481665"/>
+            </a:xfrm>
+            <a:prstGeom prst="rect">
+              <a:avLst/>
+            </a:prstGeom>
+          </p:spPr>
+        </p:pic>
+        <p:pic>
+          <p:nvPicPr>
+            <p:cNvPr id="8" name="그림 7">
+              <a:extLst>
+                <a:ext uri="{FF2B5EF4-FFF2-40B4-BE49-F238E27FC236}">
+                  <a16:creationId xmlns:a16="http://schemas.microsoft.com/office/drawing/2014/main" id="{266AC016-8DF5-A54A-ABD8-FF7A79C2A524}"/>
+                </a:ext>
+              </a:extLst>
+            </p:cNvPr>
+            <p:cNvPicPr>
+              <a:picLocks noChangeAspect="1"/>
+            </p:cNvPicPr>
+            <p:nvPr/>
+          </p:nvPicPr>
+          <p:blipFill>
+            <a:blip r:embed="rId5"/>
+            <a:stretch>
+              <a:fillRect/>
+            </a:stretch>
+          </p:blipFill>
+          <p:spPr>
+            <a:xfrm>
+              <a:off x="9434743" y="1594964"/>
+              <a:ext cx="1735666" cy="1735666"/>
+            </a:xfrm>
+            <a:prstGeom prst="rect">
+              <a:avLst/>
+            </a:prstGeom>
+          </p:spPr>
+        </p:pic>
+        <p:pic>
+          <p:nvPicPr>
+            <p:cNvPr id="29" name="그림 28">
+              <a:extLst>
+                <a:ext uri="{FF2B5EF4-FFF2-40B4-BE49-F238E27FC236}">
+                  <a16:creationId xmlns:a16="http://schemas.microsoft.com/office/drawing/2014/main" id="{49AACB4D-EB3D-614F-8C36-FDB8C102D0A7}"/>
+                </a:ext>
+              </a:extLst>
+            </p:cNvPr>
+            <p:cNvPicPr>
+              <a:picLocks noChangeAspect="1"/>
+            </p:cNvPicPr>
+            <p:nvPr/>
+          </p:nvPicPr>
+          <p:blipFill>
+            <a:blip r:embed="rId5"/>
+            <a:stretch>
+              <a:fillRect/>
+            </a:stretch>
+          </p:blipFill>
+          <p:spPr>
+            <a:xfrm>
+              <a:off x="10095143" y="1594964"/>
+              <a:ext cx="1735666" cy="1735666"/>
+            </a:xfrm>
+            <a:prstGeom prst="rect">
+              <a:avLst/>
+            </a:prstGeom>
+          </p:spPr>
+        </p:pic>
+        <p:sp>
+          <p:nvSpPr>
+            <p:cNvPr id="9" name="오른쪽 화살표[R] 8">
+              <a:extLst>
+                <a:ext uri="{FF2B5EF4-FFF2-40B4-BE49-F238E27FC236}">
+                  <a16:creationId xmlns:a16="http://schemas.microsoft.com/office/drawing/2014/main" id="{8F75F98C-56E1-A248-81CA-A5E376D0F2DD}"/>
+                </a:ext>
+              </a:extLst>
+            </p:cNvPr>
+            <p:cNvSpPr/>
+            <p:nvPr/>
+          </p:nvSpPr>
+          <p:spPr>
+            <a:xfrm>
+              <a:off x="3067109" y="1065796"/>
+              <a:ext cx="2463800" cy="1020232"/>
+            </a:xfrm>
+            <a:prstGeom prst="rightArrow">
+              <a:avLst/>
+            </a:prstGeom>
+            <a:solidFill>
+              <a:schemeClr val="tx1">
+                <a:lumMod val="65000"/>
+                <a:lumOff val="35000"/>
+              </a:schemeClr>
+            </a:solidFill>
+            <a:ln>
+              <a:noFill/>
+            </a:ln>
+          </p:spPr>
+          <p:style>
+            <a:lnRef idx="2">
+              <a:schemeClr val="accent1">
+                <a:shade val="50000"/>
+              </a:schemeClr>
+            </a:lnRef>
+            <a:fillRef idx="1">
+              <a:schemeClr val="accent1"/>
+            </a:fillRef>
+            <a:effectRef idx="0">
+              <a:schemeClr val="accent1"/>
+            </a:effectRef>
+            <a:fontRef idx="minor">
+              <a:schemeClr val="lt1"/>
+            </a:fontRef>
+          </p:style>
+          <p:txBody>
+            <a:bodyPr rtlCol="0" anchor="ctr"/>
+            <a:lstStyle/>
+            <a:p>
+              <a:pPr algn="ctr"/>
+              <a:endParaRPr kumimoji="1" lang="ko-KR" altLang="en-US" dirty="0"/>
+            </a:p>
+          </p:txBody>
+        </p:sp>
+        <p:sp>
+          <p:nvSpPr>
+            <p:cNvPr id="12" name="왼쪽 화살표[L] 11">
+              <a:extLst>
+                <a:ext uri="{FF2B5EF4-FFF2-40B4-BE49-F238E27FC236}">
+                  <a16:creationId xmlns:a16="http://schemas.microsoft.com/office/drawing/2014/main" id="{63E850B4-7106-ED4F-A86B-634B6296B644}"/>
+                </a:ext>
+              </a:extLst>
+            </p:cNvPr>
+            <p:cNvSpPr/>
+            <p:nvPr/>
+          </p:nvSpPr>
+          <p:spPr>
+            <a:xfrm>
+              <a:off x="3067109" y="2655696"/>
+              <a:ext cx="2455333" cy="1041400"/>
+            </a:xfrm>
+            <a:prstGeom prst="leftArrow">
+              <a:avLst/>
+            </a:prstGeom>
+            <a:solidFill>
+              <a:schemeClr val="tx1">
+                <a:lumMod val="65000"/>
+                <a:lumOff val="35000"/>
+              </a:schemeClr>
+            </a:solidFill>
+            <a:ln>
+              <a:noFill/>
+            </a:ln>
+          </p:spPr>
+          <p:style>
+            <a:lnRef idx="2">
+              <a:schemeClr val="accent1">
+                <a:shade val="50000"/>
+              </a:schemeClr>
+            </a:lnRef>
+            <a:fillRef idx="1">
+              <a:schemeClr val="accent1"/>
+            </a:fillRef>
+            <a:effectRef idx="0">
+              <a:schemeClr val="accent1"/>
+            </a:effectRef>
+            <a:fontRef idx="minor">
+              <a:schemeClr val="lt1"/>
+            </a:fontRef>
+          </p:style>
+          <p:txBody>
+            <a:bodyPr rtlCol="0" anchor="ctr"/>
+            <a:lstStyle/>
+            <a:p>
+              <a:pPr algn="ctr"/>
+              <a:endParaRPr kumimoji="1" lang="ko-KR" altLang="en-US"/>
+            </a:p>
+          </p:txBody>
+        </p:sp>
+        <p:sp>
+          <p:nvSpPr>
+            <p:cNvPr id="41" name="오른쪽 화살표[R] 40">
+              <a:extLst>
+                <a:ext uri="{FF2B5EF4-FFF2-40B4-BE49-F238E27FC236}">
+                  <a16:creationId xmlns:a16="http://schemas.microsoft.com/office/drawing/2014/main" id="{92B5517F-E470-5A4C-AF00-AE92FC47A71B}"/>
+                </a:ext>
+              </a:extLst>
+            </p:cNvPr>
+            <p:cNvSpPr/>
+            <p:nvPr/>
+          </p:nvSpPr>
+          <p:spPr>
+            <a:xfrm>
+              <a:off x="7275762" y="1065796"/>
+              <a:ext cx="2463800" cy="1020232"/>
+            </a:xfrm>
+            <a:prstGeom prst="rightArrow">
+              <a:avLst/>
+            </a:prstGeom>
+            <a:solidFill>
+              <a:schemeClr val="tx1">
+                <a:lumMod val="65000"/>
+                <a:lumOff val="35000"/>
+              </a:schemeClr>
+            </a:solidFill>
+            <a:ln>
+              <a:noFill/>
+            </a:ln>
+          </p:spPr>
+          <p:style>
+            <a:lnRef idx="2">
+              <a:schemeClr val="accent1">
+                <a:shade val="50000"/>
+              </a:schemeClr>
+            </a:lnRef>
+            <a:fillRef idx="1">
+              <a:schemeClr val="accent1"/>
+            </a:fillRef>
+            <a:effectRef idx="0">
+              <a:schemeClr val="accent1"/>
+            </a:effectRef>
+            <a:fontRef idx="minor">
+              <a:schemeClr val="lt1"/>
+            </a:fontRef>
+          </p:style>
+          <p:txBody>
+            <a:bodyPr rtlCol="0" anchor="ctr"/>
+            <a:lstStyle/>
+            <a:p>
+              <a:pPr algn="ctr"/>
+              <a:endParaRPr kumimoji="1" lang="ko-KR" altLang="en-US" dirty="0"/>
+            </a:p>
+          </p:txBody>
+        </p:sp>
+        <p:sp>
+          <p:nvSpPr>
+            <p:cNvPr id="43" name="왼쪽 화살표[L] 42">
+              <a:extLst>
+                <a:ext uri="{FF2B5EF4-FFF2-40B4-BE49-F238E27FC236}">
+                  <a16:creationId xmlns:a16="http://schemas.microsoft.com/office/drawing/2014/main" id="{2603EA07-4722-1B41-BBFE-29B9F8072B74}"/>
+                </a:ext>
+              </a:extLst>
+            </p:cNvPr>
+            <p:cNvSpPr/>
+            <p:nvPr/>
+          </p:nvSpPr>
+          <p:spPr>
+            <a:xfrm>
+              <a:off x="7275762" y="2655696"/>
+              <a:ext cx="2455333" cy="1041400"/>
+            </a:xfrm>
+            <a:prstGeom prst="leftArrow">
+              <a:avLst/>
+            </a:prstGeom>
+            <a:solidFill>
+              <a:schemeClr val="tx1">
+                <a:lumMod val="65000"/>
+                <a:lumOff val="35000"/>
+              </a:schemeClr>
+            </a:solidFill>
+            <a:ln>
+              <a:noFill/>
+            </a:ln>
+          </p:spPr>
+          <p:style>
+            <a:lnRef idx="2">
+              <a:schemeClr val="accent1">
+                <a:shade val="50000"/>
+              </a:schemeClr>
+            </a:lnRef>
+            <a:fillRef idx="1">
+              <a:schemeClr val="accent1"/>
+            </a:fillRef>
+            <a:effectRef idx="0">
+              <a:schemeClr val="accent1"/>
+            </a:effectRef>
+            <a:fontRef idx="minor">
+              <a:schemeClr val="lt1"/>
+            </a:fontRef>
+          </p:style>
+          <p:txBody>
+            <a:bodyPr rtlCol="0" anchor="ctr"/>
+            <a:lstStyle/>
+            <a:p>
+              <a:pPr algn="ctr"/>
+              <a:endParaRPr kumimoji="1" lang="ko-KR" altLang="en-US"/>
+            </a:p>
+          </p:txBody>
+        </p:sp>
+        <p:sp>
+          <p:nvSpPr>
+            <p:cNvPr id="2" name="TextBox 1">
+              <a:extLst>
+                <a:ext uri="{FF2B5EF4-FFF2-40B4-BE49-F238E27FC236}">
+                  <a16:creationId xmlns:a16="http://schemas.microsoft.com/office/drawing/2014/main" id="{C8182D59-3AB2-914F-8AD1-8DC3F789A089}"/>
+                </a:ext>
+              </a:extLst>
+            </p:cNvPr>
+            <p:cNvSpPr txBox="1"/>
+            <p:nvPr/>
+          </p:nvSpPr>
+          <p:spPr>
+            <a:xfrm>
+              <a:off x="5573395" y="3193099"/>
+              <a:ext cx="1651414" cy="369332"/>
+            </a:xfrm>
+            <a:prstGeom prst="rect">
+              <a:avLst/>
+            </a:prstGeom>
+            <a:noFill/>
+          </p:spPr>
+          <p:txBody>
+            <a:bodyPr wrap="none" rtlCol="0">
+              <a:spAutoFit/>
+            </a:bodyPr>
+            <a:lstStyle/>
+            <a:p>
+              <a:r>
+                <a:rPr kumimoji="1" lang="ko-KR" altLang="en-US" dirty="0"/>
+                <a:t>멍청한 프록시</a:t>
+              </a:r>
+            </a:p>
+          </p:txBody>
+        </p:sp>
+        <p:sp>
+          <p:nvSpPr>
+            <p:cNvPr id="14" name="TextBox 13">
+              <a:extLst>
+                <a:ext uri="{FF2B5EF4-FFF2-40B4-BE49-F238E27FC236}">
+                  <a16:creationId xmlns:a16="http://schemas.microsoft.com/office/drawing/2014/main" id="{AAA19E3E-A085-F84C-A9B0-1AE3D7E2E9BF}"/>
+                </a:ext>
+              </a:extLst>
+            </p:cNvPr>
+            <p:cNvSpPr txBox="1"/>
+            <p:nvPr/>
+          </p:nvSpPr>
+          <p:spPr>
+            <a:xfrm>
+              <a:off x="2950237" y="726457"/>
+              <a:ext cx="3178947" cy="338554"/>
+            </a:xfrm>
+            <a:prstGeom prst="rect">
+              <a:avLst/>
+            </a:prstGeom>
+            <a:noFill/>
+          </p:spPr>
+          <p:txBody>
+            <a:bodyPr wrap="none" rtlCol="0">
+              <a:spAutoFit/>
+            </a:bodyPr>
+            <a:lstStyle/>
+            <a:p>
+              <a:r>
+                <a:rPr kumimoji="1" lang="en-US" altLang="ko-KR" sz="1600" dirty="0"/>
+                <a:t>1.</a:t>
+              </a:r>
+              <a:r>
+                <a:rPr kumimoji="1" lang="ko-KR" altLang="en-US" sz="1600" dirty="0"/>
+                <a:t> </a:t>
+              </a:r>
+              <a:r>
+                <a:rPr kumimoji="1" lang="en-US" altLang="ko-KR" sz="1600" dirty="0"/>
+                <a:t>Proxy-Connection: Keep-Alive</a:t>
+              </a:r>
+              <a:endParaRPr kumimoji="1" lang="ko-KR" altLang="en-US" sz="1600" dirty="0"/>
+            </a:p>
+          </p:txBody>
+        </p:sp>
+        <p:sp>
+          <p:nvSpPr>
+            <p:cNvPr id="15" name="TextBox 14">
+              <a:extLst>
+                <a:ext uri="{FF2B5EF4-FFF2-40B4-BE49-F238E27FC236}">
+                  <a16:creationId xmlns:a16="http://schemas.microsoft.com/office/drawing/2014/main" id="{42CBD5EE-E765-B446-859F-05974920E70D}"/>
+                </a:ext>
+              </a:extLst>
+            </p:cNvPr>
+            <p:cNvSpPr txBox="1"/>
+            <p:nvPr/>
+          </p:nvSpPr>
+          <p:spPr>
+            <a:xfrm>
+              <a:off x="7208522" y="726457"/>
+              <a:ext cx="3178947" cy="338554"/>
+            </a:xfrm>
+            <a:prstGeom prst="rect">
+              <a:avLst/>
+            </a:prstGeom>
+            <a:noFill/>
+          </p:spPr>
+          <p:txBody>
+            <a:bodyPr wrap="none" rtlCol="0">
+              <a:spAutoFit/>
+            </a:bodyPr>
+            <a:lstStyle/>
+            <a:p>
+              <a:r>
+                <a:rPr kumimoji="1" lang="en-US" altLang="ko-KR" sz="1600" dirty="0"/>
+                <a:t>2.</a:t>
+              </a:r>
+              <a:r>
+                <a:rPr kumimoji="1" lang="ko-KR" altLang="en-US" sz="1600" dirty="0"/>
+                <a:t> </a:t>
+              </a:r>
+              <a:r>
+                <a:rPr kumimoji="1" lang="en-US" altLang="ko-KR" sz="1600" dirty="0"/>
+                <a:t>Proxy-Connection: Keep-Alive</a:t>
+              </a:r>
+              <a:endParaRPr kumimoji="1" lang="ko-KR" altLang="en-US" sz="1600" dirty="0"/>
+            </a:p>
+          </p:txBody>
+        </p:sp>
+        <p:sp>
+          <p:nvSpPr>
+            <p:cNvPr id="16" name="TextBox 15">
+              <a:extLst>
+                <a:ext uri="{FF2B5EF4-FFF2-40B4-BE49-F238E27FC236}">
+                  <a16:creationId xmlns:a16="http://schemas.microsoft.com/office/drawing/2014/main" id="{546C5FEF-3259-1E44-B28C-8650E4F14FF6}"/>
+                </a:ext>
+              </a:extLst>
+            </p:cNvPr>
+            <p:cNvSpPr txBox="1"/>
+            <p:nvPr/>
+          </p:nvSpPr>
+          <p:spPr>
+            <a:xfrm>
+              <a:off x="7206820" y="3691499"/>
+              <a:ext cx="4354910" cy="738664"/>
+            </a:xfrm>
+            <a:prstGeom prst="rect">
+              <a:avLst/>
+            </a:prstGeom>
+            <a:noFill/>
+          </p:spPr>
+          <p:txBody>
+            <a:bodyPr wrap="none" rtlCol="0">
+              <a:spAutoFit/>
+            </a:bodyPr>
+            <a:lstStyle/>
+            <a:p>
+              <a:r>
+                <a:rPr kumimoji="1" lang="en-US" altLang="ko-KR" sz="1600" dirty="0"/>
+                <a:t>3.</a:t>
+              </a:r>
+              <a:r>
+                <a:rPr kumimoji="1" lang="ko-KR" altLang="en-US" sz="1600" dirty="0"/>
+                <a:t> </a:t>
+              </a:r>
+              <a:r>
+                <a:rPr kumimoji="1" lang="en-US" altLang="ko-KR" sz="1600" dirty="0"/>
+                <a:t>Connection</a:t>
+              </a:r>
+              <a:r>
+                <a:rPr kumimoji="1" lang="ko-KR" altLang="en-US" sz="1600" dirty="0"/>
+                <a:t> 헤더 없음</a:t>
+              </a:r>
+              <a:endParaRPr kumimoji="1" lang="en-US" altLang="ko-KR" sz="1600" dirty="0"/>
+            </a:p>
+            <a:p>
+              <a:endParaRPr kumimoji="1" lang="en-US" altLang="ko-KR" sz="1000" dirty="0"/>
+            </a:p>
+            <a:p>
+              <a:r>
+                <a:rPr kumimoji="1" lang="ko-KR" altLang="en-US" sz="1600" dirty="0"/>
+                <a:t>서버는 </a:t>
+              </a:r>
+              <a:r>
+                <a:rPr kumimoji="1" lang="en-US" altLang="ko-KR" sz="1600" dirty="0"/>
+                <a:t>Proxy-Connection</a:t>
+              </a:r>
+              <a:r>
+                <a:rPr kumimoji="1" lang="ko-KR" altLang="en-US" sz="1600" dirty="0"/>
+                <a:t> 헤더를 무시합니다</a:t>
+              </a:r>
+              <a:r>
+                <a:rPr kumimoji="1" lang="en-US" altLang="ko-KR" sz="1600" dirty="0"/>
+                <a:t>.</a:t>
+              </a:r>
+              <a:endParaRPr kumimoji="1" lang="ko-KR" altLang="en-US" sz="1600" dirty="0"/>
+            </a:p>
+          </p:txBody>
+        </p:sp>
+        <p:sp>
+          <p:nvSpPr>
+            <p:cNvPr id="19" name="TextBox 18">
+              <a:extLst>
+                <a:ext uri="{FF2B5EF4-FFF2-40B4-BE49-F238E27FC236}">
+                  <a16:creationId xmlns:a16="http://schemas.microsoft.com/office/drawing/2014/main" id="{E9A86587-9E0D-9E4F-BE70-DA93683040C6}"/>
+                </a:ext>
+              </a:extLst>
+            </p:cNvPr>
+            <p:cNvSpPr txBox="1"/>
+            <p:nvPr/>
+          </p:nvSpPr>
+          <p:spPr>
+            <a:xfrm>
+              <a:off x="2999869" y="3697096"/>
+              <a:ext cx="2443298" cy="338554"/>
+            </a:xfrm>
+            <a:prstGeom prst="rect">
+              <a:avLst/>
+            </a:prstGeom>
+            <a:noFill/>
+          </p:spPr>
+          <p:txBody>
+            <a:bodyPr wrap="none" rtlCol="0">
+              <a:spAutoFit/>
+            </a:bodyPr>
+            <a:lstStyle/>
+            <a:p>
+              <a:r>
+                <a:rPr kumimoji="1" lang="en-US" altLang="ko-KR" sz="1600" dirty="0"/>
+                <a:t>4.</a:t>
+              </a:r>
+              <a:r>
+                <a:rPr kumimoji="1" lang="ko-KR" altLang="en-US" sz="1600" dirty="0"/>
+                <a:t> </a:t>
+              </a:r>
+              <a:r>
+                <a:rPr kumimoji="1" lang="en-US" altLang="ko-KR" sz="1600" dirty="0"/>
+                <a:t>Connection</a:t>
+              </a:r>
+              <a:r>
+                <a:rPr kumimoji="1" lang="ko-KR" altLang="en-US" sz="1600" dirty="0"/>
+                <a:t> 헤더 없음</a:t>
+              </a:r>
+            </a:p>
+          </p:txBody>
+        </p:sp>
+      </p:grpSp>
+    </p:spTree>
+    <p:extLst>
+      <p:ext uri="{BB962C8B-B14F-4D97-AF65-F5344CB8AC3E}">
+        <p14:creationId xmlns:p14="http://schemas.microsoft.com/office/powerpoint/2010/main" val="2607960695"/>
+      </p:ext>
+    </p:extLst>
+  </p:cSld>
+  <p:clrMapOvr>
+    <a:masterClrMapping/>
+  </p:clrMapOvr>
+</p:sld>
+</file>
+
+<file path=ppt/slides/slide21.xml><?xml version="1.0" encoding="utf-8"?>
+<p:sld xmlns:a="http://schemas.openxmlformats.org/drawingml/2006/main" xmlns:r="http://schemas.openxmlformats.org/officeDocument/2006/relationships" xmlns:p="http://schemas.openxmlformats.org/presentationml/2006/main">
+  <p:cSld>
+    <p:spTree>
+      <p:nvGrpSpPr>
+        <p:cNvPr id="1" name=""/>
+        <p:cNvGrpSpPr/>
+        <p:nvPr/>
+      </p:nvGrpSpPr>
+      <p:grpSpPr>
+        <a:xfrm>
+          <a:off x="0" y="0"/>
+          <a:ext cx="0" cy="0"/>
+          <a:chOff x="0" y="0"/>
+          <a:chExt cx="0" cy="0"/>
+        </a:xfrm>
+      </p:grpSpPr>
+      <p:grpSp>
+        <p:nvGrpSpPr>
+          <p:cNvPr id="5" name="그룹 4">
+            <a:extLst>
+              <a:ext uri="{FF2B5EF4-FFF2-40B4-BE49-F238E27FC236}">
+                <a16:creationId xmlns:a16="http://schemas.microsoft.com/office/drawing/2014/main" id="{5D8872FB-94DE-CF4F-8C21-6F80A381A8F8}"/>
+              </a:ext>
+            </a:extLst>
+          </p:cNvPr>
+          <p:cNvGrpSpPr/>
+          <p:nvPr/>
+        </p:nvGrpSpPr>
+        <p:grpSpPr>
+          <a:xfrm>
+            <a:off x="906185" y="80126"/>
+            <a:ext cx="10924624" cy="3955524"/>
+            <a:chOff x="906185" y="80126"/>
+            <a:chExt cx="10924624" cy="3955524"/>
+          </a:xfrm>
+        </p:grpSpPr>
+        <p:pic>
+          <p:nvPicPr>
+            <p:cNvPr id="3" name="그림 2">
+              <a:extLst>
+                <a:ext uri="{FF2B5EF4-FFF2-40B4-BE49-F238E27FC236}">
+                  <a16:creationId xmlns:a16="http://schemas.microsoft.com/office/drawing/2014/main" id="{D39F49DD-AB6F-C444-A483-576E5D66E50F}"/>
+                </a:ext>
+              </a:extLst>
+            </p:cNvPr>
+            <p:cNvPicPr>
+              <a:picLocks noChangeAspect="1"/>
+            </p:cNvPicPr>
+            <p:nvPr/>
+          </p:nvPicPr>
+          <p:blipFill>
+            <a:blip r:embed="rId3"/>
+            <a:stretch>
+              <a:fillRect/>
+            </a:stretch>
+          </p:blipFill>
+          <p:spPr>
+            <a:xfrm>
+              <a:off x="906185" y="1484896"/>
+              <a:ext cx="1955800" cy="1955800"/>
+            </a:xfrm>
+            <a:prstGeom prst="rect">
+              <a:avLst/>
+            </a:prstGeom>
+          </p:spPr>
+        </p:pic>
+        <p:pic>
+          <p:nvPicPr>
+            <p:cNvPr id="6" name="그림 5">
+              <a:extLst>
+                <a:ext uri="{FF2B5EF4-FFF2-40B4-BE49-F238E27FC236}">
+                  <a16:creationId xmlns:a16="http://schemas.microsoft.com/office/drawing/2014/main" id="{A92E312B-F450-194C-ACEC-DF8C130EEF31}"/>
+                </a:ext>
+              </a:extLst>
+            </p:cNvPr>
+            <p:cNvPicPr>
+              <a:picLocks noChangeAspect="1"/>
+            </p:cNvPicPr>
+            <p:nvPr/>
+          </p:nvPicPr>
+          <p:blipFill>
+            <a:blip r:embed="rId4"/>
+            <a:stretch>
+              <a:fillRect/>
+            </a:stretch>
+          </p:blipFill>
+          <p:spPr>
+            <a:xfrm>
+              <a:off x="5658269" y="1721964"/>
+              <a:ext cx="1481665" cy="1481665"/>
+            </a:xfrm>
+            <a:prstGeom prst="rect">
+              <a:avLst/>
+            </a:prstGeom>
+          </p:spPr>
+        </p:pic>
+        <p:pic>
+          <p:nvPicPr>
+            <p:cNvPr id="8" name="그림 7">
+              <a:extLst>
+                <a:ext uri="{FF2B5EF4-FFF2-40B4-BE49-F238E27FC236}">
+                  <a16:creationId xmlns:a16="http://schemas.microsoft.com/office/drawing/2014/main" id="{266AC016-8DF5-A54A-ABD8-FF7A79C2A524}"/>
+                </a:ext>
+              </a:extLst>
+            </p:cNvPr>
+            <p:cNvPicPr>
+              <a:picLocks noChangeAspect="1"/>
+            </p:cNvPicPr>
+            <p:nvPr/>
+          </p:nvPicPr>
+          <p:blipFill>
+            <a:blip r:embed="rId5"/>
+            <a:stretch>
+              <a:fillRect/>
+            </a:stretch>
+          </p:blipFill>
+          <p:spPr>
+            <a:xfrm>
+              <a:off x="9434743" y="1594964"/>
+              <a:ext cx="1735666" cy="1735666"/>
+            </a:xfrm>
+            <a:prstGeom prst="rect">
+              <a:avLst/>
+            </a:prstGeom>
+          </p:spPr>
+        </p:pic>
+        <p:pic>
+          <p:nvPicPr>
+            <p:cNvPr id="29" name="그림 28">
+              <a:extLst>
+                <a:ext uri="{FF2B5EF4-FFF2-40B4-BE49-F238E27FC236}">
+                  <a16:creationId xmlns:a16="http://schemas.microsoft.com/office/drawing/2014/main" id="{49AACB4D-EB3D-614F-8C36-FDB8C102D0A7}"/>
+                </a:ext>
+              </a:extLst>
+            </p:cNvPr>
+            <p:cNvPicPr>
+              <a:picLocks noChangeAspect="1"/>
+            </p:cNvPicPr>
+            <p:nvPr/>
+          </p:nvPicPr>
+          <p:blipFill>
+            <a:blip r:embed="rId5"/>
+            <a:stretch>
+              <a:fillRect/>
+            </a:stretch>
+          </p:blipFill>
+          <p:spPr>
+            <a:xfrm>
+              <a:off x="10095143" y="1594964"/>
+              <a:ext cx="1735666" cy="1735666"/>
+            </a:xfrm>
+            <a:prstGeom prst="rect">
+              <a:avLst/>
+            </a:prstGeom>
+          </p:spPr>
+        </p:pic>
+        <p:sp>
+          <p:nvSpPr>
+            <p:cNvPr id="9" name="오른쪽 화살표[R] 8">
+              <a:extLst>
+                <a:ext uri="{FF2B5EF4-FFF2-40B4-BE49-F238E27FC236}">
+                  <a16:creationId xmlns:a16="http://schemas.microsoft.com/office/drawing/2014/main" id="{8F75F98C-56E1-A248-81CA-A5E376D0F2DD}"/>
+                </a:ext>
+              </a:extLst>
+            </p:cNvPr>
+            <p:cNvSpPr/>
+            <p:nvPr/>
+          </p:nvSpPr>
+          <p:spPr>
+            <a:xfrm>
+              <a:off x="3067109" y="1065796"/>
+              <a:ext cx="2463800" cy="1020232"/>
+            </a:xfrm>
+            <a:prstGeom prst="rightArrow">
+              <a:avLst/>
+            </a:prstGeom>
+            <a:solidFill>
+              <a:schemeClr val="tx1">
+                <a:lumMod val="65000"/>
+                <a:lumOff val="35000"/>
+              </a:schemeClr>
+            </a:solidFill>
+            <a:ln>
+              <a:noFill/>
+            </a:ln>
+          </p:spPr>
+          <p:style>
+            <a:lnRef idx="2">
+              <a:schemeClr val="accent1">
+                <a:shade val="50000"/>
+              </a:schemeClr>
+            </a:lnRef>
+            <a:fillRef idx="1">
+              <a:schemeClr val="accent1"/>
+            </a:fillRef>
+            <a:effectRef idx="0">
+              <a:schemeClr val="accent1"/>
+            </a:effectRef>
+            <a:fontRef idx="minor">
+              <a:schemeClr val="lt1"/>
+            </a:fontRef>
+          </p:style>
+          <p:txBody>
+            <a:bodyPr rtlCol="0" anchor="ctr"/>
+            <a:lstStyle/>
+            <a:p>
+              <a:pPr algn="ctr"/>
+              <a:endParaRPr kumimoji="1" lang="ko-KR" altLang="en-US" dirty="0"/>
+            </a:p>
+          </p:txBody>
+        </p:sp>
+        <p:sp>
+          <p:nvSpPr>
+            <p:cNvPr id="12" name="왼쪽 화살표[L] 11">
+              <a:extLst>
+                <a:ext uri="{FF2B5EF4-FFF2-40B4-BE49-F238E27FC236}">
+                  <a16:creationId xmlns:a16="http://schemas.microsoft.com/office/drawing/2014/main" id="{63E850B4-7106-ED4F-A86B-634B6296B644}"/>
+                </a:ext>
+              </a:extLst>
+            </p:cNvPr>
+            <p:cNvSpPr/>
+            <p:nvPr/>
+          </p:nvSpPr>
+          <p:spPr>
+            <a:xfrm>
+              <a:off x="3067109" y="2655696"/>
+              <a:ext cx="2455333" cy="1041400"/>
+            </a:xfrm>
+            <a:prstGeom prst="leftArrow">
+              <a:avLst/>
+            </a:prstGeom>
+            <a:solidFill>
+              <a:schemeClr val="tx1">
+                <a:lumMod val="65000"/>
+                <a:lumOff val="35000"/>
+              </a:schemeClr>
+            </a:solidFill>
+            <a:ln>
+              <a:noFill/>
+            </a:ln>
+          </p:spPr>
+          <p:style>
+            <a:lnRef idx="2">
+              <a:schemeClr val="accent1">
+                <a:shade val="50000"/>
+              </a:schemeClr>
+            </a:lnRef>
+            <a:fillRef idx="1">
+              <a:schemeClr val="accent1"/>
+            </a:fillRef>
+            <a:effectRef idx="0">
+              <a:schemeClr val="accent1"/>
+            </a:effectRef>
+            <a:fontRef idx="minor">
+              <a:schemeClr val="lt1"/>
+            </a:fontRef>
+          </p:style>
+          <p:txBody>
+            <a:bodyPr rtlCol="0" anchor="ctr"/>
+            <a:lstStyle/>
+            <a:p>
+              <a:pPr algn="ctr"/>
+              <a:endParaRPr kumimoji="1" lang="ko-KR" altLang="en-US"/>
+            </a:p>
+          </p:txBody>
+        </p:sp>
+        <p:sp>
+          <p:nvSpPr>
+            <p:cNvPr id="41" name="오른쪽 화살표[R] 40">
+              <a:extLst>
+                <a:ext uri="{FF2B5EF4-FFF2-40B4-BE49-F238E27FC236}">
+                  <a16:creationId xmlns:a16="http://schemas.microsoft.com/office/drawing/2014/main" id="{92B5517F-E470-5A4C-AF00-AE92FC47A71B}"/>
+                </a:ext>
+              </a:extLst>
+            </p:cNvPr>
+            <p:cNvSpPr/>
+            <p:nvPr/>
+          </p:nvSpPr>
+          <p:spPr>
+            <a:xfrm>
+              <a:off x="7275762" y="1065796"/>
+              <a:ext cx="2463800" cy="1020232"/>
+            </a:xfrm>
+            <a:prstGeom prst="rightArrow">
+              <a:avLst/>
+            </a:prstGeom>
+            <a:solidFill>
+              <a:schemeClr val="tx1">
+                <a:lumMod val="65000"/>
+                <a:lumOff val="35000"/>
+              </a:schemeClr>
+            </a:solidFill>
+            <a:ln>
+              <a:noFill/>
+            </a:ln>
+          </p:spPr>
+          <p:style>
+            <a:lnRef idx="2">
+              <a:schemeClr val="accent1">
+                <a:shade val="50000"/>
+              </a:schemeClr>
+            </a:lnRef>
+            <a:fillRef idx="1">
+              <a:schemeClr val="accent1"/>
+            </a:fillRef>
+            <a:effectRef idx="0">
+              <a:schemeClr val="accent1"/>
+            </a:effectRef>
+            <a:fontRef idx="minor">
+              <a:schemeClr val="lt1"/>
+            </a:fontRef>
+          </p:style>
+          <p:txBody>
+            <a:bodyPr rtlCol="0" anchor="ctr"/>
+            <a:lstStyle/>
+            <a:p>
+              <a:pPr algn="ctr"/>
+              <a:endParaRPr kumimoji="1" lang="ko-KR" altLang="en-US" dirty="0"/>
+            </a:p>
+          </p:txBody>
+        </p:sp>
+        <p:sp>
+          <p:nvSpPr>
+            <p:cNvPr id="43" name="왼쪽 화살표[L] 42">
+              <a:extLst>
+                <a:ext uri="{FF2B5EF4-FFF2-40B4-BE49-F238E27FC236}">
+                  <a16:creationId xmlns:a16="http://schemas.microsoft.com/office/drawing/2014/main" id="{2603EA07-4722-1B41-BBFE-29B9F8072B74}"/>
+                </a:ext>
+              </a:extLst>
+            </p:cNvPr>
+            <p:cNvSpPr/>
+            <p:nvPr/>
+          </p:nvSpPr>
+          <p:spPr>
+            <a:xfrm>
+              <a:off x="7275762" y="2655696"/>
+              <a:ext cx="2455333" cy="1041400"/>
+            </a:xfrm>
+            <a:prstGeom prst="leftArrow">
+              <a:avLst/>
+            </a:prstGeom>
+            <a:solidFill>
+              <a:schemeClr val="tx1">
+                <a:lumMod val="65000"/>
+                <a:lumOff val="35000"/>
+              </a:schemeClr>
+            </a:solidFill>
+            <a:ln>
+              <a:noFill/>
+            </a:ln>
+          </p:spPr>
+          <p:style>
+            <a:lnRef idx="2">
+              <a:schemeClr val="accent1">
+                <a:shade val="50000"/>
+              </a:schemeClr>
+            </a:lnRef>
+            <a:fillRef idx="1">
+              <a:schemeClr val="accent1"/>
+            </a:fillRef>
+            <a:effectRef idx="0">
+              <a:schemeClr val="accent1"/>
+            </a:effectRef>
+            <a:fontRef idx="minor">
+              <a:schemeClr val="lt1"/>
+            </a:fontRef>
+          </p:style>
+          <p:txBody>
+            <a:bodyPr rtlCol="0" anchor="ctr"/>
+            <a:lstStyle/>
+            <a:p>
+              <a:pPr algn="ctr"/>
+              <a:endParaRPr kumimoji="1" lang="ko-KR" altLang="en-US"/>
+            </a:p>
+          </p:txBody>
+        </p:sp>
+        <p:sp>
+          <p:nvSpPr>
+            <p:cNvPr id="2" name="TextBox 1">
+              <a:extLst>
+                <a:ext uri="{FF2B5EF4-FFF2-40B4-BE49-F238E27FC236}">
+                  <a16:creationId xmlns:a16="http://schemas.microsoft.com/office/drawing/2014/main" id="{C8182D59-3AB2-914F-8AD1-8DC3F789A089}"/>
+                </a:ext>
+              </a:extLst>
+            </p:cNvPr>
+            <p:cNvSpPr txBox="1"/>
+            <p:nvPr/>
+          </p:nvSpPr>
+          <p:spPr>
+            <a:xfrm>
+              <a:off x="5573395" y="3193099"/>
+              <a:ext cx="1651414" cy="369332"/>
+            </a:xfrm>
+            <a:prstGeom prst="rect">
+              <a:avLst/>
+            </a:prstGeom>
+            <a:noFill/>
+          </p:spPr>
+          <p:txBody>
+            <a:bodyPr wrap="none" rtlCol="0">
+              <a:spAutoFit/>
+            </a:bodyPr>
+            <a:lstStyle/>
+            <a:p>
+              <a:r>
+                <a:rPr kumimoji="1" lang="ko-KR" altLang="en-US" dirty="0"/>
+                <a:t>영리한 프록시</a:t>
+              </a:r>
+            </a:p>
+          </p:txBody>
+        </p:sp>
+        <p:sp>
+          <p:nvSpPr>
+            <p:cNvPr id="14" name="TextBox 13">
+              <a:extLst>
+                <a:ext uri="{FF2B5EF4-FFF2-40B4-BE49-F238E27FC236}">
+                  <a16:creationId xmlns:a16="http://schemas.microsoft.com/office/drawing/2014/main" id="{AAA19E3E-A085-F84C-A9B0-1AE3D7E2E9BF}"/>
+                </a:ext>
+              </a:extLst>
+            </p:cNvPr>
+            <p:cNvSpPr txBox="1"/>
+            <p:nvPr/>
+          </p:nvSpPr>
+          <p:spPr>
+            <a:xfrm>
+              <a:off x="2950237" y="726457"/>
+              <a:ext cx="3178947" cy="338554"/>
+            </a:xfrm>
+            <a:prstGeom prst="rect">
+              <a:avLst/>
+            </a:prstGeom>
+            <a:noFill/>
+          </p:spPr>
+          <p:txBody>
+            <a:bodyPr wrap="none" rtlCol="0">
+              <a:spAutoFit/>
+            </a:bodyPr>
+            <a:lstStyle/>
+            <a:p>
+              <a:r>
+                <a:rPr kumimoji="1" lang="en-US" altLang="ko-KR" sz="1600" dirty="0"/>
+                <a:t>1.</a:t>
+              </a:r>
+              <a:r>
+                <a:rPr kumimoji="1" lang="ko-KR" altLang="en-US" sz="1600" dirty="0"/>
+                <a:t> </a:t>
+              </a:r>
+              <a:r>
+                <a:rPr kumimoji="1" lang="en-US" altLang="ko-KR" sz="1600" dirty="0"/>
+                <a:t>Proxy-Connection: Keep-Alive</a:t>
+              </a:r>
+              <a:endParaRPr kumimoji="1" lang="ko-KR" altLang="en-US" sz="1600" dirty="0"/>
+            </a:p>
+          </p:txBody>
+        </p:sp>
+        <p:sp>
+          <p:nvSpPr>
+            <p:cNvPr id="15" name="TextBox 14">
+              <a:extLst>
+                <a:ext uri="{FF2B5EF4-FFF2-40B4-BE49-F238E27FC236}">
+                  <a16:creationId xmlns:a16="http://schemas.microsoft.com/office/drawing/2014/main" id="{42CBD5EE-E765-B446-859F-05974920E70D}"/>
+                </a:ext>
+              </a:extLst>
+            </p:cNvPr>
+            <p:cNvSpPr txBox="1"/>
+            <p:nvPr/>
+          </p:nvSpPr>
+          <p:spPr>
+            <a:xfrm>
+              <a:off x="7206820" y="80126"/>
+              <a:ext cx="4189608" cy="984885"/>
+            </a:xfrm>
+            <a:prstGeom prst="rect">
+              <a:avLst/>
+            </a:prstGeom>
+            <a:noFill/>
+          </p:spPr>
+          <p:txBody>
+            <a:bodyPr wrap="none" rtlCol="0">
+              <a:spAutoFit/>
+            </a:bodyPr>
+            <a:lstStyle/>
+            <a:p>
+              <a:r>
+                <a:rPr kumimoji="1" lang="en-US" altLang="ko-KR" sz="1600" dirty="0"/>
+                <a:t>2.</a:t>
+              </a:r>
+              <a:r>
+                <a:rPr kumimoji="1" lang="ko-KR" altLang="en-US" sz="1600" dirty="0"/>
+                <a:t> </a:t>
+              </a:r>
+              <a:r>
+                <a:rPr kumimoji="1" lang="en-US" altLang="ko-KR" sz="1600" dirty="0"/>
+                <a:t>Connection: Keep-Alive</a:t>
+              </a:r>
+            </a:p>
+            <a:p>
+              <a:endParaRPr kumimoji="1" lang="en-US" altLang="ko-KR" sz="1000" dirty="0"/>
+            </a:p>
+            <a:p>
+              <a:r>
+                <a:rPr kumimoji="1" lang="en-US" altLang="ko-KR" sz="1600" dirty="0"/>
+                <a:t>Proxy-Connection</a:t>
+              </a:r>
+              <a:r>
+                <a:rPr kumimoji="1" lang="ko-KR" altLang="en-US" sz="1600" dirty="0"/>
+                <a:t> 헤더를 인식하고</a:t>
+              </a:r>
+              <a:r>
+                <a:rPr kumimoji="1" lang="en-US" altLang="ko-KR" sz="1600" dirty="0"/>
+                <a:t> </a:t>
+              </a:r>
+              <a:r>
+                <a:rPr kumimoji="1" lang="ko-KR" altLang="en-US" sz="1600" dirty="0"/>
+                <a:t>서버로</a:t>
+              </a:r>
+              <a:endParaRPr kumimoji="1" lang="en-US" altLang="ko-KR" sz="1600" dirty="0"/>
+            </a:p>
+            <a:p>
+              <a:r>
+                <a:rPr kumimoji="1" lang="en-US" altLang="ko-KR" sz="1600" dirty="0"/>
+                <a:t>Connection: Keep-Alive </a:t>
+              </a:r>
+              <a:r>
+                <a:rPr kumimoji="1" lang="ko-KR" altLang="en-US" sz="1600" dirty="0"/>
+                <a:t>헤더를 전달합니다</a:t>
+              </a:r>
+              <a:r>
+                <a:rPr kumimoji="1" lang="en-US" altLang="ko-KR" sz="1600" dirty="0"/>
+                <a:t>.</a:t>
+              </a:r>
+              <a:endParaRPr kumimoji="1" lang="ko-KR" altLang="en-US" sz="1600" dirty="0"/>
+            </a:p>
+          </p:txBody>
+        </p:sp>
+        <p:sp>
+          <p:nvSpPr>
+            <p:cNvPr id="16" name="TextBox 15">
+              <a:extLst>
+                <a:ext uri="{FF2B5EF4-FFF2-40B4-BE49-F238E27FC236}">
+                  <a16:creationId xmlns:a16="http://schemas.microsoft.com/office/drawing/2014/main" id="{546C5FEF-3259-1E44-B28C-8650E4F14FF6}"/>
+                </a:ext>
+              </a:extLst>
+            </p:cNvPr>
+            <p:cNvSpPr txBox="1"/>
+            <p:nvPr/>
+          </p:nvSpPr>
+          <p:spPr>
+            <a:xfrm>
+              <a:off x="7206820" y="3691499"/>
+              <a:ext cx="2589812" cy="338554"/>
+            </a:xfrm>
+            <a:prstGeom prst="rect">
+              <a:avLst/>
+            </a:prstGeom>
+            <a:noFill/>
+          </p:spPr>
+          <p:txBody>
+            <a:bodyPr wrap="none" rtlCol="0">
+              <a:spAutoFit/>
+            </a:bodyPr>
+            <a:lstStyle/>
+            <a:p>
+              <a:r>
+                <a:rPr kumimoji="1" lang="en-US" altLang="ko-KR" sz="1600" dirty="0"/>
+                <a:t>3.</a:t>
+              </a:r>
+              <a:r>
+                <a:rPr kumimoji="1" lang="ko-KR" altLang="en-US" sz="1600" dirty="0"/>
+                <a:t> </a:t>
+              </a:r>
+              <a:r>
+                <a:rPr kumimoji="1" lang="en-US" altLang="ko-KR" sz="1600" dirty="0"/>
+                <a:t>Connection:</a:t>
+              </a:r>
+              <a:r>
+                <a:rPr kumimoji="1" lang="ko-KR" altLang="en-US" sz="1600" dirty="0"/>
+                <a:t> </a:t>
+              </a:r>
+              <a:r>
+                <a:rPr kumimoji="1" lang="en-US" altLang="ko-KR" sz="1600" dirty="0"/>
+                <a:t>Keep-Alive</a:t>
+              </a:r>
+            </a:p>
+          </p:txBody>
+        </p:sp>
+        <p:sp>
+          <p:nvSpPr>
+            <p:cNvPr id="19" name="TextBox 18">
+              <a:extLst>
+                <a:ext uri="{FF2B5EF4-FFF2-40B4-BE49-F238E27FC236}">
+                  <a16:creationId xmlns:a16="http://schemas.microsoft.com/office/drawing/2014/main" id="{E9A86587-9E0D-9E4F-BE70-DA93683040C6}"/>
+                </a:ext>
+              </a:extLst>
+            </p:cNvPr>
+            <p:cNvSpPr txBox="1"/>
+            <p:nvPr/>
+          </p:nvSpPr>
+          <p:spPr>
+            <a:xfrm>
+              <a:off x="2999869" y="3697096"/>
+              <a:ext cx="2589812" cy="338554"/>
+            </a:xfrm>
+            <a:prstGeom prst="rect">
+              <a:avLst/>
+            </a:prstGeom>
+            <a:noFill/>
+          </p:spPr>
+          <p:txBody>
+            <a:bodyPr wrap="none" rtlCol="0">
+              <a:spAutoFit/>
+            </a:bodyPr>
+            <a:lstStyle/>
+            <a:p>
+              <a:r>
+                <a:rPr kumimoji="1" lang="en-US" altLang="ko-KR" sz="1600" dirty="0"/>
+                <a:t>4.</a:t>
+              </a:r>
+              <a:r>
+                <a:rPr kumimoji="1" lang="ko-KR" altLang="en-US" sz="1600" dirty="0"/>
+                <a:t> </a:t>
+              </a:r>
+              <a:r>
+                <a:rPr kumimoji="1" lang="en-US" altLang="ko-KR" sz="1600" dirty="0"/>
+                <a:t>Connection: Keep-Alive</a:t>
+              </a:r>
+              <a:endParaRPr kumimoji="1" lang="ko-KR" altLang="en-US" sz="1600" dirty="0"/>
+            </a:p>
+          </p:txBody>
+        </p:sp>
+      </p:grpSp>
+    </p:spTree>
+    <p:extLst>
+      <p:ext uri="{BB962C8B-B14F-4D97-AF65-F5344CB8AC3E}">
+        <p14:creationId xmlns:p14="http://schemas.microsoft.com/office/powerpoint/2010/main" val="3345486161"/>
+      </p:ext>
+    </p:extLst>
+  </p:cSld>
+  <p:clrMapOvr>
+    <a:masterClrMapping/>
+  </p:clrMapOvr>
+</p:sld>
+</file>
+
+<file path=ppt/slides/slide22.xml><?xml version="1.0" encoding="utf-8"?>
+<p:sld xmlns:a="http://schemas.openxmlformats.org/drawingml/2006/main" xmlns:r="http://schemas.openxmlformats.org/officeDocument/2006/relationships" xmlns:p="http://schemas.openxmlformats.org/presentationml/2006/main">
+  <p:cSld>
+    <p:spTree>
+      <p:nvGrpSpPr>
+        <p:cNvPr id="1" name=""/>
+        <p:cNvGrpSpPr/>
+        <p:nvPr/>
+      </p:nvGrpSpPr>
+      <p:grpSpPr>
+        <a:xfrm>
+          <a:off x="0" y="0"/>
+          <a:ext cx="0" cy="0"/>
+          <a:chOff x="0" y="0"/>
+          <a:chExt cx="0" cy="0"/>
+        </a:xfrm>
+      </p:grpSpPr>
+      <p:grpSp>
+        <p:nvGrpSpPr>
+          <p:cNvPr id="4" name="그룹 3">
+            <a:extLst>
+              <a:ext uri="{FF2B5EF4-FFF2-40B4-BE49-F238E27FC236}">
+                <a16:creationId xmlns:a16="http://schemas.microsoft.com/office/drawing/2014/main" id="{2A8E5049-BA9D-1645-8A6A-EF6BA52C4F38}"/>
+              </a:ext>
+            </a:extLst>
+          </p:cNvPr>
+          <p:cNvGrpSpPr/>
+          <p:nvPr/>
+        </p:nvGrpSpPr>
+        <p:grpSpPr>
+          <a:xfrm>
+            <a:off x="-961116" y="736082"/>
+            <a:ext cx="15304132" cy="3833742"/>
+            <a:chOff x="-961116" y="736082"/>
+            <a:chExt cx="15304132" cy="3833742"/>
+          </a:xfrm>
+        </p:grpSpPr>
+        <p:pic>
+          <p:nvPicPr>
+            <p:cNvPr id="3" name="그림 2">
+              <a:extLst>
+                <a:ext uri="{FF2B5EF4-FFF2-40B4-BE49-F238E27FC236}">
+                  <a16:creationId xmlns:a16="http://schemas.microsoft.com/office/drawing/2014/main" id="{D39F49DD-AB6F-C444-A483-576E5D66E50F}"/>
+                </a:ext>
+              </a:extLst>
+            </p:cNvPr>
+            <p:cNvPicPr>
+              <a:picLocks noChangeAspect="1"/>
+            </p:cNvPicPr>
+            <p:nvPr/>
+          </p:nvPicPr>
+          <p:blipFill>
+            <a:blip r:embed="rId3"/>
+            <a:stretch>
+              <a:fillRect/>
+            </a:stretch>
+          </p:blipFill>
+          <p:spPr>
+            <a:xfrm>
+              <a:off x="-961116" y="1494521"/>
+              <a:ext cx="1955800" cy="1955800"/>
+            </a:xfrm>
+            <a:prstGeom prst="rect">
+              <a:avLst/>
+            </a:prstGeom>
+          </p:spPr>
+        </p:pic>
+        <p:pic>
+          <p:nvPicPr>
+            <p:cNvPr id="6" name="그림 5">
+              <a:extLst>
+                <a:ext uri="{FF2B5EF4-FFF2-40B4-BE49-F238E27FC236}">
+                  <a16:creationId xmlns:a16="http://schemas.microsoft.com/office/drawing/2014/main" id="{A92E312B-F450-194C-ACEC-DF8C130EEF31}"/>
+                </a:ext>
+              </a:extLst>
+            </p:cNvPr>
+            <p:cNvPicPr>
+              <a:picLocks noChangeAspect="1"/>
+            </p:cNvPicPr>
+            <p:nvPr/>
+          </p:nvPicPr>
+          <p:blipFill>
+            <a:blip r:embed="rId4"/>
+            <a:stretch>
+              <a:fillRect/>
+            </a:stretch>
+          </p:blipFill>
+          <p:spPr>
+            <a:xfrm>
+              <a:off x="3790968" y="1731589"/>
+              <a:ext cx="1481665" cy="1481665"/>
+            </a:xfrm>
+            <a:prstGeom prst="rect">
+              <a:avLst/>
+            </a:prstGeom>
+          </p:spPr>
+        </p:pic>
+        <p:pic>
+          <p:nvPicPr>
+            <p:cNvPr id="8" name="그림 7">
+              <a:extLst>
+                <a:ext uri="{FF2B5EF4-FFF2-40B4-BE49-F238E27FC236}">
+                  <a16:creationId xmlns:a16="http://schemas.microsoft.com/office/drawing/2014/main" id="{266AC016-8DF5-A54A-ABD8-FF7A79C2A524}"/>
+                </a:ext>
+              </a:extLst>
+            </p:cNvPr>
+            <p:cNvPicPr>
+              <a:picLocks noChangeAspect="1"/>
+            </p:cNvPicPr>
+            <p:nvPr/>
+          </p:nvPicPr>
+          <p:blipFill>
+            <a:blip r:embed="rId5"/>
+            <a:stretch>
+              <a:fillRect/>
+            </a:stretch>
+          </p:blipFill>
+          <p:spPr>
+            <a:xfrm>
+              <a:off x="11946950" y="1604589"/>
+              <a:ext cx="1735666" cy="1735666"/>
+            </a:xfrm>
+            <a:prstGeom prst="rect">
+              <a:avLst/>
+            </a:prstGeom>
+          </p:spPr>
+        </p:pic>
+        <p:pic>
+          <p:nvPicPr>
+            <p:cNvPr id="29" name="그림 28">
+              <a:extLst>
+                <a:ext uri="{FF2B5EF4-FFF2-40B4-BE49-F238E27FC236}">
+                  <a16:creationId xmlns:a16="http://schemas.microsoft.com/office/drawing/2014/main" id="{49AACB4D-EB3D-614F-8C36-FDB8C102D0A7}"/>
+                </a:ext>
+              </a:extLst>
+            </p:cNvPr>
+            <p:cNvPicPr>
+              <a:picLocks noChangeAspect="1"/>
+            </p:cNvPicPr>
+            <p:nvPr/>
+          </p:nvPicPr>
+          <p:blipFill>
+            <a:blip r:embed="rId5"/>
+            <a:stretch>
+              <a:fillRect/>
+            </a:stretch>
+          </p:blipFill>
+          <p:spPr>
+            <a:xfrm>
+              <a:off x="12607350" y="1604589"/>
+              <a:ext cx="1735666" cy="1735666"/>
+            </a:xfrm>
+            <a:prstGeom prst="rect">
+              <a:avLst/>
+            </a:prstGeom>
+          </p:spPr>
+        </p:pic>
+        <p:sp>
+          <p:nvSpPr>
+            <p:cNvPr id="9" name="오른쪽 화살표[R] 8">
+              <a:extLst>
+                <a:ext uri="{FF2B5EF4-FFF2-40B4-BE49-F238E27FC236}">
+                  <a16:creationId xmlns:a16="http://schemas.microsoft.com/office/drawing/2014/main" id="{8F75F98C-56E1-A248-81CA-A5E376D0F2DD}"/>
+                </a:ext>
+              </a:extLst>
+            </p:cNvPr>
+            <p:cNvSpPr/>
+            <p:nvPr/>
+          </p:nvSpPr>
+          <p:spPr>
+            <a:xfrm>
+              <a:off x="1199808" y="1075421"/>
+              <a:ext cx="2463800" cy="1020232"/>
+            </a:xfrm>
+            <a:prstGeom prst="rightArrow">
+              <a:avLst/>
+            </a:prstGeom>
+            <a:solidFill>
+              <a:schemeClr val="tx1">
+                <a:lumMod val="65000"/>
+                <a:lumOff val="35000"/>
+              </a:schemeClr>
+            </a:solidFill>
+            <a:ln>
+              <a:noFill/>
+            </a:ln>
+          </p:spPr>
+          <p:style>
+            <a:lnRef idx="2">
+              <a:schemeClr val="accent1">
+                <a:shade val="50000"/>
+              </a:schemeClr>
+            </a:lnRef>
+            <a:fillRef idx="1">
+              <a:schemeClr val="accent1"/>
+            </a:fillRef>
+            <a:effectRef idx="0">
+              <a:schemeClr val="accent1"/>
+            </a:effectRef>
+            <a:fontRef idx="minor">
+              <a:schemeClr val="lt1"/>
+            </a:fontRef>
+          </p:style>
+          <p:txBody>
+            <a:bodyPr rtlCol="0" anchor="ctr"/>
+            <a:lstStyle/>
+            <a:p>
+              <a:pPr algn="ctr"/>
+              <a:endParaRPr kumimoji="1" lang="ko-KR" altLang="en-US" dirty="0"/>
+            </a:p>
+          </p:txBody>
+        </p:sp>
+        <p:sp>
+          <p:nvSpPr>
+            <p:cNvPr id="12" name="왼쪽 화살표[L] 11">
+              <a:extLst>
+                <a:ext uri="{FF2B5EF4-FFF2-40B4-BE49-F238E27FC236}">
+                  <a16:creationId xmlns:a16="http://schemas.microsoft.com/office/drawing/2014/main" id="{63E850B4-7106-ED4F-A86B-634B6296B644}"/>
+                </a:ext>
+              </a:extLst>
+            </p:cNvPr>
+            <p:cNvSpPr/>
+            <p:nvPr/>
+          </p:nvSpPr>
+          <p:spPr>
+            <a:xfrm>
+              <a:off x="1199808" y="2665321"/>
+              <a:ext cx="2455333" cy="1041400"/>
+            </a:xfrm>
+            <a:prstGeom prst="leftArrow">
+              <a:avLst/>
+            </a:prstGeom>
+            <a:solidFill>
+              <a:schemeClr val="tx1">
+                <a:lumMod val="65000"/>
+                <a:lumOff val="35000"/>
+              </a:schemeClr>
+            </a:solidFill>
+            <a:ln>
+              <a:noFill/>
+            </a:ln>
+          </p:spPr>
+          <p:style>
+            <a:lnRef idx="2">
+              <a:schemeClr val="accent1">
+                <a:shade val="50000"/>
+              </a:schemeClr>
+            </a:lnRef>
+            <a:fillRef idx="1">
+              <a:schemeClr val="accent1"/>
+            </a:fillRef>
+            <a:effectRef idx="0">
+              <a:schemeClr val="accent1"/>
+            </a:effectRef>
+            <a:fontRef idx="minor">
+              <a:schemeClr val="lt1"/>
+            </a:fontRef>
+          </p:style>
+          <p:txBody>
+            <a:bodyPr rtlCol="0" anchor="ctr"/>
+            <a:lstStyle/>
+            <a:p>
+              <a:pPr algn="ctr"/>
+              <a:endParaRPr kumimoji="1" lang="ko-KR" altLang="en-US"/>
+            </a:p>
+          </p:txBody>
+        </p:sp>
+        <p:sp>
+          <p:nvSpPr>
+            <p:cNvPr id="41" name="오른쪽 화살표[R] 40">
+              <a:extLst>
+                <a:ext uri="{FF2B5EF4-FFF2-40B4-BE49-F238E27FC236}">
+                  <a16:creationId xmlns:a16="http://schemas.microsoft.com/office/drawing/2014/main" id="{92B5517F-E470-5A4C-AF00-AE92FC47A71B}"/>
+                </a:ext>
+              </a:extLst>
+            </p:cNvPr>
+            <p:cNvSpPr/>
+            <p:nvPr/>
+          </p:nvSpPr>
+          <p:spPr>
+            <a:xfrm>
+              <a:off x="5408461" y="1075421"/>
+              <a:ext cx="2463800" cy="1020232"/>
+            </a:xfrm>
+            <a:prstGeom prst="rightArrow">
+              <a:avLst/>
+            </a:prstGeom>
+            <a:solidFill>
+              <a:schemeClr val="tx1">
+                <a:lumMod val="65000"/>
+                <a:lumOff val="35000"/>
+              </a:schemeClr>
+            </a:solidFill>
+            <a:ln>
+              <a:noFill/>
+            </a:ln>
+          </p:spPr>
+          <p:style>
+            <a:lnRef idx="2">
+              <a:schemeClr val="accent1">
+                <a:shade val="50000"/>
+              </a:schemeClr>
+            </a:lnRef>
+            <a:fillRef idx="1">
+              <a:schemeClr val="accent1"/>
+            </a:fillRef>
+            <a:effectRef idx="0">
+              <a:schemeClr val="accent1"/>
+            </a:effectRef>
+            <a:fontRef idx="minor">
+              <a:schemeClr val="lt1"/>
+            </a:fontRef>
+          </p:style>
+          <p:txBody>
+            <a:bodyPr rtlCol="0" anchor="ctr"/>
+            <a:lstStyle/>
+            <a:p>
+              <a:pPr algn="ctr"/>
+              <a:endParaRPr kumimoji="1" lang="ko-KR" altLang="en-US" dirty="0"/>
+            </a:p>
+          </p:txBody>
+        </p:sp>
+        <p:sp>
+          <p:nvSpPr>
+            <p:cNvPr id="43" name="왼쪽 화살표[L] 42">
+              <a:extLst>
+                <a:ext uri="{FF2B5EF4-FFF2-40B4-BE49-F238E27FC236}">
+                  <a16:creationId xmlns:a16="http://schemas.microsoft.com/office/drawing/2014/main" id="{2603EA07-4722-1B41-BBFE-29B9F8072B74}"/>
+                </a:ext>
+              </a:extLst>
+            </p:cNvPr>
+            <p:cNvSpPr/>
+            <p:nvPr/>
+          </p:nvSpPr>
+          <p:spPr>
+            <a:xfrm>
+              <a:off x="5408461" y="2665321"/>
+              <a:ext cx="2455333" cy="1041400"/>
+            </a:xfrm>
+            <a:prstGeom prst="leftArrow">
+              <a:avLst/>
+            </a:prstGeom>
+            <a:solidFill>
+              <a:schemeClr val="tx1">
+                <a:lumMod val="65000"/>
+                <a:lumOff val="35000"/>
+              </a:schemeClr>
+            </a:solidFill>
+            <a:ln>
+              <a:noFill/>
+            </a:ln>
+          </p:spPr>
+          <p:style>
+            <a:lnRef idx="2">
+              <a:schemeClr val="accent1">
+                <a:shade val="50000"/>
+              </a:schemeClr>
+            </a:lnRef>
+            <a:fillRef idx="1">
+              <a:schemeClr val="accent1"/>
+            </a:fillRef>
+            <a:effectRef idx="0">
+              <a:schemeClr val="accent1"/>
+            </a:effectRef>
+            <a:fontRef idx="minor">
+              <a:schemeClr val="lt1"/>
+            </a:fontRef>
+          </p:style>
+          <p:txBody>
+            <a:bodyPr rtlCol="0" anchor="ctr"/>
+            <a:lstStyle/>
+            <a:p>
+              <a:pPr algn="ctr"/>
+              <a:endParaRPr kumimoji="1" lang="ko-KR" altLang="en-US"/>
+            </a:p>
+          </p:txBody>
+        </p:sp>
+        <p:sp>
+          <p:nvSpPr>
+            <p:cNvPr id="2" name="TextBox 1">
+              <a:extLst>
+                <a:ext uri="{FF2B5EF4-FFF2-40B4-BE49-F238E27FC236}">
+                  <a16:creationId xmlns:a16="http://schemas.microsoft.com/office/drawing/2014/main" id="{C8182D59-3AB2-914F-8AD1-8DC3F789A089}"/>
+                </a:ext>
+              </a:extLst>
+            </p:cNvPr>
+            <p:cNvSpPr txBox="1"/>
+            <p:nvPr/>
+          </p:nvSpPr>
+          <p:spPr>
+            <a:xfrm>
+              <a:off x="3706094" y="3202724"/>
+              <a:ext cx="1651414" cy="369332"/>
+            </a:xfrm>
+            <a:prstGeom prst="rect">
+              <a:avLst/>
+            </a:prstGeom>
+            <a:noFill/>
+          </p:spPr>
+          <p:txBody>
+            <a:bodyPr wrap="none" rtlCol="0">
+              <a:spAutoFit/>
+            </a:bodyPr>
+            <a:lstStyle/>
+            <a:p>
+              <a:r>
+                <a:rPr kumimoji="1" lang="ko-KR" altLang="en-US" dirty="0"/>
+                <a:t>멍청한 프록시</a:t>
+              </a:r>
+            </a:p>
+          </p:txBody>
+        </p:sp>
+        <p:sp>
+          <p:nvSpPr>
+            <p:cNvPr id="14" name="TextBox 13">
+              <a:extLst>
+                <a:ext uri="{FF2B5EF4-FFF2-40B4-BE49-F238E27FC236}">
+                  <a16:creationId xmlns:a16="http://schemas.microsoft.com/office/drawing/2014/main" id="{AAA19E3E-A085-F84C-A9B0-1AE3D7E2E9BF}"/>
+                </a:ext>
+              </a:extLst>
+            </p:cNvPr>
+            <p:cNvSpPr txBox="1"/>
+            <p:nvPr/>
+          </p:nvSpPr>
+          <p:spPr>
+            <a:xfrm>
+              <a:off x="1082936" y="736082"/>
+              <a:ext cx="3178947" cy="338554"/>
+            </a:xfrm>
+            <a:prstGeom prst="rect">
+              <a:avLst/>
+            </a:prstGeom>
+            <a:noFill/>
+          </p:spPr>
+          <p:txBody>
+            <a:bodyPr wrap="none" rtlCol="0">
+              <a:spAutoFit/>
+            </a:bodyPr>
+            <a:lstStyle/>
+            <a:p>
+              <a:r>
+                <a:rPr kumimoji="1" lang="en-US" altLang="ko-KR" sz="1600" dirty="0"/>
+                <a:t>1.</a:t>
+              </a:r>
+              <a:r>
+                <a:rPr kumimoji="1" lang="ko-KR" altLang="en-US" sz="1600" dirty="0"/>
+                <a:t> </a:t>
+              </a:r>
+              <a:r>
+                <a:rPr kumimoji="1" lang="en-US" altLang="ko-KR" sz="1600" dirty="0"/>
+                <a:t>Proxy-Connection: Keep-Alive</a:t>
+              </a:r>
+              <a:endParaRPr kumimoji="1" lang="ko-KR" altLang="en-US" sz="1600" dirty="0"/>
+            </a:p>
+          </p:txBody>
+        </p:sp>
+        <p:sp>
+          <p:nvSpPr>
+            <p:cNvPr id="16" name="TextBox 15">
+              <a:extLst>
+                <a:ext uri="{FF2B5EF4-FFF2-40B4-BE49-F238E27FC236}">
+                  <a16:creationId xmlns:a16="http://schemas.microsoft.com/office/drawing/2014/main" id="{546C5FEF-3259-1E44-B28C-8650E4F14FF6}"/>
+                </a:ext>
+              </a:extLst>
+            </p:cNvPr>
+            <p:cNvSpPr txBox="1"/>
+            <p:nvPr/>
+          </p:nvSpPr>
+          <p:spPr>
+            <a:xfrm>
+              <a:off x="5339519" y="3701124"/>
+              <a:ext cx="2589812" cy="338554"/>
+            </a:xfrm>
+            <a:prstGeom prst="rect">
+              <a:avLst/>
+            </a:prstGeom>
+            <a:noFill/>
+          </p:spPr>
+          <p:txBody>
+            <a:bodyPr wrap="none" rtlCol="0">
+              <a:spAutoFit/>
+            </a:bodyPr>
+            <a:lstStyle/>
+            <a:p>
+              <a:r>
+                <a:rPr kumimoji="1" lang="en-US" altLang="ko-KR" sz="1600" dirty="0"/>
+                <a:t>5.</a:t>
+              </a:r>
+              <a:r>
+                <a:rPr kumimoji="1" lang="ko-KR" altLang="en-US" sz="1600" dirty="0"/>
+                <a:t> </a:t>
+              </a:r>
+              <a:r>
+                <a:rPr kumimoji="1" lang="en-US" altLang="ko-KR" sz="1600" dirty="0"/>
+                <a:t>Connection:</a:t>
+              </a:r>
+              <a:r>
+                <a:rPr kumimoji="1" lang="ko-KR" altLang="en-US" sz="1600" dirty="0"/>
+                <a:t> </a:t>
+              </a:r>
+              <a:r>
+                <a:rPr kumimoji="1" lang="en-US" altLang="ko-KR" sz="1600" dirty="0"/>
+                <a:t>Keep-Alive</a:t>
+              </a:r>
+            </a:p>
+          </p:txBody>
+        </p:sp>
+        <p:sp>
+          <p:nvSpPr>
+            <p:cNvPr id="19" name="TextBox 18">
+              <a:extLst>
+                <a:ext uri="{FF2B5EF4-FFF2-40B4-BE49-F238E27FC236}">
+                  <a16:creationId xmlns:a16="http://schemas.microsoft.com/office/drawing/2014/main" id="{E9A86587-9E0D-9E4F-BE70-DA93683040C6}"/>
+                </a:ext>
+              </a:extLst>
+            </p:cNvPr>
+            <p:cNvSpPr txBox="1"/>
+            <p:nvPr/>
+          </p:nvSpPr>
+          <p:spPr>
+            <a:xfrm>
+              <a:off x="1132568" y="3706721"/>
+              <a:ext cx="2589812" cy="338554"/>
+            </a:xfrm>
+            <a:prstGeom prst="rect">
+              <a:avLst/>
+            </a:prstGeom>
+            <a:noFill/>
+          </p:spPr>
+          <p:txBody>
+            <a:bodyPr wrap="none" rtlCol="0">
+              <a:spAutoFit/>
+            </a:bodyPr>
+            <a:lstStyle/>
+            <a:p>
+              <a:r>
+                <a:rPr kumimoji="1" lang="en-US" altLang="ko-KR" sz="1600" dirty="0"/>
+                <a:t>6.</a:t>
+              </a:r>
+              <a:r>
+                <a:rPr kumimoji="1" lang="ko-KR" altLang="en-US" sz="1600" dirty="0"/>
+                <a:t> </a:t>
+              </a:r>
+              <a:r>
+                <a:rPr kumimoji="1" lang="en-US" altLang="ko-KR" sz="1600" dirty="0"/>
+                <a:t>Connection: Keep-Alive</a:t>
+              </a:r>
+            </a:p>
+          </p:txBody>
+        </p:sp>
+        <p:pic>
+          <p:nvPicPr>
+            <p:cNvPr id="22" name="그림 21">
+              <a:extLst>
+                <a:ext uri="{FF2B5EF4-FFF2-40B4-BE49-F238E27FC236}">
+                  <a16:creationId xmlns:a16="http://schemas.microsoft.com/office/drawing/2014/main" id="{E9D18593-7F45-CE43-84A1-3F7FF6DD8362}"/>
+                </a:ext>
+              </a:extLst>
+            </p:cNvPr>
+            <p:cNvPicPr>
+              <a:picLocks noChangeAspect="1"/>
+            </p:cNvPicPr>
+            <p:nvPr/>
+          </p:nvPicPr>
+          <p:blipFill>
+            <a:blip r:embed="rId4"/>
+            <a:stretch>
+              <a:fillRect/>
+            </a:stretch>
+          </p:blipFill>
+          <p:spPr>
+            <a:xfrm>
+              <a:off x="8083147" y="1731589"/>
+              <a:ext cx="1481665" cy="1481665"/>
+            </a:xfrm>
+            <a:prstGeom prst="rect">
+              <a:avLst/>
+            </a:prstGeom>
+          </p:spPr>
+        </p:pic>
+        <p:sp>
+          <p:nvSpPr>
+            <p:cNvPr id="23" name="오른쪽 화살표[R] 22">
+              <a:extLst>
+                <a:ext uri="{FF2B5EF4-FFF2-40B4-BE49-F238E27FC236}">
+                  <a16:creationId xmlns:a16="http://schemas.microsoft.com/office/drawing/2014/main" id="{BCC14D67-1041-C54C-A2E6-0DA06D9705DE}"/>
+                </a:ext>
+              </a:extLst>
+            </p:cNvPr>
+            <p:cNvSpPr/>
+            <p:nvPr/>
+          </p:nvSpPr>
+          <p:spPr>
+            <a:xfrm>
+              <a:off x="9700640" y="1075421"/>
+              <a:ext cx="2463800" cy="1020232"/>
+            </a:xfrm>
+            <a:prstGeom prst="rightArrow">
+              <a:avLst/>
+            </a:prstGeom>
+            <a:solidFill>
+              <a:schemeClr val="tx1">
+                <a:lumMod val="65000"/>
+                <a:lumOff val="35000"/>
+              </a:schemeClr>
+            </a:solidFill>
+            <a:ln>
+              <a:noFill/>
+            </a:ln>
+          </p:spPr>
+          <p:style>
+            <a:lnRef idx="2">
+              <a:schemeClr val="accent1">
+                <a:shade val="50000"/>
+              </a:schemeClr>
+            </a:lnRef>
+            <a:fillRef idx="1">
+              <a:schemeClr val="accent1"/>
+            </a:fillRef>
+            <a:effectRef idx="0">
+              <a:schemeClr val="accent1"/>
+            </a:effectRef>
+            <a:fontRef idx="minor">
+              <a:schemeClr val="lt1"/>
+            </a:fontRef>
+          </p:style>
+          <p:txBody>
+            <a:bodyPr rtlCol="0" anchor="ctr"/>
+            <a:lstStyle/>
+            <a:p>
+              <a:pPr algn="ctr"/>
+              <a:endParaRPr kumimoji="1" lang="ko-KR" altLang="en-US" dirty="0"/>
+            </a:p>
+          </p:txBody>
+        </p:sp>
+        <p:sp>
+          <p:nvSpPr>
+            <p:cNvPr id="24" name="왼쪽 화살표[L] 23">
+              <a:extLst>
+                <a:ext uri="{FF2B5EF4-FFF2-40B4-BE49-F238E27FC236}">
+                  <a16:creationId xmlns:a16="http://schemas.microsoft.com/office/drawing/2014/main" id="{3F963632-80A4-094F-BC45-2CCE149BDC42}"/>
+                </a:ext>
+              </a:extLst>
+            </p:cNvPr>
+            <p:cNvSpPr/>
+            <p:nvPr/>
+          </p:nvSpPr>
+          <p:spPr>
+            <a:xfrm>
+              <a:off x="9700640" y="2665321"/>
+              <a:ext cx="2455333" cy="1041400"/>
+            </a:xfrm>
+            <a:prstGeom prst="leftArrow">
+              <a:avLst/>
+            </a:prstGeom>
+            <a:solidFill>
+              <a:schemeClr val="tx1">
+                <a:lumMod val="65000"/>
+                <a:lumOff val="35000"/>
+              </a:schemeClr>
+            </a:solidFill>
+            <a:ln>
+              <a:noFill/>
+            </a:ln>
+          </p:spPr>
+          <p:style>
+            <a:lnRef idx="2">
+              <a:schemeClr val="accent1">
+                <a:shade val="50000"/>
+              </a:schemeClr>
+            </a:lnRef>
+            <a:fillRef idx="1">
+              <a:schemeClr val="accent1"/>
+            </a:fillRef>
+            <a:effectRef idx="0">
+              <a:schemeClr val="accent1"/>
+            </a:effectRef>
+            <a:fontRef idx="minor">
+              <a:schemeClr val="lt1"/>
+            </a:fontRef>
+          </p:style>
+          <p:txBody>
+            <a:bodyPr rtlCol="0" anchor="ctr"/>
+            <a:lstStyle/>
+            <a:p>
+              <a:pPr algn="ctr"/>
+              <a:endParaRPr kumimoji="1" lang="ko-KR" altLang="en-US"/>
+            </a:p>
+          </p:txBody>
+        </p:sp>
+        <p:sp>
+          <p:nvSpPr>
+            <p:cNvPr id="25" name="TextBox 24">
+              <a:extLst>
+                <a:ext uri="{FF2B5EF4-FFF2-40B4-BE49-F238E27FC236}">
+                  <a16:creationId xmlns:a16="http://schemas.microsoft.com/office/drawing/2014/main" id="{E4F1F87A-7980-9D4B-9F85-C2024806A3F9}"/>
+                </a:ext>
+              </a:extLst>
+            </p:cNvPr>
+            <p:cNvSpPr txBox="1"/>
+            <p:nvPr/>
+          </p:nvSpPr>
+          <p:spPr>
+            <a:xfrm>
+              <a:off x="7998273" y="3202724"/>
+              <a:ext cx="1651414" cy="369332"/>
+            </a:xfrm>
+            <a:prstGeom prst="rect">
+              <a:avLst/>
+            </a:prstGeom>
+            <a:noFill/>
+          </p:spPr>
+          <p:txBody>
+            <a:bodyPr wrap="none" rtlCol="0">
+              <a:spAutoFit/>
+            </a:bodyPr>
+            <a:lstStyle/>
+            <a:p>
+              <a:r>
+                <a:rPr kumimoji="1" lang="ko-KR" altLang="en-US" dirty="0"/>
+                <a:t>영리한 프록시</a:t>
+              </a:r>
+            </a:p>
+          </p:txBody>
+        </p:sp>
+        <p:sp>
+          <p:nvSpPr>
+            <p:cNvPr id="26" name="TextBox 25">
+              <a:extLst>
+                <a:ext uri="{FF2B5EF4-FFF2-40B4-BE49-F238E27FC236}">
+                  <a16:creationId xmlns:a16="http://schemas.microsoft.com/office/drawing/2014/main" id="{6DB483B5-3D5E-B841-A381-0B1DC75F30AD}"/>
+                </a:ext>
+              </a:extLst>
+            </p:cNvPr>
+            <p:cNvSpPr txBox="1"/>
+            <p:nvPr/>
+          </p:nvSpPr>
+          <p:spPr>
+            <a:xfrm>
+              <a:off x="5339519" y="736082"/>
+              <a:ext cx="3189206" cy="338554"/>
+            </a:xfrm>
+            <a:prstGeom prst="rect">
+              <a:avLst/>
+            </a:prstGeom>
+            <a:noFill/>
+          </p:spPr>
+          <p:txBody>
+            <a:bodyPr wrap="none" rtlCol="0">
+              <a:spAutoFit/>
+            </a:bodyPr>
+            <a:lstStyle/>
+            <a:p>
+              <a:r>
+                <a:rPr kumimoji="1" lang="en-US" altLang="ko-KR" sz="1600" dirty="0"/>
+                <a:t>2. </a:t>
+              </a:r>
+              <a:r>
+                <a:rPr kumimoji="1" lang="en-US" altLang="ko-KR" sz="1600" dirty="0" err="1"/>
+                <a:t>Prxoy</a:t>
+              </a:r>
+              <a:r>
+                <a:rPr kumimoji="1" lang="en-US" altLang="ko-KR" sz="1600" dirty="0"/>
+                <a:t>-Connection: Keep-Alive</a:t>
+              </a:r>
+              <a:endParaRPr kumimoji="1" lang="ko-KR" altLang="en-US" sz="1600" dirty="0"/>
+            </a:p>
+          </p:txBody>
+        </p:sp>
+        <p:sp>
+          <p:nvSpPr>
+            <p:cNvPr id="27" name="TextBox 26">
+              <a:extLst>
+                <a:ext uri="{FF2B5EF4-FFF2-40B4-BE49-F238E27FC236}">
+                  <a16:creationId xmlns:a16="http://schemas.microsoft.com/office/drawing/2014/main" id="{6D20C404-A239-CF4B-97E6-F9D588C280F4}"/>
+                </a:ext>
+              </a:extLst>
+            </p:cNvPr>
+            <p:cNvSpPr txBox="1"/>
+            <p:nvPr/>
+          </p:nvSpPr>
+          <p:spPr>
+            <a:xfrm>
+              <a:off x="9649687" y="738773"/>
+              <a:ext cx="2589812" cy="338554"/>
+            </a:xfrm>
+            <a:prstGeom prst="rect">
+              <a:avLst/>
+            </a:prstGeom>
+            <a:noFill/>
+          </p:spPr>
+          <p:txBody>
+            <a:bodyPr wrap="none" rtlCol="0">
+              <a:spAutoFit/>
+            </a:bodyPr>
+            <a:lstStyle/>
+            <a:p>
+              <a:r>
+                <a:rPr kumimoji="1" lang="en-US" altLang="ko-KR" sz="1600" dirty="0"/>
+                <a:t>3. Connection: Keep-Alive</a:t>
+              </a:r>
+              <a:endParaRPr kumimoji="1" lang="ko-KR" altLang="en-US" sz="1600" dirty="0"/>
+            </a:p>
+          </p:txBody>
+        </p:sp>
+        <p:sp>
+          <p:nvSpPr>
+            <p:cNvPr id="28" name="TextBox 27">
+              <a:extLst>
+                <a:ext uri="{FF2B5EF4-FFF2-40B4-BE49-F238E27FC236}">
+                  <a16:creationId xmlns:a16="http://schemas.microsoft.com/office/drawing/2014/main" id="{168062F3-43FE-1B43-B72D-AF750389B892}"/>
+                </a:ext>
+              </a:extLst>
+            </p:cNvPr>
+            <p:cNvSpPr txBox="1"/>
+            <p:nvPr/>
+          </p:nvSpPr>
+          <p:spPr>
+            <a:xfrm>
+              <a:off x="9700640" y="3701124"/>
+              <a:ext cx="2589812" cy="338554"/>
+            </a:xfrm>
+            <a:prstGeom prst="rect">
+              <a:avLst/>
+            </a:prstGeom>
+            <a:noFill/>
+          </p:spPr>
+          <p:txBody>
+            <a:bodyPr wrap="none" rtlCol="0">
+              <a:spAutoFit/>
+            </a:bodyPr>
+            <a:lstStyle/>
+            <a:p>
+              <a:r>
+                <a:rPr kumimoji="1" lang="en-US" altLang="ko-KR" sz="1600" dirty="0"/>
+                <a:t>4. Connection: Keep-Alive</a:t>
+              </a:r>
+              <a:endParaRPr kumimoji="1" lang="ko-KR" altLang="en-US" sz="1600" dirty="0"/>
+            </a:p>
+          </p:txBody>
+        </p:sp>
+        <p:sp>
+          <p:nvSpPr>
+            <p:cNvPr id="30" name="TextBox 29">
+              <a:extLst>
+                <a:ext uri="{FF2B5EF4-FFF2-40B4-BE49-F238E27FC236}">
+                  <a16:creationId xmlns:a16="http://schemas.microsoft.com/office/drawing/2014/main" id="{1A28D1BF-E0DD-D743-89C2-DEC12687A797}"/>
+                </a:ext>
+              </a:extLst>
+            </p:cNvPr>
+            <p:cNvSpPr txBox="1"/>
+            <p:nvPr/>
+          </p:nvSpPr>
+          <p:spPr>
+            <a:xfrm>
+              <a:off x="2599153" y="4231270"/>
+              <a:ext cx="8070543" cy="338554"/>
+            </a:xfrm>
+            <a:prstGeom prst="rect">
+              <a:avLst/>
+            </a:prstGeom>
+            <a:noFill/>
+          </p:spPr>
+          <p:txBody>
+            <a:bodyPr wrap="none" rtlCol="0">
+              <a:spAutoFit/>
+            </a:bodyPr>
+            <a:lstStyle/>
+            <a:p>
+              <a:r>
+                <a:rPr kumimoji="1" lang="ko-KR" altLang="en-US" sz="1600" dirty="0"/>
+                <a:t>멍청한 프록시는 브라우저와 영리한 </a:t>
+              </a:r>
+              <a:r>
+                <a:rPr kumimoji="1" lang="ko-KR" altLang="en-US" sz="1600" dirty="0" err="1"/>
+                <a:t>프록시에게</a:t>
+              </a:r>
+              <a:r>
+                <a:rPr kumimoji="1" lang="ko-KR" altLang="en-US" sz="1600" dirty="0"/>
+                <a:t> </a:t>
+              </a:r>
+              <a:r>
+                <a:rPr kumimoji="1" lang="en-US" altLang="ko-KR" sz="1600" dirty="0"/>
+                <a:t>keep-alive </a:t>
+              </a:r>
+              <a:r>
+                <a:rPr kumimoji="1" lang="ko-KR" altLang="en-US" sz="1600" dirty="0"/>
+                <a:t>커넥션을 맺으려고 합니다</a:t>
+              </a:r>
+              <a:r>
+                <a:rPr kumimoji="1" lang="en-US" altLang="ko-KR" sz="1600" dirty="0"/>
+                <a:t>.</a:t>
+              </a:r>
+            </a:p>
+          </p:txBody>
+        </p:sp>
+      </p:grpSp>
+    </p:spTree>
+    <p:extLst>
+      <p:ext uri="{BB962C8B-B14F-4D97-AF65-F5344CB8AC3E}">
+        <p14:creationId xmlns:p14="http://schemas.microsoft.com/office/powerpoint/2010/main" val="1041240315"/>
+      </p:ext>
+    </p:extLst>
+  </p:cSld>
+  <p:clrMapOvr>
+    <a:masterClrMapping/>
+  </p:clrMapOvr>
+</p:sld>
+</file>
+
+<file path=ppt/slides/slide23.xml><?xml version="1.0" encoding="utf-8"?>
+<p:sld xmlns:a="http://schemas.openxmlformats.org/drawingml/2006/main" xmlns:r="http://schemas.openxmlformats.org/officeDocument/2006/relationships" xmlns:p="http://schemas.openxmlformats.org/presentationml/2006/main">
+  <p:cSld>
+    <p:spTree>
+      <p:nvGrpSpPr>
+        <p:cNvPr id="1" name=""/>
+        <p:cNvGrpSpPr/>
+        <p:nvPr/>
+      </p:nvGrpSpPr>
+      <p:grpSpPr>
+        <a:xfrm>
+          <a:off x="0" y="0"/>
+          <a:ext cx="0" cy="0"/>
+          <a:chOff x="0" y="0"/>
+          <a:chExt cx="0" cy="0"/>
+        </a:xfrm>
+      </p:grpSpPr>
+      <p:grpSp>
+        <p:nvGrpSpPr>
+          <p:cNvPr id="4" name="그룹 3">
+            <a:extLst>
+              <a:ext uri="{FF2B5EF4-FFF2-40B4-BE49-F238E27FC236}">
+                <a16:creationId xmlns:a16="http://schemas.microsoft.com/office/drawing/2014/main" id="{8CD2D7A3-13B5-234D-92B8-6DEA6B311361}"/>
+              </a:ext>
+            </a:extLst>
+          </p:cNvPr>
+          <p:cNvGrpSpPr/>
+          <p:nvPr/>
+        </p:nvGrpSpPr>
+        <p:grpSpPr>
+          <a:xfrm>
+            <a:off x="-961116" y="736082"/>
+            <a:ext cx="15304132" cy="3833742"/>
+            <a:chOff x="-961116" y="736082"/>
+            <a:chExt cx="15304132" cy="3833742"/>
+          </a:xfrm>
+        </p:grpSpPr>
+        <p:pic>
+          <p:nvPicPr>
+            <p:cNvPr id="3" name="그림 2">
+              <a:extLst>
+                <a:ext uri="{FF2B5EF4-FFF2-40B4-BE49-F238E27FC236}">
+                  <a16:creationId xmlns:a16="http://schemas.microsoft.com/office/drawing/2014/main" id="{D39F49DD-AB6F-C444-A483-576E5D66E50F}"/>
+                </a:ext>
+              </a:extLst>
+            </p:cNvPr>
+            <p:cNvPicPr>
+              <a:picLocks noChangeAspect="1"/>
+            </p:cNvPicPr>
+            <p:nvPr/>
+          </p:nvPicPr>
+          <p:blipFill>
+            <a:blip r:embed="rId3"/>
+            <a:stretch>
+              <a:fillRect/>
+            </a:stretch>
+          </p:blipFill>
+          <p:spPr>
+            <a:xfrm>
+              <a:off x="-961116" y="1494521"/>
+              <a:ext cx="1955800" cy="1955800"/>
+            </a:xfrm>
+            <a:prstGeom prst="rect">
+              <a:avLst/>
+            </a:prstGeom>
+          </p:spPr>
+        </p:pic>
+        <p:pic>
+          <p:nvPicPr>
+            <p:cNvPr id="6" name="그림 5">
+              <a:extLst>
+                <a:ext uri="{FF2B5EF4-FFF2-40B4-BE49-F238E27FC236}">
+                  <a16:creationId xmlns:a16="http://schemas.microsoft.com/office/drawing/2014/main" id="{A92E312B-F450-194C-ACEC-DF8C130EEF31}"/>
+                </a:ext>
+              </a:extLst>
+            </p:cNvPr>
+            <p:cNvPicPr>
+              <a:picLocks noChangeAspect="1"/>
+            </p:cNvPicPr>
+            <p:nvPr/>
+          </p:nvPicPr>
+          <p:blipFill>
+            <a:blip r:embed="rId4"/>
+            <a:stretch>
+              <a:fillRect/>
+            </a:stretch>
+          </p:blipFill>
+          <p:spPr>
+            <a:xfrm>
+              <a:off x="3790968" y="1731589"/>
+              <a:ext cx="1481665" cy="1481665"/>
+            </a:xfrm>
+            <a:prstGeom prst="rect">
+              <a:avLst/>
+            </a:prstGeom>
+          </p:spPr>
+        </p:pic>
+        <p:pic>
+          <p:nvPicPr>
+            <p:cNvPr id="8" name="그림 7">
+              <a:extLst>
+                <a:ext uri="{FF2B5EF4-FFF2-40B4-BE49-F238E27FC236}">
+                  <a16:creationId xmlns:a16="http://schemas.microsoft.com/office/drawing/2014/main" id="{266AC016-8DF5-A54A-ABD8-FF7A79C2A524}"/>
+                </a:ext>
+              </a:extLst>
+            </p:cNvPr>
+            <p:cNvPicPr>
+              <a:picLocks noChangeAspect="1"/>
+            </p:cNvPicPr>
+            <p:nvPr/>
+          </p:nvPicPr>
+          <p:blipFill>
+            <a:blip r:embed="rId5"/>
+            <a:stretch>
+              <a:fillRect/>
+            </a:stretch>
+          </p:blipFill>
+          <p:spPr>
+            <a:xfrm>
+              <a:off x="11946950" y="1604589"/>
+              <a:ext cx="1735666" cy="1735666"/>
+            </a:xfrm>
+            <a:prstGeom prst="rect">
+              <a:avLst/>
+            </a:prstGeom>
+          </p:spPr>
+        </p:pic>
+        <p:pic>
+          <p:nvPicPr>
+            <p:cNvPr id="29" name="그림 28">
+              <a:extLst>
+                <a:ext uri="{FF2B5EF4-FFF2-40B4-BE49-F238E27FC236}">
+                  <a16:creationId xmlns:a16="http://schemas.microsoft.com/office/drawing/2014/main" id="{49AACB4D-EB3D-614F-8C36-FDB8C102D0A7}"/>
+                </a:ext>
+              </a:extLst>
+            </p:cNvPr>
+            <p:cNvPicPr>
+              <a:picLocks noChangeAspect="1"/>
+            </p:cNvPicPr>
+            <p:nvPr/>
+          </p:nvPicPr>
+          <p:blipFill>
+            <a:blip r:embed="rId5"/>
+            <a:stretch>
+              <a:fillRect/>
+            </a:stretch>
+          </p:blipFill>
+          <p:spPr>
+            <a:xfrm>
+              <a:off x="12607350" y="1604589"/>
+              <a:ext cx="1735666" cy="1735666"/>
+            </a:xfrm>
+            <a:prstGeom prst="rect">
+              <a:avLst/>
+            </a:prstGeom>
+          </p:spPr>
+        </p:pic>
+        <p:sp>
+          <p:nvSpPr>
+            <p:cNvPr id="9" name="오른쪽 화살표[R] 8">
+              <a:extLst>
+                <a:ext uri="{FF2B5EF4-FFF2-40B4-BE49-F238E27FC236}">
+                  <a16:creationId xmlns:a16="http://schemas.microsoft.com/office/drawing/2014/main" id="{8F75F98C-56E1-A248-81CA-A5E376D0F2DD}"/>
+                </a:ext>
+              </a:extLst>
+            </p:cNvPr>
+            <p:cNvSpPr/>
+            <p:nvPr/>
+          </p:nvSpPr>
+          <p:spPr>
+            <a:xfrm>
+              <a:off x="1199808" y="1075421"/>
+              <a:ext cx="2463800" cy="1020232"/>
+            </a:xfrm>
+            <a:prstGeom prst="rightArrow">
+              <a:avLst/>
+            </a:prstGeom>
+            <a:solidFill>
+              <a:schemeClr val="tx1">
+                <a:lumMod val="65000"/>
+                <a:lumOff val="35000"/>
+              </a:schemeClr>
+            </a:solidFill>
+            <a:ln>
+              <a:noFill/>
+            </a:ln>
+          </p:spPr>
+          <p:style>
+            <a:lnRef idx="2">
+              <a:schemeClr val="accent1">
+                <a:shade val="50000"/>
+              </a:schemeClr>
+            </a:lnRef>
+            <a:fillRef idx="1">
+              <a:schemeClr val="accent1"/>
+            </a:fillRef>
+            <a:effectRef idx="0">
+              <a:schemeClr val="accent1"/>
+            </a:effectRef>
+            <a:fontRef idx="minor">
+              <a:schemeClr val="lt1"/>
+            </a:fontRef>
+          </p:style>
+          <p:txBody>
+            <a:bodyPr rtlCol="0" anchor="ctr"/>
+            <a:lstStyle/>
+            <a:p>
+              <a:pPr algn="ctr"/>
+              <a:endParaRPr kumimoji="1" lang="ko-KR" altLang="en-US" dirty="0"/>
+            </a:p>
+          </p:txBody>
+        </p:sp>
+        <p:sp>
+          <p:nvSpPr>
+            <p:cNvPr id="12" name="왼쪽 화살표[L] 11">
+              <a:extLst>
+                <a:ext uri="{FF2B5EF4-FFF2-40B4-BE49-F238E27FC236}">
+                  <a16:creationId xmlns:a16="http://schemas.microsoft.com/office/drawing/2014/main" id="{63E850B4-7106-ED4F-A86B-634B6296B644}"/>
+                </a:ext>
+              </a:extLst>
+            </p:cNvPr>
+            <p:cNvSpPr/>
+            <p:nvPr/>
+          </p:nvSpPr>
+          <p:spPr>
+            <a:xfrm>
+              <a:off x="1199808" y="2665321"/>
+              <a:ext cx="2455333" cy="1041400"/>
+            </a:xfrm>
+            <a:prstGeom prst="leftArrow">
+              <a:avLst/>
+            </a:prstGeom>
+            <a:solidFill>
+              <a:schemeClr val="tx1">
+                <a:lumMod val="65000"/>
+                <a:lumOff val="35000"/>
+              </a:schemeClr>
+            </a:solidFill>
+            <a:ln>
+              <a:noFill/>
+            </a:ln>
+          </p:spPr>
+          <p:style>
+            <a:lnRef idx="2">
+              <a:schemeClr val="accent1">
+                <a:shade val="50000"/>
+              </a:schemeClr>
+            </a:lnRef>
+            <a:fillRef idx="1">
+              <a:schemeClr val="accent1"/>
+            </a:fillRef>
+            <a:effectRef idx="0">
+              <a:schemeClr val="accent1"/>
+            </a:effectRef>
+            <a:fontRef idx="minor">
+              <a:schemeClr val="lt1"/>
+            </a:fontRef>
+          </p:style>
+          <p:txBody>
+            <a:bodyPr rtlCol="0" anchor="ctr"/>
+            <a:lstStyle/>
+            <a:p>
+              <a:pPr algn="ctr"/>
+              <a:endParaRPr kumimoji="1" lang="ko-KR" altLang="en-US"/>
+            </a:p>
+          </p:txBody>
+        </p:sp>
+        <p:sp>
+          <p:nvSpPr>
+            <p:cNvPr id="41" name="오른쪽 화살표[R] 40">
+              <a:extLst>
+                <a:ext uri="{FF2B5EF4-FFF2-40B4-BE49-F238E27FC236}">
+                  <a16:creationId xmlns:a16="http://schemas.microsoft.com/office/drawing/2014/main" id="{92B5517F-E470-5A4C-AF00-AE92FC47A71B}"/>
+                </a:ext>
+              </a:extLst>
+            </p:cNvPr>
+            <p:cNvSpPr/>
+            <p:nvPr/>
+          </p:nvSpPr>
+          <p:spPr>
+            <a:xfrm>
+              <a:off x="5408461" y="1075421"/>
+              <a:ext cx="2463800" cy="1020232"/>
+            </a:xfrm>
+            <a:prstGeom prst="rightArrow">
+              <a:avLst/>
+            </a:prstGeom>
+            <a:solidFill>
+              <a:schemeClr val="tx1">
+                <a:lumMod val="65000"/>
+                <a:lumOff val="35000"/>
+              </a:schemeClr>
+            </a:solidFill>
+            <a:ln>
+              <a:noFill/>
+            </a:ln>
+          </p:spPr>
+          <p:style>
+            <a:lnRef idx="2">
+              <a:schemeClr val="accent1">
+                <a:shade val="50000"/>
+              </a:schemeClr>
+            </a:lnRef>
+            <a:fillRef idx="1">
+              <a:schemeClr val="accent1"/>
+            </a:fillRef>
+            <a:effectRef idx="0">
+              <a:schemeClr val="accent1"/>
+            </a:effectRef>
+            <a:fontRef idx="minor">
+              <a:schemeClr val="lt1"/>
+            </a:fontRef>
+          </p:style>
+          <p:txBody>
+            <a:bodyPr rtlCol="0" anchor="ctr"/>
+            <a:lstStyle/>
+            <a:p>
+              <a:pPr algn="ctr"/>
+              <a:endParaRPr kumimoji="1" lang="ko-KR" altLang="en-US" dirty="0"/>
+            </a:p>
+          </p:txBody>
+        </p:sp>
+        <p:sp>
+          <p:nvSpPr>
+            <p:cNvPr id="43" name="왼쪽 화살표[L] 42">
+              <a:extLst>
+                <a:ext uri="{FF2B5EF4-FFF2-40B4-BE49-F238E27FC236}">
+                  <a16:creationId xmlns:a16="http://schemas.microsoft.com/office/drawing/2014/main" id="{2603EA07-4722-1B41-BBFE-29B9F8072B74}"/>
+                </a:ext>
+              </a:extLst>
+            </p:cNvPr>
+            <p:cNvSpPr/>
+            <p:nvPr/>
+          </p:nvSpPr>
+          <p:spPr>
+            <a:xfrm>
+              <a:off x="5408461" y="2665321"/>
+              <a:ext cx="2455333" cy="1041400"/>
+            </a:xfrm>
+            <a:prstGeom prst="leftArrow">
+              <a:avLst/>
+            </a:prstGeom>
+            <a:solidFill>
+              <a:schemeClr val="tx1">
+                <a:lumMod val="65000"/>
+                <a:lumOff val="35000"/>
+              </a:schemeClr>
+            </a:solidFill>
+            <a:ln>
+              <a:noFill/>
+            </a:ln>
+          </p:spPr>
+          <p:style>
+            <a:lnRef idx="2">
+              <a:schemeClr val="accent1">
+                <a:shade val="50000"/>
+              </a:schemeClr>
+            </a:lnRef>
+            <a:fillRef idx="1">
+              <a:schemeClr val="accent1"/>
+            </a:fillRef>
+            <a:effectRef idx="0">
+              <a:schemeClr val="accent1"/>
+            </a:effectRef>
+            <a:fontRef idx="minor">
+              <a:schemeClr val="lt1"/>
+            </a:fontRef>
+          </p:style>
+          <p:txBody>
+            <a:bodyPr rtlCol="0" anchor="ctr"/>
+            <a:lstStyle/>
+            <a:p>
+              <a:pPr algn="ctr"/>
+              <a:endParaRPr kumimoji="1" lang="ko-KR" altLang="en-US"/>
+            </a:p>
+          </p:txBody>
+        </p:sp>
+        <p:sp>
+          <p:nvSpPr>
+            <p:cNvPr id="2" name="TextBox 1">
+              <a:extLst>
+                <a:ext uri="{FF2B5EF4-FFF2-40B4-BE49-F238E27FC236}">
+                  <a16:creationId xmlns:a16="http://schemas.microsoft.com/office/drawing/2014/main" id="{C8182D59-3AB2-914F-8AD1-8DC3F789A089}"/>
+                </a:ext>
+              </a:extLst>
+            </p:cNvPr>
+            <p:cNvSpPr txBox="1"/>
+            <p:nvPr/>
+          </p:nvSpPr>
+          <p:spPr>
+            <a:xfrm>
+              <a:off x="3706094" y="3202724"/>
+              <a:ext cx="1651414" cy="369332"/>
+            </a:xfrm>
+            <a:prstGeom prst="rect">
+              <a:avLst/>
+            </a:prstGeom>
+            <a:noFill/>
+          </p:spPr>
+          <p:txBody>
+            <a:bodyPr wrap="none" rtlCol="0">
+              <a:spAutoFit/>
+            </a:bodyPr>
+            <a:lstStyle/>
+            <a:p>
+              <a:r>
+                <a:rPr kumimoji="1" lang="ko-KR" altLang="en-US" dirty="0"/>
+                <a:t>영리한 프록시</a:t>
+              </a:r>
+            </a:p>
+          </p:txBody>
+        </p:sp>
+        <p:sp>
+          <p:nvSpPr>
+            <p:cNvPr id="14" name="TextBox 13">
+              <a:extLst>
+                <a:ext uri="{FF2B5EF4-FFF2-40B4-BE49-F238E27FC236}">
+                  <a16:creationId xmlns:a16="http://schemas.microsoft.com/office/drawing/2014/main" id="{AAA19E3E-A085-F84C-A9B0-1AE3D7E2E9BF}"/>
+                </a:ext>
+              </a:extLst>
+            </p:cNvPr>
+            <p:cNvSpPr txBox="1"/>
+            <p:nvPr/>
+          </p:nvSpPr>
+          <p:spPr>
+            <a:xfrm>
+              <a:off x="1082936" y="736082"/>
+              <a:ext cx="3178947" cy="338554"/>
+            </a:xfrm>
+            <a:prstGeom prst="rect">
+              <a:avLst/>
+            </a:prstGeom>
+            <a:noFill/>
+          </p:spPr>
+          <p:txBody>
+            <a:bodyPr wrap="none" rtlCol="0">
+              <a:spAutoFit/>
+            </a:bodyPr>
+            <a:lstStyle/>
+            <a:p>
+              <a:r>
+                <a:rPr kumimoji="1" lang="en-US" altLang="ko-KR" sz="1600" dirty="0"/>
+                <a:t>1.</a:t>
+              </a:r>
+              <a:r>
+                <a:rPr kumimoji="1" lang="ko-KR" altLang="en-US" sz="1600" dirty="0"/>
+                <a:t> </a:t>
+              </a:r>
+              <a:r>
+                <a:rPr kumimoji="1" lang="en-US" altLang="ko-KR" sz="1600" dirty="0"/>
+                <a:t>Proxy-Connection: Keep-Alive</a:t>
+              </a:r>
+              <a:endParaRPr kumimoji="1" lang="ko-KR" altLang="en-US" sz="1600" dirty="0"/>
+            </a:p>
+          </p:txBody>
+        </p:sp>
+        <p:sp>
+          <p:nvSpPr>
+            <p:cNvPr id="16" name="TextBox 15">
+              <a:extLst>
+                <a:ext uri="{FF2B5EF4-FFF2-40B4-BE49-F238E27FC236}">
+                  <a16:creationId xmlns:a16="http://schemas.microsoft.com/office/drawing/2014/main" id="{546C5FEF-3259-1E44-B28C-8650E4F14FF6}"/>
+                </a:ext>
+              </a:extLst>
+            </p:cNvPr>
+            <p:cNvSpPr txBox="1"/>
+            <p:nvPr/>
+          </p:nvSpPr>
+          <p:spPr>
+            <a:xfrm>
+              <a:off x="5339519" y="3701124"/>
+              <a:ext cx="2589812" cy="338554"/>
+            </a:xfrm>
+            <a:prstGeom prst="rect">
+              <a:avLst/>
+            </a:prstGeom>
+            <a:noFill/>
+          </p:spPr>
+          <p:txBody>
+            <a:bodyPr wrap="none" rtlCol="0">
+              <a:spAutoFit/>
+            </a:bodyPr>
+            <a:lstStyle/>
+            <a:p>
+              <a:r>
+                <a:rPr kumimoji="1" lang="en-US" altLang="ko-KR" sz="1600" dirty="0"/>
+                <a:t>5.</a:t>
+              </a:r>
+              <a:r>
+                <a:rPr kumimoji="1" lang="ko-KR" altLang="en-US" sz="1600" dirty="0"/>
+                <a:t> </a:t>
+              </a:r>
+              <a:r>
+                <a:rPr kumimoji="1" lang="en-US" altLang="ko-KR" sz="1600" dirty="0"/>
+                <a:t>Connection:</a:t>
+              </a:r>
+              <a:r>
+                <a:rPr kumimoji="1" lang="ko-KR" altLang="en-US" sz="1600" dirty="0"/>
+                <a:t> </a:t>
+              </a:r>
+              <a:r>
+                <a:rPr kumimoji="1" lang="en-US" altLang="ko-KR" sz="1600" dirty="0"/>
+                <a:t>Keep-Alive</a:t>
+              </a:r>
+            </a:p>
+          </p:txBody>
+        </p:sp>
+        <p:sp>
+          <p:nvSpPr>
+            <p:cNvPr id="19" name="TextBox 18">
+              <a:extLst>
+                <a:ext uri="{FF2B5EF4-FFF2-40B4-BE49-F238E27FC236}">
+                  <a16:creationId xmlns:a16="http://schemas.microsoft.com/office/drawing/2014/main" id="{E9A86587-9E0D-9E4F-BE70-DA93683040C6}"/>
+                </a:ext>
+              </a:extLst>
+            </p:cNvPr>
+            <p:cNvSpPr txBox="1"/>
+            <p:nvPr/>
+          </p:nvSpPr>
+          <p:spPr>
+            <a:xfrm>
+              <a:off x="1132568" y="3706721"/>
+              <a:ext cx="2589812" cy="338554"/>
+            </a:xfrm>
+            <a:prstGeom prst="rect">
+              <a:avLst/>
+            </a:prstGeom>
+            <a:noFill/>
+          </p:spPr>
+          <p:txBody>
+            <a:bodyPr wrap="none" rtlCol="0">
+              <a:spAutoFit/>
+            </a:bodyPr>
+            <a:lstStyle/>
+            <a:p>
+              <a:r>
+                <a:rPr kumimoji="1" lang="en-US" altLang="ko-KR" sz="1600" dirty="0"/>
+                <a:t>6.</a:t>
+              </a:r>
+              <a:r>
+                <a:rPr kumimoji="1" lang="ko-KR" altLang="en-US" sz="1600" dirty="0"/>
+                <a:t> </a:t>
+              </a:r>
+              <a:r>
+                <a:rPr kumimoji="1" lang="en-US" altLang="ko-KR" sz="1600" dirty="0"/>
+                <a:t>Connection: Keep-Alive</a:t>
+              </a:r>
+            </a:p>
+          </p:txBody>
+        </p:sp>
+        <p:pic>
+          <p:nvPicPr>
+            <p:cNvPr id="22" name="그림 21">
+              <a:extLst>
+                <a:ext uri="{FF2B5EF4-FFF2-40B4-BE49-F238E27FC236}">
+                  <a16:creationId xmlns:a16="http://schemas.microsoft.com/office/drawing/2014/main" id="{E9D18593-7F45-CE43-84A1-3F7FF6DD8362}"/>
+                </a:ext>
+              </a:extLst>
+            </p:cNvPr>
+            <p:cNvPicPr>
+              <a:picLocks noChangeAspect="1"/>
+            </p:cNvPicPr>
+            <p:nvPr/>
+          </p:nvPicPr>
+          <p:blipFill>
+            <a:blip r:embed="rId4"/>
+            <a:stretch>
+              <a:fillRect/>
+            </a:stretch>
+          </p:blipFill>
+          <p:spPr>
+            <a:xfrm>
+              <a:off x="8083147" y="1731589"/>
+              <a:ext cx="1481665" cy="1481665"/>
+            </a:xfrm>
+            <a:prstGeom prst="rect">
+              <a:avLst/>
+            </a:prstGeom>
+          </p:spPr>
+        </p:pic>
+        <p:sp>
+          <p:nvSpPr>
+            <p:cNvPr id="23" name="오른쪽 화살표[R] 22">
+              <a:extLst>
+                <a:ext uri="{FF2B5EF4-FFF2-40B4-BE49-F238E27FC236}">
+                  <a16:creationId xmlns:a16="http://schemas.microsoft.com/office/drawing/2014/main" id="{BCC14D67-1041-C54C-A2E6-0DA06D9705DE}"/>
+                </a:ext>
+              </a:extLst>
+            </p:cNvPr>
+            <p:cNvSpPr/>
+            <p:nvPr/>
+          </p:nvSpPr>
+          <p:spPr>
+            <a:xfrm>
+              <a:off x="9700640" y="1075421"/>
+              <a:ext cx="2463800" cy="1020232"/>
+            </a:xfrm>
+            <a:prstGeom prst="rightArrow">
+              <a:avLst/>
+            </a:prstGeom>
+            <a:solidFill>
+              <a:schemeClr val="tx1">
+                <a:lumMod val="65000"/>
+                <a:lumOff val="35000"/>
+              </a:schemeClr>
+            </a:solidFill>
+            <a:ln>
+              <a:noFill/>
+            </a:ln>
+          </p:spPr>
+          <p:style>
+            <a:lnRef idx="2">
+              <a:schemeClr val="accent1">
+                <a:shade val="50000"/>
+              </a:schemeClr>
+            </a:lnRef>
+            <a:fillRef idx="1">
+              <a:schemeClr val="accent1"/>
+            </a:fillRef>
+            <a:effectRef idx="0">
+              <a:schemeClr val="accent1"/>
+            </a:effectRef>
+            <a:fontRef idx="minor">
+              <a:schemeClr val="lt1"/>
+            </a:fontRef>
+          </p:style>
+          <p:txBody>
+            <a:bodyPr rtlCol="0" anchor="ctr"/>
+            <a:lstStyle/>
+            <a:p>
+              <a:pPr algn="ctr"/>
+              <a:endParaRPr kumimoji="1" lang="ko-KR" altLang="en-US" dirty="0"/>
+            </a:p>
+          </p:txBody>
+        </p:sp>
+        <p:sp>
+          <p:nvSpPr>
+            <p:cNvPr id="24" name="왼쪽 화살표[L] 23">
+              <a:extLst>
+                <a:ext uri="{FF2B5EF4-FFF2-40B4-BE49-F238E27FC236}">
+                  <a16:creationId xmlns:a16="http://schemas.microsoft.com/office/drawing/2014/main" id="{3F963632-80A4-094F-BC45-2CCE149BDC42}"/>
+                </a:ext>
+              </a:extLst>
+            </p:cNvPr>
+            <p:cNvSpPr/>
+            <p:nvPr/>
+          </p:nvSpPr>
+          <p:spPr>
+            <a:xfrm>
+              <a:off x="9700640" y="2665321"/>
+              <a:ext cx="2455333" cy="1041400"/>
+            </a:xfrm>
+            <a:prstGeom prst="leftArrow">
+              <a:avLst/>
+            </a:prstGeom>
+            <a:solidFill>
+              <a:schemeClr val="tx1">
+                <a:lumMod val="65000"/>
+                <a:lumOff val="35000"/>
+              </a:schemeClr>
+            </a:solidFill>
+            <a:ln>
+              <a:noFill/>
+            </a:ln>
+          </p:spPr>
+          <p:style>
+            <a:lnRef idx="2">
+              <a:schemeClr val="accent1">
+                <a:shade val="50000"/>
+              </a:schemeClr>
+            </a:lnRef>
+            <a:fillRef idx="1">
+              <a:schemeClr val="accent1"/>
+            </a:fillRef>
+            <a:effectRef idx="0">
+              <a:schemeClr val="accent1"/>
+            </a:effectRef>
+            <a:fontRef idx="minor">
+              <a:schemeClr val="lt1"/>
+            </a:fontRef>
+          </p:style>
+          <p:txBody>
+            <a:bodyPr rtlCol="0" anchor="ctr"/>
+            <a:lstStyle/>
+            <a:p>
+              <a:pPr algn="ctr"/>
+              <a:endParaRPr kumimoji="1" lang="ko-KR" altLang="en-US"/>
+            </a:p>
+          </p:txBody>
+        </p:sp>
+        <p:sp>
+          <p:nvSpPr>
+            <p:cNvPr id="25" name="TextBox 24">
+              <a:extLst>
+                <a:ext uri="{FF2B5EF4-FFF2-40B4-BE49-F238E27FC236}">
+                  <a16:creationId xmlns:a16="http://schemas.microsoft.com/office/drawing/2014/main" id="{E4F1F87A-7980-9D4B-9F85-C2024806A3F9}"/>
+                </a:ext>
+              </a:extLst>
+            </p:cNvPr>
+            <p:cNvSpPr txBox="1"/>
+            <p:nvPr/>
+          </p:nvSpPr>
+          <p:spPr>
+            <a:xfrm>
+              <a:off x="7998273" y="3202724"/>
+              <a:ext cx="1651414" cy="369332"/>
+            </a:xfrm>
+            <a:prstGeom prst="rect">
+              <a:avLst/>
+            </a:prstGeom>
+            <a:noFill/>
+          </p:spPr>
+          <p:txBody>
+            <a:bodyPr wrap="none" rtlCol="0">
+              <a:spAutoFit/>
+            </a:bodyPr>
+            <a:lstStyle/>
+            <a:p>
+              <a:r>
+                <a:rPr kumimoji="1" lang="ko-KR" altLang="en-US" dirty="0"/>
+                <a:t>멍청한 프록시</a:t>
+              </a:r>
+            </a:p>
+          </p:txBody>
+        </p:sp>
+        <p:sp>
+          <p:nvSpPr>
+            <p:cNvPr id="26" name="TextBox 25">
+              <a:extLst>
+                <a:ext uri="{FF2B5EF4-FFF2-40B4-BE49-F238E27FC236}">
+                  <a16:creationId xmlns:a16="http://schemas.microsoft.com/office/drawing/2014/main" id="{6DB483B5-3D5E-B841-A381-0B1DC75F30AD}"/>
+                </a:ext>
+              </a:extLst>
+            </p:cNvPr>
+            <p:cNvSpPr txBox="1"/>
+            <p:nvPr/>
+          </p:nvSpPr>
+          <p:spPr>
+            <a:xfrm>
+              <a:off x="5339519" y="736082"/>
+              <a:ext cx="2589812" cy="338554"/>
+            </a:xfrm>
+            <a:prstGeom prst="rect">
+              <a:avLst/>
+            </a:prstGeom>
+            <a:noFill/>
+          </p:spPr>
+          <p:txBody>
+            <a:bodyPr wrap="none" rtlCol="0">
+              <a:spAutoFit/>
+            </a:bodyPr>
+            <a:lstStyle/>
+            <a:p>
+              <a:r>
+                <a:rPr kumimoji="1" lang="en-US" altLang="ko-KR" sz="1600" dirty="0"/>
+                <a:t>2. Connection: Keep-Alive</a:t>
+              </a:r>
+              <a:endParaRPr kumimoji="1" lang="ko-KR" altLang="en-US" sz="1600" dirty="0"/>
+            </a:p>
+          </p:txBody>
+        </p:sp>
+        <p:sp>
+          <p:nvSpPr>
+            <p:cNvPr id="27" name="TextBox 26">
+              <a:extLst>
+                <a:ext uri="{FF2B5EF4-FFF2-40B4-BE49-F238E27FC236}">
+                  <a16:creationId xmlns:a16="http://schemas.microsoft.com/office/drawing/2014/main" id="{6D20C404-A239-CF4B-97E6-F9D588C280F4}"/>
+                </a:ext>
+              </a:extLst>
+            </p:cNvPr>
+            <p:cNvSpPr txBox="1"/>
+            <p:nvPr/>
+          </p:nvSpPr>
+          <p:spPr>
+            <a:xfrm>
+              <a:off x="9649687" y="738773"/>
+              <a:ext cx="2589812" cy="338554"/>
+            </a:xfrm>
+            <a:prstGeom prst="rect">
+              <a:avLst/>
+            </a:prstGeom>
+            <a:noFill/>
+          </p:spPr>
+          <p:txBody>
+            <a:bodyPr wrap="none" rtlCol="0">
+              <a:spAutoFit/>
+            </a:bodyPr>
+            <a:lstStyle/>
+            <a:p>
+              <a:r>
+                <a:rPr kumimoji="1" lang="en-US" altLang="ko-KR" sz="1600" dirty="0"/>
+                <a:t>3. Connection: Keep-Alive</a:t>
+              </a:r>
+              <a:endParaRPr kumimoji="1" lang="ko-KR" altLang="en-US" sz="1600" dirty="0"/>
+            </a:p>
+          </p:txBody>
+        </p:sp>
+        <p:sp>
+          <p:nvSpPr>
+            <p:cNvPr id="28" name="TextBox 27">
+              <a:extLst>
+                <a:ext uri="{FF2B5EF4-FFF2-40B4-BE49-F238E27FC236}">
+                  <a16:creationId xmlns:a16="http://schemas.microsoft.com/office/drawing/2014/main" id="{168062F3-43FE-1B43-B72D-AF750389B892}"/>
+                </a:ext>
+              </a:extLst>
+            </p:cNvPr>
+            <p:cNvSpPr txBox="1"/>
+            <p:nvPr/>
+          </p:nvSpPr>
+          <p:spPr>
+            <a:xfrm>
+              <a:off x="9700640" y="3701124"/>
+              <a:ext cx="2589812" cy="338554"/>
+            </a:xfrm>
+            <a:prstGeom prst="rect">
+              <a:avLst/>
+            </a:prstGeom>
+            <a:noFill/>
+          </p:spPr>
+          <p:txBody>
+            <a:bodyPr wrap="none" rtlCol="0">
+              <a:spAutoFit/>
+            </a:bodyPr>
+            <a:lstStyle/>
+            <a:p>
+              <a:r>
+                <a:rPr kumimoji="1" lang="en-US" altLang="ko-KR" sz="1600" dirty="0"/>
+                <a:t>4. Connection: Keep-Alive</a:t>
+              </a:r>
+              <a:endParaRPr kumimoji="1" lang="ko-KR" altLang="en-US" sz="1600" dirty="0"/>
+            </a:p>
+          </p:txBody>
+        </p:sp>
+        <p:sp>
+          <p:nvSpPr>
+            <p:cNvPr id="31" name="TextBox 30">
+              <a:extLst>
+                <a:ext uri="{FF2B5EF4-FFF2-40B4-BE49-F238E27FC236}">
+                  <a16:creationId xmlns:a16="http://schemas.microsoft.com/office/drawing/2014/main" id="{213BC11F-3D2A-AD4E-9623-670F1CAA5C74}"/>
+                </a:ext>
+              </a:extLst>
+            </p:cNvPr>
+            <p:cNvSpPr txBox="1"/>
+            <p:nvPr/>
+          </p:nvSpPr>
+          <p:spPr>
+            <a:xfrm>
+              <a:off x="2781896" y="4231270"/>
+              <a:ext cx="7705058" cy="338554"/>
+            </a:xfrm>
+            <a:prstGeom prst="rect">
+              <a:avLst/>
+            </a:prstGeom>
+            <a:noFill/>
+          </p:spPr>
+          <p:txBody>
+            <a:bodyPr wrap="none" rtlCol="0">
+              <a:spAutoFit/>
+            </a:bodyPr>
+            <a:lstStyle/>
+            <a:p>
+              <a:r>
+                <a:rPr kumimoji="1" lang="ko-KR" altLang="en-US" sz="1600" dirty="0"/>
+                <a:t>멍청한 프록시는 영리한 프록시와 서버에게 </a:t>
+              </a:r>
+              <a:r>
+                <a:rPr kumimoji="1" lang="en-US" altLang="ko-KR" sz="1600" dirty="0"/>
+                <a:t>keep-alive </a:t>
+              </a:r>
+              <a:r>
+                <a:rPr kumimoji="1" lang="ko-KR" altLang="en-US" sz="1600" dirty="0"/>
+                <a:t>커넥션을 맺으려고 합니다</a:t>
+              </a:r>
+              <a:r>
+                <a:rPr kumimoji="1" lang="en-US" altLang="ko-KR" sz="1600" dirty="0"/>
+                <a:t>.</a:t>
+              </a:r>
+            </a:p>
+          </p:txBody>
+        </p:sp>
+      </p:grpSp>
+    </p:spTree>
+    <p:extLst>
+      <p:ext uri="{BB962C8B-B14F-4D97-AF65-F5344CB8AC3E}">
+        <p14:creationId xmlns:p14="http://schemas.microsoft.com/office/powerpoint/2010/main" val="1332250657"/>
+      </p:ext>
+    </p:extLst>
+  </p:cSld>
+  <p:clrMapOvr>
+    <a:masterClrMapping/>
+  </p:clrMapOvr>
+</p:sld>
+</file>
+
+<file path=ppt/slides/slide24.xml><?xml version="1.0" encoding="utf-8"?>
+<p:sld xmlns:a="http://schemas.openxmlformats.org/drawingml/2006/main" xmlns:r="http://schemas.openxmlformats.org/officeDocument/2006/relationships" xmlns:p="http://schemas.openxmlformats.org/presentationml/2006/main" show="0">
+  <p:cSld>
+    <p:spTree>
+      <p:nvGrpSpPr>
+        <p:cNvPr id="1" name=""/>
+        <p:cNvGrpSpPr/>
+        <p:nvPr/>
+      </p:nvGrpSpPr>
+      <p:grpSpPr>
+        <a:xfrm>
+          <a:off x="0" y="0"/>
+          <a:ext cx="0" cy="0"/>
+          <a:chOff x="0" y="0"/>
+          <a:chExt cx="0" cy="0"/>
+        </a:xfrm>
+      </p:grpSpPr>
+      <p:grpSp>
+        <p:nvGrpSpPr>
+          <p:cNvPr id="58" name="그룹 57">
+            <a:extLst>
+              <a:ext uri="{FF2B5EF4-FFF2-40B4-BE49-F238E27FC236}">
+                <a16:creationId xmlns:a16="http://schemas.microsoft.com/office/drawing/2014/main" id="{4F3C10A0-C20D-C548-8EE8-4B990C962AFF}"/>
+              </a:ext>
+            </a:extLst>
+          </p:cNvPr>
+          <p:cNvGrpSpPr/>
+          <p:nvPr/>
+        </p:nvGrpSpPr>
+        <p:grpSpPr>
+          <a:xfrm>
+            <a:off x="2216745" y="471946"/>
+            <a:ext cx="4281626" cy="6148310"/>
+            <a:chOff x="2216745" y="471946"/>
+            <a:chExt cx="4281626" cy="6148310"/>
+          </a:xfrm>
+        </p:grpSpPr>
+        <p:sp>
+          <p:nvSpPr>
+            <p:cNvPr id="53" name="TextBox 52">
+              <a:extLst>
+                <a:ext uri="{FF2B5EF4-FFF2-40B4-BE49-F238E27FC236}">
+                  <a16:creationId xmlns:a16="http://schemas.microsoft.com/office/drawing/2014/main" id="{67B88E61-0E6F-FE45-A7C4-21B924CF7300}"/>
+                </a:ext>
+              </a:extLst>
+            </p:cNvPr>
+            <p:cNvSpPr txBox="1"/>
+            <p:nvPr/>
+          </p:nvSpPr>
+          <p:spPr>
+            <a:xfrm>
+              <a:off x="2729572" y="4641422"/>
+              <a:ext cx="1865946" cy="338554"/>
+            </a:xfrm>
+            <a:prstGeom prst="rect">
+              <a:avLst/>
+            </a:prstGeom>
+            <a:solidFill>
+              <a:schemeClr val="accent5">
+                <a:lumMod val="20000"/>
+                <a:lumOff val="80000"/>
+              </a:schemeClr>
+            </a:solidFill>
+          </p:spPr>
+          <p:txBody>
+            <a:bodyPr wrap="square" rtlCol="0">
+              <a:spAutoFit/>
+            </a:bodyPr>
+            <a:lstStyle/>
+            <a:p>
+              <a:pPr algn="ctr"/>
+              <a:r>
+                <a:rPr kumimoji="1" lang="en-US" altLang="ko-KR" sz="1600" dirty="0"/>
+                <a:t>TCP </a:t>
+              </a:r>
+              <a:r>
+                <a:rPr kumimoji="1" lang="ko-KR" altLang="en-US" sz="1600" dirty="0"/>
+                <a:t>연결</a:t>
+              </a:r>
+            </a:p>
+          </p:txBody>
+        </p:sp>
+        <p:sp>
+          <p:nvSpPr>
+            <p:cNvPr id="47" name="TextBox 46">
+              <a:extLst>
+                <a:ext uri="{FF2B5EF4-FFF2-40B4-BE49-F238E27FC236}">
+                  <a16:creationId xmlns:a16="http://schemas.microsoft.com/office/drawing/2014/main" id="{E3A6F8C9-4D4C-314F-89F0-9D7A3E205AA3}"/>
+                </a:ext>
+              </a:extLst>
+            </p:cNvPr>
+            <p:cNvSpPr txBox="1"/>
+            <p:nvPr/>
+          </p:nvSpPr>
+          <p:spPr>
+            <a:xfrm>
+              <a:off x="2729572" y="2845724"/>
+              <a:ext cx="1865946" cy="338554"/>
+            </a:xfrm>
+            <a:prstGeom prst="rect">
+              <a:avLst/>
+            </a:prstGeom>
+            <a:solidFill>
+              <a:schemeClr val="accent5">
+                <a:lumMod val="20000"/>
+                <a:lumOff val="80000"/>
+              </a:schemeClr>
+            </a:solidFill>
+          </p:spPr>
+          <p:txBody>
+            <a:bodyPr wrap="square" rtlCol="0">
+              <a:spAutoFit/>
+            </a:bodyPr>
+            <a:lstStyle/>
+            <a:p>
+              <a:pPr algn="ctr"/>
+              <a:r>
+                <a:rPr kumimoji="1" lang="en-US" altLang="ko-KR" sz="1600" dirty="0"/>
+                <a:t>TCP </a:t>
+              </a:r>
+              <a:r>
+                <a:rPr kumimoji="1" lang="ko-KR" altLang="en-US" sz="1600" dirty="0"/>
+                <a:t>연결</a:t>
+              </a:r>
+            </a:p>
+          </p:txBody>
+        </p:sp>
+        <p:sp>
+          <p:nvSpPr>
+            <p:cNvPr id="10" name="TextBox 9">
+              <a:extLst>
+                <a:ext uri="{FF2B5EF4-FFF2-40B4-BE49-F238E27FC236}">
+                  <a16:creationId xmlns:a16="http://schemas.microsoft.com/office/drawing/2014/main" id="{5602CD05-5512-EA45-A893-CFB3DFC26675}"/>
+                </a:ext>
+              </a:extLst>
+            </p:cNvPr>
+            <p:cNvSpPr txBox="1"/>
+            <p:nvPr/>
+          </p:nvSpPr>
+          <p:spPr>
+            <a:xfrm>
+              <a:off x="2729572" y="1050026"/>
+              <a:ext cx="1865946" cy="338554"/>
+            </a:xfrm>
+            <a:prstGeom prst="rect">
+              <a:avLst/>
+            </a:prstGeom>
+            <a:solidFill>
+              <a:schemeClr val="accent5">
+                <a:lumMod val="20000"/>
+                <a:lumOff val="80000"/>
+              </a:schemeClr>
+            </a:solidFill>
+          </p:spPr>
+          <p:txBody>
+            <a:bodyPr wrap="square" rtlCol="0">
+              <a:spAutoFit/>
+            </a:bodyPr>
+            <a:lstStyle/>
+            <a:p>
+              <a:pPr algn="ctr"/>
+              <a:r>
+                <a:rPr kumimoji="1" lang="en-US" altLang="ko-KR" sz="1600" dirty="0"/>
+                <a:t>TCP </a:t>
+              </a:r>
+              <a:r>
+                <a:rPr kumimoji="1" lang="ko-KR" altLang="en-US" sz="1600" dirty="0"/>
+                <a:t>연결</a:t>
+              </a:r>
+            </a:p>
+          </p:txBody>
+        </p:sp>
+        <p:cxnSp>
+          <p:nvCxnSpPr>
+            <p:cNvPr id="5" name="직선 연결선[R] 4">
+              <a:extLst>
+                <a:ext uri="{FF2B5EF4-FFF2-40B4-BE49-F238E27FC236}">
+                  <a16:creationId xmlns:a16="http://schemas.microsoft.com/office/drawing/2014/main" id="{C7B8184F-9E09-4A44-B928-5443C553A934}"/>
+                </a:ext>
+              </a:extLst>
+            </p:cNvPr>
+            <p:cNvCxnSpPr/>
+            <p:nvPr/>
+          </p:nvCxnSpPr>
+          <p:spPr>
+            <a:xfrm>
+              <a:off x="2706624" y="933611"/>
+              <a:ext cx="0" cy="5686645"/>
+            </a:xfrm>
+            <a:prstGeom prst="line">
+              <a:avLst/>
+            </a:prstGeom>
+            <a:ln w="50800">
+              <a:solidFill>
+                <a:schemeClr val="tx1"/>
+              </a:solidFill>
+            </a:ln>
+          </p:spPr>
+          <p:style>
+            <a:lnRef idx="1">
+              <a:schemeClr val="accent1"/>
+            </a:lnRef>
+            <a:fillRef idx="0">
+              <a:schemeClr val="accent1"/>
+            </a:fillRef>
+            <a:effectRef idx="0">
+              <a:schemeClr val="accent1"/>
+            </a:effectRef>
+            <a:fontRef idx="minor">
+              <a:schemeClr val="tx1"/>
+            </a:fontRef>
+          </p:style>
+        </p:cxnSp>
+        <p:sp>
+          <p:nvSpPr>
+            <p:cNvPr id="6" name="TextBox 5">
+              <a:extLst>
+                <a:ext uri="{FF2B5EF4-FFF2-40B4-BE49-F238E27FC236}">
+                  <a16:creationId xmlns:a16="http://schemas.microsoft.com/office/drawing/2014/main" id="{DAA0D060-6BBE-C143-9C6D-D1CC3A0981DD}"/>
+                </a:ext>
+              </a:extLst>
+            </p:cNvPr>
+            <p:cNvSpPr txBox="1"/>
+            <p:nvPr/>
+          </p:nvSpPr>
+          <p:spPr>
+            <a:xfrm>
+              <a:off x="2216745" y="471946"/>
+              <a:ext cx="979755" cy="461665"/>
+            </a:xfrm>
+            <a:prstGeom prst="rect">
+              <a:avLst/>
+            </a:prstGeom>
+            <a:noFill/>
+          </p:spPr>
+          <p:txBody>
+            <a:bodyPr wrap="none" rtlCol="0">
+              <a:spAutoFit/>
+            </a:bodyPr>
+            <a:lstStyle/>
+            <a:p>
+              <a:r>
+                <a:rPr kumimoji="1" lang="en-US" altLang="ko-KR" sz="2400" dirty="0"/>
+                <a:t>Client</a:t>
+              </a:r>
+              <a:endParaRPr kumimoji="1" lang="ko-KR" altLang="en-US" sz="2400" dirty="0"/>
+            </a:p>
+          </p:txBody>
+        </p:sp>
+        <p:cxnSp>
+          <p:nvCxnSpPr>
+            <p:cNvPr id="7" name="직선 연결선[R] 6">
+              <a:extLst>
+                <a:ext uri="{FF2B5EF4-FFF2-40B4-BE49-F238E27FC236}">
+                  <a16:creationId xmlns:a16="http://schemas.microsoft.com/office/drawing/2014/main" id="{E5564040-B92A-D84C-A0B5-40A0418BE269}"/>
+                </a:ext>
+              </a:extLst>
+            </p:cNvPr>
+            <p:cNvCxnSpPr/>
+            <p:nvPr/>
+          </p:nvCxnSpPr>
+          <p:spPr>
+            <a:xfrm>
+              <a:off x="4620097" y="933611"/>
+              <a:ext cx="0" cy="5686645"/>
+            </a:xfrm>
+            <a:prstGeom prst="line">
+              <a:avLst/>
+            </a:prstGeom>
+            <a:ln w="50800">
+              <a:solidFill>
+                <a:schemeClr val="tx1"/>
+              </a:solidFill>
+            </a:ln>
+          </p:spPr>
+          <p:style>
+            <a:lnRef idx="1">
+              <a:schemeClr val="accent1"/>
+            </a:lnRef>
+            <a:fillRef idx="0">
+              <a:schemeClr val="accent1"/>
+            </a:fillRef>
+            <a:effectRef idx="0">
+              <a:schemeClr val="accent1"/>
+            </a:effectRef>
+            <a:fontRef idx="minor">
+              <a:schemeClr val="tx1"/>
+            </a:fontRef>
+          </p:style>
+        </p:cxnSp>
+        <p:sp>
+          <p:nvSpPr>
+            <p:cNvPr id="8" name="TextBox 7">
+              <a:extLst>
+                <a:ext uri="{FF2B5EF4-FFF2-40B4-BE49-F238E27FC236}">
+                  <a16:creationId xmlns:a16="http://schemas.microsoft.com/office/drawing/2014/main" id="{A2A7CC31-3BDB-F740-926F-DD00009E5AA5}"/>
+                </a:ext>
+              </a:extLst>
+            </p:cNvPr>
+            <p:cNvSpPr txBox="1"/>
+            <p:nvPr/>
+          </p:nvSpPr>
+          <p:spPr>
+            <a:xfrm>
+              <a:off x="4089213" y="471946"/>
+              <a:ext cx="1061766" cy="461665"/>
+            </a:xfrm>
+            <a:prstGeom prst="rect">
+              <a:avLst/>
+            </a:prstGeom>
+            <a:noFill/>
+          </p:spPr>
+          <p:txBody>
+            <a:bodyPr wrap="none" rtlCol="0">
+              <a:spAutoFit/>
+            </a:bodyPr>
+            <a:lstStyle/>
+            <a:p>
+              <a:r>
+                <a:rPr kumimoji="1" lang="en-US" altLang="ko-KR" sz="2400" dirty="0"/>
+                <a:t>Server</a:t>
+              </a:r>
+              <a:endParaRPr kumimoji="1" lang="ko-KR" altLang="en-US" sz="2400" dirty="0"/>
+            </a:p>
+          </p:txBody>
+        </p:sp>
+        <p:sp>
+          <p:nvSpPr>
+            <p:cNvPr id="39" name="직사각형 38">
+              <a:extLst>
+                <a:ext uri="{FF2B5EF4-FFF2-40B4-BE49-F238E27FC236}">
+                  <a16:creationId xmlns:a16="http://schemas.microsoft.com/office/drawing/2014/main" id="{6E0F2D4F-84E7-574E-A3E8-A2C8F1A20E01}"/>
+                </a:ext>
+              </a:extLst>
+            </p:cNvPr>
+            <p:cNvSpPr/>
+            <p:nvPr/>
+          </p:nvSpPr>
+          <p:spPr>
+            <a:xfrm>
+              <a:off x="4653729" y="1653585"/>
+              <a:ext cx="1844642" cy="571384"/>
+            </a:xfrm>
+            <a:prstGeom prst="rect">
+              <a:avLst/>
+            </a:prstGeom>
+            <a:solidFill>
+              <a:schemeClr val="accent4">
+                <a:lumMod val="20000"/>
+                <a:lumOff val="80000"/>
+              </a:schemeClr>
+            </a:solidFill>
+            <a:ln>
+              <a:noFill/>
+            </a:ln>
+          </p:spPr>
+          <p:style>
+            <a:lnRef idx="2">
+              <a:schemeClr val="accent1">
+                <a:shade val="50000"/>
+              </a:schemeClr>
+            </a:lnRef>
+            <a:fillRef idx="1">
+              <a:schemeClr val="accent1"/>
+            </a:fillRef>
+            <a:effectRef idx="0">
+              <a:schemeClr val="accent1"/>
+            </a:effectRef>
+            <a:fontRef idx="minor">
+              <a:schemeClr val="lt1"/>
+            </a:fontRef>
+          </p:style>
+          <p:txBody>
+            <a:bodyPr rtlCol="0" anchor="ctr"/>
+            <a:lstStyle/>
+            <a:p>
+              <a:pPr algn="ctr"/>
+              <a:r>
+                <a:rPr kumimoji="1" lang="ko-KR" altLang="en-US" dirty="0">
+                  <a:solidFill>
+                    <a:sysClr val="windowText" lastClr="000000"/>
+                  </a:solidFill>
+                </a:rPr>
+                <a:t>응답 결과 생성</a:t>
+              </a:r>
+            </a:p>
+          </p:txBody>
+        </p:sp>
+        <p:cxnSp>
+          <p:nvCxnSpPr>
+            <p:cNvPr id="21" name="직선 화살표 연결선 20">
+              <a:extLst>
+                <a:ext uri="{FF2B5EF4-FFF2-40B4-BE49-F238E27FC236}">
+                  <a16:creationId xmlns:a16="http://schemas.microsoft.com/office/drawing/2014/main" id="{87100696-8372-214D-9EA6-20E2A1C5D67A}"/>
+                </a:ext>
+              </a:extLst>
+            </p:cNvPr>
+            <p:cNvCxnSpPr>
+              <a:cxnSpLocks/>
+            </p:cNvCxnSpPr>
+            <p:nvPr/>
+          </p:nvCxnSpPr>
+          <p:spPr>
+            <a:xfrm>
+              <a:off x="2719741" y="1412173"/>
+              <a:ext cx="1887239" cy="241412"/>
+            </a:xfrm>
+            <a:prstGeom prst="straightConnector1">
+              <a:avLst/>
+            </a:prstGeom>
+            <a:ln w="50800">
+              <a:solidFill>
+                <a:schemeClr val="tx1"/>
+              </a:solidFill>
+              <a:tailEnd type="triangle"/>
+            </a:ln>
+          </p:spPr>
+          <p:style>
+            <a:lnRef idx="1">
+              <a:schemeClr val="accent1"/>
+            </a:lnRef>
+            <a:fillRef idx="0">
+              <a:schemeClr val="accent1"/>
+            </a:fillRef>
+            <a:effectRef idx="0">
+              <a:schemeClr val="accent1"/>
+            </a:effectRef>
+            <a:fontRef idx="minor">
+              <a:schemeClr val="tx1"/>
+            </a:fontRef>
+          </p:style>
+        </p:cxnSp>
+        <p:sp>
+          <p:nvSpPr>
+            <p:cNvPr id="45" name="TextBox 44">
+              <a:extLst>
+                <a:ext uri="{FF2B5EF4-FFF2-40B4-BE49-F238E27FC236}">
+                  <a16:creationId xmlns:a16="http://schemas.microsoft.com/office/drawing/2014/main" id="{9DE764F1-438F-FC45-874A-1A88DB032649}"/>
+                </a:ext>
+              </a:extLst>
+            </p:cNvPr>
+            <p:cNvSpPr txBox="1"/>
+            <p:nvPr/>
+          </p:nvSpPr>
+          <p:spPr>
+            <a:xfrm>
+              <a:off x="2735953" y="2507170"/>
+              <a:ext cx="1859565" cy="338554"/>
+            </a:xfrm>
+            <a:prstGeom prst="rect">
+              <a:avLst/>
+            </a:prstGeom>
+            <a:solidFill>
+              <a:schemeClr val="accent6">
+                <a:lumMod val="20000"/>
+                <a:lumOff val="80000"/>
+              </a:schemeClr>
+            </a:solidFill>
+          </p:spPr>
+          <p:txBody>
+            <a:bodyPr wrap="square" rtlCol="0">
+              <a:spAutoFit/>
+            </a:bodyPr>
+            <a:lstStyle/>
+            <a:p>
+              <a:pPr algn="ctr"/>
+              <a:r>
+                <a:rPr kumimoji="1" lang="en-US" altLang="ko-KR" sz="1600" dirty="0"/>
+                <a:t>TCP</a:t>
+              </a:r>
+              <a:r>
+                <a:rPr kumimoji="1" lang="ko-KR" altLang="en-US" sz="1600" dirty="0"/>
+                <a:t> 연결 해제</a:t>
+              </a:r>
+            </a:p>
+          </p:txBody>
+        </p:sp>
+        <p:cxnSp>
+          <p:nvCxnSpPr>
+            <p:cNvPr id="42" name="직선 화살표 연결선 41">
+              <a:extLst>
+                <a:ext uri="{FF2B5EF4-FFF2-40B4-BE49-F238E27FC236}">
+                  <a16:creationId xmlns:a16="http://schemas.microsoft.com/office/drawing/2014/main" id="{A1043DAE-4102-9342-B405-C576A2C030CE}"/>
+                </a:ext>
+              </a:extLst>
+            </p:cNvPr>
+            <p:cNvCxnSpPr>
+              <a:cxnSpLocks/>
+            </p:cNvCxnSpPr>
+            <p:nvPr/>
+          </p:nvCxnSpPr>
+          <p:spPr>
+            <a:xfrm flipH="1">
+              <a:off x="2729572" y="2224969"/>
+              <a:ext cx="1887239" cy="266649"/>
+            </a:xfrm>
+            <a:prstGeom prst="straightConnector1">
+              <a:avLst/>
+            </a:prstGeom>
+            <a:ln w="50800">
+              <a:solidFill>
+                <a:schemeClr val="tx1"/>
+              </a:solidFill>
+              <a:tailEnd type="triangle"/>
+            </a:ln>
+          </p:spPr>
+          <p:style>
+            <a:lnRef idx="1">
+              <a:schemeClr val="accent1"/>
+            </a:lnRef>
+            <a:fillRef idx="0">
+              <a:schemeClr val="accent1"/>
+            </a:fillRef>
+            <a:effectRef idx="0">
+              <a:schemeClr val="accent1"/>
+            </a:effectRef>
+            <a:fontRef idx="minor">
+              <a:schemeClr val="tx1"/>
+            </a:fontRef>
+          </p:style>
+        </p:cxnSp>
+        <p:sp>
+          <p:nvSpPr>
+            <p:cNvPr id="48" name="직사각형 47">
+              <a:extLst>
+                <a:ext uri="{FF2B5EF4-FFF2-40B4-BE49-F238E27FC236}">
+                  <a16:creationId xmlns:a16="http://schemas.microsoft.com/office/drawing/2014/main" id="{7B570EAA-F242-DF48-B02C-90747A696EE7}"/>
+                </a:ext>
+              </a:extLst>
+            </p:cNvPr>
+            <p:cNvSpPr/>
+            <p:nvPr/>
+          </p:nvSpPr>
+          <p:spPr>
+            <a:xfrm>
+              <a:off x="4653729" y="3449283"/>
+              <a:ext cx="1844642" cy="571384"/>
+            </a:xfrm>
+            <a:prstGeom prst="rect">
+              <a:avLst/>
+            </a:prstGeom>
+            <a:solidFill>
+              <a:schemeClr val="accent3">
+                <a:lumMod val="20000"/>
+                <a:lumOff val="80000"/>
+              </a:schemeClr>
+            </a:solidFill>
+            <a:ln>
+              <a:noFill/>
+            </a:ln>
+          </p:spPr>
+          <p:style>
+            <a:lnRef idx="2">
+              <a:schemeClr val="accent1">
+                <a:shade val="50000"/>
+              </a:schemeClr>
+            </a:lnRef>
+            <a:fillRef idx="1">
+              <a:schemeClr val="accent1"/>
+            </a:fillRef>
+            <a:effectRef idx="0">
+              <a:schemeClr val="accent1"/>
+            </a:effectRef>
+            <a:fontRef idx="minor">
+              <a:schemeClr val="lt1"/>
+            </a:fontRef>
+          </p:style>
+          <p:txBody>
+            <a:bodyPr rtlCol="0" anchor="ctr"/>
+            <a:lstStyle/>
+            <a:p>
+              <a:pPr algn="ctr"/>
+              <a:r>
+                <a:rPr kumimoji="1" lang="ko-KR" altLang="en-US" dirty="0">
+                  <a:solidFill>
+                    <a:sysClr val="windowText" lastClr="000000"/>
+                  </a:solidFill>
+                </a:rPr>
+                <a:t>응답 결과 생성</a:t>
+              </a:r>
+            </a:p>
+          </p:txBody>
+        </p:sp>
+        <p:cxnSp>
+          <p:nvCxnSpPr>
+            <p:cNvPr id="49" name="직선 화살표 연결선 48">
+              <a:extLst>
+                <a:ext uri="{FF2B5EF4-FFF2-40B4-BE49-F238E27FC236}">
+                  <a16:creationId xmlns:a16="http://schemas.microsoft.com/office/drawing/2014/main" id="{3ADBA461-D1A8-4541-BFBF-4DA22F8D8F76}"/>
+                </a:ext>
+              </a:extLst>
+            </p:cNvPr>
+            <p:cNvCxnSpPr>
+              <a:cxnSpLocks/>
+            </p:cNvCxnSpPr>
+            <p:nvPr/>
+          </p:nvCxnSpPr>
+          <p:spPr>
+            <a:xfrm>
+              <a:off x="2719741" y="3207871"/>
+              <a:ext cx="1887239" cy="241412"/>
+            </a:xfrm>
+            <a:prstGeom prst="straightConnector1">
+              <a:avLst/>
+            </a:prstGeom>
+            <a:ln w="50800">
+              <a:solidFill>
+                <a:schemeClr val="tx1"/>
+              </a:solidFill>
+              <a:tailEnd type="triangle"/>
+            </a:ln>
+          </p:spPr>
+          <p:style>
+            <a:lnRef idx="1">
+              <a:schemeClr val="accent1"/>
+            </a:lnRef>
+            <a:fillRef idx="0">
+              <a:schemeClr val="accent1"/>
+            </a:fillRef>
+            <a:effectRef idx="0">
+              <a:schemeClr val="accent1"/>
+            </a:effectRef>
+            <a:fontRef idx="minor">
+              <a:schemeClr val="tx1"/>
+            </a:fontRef>
+          </p:style>
+        </p:cxnSp>
+        <p:sp>
+          <p:nvSpPr>
+            <p:cNvPr id="50" name="TextBox 49">
+              <a:extLst>
+                <a:ext uri="{FF2B5EF4-FFF2-40B4-BE49-F238E27FC236}">
+                  <a16:creationId xmlns:a16="http://schemas.microsoft.com/office/drawing/2014/main" id="{761C798B-E95C-354D-952F-5C3EDEB9EBEC}"/>
+                </a:ext>
+              </a:extLst>
+            </p:cNvPr>
+            <p:cNvSpPr txBox="1"/>
+            <p:nvPr/>
+          </p:nvSpPr>
+          <p:spPr>
+            <a:xfrm>
+              <a:off x="2735953" y="4302868"/>
+              <a:ext cx="1859565" cy="338554"/>
+            </a:xfrm>
+            <a:prstGeom prst="rect">
+              <a:avLst/>
+            </a:prstGeom>
+            <a:solidFill>
+              <a:schemeClr val="accent6">
+                <a:lumMod val="20000"/>
+                <a:lumOff val="80000"/>
+              </a:schemeClr>
+            </a:solidFill>
+          </p:spPr>
+          <p:txBody>
+            <a:bodyPr wrap="square" rtlCol="0">
+              <a:spAutoFit/>
+            </a:bodyPr>
+            <a:lstStyle/>
+            <a:p>
+              <a:pPr algn="ctr"/>
+              <a:r>
+                <a:rPr kumimoji="1" lang="en-US" altLang="ko-KR" sz="1600" dirty="0"/>
+                <a:t>TCP</a:t>
+              </a:r>
+              <a:r>
+                <a:rPr kumimoji="1" lang="ko-KR" altLang="en-US" sz="1600" dirty="0"/>
+                <a:t> 연결 해제</a:t>
+              </a:r>
+            </a:p>
+          </p:txBody>
+        </p:sp>
+        <p:cxnSp>
+          <p:nvCxnSpPr>
+            <p:cNvPr id="51" name="직선 화살표 연결선 50">
+              <a:extLst>
+                <a:ext uri="{FF2B5EF4-FFF2-40B4-BE49-F238E27FC236}">
+                  <a16:creationId xmlns:a16="http://schemas.microsoft.com/office/drawing/2014/main" id="{D83DE204-84F6-9E41-A2CE-D76E60760353}"/>
+                </a:ext>
+              </a:extLst>
+            </p:cNvPr>
+            <p:cNvCxnSpPr>
+              <a:cxnSpLocks/>
+            </p:cNvCxnSpPr>
+            <p:nvPr/>
+          </p:nvCxnSpPr>
+          <p:spPr>
+            <a:xfrm flipH="1">
+              <a:off x="2729572" y="4020667"/>
+              <a:ext cx="1887239" cy="266649"/>
+            </a:xfrm>
+            <a:prstGeom prst="straightConnector1">
+              <a:avLst/>
+            </a:prstGeom>
+            <a:ln w="50800">
+              <a:solidFill>
+                <a:schemeClr val="tx1"/>
+              </a:solidFill>
+              <a:tailEnd type="triangle"/>
+            </a:ln>
+          </p:spPr>
+          <p:style>
+            <a:lnRef idx="1">
+              <a:schemeClr val="accent1"/>
+            </a:lnRef>
+            <a:fillRef idx="0">
+              <a:schemeClr val="accent1"/>
+            </a:fillRef>
+            <a:effectRef idx="0">
+              <a:schemeClr val="accent1"/>
+            </a:effectRef>
+            <a:fontRef idx="minor">
+              <a:schemeClr val="tx1"/>
+            </a:fontRef>
+          </p:style>
+        </p:cxnSp>
+        <p:sp>
+          <p:nvSpPr>
+            <p:cNvPr id="54" name="직사각형 53">
+              <a:extLst>
+                <a:ext uri="{FF2B5EF4-FFF2-40B4-BE49-F238E27FC236}">
+                  <a16:creationId xmlns:a16="http://schemas.microsoft.com/office/drawing/2014/main" id="{F767E88D-7ED9-B448-9A7C-68E42C5C85DA}"/>
+                </a:ext>
+              </a:extLst>
+            </p:cNvPr>
+            <p:cNvSpPr/>
+            <p:nvPr/>
+          </p:nvSpPr>
+          <p:spPr>
+            <a:xfrm>
+              <a:off x="4653729" y="5244981"/>
+              <a:ext cx="1844642" cy="571384"/>
+            </a:xfrm>
+            <a:prstGeom prst="rect">
+              <a:avLst/>
+            </a:prstGeom>
+            <a:solidFill>
+              <a:schemeClr val="accent2">
+                <a:lumMod val="20000"/>
+                <a:lumOff val="80000"/>
+              </a:schemeClr>
+            </a:solidFill>
+            <a:ln>
+              <a:noFill/>
+            </a:ln>
+          </p:spPr>
+          <p:style>
+            <a:lnRef idx="2">
+              <a:schemeClr val="accent1">
+                <a:shade val="50000"/>
+              </a:schemeClr>
+            </a:lnRef>
+            <a:fillRef idx="1">
+              <a:schemeClr val="accent1"/>
+            </a:fillRef>
+            <a:effectRef idx="0">
+              <a:schemeClr val="accent1"/>
+            </a:effectRef>
+            <a:fontRef idx="minor">
+              <a:schemeClr val="lt1"/>
+            </a:fontRef>
+          </p:style>
+          <p:txBody>
+            <a:bodyPr rtlCol="0" anchor="ctr"/>
+            <a:lstStyle/>
+            <a:p>
+              <a:pPr algn="ctr"/>
+              <a:r>
+                <a:rPr kumimoji="1" lang="ko-KR" altLang="en-US" dirty="0">
+                  <a:solidFill>
+                    <a:sysClr val="windowText" lastClr="000000"/>
+                  </a:solidFill>
+                </a:rPr>
+                <a:t>응답 결과 생성</a:t>
+              </a:r>
+            </a:p>
+          </p:txBody>
+        </p:sp>
+        <p:cxnSp>
+          <p:nvCxnSpPr>
+            <p:cNvPr id="55" name="직선 화살표 연결선 54">
+              <a:extLst>
+                <a:ext uri="{FF2B5EF4-FFF2-40B4-BE49-F238E27FC236}">
+                  <a16:creationId xmlns:a16="http://schemas.microsoft.com/office/drawing/2014/main" id="{E0913B90-D62D-B941-9A87-BB103C4DF8F8}"/>
+                </a:ext>
+              </a:extLst>
+            </p:cNvPr>
+            <p:cNvCxnSpPr>
+              <a:cxnSpLocks/>
+            </p:cNvCxnSpPr>
+            <p:nvPr/>
+          </p:nvCxnSpPr>
+          <p:spPr>
+            <a:xfrm>
+              <a:off x="2719741" y="5003569"/>
+              <a:ext cx="1887239" cy="241412"/>
+            </a:xfrm>
+            <a:prstGeom prst="straightConnector1">
+              <a:avLst/>
+            </a:prstGeom>
+            <a:ln w="50800">
+              <a:solidFill>
+                <a:schemeClr val="tx1"/>
+              </a:solidFill>
+              <a:tailEnd type="triangle"/>
+            </a:ln>
+          </p:spPr>
+          <p:style>
+            <a:lnRef idx="1">
+              <a:schemeClr val="accent1"/>
+            </a:lnRef>
+            <a:fillRef idx="0">
+              <a:schemeClr val="accent1"/>
+            </a:fillRef>
+            <a:effectRef idx="0">
+              <a:schemeClr val="accent1"/>
+            </a:effectRef>
+            <a:fontRef idx="minor">
+              <a:schemeClr val="tx1"/>
+            </a:fontRef>
+          </p:style>
+        </p:cxnSp>
+        <p:sp>
+          <p:nvSpPr>
+            <p:cNvPr id="56" name="TextBox 55">
+              <a:extLst>
+                <a:ext uri="{FF2B5EF4-FFF2-40B4-BE49-F238E27FC236}">
+                  <a16:creationId xmlns:a16="http://schemas.microsoft.com/office/drawing/2014/main" id="{EEEEE69C-B682-3641-A515-43D3124F2ECB}"/>
+                </a:ext>
+              </a:extLst>
+            </p:cNvPr>
+            <p:cNvSpPr txBox="1"/>
+            <p:nvPr/>
+          </p:nvSpPr>
+          <p:spPr>
+            <a:xfrm>
+              <a:off x="2735953" y="6098566"/>
+              <a:ext cx="1859565" cy="338554"/>
+            </a:xfrm>
+            <a:prstGeom prst="rect">
+              <a:avLst/>
+            </a:prstGeom>
+            <a:solidFill>
+              <a:schemeClr val="accent6">
+                <a:lumMod val="20000"/>
+                <a:lumOff val="80000"/>
+              </a:schemeClr>
+            </a:solidFill>
+          </p:spPr>
+          <p:txBody>
+            <a:bodyPr wrap="square" rtlCol="0">
+              <a:spAutoFit/>
+            </a:bodyPr>
+            <a:lstStyle/>
+            <a:p>
+              <a:pPr algn="ctr"/>
+              <a:r>
+                <a:rPr kumimoji="1" lang="en-US" altLang="ko-KR" sz="1600" dirty="0"/>
+                <a:t>TCP</a:t>
+              </a:r>
+              <a:r>
+                <a:rPr kumimoji="1" lang="ko-KR" altLang="en-US" sz="1600" dirty="0"/>
+                <a:t> 연결 해제</a:t>
+              </a:r>
+            </a:p>
+          </p:txBody>
+        </p:sp>
+        <p:cxnSp>
+          <p:nvCxnSpPr>
+            <p:cNvPr id="57" name="직선 화살표 연결선 56">
+              <a:extLst>
+                <a:ext uri="{FF2B5EF4-FFF2-40B4-BE49-F238E27FC236}">
+                  <a16:creationId xmlns:a16="http://schemas.microsoft.com/office/drawing/2014/main" id="{FB1BE8D6-3BDC-664B-ABB1-42AA8D8A4141}"/>
+                </a:ext>
+              </a:extLst>
+            </p:cNvPr>
+            <p:cNvCxnSpPr>
+              <a:cxnSpLocks/>
+            </p:cNvCxnSpPr>
+            <p:nvPr/>
+          </p:nvCxnSpPr>
+          <p:spPr>
+            <a:xfrm flipH="1">
+              <a:off x="2729572" y="5816365"/>
+              <a:ext cx="1887239" cy="266649"/>
+            </a:xfrm>
+            <a:prstGeom prst="straightConnector1">
+              <a:avLst/>
+            </a:prstGeom>
+            <a:ln w="50800">
+              <a:solidFill>
+                <a:schemeClr val="tx1"/>
+              </a:solidFill>
+              <a:tailEnd type="triangle"/>
+            </a:ln>
+          </p:spPr>
+          <p:style>
+            <a:lnRef idx="1">
+              <a:schemeClr val="accent1"/>
+            </a:lnRef>
+            <a:fillRef idx="0">
+              <a:schemeClr val="accent1"/>
+            </a:fillRef>
+            <a:effectRef idx="0">
+              <a:schemeClr val="accent1"/>
+            </a:effectRef>
+            <a:fontRef idx="minor">
+              <a:schemeClr val="tx1"/>
+            </a:fontRef>
+          </p:style>
+        </p:cxnSp>
+      </p:grpSp>
+    </p:spTree>
+    <p:extLst>
+      <p:ext uri="{BB962C8B-B14F-4D97-AF65-F5344CB8AC3E}">
+        <p14:creationId xmlns:p14="http://schemas.microsoft.com/office/powerpoint/2010/main" val="2205718143"/>
+      </p:ext>
+    </p:extLst>
+  </p:cSld>
+  <p:clrMapOvr>
+    <a:masterClrMapping/>
+  </p:clrMapOvr>
+</p:sld>
+</file>
+
+<file path=ppt/slides/slide25.xml><?xml version="1.0" encoding="utf-8"?>
+<p:sld xmlns:a="http://schemas.openxmlformats.org/drawingml/2006/main" xmlns:r="http://schemas.openxmlformats.org/officeDocument/2006/relationships" xmlns:p="http://schemas.openxmlformats.org/presentationml/2006/main" show="0">
+  <p:cSld>
+    <p:spTree>
+      <p:nvGrpSpPr>
+        <p:cNvPr id="1" name=""/>
+        <p:cNvGrpSpPr/>
+        <p:nvPr/>
+      </p:nvGrpSpPr>
+      <p:grpSpPr>
+        <a:xfrm>
+          <a:off x="0" y="0"/>
+          <a:ext cx="0" cy="0"/>
+          <a:chOff x="0" y="0"/>
+          <a:chExt cx="0" cy="0"/>
+        </a:xfrm>
+      </p:grpSpPr>
+      <p:grpSp>
+        <p:nvGrpSpPr>
+          <p:cNvPr id="2" name="그룹 1">
+            <a:extLst>
+              <a:ext uri="{FF2B5EF4-FFF2-40B4-BE49-F238E27FC236}">
+                <a16:creationId xmlns:a16="http://schemas.microsoft.com/office/drawing/2014/main" id="{DF73C6A0-8733-374E-A0F9-A12E7FFCC272}"/>
+              </a:ext>
+            </a:extLst>
+          </p:cNvPr>
+          <p:cNvGrpSpPr/>
+          <p:nvPr/>
+        </p:nvGrpSpPr>
+        <p:grpSpPr>
+          <a:xfrm>
+            <a:off x="2216745" y="471946"/>
+            <a:ext cx="4281626" cy="6148310"/>
+            <a:chOff x="2216745" y="471946"/>
+            <a:chExt cx="4281626" cy="6148310"/>
+          </a:xfrm>
+        </p:grpSpPr>
+        <p:sp>
+          <p:nvSpPr>
+            <p:cNvPr id="10" name="TextBox 9">
+              <a:extLst>
+                <a:ext uri="{FF2B5EF4-FFF2-40B4-BE49-F238E27FC236}">
+                  <a16:creationId xmlns:a16="http://schemas.microsoft.com/office/drawing/2014/main" id="{5602CD05-5512-EA45-A893-CFB3DFC26675}"/>
+                </a:ext>
+              </a:extLst>
+            </p:cNvPr>
+            <p:cNvSpPr txBox="1"/>
+            <p:nvPr/>
+          </p:nvSpPr>
+          <p:spPr>
+            <a:xfrm>
+              <a:off x="2729572" y="1050026"/>
+              <a:ext cx="1865946" cy="338554"/>
+            </a:xfrm>
+            <a:prstGeom prst="rect">
+              <a:avLst/>
+            </a:prstGeom>
+            <a:solidFill>
+              <a:schemeClr val="accent5">
+                <a:lumMod val="20000"/>
+                <a:lumOff val="80000"/>
+              </a:schemeClr>
+            </a:solidFill>
+          </p:spPr>
+          <p:txBody>
+            <a:bodyPr wrap="square" rtlCol="0">
+              <a:spAutoFit/>
+            </a:bodyPr>
+            <a:lstStyle/>
+            <a:p>
+              <a:pPr algn="ctr"/>
+              <a:r>
+                <a:rPr kumimoji="1" lang="en-US" altLang="ko-KR" sz="1600" dirty="0"/>
+                <a:t>TCP </a:t>
+              </a:r>
+              <a:r>
+                <a:rPr kumimoji="1" lang="ko-KR" altLang="en-US" sz="1600" dirty="0"/>
+                <a:t>연결</a:t>
+              </a:r>
+            </a:p>
+          </p:txBody>
+        </p:sp>
+        <p:cxnSp>
+          <p:nvCxnSpPr>
+            <p:cNvPr id="5" name="직선 연결선[R] 4">
+              <a:extLst>
+                <a:ext uri="{FF2B5EF4-FFF2-40B4-BE49-F238E27FC236}">
+                  <a16:creationId xmlns:a16="http://schemas.microsoft.com/office/drawing/2014/main" id="{C7B8184F-9E09-4A44-B928-5443C553A934}"/>
+                </a:ext>
+              </a:extLst>
+            </p:cNvPr>
+            <p:cNvCxnSpPr/>
+            <p:nvPr/>
+          </p:nvCxnSpPr>
+          <p:spPr>
+            <a:xfrm>
+              <a:off x="2706624" y="933611"/>
+              <a:ext cx="0" cy="5686645"/>
+            </a:xfrm>
+            <a:prstGeom prst="line">
+              <a:avLst/>
+            </a:prstGeom>
+            <a:ln w="50800">
+              <a:solidFill>
+                <a:schemeClr val="tx1"/>
+              </a:solidFill>
+            </a:ln>
+          </p:spPr>
+          <p:style>
+            <a:lnRef idx="1">
+              <a:schemeClr val="accent1"/>
+            </a:lnRef>
+            <a:fillRef idx="0">
+              <a:schemeClr val="accent1"/>
+            </a:fillRef>
+            <a:effectRef idx="0">
+              <a:schemeClr val="accent1"/>
+            </a:effectRef>
+            <a:fontRef idx="minor">
+              <a:schemeClr val="tx1"/>
+            </a:fontRef>
+          </p:style>
+        </p:cxnSp>
+        <p:sp>
+          <p:nvSpPr>
+            <p:cNvPr id="6" name="TextBox 5">
+              <a:extLst>
+                <a:ext uri="{FF2B5EF4-FFF2-40B4-BE49-F238E27FC236}">
+                  <a16:creationId xmlns:a16="http://schemas.microsoft.com/office/drawing/2014/main" id="{DAA0D060-6BBE-C143-9C6D-D1CC3A0981DD}"/>
+                </a:ext>
+              </a:extLst>
+            </p:cNvPr>
+            <p:cNvSpPr txBox="1"/>
+            <p:nvPr/>
+          </p:nvSpPr>
+          <p:spPr>
+            <a:xfrm>
+              <a:off x="2216745" y="471946"/>
+              <a:ext cx="979755" cy="461665"/>
+            </a:xfrm>
+            <a:prstGeom prst="rect">
+              <a:avLst/>
+            </a:prstGeom>
+            <a:noFill/>
+          </p:spPr>
+          <p:txBody>
+            <a:bodyPr wrap="none" rtlCol="0">
+              <a:spAutoFit/>
+            </a:bodyPr>
+            <a:lstStyle/>
+            <a:p>
+              <a:r>
+                <a:rPr kumimoji="1" lang="en-US" altLang="ko-KR" sz="2400" dirty="0"/>
+                <a:t>Client</a:t>
+              </a:r>
+              <a:endParaRPr kumimoji="1" lang="ko-KR" altLang="en-US" sz="2400" dirty="0"/>
+            </a:p>
+          </p:txBody>
+        </p:sp>
+        <p:cxnSp>
+          <p:nvCxnSpPr>
+            <p:cNvPr id="7" name="직선 연결선[R] 6">
+              <a:extLst>
+                <a:ext uri="{FF2B5EF4-FFF2-40B4-BE49-F238E27FC236}">
+                  <a16:creationId xmlns:a16="http://schemas.microsoft.com/office/drawing/2014/main" id="{E5564040-B92A-D84C-A0B5-40A0418BE269}"/>
+                </a:ext>
+              </a:extLst>
+            </p:cNvPr>
+            <p:cNvCxnSpPr/>
+            <p:nvPr/>
+          </p:nvCxnSpPr>
+          <p:spPr>
+            <a:xfrm>
+              <a:off x="4620097" y="933611"/>
+              <a:ext cx="0" cy="5686645"/>
+            </a:xfrm>
+            <a:prstGeom prst="line">
+              <a:avLst/>
+            </a:prstGeom>
+            <a:ln w="50800">
+              <a:solidFill>
+                <a:schemeClr val="tx1"/>
+              </a:solidFill>
+            </a:ln>
+          </p:spPr>
+          <p:style>
+            <a:lnRef idx="1">
+              <a:schemeClr val="accent1"/>
+            </a:lnRef>
+            <a:fillRef idx="0">
+              <a:schemeClr val="accent1"/>
+            </a:fillRef>
+            <a:effectRef idx="0">
+              <a:schemeClr val="accent1"/>
+            </a:effectRef>
+            <a:fontRef idx="minor">
+              <a:schemeClr val="tx1"/>
+            </a:fontRef>
+          </p:style>
+        </p:cxnSp>
+        <p:sp>
+          <p:nvSpPr>
+            <p:cNvPr id="8" name="TextBox 7">
+              <a:extLst>
+                <a:ext uri="{FF2B5EF4-FFF2-40B4-BE49-F238E27FC236}">
+                  <a16:creationId xmlns:a16="http://schemas.microsoft.com/office/drawing/2014/main" id="{A2A7CC31-3BDB-F740-926F-DD00009E5AA5}"/>
+                </a:ext>
+              </a:extLst>
+            </p:cNvPr>
+            <p:cNvSpPr txBox="1"/>
+            <p:nvPr/>
+          </p:nvSpPr>
+          <p:spPr>
+            <a:xfrm>
+              <a:off x="4089213" y="471946"/>
+              <a:ext cx="1061766" cy="461665"/>
+            </a:xfrm>
+            <a:prstGeom prst="rect">
+              <a:avLst/>
+            </a:prstGeom>
+            <a:noFill/>
+          </p:spPr>
+          <p:txBody>
+            <a:bodyPr wrap="none" rtlCol="0">
+              <a:spAutoFit/>
+            </a:bodyPr>
+            <a:lstStyle/>
+            <a:p>
+              <a:r>
+                <a:rPr kumimoji="1" lang="en-US" altLang="ko-KR" sz="2400" dirty="0"/>
+                <a:t>Server</a:t>
+              </a:r>
+              <a:endParaRPr kumimoji="1" lang="ko-KR" altLang="en-US" sz="2400" dirty="0"/>
+            </a:p>
+          </p:txBody>
+        </p:sp>
+        <p:sp>
+          <p:nvSpPr>
+            <p:cNvPr id="39" name="직사각형 38">
+              <a:extLst>
+                <a:ext uri="{FF2B5EF4-FFF2-40B4-BE49-F238E27FC236}">
+                  <a16:creationId xmlns:a16="http://schemas.microsoft.com/office/drawing/2014/main" id="{6E0F2D4F-84E7-574E-A3E8-A2C8F1A20E01}"/>
+                </a:ext>
+              </a:extLst>
+            </p:cNvPr>
+            <p:cNvSpPr/>
+            <p:nvPr/>
+          </p:nvSpPr>
+          <p:spPr>
+            <a:xfrm>
+              <a:off x="4653729" y="1653585"/>
+              <a:ext cx="1844642" cy="571384"/>
+            </a:xfrm>
+            <a:prstGeom prst="rect">
+              <a:avLst/>
+            </a:prstGeom>
+            <a:solidFill>
+              <a:schemeClr val="accent4">
+                <a:lumMod val="20000"/>
+                <a:lumOff val="80000"/>
+              </a:schemeClr>
+            </a:solidFill>
+            <a:ln>
+              <a:noFill/>
+            </a:ln>
+          </p:spPr>
+          <p:style>
+            <a:lnRef idx="2">
+              <a:schemeClr val="accent1">
+                <a:shade val="50000"/>
+              </a:schemeClr>
+            </a:lnRef>
+            <a:fillRef idx="1">
+              <a:schemeClr val="accent1"/>
+            </a:fillRef>
+            <a:effectRef idx="0">
+              <a:schemeClr val="accent1"/>
+            </a:effectRef>
+            <a:fontRef idx="minor">
+              <a:schemeClr val="lt1"/>
+            </a:fontRef>
+          </p:style>
+          <p:txBody>
+            <a:bodyPr rtlCol="0" anchor="ctr"/>
+            <a:lstStyle/>
+            <a:p>
+              <a:pPr algn="ctr"/>
+              <a:r>
+                <a:rPr kumimoji="1" lang="ko-KR" altLang="en-US" dirty="0">
+                  <a:solidFill>
+                    <a:sysClr val="windowText" lastClr="000000"/>
+                  </a:solidFill>
+                </a:rPr>
+                <a:t>응답 결과 생성</a:t>
+              </a:r>
+            </a:p>
+          </p:txBody>
+        </p:sp>
+        <p:cxnSp>
+          <p:nvCxnSpPr>
+            <p:cNvPr id="21" name="직선 화살표 연결선 20">
+              <a:extLst>
+                <a:ext uri="{FF2B5EF4-FFF2-40B4-BE49-F238E27FC236}">
+                  <a16:creationId xmlns:a16="http://schemas.microsoft.com/office/drawing/2014/main" id="{87100696-8372-214D-9EA6-20E2A1C5D67A}"/>
+                </a:ext>
+              </a:extLst>
+            </p:cNvPr>
+            <p:cNvCxnSpPr>
+              <a:cxnSpLocks/>
+            </p:cNvCxnSpPr>
+            <p:nvPr/>
+          </p:nvCxnSpPr>
+          <p:spPr>
+            <a:xfrm>
+              <a:off x="2719741" y="1412173"/>
+              <a:ext cx="1887239" cy="241412"/>
+            </a:xfrm>
+            <a:prstGeom prst="straightConnector1">
+              <a:avLst/>
+            </a:prstGeom>
+            <a:ln w="50800">
+              <a:solidFill>
+                <a:schemeClr val="tx1"/>
+              </a:solidFill>
+              <a:tailEnd type="triangle"/>
+            </a:ln>
+          </p:spPr>
+          <p:style>
+            <a:lnRef idx="1">
+              <a:schemeClr val="accent1"/>
+            </a:lnRef>
+            <a:fillRef idx="0">
+              <a:schemeClr val="accent1"/>
+            </a:fillRef>
+            <a:effectRef idx="0">
+              <a:schemeClr val="accent1"/>
+            </a:effectRef>
+            <a:fontRef idx="minor">
+              <a:schemeClr val="tx1"/>
+            </a:fontRef>
+          </p:style>
+        </p:cxnSp>
+        <p:cxnSp>
+          <p:nvCxnSpPr>
+            <p:cNvPr id="42" name="직선 화살표 연결선 41">
+              <a:extLst>
+                <a:ext uri="{FF2B5EF4-FFF2-40B4-BE49-F238E27FC236}">
+                  <a16:creationId xmlns:a16="http://schemas.microsoft.com/office/drawing/2014/main" id="{A1043DAE-4102-9342-B405-C576A2C030CE}"/>
+                </a:ext>
+              </a:extLst>
+            </p:cNvPr>
+            <p:cNvCxnSpPr>
+              <a:cxnSpLocks/>
+            </p:cNvCxnSpPr>
+            <p:nvPr/>
+          </p:nvCxnSpPr>
+          <p:spPr>
+            <a:xfrm flipH="1">
+              <a:off x="2729572" y="2224969"/>
+              <a:ext cx="1887239" cy="266649"/>
+            </a:xfrm>
+            <a:prstGeom prst="straightConnector1">
+              <a:avLst/>
+            </a:prstGeom>
+            <a:ln w="50800">
+              <a:solidFill>
+                <a:schemeClr val="tx1"/>
+              </a:solidFill>
+              <a:tailEnd type="triangle"/>
+            </a:ln>
+          </p:spPr>
+          <p:style>
+            <a:lnRef idx="1">
+              <a:schemeClr val="accent1"/>
+            </a:lnRef>
+            <a:fillRef idx="0">
+              <a:schemeClr val="accent1"/>
+            </a:fillRef>
+            <a:effectRef idx="0">
+              <a:schemeClr val="accent1"/>
+            </a:effectRef>
+            <a:fontRef idx="minor">
+              <a:schemeClr val="tx1"/>
+            </a:fontRef>
+          </p:style>
+        </p:cxnSp>
+        <p:sp>
+          <p:nvSpPr>
+            <p:cNvPr id="48" name="직사각형 47">
+              <a:extLst>
+                <a:ext uri="{FF2B5EF4-FFF2-40B4-BE49-F238E27FC236}">
+                  <a16:creationId xmlns:a16="http://schemas.microsoft.com/office/drawing/2014/main" id="{7B570EAA-F242-DF48-B02C-90747A696EE7}"/>
+                </a:ext>
+              </a:extLst>
+            </p:cNvPr>
+            <p:cNvSpPr/>
+            <p:nvPr/>
+          </p:nvSpPr>
+          <p:spPr>
+            <a:xfrm>
+              <a:off x="4651588" y="2733030"/>
+              <a:ext cx="1844642" cy="571384"/>
+            </a:xfrm>
+            <a:prstGeom prst="rect">
+              <a:avLst/>
+            </a:prstGeom>
+            <a:solidFill>
+              <a:schemeClr val="accent3">
+                <a:lumMod val="20000"/>
+                <a:lumOff val="80000"/>
+              </a:schemeClr>
+            </a:solidFill>
+            <a:ln>
+              <a:noFill/>
+            </a:ln>
+          </p:spPr>
+          <p:style>
+            <a:lnRef idx="2">
+              <a:schemeClr val="accent1">
+                <a:shade val="50000"/>
+              </a:schemeClr>
+            </a:lnRef>
+            <a:fillRef idx="1">
+              <a:schemeClr val="accent1"/>
+            </a:fillRef>
+            <a:effectRef idx="0">
+              <a:schemeClr val="accent1"/>
+            </a:effectRef>
+            <a:fontRef idx="minor">
+              <a:schemeClr val="lt1"/>
+            </a:fontRef>
+          </p:style>
+          <p:txBody>
+            <a:bodyPr rtlCol="0" anchor="ctr"/>
+            <a:lstStyle/>
+            <a:p>
+              <a:pPr algn="ctr"/>
+              <a:r>
+                <a:rPr kumimoji="1" lang="ko-KR" altLang="en-US" dirty="0">
+                  <a:solidFill>
+                    <a:sysClr val="windowText" lastClr="000000"/>
+                  </a:solidFill>
+                </a:rPr>
+                <a:t>응답 결과 생성</a:t>
+              </a:r>
+            </a:p>
+          </p:txBody>
+        </p:sp>
+        <p:cxnSp>
+          <p:nvCxnSpPr>
+            <p:cNvPr id="49" name="직선 화살표 연결선 48">
+              <a:extLst>
+                <a:ext uri="{FF2B5EF4-FFF2-40B4-BE49-F238E27FC236}">
+                  <a16:creationId xmlns:a16="http://schemas.microsoft.com/office/drawing/2014/main" id="{3ADBA461-D1A8-4541-BFBF-4DA22F8D8F76}"/>
+                </a:ext>
+              </a:extLst>
+            </p:cNvPr>
+            <p:cNvCxnSpPr>
+              <a:cxnSpLocks/>
+            </p:cNvCxnSpPr>
+            <p:nvPr/>
+          </p:nvCxnSpPr>
+          <p:spPr>
+            <a:xfrm>
+              <a:off x="2717600" y="2491618"/>
+              <a:ext cx="1887239" cy="241412"/>
+            </a:xfrm>
+            <a:prstGeom prst="straightConnector1">
+              <a:avLst/>
+            </a:prstGeom>
+            <a:ln w="50800">
+              <a:solidFill>
+                <a:schemeClr val="tx1"/>
+              </a:solidFill>
+              <a:tailEnd type="triangle"/>
+            </a:ln>
+          </p:spPr>
+          <p:style>
+            <a:lnRef idx="1">
+              <a:schemeClr val="accent1"/>
+            </a:lnRef>
+            <a:fillRef idx="0">
+              <a:schemeClr val="accent1"/>
+            </a:fillRef>
+            <a:effectRef idx="0">
+              <a:schemeClr val="accent1"/>
+            </a:effectRef>
+            <a:fontRef idx="minor">
+              <a:schemeClr val="tx1"/>
+            </a:fontRef>
+          </p:style>
+        </p:cxnSp>
+        <p:cxnSp>
+          <p:nvCxnSpPr>
+            <p:cNvPr id="51" name="직선 화살표 연결선 50">
+              <a:extLst>
+                <a:ext uri="{FF2B5EF4-FFF2-40B4-BE49-F238E27FC236}">
+                  <a16:creationId xmlns:a16="http://schemas.microsoft.com/office/drawing/2014/main" id="{D83DE204-84F6-9E41-A2CE-D76E60760353}"/>
+                </a:ext>
+              </a:extLst>
+            </p:cNvPr>
+            <p:cNvCxnSpPr>
+              <a:cxnSpLocks/>
+            </p:cNvCxnSpPr>
+            <p:nvPr/>
+          </p:nvCxnSpPr>
+          <p:spPr>
+            <a:xfrm flipH="1">
+              <a:off x="2727431" y="3304414"/>
+              <a:ext cx="1887239" cy="266649"/>
+            </a:xfrm>
+            <a:prstGeom prst="straightConnector1">
+              <a:avLst/>
+            </a:prstGeom>
+            <a:ln w="50800">
+              <a:solidFill>
+                <a:schemeClr val="tx1"/>
+              </a:solidFill>
+              <a:tailEnd type="triangle"/>
+            </a:ln>
+          </p:spPr>
+          <p:style>
+            <a:lnRef idx="1">
+              <a:schemeClr val="accent1"/>
+            </a:lnRef>
+            <a:fillRef idx="0">
+              <a:schemeClr val="accent1"/>
+            </a:fillRef>
+            <a:effectRef idx="0">
+              <a:schemeClr val="accent1"/>
+            </a:effectRef>
+            <a:fontRef idx="minor">
+              <a:schemeClr val="tx1"/>
+            </a:fontRef>
+          </p:style>
+        </p:cxnSp>
+        <p:sp>
+          <p:nvSpPr>
+            <p:cNvPr id="54" name="직사각형 53">
+              <a:extLst>
+                <a:ext uri="{FF2B5EF4-FFF2-40B4-BE49-F238E27FC236}">
+                  <a16:creationId xmlns:a16="http://schemas.microsoft.com/office/drawing/2014/main" id="{F767E88D-7ED9-B448-9A7C-68E42C5C85DA}"/>
+                </a:ext>
+              </a:extLst>
+            </p:cNvPr>
+            <p:cNvSpPr/>
+            <p:nvPr/>
+          </p:nvSpPr>
+          <p:spPr>
+            <a:xfrm>
+              <a:off x="4651588" y="3812475"/>
+              <a:ext cx="1844642" cy="571384"/>
+            </a:xfrm>
+            <a:prstGeom prst="rect">
+              <a:avLst/>
+            </a:prstGeom>
+            <a:solidFill>
+              <a:schemeClr val="accent2">
+                <a:lumMod val="20000"/>
+                <a:lumOff val="80000"/>
+              </a:schemeClr>
+            </a:solidFill>
+            <a:ln>
+              <a:noFill/>
+            </a:ln>
+          </p:spPr>
+          <p:style>
+            <a:lnRef idx="2">
+              <a:schemeClr val="accent1">
+                <a:shade val="50000"/>
+              </a:schemeClr>
+            </a:lnRef>
+            <a:fillRef idx="1">
+              <a:schemeClr val="accent1"/>
+            </a:fillRef>
+            <a:effectRef idx="0">
+              <a:schemeClr val="accent1"/>
+            </a:effectRef>
+            <a:fontRef idx="minor">
+              <a:schemeClr val="lt1"/>
+            </a:fontRef>
+          </p:style>
+          <p:txBody>
+            <a:bodyPr rtlCol="0" anchor="ctr"/>
+            <a:lstStyle/>
+            <a:p>
+              <a:pPr algn="ctr"/>
+              <a:r>
+                <a:rPr kumimoji="1" lang="ko-KR" altLang="en-US" dirty="0">
+                  <a:solidFill>
+                    <a:sysClr val="windowText" lastClr="000000"/>
+                  </a:solidFill>
+                </a:rPr>
+                <a:t>응답 결과 생성</a:t>
+              </a:r>
+            </a:p>
+          </p:txBody>
+        </p:sp>
+        <p:cxnSp>
+          <p:nvCxnSpPr>
+            <p:cNvPr id="55" name="직선 화살표 연결선 54">
+              <a:extLst>
+                <a:ext uri="{FF2B5EF4-FFF2-40B4-BE49-F238E27FC236}">
+                  <a16:creationId xmlns:a16="http://schemas.microsoft.com/office/drawing/2014/main" id="{E0913B90-D62D-B941-9A87-BB103C4DF8F8}"/>
+                </a:ext>
+              </a:extLst>
+            </p:cNvPr>
+            <p:cNvCxnSpPr>
+              <a:cxnSpLocks/>
+            </p:cNvCxnSpPr>
+            <p:nvPr/>
+          </p:nvCxnSpPr>
+          <p:spPr>
+            <a:xfrm>
+              <a:off x="2717600" y="3571063"/>
+              <a:ext cx="1887239" cy="241412"/>
+            </a:xfrm>
+            <a:prstGeom prst="straightConnector1">
+              <a:avLst/>
+            </a:prstGeom>
+            <a:ln w="50800">
+              <a:solidFill>
+                <a:schemeClr val="tx1"/>
+              </a:solidFill>
+              <a:tailEnd type="triangle"/>
+            </a:ln>
+          </p:spPr>
+          <p:style>
+            <a:lnRef idx="1">
+              <a:schemeClr val="accent1"/>
+            </a:lnRef>
+            <a:fillRef idx="0">
+              <a:schemeClr val="accent1"/>
+            </a:fillRef>
+            <a:effectRef idx="0">
+              <a:schemeClr val="accent1"/>
+            </a:effectRef>
+            <a:fontRef idx="minor">
+              <a:schemeClr val="tx1"/>
+            </a:fontRef>
+          </p:style>
+        </p:cxnSp>
+        <p:sp>
+          <p:nvSpPr>
+            <p:cNvPr id="56" name="TextBox 55">
+              <a:extLst>
+                <a:ext uri="{FF2B5EF4-FFF2-40B4-BE49-F238E27FC236}">
+                  <a16:creationId xmlns:a16="http://schemas.microsoft.com/office/drawing/2014/main" id="{EEEEE69C-B682-3641-A515-43D3124F2ECB}"/>
+                </a:ext>
+              </a:extLst>
+            </p:cNvPr>
+            <p:cNvSpPr txBox="1"/>
+            <p:nvPr/>
+          </p:nvSpPr>
+          <p:spPr>
+            <a:xfrm>
+              <a:off x="2733812" y="4666060"/>
+              <a:ext cx="1859565" cy="338554"/>
+            </a:xfrm>
+            <a:prstGeom prst="rect">
+              <a:avLst/>
+            </a:prstGeom>
+            <a:solidFill>
+              <a:schemeClr val="accent6">
+                <a:lumMod val="20000"/>
+                <a:lumOff val="80000"/>
+              </a:schemeClr>
+            </a:solidFill>
+          </p:spPr>
+          <p:txBody>
+            <a:bodyPr wrap="square" rtlCol="0">
+              <a:spAutoFit/>
+            </a:bodyPr>
+            <a:lstStyle/>
+            <a:p>
+              <a:pPr algn="ctr"/>
+              <a:r>
+                <a:rPr kumimoji="1" lang="en-US" altLang="ko-KR" sz="1600" dirty="0"/>
+                <a:t>TCP</a:t>
+              </a:r>
+              <a:r>
+                <a:rPr kumimoji="1" lang="ko-KR" altLang="en-US" sz="1600" dirty="0"/>
+                <a:t> 연결 해제</a:t>
+              </a:r>
+            </a:p>
+          </p:txBody>
+        </p:sp>
+        <p:cxnSp>
+          <p:nvCxnSpPr>
+            <p:cNvPr id="57" name="직선 화살표 연결선 56">
+              <a:extLst>
+                <a:ext uri="{FF2B5EF4-FFF2-40B4-BE49-F238E27FC236}">
+                  <a16:creationId xmlns:a16="http://schemas.microsoft.com/office/drawing/2014/main" id="{FB1BE8D6-3BDC-664B-ABB1-42AA8D8A4141}"/>
+                </a:ext>
+              </a:extLst>
+            </p:cNvPr>
+            <p:cNvCxnSpPr>
+              <a:cxnSpLocks/>
+            </p:cNvCxnSpPr>
+            <p:nvPr/>
+          </p:nvCxnSpPr>
+          <p:spPr>
+            <a:xfrm flipH="1">
+              <a:off x="2727431" y="4383859"/>
+              <a:ext cx="1887239" cy="266649"/>
+            </a:xfrm>
+            <a:prstGeom prst="straightConnector1">
+              <a:avLst/>
+            </a:prstGeom>
+            <a:ln w="50800">
+              <a:solidFill>
+                <a:schemeClr val="tx1"/>
+              </a:solidFill>
+              <a:tailEnd type="triangle"/>
+            </a:ln>
+          </p:spPr>
+          <p:style>
+            <a:lnRef idx="1">
+              <a:schemeClr val="accent1"/>
+            </a:lnRef>
+            <a:fillRef idx="0">
+              <a:schemeClr val="accent1"/>
+            </a:fillRef>
+            <a:effectRef idx="0">
+              <a:schemeClr val="accent1"/>
+            </a:effectRef>
+            <a:fontRef idx="minor">
+              <a:schemeClr val="tx1"/>
+            </a:fontRef>
+          </p:style>
+        </p:cxnSp>
+      </p:grpSp>
+    </p:spTree>
+    <p:extLst>
+      <p:ext uri="{BB962C8B-B14F-4D97-AF65-F5344CB8AC3E}">
+        <p14:creationId xmlns:p14="http://schemas.microsoft.com/office/powerpoint/2010/main" val="268608801"/>
+      </p:ext>
+    </p:extLst>
+  </p:cSld>
+  <p:clrMapOvr>
+    <a:masterClrMapping/>
+  </p:clrMapOvr>
+</p:sld>
+</file>
+
+<file path=ppt/slides/slide26.xml><?xml version="1.0" encoding="utf-8"?>
 <p:sld xmlns:a="http://schemas.openxmlformats.org/drawingml/2006/main" xmlns:r="http://schemas.openxmlformats.org/officeDocument/2006/relationships" xmlns:p="http://schemas.openxmlformats.org/presentationml/2006/main" show="0">
   <p:cSld>
     <p:spTree>

--- a/static/assets/img/posts/etc/http-version.pptx
+++ b/static/assets/img/posts/etc/http-version.pptx
@@ -140,7 +140,7 @@
             <a:srgbClr val="A4A3A4"/>
           </p15:clr>
         </p15:guide>
-        <p15:guide id="2" pos="3840" userDrawn="1">
+        <p15:guide id="2" pos="4021" userDrawn="1">
           <p15:clr>
             <a:srgbClr val="A4A3A4"/>
           </p15:clr>
@@ -233,7 +233,7 @@
           <a:p>
             <a:fld id="{4E790157-85E3-D64D-BB31-E2A6B705DD4B}" type="datetimeFigureOut">
               <a:rPr kumimoji="1" lang="ko-KR" altLang="en-US" smtClean="0"/>
-              <a:t>2022. 3. 20.</a:t>
+              <a:t>2022. 3. 21.</a:t>
             </a:fld>
             <a:endParaRPr kumimoji="1" lang="ko-KR" altLang="en-US"/>
           </a:p>
@@ -1462,7 +1462,7 @@
           <a:p>
             <a:fld id="{187B024A-58F9-A941-8036-04AB132CF501}" type="datetimeFigureOut">
               <a:rPr kumimoji="1" lang="ko-KR" altLang="en-US" smtClean="0"/>
-              <a:t>2022. 3. 20.</a:t>
+              <a:t>2022. 3. 21.</a:t>
             </a:fld>
             <a:endParaRPr kumimoji="1" lang="ko-KR" altLang="en-US"/>
           </a:p>
@@ -1635,7 +1635,7 @@
           <a:p>
             <a:fld id="{187B024A-58F9-A941-8036-04AB132CF501}" type="datetimeFigureOut">
               <a:rPr kumimoji="1" lang="ko-KR" altLang="en-US" smtClean="0"/>
-              <a:t>2022. 3. 20.</a:t>
+              <a:t>2022. 3. 21.</a:t>
             </a:fld>
             <a:endParaRPr kumimoji="1" lang="ko-KR" altLang="en-US"/>
           </a:p>
@@ -1818,7 +1818,7 @@
           <a:p>
             <a:fld id="{187B024A-58F9-A941-8036-04AB132CF501}" type="datetimeFigureOut">
               <a:rPr kumimoji="1" lang="ko-KR" altLang="en-US" smtClean="0"/>
-              <a:t>2022. 3. 20.</a:t>
+              <a:t>2022. 3. 21.</a:t>
             </a:fld>
             <a:endParaRPr kumimoji="1" lang="ko-KR" altLang="en-US"/>
           </a:p>
@@ -1991,7 +1991,7 @@
           <a:p>
             <a:fld id="{187B024A-58F9-A941-8036-04AB132CF501}" type="datetimeFigureOut">
               <a:rPr kumimoji="1" lang="ko-KR" altLang="en-US" smtClean="0"/>
-              <a:t>2022. 3. 20.</a:t>
+              <a:t>2022. 3. 21.</a:t>
             </a:fld>
             <a:endParaRPr kumimoji="1" lang="ko-KR" altLang="en-US"/>
           </a:p>
@@ -2269,7 +2269,7 @@
           <a:p>
             <a:fld id="{187B024A-58F9-A941-8036-04AB132CF501}" type="datetimeFigureOut">
               <a:rPr kumimoji="1" lang="ko-KR" altLang="en-US" smtClean="0"/>
-              <a:t>2022. 3. 20.</a:t>
+              <a:t>2022. 3. 21.</a:t>
             </a:fld>
             <a:endParaRPr kumimoji="1" lang="ko-KR" altLang="en-US"/>
           </a:p>
@@ -2484,7 +2484,7 @@
           <a:p>
             <a:fld id="{187B024A-58F9-A941-8036-04AB132CF501}" type="datetimeFigureOut">
               <a:rPr kumimoji="1" lang="ko-KR" altLang="en-US" smtClean="0"/>
-              <a:t>2022. 3. 20.</a:t>
+              <a:t>2022. 3. 21.</a:t>
             </a:fld>
             <a:endParaRPr kumimoji="1" lang="ko-KR" altLang="en-US"/>
           </a:p>
@@ -2852,7 +2852,7 @@
           <a:p>
             <a:fld id="{187B024A-58F9-A941-8036-04AB132CF501}" type="datetimeFigureOut">
               <a:rPr kumimoji="1" lang="ko-KR" altLang="en-US" smtClean="0"/>
-              <a:t>2022. 3. 20.</a:t>
+              <a:t>2022. 3. 21.</a:t>
             </a:fld>
             <a:endParaRPr kumimoji="1" lang="ko-KR" altLang="en-US"/>
           </a:p>
@@ -2993,7 +2993,7 @@
           <a:p>
             <a:fld id="{187B024A-58F9-A941-8036-04AB132CF501}" type="datetimeFigureOut">
               <a:rPr kumimoji="1" lang="ko-KR" altLang="en-US" smtClean="0"/>
-              <a:t>2022. 3. 20.</a:t>
+              <a:t>2022. 3. 21.</a:t>
             </a:fld>
             <a:endParaRPr kumimoji="1" lang="ko-KR" altLang="en-US"/>
           </a:p>
@@ -3106,7 +3106,7 @@
           <a:p>
             <a:fld id="{187B024A-58F9-A941-8036-04AB132CF501}" type="datetimeFigureOut">
               <a:rPr kumimoji="1" lang="ko-KR" altLang="en-US" smtClean="0"/>
-              <a:t>2022. 3. 20.</a:t>
+              <a:t>2022. 3. 21.</a:t>
             </a:fld>
             <a:endParaRPr kumimoji="1" lang="ko-KR" altLang="en-US"/>
           </a:p>
@@ -3395,7 +3395,7 @@
           <a:p>
             <a:fld id="{187B024A-58F9-A941-8036-04AB132CF501}" type="datetimeFigureOut">
               <a:rPr kumimoji="1" lang="ko-KR" altLang="en-US" smtClean="0"/>
-              <a:t>2022. 3. 20.</a:t>
+              <a:t>2022. 3. 21.</a:t>
             </a:fld>
             <a:endParaRPr kumimoji="1" lang="ko-KR" altLang="en-US"/>
           </a:p>
@@ -3686,7 +3686,7 @@
           <a:p>
             <a:fld id="{187B024A-58F9-A941-8036-04AB132CF501}" type="datetimeFigureOut">
               <a:rPr kumimoji="1" lang="ko-KR" altLang="en-US" smtClean="0"/>
-              <a:t>2022. 3. 20.</a:t>
+              <a:t>2022. 3. 21.</a:t>
             </a:fld>
             <a:endParaRPr kumimoji="1" lang="ko-KR" altLang="en-US"/>
           </a:p>
@@ -3902,7 +3902,7 @@
           <a:p>
             <a:fld id="{187B024A-58F9-A941-8036-04AB132CF501}" type="datetimeFigureOut">
               <a:rPr kumimoji="1" lang="ko-KR" altLang="en-US" smtClean="0"/>
-              <a:t>2022. 3. 20.</a:t>
+              <a:t>2022. 3. 21.</a:t>
             </a:fld>
             <a:endParaRPr kumimoji="1" lang="ko-KR" altLang="en-US"/>
           </a:p>
@@ -10197,10 +10197,10 @@
       </p:grpSpPr>
       <p:grpSp>
         <p:nvGrpSpPr>
-          <p:cNvPr id="83" name="그룹 82">
+          <p:cNvPr id="4" name="그룹 3">
             <a:extLst>
               <a:ext uri="{FF2B5EF4-FFF2-40B4-BE49-F238E27FC236}">
-                <a16:creationId xmlns:a16="http://schemas.microsoft.com/office/drawing/2014/main" id="{6C200FE1-57B7-D44E-9E33-7CBA9FF4C0EF}"/>
+                <a16:creationId xmlns:a16="http://schemas.microsoft.com/office/drawing/2014/main" id="{5710511B-1EA9-504C-8D92-C5C0B0F36AE4}"/>
               </a:ext>
             </a:extLst>
           </p:cNvPr>
@@ -10215,278 +10215,1853 @@
             <a:chExt cx="10924624" cy="7449308"/>
           </a:xfrm>
         </p:grpSpPr>
-        <p:sp>
-          <p:nvSpPr>
-            <p:cNvPr id="35" name="모서리가 둥근 직사각형 34">
-              <a:extLst>
-                <a:ext uri="{FF2B5EF4-FFF2-40B4-BE49-F238E27FC236}">
-                  <a16:creationId xmlns:a16="http://schemas.microsoft.com/office/drawing/2014/main" id="{8D6950B7-E335-1B42-B9BA-0674D45E66B0}"/>
-                </a:ext>
-              </a:extLst>
-            </p:cNvPr>
-            <p:cNvSpPr/>
-            <p:nvPr/>
-          </p:nvSpPr>
-          <p:spPr>
-            <a:xfrm>
-              <a:off x="3225984" y="2405186"/>
-              <a:ext cx="1869913" cy="710646"/>
-            </a:xfrm>
-            <a:prstGeom prst="roundRect">
-              <a:avLst/>
-            </a:prstGeom>
-            <a:solidFill>
-              <a:schemeClr val="accent3">
-                <a:alpha val="30000"/>
-              </a:schemeClr>
-            </a:solidFill>
-            <a:ln>
+        <p:grpSp>
+          <p:nvGrpSpPr>
+            <p:cNvPr id="83" name="그룹 82">
+              <a:extLst>
+                <a:ext uri="{FF2B5EF4-FFF2-40B4-BE49-F238E27FC236}">
+                  <a16:creationId xmlns:a16="http://schemas.microsoft.com/office/drawing/2014/main" id="{6C200FE1-57B7-D44E-9E33-7CBA9FF4C0EF}"/>
+                </a:ext>
+              </a:extLst>
+            </p:cNvPr>
+            <p:cNvGrpSpPr/>
+            <p:nvPr/>
+          </p:nvGrpSpPr>
+          <p:grpSpPr>
+            <a:xfrm>
+              <a:off x="906185" y="-116351"/>
+              <a:ext cx="10924624" cy="7449308"/>
+              <a:chOff x="906185" y="-116351"/>
+              <a:chExt cx="10924624" cy="7449308"/>
+            </a:xfrm>
+          </p:grpSpPr>
+          <p:sp>
+            <p:nvSpPr>
+              <p:cNvPr id="35" name="모서리가 둥근 직사각형 34">
+                <a:extLst>
+                  <a:ext uri="{FF2B5EF4-FFF2-40B4-BE49-F238E27FC236}">
+                    <a16:creationId xmlns:a16="http://schemas.microsoft.com/office/drawing/2014/main" id="{8D6950B7-E335-1B42-B9BA-0674D45E66B0}"/>
+                  </a:ext>
+                </a:extLst>
+              </p:cNvPr>
+              <p:cNvSpPr/>
+              <p:nvPr/>
+            </p:nvSpPr>
+            <p:spPr>
+              <a:xfrm>
+                <a:off x="3225984" y="2405186"/>
+                <a:ext cx="1869913" cy="710646"/>
+              </a:xfrm>
+              <a:prstGeom prst="roundRect">
+                <a:avLst/>
+              </a:prstGeom>
+              <a:solidFill>
+                <a:schemeClr val="accent3">
+                  <a:alpha val="30000"/>
+                </a:schemeClr>
+              </a:solidFill>
+              <a:ln>
+                <a:noFill/>
+              </a:ln>
+            </p:spPr>
+            <p:style>
+              <a:lnRef idx="2">
+                <a:schemeClr val="accent1">
+                  <a:shade val="50000"/>
+                </a:schemeClr>
+              </a:lnRef>
+              <a:fillRef idx="1">
+                <a:schemeClr val="accent1"/>
+              </a:fillRef>
+              <a:effectRef idx="0">
+                <a:schemeClr val="accent1"/>
+              </a:effectRef>
+              <a:fontRef idx="minor">
+                <a:schemeClr val="lt1"/>
+              </a:fontRef>
+            </p:style>
+            <p:txBody>
+              <a:bodyPr rtlCol="0" anchor="t"/>
+              <a:lstStyle/>
+              <a:p>
+                <a:pPr algn="ctr"/>
+                <a:endParaRPr kumimoji="1" lang="ko-KR" altLang="en-US" sz="1100" dirty="0">
+                  <a:solidFill>
+                    <a:schemeClr val="tx1"/>
+                  </a:solidFill>
+                </a:endParaRPr>
+              </a:p>
+            </p:txBody>
+          </p:sp>
+          <p:sp>
+            <p:nvSpPr>
+              <p:cNvPr id="31" name="모서리가 둥근 직사각형 30">
+                <a:extLst>
+                  <a:ext uri="{FF2B5EF4-FFF2-40B4-BE49-F238E27FC236}">
+                    <a16:creationId xmlns:a16="http://schemas.microsoft.com/office/drawing/2014/main" id="{C8C0CD54-F005-154A-A508-08967DD6D30A}"/>
+                  </a:ext>
+                </a:extLst>
+              </p:cNvPr>
+              <p:cNvSpPr/>
+              <p:nvPr/>
+            </p:nvSpPr>
+            <p:spPr>
+              <a:xfrm>
+                <a:off x="3225984" y="760657"/>
+                <a:ext cx="1844266" cy="710646"/>
+              </a:xfrm>
+              <a:prstGeom prst="roundRect">
+                <a:avLst/>
+              </a:prstGeom>
+              <a:solidFill>
+                <a:schemeClr val="accent3">
+                  <a:alpha val="30000"/>
+                </a:schemeClr>
+              </a:solidFill>
+              <a:ln>
+                <a:noFill/>
+              </a:ln>
+            </p:spPr>
+            <p:style>
+              <a:lnRef idx="2">
+                <a:schemeClr val="accent1">
+                  <a:shade val="50000"/>
+                </a:schemeClr>
+              </a:lnRef>
+              <a:fillRef idx="1">
+                <a:schemeClr val="accent1"/>
+              </a:fillRef>
+              <a:effectRef idx="0">
+                <a:schemeClr val="accent1"/>
+              </a:effectRef>
+              <a:fontRef idx="minor">
+                <a:schemeClr val="lt1"/>
+              </a:fontRef>
+            </p:style>
+            <p:txBody>
+              <a:bodyPr rtlCol="0" anchor="t"/>
+              <a:lstStyle/>
+              <a:p>
+                <a:pPr algn="ctr"/>
+                <a:endParaRPr kumimoji="1" lang="ko-KR" altLang="en-US" sz="1100" dirty="0">
+                  <a:solidFill>
+                    <a:schemeClr val="tx1"/>
+                  </a:solidFill>
+                </a:endParaRPr>
+              </a:p>
+            </p:txBody>
+          </p:sp>
+          <p:pic>
+            <p:nvPicPr>
+              <p:cNvPr id="29" name="그림 28">
+                <a:extLst>
+                  <a:ext uri="{FF2B5EF4-FFF2-40B4-BE49-F238E27FC236}">
+                    <a16:creationId xmlns:a16="http://schemas.microsoft.com/office/drawing/2014/main" id="{49AACB4D-EB3D-614F-8C36-FDB8C102D0A7}"/>
+                  </a:ext>
+                </a:extLst>
+              </p:cNvPr>
+              <p:cNvPicPr>
+                <a:picLocks noChangeAspect="1"/>
+              </p:cNvPicPr>
+              <p:nvPr/>
+            </p:nvPicPr>
+            <p:blipFill>
+              <a:blip r:embed="rId3"/>
+              <a:stretch>
+                <a:fillRect/>
+              </a:stretch>
+            </p:blipFill>
+            <p:spPr>
+              <a:xfrm>
+                <a:off x="10095143" y="1115980"/>
+                <a:ext cx="1735666" cy="1735666"/>
+              </a:xfrm>
+              <a:prstGeom prst="rect">
+                <a:avLst/>
+              </a:prstGeom>
+            </p:spPr>
+          </p:pic>
+          <p:pic>
+            <p:nvPicPr>
+              <p:cNvPr id="3" name="그림 2">
+                <a:extLst>
+                  <a:ext uri="{FF2B5EF4-FFF2-40B4-BE49-F238E27FC236}">
+                    <a16:creationId xmlns:a16="http://schemas.microsoft.com/office/drawing/2014/main" id="{D39F49DD-AB6F-C444-A483-576E5D66E50F}"/>
+                  </a:ext>
+                </a:extLst>
+              </p:cNvPr>
+              <p:cNvPicPr>
+                <a:picLocks noChangeAspect="1"/>
+              </p:cNvPicPr>
+              <p:nvPr/>
+            </p:nvPicPr>
+            <p:blipFill>
+              <a:blip r:embed="rId4"/>
+              <a:stretch>
+                <a:fillRect/>
+              </a:stretch>
+            </p:blipFill>
+            <p:spPr>
+              <a:xfrm>
+                <a:off x="906185" y="1005912"/>
+                <a:ext cx="1955800" cy="1955800"/>
+              </a:xfrm>
+              <a:prstGeom prst="rect">
+                <a:avLst/>
+              </a:prstGeom>
+            </p:spPr>
+          </p:pic>
+          <p:pic>
+            <p:nvPicPr>
+              <p:cNvPr id="8" name="그림 7">
+                <a:extLst>
+                  <a:ext uri="{FF2B5EF4-FFF2-40B4-BE49-F238E27FC236}">
+                    <a16:creationId xmlns:a16="http://schemas.microsoft.com/office/drawing/2014/main" id="{266AC016-8DF5-A54A-ABD8-FF7A79C2A524}"/>
+                  </a:ext>
+                </a:extLst>
+              </p:cNvPr>
+              <p:cNvPicPr>
+                <a:picLocks noChangeAspect="1"/>
+              </p:cNvPicPr>
+              <p:nvPr/>
+            </p:nvPicPr>
+            <p:blipFill>
+              <a:blip r:embed="rId3"/>
+              <a:stretch>
+                <a:fillRect/>
+              </a:stretch>
+            </p:blipFill>
+            <p:spPr>
+              <a:xfrm>
+                <a:off x="9434743" y="1115980"/>
+                <a:ext cx="1735666" cy="1735666"/>
+              </a:xfrm>
+              <a:prstGeom prst="rect">
+                <a:avLst/>
+              </a:prstGeom>
+            </p:spPr>
+          </p:pic>
+          <p:pic>
+            <p:nvPicPr>
+              <p:cNvPr id="13" name="그림 12">
+                <a:extLst>
+                  <a:ext uri="{FF2B5EF4-FFF2-40B4-BE49-F238E27FC236}">
+                    <a16:creationId xmlns:a16="http://schemas.microsoft.com/office/drawing/2014/main" id="{B7184082-5579-A344-8438-2941D1B45F03}"/>
+                  </a:ext>
+                </a:extLst>
+              </p:cNvPr>
+              <p:cNvPicPr>
+                <a:picLocks noChangeAspect="1"/>
+              </p:cNvPicPr>
+              <p:nvPr/>
+            </p:nvPicPr>
+            <p:blipFill>
+              <a:blip r:embed="rId5"/>
+              <a:stretch>
+                <a:fillRect/>
+              </a:stretch>
+            </p:blipFill>
+            <p:spPr>
+              <a:xfrm>
+                <a:off x="3332976" y="2523742"/>
+                <a:ext cx="505096" cy="505096"/>
+              </a:xfrm>
+              <a:prstGeom prst="rect">
+                <a:avLst/>
+              </a:prstGeom>
+            </p:spPr>
+          </p:pic>
+          <p:pic>
+            <p:nvPicPr>
+              <p:cNvPr id="24" name="그림 23">
+                <a:extLst>
+                  <a:ext uri="{FF2B5EF4-FFF2-40B4-BE49-F238E27FC236}">
+                    <a16:creationId xmlns:a16="http://schemas.microsoft.com/office/drawing/2014/main" id="{F1946A72-32A0-984E-8EEB-ACB5FE30F638}"/>
+                  </a:ext>
+                </a:extLst>
+              </p:cNvPr>
+              <p:cNvPicPr>
+                <a:picLocks noChangeAspect="1"/>
+              </p:cNvPicPr>
+              <p:nvPr/>
+            </p:nvPicPr>
+            <p:blipFill>
+              <a:blip r:embed="rId6"/>
+              <a:stretch>
+                <a:fillRect/>
+              </a:stretch>
+            </p:blipFill>
+            <p:spPr>
+              <a:xfrm>
+                <a:off x="3272662" y="831621"/>
+                <a:ext cx="590888" cy="590888"/>
+              </a:xfrm>
+              <a:prstGeom prst="rect">
+                <a:avLst/>
+              </a:prstGeom>
+            </p:spPr>
+          </p:pic>
+          <p:sp>
+            <p:nvSpPr>
+              <p:cNvPr id="15" name="TextBox 14">
+                <a:extLst>
+                  <a:ext uri="{FF2B5EF4-FFF2-40B4-BE49-F238E27FC236}">
+                    <a16:creationId xmlns:a16="http://schemas.microsoft.com/office/drawing/2014/main" id="{6158A0E3-D706-8947-AE2D-4877027FE539}"/>
+                  </a:ext>
+                </a:extLst>
+              </p:cNvPr>
+              <p:cNvSpPr txBox="1"/>
+              <p:nvPr/>
+            </p:nvSpPr>
+            <p:spPr>
+              <a:xfrm>
+                <a:off x="3825422" y="942399"/>
+                <a:ext cx="1092543" cy="369332"/>
+              </a:xfrm>
+              <a:prstGeom prst="rect">
+                <a:avLst/>
+              </a:prstGeom>
               <a:noFill/>
-            </a:ln>
-          </p:spPr>
-          <p:style>
-            <a:lnRef idx="2">
-              <a:schemeClr val="accent1">
-                <a:shade val="50000"/>
-              </a:schemeClr>
-            </a:lnRef>
-            <a:fillRef idx="1">
-              <a:schemeClr val="accent1"/>
-            </a:fillRef>
-            <a:effectRef idx="0">
-              <a:schemeClr val="accent1"/>
-            </a:effectRef>
-            <a:fontRef idx="minor">
-              <a:schemeClr val="lt1"/>
-            </a:fontRef>
-          </p:style>
-          <p:txBody>
-            <a:bodyPr rtlCol="0" anchor="t"/>
-            <a:lstStyle/>
-            <a:p>
-              <a:pPr algn="ctr"/>
-              <a:endParaRPr kumimoji="1" lang="ko-KR" altLang="en-US" sz="1100" dirty="0">
+            </p:spPr>
+            <p:txBody>
+              <a:bodyPr wrap="none" rtlCol="0">
+                <a:spAutoFit/>
+              </a:bodyPr>
+              <a:lstStyle/>
+              <a:p>
+                <a:r>
+                  <a:rPr kumimoji="1" lang="en-US" altLang="ko-KR" dirty="0" err="1"/>
+                  <a:t>beomy.js</a:t>
+                </a:r>
+                <a:endParaRPr kumimoji="1" lang="ko-KR" altLang="en-US" dirty="0"/>
+              </a:p>
+            </p:txBody>
+          </p:sp>
+          <p:sp>
+            <p:nvSpPr>
+              <p:cNvPr id="32" name="모서리가 둥근 직사각형 31">
+                <a:extLst>
+                  <a:ext uri="{FF2B5EF4-FFF2-40B4-BE49-F238E27FC236}">
+                    <a16:creationId xmlns:a16="http://schemas.microsoft.com/office/drawing/2014/main" id="{6033600F-4895-1E45-8824-ABA909E74EE6}"/>
+                  </a:ext>
+                </a:extLst>
+              </p:cNvPr>
+              <p:cNvSpPr/>
+              <p:nvPr/>
+            </p:nvSpPr>
+            <p:spPr>
+              <a:xfrm>
+                <a:off x="3225985" y="1582081"/>
+                <a:ext cx="1869912" cy="710646"/>
+              </a:xfrm>
+              <a:prstGeom prst="roundRect">
+                <a:avLst/>
+              </a:prstGeom>
+              <a:solidFill>
+                <a:schemeClr val="accent3">
+                  <a:alpha val="30000"/>
+                </a:schemeClr>
+              </a:solidFill>
+              <a:ln>
+                <a:noFill/>
+              </a:ln>
+            </p:spPr>
+            <p:style>
+              <a:lnRef idx="2">
+                <a:schemeClr val="accent1">
+                  <a:shade val="50000"/>
+                </a:schemeClr>
+              </a:lnRef>
+              <a:fillRef idx="1">
+                <a:schemeClr val="accent1"/>
+              </a:fillRef>
+              <a:effectRef idx="0">
+                <a:schemeClr val="accent1"/>
+              </a:effectRef>
+              <a:fontRef idx="minor">
+                <a:schemeClr val="lt1"/>
+              </a:fontRef>
+            </p:style>
+            <p:txBody>
+              <a:bodyPr rtlCol="0" anchor="t"/>
+              <a:lstStyle/>
+              <a:p>
+                <a:pPr algn="ctr"/>
+                <a:endParaRPr kumimoji="1" lang="ko-KR" altLang="en-US" sz="1100" dirty="0">
+                  <a:solidFill>
+                    <a:schemeClr val="tx1"/>
+                  </a:solidFill>
+                </a:endParaRPr>
+              </a:p>
+            </p:txBody>
+          </p:sp>
+          <p:pic>
+            <p:nvPicPr>
+              <p:cNvPr id="33" name="그림 32">
+                <a:extLst>
+                  <a:ext uri="{FF2B5EF4-FFF2-40B4-BE49-F238E27FC236}">
+                    <a16:creationId xmlns:a16="http://schemas.microsoft.com/office/drawing/2014/main" id="{B2BF5525-6DD6-0B42-8E1F-CFF93AB65B40}"/>
+                  </a:ext>
+                </a:extLst>
+              </p:cNvPr>
+              <p:cNvPicPr>
+                <a:picLocks noChangeAspect="1"/>
+              </p:cNvPicPr>
+              <p:nvPr/>
+            </p:nvPicPr>
+            <p:blipFill>
+              <a:blip r:embed="rId6"/>
+              <a:stretch>
+                <a:fillRect/>
+              </a:stretch>
+            </p:blipFill>
+            <p:spPr>
+              <a:xfrm>
+                <a:off x="3272662" y="1653045"/>
+                <a:ext cx="590888" cy="590888"/>
+              </a:xfrm>
+              <a:prstGeom prst="rect">
+                <a:avLst/>
+              </a:prstGeom>
+            </p:spPr>
+          </p:pic>
+          <p:sp>
+            <p:nvSpPr>
+              <p:cNvPr id="34" name="TextBox 33">
+                <a:extLst>
+                  <a:ext uri="{FF2B5EF4-FFF2-40B4-BE49-F238E27FC236}">
+                    <a16:creationId xmlns:a16="http://schemas.microsoft.com/office/drawing/2014/main" id="{380BC1E5-32B4-014D-AE4B-6B183A040828}"/>
+                  </a:ext>
+                </a:extLst>
+              </p:cNvPr>
+              <p:cNvSpPr txBox="1"/>
+              <p:nvPr/>
+            </p:nvSpPr>
+            <p:spPr>
+              <a:xfrm>
+                <a:off x="3825422" y="1763823"/>
+                <a:ext cx="1244828" cy="369332"/>
+              </a:xfrm>
+              <a:prstGeom prst="rect">
+                <a:avLst/>
+              </a:prstGeom>
+              <a:noFill/>
+            </p:spPr>
+            <p:txBody>
+              <a:bodyPr wrap="none" rtlCol="0">
+                <a:spAutoFit/>
+              </a:bodyPr>
+              <a:lstStyle/>
+              <a:p>
+                <a:r>
+                  <a:rPr kumimoji="1" lang="en-US" altLang="ko-KR" dirty="0" err="1"/>
+                  <a:t>beomy.css</a:t>
+                </a:r>
+                <a:endParaRPr kumimoji="1" lang="ko-KR" altLang="en-US" dirty="0"/>
+              </a:p>
+            </p:txBody>
+          </p:sp>
+          <p:sp>
+            <p:nvSpPr>
+              <p:cNvPr id="36" name="TextBox 35">
+                <a:extLst>
+                  <a:ext uri="{FF2B5EF4-FFF2-40B4-BE49-F238E27FC236}">
+                    <a16:creationId xmlns:a16="http://schemas.microsoft.com/office/drawing/2014/main" id="{AABC15AD-123D-794B-8497-0CF9A13B931D}"/>
+                  </a:ext>
+                </a:extLst>
+              </p:cNvPr>
+              <p:cNvSpPr txBox="1"/>
+              <p:nvPr/>
+            </p:nvSpPr>
+            <p:spPr>
+              <a:xfrm>
+                <a:off x="3825422" y="2586928"/>
+                <a:ext cx="1270476" cy="369332"/>
+              </a:xfrm>
+              <a:prstGeom prst="rect">
+                <a:avLst/>
+              </a:prstGeom>
+              <a:noFill/>
+            </p:spPr>
+            <p:txBody>
+              <a:bodyPr wrap="none" rtlCol="0">
+                <a:spAutoFit/>
+              </a:bodyPr>
+              <a:lstStyle/>
+              <a:p>
+                <a:r>
+                  <a:rPr kumimoji="1" lang="en-US" altLang="ko-KR" dirty="0" err="1"/>
+                  <a:t>beomy.jpg</a:t>
+                </a:r>
+                <a:endParaRPr kumimoji="1" lang="ko-KR" altLang="en-US" dirty="0"/>
+              </a:p>
+            </p:txBody>
+          </p:sp>
+          <p:sp>
+            <p:nvSpPr>
+              <p:cNvPr id="46" name="모서리가 둥근 직사각형 45">
+                <a:extLst>
+                  <a:ext uri="{FF2B5EF4-FFF2-40B4-BE49-F238E27FC236}">
+                    <a16:creationId xmlns:a16="http://schemas.microsoft.com/office/drawing/2014/main" id="{A106770D-4801-6949-8784-76EB0AA1D1D0}"/>
+                  </a:ext>
+                </a:extLst>
+              </p:cNvPr>
+              <p:cNvSpPr/>
+              <p:nvPr/>
+            </p:nvSpPr>
+            <p:spPr>
+              <a:xfrm>
+                <a:off x="7689127" y="2405186"/>
+                <a:ext cx="1869913" cy="710646"/>
+              </a:xfrm>
+              <a:prstGeom prst="roundRect">
+                <a:avLst/>
+              </a:prstGeom>
+              <a:solidFill>
+                <a:schemeClr val="accent3">
+                  <a:alpha val="30000"/>
+                </a:schemeClr>
+              </a:solidFill>
+              <a:ln>
+                <a:noFill/>
+              </a:ln>
+            </p:spPr>
+            <p:style>
+              <a:lnRef idx="2">
+                <a:schemeClr val="accent1">
+                  <a:shade val="50000"/>
+                </a:schemeClr>
+              </a:lnRef>
+              <a:fillRef idx="1">
+                <a:schemeClr val="accent1"/>
+              </a:fillRef>
+              <a:effectRef idx="0">
+                <a:schemeClr val="accent1"/>
+              </a:effectRef>
+              <a:fontRef idx="minor">
+                <a:schemeClr val="lt1"/>
+              </a:fontRef>
+            </p:style>
+            <p:txBody>
+              <a:bodyPr rtlCol="0" anchor="t"/>
+              <a:lstStyle/>
+              <a:p>
+                <a:pPr algn="ctr"/>
+                <a:endParaRPr kumimoji="1" lang="ko-KR" altLang="en-US" sz="1100" dirty="0">
+                  <a:solidFill>
+                    <a:schemeClr val="tx1"/>
+                  </a:solidFill>
+                </a:endParaRPr>
+              </a:p>
+            </p:txBody>
+          </p:sp>
+          <p:sp>
+            <p:nvSpPr>
+              <p:cNvPr id="47" name="모서리가 둥근 직사각형 46">
+                <a:extLst>
+                  <a:ext uri="{FF2B5EF4-FFF2-40B4-BE49-F238E27FC236}">
+                    <a16:creationId xmlns:a16="http://schemas.microsoft.com/office/drawing/2014/main" id="{008679D5-2BF9-CE43-9E40-3E2205645F71}"/>
+                  </a:ext>
+                </a:extLst>
+              </p:cNvPr>
+              <p:cNvSpPr/>
+              <p:nvPr/>
+            </p:nvSpPr>
+            <p:spPr>
+              <a:xfrm>
+                <a:off x="7689127" y="760657"/>
+                <a:ext cx="1844266" cy="710646"/>
+              </a:xfrm>
+              <a:prstGeom prst="roundRect">
+                <a:avLst/>
+              </a:prstGeom>
+              <a:solidFill>
+                <a:schemeClr val="accent3">
+                  <a:alpha val="30000"/>
+                </a:schemeClr>
+              </a:solidFill>
+              <a:ln>
+                <a:noFill/>
+              </a:ln>
+            </p:spPr>
+            <p:style>
+              <a:lnRef idx="2">
+                <a:schemeClr val="accent1">
+                  <a:shade val="50000"/>
+                </a:schemeClr>
+              </a:lnRef>
+              <a:fillRef idx="1">
+                <a:schemeClr val="accent1"/>
+              </a:fillRef>
+              <a:effectRef idx="0">
+                <a:schemeClr val="accent1"/>
+              </a:effectRef>
+              <a:fontRef idx="minor">
+                <a:schemeClr val="lt1"/>
+              </a:fontRef>
+            </p:style>
+            <p:txBody>
+              <a:bodyPr rtlCol="0" anchor="t"/>
+              <a:lstStyle/>
+              <a:p>
+                <a:pPr algn="ctr"/>
+                <a:endParaRPr kumimoji="1" lang="ko-KR" altLang="en-US" sz="1100" dirty="0">
+                  <a:solidFill>
+                    <a:schemeClr val="tx1"/>
+                  </a:solidFill>
+                </a:endParaRPr>
+              </a:p>
+            </p:txBody>
+          </p:sp>
+          <p:pic>
+            <p:nvPicPr>
+              <p:cNvPr id="48" name="그림 47">
+                <a:extLst>
+                  <a:ext uri="{FF2B5EF4-FFF2-40B4-BE49-F238E27FC236}">
+                    <a16:creationId xmlns:a16="http://schemas.microsoft.com/office/drawing/2014/main" id="{B9DCE0D7-6BE1-394B-A72D-9B6E4CFFA447}"/>
+                  </a:ext>
+                </a:extLst>
+              </p:cNvPr>
+              <p:cNvPicPr>
+                <a:picLocks noChangeAspect="1"/>
+              </p:cNvPicPr>
+              <p:nvPr/>
+            </p:nvPicPr>
+            <p:blipFill>
+              <a:blip r:embed="rId5"/>
+              <a:stretch>
+                <a:fillRect/>
+              </a:stretch>
+            </p:blipFill>
+            <p:spPr>
+              <a:xfrm>
+                <a:off x="7796119" y="2523742"/>
+                <a:ext cx="505096" cy="505096"/>
+              </a:xfrm>
+              <a:prstGeom prst="rect">
+                <a:avLst/>
+              </a:prstGeom>
+            </p:spPr>
+          </p:pic>
+          <p:pic>
+            <p:nvPicPr>
+              <p:cNvPr id="49" name="그림 48">
+                <a:extLst>
+                  <a:ext uri="{FF2B5EF4-FFF2-40B4-BE49-F238E27FC236}">
+                    <a16:creationId xmlns:a16="http://schemas.microsoft.com/office/drawing/2014/main" id="{2CA9F9AF-9551-AC4C-AB46-1CCCB016A60B}"/>
+                  </a:ext>
+                </a:extLst>
+              </p:cNvPr>
+              <p:cNvPicPr>
+                <a:picLocks noChangeAspect="1"/>
+              </p:cNvPicPr>
+              <p:nvPr/>
+            </p:nvPicPr>
+            <p:blipFill>
+              <a:blip r:embed="rId6"/>
+              <a:stretch>
+                <a:fillRect/>
+              </a:stretch>
+            </p:blipFill>
+            <p:spPr>
+              <a:xfrm>
+                <a:off x="7735805" y="831621"/>
+                <a:ext cx="590888" cy="590888"/>
+              </a:xfrm>
+              <a:prstGeom prst="rect">
+                <a:avLst/>
+              </a:prstGeom>
+            </p:spPr>
+          </p:pic>
+          <p:sp>
+            <p:nvSpPr>
+              <p:cNvPr id="50" name="TextBox 49">
+                <a:extLst>
+                  <a:ext uri="{FF2B5EF4-FFF2-40B4-BE49-F238E27FC236}">
+                    <a16:creationId xmlns:a16="http://schemas.microsoft.com/office/drawing/2014/main" id="{D8E6C7B5-42DF-F24C-9E8C-00D8B40DD9C8}"/>
+                  </a:ext>
+                </a:extLst>
+              </p:cNvPr>
+              <p:cNvSpPr txBox="1"/>
+              <p:nvPr/>
+            </p:nvSpPr>
+            <p:spPr>
+              <a:xfrm>
+                <a:off x="8288565" y="942399"/>
+                <a:ext cx="1092543" cy="369332"/>
+              </a:xfrm>
+              <a:prstGeom prst="rect">
+                <a:avLst/>
+              </a:prstGeom>
+              <a:noFill/>
+            </p:spPr>
+            <p:txBody>
+              <a:bodyPr wrap="none" rtlCol="0">
+                <a:spAutoFit/>
+              </a:bodyPr>
+              <a:lstStyle/>
+              <a:p>
+                <a:r>
+                  <a:rPr kumimoji="1" lang="en-US" altLang="ko-KR" dirty="0" err="1"/>
+                  <a:t>beomy.js</a:t>
+                </a:r>
+                <a:endParaRPr kumimoji="1" lang="ko-KR" altLang="en-US" dirty="0"/>
+              </a:p>
+            </p:txBody>
+          </p:sp>
+          <p:sp>
+            <p:nvSpPr>
+              <p:cNvPr id="51" name="모서리가 둥근 직사각형 50">
+                <a:extLst>
+                  <a:ext uri="{FF2B5EF4-FFF2-40B4-BE49-F238E27FC236}">
+                    <a16:creationId xmlns:a16="http://schemas.microsoft.com/office/drawing/2014/main" id="{4D7B9FEB-4C95-3B48-84F7-5F9A7BE7DE2C}"/>
+                  </a:ext>
+                </a:extLst>
+              </p:cNvPr>
+              <p:cNvSpPr/>
+              <p:nvPr/>
+            </p:nvSpPr>
+            <p:spPr>
+              <a:xfrm>
+                <a:off x="7689128" y="1582081"/>
+                <a:ext cx="1869912" cy="710646"/>
+              </a:xfrm>
+              <a:prstGeom prst="roundRect">
+                <a:avLst/>
+              </a:prstGeom>
+              <a:solidFill>
+                <a:schemeClr val="accent3">
+                  <a:alpha val="30000"/>
+                </a:schemeClr>
+              </a:solidFill>
+              <a:ln>
+                <a:noFill/>
+              </a:ln>
+            </p:spPr>
+            <p:style>
+              <a:lnRef idx="2">
+                <a:schemeClr val="accent1">
+                  <a:shade val="50000"/>
+                </a:schemeClr>
+              </a:lnRef>
+              <a:fillRef idx="1">
+                <a:schemeClr val="accent1"/>
+              </a:fillRef>
+              <a:effectRef idx="0">
+                <a:schemeClr val="accent1"/>
+              </a:effectRef>
+              <a:fontRef idx="minor">
+                <a:schemeClr val="lt1"/>
+              </a:fontRef>
+            </p:style>
+            <p:txBody>
+              <a:bodyPr rtlCol="0" anchor="t"/>
+              <a:lstStyle/>
+              <a:p>
+                <a:pPr algn="ctr"/>
+                <a:endParaRPr kumimoji="1" lang="ko-KR" altLang="en-US" sz="1100" dirty="0">
+                  <a:solidFill>
+                    <a:schemeClr val="tx1"/>
+                  </a:solidFill>
+                </a:endParaRPr>
+              </a:p>
+            </p:txBody>
+          </p:sp>
+          <p:pic>
+            <p:nvPicPr>
+              <p:cNvPr id="52" name="그림 51">
+                <a:extLst>
+                  <a:ext uri="{FF2B5EF4-FFF2-40B4-BE49-F238E27FC236}">
+                    <a16:creationId xmlns:a16="http://schemas.microsoft.com/office/drawing/2014/main" id="{D784039D-F363-3942-936E-B9FB7015C534}"/>
+                  </a:ext>
+                </a:extLst>
+              </p:cNvPr>
+              <p:cNvPicPr>
+                <a:picLocks noChangeAspect="1"/>
+              </p:cNvPicPr>
+              <p:nvPr/>
+            </p:nvPicPr>
+            <p:blipFill>
+              <a:blip r:embed="rId6"/>
+              <a:stretch>
+                <a:fillRect/>
+              </a:stretch>
+            </p:blipFill>
+            <p:spPr>
+              <a:xfrm>
+                <a:off x="7735805" y="1653045"/>
+                <a:ext cx="590888" cy="590888"/>
+              </a:xfrm>
+              <a:prstGeom prst="rect">
+                <a:avLst/>
+              </a:prstGeom>
+            </p:spPr>
+          </p:pic>
+          <p:sp>
+            <p:nvSpPr>
+              <p:cNvPr id="53" name="TextBox 52">
+                <a:extLst>
+                  <a:ext uri="{FF2B5EF4-FFF2-40B4-BE49-F238E27FC236}">
+                    <a16:creationId xmlns:a16="http://schemas.microsoft.com/office/drawing/2014/main" id="{EA948435-D507-E648-A827-5FE7CF1C71BA}"/>
+                  </a:ext>
+                </a:extLst>
+              </p:cNvPr>
+              <p:cNvSpPr txBox="1"/>
+              <p:nvPr/>
+            </p:nvSpPr>
+            <p:spPr>
+              <a:xfrm>
+                <a:off x="8288565" y="1763823"/>
+                <a:ext cx="1244828" cy="369332"/>
+              </a:xfrm>
+              <a:prstGeom prst="rect">
+                <a:avLst/>
+              </a:prstGeom>
+              <a:noFill/>
+            </p:spPr>
+            <p:txBody>
+              <a:bodyPr wrap="none" rtlCol="0">
+                <a:spAutoFit/>
+              </a:bodyPr>
+              <a:lstStyle/>
+              <a:p>
+                <a:r>
+                  <a:rPr kumimoji="1" lang="en-US" altLang="ko-KR" dirty="0" err="1"/>
+                  <a:t>beomy.css</a:t>
+                </a:r>
+                <a:endParaRPr kumimoji="1" lang="ko-KR" altLang="en-US" dirty="0"/>
+              </a:p>
+            </p:txBody>
+          </p:sp>
+          <p:sp>
+            <p:nvSpPr>
+              <p:cNvPr id="54" name="TextBox 53">
+                <a:extLst>
+                  <a:ext uri="{FF2B5EF4-FFF2-40B4-BE49-F238E27FC236}">
+                    <a16:creationId xmlns:a16="http://schemas.microsoft.com/office/drawing/2014/main" id="{0A141380-E15E-A24D-95D4-72BB86993A4F}"/>
+                  </a:ext>
+                </a:extLst>
+              </p:cNvPr>
+              <p:cNvSpPr txBox="1"/>
+              <p:nvPr/>
+            </p:nvSpPr>
+            <p:spPr>
+              <a:xfrm>
+                <a:off x="8288565" y="2586928"/>
+                <a:ext cx="1270476" cy="369332"/>
+              </a:xfrm>
+              <a:prstGeom prst="rect">
+                <a:avLst/>
+              </a:prstGeom>
+              <a:noFill/>
+            </p:spPr>
+            <p:txBody>
+              <a:bodyPr wrap="none" rtlCol="0">
+                <a:spAutoFit/>
+              </a:bodyPr>
+              <a:lstStyle/>
+              <a:p>
+                <a:r>
+                  <a:rPr kumimoji="1" lang="en-US" altLang="ko-KR" dirty="0" err="1"/>
+                  <a:t>beomy.jpg</a:t>
+                </a:r>
+                <a:endParaRPr kumimoji="1" lang="ko-KR" altLang="en-US" dirty="0"/>
+              </a:p>
+            </p:txBody>
+          </p:sp>
+          <p:cxnSp>
+            <p:nvCxnSpPr>
+              <p:cNvPr id="55" name="직선 화살표 연결선 54">
+                <a:extLst>
+                  <a:ext uri="{FF2B5EF4-FFF2-40B4-BE49-F238E27FC236}">
+                    <a16:creationId xmlns:a16="http://schemas.microsoft.com/office/drawing/2014/main" id="{137301CB-F852-F448-9075-7C390E46CBF3}"/>
+                  </a:ext>
+                </a:extLst>
+              </p:cNvPr>
+              <p:cNvCxnSpPr>
+                <a:cxnSpLocks/>
+                <a:stCxn id="31" idx="3"/>
+                <a:endCxn id="47" idx="1"/>
+              </p:cNvCxnSpPr>
+              <p:nvPr/>
+            </p:nvCxnSpPr>
+            <p:spPr>
+              <a:xfrm>
+                <a:off x="5070250" y="1115980"/>
+                <a:ext cx="2618877" cy="0"/>
+              </a:xfrm>
+              <a:prstGeom prst="straightConnector1">
+                <a:avLst/>
+              </a:prstGeom>
+              <a:ln w="50800">
                 <a:solidFill>
                   <a:schemeClr val="tx1"/>
                 </a:solidFill>
-              </a:endParaRPr>
-            </a:p>
-          </p:txBody>
-        </p:sp>
-        <p:sp>
-          <p:nvSpPr>
-            <p:cNvPr id="31" name="모서리가 둥근 직사각형 30">
-              <a:extLst>
-                <a:ext uri="{FF2B5EF4-FFF2-40B4-BE49-F238E27FC236}">
-                  <a16:creationId xmlns:a16="http://schemas.microsoft.com/office/drawing/2014/main" id="{C8C0CD54-F005-154A-A508-08967DD6D30A}"/>
-                </a:ext>
-              </a:extLst>
-            </p:cNvPr>
-            <p:cNvSpPr/>
-            <p:nvPr/>
-          </p:nvSpPr>
-          <p:spPr>
-            <a:xfrm>
-              <a:off x="3225984" y="760657"/>
-              <a:ext cx="1844266" cy="710646"/>
-            </a:xfrm>
-            <a:prstGeom prst="roundRect">
-              <a:avLst/>
-            </a:prstGeom>
-            <a:solidFill>
-              <a:schemeClr val="accent3">
-                <a:alpha val="30000"/>
-              </a:schemeClr>
-            </a:solidFill>
-            <a:ln>
-              <a:noFill/>
-            </a:ln>
-          </p:spPr>
-          <p:style>
-            <a:lnRef idx="2">
-              <a:schemeClr val="accent1">
-                <a:shade val="50000"/>
-              </a:schemeClr>
-            </a:lnRef>
-            <a:fillRef idx="1">
-              <a:schemeClr val="accent1"/>
-            </a:fillRef>
-            <a:effectRef idx="0">
-              <a:schemeClr val="accent1"/>
-            </a:effectRef>
-            <a:fontRef idx="minor">
-              <a:schemeClr val="lt1"/>
-            </a:fontRef>
-          </p:style>
-          <p:txBody>
-            <a:bodyPr rtlCol="0" anchor="t"/>
-            <a:lstStyle/>
-            <a:p>
-              <a:pPr algn="ctr"/>
-              <a:endParaRPr kumimoji="1" lang="ko-KR" altLang="en-US" sz="1100" dirty="0">
+                <a:headEnd type="triangle"/>
+                <a:tailEnd type="triangle"/>
+              </a:ln>
+            </p:spPr>
+            <p:style>
+              <a:lnRef idx="1">
+                <a:schemeClr val="accent1"/>
+              </a:lnRef>
+              <a:fillRef idx="0">
+                <a:schemeClr val="accent1"/>
+              </a:fillRef>
+              <a:effectRef idx="0">
+                <a:schemeClr val="accent1"/>
+              </a:effectRef>
+              <a:fontRef idx="minor">
+                <a:schemeClr val="tx1"/>
+              </a:fontRef>
+            </p:style>
+          </p:cxnSp>
+          <p:cxnSp>
+            <p:nvCxnSpPr>
+              <p:cNvPr id="56" name="직선 화살표 연결선 55">
+                <a:extLst>
+                  <a:ext uri="{FF2B5EF4-FFF2-40B4-BE49-F238E27FC236}">
+                    <a16:creationId xmlns:a16="http://schemas.microsoft.com/office/drawing/2014/main" id="{CC70B3D7-AB20-2E4E-9A2C-EE3C950B82EA}"/>
+                  </a:ext>
+                </a:extLst>
+              </p:cNvPr>
+              <p:cNvCxnSpPr>
+                <a:cxnSpLocks/>
+                <a:stCxn id="34" idx="3"/>
+                <a:endCxn id="51" idx="1"/>
+              </p:cNvCxnSpPr>
+              <p:nvPr/>
+            </p:nvCxnSpPr>
+            <p:spPr>
+              <a:xfrm flipV="1">
+                <a:off x="5070250" y="1937404"/>
+                <a:ext cx="2618878" cy="11085"/>
+              </a:xfrm>
+              <a:prstGeom prst="straightConnector1">
+                <a:avLst/>
+              </a:prstGeom>
+              <a:ln w="50800">
                 <a:solidFill>
                   <a:schemeClr val="tx1"/>
                 </a:solidFill>
-              </a:endParaRPr>
-            </a:p>
-          </p:txBody>
-        </p:sp>
-        <p:pic>
-          <p:nvPicPr>
-            <p:cNvPr id="29" name="그림 28">
-              <a:extLst>
-                <a:ext uri="{FF2B5EF4-FFF2-40B4-BE49-F238E27FC236}">
-                  <a16:creationId xmlns:a16="http://schemas.microsoft.com/office/drawing/2014/main" id="{49AACB4D-EB3D-614F-8C36-FDB8C102D0A7}"/>
-                </a:ext>
-              </a:extLst>
-            </p:cNvPr>
-            <p:cNvPicPr>
-              <a:picLocks noChangeAspect="1"/>
-            </p:cNvPicPr>
-            <p:nvPr/>
-          </p:nvPicPr>
-          <p:blipFill>
-            <a:blip r:embed="rId3"/>
-            <a:stretch>
-              <a:fillRect/>
-            </a:stretch>
-          </p:blipFill>
-          <p:spPr>
-            <a:xfrm>
-              <a:off x="10095143" y="1115980"/>
-              <a:ext cx="1735666" cy="1735666"/>
-            </a:xfrm>
-            <a:prstGeom prst="rect">
-              <a:avLst/>
-            </a:prstGeom>
-          </p:spPr>
-        </p:pic>
-        <p:pic>
-          <p:nvPicPr>
-            <p:cNvPr id="3" name="그림 2">
-              <a:extLst>
-                <a:ext uri="{FF2B5EF4-FFF2-40B4-BE49-F238E27FC236}">
-                  <a16:creationId xmlns:a16="http://schemas.microsoft.com/office/drawing/2014/main" id="{D39F49DD-AB6F-C444-A483-576E5D66E50F}"/>
-                </a:ext>
-              </a:extLst>
-            </p:cNvPr>
-            <p:cNvPicPr>
-              <a:picLocks noChangeAspect="1"/>
-            </p:cNvPicPr>
-            <p:nvPr/>
-          </p:nvPicPr>
-          <p:blipFill>
-            <a:blip r:embed="rId4"/>
-            <a:stretch>
-              <a:fillRect/>
-            </a:stretch>
-          </p:blipFill>
-          <p:spPr>
-            <a:xfrm>
-              <a:off x="906185" y="1005912"/>
-              <a:ext cx="1955800" cy="1955800"/>
-            </a:xfrm>
-            <a:prstGeom prst="rect">
-              <a:avLst/>
-            </a:prstGeom>
-          </p:spPr>
-        </p:pic>
-        <p:pic>
-          <p:nvPicPr>
-            <p:cNvPr id="8" name="그림 7">
-              <a:extLst>
-                <a:ext uri="{FF2B5EF4-FFF2-40B4-BE49-F238E27FC236}">
-                  <a16:creationId xmlns:a16="http://schemas.microsoft.com/office/drawing/2014/main" id="{266AC016-8DF5-A54A-ABD8-FF7A79C2A524}"/>
-                </a:ext>
-              </a:extLst>
-            </p:cNvPr>
-            <p:cNvPicPr>
-              <a:picLocks noChangeAspect="1"/>
-            </p:cNvPicPr>
-            <p:nvPr/>
-          </p:nvPicPr>
-          <p:blipFill>
-            <a:blip r:embed="rId3"/>
-            <a:stretch>
-              <a:fillRect/>
-            </a:stretch>
-          </p:blipFill>
-          <p:spPr>
-            <a:xfrm>
-              <a:off x="9434743" y="1115980"/>
-              <a:ext cx="1735666" cy="1735666"/>
-            </a:xfrm>
-            <a:prstGeom prst="rect">
-              <a:avLst/>
-            </a:prstGeom>
-          </p:spPr>
-        </p:pic>
-        <p:pic>
-          <p:nvPicPr>
-            <p:cNvPr id="13" name="그림 12">
-              <a:extLst>
-                <a:ext uri="{FF2B5EF4-FFF2-40B4-BE49-F238E27FC236}">
-                  <a16:creationId xmlns:a16="http://schemas.microsoft.com/office/drawing/2014/main" id="{B7184082-5579-A344-8438-2941D1B45F03}"/>
-                </a:ext>
-              </a:extLst>
-            </p:cNvPr>
-            <p:cNvPicPr>
-              <a:picLocks noChangeAspect="1"/>
-            </p:cNvPicPr>
-            <p:nvPr/>
-          </p:nvPicPr>
-          <p:blipFill>
-            <a:blip r:embed="rId5"/>
-            <a:stretch>
-              <a:fillRect/>
-            </a:stretch>
-          </p:blipFill>
-          <p:spPr>
-            <a:xfrm>
-              <a:off x="3332976" y="2523742"/>
-              <a:ext cx="505096" cy="505096"/>
-            </a:xfrm>
-            <a:prstGeom prst="rect">
-              <a:avLst/>
-            </a:prstGeom>
-          </p:spPr>
-        </p:pic>
-        <p:pic>
-          <p:nvPicPr>
-            <p:cNvPr id="24" name="그림 23">
-              <a:extLst>
-                <a:ext uri="{FF2B5EF4-FFF2-40B4-BE49-F238E27FC236}">
-                  <a16:creationId xmlns:a16="http://schemas.microsoft.com/office/drawing/2014/main" id="{F1946A72-32A0-984E-8EEB-ACB5FE30F638}"/>
-                </a:ext>
-              </a:extLst>
-            </p:cNvPr>
-            <p:cNvPicPr>
-              <a:picLocks noChangeAspect="1"/>
-            </p:cNvPicPr>
-            <p:nvPr/>
-          </p:nvPicPr>
-          <p:blipFill>
-            <a:blip r:embed="rId6"/>
-            <a:stretch>
-              <a:fillRect/>
-            </a:stretch>
-          </p:blipFill>
-          <p:spPr>
-            <a:xfrm>
-              <a:off x="3272662" y="831621"/>
-              <a:ext cx="590888" cy="590888"/>
-            </a:xfrm>
-            <a:prstGeom prst="rect">
-              <a:avLst/>
-            </a:prstGeom>
-          </p:spPr>
-        </p:pic>
+                <a:headEnd type="triangle"/>
+                <a:tailEnd type="triangle"/>
+              </a:ln>
+            </p:spPr>
+            <p:style>
+              <a:lnRef idx="1">
+                <a:schemeClr val="accent1"/>
+              </a:lnRef>
+              <a:fillRef idx="0">
+                <a:schemeClr val="accent1"/>
+              </a:fillRef>
+              <a:effectRef idx="0">
+                <a:schemeClr val="accent1"/>
+              </a:effectRef>
+              <a:fontRef idx="minor">
+                <a:schemeClr val="tx1"/>
+              </a:fontRef>
+            </p:style>
+          </p:cxnSp>
+          <p:cxnSp>
+            <p:nvCxnSpPr>
+              <p:cNvPr id="58" name="직선 화살표 연결선 57">
+                <a:extLst>
+                  <a:ext uri="{FF2B5EF4-FFF2-40B4-BE49-F238E27FC236}">
+                    <a16:creationId xmlns:a16="http://schemas.microsoft.com/office/drawing/2014/main" id="{16B87902-4BA9-454B-BE61-8AFAB2774751}"/>
+                  </a:ext>
+                </a:extLst>
+              </p:cNvPr>
+              <p:cNvCxnSpPr>
+                <a:cxnSpLocks/>
+                <a:stCxn id="36" idx="3"/>
+                <a:endCxn id="46" idx="1"/>
+              </p:cNvCxnSpPr>
+              <p:nvPr/>
+            </p:nvCxnSpPr>
+            <p:spPr>
+              <a:xfrm flipV="1">
+                <a:off x="5095898" y="2760509"/>
+                <a:ext cx="2593229" cy="11085"/>
+              </a:xfrm>
+              <a:prstGeom prst="straightConnector1">
+                <a:avLst/>
+              </a:prstGeom>
+              <a:ln w="50800">
+                <a:solidFill>
+                  <a:schemeClr val="tx1"/>
+                </a:solidFill>
+                <a:headEnd type="triangle"/>
+                <a:tailEnd type="triangle"/>
+              </a:ln>
+            </p:spPr>
+            <p:style>
+              <a:lnRef idx="1">
+                <a:schemeClr val="accent1"/>
+              </a:lnRef>
+              <a:fillRef idx="0">
+                <a:schemeClr val="accent1"/>
+              </a:fillRef>
+              <a:effectRef idx="0">
+                <a:schemeClr val="accent1"/>
+              </a:effectRef>
+              <a:fontRef idx="minor">
+                <a:schemeClr val="tx1"/>
+              </a:fontRef>
+            </p:style>
+          </p:cxnSp>
+          <p:sp>
+            <p:nvSpPr>
+              <p:cNvPr id="61" name="직사각형 60">
+                <a:extLst>
+                  <a:ext uri="{FF2B5EF4-FFF2-40B4-BE49-F238E27FC236}">
+                    <a16:creationId xmlns:a16="http://schemas.microsoft.com/office/drawing/2014/main" id="{55174690-2CE6-094F-B982-027AA0ABF2B6}"/>
+                  </a:ext>
+                </a:extLst>
+              </p:cNvPr>
+              <p:cNvSpPr/>
+              <p:nvPr/>
+            </p:nvSpPr>
+            <p:spPr>
+              <a:xfrm>
+                <a:off x="3032759" y="228587"/>
+                <a:ext cx="6740434" cy="3193869"/>
+              </a:xfrm>
+              <a:prstGeom prst="rect">
+                <a:avLst/>
+              </a:prstGeom>
+              <a:noFill/>
+              <a:ln w="50800">
+                <a:solidFill>
+                  <a:schemeClr val="tx1"/>
+                </a:solidFill>
+              </a:ln>
+            </p:spPr>
+            <p:style>
+              <a:lnRef idx="2">
+                <a:schemeClr val="accent1">
+                  <a:shade val="50000"/>
+                </a:schemeClr>
+              </a:lnRef>
+              <a:fillRef idx="1">
+                <a:schemeClr val="accent1"/>
+              </a:fillRef>
+              <a:effectRef idx="0">
+                <a:schemeClr val="accent1"/>
+              </a:effectRef>
+              <a:fontRef idx="minor">
+                <a:schemeClr val="lt1"/>
+              </a:fontRef>
+            </p:style>
+            <p:txBody>
+              <a:bodyPr rtlCol="0" anchor="ctr"/>
+              <a:lstStyle/>
+              <a:p>
+                <a:pPr algn="ctr"/>
+                <a:endParaRPr kumimoji="1" lang="ko-KR" altLang="en-US"/>
+              </a:p>
+            </p:txBody>
+          </p:sp>
+          <p:sp>
+            <p:nvSpPr>
+              <p:cNvPr id="62" name="TextBox 61">
+                <a:extLst>
+                  <a:ext uri="{FF2B5EF4-FFF2-40B4-BE49-F238E27FC236}">
+                    <a16:creationId xmlns:a16="http://schemas.microsoft.com/office/drawing/2014/main" id="{EE2FC08F-06E4-CE43-80CE-B9BB5D404EB0}"/>
+                  </a:ext>
+                </a:extLst>
+              </p:cNvPr>
+              <p:cNvSpPr txBox="1"/>
+              <p:nvPr/>
+            </p:nvSpPr>
+            <p:spPr>
+              <a:xfrm>
+                <a:off x="5242130" y="-116351"/>
+                <a:ext cx="2275116" cy="646331"/>
+              </a:xfrm>
+              <a:prstGeom prst="rect">
+                <a:avLst/>
+              </a:prstGeom>
+              <a:solidFill>
+                <a:schemeClr val="bg1"/>
+              </a:solidFill>
+            </p:spPr>
+            <p:txBody>
+              <a:bodyPr wrap="square" rtlCol="0">
+                <a:spAutoFit/>
+              </a:bodyPr>
+              <a:lstStyle/>
+              <a:p>
+                <a:pPr algn="ctr"/>
+                <a:r>
+                  <a:rPr kumimoji="1" lang="en-US" altLang="ko-KR" dirty="0"/>
+                  <a:t>HTTP/1.1</a:t>
+                </a:r>
+              </a:p>
+              <a:p>
+                <a:pPr algn="ctr"/>
+                <a:r>
+                  <a:rPr kumimoji="1" lang="en-US" altLang="ko-KR" dirty="0"/>
+                  <a:t>3 TCP Connections</a:t>
+                </a:r>
+                <a:endParaRPr kumimoji="1" lang="ko-KR" altLang="en-US" dirty="0"/>
+              </a:p>
+            </p:txBody>
+          </p:sp>
+          <p:sp>
+            <p:nvSpPr>
+              <p:cNvPr id="63" name="모서리가 둥근 직사각형 62">
+                <a:extLst>
+                  <a:ext uri="{FF2B5EF4-FFF2-40B4-BE49-F238E27FC236}">
+                    <a16:creationId xmlns:a16="http://schemas.microsoft.com/office/drawing/2014/main" id="{1B37E494-85D6-1F42-825B-D375BB6C4153}"/>
+                  </a:ext>
+                </a:extLst>
+              </p:cNvPr>
+              <p:cNvSpPr/>
+              <p:nvPr/>
+            </p:nvSpPr>
+            <p:spPr>
+              <a:xfrm>
+                <a:off x="3225984" y="4520089"/>
+                <a:ext cx="1844266" cy="2634342"/>
+              </a:xfrm>
+              <a:prstGeom prst="roundRect">
+                <a:avLst/>
+              </a:prstGeom>
+              <a:solidFill>
+                <a:schemeClr val="accent3">
+                  <a:alpha val="30000"/>
+                </a:schemeClr>
+              </a:solidFill>
+              <a:ln>
+                <a:noFill/>
+              </a:ln>
+            </p:spPr>
+            <p:style>
+              <a:lnRef idx="2">
+                <a:schemeClr val="accent1">
+                  <a:shade val="50000"/>
+                </a:schemeClr>
+              </a:lnRef>
+              <a:fillRef idx="1">
+                <a:schemeClr val="accent1"/>
+              </a:fillRef>
+              <a:effectRef idx="0">
+                <a:schemeClr val="accent1"/>
+              </a:effectRef>
+              <a:fontRef idx="minor">
+                <a:schemeClr val="lt1"/>
+              </a:fontRef>
+            </p:style>
+            <p:txBody>
+              <a:bodyPr rtlCol="0" anchor="t"/>
+              <a:lstStyle/>
+              <a:p>
+                <a:pPr algn="ctr"/>
+                <a:endParaRPr kumimoji="1" lang="ko-KR" altLang="en-US" sz="1100" dirty="0">
+                  <a:solidFill>
+                    <a:schemeClr val="tx1"/>
+                  </a:solidFill>
+                </a:endParaRPr>
+              </a:p>
+            </p:txBody>
+          </p:sp>
+          <p:pic>
+            <p:nvPicPr>
+              <p:cNvPr id="64" name="그림 63">
+                <a:extLst>
+                  <a:ext uri="{FF2B5EF4-FFF2-40B4-BE49-F238E27FC236}">
+                    <a16:creationId xmlns:a16="http://schemas.microsoft.com/office/drawing/2014/main" id="{EF576BFE-E822-9842-A374-62D5D4C7699B}"/>
+                  </a:ext>
+                </a:extLst>
+              </p:cNvPr>
+              <p:cNvPicPr>
+                <a:picLocks noChangeAspect="1"/>
+              </p:cNvPicPr>
+              <p:nvPr/>
+            </p:nvPicPr>
+            <p:blipFill>
+              <a:blip r:embed="rId3"/>
+              <a:stretch>
+                <a:fillRect/>
+              </a:stretch>
+            </p:blipFill>
+            <p:spPr>
+              <a:xfrm>
+                <a:off x="10095143" y="5026481"/>
+                <a:ext cx="1735666" cy="1735666"/>
+              </a:xfrm>
+              <a:prstGeom prst="rect">
+                <a:avLst/>
+              </a:prstGeom>
+            </p:spPr>
+          </p:pic>
+          <p:pic>
+            <p:nvPicPr>
+              <p:cNvPr id="65" name="그림 64">
+                <a:extLst>
+                  <a:ext uri="{FF2B5EF4-FFF2-40B4-BE49-F238E27FC236}">
+                    <a16:creationId xmlns:a16="http://schemas.microsoft.com/office/drawing/2014/main" id="{781CBAD9-767C-AF4A-897B-3A06951FAB53}"/>
+                  </a:ext>
+                </a:extLst>
+              </p:cNvPr>
+              <p:cNvPicPr>
+                <a:picLocks noChangeAspect="1"/>
+              </p:cNvPicPr>
+              <p:nvPr/>
+            </p:nvPicPr>
+            <p:blipFill>
+              <a:blip r:embed="rId4"/>
+              <a:stretch>
+                <a:fillRect/>
+              </a:stretch>
+            </p:blipFill>
+            <p:spPr>
+              <a:xfrm>
+                <a:off x="906185" y="4916413"/>
+                <a:ext cx="1955800" cy="1955800"/>
+              </a:xfrm>
+              <a:prstGeom prst="rect">
+                <a:avLst/>
+              </a:prstGeom>
+            </p:spPr>
+          </p:pic>
+          <p:pic>
+            <p:nvPicPr>
+              <p:cNvPr id="66" name="그림 65">
+                <a:extLst>
+                  <a:ext uri="{FF2B5EF4-FFF2-40B4-BE49-F238E27FC236}">
+                    <a16:creationId xmlns:a16="http://schemas.microsoft.com/office/drawing/2014/main" id="{E958896B-33A2-564A-B0C9-ECC3085E3125}"/>
+                  </a:ext>
+                </a:extLst>
+              </p:cNvPr>
+              <p:cNvPicPr>
+                <a:picLocks noChangeAspect="1"/>
+              </p:cNvPicPr>
+              <p:nvPr/>
+            </p:nvPicPr>
+            <p:blipFill>
+              <a:blip r:embed="rId3"/>
+              <a:stretch>
+                <a:fillRect/>
+              </a:stretch>
+            </p:blipFill>
+            <p:spPr>
+              <a:xfrm>
+                <a:off x="9434743" y="5026481"/>
+                <a:ext cx="1735666" cy="1735666"/>
+              </a:xfrm>
+              <a:prstGeom prst="rect">
+                <a:avLst/>
+              </a:prstGeom>
+            </p:spPr>
+          </p:pic>
+          <p:pic>
+            <p:nvPicPr>
+              <p:cNvPr id="67" name="그림 66">
+                <a:extLst>
+                  <a:ext uri="{FF2B5EF4-FFF2-40B4-BE49-F238E27FC236}">
+                    <a16:creationId xmlns:a16="http://schemas.microsoft.com/office/drawing/2014/main" id="{3E395906-7376-2840-A181-11F7A40BBB2F}"/>
+                  </a:ext>
+                </a:extLst>
+              </p:cNvPr>
+              <p:cNvPicPr>
+                <a:picLocks noChangeAspect="1"/>
+              </p:cNvPicPr>
+              <p:nvPr/>
+            </p:nvPicPr>
+            <p:blipFill>
+              <a:blip r:embed="rId5"/>
+              <a:stretch>
+                <a:fillRect/>
+              </a:stretch>
+            </p:blipFill>
+            <p:spPr>
+              <a:xfrm>
+                <a:off x="3332976" y="6434243"/>
+                <a:ext cx="505096" cy="505096"/>
+              </a:xfrm>
+              <a:prstGeom prst="rect">
+                <a:avLst/>
+              </a:prstGeom>
+            </p:spPr>
+          </p:pic>
+          <p:pic>
+            <p:nvPicPr>
+              <p:cNvPr id="68" name="그림 67">
+                <a:extLst>
+                  <a:ext uri="{FF2B5EF4-FFF2-40B4-BE49-F238E27FC236}">
+                    <a16:creationId xmlns:a16="http://schemas.microsoft.com/office/drawing/2014/main" id="{1AD9B3BC-05C9-A546-B6AD-D4C164D40B23}"/>
+                  </a:ext>
+                </a:extLst>
+              </p:cNvPr>
+              <p:cNvPicPr>
+                <a:picLocks noChangeAspect="1"/>
+              </p:cNvPicPr>
+              <p:nvPr/>
+            </p:nvPicPr>
+            <p:blipFill>
+              <a:blip r:embed="rId6"/>
+              <a:stretch>
+                <a:fillRect/>
+              </a:stretch>
+            </p:blipFill>
+            <p:spPr>
+              <a:xfrm>
+                <a:off x="3272662" y="4742122"/>
+                <a:ext cx="590888" cy="590888"/>
+              </a:xfrm>
+              <a:prstGeom prst="rect">
+                <a:avLst/>
+              </a:prstGeom>
+            </p:spPr>
+          </p:pic>
+          <p:sp>
+            <p:nvSpPr>
+              <p:cNvPr id="69" name="TextBox 68">
+                <a:extLst>
+                  <a:ext uri="{FF2B5EF4-FFF2-40B4-BE49-F238E27FC236}">
+                    <a16:creationId xmlns:a16="http://schemas.microsoft.com/office/drawing/2014/main" id="{B5254DE7-3142-1C4D-9B30-AE3DD72E97F5}"/>
+                  </a:ext>
+                </a:extLst>
+              </p:cNvPr>
+              <p:cNvSpPr txBox="1"/>
+              <p:nvPr/>
+            </p:nvSpPr>
+            <p:spPr>
+              <a:xfrm>
+                <a:off x="3825422" y="4852900"/>
+                <a:ext cx="1092543" cy="369332"/>
+              </a:xfrm>
+              <a:prstGeom prst="rect">
+                <a:avLst/>
+              </a:prstGeom>
+              <a:noFill/>
+            </p:spPr>
+            <p:txBody>
+              <a:bodyPr wrap="none" rtlCol="0">
+                <a:spAutoFit/>
+              </a:bodyPr>
+              <a:lstStyle/>
+              <a:p>
+                <a:r>
+                  <a:rPr kumimoji="1" lang="en-US" altLang="ko-KR" dirty="0" err="1"/>
+                  <a:t>beomy.js</a:t>
+                </a:r>
+                <a:endParaRPr kumimoji="1" lang="ko-KR" altLang="en-US" dirty="0"/>
+              </a:p>
+            </p:txBody>
+          </p:sp>
+          <p:pic>
+            <p:nvPicPr>
+              <p:cNvPr id="70" name="그림 69">
+                <a:extLst>
+                  <a:ext uri="{FF2B5EF4-FFF2-40B4-BE49-F238E27FC236}">
+                    <a16:creationId xmlns:a16="http://schemas.microsoft.com/office/drawing/2014/main" id="{DC64EF5A-3BAB-0747-B8C8-C23600FB5D37}"/>
+                  </a:ext>
+                </a:extLst>
+              </p:cNvPr>
+              <p:cNvPicPr>
+                <a:picLocks noChangeAspect="1"/>
+              </p:cNvPicPr>
+              <p:nvPr/>
+            </p:nvPicPr>
+            <p:blipFill>
+              <a:blip r:embed="rId6"/>
+              <a:stretch>
+                <a:fillRect/>
+              </a:stretch>
+            </p:blipFill>
+            <p:spPr>
+              <a:xfrm>
+                <a:off x="3272662" y="5563546"/>
+                <a:ext cx="590888" cy="590888"/>
+              </a:xfrm>
+              <a:prstGeom prst="rect">
+                <a:avLst/>
+              </a:prstGeom>
+            </p:spPr>
+          </p:pic>
+          <p:sp>
+            <p:nvSpPr>
+              <p:cNvPr id="71" name="TextBox 70">
+                <a:extLst>
+                  <a:ext uri="{FF2B5EF4-FFF2-40B4-BE49-F238E27FC236}">
+                    <a16:creationId xmlns:a16="http://schemas.microsoft.com/office/drawing/2014/main" id="{F893AD28-B572-9446-AB09-1B050A6AAD95}"/>
+                  </a:ext>
+                </a:extLst>
+              </p:cNvPr>
+              <p:cNvSpPr txBox="1"/>
+              <p:nvPr/>
+            </p:nvSpPr>
+            <p:spPr>
+              <a:xfrm>
+                <a:off x="3825422" y="5674324"/>
+                <a:ext cx="1244828" cy="369332"/>
+              </a:xfrm>
+              <a:prstGeom prst="rect">
+                <a:avLst/>
+              </a:prstGeom>
+              <a:noFill/>
+            </p:spPr>
+            <p:txBody>
+              <a:bodyPr wrap="none" rtlCol="0">
+                <a:spAutoFit/>
+              </a:bodyPr>
+              <a:lstStyle/>
+              <a:p>
+                <a:r>
+                  <a:rPr kumimoji="1" lang="en-US" altLang="ko-KR" dirty="0" err="1"/>
+                  <a:t>beomy.css</a:t>
+                </a:r>
+                <a:endParaRPr kumimoji="1" lang="ko-KR" altLang="en-US" dirty="0"/>
+              </a:p>
+            </p:txBody>
+          </p:sp>
+          <p:sp>
+            <p:nvSpPr>
+              <p:cNvPr id="72" name="TextBox 71">
+                <a:extLst>
+                  <a:ext uri="{FF2B5EF4-FFF2-40B4-BE49-F238E27FC236}">
+                    <a16:creationId xmlns:a16="http://schemas.microsoft.com/office/drawing/2014/main" id="{50BAB1BD-57D3-9548-88D6-D7E93FD4024E}"/>
+                  </a:ext>
+                </a:extLst>
+              </p:cNvPr>
+              <p:cNvSpPr txBox="1"/>
+              <p:nvPr/>
+            </p:nvSpPr>
+            <p:spPr>
+              <a:xfrm>
+                <a:off x="3825422" y="6497429"/>
+                <a:ext cx="1270476" cy="369332"/>
+              </a:xfrm>
+              <a:prstGeom prst="rect">
+                <a:avLst/>
+              </a:prstGeom>
+              <a:noFill/>
+            </p:spPr>
+            <p:txBody>
+              <a:bodyPr wrap="none" rtlCol="0">
+                <a:spAutoFit/>
+              </a:bodyPr>
+              <a:lstStyle/>
+              <a:p>
+                <a:r>
+                  <a:rPr kumimoji="1" lang="en-US" altLang="ko-KR" dirty="0" err="1"/>
+                  <a:t>beomy.jpg</a:t>
+                </a:r>
+                <a:endParaRPr kumimoji="1" lang="ko-KR" altLang="en-US" dirty="0"/>
+              </a:p>
+            </p:txBody>
+          </p:sp>
+          <p:sp>
+            <p:nvSpPr>
+              <p:cNvPr id="73" name="모서리가 둥근 직사각형 72">
+                <a:extLst>
+                  <a:ext uri="{FF2B5EF4-FFF2-40B4-BE49-F238E27FC236}">
+                    <a16:creationId xmlns:a16="http://schemas.microsoft.com/office/drawing/2014/main" id="{7F428BF3-B8EA-DC41-B7A1-A4911E4A1BC1}"/>
+                  </a:ext>
+                </a:extLst>
+              </p:cNvPr>
+              <p:cNvSpPr/>
+              <p:nvPr/>
+            </p:nvSpPr>
+            <p:spPr>
+              <a:xfrm>
+                <a:off x="7689127" y="4520089"/>
+                <a:ext cx="1844266" cy="2634342"/>
+              </a:xfrm>
+              <a:prstGeom prst="roundRect">
+                <a:avLst/>
+              </a:prstGeom>
+              <a:solidFill>
+                <a:schemeClr val="accent3">
+                  <a:alpha val="30000"/>
+                </a:schemeClr>
+              </a:solidFill>
+              <a:ln>
+                <a:noFill/>
+              </a:ln>
+            </p:spPr>
+            <p:style>
+              <a:lnRef idx="2">
+                <a:schemeClr val="accent1">
+                  <a:shade val="50000"/>
+                </a:schemeClr>
+              </a:lnRef>
+              <a:fillRef idx="1">
+                <a:schemeClr val="accent1"/>
+              </a:fillRef>
+              <a:effectRef idx="0">
+                <a:schemeClr val="accent1"/>
+              </a:effectRef>
+              <a:fontRef idx="minor">
+                <a:schemeClr val="lt1"/>
+              </a:fontRef>
+            </p:style>
+            <p:txBody>
+              <a:bodyPr rtlCol="0" anchor="t"/>
+              <a:lstStyle/>
+              <a:p>
+                <a:pPr algn="ctr"/>
+                <a:endParaRPr kumimoji="1" lang="ko-KR" altLang="en-US" sz="1100" dirty="0">
+                  <a:solidFill>
+                    <a:schemeClr val="tx1"/>
+                  </a:solidFill>
+                </a:endParaRPr>
+              </a:p>
+            </p:txBody>
+          </p:sp>
+          <p:pic>
+            <p:nvPicPr>
+              <p:cNvPr id="74" name="그림 73">
+                <a:extLst>
+                  <a:ext uri="{FF2B5EF4-FFF2-40B4-BE49-F238E27FC236}">
+                    <a16:creationId xmlns:a16="http://schemas.microsoft.com/office/drawing/2014/main" id="{A5C93794-DD5B-D442-B32C-116305CBAAAA}"/>
+                  </a:ext>
+                </a:extLst>
+              </p:cNvPr>
+              <p:cNvPicPr>
+                <a:picLocks noChangeAspect="1"/>
+              </p:cNvPicPr>
+              <p:nvPr/>
+            </p:nvPicPr>
+            <p:blipFill>
+              <a:blip r:embed="rId5"/>
+              <a:stretch>
+                <a:fillRect/>
+              </a:stretch>
+            </p:blipFill>
+            <p:spPr>
+              <a:xfrm>
+                <a:off x="7796119" y="6434243"/>
+                <a:ext cx="505096" cy="505096"/>
+              </a:xfrm>
+              <a:prstGeom prst="rect">
+                <a:avLst/>
+              </a:prstGeom>
+            </p:spPr>
+          </p:pic>
+          <p:pic>
+            <p:nvPicPr>
+              <p:cNvPr id="75" name="그림 74">
+                <a:extLst>
+                  <a:ext uri="{FF2B5EF4-FFF2-40B4-BE49-F238E27FC236}">
+                    <a16:creationId xmlns:a16="http://schemas.microsoft.com/office/drawing/2014/main" id="{5396ADF8-A5E5-A740-A8FC-174B6481DEF4}"/>
+                  </a:ext>
+                </a:extLst>
+              </p:cNvPr>
+              <p:cNvPicPr>
+                <a:picLocks noChangeAspect="1"/>
+              </p:cNvPicPr>
+              <p:nvPr/>
+            </p:nvPicPr>
+            <p:blipFill>
+              <a:blip r:embed="rId6"/>
+              <a:stretch>
+                <a:fillRect/>
+              </a:stretch>
+            </p:blipFill>
+            <p:spPr>
+              <a:xfrm>
+                <a:off x="7735805" y="4742122"/>
+                <a:ext cx="590888" cy="590888"/>
+              </a:xfrm>
+              <a:prstGeom prst="rect">
+                <a:avLst/>
+              </a:prstGeom>
+            </p:spPr>
+          </p:pic>
+          <p:sp>
+            <p:nvSpPr>
+              <p:cNvPr id="76" name="TextBox 75">
+                <a:extLst>
+                  <a:ext uri="{FF2B5EF4-FFF2-40B4-BE49-F238E27FC236}">
+                    <a16:creationId xmlns:a16="http://schemas.microsoft.com/office/drawing/2014/main" id="{A1C67453-5185-9F44-AEE1-A4DA30A2437E}"/>
+                  </a:ext>
+                </a:extLst>
+              </p:cNvPr>
+              <p:cNvSpPr txBox="1"/>
+              <p:nvPr/>
+            </p:nvSpPr>
+            <p:spPr>
+              <a:xfrm>
+                <a:off x="8288565" y="4852900"/>
+                <a:ext cx="1092543" cy="369332"/>
+              </a:xfrm>
+              <a:prstGeom prst="rect">
+                <a:avLst/>
+              </a:prstGeom>
+              <a:noFill/>
+            </p:spPr>
+            <p:txBody>
+              <a:bodyPr wrap="none" rtlCol="0">
+                <a:spAutoFit/>
+              </a:bodyPr>
+              <a:lstStyle/>
+              <a:p>
+                <a:r>
+                  <a:rPr kumimoji="1" lang="en-US" altLang="ko-KR" dirty="0" err="1"/>
+                  <a:t>beomy.js</a:t>
+                </a:r>
+                <a:endParaRPr kumimoji="1" lang="ko-KR" altLang="en-US" dirty="0"/>
+              </a:p>
+            </p:txBody>
+          </p:sp>
+          <p:pic>
+            <p:nvPicPr>
+              <p:cNvPr id="77" name="그림 76">
+                <a:extLst>
+                  <a:ext uri="{FF2B5EF4-FFF2-40B4-BE49-F238E27FC236}">
+                    <a16:creationId xmlns:a16="http://schemas.microsoft.com/office/drawing/2014/main" id="{FCA50CD2-E936-BA42-A199-1015D4D02E69}"/>
+                  </a:ext>
+                </a:extLst>
+              </p:cNvPr>
+              <p:cNvPicPr>
+                <a:picLocks noChangeAspect="1"/>
+              </p:cNvPicPr>
+              <p:nvPr/>
+            </p:nvPicPr>
+            <p:blipFill>
+              <a:blip r:embed="rId6"/>
+              <a:stretch>
+                <a:fillRect/>
+              </a:stretch>
+            </p:blipFill>
+            <p:spPr>
+              <a:xfrm>
+                <a:off x="7735805" y="5563546"/>
+                <a:ext cx="590888" cy="590888"/>
+              </a:xfrm>
+              <a:prstGeom prst="rect">
+                <a:avLst/>
+              </a:prstGeom>
+            </p:spPr>
+          </p:pic>
+          <p:sp>
+            <p:nvSpPr>
+              <p:cNvPr id="78" name="TextBox 77">
+                <a:extLst>
+                  <a:ext uri="{FF2B5EF4-FFF2-40B4-BE49-F238E27FC236}">
+                    <a16:creationId xmlns:a16="http://schemas.microsoft.com/office/drawing/2014/main" id="{BD0654F8-1E0E-9447-A258-F52ED2CEFDCD}"/>
+                  </a:ext>
+                </a:extLst>
+              </p:cNvPr>
+              <p:cNvSpPr txBox="1"/>
+              <p:nvPr/>
+            </p:nvSpPr>
+            <p:spPr>
+              <a:xfrm>
+                <a:off x="8288565" y="5674324"/>
+                <a:ext cx="1244828" cy="369332"/>
+              </a:xfrm>
+              <a:prstGeom prst="rect">
+                <a:avLst/>
+              </a:prstGeom>
+              <a:noFill/>
+            </p:spPr>
+            <p:txBody>
+              <a:bodyPr wrap="none" rtlCol="0">
+                <a:spAutoFit/>
+              </a:bodyPr>
+              <a:lstStyle/>
+              <a:p>
+                <a:r>
+                  <a:rPr kumimoji="1" lang="en-US" altLang="ko-KR" dirty="0" err="1"/>
+                  <a:t>beomy.css</a:t>
+                </a:r>
+                <a:endParaRPr kumimoji="1" lang="ko-KR" altLang="en-US" dirty="0"/>
+              </a:p>
+            </p:txBody>
+          </p:sp>
+          <p:sp>
+            <p:nvSpPr>
+              <p:cNvPr id="79" name="TextBox 78">
+                <a:extLst>
+                  <a:ext uri="{FF2B5EF4-FFF2-40B4-BE49-F238E27FC236}">
+                    <a16:creationId xmlns:a16="http://schemas.microsoft.com/office/drawing/2014/main" id="{30FCC07C-5B64-9D4C-99A9-E00B78FA243E}"/>
+                  </a:ext>
+                </a:extLst>
+              </p:cNvPr>
+              <p:cNvSpPr txBox="1"/>
+              <p:nvPr/>
+            </p:nvSpPr>
+            <p:spPr>
+              <a:xfrm>
+                <a:off x="8288565" y="6497429"/>
+                <a:ext cx="1270476" cy="369332"/>
+              </a:xfrm>
+              <a:prstGeom prst="rect">
+                <a:avLst/>
+              </a:prstGeom>
+              <a:noFill/>
+            </p:spPr>
+            <p:txBody>
+              <a:bodyPr wrap="none" rtlCol="0">
+                <a:spAutoFit/>
+              </a:bodyPr>
+              <a:lstStyle/>
+              <a:p>
+                <a:r>
+                  <a:rPr kumimoji="1" lang="en-US" altLang="ko-KR" dirty="0" err="1"/>
+                  <a:t>beomy.jpg</a:t>
+                </a:r>
+                <a:endParaRPr kumimoji="1" lang="ko-KR" altLang="en-US" dirty="0"/>
+              </a:p>
+            </p:txBody>
+          </p:sp>
+          <p:cxnSp>
+            <p:nvCxnSpPr>
+              <p:cNvPr id="80" name="직선 화살표 연결선 79">
+                <a:extLst>
+                  <a:ext uri="{FF2B5EF4-FFF2-40B4-BE49-F238E27FC236}">
+                    <a16:creationId xmlns:a16="http://schemas.microsoft.com/office/drawing/2014/main" id="{0797417A-BE90-A54D-87F8-42A3B4FA06D0}"/>
+                  </a:ext>
+                </a:extLst>
+              </p:cNvPr>
+              <p:cNvCxnSpPr>
+                <a:cxnSpLocks/>
+                <a:stCxn id="63" idx="3"/>
+                <a:endCxn id="73" idx="1"/>
+              </p:cNvCxnSpPr>
+              <p:nvPr/>
+            </p:nvCxnSpPr>
+            <p:spPr>
+              <a:xfrm>
+                <a:off x="5070250" y="5837260"/>
+                <a:ext cx="2618877" cy="0"/>
+              </a:xfrm>
+              <a:prstGeom prst="straightConnector1">
+                <a:avLst/>
+              </a:prstGeom>
+              <a:ln w="50800">
+                <a:solidFill>
+                  <a:schemeClr val="tx1"/>
+                </a:solidFill>
+                <a:headEnd type="triangle"/>
+                <a:tailEnd type="triangle"/>
+              </a:ln>
+            </p:spPr>
+            <p:style>
+              <a:lnRef idx="1">
+                <a:schemeClr val="accent1"/>
+              </a:lnRef>
+              <a:fillRef idx="0">
+                <a:schemeClr val="accent1"/>
+              </a:fillRef>
+              <a:effectRef idx="0">
+                <a:schemeClr val="accent1"/>
+              </a:effectRef>
+              <a:fontRef idx="minor">
+                <a:schemeClr val="tx1"/>
+              </a:fontRef>
+            </p:style>
+          </p:cxnSp>
+          <p:sp>
+            <p:nvSpPr>
+              <p:cNvPr id="81" name="직사각형 80">
+                <a:extLst>
+                  <a:ext uri="{FF2B5EF4-FFF2-40B4-BE49-F238E27FC236}">
+                    <a16:creationId xmlns:a16="http://schemas.microsoft.com/office/drawing/2014/main" id="{68B607C6-E034-2442-9D6B-46B51AB2B00C}"/>
+                  </a:ext>
+                </a:extLst>
+              </p:cNvPr>
+              <p:cNvSpPr/>
+              <p:nvPr/>
+            </p:nvSpPr>
+            <p:spPr>
+              <a:xfrm>
+                <a:off x="3032759" y="4139088"/>
+                <a:ext cx="6740434" cy="3193869"/>
+              </a:xfrm>
+              <a:prstGeom prst="rect">
+                <a:avLst/>
+              </a:prstGeom>
+              <a:noFill/>
+              <a:ln w="50800">
+                <a:solidFill>
+                  <a:schemeClr val="tx1"/>
+                </a:solidFill>
+              </a:ln>
+            </p:spPr>
+            <p:style>
+              <a:lnRef idx="2">
+                <a:schemeClr val="accent1">
+                  <a:shade val="50000"/>
+                </a:schemeClr>
+              </a:lnRef>
+              <a:fillRef idx="1">
+                <a:schemeClr val="accent1"/>
+              </a:fillRef>
+              <a:effectRef idx="0">
+                <a:schemeClr val="accent1"/>
+              </a:effectRef>
+              <a:fontRef idx="minor">
+                <a:schemeClr val="lt1"/>
+              </a:fontRef>
+            </p:style>
+            <p:txBody>
+              <a:bodyPr rtlCol="0" anchor="ctr"/>
+              <a:lstStyle/>
+              <a:p>
+                <a:pPr algn="ctr"/>
+                <a:endParaRPr kumimoji="1" lang="ko-KR" altLang="en-US"/>
+              </a:p>
+            </p:txBody>
+          </p:sp>
+          <p:sp>
+            <p:nvSpPr>
+              <p:cNvPr id="82" name="TextBox 81">
+                <a:extLst>
+                  <a:ext uri="{FF2B5EF4-FFF2-40B4-BE49-F238E27FC236}">
+                    <a16:creationId xmlns:a16="http://schemas.microsoft.com/office/drawing/2014/main" id="{03D60879-F29A-4B40-BA2F-68FC8FD6DE68}"/>
+                  </a:ext>
+                </a:extLst>
+              </p:cNvPr>
+              <p:cNvSpPr txBox="1"/>
+              <p:nvPr/>
+            </p:nvSpPr>
+            <p:spPr>
+              <a:xfrm>
+                <a:off x="5242130" y="3794150"/>
+                <a:ext cx="2275116" cy="646331"/>
+              </a:xfrm>
+              <a:prstGeom prst="rect">
+                <a:avLst/>
+              </a:prstGeom>
+              <a:solidFill>
+                <a:schemeClr val="bg1"/>
+              </a:solidFill>
+            </p:spPr>
+            <p:txBody>
+              <a:bodyPr wrap="square" rtlCol="0">
+                <a:spAutoFit/>
+              </a:bodyPr>
+              <a:lstStyle/>
+              <a:p>
+                <a:pPr algn="ctr"/>
+                <a:r>
+                  <a:rPr kumimoji="1" lang="en-US" altLang="ko-KR" dirty="0"/>
+                  <a:t>HTTP/2</a:t>
+                </a:r>
+              </a:p>
+              <a:p>
+                <a:pPr algn="ctr"/>
+                <a:r>
+                  <a:rPr kumimoji="1" lang="en-US" altLang="ko-KR" dirty="0"/>
+                  <a:t>1 TCP Connection</a:t>
+                </a:r>
+                <a:endParaRPr kumimoji="1" lang="ko-KR" altLang="en-US" dirty="0"/>
+              </a:p>
+            </p:txBody>
+          </p:sp>
+        </p:grpSp>
         <p:sp>
           <p:nvSpPr>
-            <p:cNvPr id="15" name="TextBox 14">
-              <a:extLst>
-                <a:ext uri="{FF2B5EF4-FFF2-40B4-BE49-F238E27FC236}">
-                  <a16:creationId xmlns:a16="http://schemas.microsoft.com/office/drawing/2014/main" id="{6158A0E3-D706-8947-AE2D-4877027FE539}"/>
+            <p:cNvPr id="2" name="TextBox 1">
+              <a:extLst>
+                <a:ext uri="{FF2B5EF4-FFF2-40B4-BE49-F238E27FC236}">
+                  <a16:creationId xmlns:a16="http://schemas.microsoft.com/office/drawing/2014/main" id="{008ADCA6-5739-3C49-8A6B-ED5E0BF3CEF7}"/>
                 </a:ext>
               </a:extLst>
             </p:cNvPr>
@@ -10495,8 +12070,8 @@
           </p:nvSpPr>
           <p:spPr>
             <a:xfrm>
-              <a:off x="3825422" y="942399"/>
-              <a:ext cx="1092543" cy="369332"/>
+              <a:off x="6221676" y="657463"/>
+              <a:ext cx="362600" cy="461665"/>
             </a:xfrm>
             <a:prstGeom prst="rect">
               <a:avLst/>
@@ -10510,117 +12085,29 @@
             <a:lstStyle/>
             <a:p>
               <a:r>
-                <a:rPr kumimoji="1" lang="en-US" altLang="ko-KR" dirty="0" err="1"/>
-                <a:t>beomy.js</a:t>
-              </a:r>
-              <a:endParaRPr kumimoji="1" lang="ko-KR" altLang="en-US" dirty="0"/>
+                <a:rPr kumimoji="1" lang="en-US" altLang="ko-KR" sz="2400" b="1" dirty="0"/>
+                <a:t>1</a:t>
+              </a:r>
+              <a:endParaRPr kumimoji="1" lang="ko-KR" altLang="en-US" sz="2400" b="1" dirty="0"/>
             </a:p>
           </p:txBody>
         </p:sp>
         <p:sp>
           <p:nvSpPr>
-            <p:cNvPr id="32" name="모서리가 둥근 직사각형 31">
-              <a:extLst>
-                <a:ext uri="{FF2B5EF4-FFF2-40B4-BE49-F238E27FC236}">
-                  <a16:creationId xmlns:a16="http://schemas.microsoft.com/office/drawing/2014/main" id="{6033600F-4895-1E45-8824-ABA909E74EE6}"/>
-                </a:ext>
-              </a:extLst>
-            </p:cNvPr>
-            <p:cNvSpPr/>
+            <p:cNvPr id="84" name="TextBox 83">
+              <a:extLst>
+                <a:ext uri="{FF2B5EF4-FFF2-40B4-BE49-F238E27FC236}">
+                  <a16:creationId xmlns:a16="http://schemas.microsoft.com/office/drawing/2014/main" id="{54785524-7F5C-DC49-8DA0-DF07F78D0D43}"/>
+                </a:ext>
+              </a:extLst>
+            </p:cNvPr>
+            <p:cNvSpPr txBox="1"/>
             <p:nvPr/>
           </p:nvSpPr>
           <p:spPr>
             <a:xfrm>
-              <a:off x="3225985" y="1582081"/>
-              <a:ext cx="1869912" cy="710646"/>
-            </a:xfrm>
-            <a:prstGeom prst="roundRect">
-              <a:avLst/>
-            </a:prstGeom>
-            <a:solidFill>
-              <a:schemeClr val="accent3">
-                <a:alpha val="30000"/>
-              </a:schemeClr>
-            </a:solidFill>
-            <a:ln>
-              <a:noFill/>
-            </a:ln>
-          </p:spPr>
-          <p:style>
-            <a:lnRef idx="2">
-              <a:schemeClr val="accent1">
-                <a:shade val="50000"/>
-              </a:schemeClr>
-            </a:lnRef>
-            <a:fillRef idx="1">
-              <a:schemeClr val="accent1"/>
-            </a:fillRef>
-            <a:effectRef idx="0">
-              <a:schemeClr val="accent1"/>
-            </a:effectRef>
-            <a:fontRef idx="minor">
-              <a:schemeClr val="lt1"/>
-            </a:fontRef>
-          </p:style>
-          <p:txBody>
-            <a:bodyPr rtlCol="0" anchor="t"/>
-            <a:lstStyle/>
-            <a:p>
-              <a:pPr algn="ctr"/>
-              <a:endParaRPr kumimoji="1" lang="ko-KR" altLang="en-US" sz="1100" dirty="0">
-                <a:solidFill>
-                  <a:schemeClr val="tx1"/>
-                </a:solidFill>
-              </a:endParaRPr>
-            </a:p>
-          </p:txBody>
-        </p:sp>
-        <p:pic>
-          <p:nvPicPr>
-            <p:cNvPr id="33" name="그림 32">
-              <a:extLst>
-                <a:ext uri="{FF2B5EF4-FFF2-40B4-BE49-F238E27FC236}">
-                  <a16:creationId xmlns:a16="http://schemas.microsoft.com/office/drawing/2014/main" id="{B2BF5525-6DD6-0B42-8E1F-CFF93AB65B40}"/>
-                </a:ext>
-              </a:extLst>
-            </p:cNvPr>
-            <p:cNvPicPr>
-              <a:picLocks noChangeAspect="1"/>
-            </p:cNvPicPr>
-            <p:nvPr/>
-          </p:nvPicPr>
-          <p:blipFill>
-            <a:blip r:embed="rId6"/>
-            <a:stretch>
-              <a:fillRect/>
-            </a:stretch>
-          </p:blipFill>
-          <p:spPr>
-            <a:xfrm>
-              <a:off x="3272662" y="1653045"/>
-              <a:ext cx="590888" cy="590888"/>
-            </a:xfrm>
-            <a:prstGeom prst="rect">
-              <a:avLst/>
-            </a:prstGeom>
-          </p:spPr>
-        </p:pic>
-        <p:sp>
-          <p:nvSpPr>
-            <p:cNvPr id="34" name="TextBox 33">
-              <a:extLst>
-                <a:ext uri="{FF2B5EF4-FFF2-40B4-BE49-F238E27FC236}">
-                  <a16:creationId xmlns:a16="http://schemas.microsoft.com/office/drawing/2014/main" id="{380BC1E5-32B4-014D-AE4B-6B183A040828}"/>
-                </a:ext>
-              </a:extLst>
-            </p:cNvPr>
-            <p:cNvSpPr txBox="1"/>
-            <p:nvPr/>
-          </p:nvSpPr>
-          <p:spPr>
-            <a:xfrm>
-              <a:off x="3825422" y="1763823"/>
-              <a:ext cx="1244828" cy="369332"/>
+              <a:off x="6229425" y="1488894"/>
+              <a:ext cx="362600" cy="461665"/>
             </a:xfrm>
             <a:prstGeom prst="rect">
               <a:avLst/>
@@ -10634,19 +12121,19 @@
             <a:lstStyle/>
             <a:p>
               <a:r>
-                <a:rPr kumimoji="1" lang="en-US" altLang="ko-KR" dirty="0" err="1"/>
-                <a:t>beomy.css</a:t>
-              </a:r>
-              <a:endParaRPr kumimoji="1" lang="ko-KR" altLang="en-US" dirty="0"/>
+                <a:rPr kumimoji="1" lang="en-US" altLang="ko-KR" sz="2400" b="1" dirty="0"/>
+                <a:t>2</a:t>
+              </a:r>
+              <a:endParaRPr kumimoji="1" lang="ko-KR" altLang="en-US" sz="2400" b="1" dirty="0"/>
             </a:p>
           </p:txBody>
         </p:sp>
         <p:sp>
           <p:nvSpPr>
-            <p:cNvPr id="36" name="TextBox 35">
-              <a:extLst>
-                <a:ext uri="{FF2B5EF4-FFF2-40B4-BE49-F238E27FC236}">
-                  <a16:creationId xmlns:a16="http://schemas.microsoft.com/office/drawing/2014/main" id="{AABC15AD-123D-794B-8497-0CF9A13B931D}"/>
+            <p:cNvPr id="85" name="TextBox 84">
+              <a:extLst>
+                <a:ext uri="{FF2B5EF4-FFF2-40B4-BE49-F238E27FC236}">
+                  <a16:creationId xmlns:a16="http://schemas.microsoft.com/office/drawing/2014/main" id="{B4CA997C-ACE0-754E-A431-36F5DE27A8C2}"/>
                 </a:ext>
               </a:extLst>
             </p:cNvPr>
@@ -10655,8 +12142,8 @@
           </p:nvSpPr>
           <p:spPr>
             <a:xfrm>
-              <a:off x="3825422" y="2586928"/>
-              <a:ext cx="1270476" cy="369332"/>
+              <a:off x="6233224" y="2314625"/>
+              <a:ext cx="362600" cy="461665"/>
             </a:xfrm>
             <a:prstGeom prst="rect">
               <a:avLst/>
@@ -10670,205 +12157,29 @@
             <a:lstStyle/>
             <a:p>
               <a:r>
-                <a:rPr kumimoji="1" lang="en-US" altLang="ko-KR" dirty="0" err="1"/>
-                <a:t>beomy.jpg</a:t>
-              </a:r>
-              <a:endParaRPr kumimoji="1" lang="ko-KR" altLang="en-US" dirty="0"/>
+                <a:rPr kumimoji="1" lang="en-US" altLang="ko-KR" sz="2400" b="1" dirty="0"/>
+                <a:t>3</a:t>
+              </a:r>
+              <a:endParaRPr kumimoji="1" lang="ko-KR" altLang="en-US" sz="2400" b="1" dirty="0"/>
             </a:p>
           </p:txBody>
         </p:sp>
         <p:sp>
           <p:nvSpPr>
-            <p:cNvPr id="46" name="모서리가 둥근 직사각형 45">
-              <a:extLst>
-                <a:ext uri="{FF2B5EF4-FFF2-40B4-BE49-F238E27FC236}">
-                  <a16:creationId xmlns:a16="http://schemas.microsoft.com/office/drawing/2014/main" id="{A106770D-4801-6949-8784-76EB0AA1D1D0}"/>
-                </a:ext>
-              </a:extLst>
-            </p:cNvPr>
-            <p:cNvSpPr/>
+            <p:cNvPr id="86" name="TextBox 85">
+              <a:extLst>
+                <a:ext uri="{FF2B5EF4-FFF2-40B4-BE49-F238E27FC236}">
+                  <a16:creationId xmlns:a16="http://schemas.microsoft.com/office/drawing/2014/main" id="{803971D2-4C55-0F41-BB93-1E5D727FD859}"/>
+                </a:ext>
+              </a:extLst>
+            </p:cNvPr>
+            <p:cNvSpPr txBox="1"/>
             <p:nvPr/>
           </p:nvSpPr>
           <p:spPr>
             <a:xfrm>
-              <a:off x="7689127" y="2405186"/>
-              <a:ext cx="1869913" cy="710646"/>
-            </a:xfrm>
-            <a:prstGeom prst="roundRect">
-              <a:avLst/>
-            </a:prstGeom>
-            <a:solidFill>
-              <a:schemeClr val="accent3">
-                <a:alpha val="30000"/>
-              </a:schemeClr>
-            </a:solidFill>
-            <a:ln>
-              <a:noFill/>
-            </a:ln>
-          </p:spPr>
-          <p:style>
-            <a:lnRef idx="2">
-              <a:schemeClr val="accent1">
-                <a:shade val="50000"/>
-              </a:schemeClr>
-            </a:lnRef>
-            <a:fillRef idx="1">
-              <a:schemeClr val="accent1"/>
-            </a:fillRef>
-            <a:effectRef idx="0">
-              <a:schemeClr val="accent1"/>
-            </a:effectRef>
-            <a:fontRef idx="minor">
-              <a:schemeClr val="lt1"/>
-            </a:fontRef>
-          </p:style>
-          <p:txBody>
-            <a:bodyPr rtlCol="0" anchor="t"/>
-            <a:lstStyle/>
-            <a:p>
-              <a:pPr algn="ctr"/>
-              <a:endParaRPr kumimoji="1" lang="ko-KR" altLang="en-US" sz="1100" dirty="0">
-                <a:solidFill>
-                  <a:schemeClr val="tx1"/>
-                </a:solidFill>
-              </a:endParaRPr>
-            </a:p>
-          </p:txBody>
-        </p:sp>
-        <p:sp>
-          <p:nvSpPr>
-            <p:cNvPr id="47" name="모서리가 둥근 직사각형 46">
-              <a:extLst>
-                <a:ext uri="{FF2B5EF4-FFF2-40B4-BE49-F238E27FC236}">
-                  <a16:creationId xmlns:a16="http://schemas.microsoft.com/office/drawing/2014/main" id="{008679D5-2BF9-CE43-9E40-3E2205645F71}"/>
-                </a:ext>
-              </a:extLst>
-            </p:cNvPr>
-            <p:cNvSpPr/>
-            <p:nvPr/>
-          </p:nvSpPr>
-          <p:spPr>
-            <a:xfrm>
-              <a:off x="7689127" y="760657"/>
-              <a:ext cx="1844266" cy="710646"/>
-            </a:xfrm>
-            <a:prstGeom prst="roundRect">
-              <a:avLst/>
-            </a:prstGeom>
-            <a:solidFill>
-              <a:schemeClr val="accent3">
-                <a:alpha val="30000"/>
-              </a:schemeClr>
-            </a:solidFill>
-            <a:ln>
-              <a:noFill/>
-            </a:ln>
-          </p:spPr>
-          <p:style>
-            <a:lnRef idx="2">
-              <a:schemeClr val="accent1">
-                <a:shade val="50000"/>
-              </a:schemeClr>
-            </a:lnRef>
-            <a:fillRef idx="1">
-              <a:schemeClr val="accent1"/>
-            </a:fillRef>
-            <a:effectRef idx="0">
-              <a:schemeClr val="accent1"/>
-            </a:effectRef>
-            <a:fontRef idx="minor">
-              <a:schemeClr val="lt1"/>
-            </a:fontRef>
-          </p:style>
-          <p:txBody>
-            <a:bodyPr rtlCol="0" anchor="t"/>
-            <a:lstStyle/>
-            <a:p>
-              <a:pPr algn="ctr"/>
-              <a:endParaRPr kumimoji="1" lang="ko-KR" altLang="en-US" sz="1100" dirty="0">
-                <a:solidFill>
-                  <a:schemeClr val="tx1"/>
-                </a:solidFill>
-              </a:endParaRPr>
-            </a:p>
-          </p:txBody>
-        </p:sp>
-        <p:pic>
-          <p:nvPicPr>
-            <p:cNvPr id="48" name="그림 47">
-              <a:extLst>
-                <a:ext uri="{FF2B5EF4-FFF2-40B4-BE49-F238E27FC236}">
-                  <a16:creationId xmlns:a16="http://schemas.microsoft.com/office/drawing/2014/main" id="{B9DCE0D7-6BE1-394B-A72D-9B6E4CFFA447}"/>
-                </a:ext>
-              </a:extLst>
-            </p:cNvPr>
-            <p:cNvPicPr>
-              <a:picLocks noChangeAspect="1"/>
-            </p:cNvPicPr>
-            <p:nvPr/>
-          </p:nvPicPr>
-          <p:blipFill>
-            <a:blip r:embed="rId5"/>
-            <a:stretch>
-              <a:fillRect/>
-            </a:stretch>
-          </p:blipFill>
-          <p:spPr>
-            <a:xfrm>
-              <a:off x="7796119" y="2523742"/>
-              <a:ext cx="505096" cy="505096"/>
-            </a:xfrm>
-            <a:prstGeom prst="rect">
-              <a:avLst/>
-            </a:prstGeom>
-          </p:spPr>
-        </p:pic>
-        <p:pic>
-          <p:nvPicPr>
-            <p:cNvPr id="49" name="그림 48">
-              <a:extLst>
-                <a:ext uri="{FF2B5EF4-FFF2-40B4-BE49-F238E27FC236}">
-                  <a16:creationId xmlns:a16="http://schemas.microsoft.com/office/drawing/2014/main" id="{2CA9F9AF-9551-AC4C-AB46-1CCCB016A60B}"/>
-                </a:ext>
-              </a:extLst>
-            </p:cNvPr>
-            <p:cNvPicPr>
-              <a:picLocks noChangeAspect="1"/>
-            </p:cNvPicPr>
-            <p:nvPr/>
-          </p:nvPicPr>
-          <p:blipFill>
-            <a:blip r:embed="rId6"/>
-            <a:stretch>
-              <a:fillRect/>
-            </a:stretch>
-          </p:blipFill>
-          <p:spPr>
-            <a:xfrm>
-              <a:off x="7735805" y="831621"/>
-              <a:ext cx="590888" cy="590888"/>
-            </a:xfrm>
-            <a:prstGeom prst="rect">
-              <a:avLst/>
-            </a:prstGeom>
-          </p:spPr>
-        </p:pic>
-        <p:sp>
-          <p:nvSpPr>
-            <p:cNvPr id="50" name="TextBox 49">
-              <a:extLst>
-                <a:ext uri="{FF2B5EF4-FFF2-40B4-BE49-F238E27FC236}">
-                  <a16:creationId xmlns:a16="http://schemas.microsoft.com/office/drawing/2014/main" id="{D8E6C7B5-42DF-F24C-9E8C-00D8B40DD9C8}"/>
-                </a:ext>
-              </a:extLst>
-            </p:cNvPr>
-            <p:cNvSpPr txBox="1"/>
-            <p:nvPr/>
-          </p:nvSpPr>
-          <p:spPr>
-            <a:xfrm>
-              <a:off x="8288565" y="942399"/>
-              <a:ext cx="1092543" cy="369332"/>
+              <a:off x="6235836" y="5390089"/>
+              <a:ext cx="362600" cy="461665"/>
             </a:xfrm>
             <a:prstGeom prst="rect">
               <a:avLst/>
@@ -10882,1156 +12193,10 @@
             <a:lstStyle/>
             <a:p>
               <a:r>
-                <a:rPr kumimoji="1" lang="en-US" altLang="ko-KR" dirty="0" err="1"/>
-                <a:t>beomy.js</a:t>
-              </a:r>
-              <a:endParaRPr kumimoji="1" lang="ko-KR" altLang="en-US" dirty="0"/>
-            </a:p>
-          </p:txBody>
-        </p:sp>
-        <p:sp>
-          <p:nvSpPr>
-            <p:cNvPr id="51" name="모서리가 둥근 직사각형 50">
-              <a:extLst>
-                <a:ext uri="{FF2B5EF4-FFF2-40B4-BE49-F238E27FC236}">
-                  <a16:creationId xmlns:a16="http://schemas.microsoft.com/office/drawing/2014/main" id="{4D7B9FEB-4C95-3B48-84F7-5F9A7BE7DE2C}"/>
-                </a:ext>
-              </a:extLst>
-            </p:cNvPr>
-            <p:cNvSpPr/>
-            <p:nvPr/>
-          </p:nvSpPr>
-          <p:spPr>
-            <a:xfrm>
-              <a:off x="7689128" y="1582081"/>
-              <a:ext cx="1869912" cy="710646"/>
-            </a:xfrm>
-            <a:prstGeom prst="roundRect">
-              <a:avLst/>
-            </a:prstGeom>
-            <a:solidFill>
-              <a:schemeClr val="accent3">
-                <a:alpha val="30000"/>
-              </a:schemeClr>
-            </a:solidFill>
-            <a:ln>
-              <a:noFill/>
-            </a:ln>
-          </p:spPr>
-          <p:style>
-            <a:lnRef idx="2">
-              <a:schemeClr val="accent1">
-                <a:shade val="50000"/>
-              </a:schemeClr>
-            </a:lnRef>
-            <a:fillRef idx="1">
-              <a:schemeClr val="accent1"/>
-            </a:fillRef>
-            <a:effectRef idx="0">
-              <a:schemeClr val="accent1"/>
-            </a:effectRef>
-            <a:fontRef idx="minor">
-              <a:schemeClr val="lt1"/>
-            </a:fontRef>
-          </p:style>
-          <p:txBody>
-            <a:bodyPr rtlCol="0" anchor="t"/>
-            <a:lstStyle/>
-            <a:p>
-              <a:pPr algn="ctr"/>
-              <a:endParaRPr kumimoji="1" lang="ko-KR" altLang="en-US" sz="1100" dirty="0">
-                <a:solidFill>
-                  <a:schemeClr val="tx1"/>
-                </a:solidFill>
-              </a:endParaRPr>
-            </a:p>
-          </p:txBody>
-        </p:sp>
-        <p:pic>
-          <p:nvPicPr>
-            <p:cNvPr id="52" name="그림 51">
-              <a:extLst>
-                <a:ext uri="{FF2B5EF4-FFF2-40B4-BE49-F238E27FC236}">
-                  <a16:creationId xmlns:a16="http://schemas.microsoft.com/office/drawing/2014/main" id="{D784039D-F363-3942-936E-B9FB7015C534}"/>
-                </a:ext>
-              </a:extLst>
-            </p:cNvPr>
-            <p:cNvPicPr>
-              <a:picLocks noChangeAspect="1"/>
-            </p:cNvPicPr>
-            <p:nvPr/>
-          </p:nvPicPr>
-          <p:blipFill>
-            <a:blip r:embed="rId6"/>
-            <a:stretch>
-              <a:fillRect/>
-            </a:stretch>
-          </p:blipFill>
-          <p:spPr>
-            <a:xfrm>
-              <a:off x="7735805" y="1653045"/>
-              <a:ext cx="590888" cy="590888"/>
-            </a:xfrm>
-            <a:prstGeom prst="rect">
-              <a:avLst/>
-            </a:prstGeom>
-          </p:spPr>
-        </p:pic>
-        <p:sp>
-          <p:nvSpPr>
-            <p:cNvPr id="53" name="TextBox 52">
-              <a:extLst>
-                <a:ext uri="{FF2B5EF4-FFF2-40B4-BE49-F238E27FC236}">
-                  <a16:creationId xmlns:a16="http://schemas.microsoft.com/office/drawing/2014/main" id="{EA948435-D507-E648-A827-5FE7CF1C71BA}"/>
-                </a:ext>
-              </a:extLst>
-            </p:cNvPr>
-            <p:cNvSpPr txBox="1"/>
-            <p:nvPr/>
-          </p:nvSpPr>
-          <p:spPr>
-            <a:xfrm>
-              <a:off x="8288565" y="1763823"/>
-              <a:ext cx="1244828" cy="369332"/>
-            </a:xfrm>
-            <a:prstGeom prst="rect">
-              <a:avLst/>
-            </a:prstGeom>
-            <a:noFill/>
-          </p:spPr>
-          <p:txBody>
-            <a:bodyPr wrap="none" rtlCol="0">
-              <a:spAutoFit/>
-            </a:bodyPr>
-            <a:lstStyle/>
-            <a:p>
-              <a:r>
-                <a:rPr kumimoji="1" lang="en-US" altLang="ko-KR" dirty="0" err="1"/>
-                <a:t>beomy.css</a:t>
-              </a:r>
-              <a:endParaRPr kumimoji="1" lang="ko-KR" altLang="en-US" dirty="0"/>
-            </a:p>
-          </p:txBody>
-        </p:sp>
-        <p:sp>
-          <p:nvSpPr>
-            <p:cNvPr id="54" name="TextBox 53">
-              <a:extLst>
-                <a:ext uri="{FF2B5EF4-FFF2-40B4-BE49-F238E27FC236}">
-                  <a16:creationId xmlns:a16="http://schemas.microsoft.com/office/drawing/2014/main" id="{0A141380-E15E-A24D-95D4-72BB86993A4F}"/>
-                </a:ext>
-              </a:extLst>
-            </p:cNvPr>
-            <p:cNvSpPr txBox="1"/>
-            <p:nvPr/>
-          </p:nvSpPr>
-          <p:spPr>
-            <a:xfrm>
-              <a:off x="8288565" y="2586928"/>
-              <a:ext cx="1270476" cy="369332"/>
-            </a:xfrm>
-            <a:prstGeom prst="rect">
-              <a:avLst/>
-            </a:prstGeom>
-            <a:noFill/>
-          </p:spPr>
-          <p:txBody>
-            <a:bodyPr wrap="none" rtlCol="0">
-              <a:spAutoFit/>
-            </a:bodyPr>
-            <a:lstStyle/>
-            <a:p>
-              <a:r>
-                <a:rPr kumimoji="1" lang="en-US" altLang="ko-KR" dirty="0" err="1"/>
-                <a:t>beomy.jpg</a:t>
-              </a:r>
-              <a:endParaRPr kumimoji="1" lang="ko-KR" altLang="en-US" dirty="0"/>
-            </a:p>
-          </p:txBody>
-        </p:sp>
-        <p:cxnSp>
-          <p:nvCxnSpPr>
-            <p:cNvPr id="55" name="직선 화살표 연결선 54">
-              <a:extLst>
-                <a:ext uri="{FF2B5EF4-FFF2-40B4-BE49-F238E27FC236}">
-                  <a16:creationId xmlns:a16="http://schemas.microsoft.com/office/drawing/2014/main" id="{137301CB-F852-F448-9075-7C390E46CBF3}"/>
-                </a:ext>
-              </a:extLst>
-            </p:cNvPr>
-            <p:cNvCxnSpPr>
-              <a:cxnSpLocks/>
-              <a:stCxn id="31" idx="3"/>
-              <a:endCxn id="47" idx="1"/>
-            </p:cNvCxnSpPr>
-            <p:nvPr/>
-          </p:nvCxnSpPr>
-          <p:spPr>
-            <a:xfrm>
-              <a:off x="5070250" y="1115980"/>
-              <a:ext cx="2618877" cy="0"/>
-            </a:xfrm>
-            <a:prstGeom prst="straightConnector1">
-              <a:avLst/>
-            </a:prstGeom>
-            <a:ln w="50800">
-              <a:solidFill>
-                <a:schemeClr val="tx1"/>
-              </a:solidFill>
-              <a:headEnd type="triangle"/>
-              <a:tailEnd type="triangle"/>
-            </a:ln>
-          </p:spPr>
-          <p:style>
-            <a:lnRef idx="1">
-              <a:schemeClr val="accent1"/>
-            </a:lnRef>
-            <a:fillRef idx="0">
-              <a:schemeClr val="accent1"/>
-            </a:fillRef>
-            <a:effectRef idx="0">
-              <a:schemeClr val="accent1"/>
-            </a:effectRef>
-            <a:fontRef idx="minor">
-              <a:schemeClr val="tx1"/>
-            </a:fontRef>
-          </p:style>
-        </p:cxnSp>
-        <p:cxnSp>
-          <p:nvCxnSpPr>
-            <p:cNvPr id="56" name="직선 화살표 연결선 55">
-              <a:extLst>
-                <a:ext uri="{FF2B5EF4-FFF2-40B4-BE49-F238E27FC236}">
-                  <a16:creationId xmlns:a16="http://schemas.microsoft.com/office/drawing/2014/main" id="{CC70B3D7-AB20-2E4E-9A2C-EE3C950B82EA}"/>
-                </a:ext>
-              </a:extLst>
-            </p:cNvPr>
-            <p:cNvCxnSpPr>
-              <a:cxnSpLocks/>
-              <a:stCxn id="34" idx="3"/>
-              <a:endCxn id="51" idx="1"/>
-            </p:cNvCxnSpPr>
-            <p:nvPr/>
-          </p:nvCxnSpPr>
-          <p:spPr>
-            <a:xfrm flipV="1">
-              <a:off x="5070250" y="1937404"/>
-              <a:ext cx="2618878" cy="11085"/>
-            </a:xfrm>
-            <a:prstGeom prst="straightConnector1">
-              <a:avLst/>
-            </a:prstGeom>
-            <a:ln w="50800">
-              <a:solidFill>
-                <a:schemeClr val="tx1"/>
-              </a:solidFill>
-              <a:headEnd type="triangle"/>
-              <a:tailEnd type="triangle"/>
-            </a:ln>
-          </p:spPr>
-          <p:style>
-            <a:lnRef idx="1">
-              <a:schemeClr val="accent1"/>
-            </a:lnRef>
-            <a:fillRef idx="0">
-              <a:schemeClr val="accent1"/>
-            </a:fillRef>
-            <a:effectRef idx="0">
-              <a:schemeClr val="accent1"/>
-            </a:effectRef>
-            <a:fontRef idx="minor">
-              <a:schemeClr val="tx1"/>
-            </a:fontRef>
-          </p:style>
-        </p:cxnSp>
-        <p:cxnSp>
-          <p:nvCxnSpPr>
-            <p:cNvPr id="58" name="직선 화살표 연결선 57">
-              <a:extLst>
-                <a:ext uri="{FF2B5EF4-FFF2-40B4-BE49-F238E27FC236}">
-                  <a16:creationId xmlns:a16="http://schemas.microsoft.com/office/drawing/2014/main" id="{16B87902-4BA9-454B-BE61-8AFAB2774751}"/>
-                </a:ext>
-              </a:extLst>
-            </p:cNvPr>
-            <p:cNvCxnSpPr>
-              <a:cxnSpLocks/>
-              <a:stCxn id="36" idx="3"/>
-              <a:endCxn id="46" idx="1"/>
-            </p:cNvCxnSpPr>
-            <p:nvPr/>
-          </p:nvCxnSpPr>
-          <p:spPr>
-            <a:xfrm flipV="1">
-              <a:off x="5095898" y="2760509"/>
-              <a:ext cx="2593229" cy="11085"/>
-            </a:xfrm>
-            <a:prstGeom prst="straightConnector1">
-              <a:avLst/>
-            </a:prstGeom>
-            <a:ln w="50800">
-              <a:solidFill>
-                <a:schemeClr val="tx1"/>
-              </a:solidFill>
-              <a:headEnd type="triangle"/>
-              <a:tailEnd type="triangle"/>
-            </a:ln>
-          </p:spPr>
-          <p:style>
-            <a:lnRef idx="1">
-              <a:schemeClr val="accent1"/>
-            </a:lnRef>
-            <a:fillRef idx="0">
-              <a:schemeClr val="accent1"/>
-            </a:fillRef>
-            <a:effectRef idx="0">
-              <a:schemeClr val="accent1"/>
-            </a:effectRef>
-            <a:fontRef idx="minor">
-              <a:schemeClr val="tx1"/>
-            </a:fontRef>
-          </p:style>
-        </p:cxnSp>
-        <p:sp>
-          <p:nvSpPr>
-            <p:cNvPr id="61" name="직사각형 60">
-              <a:extLst>
-                <a:ext uri="{FF2B5EF4-FFF2-40B4-BE49-F238E27FC236}">
-                  <a16:creationId xmlns:a16="http://schemas.microsoft.com/office/drawing/2014/main" id="{55174690-2CE6-094F-B982-027AA0ABF2B6}"/>
-                </a:ext>
-              </a:extLst>
-            </p:cNvPr>
-            <p:cNvSpPr/>
-            <p:nvPr/>
-          </p:nvSpPr>
-          <p:spPr>
-            <a:xfrm>
-              <a:off x="3032759" y="228587"/>
-              <a:ext cx="6740434" cy="3193869"/>
-            </a:xfrm>
-            <a:prstGeom prst="rect">
-              <a:avLst/>
-            </a:prstGeom>
-            <a:noFill/>
-            <a:ln w="50800">
-              <a:solidFill>
-                <a:schemeClr val="tx1"/>
-              </a:solidFill>
-            </a:ln>
-          </p:spPr>
-          <p:style>
-            <a:lnRef idx="2">
-              <a:schemeClr val="accent1">
-                <a:shade val="50000"/>
-              </a:schemeClr>
-            </a:lnRef>
-            <a:fillRef idx="1">
-              <a:schemeClr val="accent1"/>
-            </a:fillRef>
-            <a:effectRef idx="0">
-              <a:schemeClr val="accent1"/>
-            </a:effectRef>
-            <a:fontRef idx="minor">
-              <a:schemeClr val="lt1"/>
-            </a:fontRef>
-          </p:style>
-          <p:txBody>
-            <a:bodyPr rtlCol="0" anchor="ctr"/>
-            <a:lstStyle/>
-            <a:p>
-              <a:pPr algn="ctr"/>
-              <a:endParaRPr kumimoji="1" lang="ko-KR" altLang="en-US"/>
-            </a:p>
-          </p:txBody>
-        </p:sp>
-        <p:sp>
-          <p:nvSpPr>
-            <p:cNvPr id="62" name="TextBox 61">
-              <a:extLst>
-                <a:ext uri="{FF2B5EF4-FFF2-40B4-BE49-F238E27FC236}">
-                  <a16:creationId xmlns:a16="http://schemas.microsoft.com/office/drawing/2014/main" id="{EE2FC08F-06E4-CE43-80CE-B9BB5D404EB0}"/>
-                </a:ext>
-              </a:extLst>
-            </p:cNvPr>
-            <p:cNvSpPr txBox="1"/>
-            <p:nvPr/>
-          </p:nvSpPr>
-          <p:spPr>
-            <a:xfrm>
-              <a:off x="5242130" y="-116351"/>
-              <a:ext cx="2275116" cy="646331"/>
-            </a:xfrm>
-            <a:prstGeom prst="rect">
-              <a:avLst/>
-            </a:prstGeom>
-            <a:solidFill>
-              <a:schemeClr val="bg1"/>
-            </a:solidFill>
-          </p:spPr>
-          <p:txBody>
-            <a:bodyPr wrap="square" rtlCol="0">
-              <a:spAutoFit/>
-            </a:bodyPr>
-            <a:lstStyle/>
-            <a:p>
-              <a:pPr algn="ctr"/>
-              <a:r>
-                <a:rPr kumimoji="1" lang="en-US" altLang="ko-KR" dirty="0"/>
-                <a:t>HTTP/1.1</a:t>
-              </a:r>
-            </a:p>
-            <a:p>
-              <a:pPr algn="ctr"/>
-              <a:r>
-                <a:rPr kumimoji="1" lang="en-US" altLang="ko-KR" dirty="0"/>
-                <a:t>3 TCP Connections</a:t>
-              </a:r>
-              <a:endParaRPr kumimoji="1" lang="ko-KR" altLang="en-US" dirty="0"/>
-            </a:p>
-          </p:txBody>
-        </p:sp>
-        <p:sp>
-          <p:nvSpPr>
-            <p:cNvPr id="63" name="모서리가 둥근 직사각형 62">
-              <a:extLst>
-                <a:ext uri="{FF2B5EF4-FFF2-40B4-BE49-F238E27FC236}">
-                  <a16:creationId xmlns:a16="http://schemas.microsoft.com/office/drawing/2014/main" id="{1B37E494-85D6-1F42-825B-D375BB6C4153}"/>
-                </a:ext>
-              </a:extLst>
-            </p:cNvPr>
-            <p:cNvSpPr/>
-            <p:nvPr/>
-          </p:nvSpPr>
-          <p:spPr>
-            <a:xfrm>
-              <a:off x="3225984" y="4520089"/>
-              <a:ext cx="1844266" cy="2634342"/>
-            </a:xfrm>
-            <a:prstGeom prst="roundRect">
-              <a:avLst/>
-            </a:prstGeom>
-            <a:solidFill>
-              <a:schemeClr val="accent3">
-                <a:alpha val="30000"/>
-              </a:schemeClr>
-            </a:solidFill>
-            <a:ln>
-              <a:noFill/>
-            </a:ln>
-          </p:spPr>
-          <p:style>
-            <a:lnRef idx="2">
-              <a:schemeClr val="accent1">
-                <a:shade val="50000"/>
-              </a:schemeClr>
-            </a:lnRef>
-            <a:fillRef idx="1">
-              <a:schemeClr val="accent1"/>
-            </a:fillRef>
-            <a:effectRef idx="0">
-              <a:schemeClr val="accent1"/>
-            </a:effectRef>
-            <a:fontRef idx="minor">
-              <a:schemeClr val="lt1"/>
-            </a:fontRef>
-          </p:style>
-          <p:txBody>
-            <a:bodyPr rtlCol="0" anchor="t"/>
-            <a:lstStyle/>
-            <a:p>
-              <a:pPr algn="ctr"/>
-              <a:endParaRPr kumimoji="1" lang="ko-KR" altLang="en-US" sz="1100" dirty="0">
-                <a:solidFill>
-                  <a:schemeClr val="tx1"/>
-                </a:solidFill>
-              </a:endParaRPr>
-            </a:p>
-          </p:txBody>
-        </p:sp>
-        <p:pic>
-          <p:nvPicPr>
-            <p:cNvPr id="64" name="그림 63">
-              <a:extLst>
-                <a:ext uri="{FF2B5EF4-FFF2-40B4-BE49-F238E27FC236}">
-                  <a16:creationId xmlns:a16="http://schemas.microsoft.com/office/drawing/2014/main" id="{EF576BFE-E822-9842-A374-62D5D4C7699B}"/>
-                </a:ext>
-              </a:extLst>
-            </p:cNvPr>
-            <p:cNvPicPr>
-              <a:picLocks noChangeAspect="1"/>
-            </p:cNvPicPr>
-            <p:nvPr/>
-          </p:nvPicPr>
-          <p:blipFill>
-            <a:blip r:embed="rId3"/>
-            <a:stretch>
-              <a:fillRect/>
-            </a:stretch>
-          </p:blipFill>
-          <p:spPr>
-            <a:xfrm>
-              <a:off x="10095143" y="5026481"/>
-              <a:ext cx="1735666" cy="1735666"/>
-            </a:xfrm>
-            <a:prstGeom prst="rect">
-              <a:avLst/>
-            </a:prstGeom>
-          </p:spPr>
-        </p:pic>
-        <p:pic>
-          <p:nvPicPr>
-            <p:cNvPr id="65" name="그림 64">
-              <a:extLst>
-                <a:ext uri="{FF2B5EF4-FFF2-40B4-BE49-F238E27FC236}">
-                  <a16:creationId xmlns:a16="http://schemas.microsoft.com/office/drawing/2014/main" id="{781CBAD9-767C-AF4A-897B-3A06951FAB53}"/>
-                </a:ext>
-              </a:extLst>
-            </p:cNvPr>
-            <p:cNvPicPr>
-              <a:picLocks noChangeAspect="1"/>
-            </p:cNvPicPr>
-            <p:nvPr/>
-          </p:nvPicPr>
-          <p:blipFill>
-            <a:blip r:embed="rId4"/>
-            <a:stretch>
-              <a:fillRect/>
-            </a:stretch>
-          </p:blipFill>
-          <p:spPr>
-            <a:xfrm>
-              <a:off x="906185" y="4916413"/>
-              <a:ext cx="1955800" cy="1955800"/>
-            </a:xfrm>
-            <a:prstGeom prst="rect">
-              <a:avLst/>
-            </a:prstGeom>
-          </p:spPr>
-        </p:pic>
-        <p:pic>
-          <p:nvPicPr>
-            <p:cNvPr id="66" name="그림 65">
-              <a:extLst>
-                <a:ext uri="{FF2B5EF4-FFF2-40B4-BE49-F238E27FC236}">
-                  <a16:creationId xmlns:a16="http://schemas.microsoft.com/office/drawing/2014/main" id="{E958896B-33A2-564A-B0C9-ECC3085E3125}"/>
-                </a:ext>
-              </a:extLst>
-            </p:cNvPr>
-            <p:cNvPicPr>
-              <a:picLocks noChangeAspect="1"/>
-            </p:cNvPicPr>
-            <p:nvPr/>
-          </p:nvPicPr>
-          <p:blipFill>
-            <a:blip r:embed="rId3"/>
-            <a:stretch>
-              <a:fillRect/>
-            </a:stretch>
-          </p:blipFill>
-          <p:spPr>
-            <a:xfrm>
-              <a:off x="9434743" y="5026481"/>
-              <a:ext cx="1735666" cy="1735666"/>
-            </a:xfrm>
-            <a:prstGeom prst="rect">
-              <a:avLst/>
-            </a:prstGeom>
-          </p:spPr>
-        </p:pic>
-        <p:pic>
-          <p:nvPicPr>
-            <p:cNvPr id="67" name="그림 66">
-              <a:extLst>
-                <a:ext uri="{FF2B5EF4-FFF2-40B4-BE49-F238E27FC236}">
-                  <a16:creationId xmlns:a16="http://schemas.microsoft.com/office/drawing/2014/main" id="{3E395906-7376-2840-A181-11F7A40BBB2F}"/>
-                </a:ext>
-              </a:extLst>
-            </p:cNvPr>
-            <p:cNvPicPr>
-              <a:picLocks noChangeAspect="1"/>
-            </p:cNvPicPr>
-            <p:nvPr/>
-          </p:nvPicPr>
-          <p:blipFill>
-            <a:blip r:embed="rId5"/>
-            <a:stretch>
-              <a:fillRect/>
-            </a:stretch>
-          </p:blipFill>
-          <p:spPr>
-            <a:xfrm>
-              <a:off x="3332976" y="6434243"/>
-              <a:ext cx="505096" cy="505096"/>
-            </a:xfrm>
-            <a:prstGeom prst="rect">
-              <a:avLst/>
-            </a:prstGeom>
-          </p:spPr>
-        </p:pic>
-        <p:pic>
-          <p:nvPicPr>
-            <p:cNvPr id="68" name="그림 67">
-              <a:extLst>
-                <a:ext uri="{FF2B5EF4-FFF2-40B4-BE49-F238E27FC236}">
-                  <a16:creationId xmlns:a16="http://schemas.microsoft.com/office/drawing/2014/main" id="{1AD9B3BC-05C9-A546-B6AD-D4C164D40B23}"/>
-                </a:ext>
-              </a:extLst>
-            </p:cNvPr>
-            <p:cNvPicPr>
-              <a:picLocks noChangeAspect="1"/>
-            </p:cNvPicPr>
-            <p:nvPr/>
-          </p:nvPicPr>
-          <p:blipFill>
-            <a:blip r:embed="rId6"/>
-            <a:stretch>
-              <a:fillRect/>
-            </a:stretch>
-          </p:blipFill>
-          <p:spPr>
-            <a:xfrm>
-              <a:off x="3272662" y="4742122"/>
-              <a:ext cx="590888" cy="590888"/>
-            </a:xfrm>
-            <a:prstGeom prst="rect">
-              <a:avLst/>
-            </a:prstGeom>
-          </p:spPr>
-        </p:pic>
-        <p:sp>
-          <p:nvSpPr>
-            <p:cNvPr id="69" name="TextBox 68">
-              <a:extLst>
-                <a:ext uri="{FF2B5EF4-FFF2-40B4-BE49-F238E27FC236}">
-                  <a16:creationId xmlns:a16="http://schemas.microsoft.com/office/drawing/2014/main" id="{B5254DE7-3142-1C4D-9B30-AE3DD72E97F5}"/>
-                </a:ext>
-              </a:extLst>
-            </p:cNvPr>
-            <p:cNvSpPr txBox="1"/>
-            <p:nvPr/>
-          </p:nvSpPr>
-          <p:spPr>
-            <a:xfrm>
-              <a:off x="3825422" y="4852900"/>
-              <a:ext cx="1092543" cy="369332"/>
-            </a:xfrm>
-            <a:prstGeom prst="rect">
-              <a:avLst/>
-            </a:prstGeom>
-            <a:noFill/>
-          </p:spPr>
-          <p:txBody>
-            <a:bodyPr wrap="none" rtlCol="0">
-              <a:spAutoFit/>
-            </a:bodyPr>
-            <a:lstStyle/>
-            <a:p>
-              <a:r>
-                <a:rPr kumimoji="1" lang="en-US" altLang="ko-KR" dirty="0" err="1"/>
-                <a:t>beomy.js</a:t>
-              </a:r>
-              <a:endParaRPr kumimoji="1" lang="ko-KR" altLang="en-US" dirty="0"/>
-            </a:p>
-          </p:txBody>
-        </p:sp>
-        <p:pic>
-          <p:nvPicPr>
-            <p:cNvPr id="70" name="그림 69">
-              <a:extLst>
-                <a:ext uri="{FF2B5EF4-FFF2-40B4-BE49-F238E27FC236}">
-                  <a16:creationId xmlns:a16="http://schemas.microsoft.com/office/drawing/2014/main" id="{DC64EF5A-3BAB-0747-B8C8-C23600FB5D37}"/>
-                </a:ext>
-              </a:extLst>
-            </p:cNvPr>
-            <p:cNvPicPr>
-              <a:picLocks noChangeAspect="1"/>
-            </p:cNvPicPr>
-            <p:nvPr/>
-          </p:nvPicPr>
-          <p:blipFill>
-            <a:blip r:embed="rId6"/>
-            <a:stretch>
-              <a:fillRect/>
-            </a:stretch>
-          </p:blipFill>
-          <p:spPr>
-            <a:xfrm>
-              <a:off x="3272662" y="5563546"/>
-              <a:ext cx="590888" cy="590888"/>
-            </a:xfrm>
-            <a:prstGeom prst="rect">
-              <a:avLst/>
-            </a:prstGeom>
-          </p:spPr>
-        </p:pic>
-        <p:sp>
-          <p:nvSpPr>
-            <p:cNvPr id="71" name="TextBox 70">
-              <a:extLst>
-                <a:ext uri="{FF2B5EF4-FFF2-40B4-BE49-F238E27FC236}">
-                  <a16:creationId xmlns:a16="http://schemas.microsoft.com/office/drawing/2014/main" id="{F893AD28-B572-9446-AB09-1B050A6AAD95}"/>
-                </a:ext>
-              </a:extLst>
-            </p:cNvPr>
-            <p:cNvSpPr txBox="1"/>
-            <p:nvPr/>
-          </p:nvSpPr>
-          <p:spPr>
-            <a:xfrm>
-              <a:off x="3825422" y="5674324"/>
-              <a:ext cx="1244828" cy="369332"/>
-            </a:xfrm>
-            <a:prstGeom prst="rect">
-              <a:avLst/>
-            </a:prstGeom>
-            <a:noFill/>
-          </p:spPr>
-          <p:txBody>
-            <a:bodyPr wrap="none" rtlCol="0">
-              <a:spAutoFit/>
-            </a:bodyPr>
-            <a:lstStyle/>
-            <a:p>
-              <a:r>
-                <a:rPr kumimoji="1" lang="en-US" altLang="ko-KR" dirty="0" err="1"/>
-                <a:t>beomy.css</a:t>
-              </a:r>
-              <a:endParaRPr kumimoji="1" lang="ko-KR" altLang="en-US" dirty="0"/>
-            </a:p>
-          </p:txBody>
-        </p:sp>
-        <p:sp>
-          <p:nvSpPr>
-            <p:cNvPr id="72" name="TextBox 71">
-              <a:extLst>
-                <a:ext uri="{FF2B5EF4-FFF2-40B4-BE49-F238E27FC236}">
-                  <a16:creationId xmlns:a16="http://schemas.microsoft.com/office/drawing/2014/main" id="{50BAB1BD-57D3-9548-88D6-D7E93FD4024E}"/>
-                </a:ext>
-              </a:extLst>
-            </p:cNvPr>
-            <p:cNvSpPr txBox="1"/>
-            <p:nvPr/>
-          </p:nvSpPr>
-          <p:spPr>
-            <a:xfrm>
-              <a:off x="3825422" y="6497429"/>
-              <a:ext cx="1270476" cy="369332"/>
-            </a:xfrm>
-            <a:prstGeom prst="rect">
-              <a:avLst/>
-            </a:prstGeom>
-            <a:noFill/>
-          </p:spPr>
-          <p:txBody>
-            <a:bodyPr wrap="none" rtlCol="0">
-              <a:spAutoFit/>
-            </a:bodyPr>
-            <a:lstStyle/>
-            <a:p>
-              <a:r>
-                <a:rPr kumimoji="1" lang="en-US" altLang="ko-KR" dirty="0" err="1"/>
-                <a:t>beomy.jpg</a:t>
-              </a:r>
-              <a:endParaRPr kumimoji="1" lang="ko-KR" altLang="en-US" dirty="0"/>
-            </a:p>
-          </p:txBody>
-        </p:sp>
-        <p:sp>
-          <p:nvSpPr>
-            <p:cNvPr id="73" name="모서리가 둥근 직사각형 72">
-              <a:extLst>
-                <a:ext uri="{FF2B5EF4-FFF2-40B4-BE49-F238E27FC236}">
-                  <a16:creationId xmlns:a16="http://schemas.microsoft.com/office/drawing/2014/main" id="{7F428BF3-B8EA-DC41-B7A1-A4911E4A1BC1}"/>
-                </a:ext>
-              </a:extLst>
-            </p:cNvPr>
-            <p:cNvSpPr/>
-            <p:nvPr/>
-          </p:nvSpPr>
-          <p:spPr>
-            <a:xfrm>
-              <a:off x="7689127" y="4520089"/>
-              <a:ext cx="1844266" cy="2634342"/>
-            </a:xfrm>
-            <a:prstGeom prst="roundRect">
-              <a:avLst/>
-            </a:prstGeom>
-            <a:solidFill>
-              <a:schemeClr val="accent3">
-                <a:alpha val="30000"/>
-              </a:schemeClr>
-            </a:solidFill>
-            <a:ln>
-              <a:noFill/>
-            </a:ln>
-          </p:spPr>
-          <p:style>
-            <a:lnRef idx="2">
-              <a:schemeClr val="accent1">
-                <a:shade val="50000"/>
-              </a:schemeClr>
-            </a:lnRef>
-            <a:fillRef idx="1">
-              <a:schemeClr val="accent1"/>
-            </a:fillRef>
-            <a:effectRef idx="0">
-              <a:schemeClr val="accent1"/>
-            </a:effectRef>
-            <a:fontRef idx="minor">
-              <a:schemeClr val="lt1"/>
-            </a:fontRef>
-          </p:style>
-          <p:txBody>
-            <a:bodyPr rtlCol="0" anchor="t"/>
-            <a:lstStyle/>
-            <a:p>
-              <a:pPr algn="ctr"/>
-              <a:endParaRPr kumimoji="1" lang="ko-KR" altLang="en-US" sz="1100" dirty="0">
-                <a:solidFill>
-                  <a:schemeClr val="tx1"/>
-                </a:solidFill>
-              </a:endParaRPr>
-            </a:p>
-          </p:txBody>
-        </p:sp>
-        <p:pic>
-          <p:nvPicPr>
-            <p:cNvPr id="74" name="그림 73">
-              <a:extLst>
-                <a:ext uri="{FF2B5EF4-FFF2-40B4-BE49-F238E27FC236}">
-                  <a16:creationId xmlns:a16="http://schemas.microsoft.com/office/drawing/2014/main" id="{A5C93794-DD5B-D442-B32C-116305CBAAAA}"/>
-                </a:ext>
-              </a:extLst>
-            </p:cNvPr>
-            <p:cNvPicPr>
-              <a:picLocks noChangeAspect="1"/>
-            </p:cNvPicPr>
-            <p:nvPr/>
-          </p:nvPicPr>
-          <p:blipFill>
-            <a:blip r:embed="rId5"/>
-            <a:stretch>
-              <a:fillRect/>
-            </a:stretch>
-          </p:blipFill>
-          <p:spPr>
-            <a:xfrm>
-              <a:off x="7796119" y="6434243"/>
-              <a:ext cx="505096" cy="505096"/>
-            </a:xfrm>
-            <a:prstGeom prst="rect">
-              <a:avLst/>
-            </a:prstGeom>
-          </p:spPr>
-        </p:pic>
-        <p:pic>
-          <p:nvPicPr>
-            <p:cNvPr id="75" name="그림 74">
-              <a:extLst>
-                <a:ext uri="{FF2B5EF4-FFF2-40B4-BE49-F238E27FC236}">
-                  <a16:creationId xmlns:a16="http://schemas.microsoft.com/office/drawing/2014/main" id="{5396ADF8-A5E5-A740-A8FC-174B6481DEF4}"/>
-                </a:ext>
-              </a:extLst>
-            </p:cNvPr>
-            <p:cNvPicPr>
-              <a:picLocks noChangeAspect="1"/>
-            </p:cNvPicPr>
-            <p:nvPr/>
-          </p:nvPicPr>
-          <p:blipFill>
-            <a:blip r:embed="rId6"/>
-            <a:stretch>
-              <a:fillRect/>
-            </a:stretch>
-          </p:blipFill>
-          <p:spPr>
-            <a:xfrm>
-              <a:off x="7735805" y="4742122"/>
-              <a:ext cx="590888" cy="590888"/>
-            </a:xfrm>
-            <a:prstGeom prst="rect">
-              <a:avLst/>
-            </a:prstGeom>
-          </p:spPr>
-        </p:pic>
-        <p:sp>
-          <p:nvSpPr>
-            <p:cNvPr id="76" name="TextBox 75">
-              <a:extLst>
-                <a:ext uri="{FF2B5EF4-FFF2-40B4-BE49-F238E27FC236}">
-                  <a16:creationId xmlns:a16="http://schemas.microsoft.com/office/drawing/2014/main" id="{A1C67453-5185-9F44-AEE1-A4DA30A2437E}"/>
-                </a:ext>
-              </a:extLst>
-            </p:cNvPr>
-            <p:cNvSpPr txBox="1"/>
-            <p:nvPr/>
-          </p:nvSpPr>
-          <p:spPr>
-            <a:xfrm>
-              <a:off x="8288565" y="4852900"/>
-              <a:ext cx="1092543" cy="369332"/>
-            </a:xfrm>
-            <a:prstGeom prst="rect">
-              <a:avLst/>
-            </a:prstGeom>
-            <a:noFill/>
-          </p:spPr>
-          <p:txBody>
-            <a:bodyPr wrap="none" rtlCol="0">
-              <a:spAutoFit/>
-            </a:bodyPr>
-            <a:lstStyle/>
-            <a:p>
-              <a:r>
-                <a:rPr kumimoji="1" lang="en-US" altLang="ko-KR" dirty="0" err="1"/>
-                <a:t>beomy.js</a:t>
-              </a:r>
-              <a:endParaRPr kumimoji="1" lang="ko-KR" altLang="en-US" dirty="0"/>
-            </a:p>
-          </p:txBody>
-        </p:sp>
-        <p:pic>
-          <p:nvPicPr>
-            <p:cNvPr id="77" name="그림 76">
-              <a:extLst>
-                <a:ext uri="{FF2B5EF4-FFF2-40B4-BE49-F238E27FC236}">
-                  <a16:creationId xmlns:a16="http://schemas.microsoft.com/office/drawing/2014/main" id="{FCA50CD2-E936-BA42-A199-1015D4D02E69}"/>
-                </a:ext>
-              </a:extLst>
-            </p:cNvPr>
-            <p:cNvPicPr>
-              <a:picLocks noChangeAspect="1"/>
-            </p:cNvPicPr>
-            <p:nvPr/>
-          </p:nvPicPr>
-          <p:blipFill>
-            <a:blip r:embed="rId6"/>
-            <a:stretch>
-              <a:fillRect/>
-            </a:stretch>
-          </p:blipFill>
-          <p:spPr>
-            <a:xfrm>
-              <a:off x="7735805" y="5563546"/>
-              <a:ext cx="590888" cy="590888"/>
-            </a:xfrm>
-            <a:prstGeom prst="rect">
-              <a:avLst/>
-            </a:prstGeom>
-          </p:spPr>
-        </p:pic>
-        <p:sp>
-          <p:nvSpPr>
-            <p:cNvPr id="78" name="TextBox 77">
-              <a:extLst>
-                <a:ext uri="{FF2B5EF4-FFF2-40B4-BE49-F238E27FC236}">
-                  <a16:creationId xmlns:a16="http://schemas.microsoft.com/office/drawing/2014/main" id="{BD0654F8-1E0E-9447-A258-F52ED2CEFDCD}"/>
-                </a:ext>
-              </a:extLst>
-            </p:cNvPr>
-            <p:cNvSpPr txBox="1"/>
-            <p:nvPr/>
-          </p:nvSpPr>
-          <p:spPr>
-            <a:xfrm>
-              <a:off x="8288565" y="5674324"/>
-              <a:ext cx="1244828" cy="369332"/>
-            </a:xfrm>
-            <a:prstGeom prst="rect">
-              <a:avLst/>
-            </a:prstGeom>
-            <a:noFill/>
-          </p:spPr>
-          <p:txBody>
-            <a:bodyPr wrap="none" rtlCol="0">
-              <a:spAutoFit/>
-            </a:bodyPr>
-            <a:lstStyle/>
-            <a:p>
-              <a:r>
-                <a:rPr kumimoji="1" lang="en-US" altLang="ko-KR" dirty="0" err="1"/>
-                <a:t>beomy.css</a:t>
-              </a:r>
-              <a:endParaRPr kumimoji="1" lang="ko-KR" altLang="en-US" dirty="0"/>
-            </a:p>
-          </p:txBody>
-        </p:sp>
-        <p:sp>
-          <p:nvSpPr>
-            <p:cNvPr id="79" name="TextBox 78">
-              <a:extLst>
-                <a:ext uri="{FF2B5EF4-FFF2-40B4-BE49-F238E27FC236}">
-                  <a16:creationId xmlns:a16="http://schemas.microsoft.com/office/drawing/2014/main" id="{30FCC07C-5B64-9D4C-99A9-E00B78FA243E}"/>
-                </a:ext>
-              </a:extLst>
-            </p:cNvPr>
-            <p:cNvSpPr txBox="1"/>
-            <p:nvPr/>
-          </p:nvSpPr>
-          <p:spPr>
-            <a:xfrm>
-              <a:off x="8288565" y="6497429"/>
-              <a:ext cx="1270476" cy="369332"/>
-            </a:xfrm>
-            <a:prstGeom prst="rect">
-              <a:avLst/>
-            </a:prstGeom>
-            <a:noFill/>
-          </p:spPr>
-          <p:txBody>
-            <a:bodyPr wrap="none" rtlCol="0">
-              <a:spAutoFit/>
-            </a:bodyPr>
-            <a:lstStyle/>
-            <a:p>
-              <a:r>
-                <a:rPr kumimoji="1" lang="en-US" altLang="ko-KR" dirty="0" err="1"/>
-                <a:t>beomy.jpg</a:t>
-              </a:r>
-              <a:endParaRPr kumimoji="1" lang="ko-KR" altLang="en-US" dirty="0"/>
-            </a:p>
-          </p:txBody>
-        </p:sp>
-        <p:cxnSp>
-          <p:nvCxnSpPr>
-            <p:cNvPr id="80" name="직선 화살표 연결선 79">
-              <a:extLst>
-                <a:ext uri="{FF2B5EF4-FFF2-40B4-BE49-F238E27FC236}">
-                  <a16:creationId xmlns:a16="http://schemas.microsoft.com/office/drawing/2014/main" id="{0797417A-BE90-A54D-87F8-42A3B4FA06D0}"/>
-                </a:ext>
-              </a:extLst>
-            </p:cNvPr>
-            <p:cNvCxnSpPr>
-              <a:cxnSpLocks/>
-              <a:stCxn id="63" idx="3"/>
-              <a:endCxn id="73" idx="1"/>
-            </p:cNvCxnSpPr>
-            <p:nvPr/>
-          </p:nvCxnSpPr>
-          <p:spPr>
-            <a:xfrm>
-              <a:off x="5070250" y="5837260"/>
-              <a:ext cx="2618877" cy="0"/>
-            </a:xfrm>
-            <a:prstGeom prst="straightConnector1">
-              <a:avLst/>
-            </a:prstGeom>
-            <a:ln w="50800">
-              <a:solidFill>
-                <a:schemeClr val="tx1"/>
-              </a:solidFill>
-              <a:headEnd type="triangle"/>
-              <a:tailEnd type="triangle"/>
-            </a:ln>
-          </p:spPr>
-          <p:style>
-            <a:lnRef idx="1">
-              <a:schemeClr val="accent1"/>
-            </a:lnRef>
-            <a:fillRef idx="0">
-              <a:schemeClr val="accent1"/>
-            </a:fillRef>
-            <a:effectRef idx="0">
-              <a:schemeClr val="accent1"/>
-            </a:effectRef>
-            <a:fontRef idx="minor">
-              <a:schemeClr val="tx1"/>
-            </a:fontRef>
-          </p:style>
-        </p:cxnSp>
-        <p:sp>
-          <p:nvSpPr>
-            <p:cNvPr id="81" name="직사각형 80">
-              <a:extLst>
-                <a:ext uri="{FF2B5EF4-FFF2-40B4-BE49-F238E27FC236}">
-                  <a16:creationId xmlns:a16="http://schemas.microsoft.com/office/drawing/2014/main" id="{68B607C6-E034-2442-9D6B-46B51AB2B00C}"/>
-                </a:ext>
-              </a:extLst>
-            </p:cNvPr>
-            <p:cNvSpPr/>
-            <p:nvPr/>
-          </p:nvSpPr>
-          <p:spPr>
-            <a:xfrm>
-              <a:off x="3032759" y="4139088"/>
-              <a:ext cx="6740434" cy="3193869"/>
-            </a:xfrm>
-            <a:prstGeom prst="rect">
-              <a:avLst/>
-            </a:prstGeom>
-            <a:noFill/>
-            <a:ln w="50800">
-              <a:solidFill>
-                <a:schemeClr val="tx1"/>
-              </a:solidFill>
-            </a:ln>
-          </p:spPr>
-          <p:style>
-            <a:lnRef idx="2">
-              <a:schemeClr val="accent1">
-                <a:shade val="50000"/>
-              </a:schemeClr>
-            </a:lnRef>
-            <a:fillRef idx="1">
-              <a:schemeClr val="accent1"/>
-            </a:fillRef>
-            <a:effectRef idx="0">
-              <a:schemeClr val="accent1"/>
-            </a:effectRef>
-            <a:fontRef idx="minor">
-              <a:schemeClr val="lt1"/>
-            </a:fontRef>
-          </p:style>
-          <p:txBody>
-            <a:bodyPr rtlCol="0" anchor="ctr"/>
-            <a:lstStyle/>
-            <a:p>
-              <a:pPr algn="ctr"/>
-              <a:endParaRPr kumimoji="1" lang="ko-KR" altLang="en-US"/>
-            </a:p>
-          </p:txBody>
-        </p:sp>
-        <p:sp>
-          <p:nvSpPr>
-            <p:cNvPr id="82" name="TextBox 81">
-              <a:extLst>
-                <a:ext uri="{FF2B5EF4-FFF2-40B4-BE49-F238E27FC236}">
-                  <a16:creationId xmlns:a16="http://schemas.microsoft.com/office/drawing/2014/main" id="{03D60879-F29A-4B40-BA2F-68FC8FD6DE68}"/>
-                </a:ext>
-              </a:extLst>
-            </p:cNvPr>
-            <p:cNvSpPr txBox="1"/>
-            <p:nvPr/>
-          </p:nvSpPr>
-          <p:spPr>
-            <a:xfrm>
-              <a:off x="5242130" y="3794150"/>
-              <a:ext cx="2275116" cy="646331"/>
-            </a:xfrm>
-            <a:prstGeom prst="rect">
-              <a:avLst/>
-            </a:prstGeom>
-            <a:solidFill>
-              <a:schemeClr val="bg1"/>
-            </a:solidFill>
-          </p:spPr>
-          <p:txBody>
-            <a:bodyPr wrap="square" rtlCol="0">
-              <a:spAutoFit/>
-            </a:bodyPr>
-            <a:lstStyle/>
-            <a:p>
-              <a:pPr algn="ctr"/>
-              <a:r>
-                <a:rPr kumimoji="1" lang="en-US" altLang="ko-KR" dirty="0"/>
-                <a:t>HTTP/2</a:t>
-              </a:r>
-            </a:p>
-            <a:p>
-              <a:pPr algn="ctr"/>
-              <a:r>
-                <a:rPr kumimoji="1" lang="en-US" altLang="ko-KR" dirty="0"/>
-                <a:t>1 TCP Connection</a:t>
-              </a:r>
-              <a:endParaRPr kumimoji="1" lang="ko-KR" altLang="en-US" dirty="0"/>
+                <a:rPr kumimoji="1" lang="en-US" altLang="ko-KR" sz="2400" b="1" dirty="0"/>
+                <a:t>1</a:t>
+              </a:r>
+              <a:endParaRPr kumimoji="1" lang="ko-KR" altLang="en-US" sz="2400" b="1" dirty="0"/>
             </a:p>
           </p:txBody>
         </p:sp>
